--- a/Introduction to 3D Printing.pptx
+++ b/Introduction to 3D Printing.pptx
@@ -24,7 +24,11 @@
     <p:sldId id="271" r:id="rId18"/>
     <p:sldId id="272" r:id="rId19"/>
     <p:sldId id="273" r:id="rId20"/>
-    <p:sldId id="274" r:id="rId21"/>
+    <p:sldId id="276" r:id="rId21"/>
+    <p:sldId id="274" r:id="rId22"/>
+    <p:sldId id="278" r:id="rId23"/>
+    <p:sldId id="277" r:id="rId24"/>
+    <p:sldId id="279" r:id="rId25"/>
   </p:sldIdLst>
   <p:sldSz cx="9144000" cy="6858000" type="screen4x3"/>
   <p:notesSz cx="6858000" cy="9144000"/>
@@ -307,7 +311,7 @@
           <a:p>
             <a:fld id="{03F24ECC-79A4-43A1-8C02-28912ED20E3E}" type="datetimeFigureOut">
               <a:rPr lang="en-US" smtClean="0"/>
-              <a:t>6/21/2015</a:t>
+              <a:t>6/23/2015</a:t>
             </a:fld>
             <a:endParaRPr lang="en-US"/>
           </a:p>
@@ -477,7 +481,7 @@
           <a:p>
             <a:fld id="{03F24ECC-79A4-43A1-8C02-28912ED20E3E}" type="datetimeFigureOut">
               <a:rPr lang="en-US" smtClean="0"/>
-              <a:t>6/21/2015</a:t>
+              <a:t>6/23/2015</a:t>
             </a:fld>
             <a:endParaRPr lang="en-US"/>
           </a:p>
@@ -657,7 +661,7 @@
           <a:p>
             <a:fld id="{03F24ECC-79A4-43A1-8C02-28912ED20E3E}" type="datetimeFigureOut">
               <a:rPr lang="en-US" smtClean="0"/>
-              <a:t>6/21/2015</a:t>
+              <a:t>6/23/2015</a:t>
             </a:fld>
             <a:endParaRPr lang="en-US"/>
           </a:p>
@@ -827,7 +831,7 @@
           <a:p>
             <a:fld id="{03F24ECC-79A4-43A1-8C02-28912ED20E3E}" type="datetimeFigureOut">
               <a:rPr lang="en-US" smtClean="0"/>
-              <a:t>6/21/2015</a:t>
+              <a:t>6/23/2015</a:t>
             </a:fld>
             <a:endParaRPr lang="en-US"/>
           </a:p>
@@ -1073,7 +1077,7 @@
           <a:p>
             <a:fld id="{03F24ECC-79A4-43A1-8C02-28912ED20E3E}" type="datetimeFigureOut">
               <a:rPr lang="en-US" smtClean="0"/>
-              <a:t>6/21/2015</a:t>
+              <a:t>6/23/2015</a:t>
             </a:fld>
             <a:endParaRPr lang="en-US"/>
           </a:p>
@@ -1361,7 +1365,7 @@
           <a:p>
             <a:fld id="{03F24ECC-79A4-43A1-8C02-28912ED20E3E}" type="datetimeFigureOut">
               <a:rPr lang="en-US" smtClean="0"/>
-              <a:t>6/21/2015</a:t>
+              <a:t>6/23/2015</a:t>
             </a:fld>
             <a:endParaRPr lang="en-US"/>
           </a:p>
@@ -1783,7 +1787,7 @@
           <a:p>
             <a:fld id="{03F24ECC-79A4-43A1-8C02-28912ED20E3E}" type="datetimeFigureOut">
               <a:rPr lang="en-US" smtClean="0"/>
-              <a:t>6/21/2015</a:t>
+              <a:t>6/23/2015</a:t>
             </a:fld>
             <a:endParaRPr lang="en-US"/>
           </a:p>
@@ -1901,7 +1905,7 @@
           <a:p>
             <a:fld id="{03F24ECC-79A4-43A1-8C02-28912ED20E3E}" type="datetimeFigureOut">
               <a:rPr lang="en-US" smtClean="0"/>
-              <a:t>6/21/2015</a:t>
+              <a:t>6/23/2015</a:t>
             </a:fld>
             <a:endParaRPr lang="en-US"/>
           </a:p>
@@ -1996,7 +2000,7 @@
           <a:p>
             <a:fld id="{03F24ECC-79A4-43A1-8C02-28912ED20E3E}" type="datetimeFigureOut">
               <a:rPr lang="en-US" smtClean="0"/>
-              <a:t>6/21/2015</a:t>
+              <a:t>6/23/2015</a:t>
             </a:fld>
             <a:endParaRPr lang="en-US"/>
           </a:p>
@@ -2273,7 +2277,7 @@
           <a:p>
             <a:fld id="{03F24ECC-79A4-43A1-8C02-28912ED20E3E}" type="datetimeFigureOut">
               <a:rPr lang="en-US" smtClean="0"/>
-              <a:t>6/21/2015</a:t>
+              <a:t>6/23/2015</a:t>
             </a:fld>
             <a:endParaRPr lang="en-US"/>
           </a:p>
@@ -2526,7 +2530,7 @@
           <a:p>
             <a:fld id="{03F24ECC-79A4-43A1-8C02-28912ED20E3E}" type="datetimeFigureOut">
               <a:rPr lang="en-US" smtClean="0"/>
-              <a:t>6/21/2015</a:t>
+              <a:t>6/23/2015</a:t>
             </a:fld>
             <a:endParaRPr lang="en-US"/>
           </a:p>
@@ -2739,7 +2743,7 @@
           <a:p>
             <a:fld id="{03F24ECC-79A4-43A1-8C02-28912ED20E3E}" type="datetimeFigureOut">
               <a:rPr lang="en-US" smtClean="0"/>
-              <a:t>6/21/2015</a:t>
+              <a:t>6/23/2015</a:t>
             </a:fld>
             <a:endParaRPr lang="en-US"/>
           </a:p>
@@ -4522,7 +4526,7 @@
           <a:p>
             <a:r>
               <a:rPr lang="en-US" dirty="0" smtClean="0"/>
-              <a:t>Terminology</a:t>
+              <a:t>Terminology / Settings</a:t>
             </a:r>
             <a:endParaRPr lang="en-US" dirty="0"/>
           </a:p>
@@ -4808,6 +4812,190 @@
           <a:p>
             <a:r>
               <a:rPr lang="en-US" dirty="0" smtClean="0"/>
+              <a:t>Infill</a:t>
+            </a:r>
+            <a:endParaRPr lang="en-US" dirty="0"/>
+          </a:p>
+        </p:txBody>
+      </p:sp>
+      <p:sp>
+        <p:nvSpPr>
+          <p:cNvPr id="11" name="TextBox 10"/>
+          <p:cNvSpPr txBox="1"/>
+          <p:nvPr/>
+        </p:nvSpPr>
+        <p:spPr>
+          <a:xfrm>
+            <a:off x="1905000" y="4803523"/>
+            <a:ext cx="1028700" cy="523220"/>
+          </a:xfrm>
+          <a:prstGeom prst="rect">
+            <a:avLst/>
+          </a:prstGeom>
+          <a:noFill/>
+        </p:spPr>
+        <p:txBody>
+          <a:bodyPr wrap="square" rtlCol="0">
+            <a:spAutoFit/>
+          </a:bodyPr>
+          <a:lstStyle/>
+          <a:p>
+            <a:r>
+              <a:rPr lang="en-US" sz="2800" dirty="0" smtClean="0"/>
+              <a:t>10%</a:t>
+            </a:r>
+            <a:endParaRPr lang="en-US" sz="2800" dirty="0"/>
+          </a:p>
+        </p:txBody>
+      </p:sp>
+      <p:sp>
+        <p:nvSpPr>
+          <p:cNvPr id="13" name="TextBox 12"/>
+          <p:cNvSpPr txBox="1"/>
+          <p:nvPr/>
+        </p:nvSpPr>
+        <p:spPr>
+          <a:xfrm>
+            <a:off x="6066064" y="4817332"/>
+            <a:ext cx="1447800" cy="523220"/>
+          </a:xfrm>
+          <a:prstGeom prst="rect">
+            <a:avLst/>
+          </a:prstGeom>
+          <a:noFill/>
+        </p:spPr>
+        <p:txBody>
+          <a:bodyPr wrap="square" rtlCol="0">
+            <a:spAutoFit/>
+          </a:bodyPr>
+          <a:lstStyle/>
+          <a:p>
+            <a:r>
+              <a:rPr lang="en-US" sz="2800" dirty="0" smtClean="0"/>
+              <a:t>40%</a:t>
+            </a:r>
+          </a:p>
+        </p:txBody>
+      </p:sp>
+      <p:pic>
+        <p:nvPicPr>
+          <p:cNvPr id="14" name="Picture 13"/>
+          <p:cNvPicPr>
+            <a:picLocks noChangeAspect="1"/>
+          </p:cNvPicPr>
+          <p:nvPr/>
+        </p:nvPicPr>
+        <p:blipFill>
+          <a:blip r:embed="rId2">
+            <a:extLst>
+              <a:ext uri="{28A0092B-C50C-407E-A947-70E740481C1C}">
+                <a14:useLocalDpi xmlns:a14="http://schemas.microsoft.com/office/drawing/2010/main" val="0"/>
+              </a:ext>
+            </a:extLst>
+          </a:blip>
+          <a:stretch>
+            <a:fillRect/>
+          </a:stretch>
+        </p:blipFill>
+        <p:spPr>
+          <a:xfrm>
+            <a:off x="457200" y="1143000"/>
+            <a:ext cx="4152900" cy="3451521"/>
+          </a:xfrm>
+          <a:prstGeom prst="rect">
+            <a:avLst/>
+          </a:prstGeom>
+        </p:spPr>
+      </p:pic>
+      <p:pic>
+        <p:nvPicPr>
+          <p:cNvPr id="15" name="Picture 14"/>
+          <p:cNvPicPr>
+            <a:picLocks noChangeAspect="1"/>
+          </p:cNvPicPr>
+          <p:nvPr/>
+        </p:nvPicPr>
+        <p:blipFill>
+          <a:blip r:embed="rId3">
+            <a:extLst>
+              <a:ext uri="{28A0092B-C50C-407E-A947-70E740481C1C}">
+                <a14:useLocalDpi xmlns:a14="http://schemas.microsoft.com/office/drawing/2010/main" val="0"/>
+              </a:ext>
+            </a:extLst>
+          </a:blip>
+          <a:stretch>
+            <a:fillRect/>
+          </a:stretch>
+        </p:blipFill>
+        <p:spPr>
+          <a:xfrm>
+            <a:off x="4800600" y="1143000"/>
+            <a:ext cx="3978729" cy="3470468"/>
+          </a:xfrm>
+          <a:prstGeom prst="rect">
+            <a:avLst/>
+          </a:prstGeom>
+        </p:spPr>
+      </p:pic>
+    </p:spTree>
+    <p:extLst>
+      <p:ext uri="{BB962C8B-B14F-4D97-AF65-F5344CB8AC3E}">
+        <p14:creationId xmlns:p14="http://schemas.microsoft.com/office/powerpoint/2010/main" val="3078402184"/>
+      </p:ext>
+    </p:extLst>
+  </p:cSld>
+  <p:clrMapOvr>
+    <a:masterClrMapping/>
+  </p:clrMapOvr>
+  <p:timing>
+    <p:tnLst>
+      <p:par>
+        <p:cTn id="1" dur="indefinite" restart="never" nodeType="tmRoot"/>
+      </p:par>
+    </p:tnLst>
+  </p:timing>
+</p:sld>
+</file>
+
+<file path=ppt/slides/slide21.xml><?xml version="1.0" encoding="utf-8"?>
+<p:sld xmlns:a="http://schemas.openxmlformats.org/drawingml/2006/main" xmlns:r="http://schemas.openxmlformats.org/officeDocument/2006/relationships" xmlns:p="http://schemas.openxmlformats.org/presentationml/2006/main">
+  <p:cSld>
+    <p:spTree>
+      <p:nvGrpSpPr>
+        <p:cNvPr id="1" name=""/>
+        <p:cNvGrpSpPr/>
+        <p:nvPr/>
+      </p:nvGrpSpPr>
+      <p:grpSpPr>
+        <a:xfrm>
+          <a:off x="0" y="0"/>
+          <a:ext cx="0" cy="0"/>
+          <a:chOff x="0" y="0"/>
+          <a:chExt cx="0" cy="0"/>
+        </a:xfrm>
+      </p:grpSpPr>
+      <p:sp>
+        <p:nvSpPr>
+          <p:cNvPr id="2" name="Title 1"/>
+          <p:cNvSpPr>
+            <a:spLocks noGrp="1"/>
+          </p:cNvSpPr>
+          <p:nvPr>
+            <p:ph type="title"/>
+          </p:nvPr>
+        </p:nvSpPr>
+        <p:spPr>
+          <a:xfrm>
+            <a:off x="457200" y="0"/>
+            <a:ext cx="8229600" cy="1143000"/>
+          </a:xfrm>
+        </p:spPr>
+        <p:txBody>
+          <a:bodyPr/>
+          <a:lstStyle/>
+          <a:p>
+            <a:r>
+              <a:rPr lang="en-US" dirty="0" smtClean="0"/>
               <a:t>Support</a:t>
             </a:r>
             <a:endParaRPr lang="en-US" dirty="0"/>
@@ -4846,10 +5034,1633 @@
           </a:p>
         </p:txBody>
       </p:sp>
+      <p:pic>
+        <p:nvPicPr>
+          <p:cNvPr id="4" name="Picture 3"/>
+          <p:cNvPicPr/>
+          <p:nvPr/>
+        </p:nvPicPr>
+        <p:blipFill>
+          <a:blip r:embed="rId2"/>
+          <a:stretch>
+            <a:fillRect/>
+          </a:stretch>
+        </p:blipFill>
+        <p:spPr>
+          <a:xfrm>
+            <a:off x="567644" y="1600200"/>
+            <a:ext cx="3318556" cy="3485079"/>
+          </a:xfrm>
+          <a:prstGeom prst="rect">
+            <a:avLst/>
+          </a:prstGeom>
+        </p:spPr>
+      </p:pic>
+      <p:pic>
+        <p:nvPicPr>
+          <p:cNvPr id="5" name="Picture 4"/>
+          <p:cNvPicPr/>
+          <p:nvPr/>
+        </p:nvPicPr>
+        <p:blipFill>
+          <a:blip r:embed="rId3"/>
+          <a:stretch>
+            <a:fillRect/>
+          </a:stretch>
+        </p:blipFill>
+        <p:spPr>
+          <a:xfrm>
+            <a:off x="4724400" y="1524000"/>
+            <a:ext cx="2971800" cy="3578047"/>
+          </a:xfrm>
+          <a:prstGeom prst="rect">
+            <a:avLst/>
+          </a:prstGeom>
+        </p:spPr>
+      </p:pic>
     </p:spTree>
     <p:extLst>
       <p:ext uri="{BB962C8B-B14F-4D97-AF65-F5344CB8AC3E}">
         <p14:creationId xmlns:p14="http://schemas.microsoft.com/office/powerpoint/2010/main" val="2809639533"/>
+      </p:ext>
+    </p:extLst>
+  </p:cSld>
+  <p:clrMapOvr>
+    <a:masterClrMapping/>
+  </p:clrMapOvr>
+  <p:timing>
+    <p:tnLst>
+      <p:par>
+        <p:cTn id="1" dur="indefinite" restart="never" nodeType="tmRoot"/>
+      </p:par>
+    </p:tnLst>
+  </p:timing>
+</p:sld>
+</file>
+
+<file path=ppt/slides/slide22.xml><?xml version="1.0" encoding="utf-8"?>
+<p:sld xmlns:a="http://schemas.openxmlformats.org/drawingml/2006/main" xmlns:r="http://schemas.openxmlformats.org/officeDocument/2006/relationships" xmlns:p="http://schemas.openxmlformats.org/presentationml/2006/main">
+  <p:cSld>
+    <p:spTree>
+      <p:nvGrpSpPr>
+        <p:cNvPr id="1" name=""/>
+        <p:cNvGrpSpPr/>
+        <p:nvPr/>
+      </p:nvGrpSpPr>
+      <p:grpSpPr>
+        <a:xfrm>
+          <a:off x="0" y="0"/>
+          <a:ext cx="0" cy="0"/>
+          <a:chOff x="0" y="0"/>
+          <a:chExt cx="0" cy="0"/>
+        </a:xfrm>
+      </p:grpSpPr>
+      <p:sp>
+        <p:nvSpPr>
+          <p:cNvPr id="2" name="Title 1"/>
+          <p:cNvSpPr>
+            <a:spLocks noGrp="1"/>
+          </p:cNvSpPr>
+          <p:nvPr>
+            <p:ph type="title"/>
+          </p:nvPr>
+        </p:nvSpPr>
+        <p:spPr>
+          <a:xfrm>
+            <a:off x="457200" y="0"/>
+            <a:ext cx="8229600" cy="1143000"/>
+          </a:xfrm>
+        </p:spPr>
+        <p:txBody>
+          <a:bodyPr/>
+          <a:lstStyle/>
+          <a:p>
+            <a:r>
+              <a:rPr lang="en-US" dirty="0" smtClean="0"/>
+              <a:t>Raft</a:t>
+            </a:r>
+            <a:endParaRPr lang="en-US" dirty="0"/>
+          </a:p>
+        </p:txBody>
+      </p:sp>
+      <p:pic>
+        <p:nvPicPr>
+          <p:cNvPr id="9" name="Picture 8"/>
+          <p:cNvPicPr>
+            <a:picLocks noChangeAspect="1"/>
+          </p:cNvPicPr>
+          <p:nvPr/>
+        </p:nvPicPr>
+        <p:blipFill>
+          <a:blip r:embed="rId2">
+            <a:extLst>
+              <a:ext uri="{28A0092B-C50C-407E-A947-70E740481C1C}">
+                <a14:useLocalDpi xmlns:a14="http://schemas.microsoft.com/office/drawing/2010/main" val="0"/>
+              </a:ext>
+            </a:extLst>
+          </a:blip>
+          <a:stretch>
+            <a:fillRect/>
+          </a:stretch>
+        </p:blipFill>
+        <p:spPr>
+          <a:xfrm>
+            <a:off x="228600" y="1371600"/>
+            <a:ext cx="4590197" cy="3661229"/>
+          </a:xfrm>
+          <a:prstGeom prst="rect">
+            <a:avLst/>
+          </a:prstGeom>
+        </p:spPr>
+      </p:pic>
+      <p:pic>
+        <p:nvPicPr>
+          <p:cNvPr id="10" name="Picture 9"/>
+          <p:cNvPicPr>
+            <a:picLocks noChangeAspect="1"/>
+          </p:cNvPicPr>
+          <p:nvPr/>
+        </p:nvPicPr>
+        <p:blipFill>
+          <a:blip r:embed="rId3">
+            <a:extLst>
+              <a:ext uri="{28A0092B-C50C-407E-A947-70E740481C1C}">
+                <a14:useLocalDpi xmlns:a14="http://schemas.microsoft.com/office/drawing/2010/main" val="0"/>
+              </a:ext>
+            </a:extLst>
+          </a:blip>
+          <a:stretch>
+            <a:fillRect/>
+          </a:stretch>
+        </p:blipFill>
+        <p:spPr>
+          <a:xfrm>
+            <a:off x="4953000" y="1479593"/>
+            <a:ext cx="4070557" cy="3445242"/>
+          </a:xfrm>
+          <a:prstGeom prst="rect">
+            <a:avLst/>
+          </a:prstGeom>
+        </p:spPr>
+      </p:pic>
+      <p:sp>
+        <p:nvSpPr>
+          <p:cNvPr id="11" name="TextBox 10"/>
+          <p:cNvSpPr txBox="1"/>
+          <p:nvPr/>
+        </p:nvSpPr>
+        <p:spPr>
+          <a:xfrm>
+            <a:off x="1905000" y="5326743"/>
+            <a:ext cx="1028700" cy="523220"/>
+          </a:xfrm>
+          <a:prstGeom prst="rect">
+            <a:avLst/>
+          </a:prstGeom>
+          <a:noFill/>
+        </p:spPr>
+        <p:txBody>
+          <a:bodyPr wrap="square" rtlCol="0">
+            <a:spAutoFit/>
+          </a:bodyPr>
+          <a:lstStyle/>
+          <a:p>
+            <a:r>
+              <a:rPr lang="en-US" sz="2800" dirty="0" smtClean="0"/>
+              <a:t>Top</a:t>
+            </a:r>
+            <a:endParaRPr lang="en-US" sz="2800" dirty="0"/>
+          </a:p>
+        </p:txBody>
+      </p:sp>
+      <p:sp>
+        <p:nvSpPr>
+          <p:cNvPr id="13" name="TextBox 12"/>
+          <p:cNvSpPr txBox="1"/>
+          <p:nvPr/>
+        </p:nvSpPr>
+        <p:spPr>
+          <a:xfrm>
+            <a:off x="5715000" y="5471886"/>
+            <a:ext cx="1447800" cy="523220"/>
+          </a:xfrm>
+          <a:prstGeom prst="rect">
+            <a:avLst/>
+          </a:prstGeom>
+          <a:noFill/>
+        </p:spPr>
+        <p:txBody>
+          <a:bodyPr wrap="square" rtlCol="0">
+            <a:spAutoFit/>
+          </a:bodyPr>
+          <a:lstStyle/>
+          <a:p>
+            <a:r>
+              <a:rPr lang="en-US" sz="2800" dirty="0" smtClean="0"/>
+              <a:t>Bottom</a:t>
+            </a:r>
+            <a:endParaRPr lang="en-US" sz="2800" dirty="0"/>
+          </a:p>
+        </p:txBody>
+      </p:sp>
+    </p:spTree>
+    <p:extLst>
+      <p:ext uri="{BB962C8B-B14F-4D97-AF65-F5344CB8AC3E}">
+        <p14:creationId xmlns:p14="http://schemas.microsoft.com/office/powerpoint/2010/main" val="1167614816"/>
+      </p:ext>
+    </p:extLst>
+  </p:cSld>
+  <p:clrMapOvr>
+    <a:masterClrMapping/>
+  </p:clrMapOvr>
+  <p:timing>
+    <p:tnLst>
+      <p:par>
+        <p:cTn id="1" dur="indefinite" restart="never" nodeType="tmRoot"/>
+      </p:par>
+    </p:tnLst>
+  </p:timing>
+</p:sld>
+</file>
+
+<file path=ppt/slides/slide23.xml><?xml version="1.0" encoding="utf-8"?>
+<p:sld xmlns:a="http://schemas.openxmlformats.org/drawingml/2006/main" xmlns:r="http://schemas.openxmlformats.org/officeDocument/2006/relationships" xmlns:p="http://schemas.openxmlformats.org/presentationml/2006/main">
+  <p:cSld>
+    <p:spTree>
+      <p:nvGrpSpPr>
+        <p:cNvPr id="1" name=""/>
+        <p:cNvGrpSpPr/>
+        <p:nvPr/>
+      </p:nvGrpSpPr>
+      <p:grpSpPr>
+        <a:xfrm>
+          <a:off x="0" y="0"/>
+          <a:ext cx="0" cy="0"/>
+          <a:chOff x="0" y="0"/>
+          <a:chExt cx="0" cy="0"/>
+        </a:xfrm>
+      </p:grpSpPr>
+      <p:sp>
+        <p:nvSpPr>
+          <p:cNvPr id="2" name="Title 1"/>
+          <p:cNvSpPr>
+            <a:spLocks noGrp="1"/>
+          </p:cNvSpPr>
+          <p:nvPr>
+            <p:ph type="title"/>
+          </p:nvPr>
+        </p:nvSpPr>
+        <p:spPr>
+          <a:xfrm>
+            <a:off x="457200" y="0"/>
+            <a:ext cx="8229600" cy="1143000"/>
+          </a:xfrm>
+        </p:spPr>
+        <p:txBody>
+          <a:bodyPr/>
+          <a:lstStyle/>
+          <a:p>
+            <a:r>
+              <a:rPr lang="en-US" dirty="0" smtClean="0"/>
+              <a:t>Skirt / Brim</a:t>
+            </a:r>
+            <a:endParaRPr lang="en-US" dirty="0"/>
+          </a:p>
+        </p:txBody>
+      </p:sp>
+      <p:sp>
+        <p:nvSpPr>
+          <p:cNvPr id="11" name="TextBox 10"/>
+          <p:cNvSpPr txBox="1"/>
+          <p:nvPr/>
+        </p:nvSpPr>
+        <p:spPr>
+          <a:xfrm>
+            <a:off x="1897743" y="5094162"/>
+            <a:ext cx="1028700" cy="523220"/>
+          </a:xfrm>
+          <a:prstGeom prst="rect">
+            <a:avLst/>
+          </a:prstGeom>
+          <a:noFill/>
+        </p:spPr>
+        <p:txBody>
+          <a:bodyPr wrap="square" rtlCol="0">
+            <a:spAutoFit/>
+          </a:bodyPr>
+          <a:lstStyle/>
+          <a:p>
+            <a:r>
+              <a:rPr lang="en-US" sz="2800" dirty="0" smtClean="0"/>
+              <a:t>Top</a:t>
+            </a:r>
+            <a:endParaRPr lang="en-US" sz="2800" dirty="0"/>
+          </a:p>
+        </p:txBody>
+      </p:sp>
+      <p:sp>
+        <p:nvSpPr>
+          <p:cNvPr id="13" name="TextBox 12"/>
+          <p:cNvSpPr txBox="1"/>
+          <p:nvPr/>
+        </p:nvSpPr>
+        <p:spPr>
+          <a:xfrm>
+            <a:off x="5687805" y="5094162"/>
+            <a:ext cx="1447800" cy="523220"/>
+          </a:xfrm>
+          <a:prstGeom prst="rect">
+            <a:avLst/>
+          </a:prstGeom>
+          <a:noFill/>
+        </p:spPr>
+        <p:txBody>
+          <a:bodyPr wrap="square" rtlCol="0">
+            <a:spAutoFit/>
+          </a:bodyPr>
+          <a:lstStyle/>
+          <a:p>
+            <a:r>
+              <a:rPr lang="en-US" sz="2800" dirty="0" smtClean="0"/>
+              <a:t>Bottom</a:t>
+            </a:r>
+            <a:endParaRPr lang="en-US" sz="2800" dirty="0"/>
+          </a:p>
+        </p:txBody>
+      </p:sp>
+      <p:pic>
+        <p:nvPicPr>
+          <p:cNvPr id="3" name="Picture 2"/>
+          <p:cNvPicPr>
+            <a:picLocks noChangeAspect="1"/>
+          </p:cNvPicPr>
+          <p:nvPr/>
+        </p:nvPicPr>
+        <p:blipFill>
+          <a:blip r:embed="rId2">
+            <a:extLst>
+              <a:ext uri="{28A0092B-C50C-407E-A947-70E740481C1C}">
+                <a14:useLocalDpi xmlns:a14="http://schemas.microsoft.com/office/drawing/2010/main" val="0"/>
+              </a:ext>
+            </a:extLst>
+          </a:blip>
+          <a:stretch>
+            <a:fillRect/>
+          </a:stretch>
+        </p:blipFill>
+        <p:spPr>
+          <a:xfrm>
+            <a:off x="21771" y="1219200"/>
+            <a:ext cx="4286250" cy="3604194"/>
+          </a:xfrm>
+          <a:prstGeom prst="rect">
+            <a:avLst/>
+          </a:prstGeom>
+        </p:spPr>
+      </p:pic>
+      <p:pic>
+        <p:nvPicPr>
+          <p:cNvPr id="4" name="Picture 3"/>
+          <p:cNvPicPr>
+            <a:picLocks noChangeAspect="1"/>
+          </p:cNvPicPr>
+          <p:nvPr/>
+        </p:nvPicPr>
+        <p:blipFill>
+          <a:blip r:embed="rId3">
+            <a:extLst>
+              <a:ext uri="{28A0092B-C50C-407E-A947-70E740481C1C}">
+                <a14:useLocalDpi xmlns:a14="http://schemas.microsoft.com/office/drawing/2010/main" val="0"/>
+              </a:ext>
+            </a:extLst>
+          </a:blip>
+          <a:stretch>
+            <a:fillRect/>
+          </a:stretch>
+        </p:blipFill>
+        <p:spPr>
+          <a:xfrm>
+            <a:off x="4495800" y="1219200"/>
+            <a:ext cx="4510352" cy="3719286"/>
+          </a:xfrm>
+          <a:prstGeom prst="rect">
+            <a:avLst/>
+          </a:prstGeom>
+        </p:spPr>
+      </p:pic>
+    </p:spTree>
+    <p:extLst>
+      <p:ext uri="{BB962C8B-B14F-4D97-AF65-F5344CB8AC3E}">
+        <p14:creationId xmlns:p14="http://schemas.microsoft.com/office/powerpoint/2010/main" val="81158189"/>
+      </p:ext>
+    </p:extLst>
+  </p:cSld>
+  <p:clrMapOvr>
+    <a:masterClrMapping/>
+  </p:clrMapOvr>
+  <p:timing>
+    <p:tnLst>
+      <p:par>
+        <p:cTn id="1" dur="indefinite" restart="never" nodeType="tmRoot"/>
+      </p:par>
+    </p:tnLst>
+  </p:timing>
+</p:sld>
+</file>
+
+<file path=ppt/slides/slide24.xml><?xml version="1.0" encoding="utf-8"?>
+<p:sld xmlns:a="http://schemas.openxmlformats.org/drawingml/2006/main" xmlns:r="http://schemas.openxmlformats.org/officeDocument/2006/relationships" xmlns:p="http://schemas.openxmlformats.org/presentationml/2006/main">
+  <p:cSld>
+    <p:spTree>
+      <p:nvGrpSpPr>
+        <p:cNvPr id="1" name=""/>
+        <p:cNvGrpSpPr/>
+        <p:nvPr/>
+      </p:nvGrpSpPr>
+      <p:grpSpPr>
+        <a:xfrm>
+          <a:off x="0" y="0"/>
+          <a:ext cx="0" cy="0"/>
+          <a:chOff x="0" y="0"/>
+          <a:chExt cx="0" cy="0"/>
+        </a:xfrm>
+      </p:grpSpPr>
+      <p:sp>
+        <p:nvSpPr>
+          <p:cNvPr id="2" name="Title 1"/>
+          <p:cNvSpPr>
+            <a:spLocks noGrp="1"/>
+          </p:cNvSpPr>
+          <p:nvPr>
+            <p:ph type="title"/>
+          </p:nvPr>
+        </p:nvSpPr>
+        <p:spPr>
+          <a:xfrm>
+            <a:off x="457200" y="0"/>
+            <a:ext cx="8229600" cy="1143000"/>
+          </a:xfrm>
+        </p:spPr>
+        <p:txBody>
+          <a:bodyPr/>
+          <a:lstStyle/>
+          <a:p>
+            <a:r>
+              <a:rPr lang="en-US" dirty="0" smtClean="0"/>
+              <a:t>Danger! Danger! Will Robinson!</a:t>
+            </a:r>
+            <a:endParaRPr lang="en-US" dirty="0"/>
+          </a:p>
+        </p:txBody>
+      </p:sp>
+      <p:sp>
+        <p:nvSpPr>
+          <p:cNvPr id="11" name="TextBox 10"/>
+          <p:cNvSpPr txBox="1"/>
+          <p:nvPr/>
+        </p:nvSpPr>
+        <p:spPr>
+          <a:xfrm>
+            <a:off x="1897743" y="5094162"/>
+            <a:ext cx="1028700" cy="523220"/>
+          </a:xfrm>
+          <a:prstGeom prst="rect">
+            <a:avLst/>
+          </a:prstGeom>
+          <a:noFill/>
+        </p:spPr>
+        <p:txBody>
+          <a:bodyPr wrap="square" rtlCol="0">
+            <a:spAutoFit/>
+          </a:bodyPr>
+          <a:lstStyle/>
+          <a:p>
+            <a:r>
+              <a:rPr lang="en-US" sz="2800" dirty="0" smtClean="0"/>
+              <a:t>Top</a:t>
+            </a:r>
+            <a:endParaRPr lang="en-US" sz="2800" dirty="0"/>
+          </a:p>
+        </p:txBody>
+      </p:sp>
+      <p:sp>
+        <p:nvSpPr>
+          <p:cNvPr id="13" name="TextBox 12"/>
+          <p:cNvSpPr txBox="1"/>
+          <p:nvPr/>
+        </p:nvSpPr>
+        <p:spPr>
+          <a:xfrm>
+            <a:off x="5687805" y="5094162"/>
+            <a:ext cx="1447800" cy="523220"/>
+          </a:xfrm>
+          <a:prstGeom prst="rect">
+            <a:avLst/>
+          </a:prstGeom>
+          <a:noFill/>
+        </p:spPr>
+        <p:txBody>
+          <a:bodyPr wrap="square" rtlCol="0">
+            <a:spAutoFit/>
+          </a:bodyPr>
+          <a:lstStyle/>
+          <a:p>
+            <a:r>
+              <a:rPr lang="en-US" sz="2800" dirty="0" smtClean="0"/>
+              <a:t>Bottom</a:t>
+            </a:r>
+            <a:endParaRPr lang="en-US" sz="2800" dirty="0"/>
+          </a:p>
+        </p:txBody>
+      </p:sp>
+      <p:graphicFrame>
+        <p:nvGraphicFramePr>
+          <p:cNvPr id="5" name="Table 4"/>
+          <p:cNvGraphicFramePr>
+            <a:graphicFrameLocks noGrp="1"/>
+          </p:cNvGraphicFramePr>
+          <p:nvPr>
+            <p:extLst>
+              <p:ext uri="{D42A27DB-BD31-4B8C-83A1-F6EECF244321}">
+                <p14:modId xmlns:p14="http://schemas.microsoft.com/office/powerpoint/2010/main" val="2266855097"/>
+              </p:ext>
+            </p:extLst>
+          </p:nvPr>
+        </p:nvGraphicFramePr>
+        <p:xfrm>
+          <a:off x="457200" y="1143000"/>
+          <a:ext cx="8382000" cy="2540640"/>
+        </p:xfrm>
+        <a:graphic>
+          <a:graphicData uri="http://schemas.openxmlformats.org/drawingml/2006/table">
+            <a:tbl>
+              <a:tblPr firstRow="1" bandRow="1">
+                <a:tableStyleId>{2D5ABB26-0587-4C30-8999-92F81FD0307C}</a:tableStyleId>
+              </a:tblPr>
+              <a:tblGrid>
+                <a:gridCol w="1676400"/>
+                <a:gridCol w="1676400"/>
+                <a:gridCol w="1676400"/>
+                <a:gridCol w="1676400"/>
+                <a:gridCol w="1676400"/>
+              </a:tblGrid>
+              <a:tr h="609600">
+                <a:tc rowSpan="2">
+                  <a:txBody>
+                    <a:bodyPr/>
+                    <a:lstStyle/>
+                    <a:p>
+                      <a:pPr algn="ctr"/>
+                      <a:r>
+                        <a:rPr lang="en-US" sz="2800" b="1" dirty="0" smtClean="0"/>
+                        <a:t>Plastic</a:t>
+                      </a:r>
+                      <a:endParaRPr lang="en-US" sz="2800" b="1" dirty="0"/>
+                    </a:p>
+                  </a:txBody>
+                  <a:tcPr>
+                    <a:lnL w="12700" cap="flat" cmpd="sng" algn="ctr">
+                      <a:solidFill>
+                        <a:schemeClr val="tx1"/>
+                      </a:solidFill>
+                      <a:prstDash val="solid"/>
+                      <a:round/>
+                      <a:headEnd type="none" w="med" len="med"/>
+                      <a:tailEnd type="none" w="med" len="med"/>
+                    </a:lnL>
+                    <a:lnR w="12700" cap="flat" cmpd="sng" algn="ctr">
+                      <a:solidFill>
+                        <a:schemeClr val="tx1"/>
+                      </a:solidFill>
+                      <a:prstDash val="solid"/>
+                      <a:round/>
+                      <a:headEnd type="none" w="med" len="med"/>
+                      <a:tailEnd type="none" w="med" len="med"/>
+                    </a:lnR>
+                    <a:lnT w="12700" cap="flat" cmpd="sng" algn="ctr">
+                      <a:solidFill>
+                        <a:schemeClr val="tx1"/>
+                      </a:solidFill>
+                      <a:prstDash val="solid"/>
+                      <a:round/>
+                      <a:headEnd type="none" w="med" len="med"/>
+                      <a:tailEnd type="none" w="med" len="med"/>
+                    </a:lnT>
+                    <a:lnB w="12700" cap="flat" cmpd="sng" algn="ctr">
+                      <a:solidFill>
+                        <a:schemeClr val="tx1"/>
+                      </a:solidFill>
+                      <a:prstDash val="solid"/>
+                      <a:round/>
+                      <a:headEnd type="none" w="med" len="med"/>
+                      <a:tailEnd type="none" w="med" len="med"/>
+                    </a:lnB>
+                  </a:tcPr>
+                </a:tc>
+                <a:tc gridSpan="2">
+                  <a:txBody>
+                    <a:bodyPr/>
+                    <a:lstStyle/>
+                    <a:p>
+                      <a:pPr algn="ctr"/>
+                      <a:r>
+                        <a:rPr lang="en-US" sz="2800" b="1" dirty="0" smtClean="0"/>
+                        <a:t>Bed / Table</a:t>
+                      </a:r>
+                      <a:endParaRPr lang="en-US" sz="2800" b="1" dirty="0"/>
+                    </a:p>
+                  </a:txBody>
+                  <a:tcPr>
+                    <a:lnL w="12700" cap="flat" cmpd="sng" algn="ctr">
+                      <a:solidFill>
+                        <a:schemeClr val="tx1"/>
+                      </a:solidFill>
+                      <a:prstDash val="solid"/>
+                      <a:round/>
+                      <a:headEnd type="none" w="med" len="med"/>
+                      <a:tailEnd type="none" w="med" len="med"/>
+                    </a:lnL>
+                    <a:lnR w="12700" cap="flat" cmpd="sng" algn="ctr">
+                      <a:solidFill>
+                        <a:schemeClr val="tx1"/>
+                      </a:solidFill>
+                      <a:prstDash val="solid"/>
+                      <a:round/>
+                      <a:headEnd type="none" w="med" len="med"/>
+                      <a:tailEnd type="none" w="med" len="med"/>
+                    </a:lnR>
+                    <a:lnT w="12700" cap="flat" cmpd="sng" algn="ctr">
+                      <a:solidFill>
+                        <a:schemeClr val="tx1"/>
+                      </a:solidFill>
+                      <a:prstDash val="solid"/>
+                      <a:round/>
+                      <a:headEnd type="none" w="med" len="med"/>
+                      <a:tailEnd type="none" w="med" len="med"/>
+                    </a:lnT>
+                    <a:lnB w="12700" cap="flat" cmpd="sng" algn="ctr">
+                      <a:solidFill>
+                        <a:schemeClr val="tx1"/>
+                      </a:solidFill>
+                      <a:prstDash val="solid"/>
+                      <a:round/>
+                      <a:headEnd type="none" w="med" len="med"/>
+                      <a:tailEnd type="none" w="med" len="med"/>
+                    </a:lnB>
+                  </a:tcPr>
+                </a:tc>
+                <a:tc hMerge="1">
+                  <a:txBody>
+                    <a:bodyPr/>
+                    <a:lstStyle/>
+                    <a:p>
+                      <a:endParaRPr lang="en-US" dirty="0"/>
+                    </a:p>
+                  </a:txBody>
+                  <a:tcPr>
+                    <a:lnL w="12700" cap="flat" cmpd="sng" algn="ctr">
+                      <a:solidFill>
+                        <a:schemeClr val="tx1"/>
+                      </a:solidFill>
+                      <a:prstDash val="solid"/>
+                      <a:round/>
+                      <a:headEnd type="none" w="med" len="med"/>
+                      <a:tailEnd type="none" w="med" len="med"/>
+                    </a:lnL>
+                    <a:lnR w="12700" cap="flat" cmpd="sng" algn="ctr">
+                      <a:solidFill>
+                        <a:schemeClr val="tx1"/>
+                      </a:solidFill>
+                      <a:prstDash val="solid"/>
+                      <a:round/>
+                      <a:headEnd type="none" w="med" len="med"/>
+                      <a:tailEnd type="none" w="med" len="med"/>
+                    </a:lnR>
+                    <a:lnT w="12700" cap="flat" cmpd="sng" algn="ctr">
+                      <a:solidFill>
+                        <a:schemeClr val="tx1"/>
+                      </a:solidFill>
+                      <a:prstDash val="solid"/>
+                      <a:round/>
+                      <a:headEnd type="none" w="med" len="med"/>
+                      <a:tailEnd type="none" w="med" len="med"/>
+                    </a:lnT>
+                    <a:lnB w="12700" cap="flat" cmpd="sng" algn="ctr">
+                      <a:solidFill>
+                        <a:schemeClr val="tx1"/>
+                      </a:solidFill>
+                      <a:prstDash val="solid"/>
+                      <a:round/>
+                      <a:headEnd type="none" w="med" len="med"/>
+                      <a:tailEnd type="none" w="med" len="med"/>
+                    </a:lnB>
+                  </a:tcPr>
+                </a:tc>
+                <a:tc gridSpan="2">
+                  <a:txBody>
+                    <a:bodyPr/>
+                    <a:lstStyle/>
+                    <a:p>
+                      <a:pPr algn="ctr"/>
+                      <a:r>
+                        <a:rPr lang="en-US" sz="2800" b="1" dirty="0" smtClean="0"/>
+                        <a:t>Nozzle</a:t>
+                      </a:r>
+                      <a:endParaRPr lang="en-US" sz="2800" b="1" dirty="0"/>
+                    </a:p>
+                  </a:txBody>
+                  <a:tcPr>
+                    <a:lnL w="12700" cap="flat" cmpd="sng" algn="ctr">
+                      <a:solidFill>
+                        <a:schemeClr val="tx1"/>
+                      </a:solidFill>
+                      <a:prstDash val="solid"/>
+                      <a:round/>
+                      <a:headEnd type="none" w="med" len="med"/>
+                      <a:tailEnd type="none" w="med" len="med"/>
+                    </a:lnL>
+                    <a:lnR w="12700" cap="flat" cmpd="sng" algn="ctr">
+                      <a:solidFill>
+                        <a:schemeClr val="tx1"/>
+                      </a:solidFill>
+                      <a:prstDash val="solid"/>
+                      <a:round/>
+                      <a:headEnd type="none" w="med" len="med"/>
+                      <a:tailEnd type="none" w="med" len="med"/>
+                    </a:lnR>
+                    <a:lnT w="12700" cap="flat" cmpd="sng" algn="ctr">
+                      <a:solidFill>
+                        <a:schemeClr val="tx1"/>
+                      </a:solidFill>
+                      <a:prstDash val="solid"/>
+                      <a:round/>
+                      <a:headEnd type="none" w="med" len="med"/>
+                      <a:tailEnd type="none" w="med" len="med"/>
+                    </a:lnT>
+                    <a:lnB w="12700" cap="flat" cmpd="sng" algn="ctr">
+                      <a:solidFill>
+                        <a:schemeClr val="tx1"/>
+                      </a:solidFill>
+                      <a:prstDash val="solid"/>
+                      <a:round/>
+                      <a:headEnd type="none" w="med" len="med"/>
+                      <a:tailEnd type="none" w="med" len="med"/>
+                    </a:lnB>
+                  </a:tcPr>
+                </a:tc>
+                <a:tc hMerge="1">
+                  <a:txBody>
+                    <a:bodyPr/>
+                    <a:lstStyle/>
+                    <a:p>
+                      <a:endParaRPr lang="en-US" dirty="0"/>
+                    </a:p>
+                  </a:txBody>
+                  <a:tcPr>
+                    <a:lnL w="12700" cap="flat" cmpd="sng" algn="ctr">
+                      <a:solidFill>
+                        <a:schemeClr val="tx1"/>
+                      </a:solidFill>
+                      <a:prstDash val="solid"/>
+                      <a:round/>
+                      <a:headEnd type="none" w="med" len="med"/>
+                      <a:tailEnd type="none" w="med" len="med"/>
+                    </a:lnL>
+                    <a:lnR w="12700" cap="flat" cmpd="sng" algn="ctr">
+                      <a:solidFill>
+                        <a:schemeClr val="tx1"/>
+                      </a:solidFill>
+                      <a:prstDash val="solid"/>
+                      <a:round/>
+                      <a:headEnd type="none" w="med" len="med"/>
+                      <a:tailEnd type="none" w="med" len="med"/>
+                    </a:lnR>
+                    <a:lnT w="12700" cap="flat" cmpd="sng" algn="ctr">
+                      <a:solidFill>
+                        <a:schemeClr val="tx1"/>
+                      </a:solidFill>
+                      <a:prstDash val="solid"/>
+                      <a:round/>
+                      <a:headEnd type="none" w="med" len="med"/>
+                      <a:tailEnd type="none" w="med" len="med"/>
+                    </a:lnT>
+                    <a:lnB w="12700" cap="flat" cmpd="sng" algn="ctr">
+                      <a:solidFill>
+                        <a:schemeClr val="tx1"/>
+                      </a:solidFill>
+                      <a:prstDash val="solid"/>
+                      <a:round/>
+                      <a:headEnd type="none" w="med" len="med"/>
+                      <a:tailEnd type="none" w="med" len="med"/>
+                    </a:lnB>
+                  </a:tcPr>
+                </a:tc>
+              </a:tr>
+              <a:tr h="533400">
+                <a:tc vMerge="1">
+                  <a:txBody>
+                    <a:bodyPr/>
+                    <a:lstStyle/>
+                    <a:p>
+                      <a:endParaRPr lang="en-US" dirty="0"/>
+                    </a:p>
+                  </a:txBody>
+                  <a:tcPr>
+                    <a:lnL w="12700" cap="flat" cmpd="sng" algn="ctr">
+                      <a:solidFill>
+                        <a:schemeClr val="tx1"/>
+                      </a:solidFill>
+                      <a:prstDash val="solid"/>
+                      <a:round/>
+                      <a:headEnd type="none" w="med" len="med"/>
+                      <a:tailEnd type="none" w="med" len="med"/>
+                    </a:lnL>
+                    <a:lnR w="12700" cap="flat" cmpd="sng" algn="ctr">
+                      <a:solidFill>
+                        <a:schemeClr val="tx1"/>
+                      </a:solidFill>
+                      <a:prstDash val="solid"/>
+                      <a:round/>
+                      <a:headEnd type="none" w="med" len="med"/>
+                      <a:tailEnd type="none" w="med" len="med"/>
+                    </a:lnR>
+                    <a:lnT w="12700" cap="flat" cmpd="sng" algn="ctr">
+                      <a:solidFill>
+                        <a:schemeClr val="tx1"/>
+                      </a:solidFill>
+                      <a:prstDash val="solid"/>
+                      <a:round/>
+                      <a:headEnd type="none" w="med" len="med"/>
+                      <a:tailEnd type="none" w="med" len="med"/>
+                    </a:lnT>
+                    <a:lnB w="12700" cap="flat" cmpd="sng" algn="ctr">
+                      <a:solidFill>
+                        <a:schemeClr val="tx1"/>
+                      </a:solidFill>
+                      <a:prstDash val="solid"/>
+                      <a:round/>
+                      <a:headEnd type="none" w="med" len="med"/>
+                      <a:tailEnd type="none" w="med" len="med"/>
+                    </a:lnB>
+                  </a:tcPr>
+                </a:tc>
+                <a:tc>
+                  <a:txBody>
+                    <a:bodyPr/>
+                    <a:lstStyle/>
+                    <a:p>
+                      <a:pPr algn="ctr"/>
+                      <a:r>
+                        <a:rPr lang="en-US" sz="2800" b="1" dirty="0" smtClean="0"/>
+                        <a:t>C</a:t>
+                      </a:r>
+                      <a:endParaRPr lang="en-US" sz="2800" b="1" dirty="0"/>
+                    </a:p>
+                  </a:txBody>
+                  <a:tcPr>
+                    <a:lnL w="12700" cap="flat" cmpd="sng" algn="ctr">
+                      <a:solidFill>
+                        <a:schemeClr val="tx1"/>
+                      </a:solidFill>
+                      <a:prstDash val="solid"/>
+                      <a:round/>
+                      <a:headEnd type="none" w="med" len="med"/>
+                      <a:tailEnd type="none" w="med" len="med"/>
+                    </a:lnL>
+                    <a:lnR w="12700" cap="flat" cmpd="sng" algn="ctr">
+                      <a:solidFill>
+                        <a:schemeClr val="tx1"/>
+                      </a:solidFill>
+                      <a:prstDash val="solid"/>
+                      <a:round/>
+                      <a:headEnd type="none" w="med" len="med"/>
+                      <a:tailEnd type="none" w="med" len="med"/>
+                    </a:lnR>
+                    <a:lnT w="12700" cap="flat" cmpd="sng" algn="ctr">
+                      <a:solidFill>
+                        <a:schemeClr val="tx1"/>
+                      </a:solidFill>
+                      <a:prstDash val="solid"/>
+                      <a:round/>
+                      <a:headEnd type="none" w="med" len="med"/>
+                      <a:tailEnd type="none" w="med" len="med"/>
+                    </a:lnT>
+                    <a:lnB w="12700" cap="flat" cmpd="sng" algn="ctr">
+                      <a:solidFill>
+                        <a:schemeClr val="tx1"/>
+                      </a:solidFill>
+                      <a:prstDash val="solid"/>
+                      <a:round/>
+                      <a:headEnd type="none" w="med" len="med"/>
+                      <a:tailEnd type="none" w="med" len="med"/>
+                    </a:lnB>
+                  </a:tcPr>
+                </a:tc>
+                <a:tc>
+                  <a:txBody>
+                    <a:bodyPr/>
+                    <a:lstStyle/>
+                    <a:p>
+                      <a:pPr algn="ctr"/>
+                      <a:r>
+                        <a:rPr lang="en-US" sz="2800" b="1" dirty="0" smtClean="0"/>
+                        <a:t>F</a:t>
+                      </a:r>
+                      <a:endParaRPr lang="en-US" sz="2800" b="1" dirty="0"/>
+                    </a:p>
+                  </a:txBody>
+                  <a:tcPr>
+                    <a:lnL w="12700" cap="flat" cmpd="sng" algn="ctr">
+                      <a:solidFill>
+                        <a:schemeClr val="tx1"/>
+                      </a:solidFill>
+                      <a:prstDash val="solid"/>
+                      <a:round/>
+                      <a:headEnd type="none" w="med" len="med"/>
+                      <a:tailEnd type="none" w="med" len="med"/>
+                    </a:lnL>
+                    <a:lnR w="12700" cap="flat" cmpd="sng" algn="ctr">
+                      <a:solidFill>
+                        <a:schemeClr val="tx1"/>
+                      </a:solidFill>
+                      <a:prstDash val="solid"/>
+                      <a:round/>
+                      <a:headEnd type="none" w="med" len="med"/>
+                      <a:tailEnd type="none" w="med" len="med"/>
+                    </a:lnR>
+                    <a:lnT w="12700" cap="flat" cmpd="sng" algn="ctr">
+                      <a:solidFill>
+                        <a:schemeClr val="tx1"/>
+                      </a:solidFill>
+                      <a:prstDash val="solid"/>
+                      <a:round/>
+                      <a:headEnd type="none" w="med" len="med"/>
+                      <a:tailEnd type="none" w="med" len="med"/>
+                    </a:lnT>
+                    <a:lnB w="12700" cap="flat" cmpd="sng" algn="ctr">
+                      <a:solidFill>
+                        <a:schemeClr val="tx1"/>
+                      </a:solidFill>
+                      <a:prstDash val="solid"/>
+                      <a:round/>
+                      <a:headEnd type="none" w="med" len="med"/>
+                      <a:tailEnd type="none" w="med" len="med"/>
+                    </a:lnB>
+                    <a:solidFill>
+                      <a:srgbClr val="FFC000"/>
+                    </a:solidFill>
+                  </a:tcPr>
+                </a:tc>
+                <a:tc>
+                  <a:txBody>
+                    <a:bodyPr/>
+                    <a:lstStyle/>
+                    <a:p>
+                      <a:pPr algn="ctr"/>
+                      <a:r>
+                        <a:rPr lang="en-US" sz="2800" b="1" dirty="0" smtClean="0"/>
+                        <a:t>C</a:t>
+                      </a:r>
+                      <a:endParaRPr lang="en-US" sz="2800" b="1" dirty="0"/>
+                    </a:p>
+                  </a:txBody>
+                  <a:tcPr>
+                    <a:lnL w="12700" cap="flat" cmpd="sng" algn="ctr">
+                      <a:solidFill>
+                        <a:schemeClr val="tx1"/>
+                      </a:solidFill>
+                      <a:prstDash val="solid"/>
+                      <a:round/>
+                      <a:headEnd type="none" w="med" len="med"/>
+                      <a:tailEnd type="none" w="med" len="med"/>
+                    </a:lnL>
+                    <a:lnR w="12700" cap="flat" cmpd="sng" algn="ctr">
+                      <a:solidFill>
+                        <a:schemeClr val="tx1"/>
+                      </a:solidFill>
+                      <a:prstDash val="solid"/>
+                      <a:round/>
+                      <a:headEnd type="none" w="med" len="med"/>
+                      <a:tailEnd type="none" w="med" len="med"/>
+                    </a:lnR>
+                    <a:lnT w="12700" cap="flat" cmpd="sng" algn="ctr">
+                      <a:solidFill>
+                        <a:schemeClr val="tx1"/>
+                      </a:solidFill>
+                      <a:prstDash val="solid"/>
+                      <a:round/>
+                      <a:headEnd type="none" w="med" len="med"/>
+                      <a:tailEnd type="none" w="med" len="med"/>
+                    </a:lnT>
+                    <a:lnB w="12700" cap="flat" cmpd="sng" algn="ctr">
+                      <a:solidFill>
+                        <a:schemeClr val="tx1"/>
+                      </a:solidFill>
+                      <a:prstDash val="solid"/>
+                      <a:round/>
+                      <a:headEnd type="none" w="med" len="med"/>
+                      <a:tailEnd type="none" w="med" len="med"/>
+                    </a:lnB>
+                  </a:tcPr>
+                </a:tc>
+                <a:tc>
+                  <a:txBody>
+                    <a:bodyPr/>
+                    <a:lstStyle/>
+                    <a:p>
+                      <a:pPr algn="ctr"/>
+                      <a:r>
+                        <a:rPr lang="en-US" sz="2800" b="1" dirty="0" smtClean="0"/>
+                        <a:t>F</a:t>
+                      </a:r>
+                      <a:endParaRPr lang="en-US" sz="2800" b="1" dirty="0"/>
+                    </a:p>
+                  </a:txBody>
+                  <a:tcPr>
+                    <a:lnL w="12700" cap="flat" cmpd="sng" algn="ctr">
+                      <a:solidFill>
+                        <a:schemeClr val="tx1"/>
+                      </a:solidFill>
+                      <a:prstDash val="solid"/>
+                      <a:round/>
+                      <a:headEnd type="none" w="med" len="med"/>
+                      <a:tailEnd type="none" w="med" len="med"/>
+                    </a:lnL>
+                    <a:lnR w="12700" cap="flat" cmpd="sng" algn="ctr">
+                      <a:solidFill>
+                        <a:schemeClr val="tx1"/>
+                      </a:solidFill>
+                      <a:prstDash val="solid"/>
+                      <a:round/>
+                      <a:headEnd type="none" w="med" len="med"/>
+                      <a:tailEnd type="none" w="med" len="med"/>
+                    </a:lnR>
+                    <a:lnT w="12700" cap="flat" cmpd="sng" algn="ctr">
+                      <a:solidFill>
+                        <a:schemeClr val="tx1"/>
+                      </a:solidFill>
+                      <a:prstDash val="solid"/>
+                      <a:round/>
+                      <a:headEnd type="none" w="med" len="med"/>
+                      <a:tailEnd type="none" w="med" len="med"/>
+                    </a:lnT>
+                    <a:lnB w="12700" cap="flat" cmpd="sng" algn="ctr">
+                      <a:solidFill>
+                        <a:schemeClr val="tx1"/>
+                      </a:solidFill>
+                      <a:prstDash val="solid"/>
+                      <a:round/>
+                      <a:headEnd type="none" w="med" len="med"/>
+                      <a:tailEnd type="none" w="med" len="med"/>
+                    </a:lnB>
+                    <a:solidFill>
+                      <a:srgbClr val="FFC000"/>
+                    </a:solidFill>
+                  </a:tcPr>
+                </a:tc>
+              </a:tr>
+              <a:tr h="698820">
+                <a:tc>
+                  <a:txBody>
+                    <a:bodyPr/>
+                    <a:lstStyle/>
+                    <a:p>
+                      <a:r>
+                        <a:rPr lang="en-US" sz="2800" dirty="0" smtClean="0"/>
+                        <a:t>PLA</a:t>
+                      </a:r>
+                      <a:endParaRPr lang="en-US" sz="2800" dirty="0"/>
+                    </a:p>
+                  </a:txBody>
+                  <a:tcPr>
+                    <a:lnL w="12700" cap="flat" cmpd="sng" algn="ctr">
+                      <a:solidFill>
+                        <a:schemeClr val="tx1"/>
+                      </a:solidFill>
+                      <a:prstDash val="solid"/>
+                      <a:round/>
+                      <a:headEnd type="none" w="med" len="med"/>
+                      <a:tailEnd type="none" w="med" len="med"/>
+                    </a:lnL>
+                    <a:lnR w="12700" cap="flat" cmpd="sng" algn="ctr">
+                      <a:solidFill>
+                        <a:schemeClr val="tx1"/>
+                      </a:solidFill>
+                      <a:prstDash val="solid"/>
+                      <a:round/>
+                      <a:headEnd type="none" w="med" len="med"/>
+                      <a:tailEnd type="none" w="med" len="med"/>
+                    </a:lnR>
+                    <a:lnT w="12700" cap="flat" cmpd="sng" algn="ctr">
+                      <a:solidFill>
+                        <a:schemeClr val="tx1"/>
+                      </a:solidFill>
+                      <a:prstDash val="solid"/>
+                      <a:round/>
+                      <a:headEnd type="none" w="med" len="med"/>
+                      <a:tailEnd type="none" w="med" len="med"/>
+                    </a:lnT>
+                    <a:lnB w="12700" cap="flat" cmpd="sng" algn="ctr">
+                      <a:solidFill>
+                        <a:schemeClr val="tx1"/>
+                      </a:solidFill>
+                      <a:prstDash val="solid"/>
+                      <a:round/>
+                      <a:headEnd type="none" w="med" len="med"/>
+                      <a:tailEnd type="none" w="med" len="med"/>
+                    </a:lnB>
+                  </a:tcPr>
+                </a:tc>
+                <a:tc>
+                  <a:txBody>
+                    <a:bodyPr/>
+                    <a:lstStyle/>
+                    <a:p>
+                      <a:r>
+                        <a:rPr lang="en-US" sz="2800" dirty="0" smtClean="0"/>
+                        <a:t>0 – 65</a:t>
+                      </a:r>
+                      <a:endParaRPr lang="en-US" sz="2800" dirty="0"/>
+                    </a:p>
+                  </a:txBody>
+                  <a:tcPr>
+                    <a:lnL w="12700" cap="flat" cmpd="sng" algn="ctr">
+                      <a:solidFill>
+                        <a:schemeClr val="tx1"/>
+                      </a:solidFill>
+                      <a:prstDash val="solid"/>
+                      <a:round/>
+                      <a:headEnd type="none" w="med" len="med"/>
+                      <a:tailEnd type="none" w="med" len="med"/>
+                    </a:lnL>
+                    <a:lnR w="12700" cap="flat" cmpd="sng" algn="ctr">
+                      <a:solidFill>
+                        <a:schemeClr val="tx1"/>
+                      </a:solidFill>
+                      <a:prstDash val="solid"/>
+                      <a:round/>
+                      <a:headEnd type="none" w="med" len="med"/>
+                      <a:tailEnd type="none" w="med" len="med"/>
+                    </a:lnR>
+                    <a:lnT w="12700" cap="flat" cmpd="sng" algn="ctr">
+                      <a:solidFill>
+                        <a:schemeClr val="tx1"/>
+                      </a:solidFill>
+                      <a:prstDash val="solid"/>
+                      <a:round/>
+                      <a:headEnd type="none" w="med" len="med"/>
+                      <a:tailEnd type="none" w="med" len="med"/>
+                    </a:lnT>
+                    <a:lnB w="12700" cap="flat" cmpd="sng" algn="ctr">
+                      <a:solidFill>
+                        <a:schemeClr val="tx1"/>
+                      </a:solidFill>
+                      <a:prstDash val="solid"/>
+                      <a:round/>
+                      <a:headEnd type="none" w="med" len="med"/>
+                      <a:tailEnd type="none" w="med" len="med"/>
+                    </a:lnB>
+                  </a:tcPr>
+                </a:tc>
+                <a:tc>
+                  <a:txBody>
+                    <a:bodyPr/>
+                    <a:lstStyle/>
+                    <a:p>
+                      <a:r>
+                        <a:rPr lang="en-US" sz="2800" dirty="0" smtClean="0"/>
+                        <a:t>0</a:t>
+                      </a:r>
+                      <a:r>
+                        <a:rPr lang="en-US" sz="2800" baseline="0" dirty="0" smtClean="0"/>
+                        <a:t> - </a:t>
+                      </a:r>
+                      <a:r>
+                        <a:rPr lang="en-US" sz="2800" dirty="0" smtClean="0"/>
+                        <a:t>149</a:t>
+                      </a:r>
+                      <a:endParaRPr lang="en-US" sz="2800" dirty="0"/>
+                    </a:p>
+                  </a:txBody>
+                  <a:tcPr>
+                    <a:lnL w="12700" cap="flat" cmpd="sng" algn="ctr">
+                      <a:solidFill>
+                        <a:schemeClr val="tx1"/>
+                      </a:solidFill>
+                      <a:prstDash val="solid"/>
+                      <a:round/>
+                      <a:headEnd type="none" w="med" len="med"/>
+                      <a:tailEnd type="none" w="med" len="med"/>
+                    </a:lnL>
+                    <a:lnR w="12700" cap="flat" cmpd="sng" algn="ctr">
+                      <a:solidFill>
+                        <a:schemeClr val="tx1"/>
+                      </a:solidFill>
+                      <a:prstDash val="solid"/>
+                      <a:round/>
+                      <a:headEnd type="none" w="med" len="med"/>
+                      <a:tailEnd type="none" w="med" len="med"/>
+                    </a:lnR>
+                    <a:lnT w="12700" cap="flat" cmpd="sng" algn="ctr">
+                      <a:solidFill>
+                        <a:schemeClr val="tx1"/>
+                      </a:solidFill>
+                      <a:prstDash val="solid"/>
+                      <a:round/>
+                      <a:headEnd type="none" w="med" len="med"/>
+                      <a:tailEnd type="none" w="med" len="med"/>
+                    </a:lnT>
+                    <a:lnB w="12700" cap="flat" cmpd="sng" algn="ctr">
+                      <a:solidFill>
+                        <a:schemeClr val="tx1"/>
+                      </a:solidFill>
+                      <a:prstDash val="solid"/>
+                      <a:round/>
+                      <a:headEnd type="none" w="med" len="med"/>
+                      <a:tailEnd type="none" w="med" len="med"/>
+                    </a:lnB>
+                    <a:solidFill>
+                      <a:srgbClr val="FFC000"/>
+                    </a:solidFill>
+                  </a:tcPr>
+                </a:tc>
+                <a:tc>
+                  <a:txBody>
+                    <a:bodyPr/>
+                    <a:lstStyle/>
+                    <a:p>
+                      <a:r>
+                        <a:rPr lang="en-US" sz="2800" dirty="0" smtClean="0"/>
+                        <a:t>200 - 210</a:t>
+                      </a:r>
+                      <a:endParaRPr lang="en-US" sz="2800" dirty="0"/>
+                    </a:p>
+                  </a:txBody>
+                  <a:tcPr>
+                    <a:lnL w="12700" cap="flat" cmpd="sng" algn="ctr">
+                      <a:solidFill>
+                        <a:schemeClr val="tx1"/>
+                      </a:solidFill>
+                      <a:prstDash val="solid"/>
+                      <a:round/>
+                      <a:headEnd type="none" w="med" len="med"/>
+                      <a:tailEnd type="none" w="med" len="med"/>
+                    </a:lnL>
+                    <a:lnR w="12700" cap="flat" cmpd="sng" algn="ctr">
+                      <a:solidFill>
+                        <a:schemeClr val="tx1"/>
+                      </a:solidFill>
+                      <a:prstDash val="solid"/>
+                      <a:round/>
+                      <a:headEnd type="none" w="med" len="med"/>
+                      <a:tailEnd type="none" w="med" len="med"/>
+                    </a:lnR>
+                    <a:lnT w="12700" cap="flat" cmpd="sng" algn="ctr">
+                      <a:solidFill>
+                        <a:schemeClr val="tx1"/>
+                      </a:solidFill>
+                      <a:prstDash val="solid"/>
+                      <a:round/>
+                      <a:headEnd type="none" w="med" len="med"/>
+                      <a:tailEnd type="none" w="med" len="med"/>
+                    </a:lnT>
+                    <a:lnB w="12700" cap="flat" cmpd="sng" algn="ctr">
+                      <a:solidFill>
+                        <a:schemeClr val="tx1"/>
+                      </a:solidFill>
+                      <a:prstDash val="solid"/>
+                      <a:round/>
+                      <a:headEnd type="none" w="med" len="med"/>
+                      <a:tailEnd type="none" w="med" len="med"/>
+                    </a:lnB>
+                  </a:tcPr>
+                </a:tc>
+                <a:tc>
+                  <a:txBody>
+                    <a:bodyPr/>
+                    <a:lstStyle/>
+                    <a:p>
+                      <a:r>
+                        <a:rPr lang="en-US" sz="2800" dirty="0" smtClean="0"/>
+                        <a:t>392 – 410</a:t>
+                      </a:r>
+                      <a:endParaRPr lang="en-US" sz="2800" dirty="0"/>
+                    </a:p>
+                  </a:txBody>
+                  <a:tcPr>
+                    <a:lnL w="12700" cap="flat" cmpd="sng" algn="ctr">
+                      <a:solidFill>
+                        <a:schemeClr val="tx1"/>
+                      </a:solidFill>
+                      <a:prstDash val="solid"/>
+                      <a:round/>
+                      <a:headEnd type="none" w="med" len="med"/>
+                      <a:tailEnd type="none" w="med" len="med"/>
+                    </a:lnL>
+                    <a:lnR w="12700" cap="flat" cmpd="sng" algn="ctr">
+                      <a:solidFill>
+                        <a:schemeClr val="tx1"/>
+                      </a:solidFill>
+                      <a:prstDash val="solid"/>
+                      <a:round/>
+                      <a:headEnd type="none" w="med" len="med"/>
+                      <a:tailEnd type="none" w="med" len="med"/>
+                    </a:lnR>
+                    <a:lnT w="12700" cap="flat" cmpd="sng" algn="ctr">
+                      <a:solidFill>
+                        <a:schemeClr val="tx1"/>
+                      </a:solidFill>
+                      <a:prstDash val="solid"/>
+                      <a:round/>
+                      <a:headEnd type="none" w="med" len="med"/>
+                      <a:tailEnd type="none" w="med" len="med"/>
+                    </a:lnT>
+                    <a:lnB w="12700" cap="flat" cmpd="sng" algn="ctr">
+                      <a:solidFill>
+                        <a:schemeClr val="tx1"/>
+                      </a:solidFill>
+                      <a:prstDash val="solid"/>
+                      <a:round/>
+                      <a:headEnd type="none" w="med" len="med"/>
+                      <a:tailEnd type="none" w="med" len="med"/>
+                    </a:lnB>
+                    <a:solidFill>
+                      <a:srgbClr val="FFC000"/>
+                    </a:solidFill>
+                  </a:tcPr>
+                </a:tc>
+              </a:tr>
+              <a:tr h="698820">
+                <a:tc>
+                  <a:txBody>
+                    <a:bodyPr/>
+                    <a:lstStyle/>
+                    <a:p>
+                      <a:r>
+                        <a:rPr lang="en-US" sz="2800" dirty="0" smtClean="0"/>
+                        <a:t>ABS</a:t>
+                      </a:r>
+                      <a:endParaRPr lang="en-US" sz="2800" dirty="0"/>
+                    </a:p>
+                  </a:txBody>
+                  <a:tcPr>
+                    <a:lnL w="12700" cap="flat" cmpd="sng" algn="ctr">
+                      <a:solidFill>
+                        <a:schemeClr val="tx1"/>
+                      </a:solidFill>
+                      <a:prstDash val="solid"/>
+                      <a:round/>
+                      <a:headEnd type="none" w="med" len="med"/>
+                      <a:tailEnd type="none" w="med" len="med"/>
+                    </a:lnL>
+                    <a:lnR w="12700" cap="flat" cmpd="sng" algn="ctr">
+                      <a:solidFill>
+                        <a:schemeClr val="tx1"/>
+                      </a:solidFill>
+                      <a:prstDash val="solid"/>
+                      <a:round/>
+                      <a:headEnd type="none" w="med" len="med"/>
+                      <a:tailEnd type="none" w="med" len="med"/>
+                    </a:lnR>
+                    <a:lnT w="12700" cap="flat" cmpd="sng" algn="ctr">
+                      <a:solidFill>
+                        <a:schemeClr val="tx1"/>
+                      </a:solidFill>
+                      <a:prstDash val="solid"/>
+                      <a:round/>
+                      <a:headEnd type="none" w="med" len="med"/>
+                      <a:tailEnd type="none" w="med" len="med"/>
+                    </a:lnT>
+                    <a:lnB w="12700" cap="flat" cmpd="sng" algn="ctr">
+                      <a:solidFill>
+                        <a:schemeClr val="tx1"/>
+                      </a:solidFill>
+                      <a:prstDash val="solid"/>
+                      <a:round/>
+                      <a:headEnd type="none" w="med" len="med"/>
+                      <a:tailEnd type="none" w="med" len="med"/>
+                    </a:lnB>
+                  </a:tcPr>
+                </a:tc>
+                <a:tc>
+                  <a:txBody>
+                    <a:bodyPr/>
+                    <a:lstStyle/>
+                    <a:p>
+                      <a:r>
+                        <a:rPr lang="en-US" sz="2800" dirty="0" smtClean="0"/>
+                        <a:t>110 – 115</a:t>
+                      </a:r>
+                      <a:endParaRPr lang="en-US" sz="2800" dirty="0"/>
+                    </a:p>
+                  </a:txBody>
+                  <a:tcPr>
+                    <a:lnL w="12700" cap="flat" cmpd="sng" algn="ctr">
+                      <a:solidFill>
+                        <a:schemeClr val="tx1"/>
+                      </a:solidFill>
+                      <a:prstDash val="solid"/>
+                      <a:round/>
+                      <a:headEnd type="none" w="med" len="med"/>
+                      <a:tailEnd type="none" w="med" len="med"/>
+                    </a:lnL>
+                    <a:lnR w="12700" cap="flat" cmpd="sng" algn="ctr">
+                      <a:solidFill>
+                        <a:schemeClr val="tx1"/>
+                      </a:solidFill>
+                      <a:prstDash val="solid"/>
+                      <a:round/>
+                      <a:headEnd type="none" w="med" len="med"/>
+                      <a:tailEnd type="none" w="med" len="med"/>
+                    </a:lnR>
+                    <a:lnT w="12700" cap="flat" cmpd="sng" algn="ctr">
+                      <a:solidFill>
+                        <a:schemeClr val="tx1"/>
+                      </a:solidFill>
+                      <a:prstDash val="solid"/>
+                      <a:round/>
+                      <a:headEnd type="none" w="med" len="med"/>
+                      <a:tailEnd type="none" w="med" len="med"/>
+                    </a:lnT>
+                    <a:lnB w="12700" cap="flat" cmpd="sng" algn="ctr">
+                      <a:solidFill>
+                        <a:schemeClr val="tx1"/>
+                      </a:solidFill>
+                      <a:prstDash val="solid"/>
+                      <a:round/>
+                      <a:headEnd type="none" w="med" len="med"/>
+                      <a:tailEnd type="none" w="med" len="med"/>
+                    </a:lnB>
+                  </a:tcPr>
+                </a:tc>
+                <a:tc>
+                  <a:txBody>
+                    <a:bodyPr/>
+                    <a:lstStyle/>
+                    <a:p>
+                      <a:r>
+                        <a:rPr lang="en-US" sz="2800" dirty="0" smtClean="0"/>
+                        <a:t>230 - 239</a:t>
+                      </a:r>
+                      <a:endParaRPr lang="en-US" sz="2800" dirty="0"/>
+                    </a:p>
+                  </a:txBody>
+                  <a:tcPr>
+                    <a:lnL w="12700" cap="flat" cmpd="sng" algn="ctr">
+                      <a:solidFill>
+                        <a:schemeClr val="tx1"/>
+                      </a:solidFill>
+                      <a:prstDash val="solid"/>
+                      <a:round/>
+                      <a:headEnd type="none" w="med" len="med"/>
+                      <a:tailEnd type="none" w="med" len="med"/>
+                    </a:lnL>
+                    <a:lnR w="12700" cap="flat" cmpd="sng" algn="ctr">
+                      <a:solidFill>
+                        <a:schemeClr val="tx1"/>
+                      </a:solidFill>
+                      <a:prstDash val="solid"/>
+                      <a:round/>
+                      <a:headEnd type="none" w="med" len="med"/>
+                      <a:tailEnd type="none" w="med" len="med"/>
+                    </a:lnR>
+                    <a:lnT w="12700" cap="flat" cmpd="sng" algn="ctr">
+                      <a:solidFill>
+                        <a:schemeClr val="tx1"/>
+                      </a:solidFill>
+                      <a:prstDash val="solid"/>
+                      <a:round/>
+                      <a:headEnd type="none" w="med" len="med"/>
+                      <a:tailEnd type="none" w="med" len="med"/>
+                    </a:lnT>
+                    <a:lnB w="12700" cap="flat" cmpd="sng" algn="ctr">
+                      <a:solidFill>
+                        <a:schemeClr val="tx1"/>
+                      </a:solidFill>
+                      <a:prstDash val="solid"/>
+                      <a:round/>
+                      <a:headEnd type="none" w="med" len="med"/>
+                      <a:tailEnd type="none" w="med" len="med"/>
+                    </a:lnB>
+                    <a:solidFill>
+                      <a:srgbClr val="FFC000"/>
+                    </a:solidFill>
+                  </a:tcPr>
+                </a:tc>
+                <a:tc>
+                  <a:txBody>
+                    <a:bodyPr/>
+                    <a:lstStyle/>
+                    <a:p>
+                      <a:r>
+                        <a:rPr lang="en-US" sz="2800" dirty="0" smtClean="0"/>
+                        <a:t>225 - 235</a:t>
+                      </a:r>
+                      <a:endParaRPr lang="en-US" sz="2800" dirty="0"/>
+                    </a:p>
+                  </a:txBody>
+                  <a:tcPr>
+                    <a:lnL w="12700" cap="flat" cmpd="sng" algn="ctr">
+                      <a:solidFill>
+                        <a:schemeClr val="tx1"/>
+                      </a:solidFill>
+                      <a:prstDash val="solid"/>
+                      <a:round/>
+                      <a:headEnd type="none" w="med" len="med"/>
+                      <a:tailEnd type="none" w="med" len="med"/>
+                    </a:lnL>
+                    <a:lnR w="12700" cap="flat" cmpd="sng" algn="ctr">
+                      <a:solidFill>
+                        <a:schemeClr val="tx1"/>
+                      </a:solidFill>
+                      <a:prstDash val="solid"/>
+                      <a:round/>
+                      <a:headEnd type="none" w="med" len="med"/>
+                      <a:tailEnd type="none" w="med" len="med"/>
+                    </a:lnR>
+                    <a:lnT w="12700" cap="flat" cmpd="sng" algn="ctr">
+                      <a:solidFill>
+                        <a:schemeClr val="tx1"/>
+                      </a:solidFill>
+                      <a:prstDash val="solid"/>
+                      <a:round/>
+                      <a:headEnd type="none" w="med" len="med"/>
+                      <a:tailEnd type="none" w="med" len="med"/>
+                    </a:lnT>
+                    <a:lnB w="12700" cap="flat" cmpd="sng" algn="ctr">
+                      <a:solidFill>
+                        <a:schemeClr val="tx1"/>
+                      </a:solidFill>
+                      <a:prstDash val="solid"/>
+                      <a:round/>
+                      <a:headEnd type="none" w="med" len="med"/>
+                      <a:tailEnd type="none" w="med" len="med"/>
+                    </a:lnB>
+                  </a:tcPr>
+                </a:tc>
+                <a:tc>
+                  <a:txBody>
+                    <a:bodyPr/>
+                    <a:lstStyle/>
+                    <a:p>
+                      <a:r>
+                        <a:rPr lang="en-US" sz="2800" dirty="0" smtClean="0"/>
+                        <a:t>437 - 455</a:t>
+                      </a:r>
+                      <a:endParaRPr lang="en-US" sz="2800" dirty="0"/>
+                    </a:p>
+                  </a:txBody>
+                  <a:tcPr>
+                    <a:lnL w="12700" cap="flat" cmpd="sng" algn="ctr">
+                      <a:solidFill>
+                        <a:schemeClr val="tx1"/>
+                      </a:solidFill>
+                      <a:prstDash val="solid"/>
+                      <a:round/>
+                      <a:headEnd type="none" w="med" len="med"/>
+                      <a:tailEnd type="none" w="med" len="med"/>
+                    </a:lnL>
+                    <a:lnR w="12700" cap="flat" cmpd="sng" algn="ctr">
+                      <a:solidFill>
+                        <a:schemeClr val="tx1"/>
+                      </a:solidFill>
+                      <a:prstDash val="solid"/>
+                      <a:round/>
+                      <a:headEnd type="none" w="med" len="med"/>
+                      <a:tailEnd type="none" w="med" len="med"/>
+                    </a:lnR>
+                    <a:lnT w="12700" cap="flat" cmpd="sng" algn="ctr">
+                      <a:solidFill>
+                        <a:schemeClr val="tx1"/>
+                      </a:solidFill>
+                      <a:prstDash val="solid"/>
+                      <a:round/>
+                      <a:headEnd type="none" w="med" len="med"/>
+                      <a:tailEnd type="none" w="med" len="med"/>
+                    </a:lnT>
+                    <a:lnB w="12700" cap="flat" cmpd="sng" algn="ctr">
+                      <a:solidFill>
+                        <a:schemeClr val="tx1"/>
+                      </a:solidFill>
+                      <a:prstDash val="solid"/>
+                      <a:round/>
+                      <a:headEnd type="none" w="med" len="med"/>
+                      <a:tailEnd type="none" w="med" len="med"/>
+                    </a:lnB>
+                    <a:solidFill>
+                      <a:srgbClr val="FFC000"/>
+                    </a:solidFill>
+                  </a:tcPr>
+                </a:tc>
+              </a:tr>
+            </a:tbl>
+          </a:graphicData>
+        </a:graphic>
+      </p:graphicFrame>
+    </p:spTree>
+    <p:extLst>
+      <p:ext uri="{BB962C8B-B14F-4D97-AF65-F5344CB8AC3E}">
+        <p14:creationId xmlns:p14="http://schemas.microsoft.com/office/powerpoint/2010/main" val="3864236231"/>
       </p:ext>
     </p:extLst>
   </p:cSld>
@@ -4955,15 +6766,7 @@
                   <a:srgbClr val="7030A0"/>
                 </a:solidFill>
               </a:rPr>
-              <a:t>Favorite </a:t>
-            </a:r>
-            <a:r>
-              <a:rPr lang="en-US" dirty="0" smtClean="0">
-                <a:solidFill>
-                  <a:srgbClr val="7030A0"/>
-                </a:solidFill>
-              </a:rPr>
-              <a:t>ice cream </a:t>
+              <a:t>Favorite ice cream </a:t>
             </a:r>
             <a:r>
               <a:rPr lang="en-US" smtClean="0">

--- a/Introduction to 3D Printing.pptx
+++ b/Introduction to 3D Printing.pptx
@@ -5,30 +5,32 @@
     <p:sldMasterId id="2147483648" r:id="rId1"/>
   </p:sldMasterIdLst>
   <p:sldIdLst>
-    <p:sldId id="256" r:id="rId2"/>
-    <p:sldId id="258" r:id="rId3"/>
-    <p:sldId id="275" r:id="rId4"/>
-    <p:sldId id="259" r:id="rId5"/>
-    <p:sldId id="269" r:id="rId6"/>
-    <p:sldId id="261" r:id="rId7"/>
-    <p:sldId id="262" r:id="rId8"/>
-    <p:sldId id="257" r:id="rId9"/>
-    <p:sldId id="263" r:id="rId10"/>
-    <p:sldId id="260" r:id="rId11"/>
-    <p:sldId id="264" r:id="rId12"/>
-    <p:sldId id="265" r:id="rId13"/>
-    <p:sldId id="266" r:id="rId14"/>
-    <p:sldId id="267" r:id="rId15"/>
-    <p:sldId id="268" r:id="rId16"/>
-    <p:sldId id="270" r:id="rId17"/>
-    <p:sldId id="271" r:id="rId18"/>
-    <p:sldId id="272" r:id="rId19"/>
-    <p:sldId id="273" r:id="rId20"/>
-    <p:sldId id="276" r:id="rId21"/>
-    <p:sldId id="274" r:id="rId22"/>
-    <p:sldId id="278" r:id="rId23"/>
-    <p:sldId id="277" r:id="rId24"/>
-    <p:sldId id="279" r:id="rId25"/>
+    <p:sldId id="280" r:id="rId2"/>
+    <p:sldId id="256" r:id="rId3"/>
+    <p:sldId id="258" r:id="rId4"/>
+    <p:sldId id="275" r:id="rId5"/>
+    <p:sldId id="281" r:id="rId6"/>
+    <p:sldId id="259" r:id="rId7"/>
+    <p:sldId id="269" r:id="rId8"/>
+    <p:sldId id="261" r:id="rId9"/>
+    <p:sldId id="262" r:id="rId10"/>
+    <p:sldId id="257" r:id="rId11"/>
+    <p:sldId id="263" r:id="rId12"/>
+    <p:sldId id="260" r:id="rId13"/>
+    <p:sldId id="264" r:id="rId14"/>
+    <p:sldId id="265" r:id="rId15"/>
+    <p:sldId id="266" r:id="rId16"/>
+    <p:sldId id="267" r:id="rId17"/>
+    <p:sldId id="268" r:id="rId18"/>
+    <p:sldId id="270" r:id="rId19"/>
+    <p:sldId id="271" r:id="rId20"/>
+    <p:sldId id="272" r:id="rId21"/>
+    <p:sldId id="273" r:id="rId22"/>
+    <p:sldId id="276" r:id="rId23"/>
+    <p:sldId id="274" r:id="rId24"/>
+    <p:sldId id="277" r:id="rId25"/>
+    <p:sldId id="278" r:id="rId26"/>
+    <p:sldId id="279" r:id="rId27"/>
   </p:sldIdLst>
   <p:sldSz cx="9144000" cy="6858000" type="screen4x3"/>
   <p:notesSz cx="6858000" cy="9144000"/>
@@ -311,7 +313,7 @@
           <a:p>
             <a:fld id="{03F24ECC-79A4-43A1-8C02-28912ED20E3E}" type="datetimeFigureOut">
               <a:rPr lang="en-US" smtClean="0"/>
-              <a:t>6/23/2015</a:t>
+              <a:t>6/24/2015</a:t>
             </a:fld>
             <a:endParaRPr lang="en-US"/>
           </a:p>
@@ -481,7 +483,7 @@
           <a:p>
             <a:fld id="{03F24ECC-79A4-43A1-8C02-28912ED20E3E}" type="datetimeFigureOut">
               <a:rPr lang="en-US" smtClean="0"/>
-              <a:t>6/23/2015</a:t>
+              <a:t>6/24/2015</a:t>
             </a:fld>
             <a:endParaRPr lang="en-US"/>
           </a:p>
@@ -661,7 +663,7 @@
           <a:p>
             <a:fld id="{03F24ECC-79A4-43A1-8C02-28912ED20E3E}" type="datetimeFigureOut">
               <a:rPr lang="en-US" smtClean="0"/>
-              <a:t>6/23/2015</a:t>
+              <a:t>6/24/2015</a:t>
             </a:fld>
             <a:endParaRPr lang="en-US"/>
           </a:p>
@@ -831,7 +833,7 @@
           <a:p>
             <a:fld id="{03F24ECC-79A4-43A1-8C02-28912ED20E3E}" type="datetimeFigureOut">
               <a:rPr lang="en-US" smtClean="0"/>
-              <a:t>6/23/2015</a:t>
+              <a:t>6/24/2015</a:t>
             </a:fld>
             <a:endParaRPr lang="en-US"/>
           </a:p>
@@ -1077,7 +1079,7 @@
           <a:p>
             <a:fld id="{03F24ECC-79A4-43A1-8C02-28912ED20E3E}" type="datetimeFigureOut">
               <a:rPr lang="en-US" smtClean="0"/>
-              <a:t>6/23/2015</a:t>
+              <a:t>6/24/2015</a:t>
             </a:fld>
             <a:endParaRPr lang="en-US"/>
           </a:p>
@@ -1365,7 +1367,7 @@
           <a:p>
             <a:fld id="{03F24ECC-79A4-43A1-8C02-28912ED20E3E}" type="datetimeFigureOut">
               <a:rPr lang="en-US" smtClean="0"/>
-              <a:t>6/23/2015</a:t>
+              <a:t>6/24/2015</a:t>
             </a:fld>
             <a:endParaRPr lang="en-US"/>
           </a:p>
@@ -1787,7 +1789,7 @@
           <a:p>
             <a:fld id="{03F24ECC-79A4-43A1-8C02-28912ED20E3E}" type="datetimeFigureOut">
               <a:rPr lang="en-US" smtClean="0"/>
-              <a:t>6/23/2015</a:t>
+              <a:t>6/24/2015</a:t>
             </a:fld>
             <a:endParaRPr lang="en-US"/>
           </a:p>
@@ -1905,7 +1907,7 @@
           <a:p>
             <a:fld id="{03F24ECC-79A4-43A1-8C02-28912ED20E3E}" type="datetimeFigureOut">
               <a:rPr lang="en-US" smtClean="0"/>
-              <a:t>6/23/2015</a:t>
+              <a:t>6/24/2015</a:t>
             </a:fld>
             <a:endParaRPr lang="en-US"/>
           </a:p>
@@ -2000,7 +2002,7 @@
           <a:p>
             <a:fld id="{03F24ECC-79A4-43A1-8C02-28912ED20E3E}" type="datetimeFigureOut">
               <a:rPr lang="en-US" smtClean="0"/>
-              <a:t>6/23/2015</a:t>
+              <a:t>6/24/2015</a:t>
             </a:fld>
             <a:endParaRPr lang="en-US"/>
           </a:p>
@@ -2277,7 +2279,7 @@
           <a:p>
             <a:fld id="{03F24ECC-79A4-43A1-8C02-28912ED20E3E}" type="datetimeFigureOut">
               <a:rPr lang="en-US" smtClean="0"/>
-              <a:t>6/23/2015</a:t>
+              <a:t>6/24/2015</a:t>
             </a:fld>
             <a:endParaRPr lang="en-US"/>
           </a:p>
@@ -2530,7 +2532,7 @@
           <a:p>
             <a:fld id="{03F24ECC-79A4-43A1-8C02-28912ED20E3E}" type="datetimeFigureOut">
               <a:rPr lang="en-US" smtClean="0"/>
-              <a:t>6/23/2015</a:t>
+              <a:t>6/24/2015</a:t>
             </a:fld>
             <a:endParaRPr lang="en-US"/>
           </a:p>
@@ -2743,7 +2745,7 @@
           <a:p>
             <a:fld id="{03F24ECC-79A4-43A1-8C02-28912ED20E3E}" type="datetimeFigureOut">
               <a:rPr lang="en-US" smtClean="0"/>
-              <a:t>6/23/2015</a:t>
+              <a:t>6/24/2015</a:t>
             </a:fld>
             <a:endParaRPr lang="en-US"/>
           </a:p>
@@ -3125,22 +3127,17 @@
             <a:spLocks noGrp="1"/>
           </p:cNvSpPr>
           <p:nvPr>
-            <p:ph type="ctrTitle"/>
-          </p:nvPr>
-        </p:nvSpPr>
-        <p:spPr>
-          <a:xfrm>
-            <a:off x="533400" y="457200"/>
-            <a:ext cx="7772400" cy="1470025"/>
-          </a:xfrm>
-        </p:spPr>
+            <p:ph type="title"/>
+          </p:nvPr>
+        </p:nvSpPr>
+        <p:spPr/>
         <p:txBody>
           <a:bodyPr/>
           <a:lstStyle/>
           <a:p>
             <a:r>
               <a:rPr lang="en-US" dirty="0" smtClean="0"/>
-              <a:t>Introduction to 3D Printing</a:t>
+              <a:t>Upcoming GDI Events at Trailhead</a:t>
             </a:r>
             <a:endParaRPr lang="en-US" dirty="0"/>
           </a:p>
@@ -3148,18 +3145,18 @@
       </p:sp>
       <p:sp>
         <p:nvSpPr>
-          <p:cNvPr id="3" name="Subtitle 2"/>
-          <p:cNvSpPr>
-            <a:spLocks noGrp="1"/>
-          </p:cNvSpPr>
-          <p:nvPr>
-            <p:ph type="subTitle" idx="1"/>
-          </p:nvPr>
-        </p:nvSpPr>
-        <p:spPr>
-          <a:xfrm>
-            <a:off x="228600" y="2212975"/>
-            <a:ext cx="8458200" cy="1752600"/>
+          <p:cNvPr id="3" name="Content Placeholder 2"/>
+          <p:cNvSpPr>
+            <a:spLocks noGrp="1"/>
+          </p:cNvSpPr>
+          <p:nvPr>
+            <p:ph idx="1"/>
+          </p:nvPr>
+        </p:nvSpPr>
+        <p:spPr>
+          <a:xfrm>
+            <a:off x="228600" y="1600200"/>
+            <a:ext cx="8763000" cy="4525963"/>
           </a:xfrm>
         </p:spPr>
         <p:txBody>
@@ -3168,27 +3165,19 @@
           <a:p>
             <a:r>
               <a:rPr lang="en-US" dirty="0" smtClean="0"/>
-              <a:t>“</a:t>
-            </a:r>
-            <a:r>
-              <a:rPr lang="en-US" dirty="0"/>
-              <a:t> I want to say one word to you. Just one word</a:t>
-            </a:r>
-            <a:r>
-              <a:rPr lang="en-US" dirty="0" smtClean="0"/>
-              <a:t>.…</a:t>
-            </a:r>
-          </a:p>
-          <a:p>
-            <a:r>
-              <a:rPr lang="en-US" dirty="0" smtClean="0"/>
-              <a:t>Plastics”</a:t>
-            </a:r>
-          </a:p>
-          <a:p>
-            <a:r>
-              <a:rPr lang="en-US" dirty="0" smtClean="0"/>
-              <a:t>The Graduate - 1967</a:t>
+              <a:t>July 12, 1:00 – 3:00 pm Code &amp; Coffee</a:t>
+            </a:r>
+          </a:p>
+          <a:p>
+            <a:r>
+              <a:rPr lang="en-US" dirty="0" smtClean="0"/>
+              <a:t>July 15, 5:30 – 7:30 pm Intro to Databases &amp; SQL</a:t>
+            </a:r>
+          </a:p>
+          <a:p>
+            <a:r>
+              <a:rPr lang="en-US" dirty="0" smtClean="0"/>
+              <a:t>July 24, </a:t>
             </a:r>
             <a:endParaRPr lang="en-US" dirty="0"/>
           </a:p>
@@ -3197,7 +3186,7 @@
     </p:spTree>
     <p:extLst>
       <p:ext uri="{BB962C8B-B14F-4D97-AF65-F5344CB8AC3E}">
-        <p14:creationId xmlns:p14="http://schemas.microsoft.com/office/powerpoint/2010/main" val="2666580265"/>
+        <p14:creationId xmlns:p14="http://schemas.microsoft.com/office/powerpoint/2010/main" val="2209440606"/>
       </p:ext>
     </p:extLst>
   </p:cSld>
@@ -3243,7 +3232,7 @@
         </p:nvSpPr>
         <p:spPr>
           <a:xfrm>
-            <a:off x="457200" y="0"/>
+            <a:off x="419100" y="0"/>
             <a:ext cx="8229600" cy="1143000"/>
           </a:xfrm>
         </p:spPr>
@@ -3253,7 +3242,7 @@
           <a:p>
             <a:r>
               <a:rPr lang="en-US" dirty="0" smtClean="0"/>
-              <a:t>DLP Style Printer</a:t>
+              <a:t>Delta Style Printer (video)</a:t>
             </a:r>
             <a:endParaRPr lang="en-US" dirty="0"/>
           </a:p>
@@ -3261,12 +3250,11 @@
       </p:sp>
       <p:pic>
         <p:nvPicPr>
-          <p:cNvPr id="4" name="nxhUjPmxrP0"/>
+          <p:cNvPr id="4" name="zQxa920YGaU"/>
           <p:cNvPicPr>
-            <a:picLocks noGrp="1" noRot="1" noChangeAspect="1"/>
+            <a:picLocks noRot="1" noChangeAspect="1"/>
           </p:cNvPicPr>
           <p:nvPr>
-            <p:ph idx="1"/>
             <a:videoFile r:link="rId1"/>
           </p:nvPr>
         </p:nvPicPr>
@@ -3278,8 +3266,8 @@
         </p:blipFill>
         <p:spPr>
           <a:xfrm>
-            <a:off x="1447800" y="1143000"/>
-            <a:ext cx="6477000" cy="3643313"/>
+            <a:off x="1524000" y="1219200"/>
+            <a:ext cx="6019800" cy="3386138"/>
           </a:xfrm>
           <a:prstGeom prst="rect">
             <a:avLst/>
@@ -3289,7 +3277,7 @@
     </p:spTree>
     <p:extLst>
       <p:ext uri="{BB962C8B-B14F-4D97-AF65-F5344CB8AC3E}">
-        <p14:creationId xmlns:p14="http://schemas.microsoft.com/office/powerpoint/2010/main" val="3948974908"/>
+        <p14:creationId xmlns:p14="http://schemas.microsoft.com/office/powerpoint/2010/main" val="1380890633"/>
       </p:ext>
     </p:extLst>
   </p:cSld>
@@ -3345,56 +3333,46 @@
           <a:p>
             <a:r>
               <a:rPr lang="en-US" dirty="0" smtClean="0"/>
-              <a:t>Money, Money, Money</a:t>
+              <a:t>DLP</a:t>
             </a:r>
             <a:endParaRPr lang="en-US" dirty="0"/>
           </a:p>
         </p:txBody>
       </p:sp>
-      <p:sp>
-        <p:nvSpPr>
-          <p:cNvPr id="3" name="Content Placeholder 2"/>
-          <p:cNvSpPr>
-            <a:spLocks noGrp="1"/>
-          </p:cNvSpPr>
-          <p:nvPr>
-            <p:ph idx="1"/>
-          </p:nvPr>
-        </p:nvSpPr>
-        <p:spPr>
-          <a:xfrm>
-            <a:off x="457200" y="1219200"/>
-            <a:ext cx="8229600" cy="4525963"/>
-          </a:xfrm>
-        </p:spPr>
-        <p:txBody>
-          <a:bodyPr/>
-          <a:lstStyle/>
-          <a:p>
-            <a:r>
-              <a:rPr lang="en-US" dirty="0" smtClean="0"/>
-              <a:t>Overall price range $500 - $2500+</a:t>
-            </a:r>
-          </a:p>
-          <a:p>
-            <a:r>
-              <a:rPr lang="en-US" dirty="0" smtClean="0"/>
-              <a:t>Why the difference?</a:t>
-            </a:r>
-          </a:p>
-          <a:p>
-            <a:r>
-              <a:rPr lang="en-US" dirty="0" smtClean="0"/>
-              <a:t>Technology (type) and build volume.</a:t>
-            </a:r>
-            <a:endParaRPr lang="en-US" dirty="0"/>
-          </a:p>
-        </p:txBody>
-      </p:sp>
+      <p:pic>
+        <p:nvPicPr>
+          <p:cNvPr id="8" name="Picture 7"/>
+          <p:cNvPicPr>
+            <a:picLocks noChangeAspect="1"/>
+          </p:cNvPicPr>
+          <p:nvPr/>
+        </p:nvPicPr>
+        <p:blipFill>
+          <a:blip r:embed="rId2">
+            <a:extLst>
+              <a:ext uri="{28A0092B-C50C-407E-A947-70E740481C1C}">
+                <a14:useLocalDpi xmlns:a14="http://schemas.microsoft.com/office/drawing/2010/main" val="0"/>
+              </a:ext>
+            </a:extLst>
+          </a:blip>
+          <a:stretch>
+            <a:fillRect/>
+          </a:stretch>
+        </p:blipFill>
+        <p:spPr>
+          <a:xfrm>
+            <a:off x="1524000" y="990600"/>
+            <a:ext cx="6248400" cy="3749040"/>
+          </a:xfrm>
+          <a:prstGeom prst="rect">
+            <a:avLst/>
+          </a:prstGeom>
+        </p:spPr>
+      </p:pic>
     </p:spTree>
     <p:extLst>
       <p:ext uri="{BB962C8B-B14F-4D97-AF65-F5344CB8AC3E}">
-        <p14:creationId xmlns:p14="http://schemas.microsoft.com/office/powerpoint/2010/main" val="2106186704"/>
+        <p14:creationId xmlns:p14="http://schemas.microsoft.com/office/powerpoint/2010/main" val="3843722854"/>
       </p:ext>
     </p:extLst>
   </p:cSld>
@@ -3450,87 +3428,43 @@
           <a:p>
             <a:r>
               <a:rPr lang="en-US" dirty="0" smtClean="0"/>
-              <a:t>Differences</a:t>
+              <a:t>DLP Style Printer</a:t>
             </a:r>
             <a:endParaRPr lang="en-US" dirty="0"/>
           </a:p>
         </p:txBody>
       </p:sp>
-      <p:sp>
-        <p:nvSpPr>
-          <p:cNvPr id="3" name="Content Placeholder 2"/>
-          <p:cNvSpPr>
-            <a:spLocks noGrp="1"/>
-          </p:cNvSpPr>
+      <p:pic>
+        <p:nvPicPr>
+          <p:cNvPr id="4" name="nxhUjPmxrP0"/>
+          <p:cNvPicPr>
+            <a:picLocks noGrp="1" noRot="1" noChangeAspect="1"/>
+          </p:cNvPicPr>
           <p:nvPr>
             <p:ph idx="1"/>
-          </p:nvPr>
-        </p:nvSpPr>
-        <p:spPr>
-          <a:xfrm>
-            <a:off x="457200" y="1219200"/>
-            <a:ext cx="8229600" cy="4525963"/>
-          </a:xfrm>
-        </p:spPr>
-        <p:txBody>
-          <a:bodyPr>
-            <a:normAutofit/>
-          </a:bodyPr>
-          <a:lstStyle/>
-          <a:p>
-            <a:r>
-              <a:rPr lang="en-US" dirty="0" smtClean="0"/>
-              <a:t>Technology (material)</a:t>
-            </a:r>
-          </a:p>
-          <a:p>
-            <a:pPr lvl="1"/>
-            <a:r>
-              <a:rPr lang="en-US" dirty="0" smtClean="0"/>
-              <a:t>Filament</a:t>
-            </a:r>
-          </a:p>
-          <a:p>
-            <a:pPr lvl="2"/>
-            <a:r>
-              <a:rPr lang="en-US" dirty="0" smtClean="0"/>
-              <a:t>PLA ($500 kit)</a:t>
-            </a:r>
-          </a:p>
-          <a:p>
-            <a:pPr lvl="2"/>
-            <a:r>
-              <a:rPr lang="en-US" dirty="0" smtClean="0"/>
-              <a:t>ABS (heated bed) (+$100)</a:t>
-            </a:r>
-          </a:p>
-          <a:p>
-            <a:pPr lvl="2"/>
-            <a:r>
-              <a:rPr lang="en-US" dirty="0" smtClean="0"/>
-              <a:t>Assembled (+$150)</a:t>
-            </a:r>
-          </a:p>
-          <a:p>
-            <a:pPr lvl="2"/>
-            <a:r>
-              <a:rPr lang="en-US" dirty="0" smtClean="0"/>
-              <a:t>Dual Head (+$200)</a:t>
-            </a:r>
-          </a:p>
-          <a:p>
-            <a:pPr lvl="1"/>
-            <a:r>
-              <a:rPr lang="en-US" dirty="0" smtClean="0"/>
-              <a:t>Resin (DLP)</a:t>
-            </a:r>
-          </a:p>
-        </p:txBody>
-      </p:sp>
+            <a:videoFile r:link="rId1"/>
+          </p:nvPr>
+        </p:nvPicPr>
+        <p:blipFill>
+          <a:blip r:embed="rId3"/>
+          <a:stretch>
+            <a:fillRect/>
+          </a:stretch>
+        </p:blipFill>
+        <p:spPr>
+          <a:xfrm>
+            <a:off x="1447800" y="1143000"/>
+            <a:ext cx="6477000" cy="3643313"/>
+          </a:xfrm>
+          <a:prstGeom prst="rect">
+            <a:avLst/>
+          </a:prstGeom>
+        </p:spPr>
+      </p:pic>
     </p:spTree>
     <p:extLst>
       <p:ext uri="{BB962C8B-B14F-4D97-AF65-F5344CB8AC3E}">
-        <p14:creationId xmlns:p14="http://schemas.microsoft.com/office/powerpoint/2010/main" val="3867764672"/>
+        <p14:creationId xmlns:p14="http://schemas.microsoft.com/office/powerpoint/2010/main" val="3948974908"/>
       </p:ext>
     </p:extLst>
   </p:cSld>
@@ -3586,7 +3520,7 @@
           <a:p>
             <a:r>
               <a:rPr lang="en-US" dirty="0" smtClean="0"/>
-              <a:t>Differences</a:t>
+              <a:t>Money, Money, Money</a:t>
             </a:r>
             <a:endParaRPr lang="en-US" dirty="0"/>
           </a:p>
@@ -3609,35 +3543,24 @@
           </a:xfrm>
         </p:spPr>
         <p:txBody>
-          <a:bodyPr>
-            <a:normAutofit/>
-          </a:bodyPr>
-          <a:lstStyle/>
-          <a:p>
-            <a:r>
-              <a:rPr lang="en-US" dirty="0" smtClean="0"/>
-              <a:t>Build Volume</a:t>
-            </a:r>
-          </a:p>
-          <a:p>
-            <a:pPr lvl="1"/>
-            <a:r>
-              <a:rPr lang="en-US" dirty="0" smtClean="0"/>
-              <a:t>4” x 4” x 4” ($400)</a:t>
-            </a:r>
-          </a:p>
-          <a:p>
-            <a:pPr lvl="1"/>
-            <a:r>
-              <a:rPr lang="en-US" dirty="0" smtClean="0"/>
-              <a:t>10” x 10” x 10” ($1000+)</a:t>
-            </a:r>
-          </a:p>
-          <a:p>
-            <a:pPr lvl="1"/>
-            <a:r>
-              <a:rPr lang="en-US" dirty="0" smtClean="0"/>
-              <a:t>7” x 15” x 7” DLP ($2500+)</a:t>
+          <a:bodyPr/>
+          <a:lstStyle/>
+          <a:p>
+            <a:r>
+              <a:rPr lang="en-US" dirty="0" smtClean="0"/>
+              <a:t>Overall price range $500 - $2500+</a:t>
+            </a:r>
+          </a:p>
+          <a:p>
+            <a:r>
+              <a:rPr lang="en-US" dirty="0" smtClean="0"/>
+              <a:t>Why the difference?</a:t>
+            </a:r>
+          </a:p>
+          <a:p>
+            <a:r>
+              <a:rPr lang="en-US" dirty="0" smtClean="0"/>
+              <a:t>Technology (type) and build volume.</a:t>
             </a:r>
             <a:endParaRPr lang="en-US" dirty="0"/>
           </a:p>
@@ -3646,7 +3569,7 @@
     </p:spTree>
     <p:extLst>
       <p:ext uri="{BB962C8B-B14F-4D97-AF65-F5344CB8AC3E}">
-        <p14:creationId xmlns:p14="http://schemas.microsoft.com/office/powerpoint/2010/main" val="1343839109"/>
+        <p14:creationId xmlns:p14="http://schemas.microsoft.com/office/powerpoint/2010/main" val="2106186704"/>
       </p:ext>
     </p:extLst>
   </p:cSld>
@@ -3702,7 +3625,7 @@
           <a:p>
             <a:r>
               <a:rPr lang="en-US" dirty="0" smtClean="0"/>
-              <a:t>Filament</a:t>
+              <a:t>Differences</a:t>
             </a:r>
             <a:endParaRPr lang="en-US" dirty="0"/>
           </a:p>
@@ -3732,43 +3655,57 @@
           <a:p>
             <a:r>
               <a:rPr lang="en-US" dirty="0" smtClean="0"/>
-              <a:t>Size 1.75mm (standard) &amp; 3.00mm (old)</a:t>
-            </a:r>
-          </a:p>
-          <a:p>
-            <a:r>
-              <a:rPr lang="en-US" dirty="0" smtClean="0"/>
-              <a:t>Material</a:t>
+              <a:t>Technology (material)</a:t>
             </a:r>
           </a:p>
           <a:p>
             <a:pPr lvl="1"/>
             <a:r>
               <a:rPr lang="en-US" dirty="0" smtClean="0"/>
-              <a:t>PLA (Strong, stiff, fast print)</a:t>
+              <a:t>Filament</a:t>
+            </a:r>
+          </a:p>
+          <a:p>
+            <a:pPr lvl="2"/>
+            <a:r>
+              <a:rPr lang="en-US" dirty="0" smtClean="0"/>
+              <a:t>PLA ($500 kit)</a:t>
+            </a:r>
+          </a:p>
+          <a:p>
+            <a:pPr lvl="2"/>
+            <a:r>
+              <a:rPr lang="en-US" dirty="0" smtClean="0"/>
+              <a:t>ABS (heated bed) (+$100)</a:t>
+            </a:r>
+          </a:p>
+          <a:p>
+            <a:pPr lvl="2"/>
+            <a:r>
+              <a:rPr lang="en-US" dirty="0" smtClean="0"/>
+              <a:t>Assembled (+$150)</a:t>
+            </a:r>
+          </a:p>
+          <a:p>
+            <a:pPr lvl="2"/>
+            <a:r>
+              <a:rPr lang="en-US" dirty="0" smtClean="0"/>
+              <a:t>Dual Head (+$200)</a:t>
             </a:r>
           </a:p>
           <a:p>
             <a:pPr lvl="1"/>
             <a:r>
               <a:rPr lang="en-US" dirty="0" smtClean="0"/>
-              <a:t>ABS (Heated bed, higher temp, slight flex)</a:t>
-            </a:r>
-          </a:p>
-          <a:p>
-            <a:pPr lvl="1"/>
-            <a:r>
-              <a:rPr lang="en-US" dirty="0" smtClean="0"/>
-              <a:t>Flex (rubber like)</a:t>
-            </a:r>
-            <a:endParaRPr lang="en-US" dirty="0"/>
+              <a:t>Resin (DLP)</a:t>
+            </a:r>
           </a:p>
         </p:txBody>
       </p:sp>
     </p:spTree>
     <p:extLst>
       <p:ext uri="{BB962C8B-B14F-4D97-AF65-F5344CB8AC3E}">
-        <p14:creationId xmlns:p14="http://schemas.microsoft.com/office/powerpoint/2010/main" val="3026335734"/>
+        <p14:creationId xmlns:p14="http://schemas.microsoft.com/office/powerpoint/2010/main" val="3867764672"/>
       </p:ext>
     </p:extLst>
   </p:cSld>
@@ -3824,7 +3761,7 @@
           <a:p>
             <a:r>
               <a:rPr lang="en-US" dirty="0" smtClean="0"/>
-              <a:t>Filament Exotics</a:t>
+              <a:t>Differences</a:t>
             </a:r>
             <a:endParaRPr lang="en-US" dirty="0"/>
           </a:p>
@@ -3854,54 +3791,28 @@
           <a:p>
             <a:r>
               <a:rPr lang="en-US" dirty="0" smtClean="0"/>
-              <a:t>Material</a:t>
+              <a:t>Build Volume</a:t>
             </a:r>
           </a:p>
           <a:p>
             <a:pPr lvl="1"/>
             <a:r>
               <a:rPr lang="en-US" dirty="0" smtClean="0"/>
-              <a:t>Nylon (Very Strong, very high print temp)</a:t>
+              <a:t>4” x 4” x 4” ($400)</a:t>
             </a:r>
           </a:p>
           <a:p>
             <a:pPr lvl="1"/>
             <a:r>
               <a:rPr lang="en-US" dirty="0" smtClean="0"/>
-              <a:t>Wood</a:t>
+              <a:t>10” x 10” x 10” ($1000+)</a:t>
             </a:r>
           </a:p>
           <a:p>
             <a:pPr lvl="1"/>
             <a:r>
               <a:rPr lang="en-US" dirty="0" smtClean="0"/>
-              <a:t>Conductive</a:t>
-            </a:r>
-          </a:p>
-          <a:p>
-            <a:pPr lvl="1"/>
-            <a:r>
-              <a:rPr lang="en-US" dirty="0" err="1" smtClean="0"/>
-              <a:t>Metalic</a:t>
-            </a:r>
-            <a:r>
-              <a:rPr lang="en-US" dirty="0" smtClean="0"/>
-              <a:t> (bronze, iron, </a:t>
-            </a:r>
-            <a:r>
-              <a:rPr lang="en-US" dirty="0" err="1" smtClean="0"/>
-              <a:t>etc</a:t>
-            </a:r>
-            <a:r>
-              <a:rPr lang="en-US" dirty="0" smtClean="0"/>
-              <a:t>)</a:t>
-            </a:r>
-          </a:p>
-          <a:p>
-            <a:pPr lvl="1"/>
-            <a:r>
-              <a:rPr lang="en-US" dirty="0" smtClean="0"/>
-              <a:t>Ceramic</a:t>
+              <a:t>7” x 15” x 7” DLP ($2500+)</a:t>
             </a:r>
             <a:endParaRPr lang="en-US" dirty="0"/>
           </a:p>
@@ -3910,7 +3821,7 @@
     </p:spTree>
     <p:extLst>
       <p:ext uri="{BB962C8B-B14F-4D97-AF65-F5344CB8AC3E}">
-        <p14:creationId xmlns:p14="http://schemas.microsoft.com/office/powerpoint/2010/main" val="3618842773"/>
+        <p14:creationId xmlns:p14="http://schemas.microsoft.com/office/powerpoint/2010/main" val="1343839109"/>
       </p:ext>
     </p:extLst>
   </p:cSld>
@@ -3966,7 +3877,7 @@
           <a:p>
             <a:r>
               <a:rPr lang="en-US" dirty="0" smtClean="0"/>
-              <a:t>What to Print?</a:t>
+              <a:t>Filament</a:t>
             </a:r>
             <a:endParaRPr lang="en-US" dirty="0"/>
           </a:p>
@@ -3996,94 +3907,43 @@
           <a:p>
             <a:r>
               <a:rPr lang="en-US" dirty="0" smtClean="0"/>
-              <a:t>You need a 3D model (.</a:t>
-            </a:r>
-            <a:r>
-              <a:rPr lang="en-US" dirty="0" err="1" smtClean="0"/>
-              <a:t>stl</a:t>
-            </a:r>
-            <a:r>
-              <a:rPr lang="en-US" dirty="0" smtClean="0"/>
-              <a:t> file)</a:t>
+              <a:t>Size 1.75mm (standard) &amp; 3.00mm (old)</a:t>
+            </a:r>
+          </a:p>
+          <a:p>
+            <a:r>
+              <a:rPr lang="en-US" dirty="0" smtClean="0"/>
+              <a:t>Material</a:t>
             </a:r>
           </a:p>
           <a:p>
             <a:pPr lvl="1"/>
             <a:r>
               <a:rPr lang="en-US" dirty="0" smtClean="0"/>
-              <a:t>Use an existing model </a:t>
-            </a:r>
-          </a:p>
-          <a:p>
-            <a:pPr lvl="2"/>
-            <a:r>
-              <a:rPr lang="en-US" dirty="0" smtClean="0">
-                <a:hlinkClick r:id="rId2"/>
-              </a:rPr>
-              <a:t>www.thingiverse.com</a:t>
-            </a:r>
-            <a:endParaRPr lang="en-US" dirty="0" smtClean="0"/>
+              <a:t>PLA (Strong, stiff, fast print)</a:t>
+            </a:r>
           </a:p>
           <a:p>
             <a:pPr lvl="1"/>
             <a:r>
               <a:rPr lang="en-US" dirty="0" smtClean="0"/>
-              <a:t>Make your own model</a:t>
-            </a:r>
-          </a:p>
-          <a:p>
-            <a:pPr lvl="2"/>
-            <a:r>
-              <a:rPr lang="en-US" dirty="0" err="1" smtClean="0"/>
-              <a:t>Tinkercad</a:t>
-            </a:r>
-            <a:r>
-              <a:rPr lang="en-US" dirty="0" smtClean="0"/>
-              <a:t> (web based </a:t>
-            </a:r>
-            <a:r>
-              <a:rPr lang="en-US" dirty="0" smtClean="0">
-                <a:hlinkClick r:id="rId3"/>
-              </a:rPr>
-              <a:t>www.tinkercad.com</a:t>
-            </a:r>
-            <a:r>
-              <a:rPr lang="en-US" dirty="0" smtClean="0"/>
-              <a:t> )</a:t>
-            </a:r>
-          </a:p>
-          <a:p>
-            <a:pPr lvl="2"/>
-            <a:r>
-              <a:rPr lang="en-US" dirty="0" err="1" smtClean="0"/>
-              <a:t>Meshmixer</a:t>
-            </a:r>
-            <a:endParaRPr lang="en-US" dirty="0" smtClean="0"/>
-          </a:p>
-          <a:p>
-            <a:pPr lvl="2"/>
-            <a:r>
-              <a:rPr lang="en-US" dirty="0" smtClean="0"/>
-              <a:t>Blender (open source)</a:t>
-            </a:r>
-          </a:p>
-          <a:p>
-            <a:pPr lvl="2"/>
-            <a:r>
-              <a:rPr lang="en-US" dirty="0" err="1" smtClean="0"/>
-              <a:t>Autocad</a:t>
-            </a:r>
-            <a:r>
-              <a:rPr lang="en-US" dirty="0" smtClean="0"/>
-              <a:t> 123D Design</a:t>
-            </a:r>
+              <a:t>ABS (Heated bed, higher temp, slight flex)</a:t>
+            </a:r>
+          </a:p>
+          <a:p>
+            <a:pPr lvl="1"/>
+            <a:r>
+              <a:rPr lang="en-US" dirty="0" smtClean="0"/>
+              <a:t>Flex (rubber like)</a:t>
+            </a:r>
+            <a:endParaRPr lang="en-US" dirty="0"/>
           </a:p>
         </p:txBody>
       </p:sp>
     </p:spTree>
     <p:extLst>
       <p:ext uri="{BB962C8B-B14F-4D97-AF65-F5344CB8AC3E}">
-        <p14:creationId xmlns:p14="http://schemas.microsoft.com/office/powerpoint/2010/main" val="1551500598"/>
+        <p14:creationId xmlns:p14="http://schemas.microsoft.com/office/powerpoint/2010/main" val="3026335734"/>
       </p:ext>
     </p:extLst>
   </p:cSld>
@@ -4139,7 +3999,7 @@
           <a:p>
             <a:r>
               <a:rPr lang="en-US" dirty="0" smtClean="0"/>
-              <a:t>How to Print?</a:t>
+              <a:t>Filament Exotics</a:t>
             </a:r>
             <a:endParaRPr lang="en-US" dirty="0"/>
           </a:p>
@@ -4157,8 +4017,8 @@
         </p:nvSpPr>
         <p:spPr>
           <a:xfrm>
-            <a:off x="437909" y="914400"/>
-            <a:ext cx="8229600" cy="1219200"/>
+            <a:off x="457200" y="1219200"/>
+            <a:ext cx="8229600" cy="4525963"/>
           </a:xfrm>
         </p:spPr>
         <p:txBody>
@@ -4169,19 +4029,39 @@
           <a:p>
             <a:r>
               <a:rPr lang="en-US" dirty="0" smtClean="0"/>
-              <a:t>3D printers use </a:t>
-            </a:r>
+              <a:t>Material</a:t>
+            </a:r>
+          </a:p>
+          <a:p>
+            <a:pPr lvl="1"/>
+            <a:r>
+              <a:rPr lang="en-US" dirty="0" smtClean="0"/>
+              <a:t>Nylon (Very Strong, very high print temp)</a:t>
+            </a:r>
+          </a:p>
+          <a:p>
+            <a:pPr lvl="1"/>
+            <a:r>
+              <a:rPr lang="en-US" dirty="0" smtClean="0"/>
+              <a:t>Wood</a:t>
+            </a:r>
+          </a:p>
+          <a:p>
+            <a:pPr lvl="1"/>
+            <a:r>
+              <a:rPr lang="en-US" dirty="0" smtClean="0"/>
+              <a:t>Conductive</a:t>
+            </a:r>
+          </a:p>
+          <a:p>
+            <a:pPr lvl="1"/>
             <a:r>
               <a:rPr lang="en-US" dirty="0" err="1" smtClean="0"/>
-              <a:t>GCode</a:t>
-            </a:r>
-            <a:endParaRPr lang="en-US" dirty="0" smtClean="0"/>
-          </a:p>
-          <a:p>
-            <a:pPr lvl="1"/>
-            <a:r>
-              <a:rPr lang="en-US" dirty="0" smtClean="0"/>
-              <a:t>Set of instructions (movement, speed, temp, </a:t>
+              <a:t>Metalic</a:t>
+            </a:r>
+            <a:r>
+              <a:rPr lang="en-US" dirty="0" smtClean="0"/>
+              <a:t> (bronze, iron, </a:t>
             </a:r>
             <a:r>
               <a:rPr lang="en-US" dirty="0" err="1" smtClean="0"/>
@@ -4192,118 +4072,12 @@
               <a:t>)</a:t>
             </a:r>
           </a:p>
-        </p:txBody>
-      </p:sp>
-      <p:sp>
-        <p:nvSpPr>
-          <p:cNvPr id="4" name="TextBox 3"/>
-          <p:cNvSpPr txBox="1"/>
-          <p:nvPr/>
-        </p:nvSpPr>
-        <p:spPr>
-          <a:xfrm>
-            <a:off x="514109" y="2057400"/>
-            <a:ext cx="8153400" cy="3693319"/>
-          </a:xfrm>
-          <a:prstGeom prst="rect">
-            <a:avLst/>
-          </a:prstGeom>
-          <a:noFill/>
-        </p:spPr>
-        <p:txBody>
-          <a:bodyPr wrap="square" rtlCol="0">
-            <a:spAutoFit/>
-          </a:bodyPr>
-          <a:lstStyle/>
-          <a:p>
-            <a:r>
-              <a:rPr lang="en-US" dirty="0" smtClean="0"/>
-              <a:t>(**** </a:t>
-            </a:r>
-            <a:r>
-              <a:rPr lang="en-US" dirty="0" err="1" smtClean="0"/>
-              <a:t>start.gcode</a:t>
-            </a:r>
-            <a:r>
-              <a:rPr lang="en-US" dirty="0" smtClean="0"/>
-              <a:t> for The Replicator, dual head ****)</a:t>
-            </a:r>
-          </a:p>
-          <a:p>
-            <a:r>
-              <a:rPr lang="en-US" dirty="0" smtClean="0"/>
-              <a:t>M103 (disable RPM)</a:t>
-            </a:r>
-          </a:p>
-          <a:p>
-            <a:r>
-              <a:rPr lang="en-US" dirty="0" smtClean="0"/>
-              <a:t>M73 P0 (enable build progress)</a:t>
-            </a:r>
-          </a:p>
-          <a:p>
-            <a:r>
-              <a:rPr lang="en-US" dirty="0" smtClean="0"/>
-              <a:t>G21 (set units to mm)</a:t>
-            </a:r>
-          </a:p>
-          <a:p>
-            <a:r>
-              <a:rPr lang="en-US" dirty="0" smtClean="0"/>
-              <a:t>G90 (set positioning to absolute)</a:t>
-            </a:r>
-          </a:p>
-          <a:p>
-            <a:r>
-              <a:rPr lang="en-US" dirty="0" smtClean="0"/>
-              <a:t>M109 S065 T0 (set HBP temperature)</a:t>
-            </a:r>
-          </a:p>
-          <a:p>
-            <a:r>
-              <a:rPr lang="en-US" dirty="0" smtClean="0"/>
-              <a:t>M104 S220 T0 (set extruder temperature) (temp updated by </a:t>
-            </a:r>
-            <a:r>
-              <a:rPr lang="en-US" dirty="0" err="1" smtClean="0"/>
-              <a:t>printOMatic</a:t>
-            </a:r>
-            <a:r>
-              <a:rPr lang="en-US" dirty="0" smtClean="0"/>
-              <a:t>)</a:t>
-            </a:r>
-          </a:p>
-          <a:p>
-            <a:r>
-              <a:rPr lang="en-US" dirty="0" smtClean="0"/>
-              <a:t>…</a:t>
-            </a:r>
-          </a:p>
-          <a:p>
-            <a:r>
-              <a:rPr lang="en-US" dirty="0" smtClean="0"/>
-              <a:t>G1 X-29.91 Y-29.91 Z0.1 F1080.0 E1.0</a:t>
-            </a:r>
-          </a:p>
-          <a:p>
-            <a:r>
-              <a:rPr lang="en-US" dirty="0" smtClean="0"/>
-              <a:t>G1 X-23.5 Y-35.17 Z0.1 F1080.0 E1.3</a:t>
-            </a:r>
-          </a:p>
-          <a:p>
-            <a:r>
-              <a:rPr lang="en-US" dirty="0" smtClean="0"/>
-              <a:t>G1 X-16.19 Y-39.08 Z0.1 F1080.0 E1.6</a:t>
-            </a:r>
-          </a:p>
-          <a:p>
-            <a:r>
-              <a:rPr lang="en-US" dirty="0" smtClean="0"/>
-              <a:t>G1 X-8.25 Y-41.49 Z0.1 F1080.0 E1.9</a:t>
-            </a:r>
-          </a:p>
-          <a:p>
+          <a:p>
+            <a:pPr lvl="1"/>
+            <a:r>
+              <a:rPr lang="en-US" dirty="0" smtClean="0"/>
+              <a:t>Ceramic</a:t>
+            </a:r>
             <a:endParaRPr lang="en-US" dirty="0"/>
           </a:p>
         </p:txBody>
@@ -4311,7 +4085,7 @@
     </p:spTree>
     <p:extLst>
       <p:ext uri="{BB962C8B-B14F-4D97-AF65-F5344CB8AC3E}">
-        <p14:creationId xmlns:p14="http://schemas.microsoft.com/office/powerpoint/2010/main" val="2291998744"/>
+        <p14:creationId xmlns:p14="http://schemas.microsoft.com/office/powerpoint/2010/main" val="3618842773"/>
       </p:ext>
     </p:extLst>
   </p:cSld>
@@ -4367,7 +4141,7 @@
           <a:p>
             <a:r>
               <a:rPr lang="en-US" dirty="0" smtClean="0"/>
-              <a:t>Slicers</a:t>
+              <a:t>What to Print?</a:t>
             </a:r>
             <a:endParaRPr lang="en-US" dirty="0"/>
           </a:p>
@@ -4385,8 +4159,8 @@
         </p:nvSpPr>
         <p:spPr>
           <a:xfrm>
-            <a:off x="437909" y="914400"/>
-            <a:ext cx="8229600" cy="4267200"/>
+            <a:off x="457200" y="1219200"/>
+            <a:ext cx="8229600" cy="4525963"/>
           </a:xfrm>
         </p:spPr>
         <p:txBody>
@@ -4397,72 +4171,86 @@
           <a:p>
             <a:r>
               <a:rPr lang="en-US" dirty="0" smtClean="0"/>
-              <a:t>Convert Models to </a:t>
+              <a:t>You need a 3D model (.</a:t>
             </a:r>
             <a:r>
               <a:rPr lang="en-US" dirty="0" err="1" smtClean="0"/>
-              <a:t>GCode</a:t>
+              <a:t>stl</a:t>
+            </a:r>
+            <a:r>
+              <a:rPr lang="en-US" dirty="0" smtClean="0"/>
+              <a:t> file)</a:t>
+            </a:r>
+          </a:p>
+          <a:p>
+            <a:pPr lvl="1"/>
+            <a:r>
+              <a:rPr lang="en-US" dirty="0" smtClean="0"/>
+              <a:t>Use an existing model </a:t>
+            </a:r>
+          </a:p>
+          <a:p>
+            <a:pPr lvl="2"/>
+            <a:r>
+              <a:rPr lang="en-US" dirty="0" smtClean="0">
+                <a:hlinkClick r:id="rId2"/>
+              </a:rPr>
+              <a:t>www.thingiverse.com</a:t>
             </a:r>
             <a:endParaRPr lang="en-US" dirty="0" smtClean="0"/>
           </a:p>
           <a:p>
             <a:pPr lvl="1"/>
             <a:r>
+              <a:rPr lang="en-US" dirty="0" smtClean="0"/>
+              <a:t>Make your own model</a:t>
+            </a:r>
+          </a:p>
+          <a:p>
+            <a:pPr lvl="2"/>
+            <a:r>
               <a:rPr lang="en-US" dirty="0" err="1" smtClean="0"/>
-              <a:t>Skeinforge</a:t>
-            </a:r>
-            <a:r>
-              <a:rPr lang="en-US" dirty="0" smtClean="0"/>
-              <a:t> used in </a:t>
-            </a:r>
+              <a:t>Tinkercad</a:t>
+            </a:r>
+            <a:r>
+              <a:rPr lang="en-US" dirty="0" smtClean="0"/>
+              <a:t> (web based </a:t>
+            </a:r>
+            <a:r>
+              <a:rPr lang="en-US" dirty="0" smtClean="0">
+                <a:hlinkClick r:id="rId3"/>
+              </a:rPr>
+              <a:t>www.tinkercad.com</a:t>
+            </a:r>
+            <a:r>
+              <a:rPr lang="en-US" dirty="0" smtClean="0"/>
+              <a:t> )</a:t>
+            </a:r>
+          </a:p>
+          <a:p>
+            <a:pPr lvl="2"/>
             <a:r>
               <a:rPr lang="en-US" dirty="0" err="1" smtClean="0"/>
-              <a:t>ReplicatorG</a:t>
-            </a:r>
-            <a:r>
-              <a:rPr lang="en-US" dirty="0" smtClean="0"/>
-              <a:t> (oldie but a goodie)</a:t>
-            </a:r>
-          </a:p>
-          <a:p>
-            <a:pPr lvl="1"/>
-            <a:r>
-              <a:rPr lang="en-US" dirty="0" smtClean="0"/>
-              <a:t>Slic3r </a:t>
-            </a:r>
-          </a:p>
-          <a:p>
-            <a:pPr lvl="1"/>
+              <a:t>Meshmixer</a:t>
+            </a:r>
+            <a:endParaRPr lang="en-US" dirty="0" smtClean="0"/>
+          </a:p>
+          <a:p>
+            <a:pPr lvl="2"/>
+            <a:r>
+              <a:rPr lang="en-US" dirty="0" smtClean="0"/>
+              <a:t>Blender (open source)</a:t>
+            </a:r>
+          </a:p>
+          <a:p>
+            <a:pPr lvl="2"/>
             <a:r>
               <a:rPr lang="en-US" dirty="0" err="1" smtClean="0"/>
-              <a:t>KISSlicer</a:t>
-            </a:r>
-            <a:endParaRPr lang="en-US" dirty="0" smtClean="0"/>
-          </a:p>
-          <a:p>
-            <a:pPr lvl="1"/>
-            <a:r>
-              <a:rPr lang="en-US" dirty="0" err="1" smtClean="0"/>
-              <a:t>Makerware</a:t>
-            </a:r>
-            <a:r>
-              <a:rPr lang="en-US" dirty="0" smtClean="0"/>
-              <a:t> (</a:t>
-            </a:r>
-            <a:r>
-              <a:rPr lang="en-US" dirty="0" err="1" smtClean="0"/>
-              <a:t>Makerbot</a:t>
-            </a:r>
-            <a:r>
-              <a:rPr lang="en-US" dirty="0" smtClean="0"/>
-              <a:t>)</a:t>
-            </a:r>
-          </a:p>
-          <a:p>
-            <a:pPr lvl="1"/>
-            <a:r>
-              <a:rPr lang="en-US" dirty="0" smtClean="0"/>
-              <a:t>Simplify3D ($$$)</a:t>
+              <a:t>Autocad</a:t>
+            </a:r>
+            <a:r>
+              <a:rPr lang="en-US" dirty="0" smtClean="0"/>
+              <a:t> 123D Design</a:t>
             </a:r>
           </a:p>
         </p:txBody>
@@ -4470,7 +4258,7 @@
     </p:spTree>
     <p:extLst>
       <p:ext uri="{BB962C8B-B14F-4D97-AF65-F5344CB8AC3E}">
-        <p14:creationId xmlns:p14="http://schemas.microsoft.com/office/powerpoint/2010/main" val="1490415496"/>
+        <p14:creationId xmlns:p14="http://schemas.microsoft.com/office/powerpoint/2010/main" val="1551500598"/>
       </p:ext>
     </p:extLst>
   </p:cSld>
@@ -4526,7 +4314,7 @@
           <a:p>
             <a:r>
               <a:rPr lang="en-US" dirty="0" smtClean="0"/>
-              <a:t>Terminology / Settings</a:t>
+              <a:t>How to Print?</a:t>
             </a:r>
             <a:endParaRPr lang="en-US" dirty="0"/>
           </a:p>
@@ -4544,8 +4332,8 @@
         </p:nvSpPr>
         <p:spPr>
           <a:xfrm>
-            <a:off x="228600" y="914400"/>
-            <a:ext cx="8839200" cy="4267200"/>
+            <a:off x="437909" y="914400"/>
+            <a:ext cx="8229600" cy="1219200"/>
           </a:xfrm>
         </p:spPr>
         <p:txBody>
@@ -4556,48 +4344,149 @@
           <a:p>
             <a:r>
               <a:rPr lang="en-US" dirty="0" smtClean="0"/>
-              <a:t>Layer Height - 0.1, 0.2, 0.3 mm (fine, med, coarse)</a:t>
-            </a:r>
-          </a:p>
-          <a:p>
-            <a:r>
-              <a:rPr lang="en-US" dirty="0" smtClean="0"/>
-              <a:t>Shells - 1,2,…? (2 is common, 4 or more extreme)</a:t>
-            </a:r>
-          </a:p>
-          <a:p>
-            <a:r>
-              <a:rPr lang="en-US" dirty="0" smtClean="0"/>
-              <a:t>Infill -10% - 100% (20% is common)</a:t>
-            </a:r>
-          </a:p>
-          <a:p>
-            <a:r>
-              <a:rPr lang="en-US" dirty="0" smtClean="0"/>
-              <a:t>Support</a:t>
-            </a:r>
-          </a:p>
-          <a:p>
-            <a:r>
-              <a:rPr lang="en-US" dirty="0" smtClean="0"/>
-              <a:t>Skirt (brim)</a:t>
-            </a:r>
-          </a:p>
-          <a:p>
-            <a:r>
-              <a:rPr lang="en-US" dirty="0" smtClean="0"/>
-              <a:t>Raft</a:t>
-            </a:r>
-          </a:p>
-          <a:p>
+              <a:t>3D printers use </a:t>
+            </a:r>
+            <a:r>
+              <a:rPr lang="en-US" dirty="0" err="1" smtClean="0"/>
+              <a:t>GCode</a:t>
+            </a:r>
             <a:endParaRPr lang="en-US" dirty="0" smtClean="0"/>
+          </a:p>
+          <a:p>
+            <a:pPr lvl="1"/>
+            <a:r>
+              <a:rPr lang="en-US" dirty="0" smtClean="0"/>
+              <a:t>Set of instructions (movement, speed, temp, </a:t>
+            </a:r>
+            <a:r>
+              <a:rPr lang="en-US" dirty="0" err="1" smtClean="0"/>
+              <a:t>etc</a:t>
+            </a:r>
+            <a:r>
+              <a:rPr lang="en-US" dirty="0" smtClean="0"/>
+              <a:t>)</a:t>
+            </a:r>
+          </a:p>
+        </p:txBody>
+      </p:sp>
+      <p:sp>
+        <p:nvSpPr>
+          <p:cNvPr id="4" name="TextBox 3"/>
+          <p:cNvSpPr txBox="1"/>
+          <p:nvPr/>
+        </p:nvSpPr>
+        <p:spPr>
+          <a:xfrm>
+            <a:off x="514109" y="2057400"/>
+            <a:ext cx="8153400" cy="3693319"/>
+          </a:xfrm>
+          <a:prstGeom prst="rect">
+            <a:avLst/>
+          </a:prstGeom>
+          <a:noFill/>
+        </p:spPr>
+        <p:txBody>
+          <a:bodyPr wrap="square" rtlCol="0">
+            <a:spAutoFit/>
+          </a:bodyPr>
+          <a:lstStyle/>
+          <a:p>
+            <a:r>
+              <a:rPr lang="en-US" dirty="0" smtClean="0"/>
+              <a:t>(**** </a:t>
+            </a:r>
+            <a:r>
+              <a:rPr lang="en-US" dirty="0" err="1" smtClean="0"/>
+              <a:t>start.gcode</a:t>
+            </a:r>
+            <a:r>
+              <a:rPr lang="en-US" dirty="0" smtClean="0"/>
+              <a:t> for The Replicator, dual head ****)</a:t>
+            </a:r>
+          </a:p>
+          <a:p>
+            <a:r>
+              <a:rPr lang="en-US" dirty="0" smtClean="0"/>
+              <a:t>M103 (disable RPM)</a:t>
+            </a:r>
+          </a:p>
+          <a:p>
+            <a:r>
+              <a:rPr lang="en-US" dirty="0" smtClean="0"/>
+              <a:t>M73 P0 (enable build progress)</a:t>
+            </a:r>
+          </a:p>
+          <a:p>
+            <a:r>
+              <a:rPr lang="en-US" dirty="0" smtClean="0"/>
+              <a:t>G21 (set units to mm)</a:t>
+            </a:r>
+          </a:p>
+          <a:p>
+            <a:r>
+              <a:rPr lang="en-US" dirty="0" smtClean="0"/>
+              <a:t>G90 (set positioning to absolute)</a:t>
+            </a:r>
+          </a:p>
+          <a:p>
+            <a:r>
+              <a:rPr lang="en-US" dirty="0" smtClean="0"/>
+              <a:t>M109 S065 T0 (set HBP temperature)</a:t>
+            </a:r>
+          </a:p>
+          <a:p>
+            <a:r>
+              <a:rPr lang="en-US" dirty="0" smtClean="0"/>
+              <a:t>M104 S220 T0 (set extruder temperature) (temp updated by </a:t>
+            </a:r>
+            <a:r>
+              <a:rPr lang="en-US" dirty="0" err="1" smtClean="0"/>
+              <a:t>printOMatic</a:t>
+            </a:r>
+            <a:r>
+              <a:rPr lang="en-US" dirty="0" smtClean="0"/>
+              <a:t>)</a:t>
+            </a:r>
+          </a:p>
+          <a:p>
+            <a:r>
+              <a:rPr lang="en-US" dirty="0" smtClean="0"/>
+              <a:t>…</a:t>
+            </a:r>
+          </a:p>
+          <a:p>
+            <a:r>
+              <a:rPr lang="en-US" dirty="0" smtClean="0"/>
+              <a:t>G1 X-29.91 Y-29.91 Z0.1 F1080.0 E1.0</a:t>
+            </a:r>
+          </a:p>
+          <a:p>
+            <a:r>
+              <a:rPr lang="en-US" dirty="0" smtClean="0"/>
+              <a:t>G1 X-23.5 Y-35.17 Z0.1 F1080.0 E1.3</a:t>
+            </a:r>
+          </a:p>
+          <a:p>
+            <a:r>
+              <a:rPr lang="en-US" dirty="0" smtClean="0"/>
+              <a:t>G1 X-16.19 Y-39.08 Z0.1 F1080.0 E1.6</a:t>
+            </a:r>
+          </a:p>
+          <a:p>
+            <a:r>
+              <a:rPr lang="en-US" dirty="0" smtClean="0"/>
+              <a:t>G1 X-8.25 Y-41.49 Z0.1 F1080.0 E1.9</a:t>
+            </a:r>
+          </a:p>
+          <a:p>
+            <a:endParaRPr lang="en-US" dirty="0"/>
           </a:p>
         </p:txBody>
       </p:sp>
     </p:spTree>
     <p:extLst>
       <p:ext uri="{BB962C8B-B14F-4D97-AF65-F5344CB8AC3E}">
-        <p14:creationId xmlns:p14="http://schemas.microsoft.com/office/powerpoint/2010/main" val="40754143"/>
+        <p14:creationId xmlns:p14="http://schemas.microsoft.com/office/powerpoint/2010/main" val="2291998744"/>
       </p:ext>
     </p:extLst>
   </p:cSld>
@@ -4638,117 +4527,71 @@
             <a:spLocks noGrp="1"/>
           </p:cNvSpPr>
           <p:nvPr>
-            <p:ph type="title"/>
-          </p:nvPr>
-        </p:nvSpPr>
-        <p:spPr>
-          <a:xfrm>
-            <a:off x="457200" y="0"/>
-            <a:ext cx="8229600" cy="762000"/>
-          </a:xfrm>
-        </p:spPr>
-        <p:txBody>
-          <a:bodyPr>
-            <a:normAutofit/>
-          </a:bodyPr>
-          <a:lstStyle/>
-          <a:p>
-            <a:r>
-              <a:rPr lang="en-US" b="1" cap="all" dirty="0">
-                <a:solidFill>
-                  <a:srgbClr val="C00000"/>
-                </a:solidFill>
-              </a:rPr>
-              <a:t>WELCOME</a:t>
-            </a:r>
-            <a:r>
-              <a:rPr lang="en-US" b="1" cap="all" dirty="0" smtClean="0">
-                <a:solidFill>
-                  <a:srgbClr val="C00000"/>
-                </a:solidFill>
-              </a:rPr>
-              <a:t>!</a:t>
-            </a:r>
-            <a:endParaRPr lang="en-US" dirty="0">
-              <a:solidFill>
-                <a:srgbClr val="C00000"/>
-              </a:solidFill>
-            </a:endParaRPr>
-          </a:p>
-        </p:txBody>
-      </p:sp>
-      <p:sp>
-        <p:nvSpPr>
-          <p:cNvPr id="3" name="Content Placeholder 2"/>
-          <p:cNvSpPr>
-            <a:spLocks noGrp="1"/>
-          </p:cNvSpPr>
-          <p:nvPr>
-            <p:ph idx="1"/>
-          </p:nvPr>
-        </p:nvSpPr>
-        <p:spPr>
-          <a:xfrm>
-            <a:off x="457200" y="762000"/>
-            <a:ext cx="8229600" cy="4525963"/>
-          </a:xfrm>
-        </p:spPr>
-        <p:txBody>
-          <a:bodyPr>
-            <a:normAutofit/>
-          </a:bodyPr>
-          <a:lstStyle/>
-          <a:p>
-            <a:pPr marL="0" indent="0" fontAlgn="base">
-              <a:buNone/>
-            </a:pPr>
-            <a:r>
-              <a:rPr lang="en-US" dirty="0" smtClean="0"/>
-              <a:t>Girl </a:t>
+            <p:ph type="ctrTitle"/>
+          </p:nvPr>
+        </p:nvSpPr>
+        <p:spPr>
+          <a:xfrm>
+            <a:off x="533400" y="457200"/>
+            <a:ext cx="7772400" cy="1470025"/>
+          </a:xfrm>
+        </p:spPr>
+        <p:txBody>
+          <a:bodyPr/>
+          <a:lstStyle/>
+          <a:p>
+            <a:r>
+              <a:rPr lang="en-US" dirty="0" smtClean="0"/>
+              <a:t>Introduction to 3D Printing</a:t>
+            </a:r>
+            <a:endParaRPr lang="en-US" dirty="0"/>
+          </a:p>
+        </p:txBody>
+      </p:sp>
+      <p:sp>
+        <p:nvSpPr>
+          <p:cNvPr id="3" name="Subtitle 2"/>
+          <p:cNvSpPr>
+            <a:spLocks noGrp="1"/>
+          </p:cNvSpPr>
+          <p:nvPr>
+            <p:ph type="subTitle" idx="1"/>
+          </p:nvPr>
+        </p:nvSpPr>
+        <p:spPr>
+          <a:xfrm>
+            <a:off x="228600" y="2212975"/>
+            <a:ext cx="8458200" cy="1752600"/>
+          </a:xfrm>
+        </p:spPr>
+        <p:txBody>
+          <a:bodyPr/>
+          <a:lstStyle/>
+          <a:p>
+            <a:r>
+              <a:rPr lang="en-US" dirty="0" smtClean="0"/>
+              <a:t>“</a:t>
             </a:r>
             <a:r>
               <a:rPr lang="en-US" dirty="0"/>
-              <a:t>Develop It is here to provide affordable and accessible programs to learn software through mentorship and hands-on instruction.</a:t>
-            </a:r>
-          </a:p>
-          <a:p>
-            <a:pPr marL="0" indent="0" fontAlgn="base">
-              <a:buNone/>
-            </a:pPr>
-            <a:r>
-              <a:rPr lang="en-US" dirty="0"/>
-              <a:t>Some "rules"</a:t>
-            </a:r>
-          </a:p>
-          <a:p>
-            <a:pPr fontAlgn="base"/>
-            <a:r>
-              <a:rPr lang="en-US" dirty="0"/>
-              <a:t>We are here for you!</a:t>
-            </a:r>
-          </a:p>
-          <a:p>
-            <a:pPr fontAlgn="base"/>
-            <a:r>
-              <a:rPr lang="en-US" dirty="0"/>
-              <a:t>Every question is important</a:t>
-            </a:r>
-          </a:p>
-          <a:p>
-            <a:pPr fontAlgn="base"/>
-            <a:r>
-              <a:rPr lang="en-US" dirty="0"/>
-              <a:t>Help each other</a:t>
-            </a:r>
-          </a:p>
-          <a:p>
-            <a:pPr fontAlgn="base"/>
-            <a:r>
-              <a:rPr lang="en-US" dirty="0"/>
-              <a:t>Have fun</a:t>
-            </a:r>
-          </a:p>
-          <a:p>
+              <a:t> I want to say one word to you. Just one word</a:t>
+            </a:r>
+            <a:r>
+              <a:rPr lang="en-US" dirty="0" smtClean="0"/>
+              <a:t>.…</a:t>
+            </a:r>
+          </a:p>
+          <a:p>
+            <a:r>
+              <a:rPr lang="en-US" dirty="0" smtClean="0"/>
+              <a:t>Plastics”</a:t>
+            </a:r>
+          </a:p>
+          <a:p>
+            <a:r>
+              <a:rPr lang="en-US" dirty="0" smtClean="0"/>
+              <a:t>The Graduate - 1967</a:t>
+            </a:r>
             <a:endParaRPr lang="en-US" dirty="0"/>
           </a:p>
         </p:txBody>
@@ -4756,7 +4599,7 @@
     </p:spTree>
     <p:extLst>
       <p:ext uri="{BB962C8B-B14F-4D97-AF65-F5344CB8AC3E}">
-        <p14:creationId xmlns:p14="http://schemas.microsoft.com/office/powerpoint/2010/main" val="3634930489"/>
+        <p14:creationId xmlns:p14="http://schemas.microsoft.com/office/powerpoint/2010/main" val="2666580265"/>
       </p:ext>
     </p:extLst>
   </p:cSld>
@@ -4812,7 +4655,7 @@
           <a:p>
             <a:r>
               <a:rPr lang="en-US" dirty="0" smtClean="0"/>
-              <a:t>Infill</a:t>
+              <a:t>Slicers</a:t>
             </a:r>
             <a:endParaRPr lang="en-US" dirty="0"/>
           </a:p>
@@ -4820,127 +4663,102 @@
       </p:sp>
       <p:sp>
         <p:nvSpPr>
-          <p:cNvPr id="11" name="TextBox 10"/>
-          <p:cNvSpPr txBox="1"/>
-          <p:nvPr/>
-        </p:nvSpPr>
-        <p:spPr>
-          <a:xfrm>
-            <a:off x="1905000" y="4803523"/>
-            <a:ext cx="1028700" cy="523220"/>
-          </a:xfrm>
-          <a:prstGeom prst="rect">
-            <a:avLst/>
-          </a:prstGeom>
-          <a:noFill/>
-        </p:spPr>
-        <p:txBody>
-          <a:bodyPr wrap="square" rtlCol="0">
-            <a:spAutoFit/>
+          <p:cNvPr id="3" name="Content Placeholder 2"/>
+          <p:cNvSpPr>
+            <a:spLocks noGrp="1"/>
+          </p:cNvSpPr>
+          <p:nvPr>
+            <p:ph idx="1"/>
+          </p:nvPr>
+        </p:nvSpPr>
+        <p:spPr>
+          <a:xfrm>
+            <a:off x="437909" y="914400"/>
+            <a:ext cx="8229600" cy="4267200"/>
+          </a:xfrm>
+        </p:spPr>
+        <p:txBody>
+          <a:bodyPr>
+            <a:normAutofit/>
           </a:bodyPr>
           <a:lstStyle/>
           <a:p>
             <a:r>
-              <a:rPr lang="en-US" sz="2800" dirty="0" smtClean="0"/>
-              <a:t>10%</a:t>
-            </a:r>
-            <a:endParaRPr lang="en-US" sz="2800" dirty="0"/>
-          </a:p>
-        </p:txBody>
-      </p:sp>
-      <p:sp>
-        <p:nvSpPr>
-          <p:cNvPr id="13" name="TextBox 12"/>
-          <p:cNvSpPr txBox="1"/>
-          <p:nvPr/>
-        </p:nvSpPr>
-        <p:spPr>
-          <a:xfrm>
-            <a:off x="6066064" y="4817332"/>
-            <a:ext cx="1447800" cy="523220"/>
-          </a:xfrm>
-          <a:prstGeom prst="rect">
-            <a:avLst/>
-          </a:prstGeom>
-          <a:noFill/>
-        </p:spPr>
-        <p:txBody>
-          <a:bodyPr wrap="square" rtlCol="0">
-            <a:spAutoFit/>
-          </a:bodyPr>
-          <a:lstStyle/>
-          <a:p>
-            <a:r>
-              <a:rPr lang="en-US" sz="2800" dirty="0" smtClean="0"/>
-              <a:t>40%</a:t>
-            </a:r>
-          </a:p>
-        </p:txBody>
-      </p:sp>
-      <p:pic>
-        <p:nvPicPr>
-          <p:cNvPr id="14" name="Picture 13"/>
-          <p:cNvPicPr>
-            <a:picLocks noChangeAspect="1"/>
-          </p:cNvPicPr>
-          <p:nvPr/>
-        </p:nvPicPr>
-        <p:blipFill>
-          <a:blip r:embed="rId2">
-            <a:extLst>
-              <a:ext uri="{28A0092B-C50C-407E-A947-70E740481C1C}">
-                <a14:useLocalDpi xmlns:a14="http://schemas.microsoft.com/office/drawing/2010/main" val="0"/>
-              </a:ext>
-            </a:extLst>
-          </a:blip>
-          <a:stretch>
-            <a:fillRect/>
-          </a:stretch>
-        </p:blipFill>
-        <p:spPr>
-          <a:xfrm>
-            <a:off x="457200" y="1143000"/>
-            <a:ext cx="4152900" cy="3451521"/>
-          </a:xfrm>
-          <a:prstGeom prst="rect">
-            <a:avLst/>
-          </a:prstGeom>
-        </p:spPr>
-      </p:pic>
-      <p:pic>
-        <p:nvPicPr>
-          <p:cNvPr id="15" name="Picture 14"/>
-          <p:cNvPicPr>
-            <a:picLocks noChangeAspect="1"/>
-          </p:cNvPicPr>
-          <p:nvPr/>
-        </p:nvPicPr>
-        <p:blipFill>
-          <a:blip r:embed="rId3">
-            <a:extLst>
-              <a:ext uri="{28A0092B-C50C-407E-A947-70E740481C1C}">
-                <a14:useLocalDpi xmlns:a14="http://schemas.microsoft.com/office/drawing/2010/main" val="0"/>
-              </a:ext>
-            </a:extLst>
-          </a:blip>
-          <a:stretch>
-            <a:fillRect/>
-          </a:stretch>
-        </p:blipFill>
-        <p:spPr>
-          <a:xfrm>
-            <a:off x="4800600" y="1143000"/>
-            <a:ext cx="3978729" cy="3470468"/>
-          </a:xfrm>
-          <a:prstGeom prst="rect">
-            <a:avLst/>
-          </a:prstGeom>
-        </p:spPr>
-      </p:pic>
+              <a:rPr lang="en-US" dirty="0" smtClean="0"/>
+              <a:t>Convert Models to </a:t>
+            </a:r>
+            <a:r>
+              <a:rPr lang="en-US" dirty="0" err="1" smtClean="0"/>
+              <a:t>GCode</a:t>
+            </a:r>
+            <a:endParaRPr lang="en-US" dirty="0" smtClean="0"/>
+          </a:p>
+          <a:p>
+            <a:pPr lvl="1"/>
+            <a:r>
+              <a:rPr lang="en-US" dirty="0" err="1" smtClean="0"/>
+              <a:t>Skeinforge</a:t>
+            </a:r>
+            <a:r>
+              <a:rPr lang="en-US" dirty="0" smtClean="0"/>
+              <a:t> used in </a:t>
+            </a:r>
+            <a:r>
+              <a:rPr lang="en-US" dirty="0" err="1" smtClean="0"/>
+              <a:t>ReplicatorG</a:t>
+            </a:r>
+            <a:r>
+              <a:rPr lang="en-US" dirty="0" smtClean="0"/>
+              <a:t> (oldie but a goodie)</a:t>
+            </a:r>
+          </a:p>
+          <a:p>
+            <a:pPr lvl="1"/>
+            <a:r>
+              <a:rPr lang="en-US" dirty="0" smtClean="0"/>
+              <a:t>Slic3r </a:t>
+            </a:r>
+          </a:p>
+          <a:p>
+            <a:pPr lvl="1"/>
+            <a:r>
+              <a:rPr lang="en-US" dirty="0" err="1" smtClean="0"/>
+              <a:t>KISSlicer</a:t>
+            </a:r>
+            <a:endParaRPr lang="en-US" dirty="0" smtClean="0"/>
+          </a:p>
+          <a:p>
+            <a:pPr lvl="1"/>
+            <a:r>
+              <a:rPr lang="en-US" dirty="0" err="1" smtClean="0"/>
+              <a:t>Makerware</a:t>
+            </a:r>
+            <a:r>
+              <a:rPr lang="en-US" dirty="0" smtClean="0"/>
+              <a:t> (</a:t>
+            </a:r>
+            <a:r>
+              <a:rPr lang="en-US" dirty="0" err="1" smtClean="0"/>
+              <a:t>Makerbot</a:t>
+            </a:r>
+            <a:r>
+              <a:rPr lang="en-US" dirty="0" smtClean="0"/>
+              <a:t>)</a:t>
+            </a:r>
+          </a:p>
+          <a:p>
+            <a:pPr lvl="1"/>
+            <a:r>
+              <a:rPr lang="en-US" dirty="0" smtClean="0"/>
+              <a:t>Simplify3D ($$$)</a:t>
+            </a:r>
+          </a:p>
+        </p:txBody>
+      </p:sp>
     </p:spTree>
     <p:extLst>
       <p:ext uri="{BB962C8B-B14F-4D97-AF65-F5344CB8AC3E}">
-        <p14:creationId xmlns:p14="http://schemas.microsoft.com/office/powerpoint/2010/main" val="3078402184"/>
+        <p14:creationId xmlns:p14="http://schemas.microsoft.com/office/powerpoint/2010/main" val="1490415496"/>
       </p:ext>
     </p:extLst>
   </p:cSld>
@@ -4996,7 +4814,7 @@
           <a:p>
             <a:r>
               <a:rPr lang="en-US" dirty="0" smtClean="0"/>
-              <a:t>Support</a:t>
+              <a:t>Terminology / Settings</a:t>
             </a:r>
             <a:endParaRPr lang="en-US" dirty="0"/>
           </a:p>
@@ -5026,7 +4844,45 @@
           <a:p>
             <a:r>
               <a:rPr lang="en-US" dirty="0" smtClean="0"/>
-              <a:t>Overhangs</a:t>
+              <a:t>Layer Height - 0.1, 0.2, 0.3 mm (fine, med, coarse)</a:t>
+            </a:r>
+          </a:p>
+          <a:p>
+            <a:r>
+              <a:rPr lang="en-US" dirty="0" smtClean="0"/>
+              <a:t>Shells - 1,2,…? (2 is common, 4 or more extreme)</a:t>
+            </a:r>
+          </a:p>
+          <a:p>
+            <a:r>
+              <a:rPr lang="en-US" dirty="0" smtClean="0"/>
+              <a:t>Infill -10% - 100% </a:t>
+            </a:r>
+            <a:r>
+              <a:rPr lang="en-US" dirty="0" smtClean="0"/>
+              <a:t>(10% - 20</a:t>
+            </a:r>
+            <a:r>
+              <a:rPr lang="en-US" dirty="0" smtClean="0"/>
+              <a:t>% is common)</a:t>
+            </a:r>
+          </a:p>
+          <a:p>
+            <a:r>
+              <a:rPr lang="en-US" dirty="0" smtClean="0"/>
+              <a:t>Support</a:t>
+            </a:r>
+          </a:p>
+          <a:p>
+            <a:r>
+              <a:rPr lang="en-US" dirty="0" smtClean="0"/>
+              <a:t>Skirt (brim)</a:t>
+            </a:r>
+          </a:p>
+          <a:p>
+            <a:r>
+              <a:rPr lang="en-US" dirty="0" smtClean="0"/>
+              <a:t>Raft</a:t>
             </a:r>
           </a:p>
           <a:p>
@@ -5034,54 +4890,10 @@
           </a:p>
         </p:txBody>
       </p:sp>
-      <p:pic>
-        <p:nvPicPr>
-          <p:cNvPr id="4" name="Picture 3"/>
-          <p:cNvPicPr/>
-          <p:nvPr/>
-        </p:nvPicPr>
-        <p:blipFill>
-          <a:blip r:embed="rId2"/>
-          <a:stretch>
-            <a:fillRect/>
-          </a:stretch>
-        </p:blipFill>
-        <p:spPr>
-          <a:xfrm>
-            <a:off x="567644" y="1600200"/>
-            <a:ext cx="3318556" cy="3485079"/>
-          </a:xfrm>
-          <a:prstGeom prst="rect">
-            <a:avLst/>
-          </a:prstGeom>
-        </p:spPr>
-      </p:pic>
-      <p:pic>
-        <p:nvPicPr>
-          <p:cNvPr id="5" name="Picture 4"/>
-          <p:cNvPicPr/>
-          <p:nvPr/>
-        </p:nvPicPr>
-        <p:blipFill>
-          <a:blip r:embed="rId3"/>
-          <a:stretch>
-            <a:fillRect/>
-          </a:stretch>
-        </p:blipFill>
-        <p:spPr>
-          <a:xfrm>
-            <a:off x="4724400" y="1524000"/>
-            <a:ext cx="2971800" cy="3578047"/>
-          </a:xfrm>
-          <a:prstGeom prst="rect">
-            <a:avLst/>
-          </a:prstGeom>
-        </p:spPr>
-      </p:pic>
     </p:spTree>
     <p:extLst>
       <p:ext uri="{BB962C8B-B14F-4D97-AF65-F5344CB8AC3E}">
-        <p14:creationId xmlns:p14="http://schemas.microsoft.com/office/powerpoint/2010/main" val="2809639533"/>
+        <p14:creationId xmlns:p14="http://schemas.microsoft.com/office/powerpoint/2010/main" val="40754143"/>
       </p:ext>
     </p:extLst>
   </p:cSld>
@@ -5137,15 +4949,74 @@
           <a:p>
             <a:r>
               <a:rPr lang="en-US" dirty="0" smtClean="0"/>
-              <a:t>Raft</a:t>
+              <a:t>Infill</a:t>
             </a:r>
             <a:endParaRPr lang="en-US" dirty="0"/>
+          </a:p>
+        </p:txBody>
+      </p:sp>
+      <p:sp>
+        <p:nvSpPr>
+          <p:cNvPr id="11" name="TextBox 10"/>
+          <p:cNvSpPr txBox="1"/>
+          <p:nvPr/>
+        </p:nvSpPr>
+        <p:spPr>
+          <a:xfrm>
+            <a:off x="1905000" y="4803523"/>
+            <a:ext cx="1028700" cy="523220"/>
+          </a:xfrm>
+          <a:prstGeom prst="rect">
+            <a:avLst/>
+          </a:prstGeom>
+          <a:noFill/>
+        </p:spPr>
+        <p:txBody>
+          <a:bodyPr wrap="square" rtlCol="0">
+            <a:spAutoFit/>
+          </a:bodyPr>
+          <a:lstStyle/>
+          <a:p>
+            <a:r>
+              <a:rPr lang="en-US" sz="2800" dirty="0" smtClean="0"/>
+              <a:t>10%</a:t>
+            </a:r>
+            <a:endParaRPr lang="en-US" sz="2800" dirty="0"/>
+          </a:p>
+        </p:txBody>
+      </p:sp>
+      <p:sp>
+        <p:nvSpPr>
+          <p:cNvPr id="13" name="TextBox 12"/>
+          <p:cNvSpPr txBox="1"/>
+          <p:nvPr/>
+        </p:nvSpPr>
+        <p:spPr>
+          <a:xfrm>
+            <a:off x="6066064" y="4817332"/>
+            <a:ext cx="1447800" cy="523220"/>
+          </a:xfrm>
+          <a:prstGeom prst="rect">
+            <a:avLst/>
+          </a:prstGeom>
+          <a:noFill/>
+        </p:spPr>
+        <p:txBody>
+          <a:bodyPr wrap="square" rtlCol="0">
+            <a:spAutoFit/>
+          </a:bodyPr>
+          <a:lstStyle/>
+          <a:p>
+            <a:r>
+              <a:rPr lang="en-US" sz="2800" dirty="0" smtClean="0"/>
+              <a:t>40%</a:t>
+            </a:r>
           </a:p>
         </p:txBody>
       </p:sp>
       <p:pic>
         <p:nvPicPr>
-          <p:cNvPr id="9" name="Picture 8"/>
+          <p:cNvPr id="14" name="Picture 13"/>
           <p:cNvPicPr>
             <a:picLocks noChangeAspect="1"/>
           </p:cNvPicPr>
@@ -5165,8 +5036,8 @@
         </p:blipFill>
         <p:spPr>
           <a:xfrm>
-            <a:off x="228600" y="1371600"/>
-            <a:ext cx="4590197" cy="3661229"/>
+            <a:off x="457200" y="1143000"/>
+            <a:ext cx="4152900" cy="3451521"/>
           </a:xfrm>
           <a:prstGeom prst="rect">
             <a:avLst/>
@@ -5175,7 +5046,7 @@
       </p:pic>
       <p:pic>
         <p:nvPicPr>
-          <p:cNvPr id="10" name="Picture 9"/>
+          <p:cNvPr id="15" name="Picture 14"/>
           <p:cNvPicPr>
             <a:picLocks noChangeAspect="1"/>
           </p:cNvPicPr>
@@ -5195,78 +5066,18 @@
         </p:blipFill>
         <p:spPr>
           <a:xfrm>
-            <a:off x="4953000" y="1479593"/>
-            <a:ext cx="4070557" cy="3445242"/>
+            <a:off x="4800600" y="1143000"/>
+            <a:ext cx="3978729" cy="3470468"/>
           </a:xfrm>
           <a:prstGeom prst="rect">
             <a:avLst/>
           </a:prstGeom>
         </p:spPr>
       </p:pic>
-      <p:sp>
-        <p:nvSpPr>
-          <p:cNvPr id="11" name="TextBox 10"/>
-          <p:cNvSpPr txBox="1"/>
-          <p:nvPr/>
-        </p:nvSpPr>
-        <p:spPr>
-          <a:xfrm>
-            <a:off x="1905000" y="5326743"/>
-            <a:ext cx="1028700" cy="523220"/>
-          </a:xfrm>
-          <a:prstGeom prst="rect">
-            <a:avLst/>
-          </a:prstGeom>
-          <a:noFill/>
-        </p:spPr>
-        <p:txBody>
-          <a:bodyPr wrap="square" rtlCol="0">
-            <a:spAutoFit/>
-          </a:bodyPr>
-          <a:lstStyle/>
-          <a:p>
-            <a:r>
-              <a:rPr lang="en-US" sz="2800" dirty="0" smtClean="0"/>
-              <a:t>Top</a:t>
-            </a:r>
-            <a:endParaRPr lang="en-US" sz="2800" dirty="0"/>
-          </a:p>
-        </p:txBody>
-      </p:sp>
-      <p:sp>
-        <p:nvSpPr>
-          <p:cNvPr id="13" name="TextBox 12"/>
-          <p:cNvSpPr txBox="1"/>
-          <p:nvPr/>
-        </p:nvSpPr>
-        <p:spPr>
-          <a:xfrm>
-            <a:off x="5715000" y="5471886"/>
-            <a:ext cx="1447800" cy="523220"/>
-          </a:xfrm>
-          <a:prstGeom prst="rect">
-            <a:avLst/>
-          </a:prstGeom>
-          <a:noFill/>
-        </p:spPr>
-        <p:txBody>
-          <a:bodyPr wrap="square" rtlCol="0">
-            <a:spAutoFit/>
-          </a:bodyPr>
-          <a:lstStyle/>
-          <a:p>
-            <a:r>
-              <a:rPr lang="en-US" sz="2800" dirty="0" smtClean="0"/>
-              <a:t>Bottom</a:t>
-            </a:r>
-            <a:endParaRPr lang="en-US" sz="2800" dirty="0"/>
-          </a:p>
-        </p:txBody>
-      </p:sp>
     </p:spTree>
     <p:extLst>
       <p:ext uri="{BB962C8B-B14F-4D97-AF65-F5344CB8AC3E}">
-        <p14:creationId xmlns:p14="http://schemas.microsoft.com/office/powerpoint/2010/main" val="1167614816"/>
+        <p14:creationId xmlns:p14="http://schemas.microsoft.com/office/powerpoint/2010/main" val="3078402184"/>
       </p:ext>
     </p:extLst>
   </p:cSld>
@@ -5322,7 +5133,7 @@
           <a:p>
             <a:r>
               <a:rPr lang="en-US" dirty="0" smtClean="0"/>
-              <a:t>Skirt / Brim</a:t>
+              <a:t>Support</a:t>
             </a:r>
             <a:endParaRPr lang="en-US" dirty="0"/>
           </a:p>
@@ -5330,88 +5141,52 @@
       </p:sp>
       <p:sp>
         <p:nvSpPr>
-          <p:cNvPr id="11" name="TextBox 10"/>
-          <p:cNvSpPr txBox="1"/>
-          <p:nvPr/>
-        </p:nvSpPr>
-        <p:spPr>
-          <a:xfrm>
-            <a:off x="1897743" y="5094162"/>
-            <a:ext cx="1028700" cy="523220"/>
-          </a:xfrm>
-          <a:prstGeom prst="rect">
-            <a:avLst/>
-          </a:prstGeom>
-          <a:noFill/>
-        </p:spPr>
-        <p:txBody>
-          <a:bodyPr wrap="square" rtlCol="0">
-            <a:spAutoFit/>
+          <p:cNvPr id="3" name="Content Placeholder 2"/>
+          <p:cNvSpPr>
+            <a:spLocks noGrp="1"/>
+          </p:cNvSpPr>
+          <p:nvPr>
+            <p:ph idx="1"/>
+          </p:nvPr>
+        </p:nvSpPr>
+        <p:spPr>
+          <a:xfrm>
+            <a:off x="228600" y="914400"/>
+            <a:ext cx="8839200" cy="4267200"/>
+          </a:xfrm>
+        </p:spPr>
+        <p:txBody>
+          <a:bodyPr>
+            <a:normAutofit/>
           </a:bodyPr>
           <a:lstStyle/>
           <a:p>
             <a:r>
-              <a:rPr lang="en-US" sz="2800" dirty="0" smtClean="0"/>
-              <a:t>Top</a:t>
-            </a:r>
-            <a:endParaRPr lang="en-US" sz="2800" dirty="0"/>
-          </a:p>
-        </p:txBody>
-      </p:sp>
-      <p:sp>
-        <p:nvSpPr>
-          <p:cNvPr id="13" name="TextBox 12"/>
-          <p:cNvSpPr txBox="1"/>
-          <p:nvPr/>
-        </p:nvSpPr>
-        <p:spPr>
-          <a:xfrm>
-            <a:off x="5687805" y="5094162"/>
-            <a:ext cx="1447800" cy="523220"/>
-          </a:xfrm>
-          <a:prstGeom prst="rect">
-            <a:avLst/>
-          </a:prstGeom>
-          <a:noFill/>
-        </p:spPr>
-        <p:txBody>
-          <a:bodyPr wrap="square" rtlCol="0">
-            <a:spAutoFit/>
-          </a:bodyPr>
-          <a:lstStyle/>
-          <a:p>
-            <a:r>
-              <a:rPr lang="en-US" sz="2800" dirty="0" smtClean="0"/>
-              <a:t>Bottom</a:t>
-            </a:r>
-            <a:endParaRPr lang="en-US" sz="2800" dirty="0"/>
+              <a:rPr lang="en-US" dirty="0" smtClean="0"/>
+              <a:t>Overhangs</a:t>
+            </a:r>
+          </a:p>
+          <a:p>
+            <a:endParaRPr lang="en-US" dirty="0" smtClean="0"/>
           </a:p>
         </p:txBody>
       </p:sp>
       <p:pic>
         <p:nvPicPr>
-          <p:cNvPr id="3" name="Picture 2"/>
-          <p:cNvPicPr>
-            <a:picLocks noChangeAspect="1"/>
-          </p:cNvPicPr>
+          <p:cNvPr id="4" name="Picture 3"/>
+          <p:cNvPicPr/>
           <p:nvPr/>
         </p:nvPicPr>
         <p:blipFill>
-          <a:blip r:embed="rId2">
-            <a:extLst>
-              <a:ext uri="{28A0092B-C50C-407E-A947-70E740481C1C}">
-                <a14:useLocalDpi xmlns:a14="http://schemas.microsoft.com/office/drawing/2010/main" val="0"/>
-              </a:ext>
-            </a:extLst>
-          </a:blip>
+          <a:blip r:embed="rId2"/>
           <a:stretch>
             <a:fillRect/>
           </a:stretch>
         </p:blipFill>
         <p:spPr>
           <a:xfrm>
-            <a:off x="21771" y="1219200"/>
-            <a:ext cx="4286250" cy="3604194"/>
+            <a:off x="567644" y="1600200"/>
+            <a:ext cx="3318556" cy="3485079"/>
           </a:xfrm>
           <a:prstGeom prst="rect">
             <a:avLst/>
@@ -5420,28 +5195,20 @@
       </p:pic>
       <p:pic>
         <p:nvPicPr>
-          <p:cNvPr id="4" name="Picture 3"/>
-          <p:cNvPicPr>
-            <a:picLocks noChangeAspect="1"/>
-          </p:cNvPicPr>
+          <p:cNvPr id="5" name="Picture 4"/>
+          <p:cNvPicPr/>
           <p:nvPr/>
         </p:nvPicPr>
         <p:blipFill>
-          <a:blip r:embed="rId3">
-            <a:extLst>
-              <a:ext uri="{28A0092B-C50C-407E-A947-70E740481C1C}">
-                <a14:useLocalDpi xmlns:a14="http://schemas.microsoft.com/office/drawing/2010/main" val="0"/>
-              </a:ext>
-            </a:extLst>
-          </a:blip>
+          <a:blip r:embed="rId3"/>
           <a:stretch>
             <a:fillRect/>
           </a:stretch>
         </p:blipFill>
         <p:spPr>
           <a:xfrm>
-            <a:off x="4495800" y="1219200"/>
-            <a:ext cx="4510352" cy="3719286"/>
+            <a:off x="4724400" y="1524000"/>
+            <a:ext cx="2971800" cy="3578047"/>
           </a:xfrm>
           <a:prstGeom prst="rect">
             <a:avLst/>
@@ -5451,7 +5218,7 @@
     </p:spTree>
     <p:extLst>
       <p:ext uri="{BB962C8B-B14F-4D97-AF65-F5344CB8AC3E}">
-        <p14:creationId xmlns:p14="http://schemas.microsoft.com/office/powerpoint/2010/main" val="81158189"/>
+        <p14:creationId xmlns:p14="http://schemas.microsoft.com/office/powerpoint/2010/main" val="2809639533"/>
       </p:ext>
     </p:extLst>
   </p:cSld>
@@ -5507,7 +5274,7 @@
           <a:p>
             <a:r>
               <a:rPr lang="en-US" dirty="0" smtClean="0"/>
-              <a:t>Danger! Danger! Will Robinson!</a:t>
+              <a:t>Skirt / Brim</a:t>
             </a:r>
             <a:endParaRPr lang="en-US" dirty="0"/>
           </a:p>
@@ -5570,6 +5337,316 @@
               <a:t>Bottom</a:t>
             </a:r>
             <a:endParaRPr lang="en-US" sz="2800" dirty="0"/>
+          </a:p>
+        </p:txBody>
+      </p:sp>
+      <p:pic>
+        <p:nvPicPr>
+          <p:cNvPr id="3" name="Picture 2"/>
+          <p:cNvPicPr>
+            <a:picLocks noChangeAspect="1"/>
+          </p:cNvPicPr>
+          <p:nvPr/>
+        </p:nvPicPr>
+        <p:blipFill>
+          <a:blip r:embed="rId2">
+            <a:extLst>
+              <a:ext uri="{28A0092B-C50C-407E-A947-70E740481C1C}">
+                <a14:useLocalDpi xmlns:a14="http://schemas.microsoft.com/office/drawing/2010/main" val="0"/>
+              </a:ext>
+            </a:extLst>
+          </a:blip>
+          <a:stretch>
+            <a:fillRect/>
+          </a:stretch>
+        </p:blipFill>
+        <p:spPr>
+          <a:xfrm>
+            <a:off x="21771" y="1219200"/>
+            <a:ext cx="4286250" cy="3604194"/>
+          </a:xfrm>
+          <a:prstGeom prst="rect">
+            <a:avLst/>
+          </a:prstGeom>
+        </p:spPr>
+      </p:pic>
+      <p:pic>
+        <p:nvPicPr>
+          <p:cNvPr id="4" name="Picture 3"/>
+          <p:cNvPicPr>
+            <a:picLocks noChangeAspect="1"/>
+          </p:cNvPicPr>
+          <p:nvPr/>
+        </p:nvPicPr>
+        <p:blipFill>
+          <a:blip r:embed="rId3">
+            <a:extLst>
+              <a:ext uri="{28A0092B-C50C-407E-A947-70E740481C1C}">
+                <a14:useLocalDpi xmlns:a14="http://schemas.microsoft.com/office/drawing/2010/main" val="0"/>
+              </a:ext>
+            </a:extLst>
+          </a:blip>
+          <a:stretch>
+            <a:fillRect/>
+          </a:stretch>
+        </p:blipFill>
+        <p:spPr>
+          <a:xfrm>
+            <a:off x="4495800" y="1219200"/>
+            <a:ext cx="4510352" cy="3719286"/>
+          </a:xfrm>
+          <a:prstGeom prst="rect">
+            <a:avLst/>
+          </a:prstGeom>
+        </p:spPr>
+      </p:pic>
+    </p:spTree>
+    <p:extLst>
+      <p:ext uri="{BB962C8B-B14F-4D97-AF65-F5344CB8AC3E}">
+        <p14:creationId xmlns:p14="http://schemas.microsoft.com/office/powerpoint/2010/main" val="81158189"/>
+      </p:ext>
+    </p:extLst>
+  </p:cSld>
+  <p:clrMapOvr>
+    <a:masterClrMapping/>
+  </p:clrMapOvr>
+  <p:timing>
+    <p:tnLst>
+      <p:par>
+        <p:cTn id="1" dur="indefinite" restart="never" nodeType="tmRoot"/>
+      </p:par>
+    </p:tnLst>
+  </p:timing>
+</p:sld>
+</file>
+
+<file path=ppt/slides/slide25.xml><?xml version="1.0" encoding="utf-8"?>
+<p:sld xmlns:a="http://schemas.openxmlformats.org/drawingml/2006/main" xmlns:r="http://schemas.openxmlformats.org/officeDocument/2006/relationships" xmlns:p="http://schemas.openxmlformats.org/presentationml/2006/main">
+  <p:cSld>
+    <p:spTree>
+      <p:nvGrpSpPr>
+        <p:cNvPr id="1" name=""/>
+        <p:cNvGrpSpPr/>
+        <p:nvPr/>
+      </p:nvGrpSpPr>
+      <p:grpSpPr>
+        <a:xfrm>
+          <a:off x="0" y="0"/>
+          <a:ext cx="0" cy="0"/>
+          <a:chOff x="0" y="0"/>
+          <a:chExt cx="0" cy="0"/>
+        </a:xfrm>
+      </p:grpSpPr>
+      <p:sp>
+        <p:nvSpPr>
+          <p:cNvPr id="2" name="Title 1"/>
+          <p:cNvSpPr>
+            <a:spLocks noGrp="1"/>
+          </p:cNvSpPr>
+          <p:nvPr>
+            <p:ph type="title"/>
+          </p:nvPr>
+        </p:nvSpPr>
+        <p:spPr>
+          <a:xfrm>
+            <a:off x="457200" y="0"/>
+            <a:ext cx="8229600" cy="1143000"/>
+          </a:xfrm>
+        </p:spPr>
+        <p:txBody>
+          <a:bodyPr/>
+          <a:lstStyle/>
+          <a:p>
+            <a:r>
+              <a:rPr lang="en-US" dirty="0" smtClean="0"/>
+              <a:t>Raft</a:t>
+            </a:r>
+            <a:endParaRPr lang="en-US" dirty="0"/>
+          </a:p>
+        </p:txBody>
+      </p:sp>
+      <p:pic>
+        <p:nvPicPr>
+          <p:cNvPr id="9" name="Picture 8"/>
+          <p:cNvPicPr>
+            <a:picLocks noChangeAspect="1"/>
+          </p:cNvPicPr>
+          <p:nvPr/>
+        </p:nvPicPr>
+        <p:blipFill>
+          <a:blip r:embed="rId2">
+            <a:extLst>
+              <a:ext uri="{28A0092B-C50C-407E-A947-70E740481C1C}">
+                <a14:useLocalDpi xmlns:a14="http://schemas.microsoft.com/office/drawing/2010/main" val="0"/>
+              </a:ext>
+            </a:extLst>
+          </a:blip>
+          <a:stretch>
+            <a:fillRect/>
+          </a:stretch>
+        </p:blipFill>
+        <p:spPr>
+          <a:xfrm>
+            <a:off x="228600" y="1371600"/>
+            <a:ext cx="4590197" cy="3661229"/>
+          </a:xfrm>
+          <a:prstGeom prst="rect">
+            <a:avLst/>
+          </a:prstGeom>
+        </p:spPr>
+      </p:pic>
+      <p:pic>
+        <p:nvPicPr>
+          <p:cNvPr id="10" name="Picture 9"/>
+          <p:cNvPicPr>
+            <a:picLocks noChangeAspect="1"/>
+          </p:cNvPicPr>
+          <p:nvPr/>
+        </p:nvPicPr>
+        <p:blipFill>
+          <a:blip r:embed="rId3">
+            <a:extLst>
+              <a:ext uri="{28A0092B-C50C-407E-A947-70E740481C1C}">
+                <a14:useLocalDpi xmlns:a14="http://schemas.microsoft.com/office/drawing/2010/main" val="0"/>
+              </a:ext>
+            </a:extLst>
+          </a:blip>
+          <a:stretch>
+            <a:fillRect/>
+          </a:stretch>
+        </p:blipFill>
+        <p:spPr>
+          <a:xfrm>
+            <a:off x="4953000" y="1479593"/>
+            <a:ext cx="4070557" cy="3445242"/>
+          </a:xfrm>
+          <a:prstGeom prst="rect">
+            <a:avLst/>
+          </a:prstGeom>
+        </p:spPr>
+      </p:pic>
+      <p:sp>
+        <p:nvSpPr>
+          <p:cNvPr id="11" name="TextBox 10"/>
+          <p:cNvSpPr txBox="1"/>
+          <p:nvPr/>
+        </p:nvSpPr>
+        <p:spPr>
+          <a:xfrm>
+            <a:off x="1905000" y="5326743"/>
+            <a:ext cx="1028700" cy="523220"/>
+          </a:xfrm>
+          <a:prstGeom prst="rect">
+            <a:avLst/>
+          </a:prstGeom>
+          <a:noFill/>
+        </p:spPr>
+        <p:txBody>
+          <a:bodyPr wrap="square" rtlCol="0">
+            <a:spAutoFit/>
+          </a:bodyPr>
+          <a:lstStyle/>
+          <a:p>
+            <a:r>
+              <a:rPr lang="en-US" sz="2800" dirty="0" smtClean="0"/>
+              <a:t>Top</a:t>
+            </a:r>
+            <a:endParaRPr lang="en-US" sz="2800" dirty="0"/>
+          </a:p>
+        </p:txBody>
+      </p:sp>
+      <p:sp>
+        <p:nvSpPr>
+          <p:cNvPr id="13" name="TextBox 12"/>
+          <p:cNvSpPr txBox="1"/>
+          <p:nvPr/>
+        </p:nvSpPr>
+        <p:spPr>
+          <a:xfrm>
+            <a:off x="5715000" y="5471886"/>
+            <a:ext cx="1447800" cy="523220"/>
+          </a:xfrm>
+          <a:prstGeom prst="rect">
+            <a:avLst/>
+          </a:prstGeom>
+          <a:noFill/>
+        </p:spPr>
+        <p:txBody>
+          <a:bodyPr wrap="square" rtlCol="0">
+            <a:spAutoFit/>
+          </a:bodyPr>
+          <a:lstStyle/>
+          <a:p>
+            <a:r>
+              <a:rPr lang="en-US" sz="2800" dirty="0" smtClean="0"/>
+              <a:t>Bottom</a:t>
+            </a:r>
+            <a:endParaRPr lang="en-US" sz="2800" dirty="0"/>
+          </a:p>
+        </p:txBody>
+      </p:sp>
+    </p:spTree>
+    <p:extLst>
+      <p:ext uri="{BB962C8B-B14F-4D97-AF65-F5344CB8AC3E}">
+        <p14:creationId xmlns:p14="http://schemas.microsoft.com/office/powerpoint/2010/main" val="1167614816"/>
+      </p:ext>
+    </p:extLst>
+  </p:cSld>
+  <p:clrMapOvr>
+    <a:masterClrMapping/>
+  </p:clrMapOvr>
+  <p:timing>
+    <p:tnLst>
+      <p:par>
+        <p:cTn id="1" dur="indefinite" restart="never" nodeType="tmRoot"/>
+      </p:par>
+    </p:tnLst>
+  </p:timing>
+</p:sld>
+</file>
+
+<file path=ppt/slides/slide26.xml><?xml version="1.0" encoding="utf-8"?>
+<p:sld xmlns:a="http://schemas.openxmlformats.org/drawingml/2006/main" xmlns:r="http://schemas.openxmlformats.org/officeDocument/2006/relationships" xmlns:p="http://schemas.openxmlformats.org/presentationml/2006/main">
+  <p:cSld>
+    <p:spTree>
+      <p:nvGrpSpPr>
+        <p:cNvPr id="1" name=""/>
+        <p:cNvGrpSpPr/>
+        <p:nvPr/>
+      </p:nvGrpSpPr>
+      <p:grpSpPr>
+        <a:xfrm>
+          <a:off x="0" y="0"/>
+          <a:ext cx="0" cy="0"/>
+          <a:chOff x="0" y="0"/>
+          <a:chExt cx="0" cy="0"/>
+        </a:xfrm>
+      </p:grpSpPr>
+      <p:sp>
+        <p:nvSpPr>
+          <p:cNvPr id="2" name="Title 1"/>
+          <p:cNvSpPr>
+            <a:spLocks noGrp="1"/>
+          </p:cNvSpPr>
+          <p:nvPr>
+            <p:ph type="title"/>
+          </p:nvPr>
+        </p:nvSpPr>
+        <p:spPr>
+          <a:xfrm>
+            <a:off x="457200" y="0"/>
+            <a:ext cx="8229600" cy="1143000"/>
+          </a:xfrm>
+        </p:spPr>
+        <p:txBody>
+          <a:bodyPr/>
+          <a:lstStyle/>
+          <a:p>
+            <a:r>
+              <a:rPr lang="en-US" dirty="0" smtClean="0"/>
+              <a:t>Danger! Danger! Will Robinson!</a:t>
+            </a:r>
+            <a:endParaRPr lang="en-US" dirty="0"/>
           </a:p>
         </p:txBody>
       </p:sp>
@@ -6707,24 +6784,34 @@
         <p:spPr>
           <a:xfrm>
             <a:off x="457200" y="0"/>
-            <a:ext cx="8229600" cy="1143000"/>
-          </a:xfrm>
-        </p:spPr>
-        <p:txBody>
-          <a:bodyPr/>
-          <a:lstStyle/>
-          <a:p>
-            <a:r>
-              <a:rPr lang="en-US" dirty="0" smtClean="0">
+            <a:ext cx="8229600" cy="762000"/>
+          </a:xfrm>
+        </p:spPr>
+        <p:txBody>
+          <a:bodyPr>
+            <a:normAutofit/>
+          </a:bodyPr>
+          <a:lstStyle/>
+          <a:p>
+            <a:r>
+              <a:rPr lang="en-US" b="1" cap="all" dirty="0">
                 <a:solidFill>
-                  <a:srgbClr val="7030A0"/>
+                  <a:srgbClr val="C00000"/>
                 </a:solidFill>
               </a:rPr>
-              <a:t>Introductions</a:t>
+              <a:t>WELCOME</a:t>
+            </a:r>
+            <a:r>
+              <a:rPr lang="en-US" b="1" cap="all" dirty="0" smtClean="0">
+                <a:solidFill>
+                  <a:srgbClr val="C00000"/>
+                </a:solidFill>
+              </a:rPr>
+              <a:t>!</a:t>
             </a:r>
             <a:endParaRPr lang="en-US" dirty="0">
               <a:solidFill>
-                <a:srgbClr val="7030A0"/>
+                <a:srgbClr val="C00000"/>
               </a:solidFill>
             </a:endParaRPr>
           </a:p>
@@ -6742,52 +6829,74 @@
         </p:nvSpPr>
         <p:spPr>
           <a:xfrm>
-            <a:off x="457200" y="1066800"/>
+            <a:off x="457200" y="762000"/>
             <a:ext cx="8229600" cy="4525963"/>
           </a:xfrm>
         </p:spPr>
         <p:txBody>
-          <a:bodyPr/>
-          <a:lstStyle/>
-          <a:p>
-            <a:r>
-              <a:rPr lang="en-US" dirty="0" smtClean="0">
-                <a:solidFill>
-                  <a:srgbClr val="7030A0"/>
-                </a:solidFill>
-              </a:rPr>
-              <a:t>Name</a:t>
-            </a:r>
-          </a:p>
-          <a:p>
-            <a:r>
-              <a:rPr lang="en-US" dirty="0" smtClean="0">
-                <a:solidFill>
-                  <a:srgbClr val="7030A0"/>
-                </a:solidFill>
-              </a:rPr>
-              <a:t>Favorite ice cream </a:t>
-            </a:r>
-            <a:r>
-              <a:rPr lang="en-US" smtClean="0">
-                <a:solidFill>
-                  <a:srgbClr val="7030A0"/>
-                </a:solidFill>
-              </a:rPr>
-              <a:t>or desert</a:t>
-            </a:r>
-            <a:endParaRPr lang="en-US" dirty="0">
-              <a:solidFill>
-                <a:srgbClr val="7030A0"/>
-              </a:solidFill>
-            </a:endParaRPr>
+          <a:bodyPr>
+            <a:normAutofit/>
+          </a:bodyPr>
+          <a:lstStyle/>
+          <a:p>
+            <a:pPr marL="0" indent="0" fontAlgn="base">
+              <a:buNone/>
+            </a:pPr>
+            <a:r>
+              <a:rPr lang="en-US" dirty="0" smtClean="0"/>
+              <a:t>Girl </a:t>
+            </a:r>
+            <a:r>
+              <a:rPr lang="en-US" dirty="0"/>
+              <a:t>Develop It is here to provide affordable and accessible programs to learn software through mentorship and hands-on instruction.</a:t>
+            </a:r>
+          </a:p>
+          <a:p>
+            <a:pPr marL="0" indent="0" fontAlgn="base">
+              <a:buNone/>
+            </a:pPr>
+            <a:r>
+              <a:rPr lang="en-US" dirty="0"/>
+              <a:t>Some "rules"</a:t>
+            </a:r>
+          </a:p>
+          <a:p>
+            <a:pPr fontAlgn="base"/>
+            <a:r>
+              <a:rPr lang="en-US" dirty="0"/>
+              <a:t>We are here for you!</a:t>
+            </a:r>
+          </a:p>
+          <a:p>
+            <a:pPr fontAlgn="base"/>
+            <a:r>
+              <a:rPr lang="en-US" dirty="0"/>
+              <a:t>Every question is important</a:t>
+            </a:r>
+          </a:p>
+          <a:p>
+            <a:pPr fontAlgn="base"/>
+            <a:r>
+              <a:rPr lang="en-US" dirty="0"/>
+              <a:t>Help each other</a:t>
+            </a:r>
+          </a:p>
+          <a:p>
+            <a:pPr fontAlgn="base"/>
+            <a:r>
+              <a:rPr lang="en-US" dirty="0"/>
+              <a:t>Have fun</a:t>
+            </a:r>
+          </a:p>
+          <a:p>
+            <a:endParaRPr lang="en-US" dirty="0"/>
           </a:p>
         </p:txBody>
       </p:sp>
     </p:spTree>
     <p:extLst>
       <p:ext uri="{BB962C8B-B14F-4D97-AF65-F5344CB8AC3E}">
-        <p14:creationId xmlns:p14="http://schemas.microsoft.com/office/powerpoint/2010/main" val="2301760329"/>
+        <p14:creationId xmlns:p14="http://schemas.microsoft.com/office/powerpoint/2010/main" val="3634930489"/>
       </p:ext>
     </p:extLst>
   </p:cSld>
@@ -6842,16 +6951,24 @@
           <a:lstStyle/>
           <a:p>
             <a:r>
-              <a:rPr lang="en-US" dirty="0" smtClean="0"/>
-              <a:t>My Favorite Thing</a:t>
-            </a:r>
-            <a:endParaRPr lang="en-US" dirty="0"/>
-          </a:p>
-        </p:txBody>
-      </p:sp>
-      <p:sp>
-        <p:nvSpPr>
-          <p:cNvPr id="12" name="Content Placeholder 11"/>
+              <a:rPr lang="en-US" dirty="0" smtClean="0">
+                <a:solidFill>
+                  <a:srgbClr val="7030A0"/>
+                </a:solidFill>
+              </a:rPr>
+              <a:t>Introductions</a:t>
+            </a:r>
+            <a:endParaRPr lang="en-US" dirty="0">
+              <a:solidFill>
+                <a:srgbClr val="7030A0"/>
+              </a:solidFill>
+            </a:endParaRPr>
+          </a:p>
+        </p:txBody>
+      </p:sp>
+      <p:sp>
+        <p:nvSpPr>
+          <p:cNvPr id="3" name="Content Placeholder 2"/>
           <p:cNvSpPr>
             <a:spLocks noGrp="1"/>
           </p:cNvSpPr>
@@ -6861,8 +6978,8 @@
         </p:nvSpPr>
         <p:spPr>
           <a:xfrm>
-            <a:off x="457200" y="1600201"/>
-            <a:ext cx="8229600" cy="1600200"/>
+            <a:off x="457200" y="1066800"/>
+            <a:ext cx="8229600" cy="4525963"/>
           </a:xfrm>
         </p:spPr>
         <p:txBody>
@@ -6870,17 +6987,43 @@
           <a:lstStyle/>
           <a:p>
             <a:r>
-              <a:rPr lang="en-US" dirty="0" smtClean="0"/>
-              <a:t>It was a Saturday morning….</a:t>
-            </a:r>
-            <a:endParaRPr lang="en-US" dirty="0"/>
+              <a:rPr lang="en-US" dirty="0" smtClean="0">
+                <a:solidFill>
+                  <a:srgbClr val="7030A0"/>
+                </a:solidFill>
+              </a:rPr>
+              <a:t>Name</a:t>
+            </a:r>
+          </a:p>
+          <a:p>
+            <a:r>
+              <a:rPr lang="en-US" dirty="0" smtClean="0">
+                <a:solidFill>
+                  <a:srgbClr val="7030A0"/>
+                </a:solidFill>
+              </a:rPr>
+              <a:t>Favorite ice cream </a:t>
+            </a:r>
+            <a:r>
+              <a:rPr lang="en-US" smtClean="0">
+                <a:solidFill>
+                  <a:srgbClr val="7030A0"/>
+                </a:solidFill>
+              </a:rPr>
+              <a:t>or desert</a:t>
+            </a:r>
+            <a:endParaRPr lang="en-US" dirty="0">
+              <a:solidFill>
+                <a:srgbClr val="7030A0"/>
+              </a:solidFill>
+            </a:endParaRPr>
           </a:p>
         </p:txBody>
       </p:sp>
     </p:spTree>
     <p:extLst>
       <p:ext uri="{BB962C8B-B14F-4D97-AF65-F5344CB8AC3E}">
-        <p14:creationId xmlns:p14="http://schemas.microsoft.com/office/powerpoint/2010/main" val="4239267716"/>
+        <p14:creationId xmlns:p14="http://schemas.microsoft.com/office/powerpoint/2010/main" val="2301760329"/>
       </p:ext>
     </p:extLst>
   </p:cSld>
@@ -6936,195 +7079,68 @@
           <a:p>
             <a:r>
               <a:rPr lang="en-US" dirty="0" smtClean="0"/>
-              <a:t>3D Pinter Types</a:t>
+              <a:t>Uses for 3D Printers</a:t>
             </a:r>
             <a:endParaRPr lang="en-US" dirty="0"/>
           </a:p>
         </p:txBody>
       </p:sp>
-      <p:pic>
-        <p:nvPicPr>
-          <p:cNvPr id="6" name="Content Placeholder 5"/>
-          <p:cNvPicPr>
-            <a:picLocks noGrp="1" noChangeAspect="1"/>
-          </p:cNvPicPr>
+      <p:sp>
+        <p:nvSpPr>
+          <p:cNvPr id="12" name="Content Placeholder 11"/>
+          <p:cNvSpPr>
+            <a:spLocks noGrp="1"/>
+          </p:cNvSpPr>
           <p:nvPr>
             <p:ph idx="1"/>
           </p:nvPr>
-        </p:nvPicPr>
-        <p:blipFill>
-          <a:blip r:embed="rId2">
-            <a:extLst>
-              <a:ext uri="{28A0092B-C50C-407E-A947-70E740481C1C}">
-                <a14:useLocalDpi xmlns:a14="http://schemas.microsoft.com/office/drawing/2010/main" val="0"/>
-              </a:ext>
-            </a:extLst>
-          </a:blip>
-          <a:stretch>
-            <a:fillRect/>
-          </a:stretch>
-        </p:blipFill>
-        <p:spPr>
-          <a:xfrm>
-            <a:off x="228600" y="1066800"/>
-            <a:ext cx="2949060" cy="2133600"/>
-          </a:xfrm>
-        </p:spPr>
-      </p:pic>
-      <p:pic>
-        <p:nvPicPr>
-          <p:cNvPr id="7" name="Picture 6"/>
-          <p:cNvPicPr>
-            <a:picLocks noChangeAspect="1"/>
-          </p:cNvPicPr>
-          <p:nvPr/>
-        </p:nvPicPr>
-        <p:blipFill>
-          <a:blip r:embed="rId3">
-            <a:extLst>
-              <a:ext uri="{28A0092B-C50C-407E-A947-70E740481C1C}">
-                <a14:useLocalDpi xmlns:a14="http://schemas.microsoft.com/office/drawing/2010/main" val="0"/>
-              </a:ext>
-            </a:extLst>
-          </a:blip>
-          <a:stretch>
-            <a:fillRect/>
-          </a:stretch>
-        </p:blipFill>
-        <p:spPr>
-          <a:xfrm>
-            <a:off x="3276600" y="1066800"/>
-            <a:ext cx="2316753" cy="2286000"/>
-          </a:xfrm>
-          <a:prstGeom prst="rect">
-            <a:avLst/>
-          </a:prstGeom>
-        </p:spPr>
-      </p:pic>
-      <p:pic>
-        <p:nvPicPr>
-          <p:cNvPr id="8" name="Picture 7"/>
-          <p:cNvPicPr>
-            <a:picLocks noChangeAspect="1"/>
-          </p:cNvPicPr>
-          <p:nvPr/>
-        </p:nvPicPr>
-        <p:blipFill>
-          <a:blip r:embed="rId4">
-            <a:extLst>
-              <a:ext uri="{28A0092B-C50C-407E-A947-70E740481C1C}">
-                <a14:useLocalDpi xmlns:a14="http://schemas.microsoft.com/office/drawing/2010/main" val="0"/>
-              </a:ext>
-            </a:extLst>
-          </a:blip>
-          <a:stretch>
-            <a:fillRect/>
-          </a:stretch>
-        </p:blipFill>
-        <p:spPr>
-          <a:xfrm>
-            <a:off x="5664200" y="1066800"/>
-            <a:ext cx="2794000" cy="1676400"/>
-          </a:xfrm>
-          <a:prstGeom prst="rect">
-            <a:avLst/>
-          </a:prstGeom>
-        </p:spPr>
-      </p:pic>
-      <p:sp>
-        <p:nvSpPr>
-          <p:cNvPr id="9" name="TextBox 8"/>
-          <p:cNvSpPr txBox="1"/>
-          <p:nvPr/>
-        </p:nvSpPr>
-        <p:spPr>
-          <a:xfrm>
-            <a:off x="457199" y="3657600"/>
-            <a:ext cx="1941429" cy="646331"/>
-          </a:xfrm>
-          <a:prstGeom prst="rect">
-            <a:avLst/>
-          </a:prstGeom>
-          <a:noFill/>
-        </p:spPr>
-        <p:txBody>
-          <a:bodyPr wrap="none" rtlCol="0">
-            <a:spAutoFit/>
-          </a:bodyPr>
-          <a:lstStyle/>
-          <a:p>
-            <a:r>
-              <a:rPr lang="en-US" sz="3600" dirty="0" smtClean="0"/>
-              <a:t>Cartesian</a:t>
-            </a:r>
-            <a:endParaRPr lang="en-US" sz="3600" dirty="0"/>
-          </a:p>
-        </p:txBody>
-      </p:sp>
-      <p:sp>
-        <p:nvSpPr>
-          <p:cNvPr id="10" name="TextBox 9"/>
-          <p:cNvSpPr txBox="1"/>
-          <p:nvPr/>
-        </p:nvSpPr>
-        <p:spPr>
-          <a:xfrm>
-            <a:off x="3900714" y="3657600"/>
-            <a:ext cx="1172885" cy="646331"/>
-          </a:xfrm>
-          <a:prstGeom prst="rect">
-            <a:avLst/>
-          </a:prstGeom>
-          <a:noFill/>
-        </p:spPr>
-        <p:txBody>
-          <a:bodyPr wrap="none" rtlCol="0">
-            <a:spAutoFit/>
-          </a:bodyPr>
-          <a:lstStyle/>
-          <a:p>
-            <a:r>
-              <a:rPr lang="en-US" sz="3600" dirty="0" smtClean="0"/>
-              <a:t>Delta</a:t>
-            </a:r>
-            <a:endParaRPr lang="en-US" sz="3600" dirty="0"/>
-          </a:p>
-        </p:txBody>
-      </p:sp>
-      <p:sp>
-        <p:nvSpPr>
-          <p:cNvPr id="11" name="TextBox 10"/>
-          <p:cNvSpPr txBox="1"/>
-          <p:nvPr/>
-        </p:nvSpPr>
-        <p:spPr>
-          <a:xfrm>
-            <a:off x="6400800" y="3643732"/>
-            <a:ext cx="901209" cy="646331"/>
-          </a:xfrm>
-          <a:prstGeom prst="rect">
-            <a:avLst/>
-          </a:prstGeom>
-          <a:noFill/>
-        </p:spPr>
-        <p:txBody>
-          <a:bodyPr wrap="none" rtlCol="0">
-            <a:spAutoFit/>
-          </a:bodyPr>
-          <a:lstStyle/>
-          <a:p>
-            <a:r>
-              <a:rPr lang="en-US" sz="3600" dirty="0" smtClean="0"/>
-              <a:t>DLP</a:t>
-            </a:r>
-            <a:endParaRPr lang="en-US" sz="3600" dirty="0"/>
+        </p:nvSpPr>
+        <p:spPr>
+          <a:xfrm>
+            <a:off x="457200" y="1066800"/>
+            <a:ext cx="8229600" cy="3810000"/>
+          </a:xfrm>
+        </p:spPr>
+        <p:txBody>
+          <a:bodyPr/>
+          <a:lstStyle/>
+          <a:p>
+            <a:r>
+              <a:rPr lang="en-US" dirty="0" smtClean="0"/>
+              <a:t>Prototyping</a:t>
+            </a:r>
+          </a:p>
+          <a:p>
+            <a:r>
+              <a:rPr lang="en-US" dirty="0" smtClean="0"/>
+              <a:t>Small lot manufacturing (cookie cutters)</a:t>
+            </a:r>
+          </a:p>
+          <a:p>
+            <a:r>
+              <a:rPr lang="en-US" dirty="0" smtClean="0"/>
+              <a:t>Specialized or hard to find items (car parts)</a:t>
+            </a:r>
+          </a:p>
+          <a:p>
+            <a:r>
+              <a:rPr lang="en-US" dirty="0" smtClean="0"/>
+              <a:t>Education (music, animals)</a:t>
+            </a:r>
+          </a:p>
+          <a:p>
+            <a:r>
+              <a:rPr lang="en-US" dirty="0" smtClean="0"/>
+              <a:t>To be determined!</a:t>
+            </a:r>
+            <a:endParaRPr lang="en-US" dirty="0"/>
           </a:p>
         </p:txBody>
       </p:sp>
     </p:spTree>
     <p:extLst>
       <p:ext uri="{BB962C8B-B14F-4D97-AF65-F5344CB8AC3E}">
-        <p14:creationId xmlns:p14="http://schemas.microsoft.com/office/powerpoint/2010/main" val="382462538"/>
+        <p14:creationId xmlns:p14="http://schemas.microsoft.com/office/powerpoint/2010/main" val="1275583038"/>
       </p:ext>
     </p:extLst>
   </p:cSld>
@@ -7180,75 +7196,44 @@
           <a:p>
             <a:r>
               <a:rPr lang="en-US" dirty="0" smtClean="0"/>
-              <a:t>Cartesian</a:t>
+              <a:t>My Favorite Thing</a:t>
             </a:r>
             <a:endParaRPr lang="en-US" dirty="0"/>
           </a:p>
         </p:txBody>
       </p:sp>
-      <p:pic>
-        <p:nvPicPr>
-          <p:cNvPr id="6" name="Content Placeholder 5"/>
-          <p:cNvPicPr>
-            <a:picLocks noGrp="1" noChangeAspect="1"/>
-          </p:cNvPicPr>
+      <p:sp>
+        <p:nvSpPr>
+          <p:cNvPr id="12" name="Content Placeholder 11"/>
+          <p:cNvSpPr>
+            <a:spLocks noGrp="1"/>
+          </p:cNvSpPr>
           <p:nvPr>
             <p:ph idx="1"/>
           </p:nvPr>
-        </p:nvPicPr>
-        <p:blipFill>
-          <a:blip r:embed="rId2">
-            <a:extLst>
-              <a:ext uri="{28A0092B-C50C-407E-A947-70E740481C1C}">
-                <a14:useLocalDpi xmlns:a14="http://schemas.microsoft.com/office/drawing/2010/main" val="0"/>
-              </a:ext>
-            </a:extLst>
-          </a:blip>
-          <a:stretch>
-            <a:fillRect/>
-          </a:stretch>
-        </p:blipFill>
-        <p:spPr>
-          <a:xfrm>
-            <a:off x="58580" y="990600"/>
-            <a:ext cx="3896972" cy="2819400"/>
-          </a:xfrm>
-        </p:spPr>
-      </p:pic>
-      <p:pic>
-        <p:nvPicPr>
-          <p:cNvPr id="3" name="Picture 2"/>
-          <p:cNvPicPr>
-            <a:picLocks noChangeAspect="1"/>
-          </p:cNvPicPr>
-          <p:nvPr/>
-        </p:nvPicPr>
-        <p:blipFill>
-          <a:blip r:embed="rId3">
-            <a:extLst>
-              <a:ext uri="{28A0092B-C50C-407E-A947-70E740481C1C}">
-                <a14:useLocalDpi xmlns:a14="http://schemas.microsoft.com/office/drawing/2010/main" val="0"/>
-              </a:ext>
-            </a:extLst>
-          </a:blip>
-          <a:stretch>
-            <a:fillRect/>
-          </a:stretch>
-        </p:blipFill>
-        <p:spPr>
-          <a:xfrm>
-            <a:off x="4114800" y="990600"/>
-            <a:ext cx="4800600" cy="3360420"/>
-          </a:xfrm>
-          <a:prstGeom prst="rect">
-            <a:avLst/>
-          </a:prstGeom>
-        </p:spPr>
-      </p:pic>
+        </p:nvSpPr>
+        <p:spPr>
+          <a:xfrm>
+            <a:off x="457200" y="1600201"/>
+            <a:ext cx="8229600" cy="1600200"/>
+          </a:xfrm>
+        </p:spPr>
+        <p:txBody>
+          <a:bodyPr/>
+          <a:lstStyle/>
+          <a:p>
+            <a:r>
+              <a:rPr lang="en-US" dirty="0" smtClean="0"/>
+              <a:t>It was a Saturday morning….</a:t>
+            </a:r>
+            <a:endParaRPr lang="en-US" dirty="0"/>
+          </a:p>
+        </p:txBody>
+      </p:sp>
     </p:spTree>
     <p:extLst>
       <p:ext uri="{BB962C8B-B14F-4D97-AF65-F5344CB8AC3E}">
-        <p14:creationId xmlns:p14="http://schemas.microsoft.com/office/powerpoint/2010/main" val="1874514647"/>
+        <p14:creationId xmlns:p14="http://schemas.microsoft.com/office/powerpoint/2010/main" val="4239267716"/>
       </p:ext>
     </p:extLst>
   </p:cSld>
@@ -7304,7 +7289,7 @@
           <a:p>
             <a:r>
               <a:rPr lang="en-US" dirty="0" smtClean="0"/>
-              <a:t>Delta</a:t>
+              <a:t>3D Pinter Types</a:t>
             </a:r>
             <a:endParaRPr lang="en-US" dirty="0"/>
           </a:p>
@@ -7312,11 +7297,13 @@
       </p:sp>
       <p:pic>
         <p:nvPicPr>
-          <p:cNvPr id="7" name="Picture 6"/>
+          <p:cNvPr id="6" name="Content Placeholder 5"/>
           <p:cNvPicPr>
-            <a:picLocks noChangeAspect="1"/>
+            <a:picLocks noGrp="1" noChangeAspect="1"/>
           </p:cNvPicPr>
-          <p:nvPr/>
+          <p:nvPr>
+            <p:ph idx="1"/>
+          </p:nvPr>
         </p:nvPicPr>
         <p:blipFill>
           <a:blip r:embed="rId2">
@@ -7332,18 +7319,165 @@
         </p:blipFill>
         <p:spPr>
           <a:xfrm>
-            <a:off x="2057400" y="1047108"/>
-            <a:ext cx="4710731" cy="4648200"/>
+            <a:off x="228600" y="1066800"/>
+            <a:ext cx="2949060" cy="2133600"/>
+          </a:xfrm>
+        </p:spPr>
+      </p:pic>
+      <p:pic>
+        <p:nvPicPr>
+          <p:cNvPr id="7" name="Picture 6"/>
+          <p:cNvPicPr>
+            <a:picLocks noChangeAspect="1"/>
+          </p:cNvPicPr>
+          <p:nvPr/>
+        </p:nvPicPr>
+        <p:blipFill>
+          <a:blip r:embed="rId3">
+            <a:extLst>
+              <a:ext uri="{28A0092B-C50C-407E-A947-70E740481C1C}">
+                <a14:useLocalDpi xmlns:a14="http://schemas.microsoft.com/office/drawing/2010/main" val="0"/>
+              </a:ext>
+            </a:extLst>
+          </a:blip>
+          <a:stretch>
+            <a:fillRect/>
+          </a:stretch>
+        </p:blipFill>
+        <p:spPr>
+          <a:xfrm>
+            <a:off x="3276600" y="1066800"/>
+            <a:ext cx="2316753" cy="2286000"/>
           </a:xfrm>
           <a:prstGeom prst="rect">
             <a:avLst/>
           </a:prstGeom>
         </p:spPr>
       </p:pic>
+      <p:pic>
+        <p:nvPicPr>
+          <p:cNvPr id="8" name="Picture 7"/>
+          <p:cNvPicPr>
+            <a:picLocks noChangeAspect="1"/>
+          </p:cNvPicPr>
+          <p:nvPr/>
+        </p:nvPicPr>
+        <p:blipFill>
+          <a:blip r:embed="rId4">
+            <a:extLst>
+              <a:ext uri="{28A0092B-C50C-407E-A947-70E740481C1C}">
+                <a14:useLocalDpi xmlns:a14="http://schemas.microsoft.com/office/drawing/2010/main" val="0"/>
+              </a:ext>
+            </a:extLst>
+          </a:blip>
+          <a:stretch>
+            <a:fillRect/>
+          </a:stretch>
+        </p:blipFill>
+        <p:spPr>
+          <a:xfrm>
+            <a:off x="5664200" y="1066800"/>
+            <a:ext cx="2794000" cy="1676400"/>
+          </a:xfrm>
+          <a:prstGeom prst="rect">
+            <a:avLst/>
+          </a:prstGeom>
+        </p:spPr>
+      </p:pic>
+      <p:sp>
+        <p:nvSpPr>
+          <p:cNvPr id="9" name="TextBox 8"/>
+          <p:cNvSpPr txBox="1"/>
+          <p:nvPr/>
+        </p:nvSpPr>
+        <p:spPr>
+          <a:xfrm>
+            <a:off x="457199" y="3657600"/>
+            <a:ext cx="1941429" cy="646331"/>
+          </a:xfrm>
+          <a:prstGeom prst="rect">
+            <a:avLst/>
+          </a:prstGeom>
+          <a:noFill/>
+        </p:spPr>
+        <p:txBody>
+          <a:bodyPr wrap="none" rtlCol="0">
+            <a:spAutoFit/>
+          </a:bodyPr>
+          <a:lstStyle/>
+          <a:p>
+            <a:r>
+              <a:rPr lang="en-US" sz="3600" dirty="0" smtClean="0"/>
+              <a:t>Cartesian</a:t>
+            </a:r>
+            <a:endParaRPr lang="en-US" sz="3600" dirty="0"/>
+          </a:p>
+        </p:txBody>
+      </p:sp>
+      <p:sp>
+        <p:nvSpPr>
+          <p:cNvPr id="10" name="TextBox 9"/>
+          <p:cNvSpPr txBox="1"/>
+          <p:nvPr/>
+        </p:nvSpPr>
+        <p:spPr>
+          <a:xfrm>
+            <a:off x="3900714" y="3657600"/>
+            <a:ext cx="1172885" cy="646331"/>
+          </a:xfrm>
+          <a:prstGeom prst="rect">
+            <a:avLst/>
+          </a:prstGeom>
+          <a:noFill/>
+        </p:spPr>
+        <p:txBody>
+          <a:bodyPr wrap="none" rtlCol="0">
+            <a:spAutoFit/>
+          </a:bodyPr>
+          <a:lstStyle/>
+          <a:p>
+            <a:r>
+              <a:rPr lang="en-US" sz="3600" dirty="0" smtClean="0"/>
+              <a:t>Delta</a:t>
+            </a:r>
+            <a:endParaRPr lang="en-US" sz="3600" dirty="0"/>
+          </a:p>
+        </p:txBody>
+      </p:sp>
+      <p:sp>
+        <p:nvSpPr>
+          <p:cNvPr id="11" name="TextBox 10"/>
+          <p:cNvSpPr txBox="1"/>
+          <p:nvPr/>
+        </p:nvSpPr>
+        <p:spPr>
+          <a:xfrm>
+            <a:off x="6400800" y="3643732"/>
+            <a:ext cx="901209" cy="646331"/>
+          </a:xfrm>
+          <a:prstGeom prst="rect">
+            <a:avLst/>
+          </a:prstGeom>
+          <a:noFill/>
+        </p:spPr>
+        <p:txBody>
+          <a:bodyPr wrap="none" rtlCol="0">
+            <a:spAutoFit/>
+          </a:bodyPr>
+          <a:lstStyle/>
+          <a:p>
+            <a:r>
+              <a:rPr lang="en-US" sz="3600" dirty="0" smtClean="0"/>
+              <a:t>DLP</a:t>
+            </a:r>
+            <a:endParaRPr lang="en-US" sz="3600" dirty="0"/>
+          </a:p>
+        </p:txBody>
+      </p:sp>
     </p:spTree>
     <p:extLst>
       <p:ext uri="{BB962C8B-B14F-4D97-AF65-F5344CB8AC3E}">
-        <p14:creationId xmlns:p14="http://schemas.microsoft.com/office/powerpoint/2010/main" val="838563812"/>
+        <p14:creationId xmlns:p14="http://schemas.microsoft.com/office/powerpoint/2010/main" val="382462538"/>
       </p:ext>
     </p:extLst>
   </p:cSld>
@@ -7389,7 +7523,7 @@
         </p:nvSpPr>
         <p:spPr>
           <a:xfrm>
-            <a:off x="419100" y="0"/>
+            <a:off x="457200" y="0"/>
             <a:ext cx="8229600" cy="1143000"/>
           </a:xfrm>
         </p:spPr>
@@ -7399,7 +7533,7 @@
           <a:p>
             <a:r>
               <a:rPr lang="en-US" dirty="0" smtClean="0"/>
-              <a:t>Delta Style Printer (video)</a:t>
+              <a:t>Cartesian</a:t>
             </a:r>
             <a:endParaRPr lang="en-US" dirty="0"/>
           </a:p>
@@ -7407,24 +7541,57 @@
       </p:sp>
       <p:pic>
         <p:nvPicPr>
-          <p:cNvPr id="4" name="zQxa920YGaU"/>
+          <p:cNvPr id="6" name="Content Placeholder 5"/>
           <p:cNvPicPr>
-            <a:picLocks noRot="1" noChangeAspect="1"/>
+            <a:picLocks noGrp="1" noChangeAspect="1"/>
           </p:cNvPicPr>
           <p:nvPr>
-            <a:videoFile r:link="rId1"/>
+            <p:ph idx="1"/>
           </p:nvPr>
         </p:nvPicPr>
         <p:blipFill>
-          <a:blip r:embed="rId3"/>
+          <a:blip r:embed="rId2">
+            <a:extLst>
+              <a:ext uri="{28A0092B-C50C-407E-A947-70E740481C1C}">
+                <a14:useLocalDpi xmlns:a14="http://schemas.microsoft.com/office/drawing/2010/main" val="0"/>
+              </a:ext>
+            </a:extLst>
+          </a:blip>
           <a:stretch>
             <a:fillRect/>
           </a:stretch>
         </p:blipFill>
         <p:spPr>
           <a:xfrm>
-            <a:off x="1524000" y="1219200"/>
-            <a:ext cx="6019800" cy="3386138"/>
+            <a:off x="58580" y="990600"/>
+            <a:ext cx="3896972" cy="2819400"/>
+          </a:xfrm>
+        </p:spPr>
+      </p:pic>
+      <p:pic>
+        <p:nvPicPr>
+          <p:cNvPr id="3" name="Picture 2"/>
+          <p:cNvPicPr>
+            <a:picLocks noChangeAspect="1"/>
+          </p:cNvPicPr>
+          <p:nvPr/>
+        </p:nvPicPr>
+        <p:blipFill>
+          <a:blip r:embed="rId3">
+            <a:extLst>
+              <a:ext uri="{28A0092B-C50C-407E-A947-70E740481C1C}">
+                <a14:useLocalDpi xmlns:a14="http://schemas.microsoft.com/office/drawing/2010/main" val="0"/>
+              </a:ext>
+            </a:extLst>
+          </a:blip>
+          <a:stretch>
+            <a:fillRect/>
+          </a:stretch>
+        </p:blipFill>
+        <p:spPr>
+          <a:xfrm>
+            <a:off x="4114800" y="990600"/>
+            <a:ext cx="4800600" cy="3360420"/>
           </a:xfrm>
           <a:prstGeom prst="rect">
             <a:avLst/>
@@ -7434,7 +7601,7 @@
     </p:spTree>
     <p:extLst>
       <p:ext uri="{BB962C8B-B14F-4D97-AF65-F5344CB8AC3E}">
-        <p14:creationId xmlns:p14="http://schemas.microsoft.com/office/powerpoint/2010/main" val="1380890633"/>
+        <p14:creationId xmlns:p14="http://schemas.microsoft.com/office/powerpoint/2010/main" val="1874514647"/>
       </p:ext>
     </p:extLst>
   </p:cSld>
@@ -7490,7 +7657,7 @@
           <a:p>
             <a:r>
               <a:rPr lang="en-US" dirty="0" smtClean="0"/>
-              <a:t>DLP</a:t>
+              <a:t>Delta</a:t>
             </a:r>
             <a:endParaRPr lang="en-US" dirty="0"/>
           </a:p>
@@ -7498,7 +7665,7 @@
       </p:sp>
       <p:pic>
         <p:nvPicPr>
-          <p:cNvPr id="8" name="Picture 7"/>
+          <p:cNvPr id="7" name="Picture 6"/>
           <p:cNvPicPr>
             <a:picLocks noChangeAspect="1"/>
           </p:cNvPicPr>
@@ -7518,8 +7685,8 @@
         </p:blipFill>
         <p:spPr>
           <a:xfrm>
-            <a:off x="1524000" y="990600"/>
-            <a:ext cx="6248400" cy="3749040"/>
+            <a:off x="2057400" y="1047108"/>
+            <a:ext cx="4710731" cy="4648200"/>
           </a:xfrm>
           <a:prstGeom prst="rect">
             <a:avLst/>
@@ -7529,7 +7696,7 @@
     </p:spTree>
     <p:extLst>
       <p:ext uri="{BB962C8B-B14F-4D97-AF65-F5344CB8AC3E}">
-        <p14:creationId xmlns:p14="http://schemas.microsoft.com/office/powerpoint/2010/main" val="3843722854"/>
+        <p14:creationId xmlns:p14="http://schemas.microsoft.com/office/powerpoint/2010/main" val="838563812"/>
       </p:ext>
     </p:extLst>
   </p:cSld>

--- a/Introduction to 3D Printing.pptx
+++ b/Introduction to 3D Printing.pptx
@@ -10,27 +10,31 @@
     <p:sldId id="258" r:id="rId4"/>
     <p:sldId id="275" r:id="rId5"/>
     <p:sldId id="281" r:id="rId6"/>
-    <p:sldId id="259" r:id="rId7"/>
-    <p:sldId id="269" r:id="rId8"/>
-    <p:sldId id="261" r:id="rId9"/>
-    <p:sldId id="262" r:id="rId10"/>
-    <p:sldId id="257" r:id="rId11"/>
-    <p:sldId id="263" r:id="rId12"/>
-    <p:sldId id="260" r:id="rId13"/>
-    <p:sldId id="264" r:id="rId14"/>
-    <p:sldId id="265" r:id="rId15"/>
-    <p:sldId id="266" r:id="rId16"/>
-    <p:sldId id="267" r:id="rId17"/>
-    <p:sldId id="268" r:id="rId18"/>
-    <p:sldId id="270" r:id="rId19"/>
-    <p:sldId id="271" r:id="rId20"/>
-    <p:sldId id="272" r:id="rId21"/>
-    <p:sldId id="273" r:id="rId22"/>
-    <p:sldId id="276" r:id="rId23"/>
-    <p:sldId id="274" r:id="rId24"/>
-    <p:sldId id="277" r:id="rId25"/>
-    <p:sldId id="278" r:id="rId26"/>
-    <p:sldId id="279" r:id="rId27"/>
+    <p:sldId id="282" r:id="rId7"/>
+    <p:sldId id="259" r:id="rId8"/>
+    <p:sldId id="269" r:id="rId9"/>
+    <p:sldId id="261" r:id="rId10"/>
+    <p:sldId id="262" r:id="rId11"/>
+    <p:sldId id="257" r:id="rId12"/>
+    <p:sldId id="263" r:id="rId13"/>
+    <p:sldId id="260" r:id="rId14"/>
+    <p:sldId id="264" r:id="rId15"/>
+    <p:sldId id="265" r:id="rId16"/>
+    <p:sldId id="266" r:id="rId17"/>
+    <p:sldId id="267" r:id="rId18"/>
+    <p:sldId id="268" r:id="rId19"/>
+    <p:sldId id="270" r:id="rId20"/>
+    <p:sldId id="271" r:id="rId21"/>
+    <p:sldId id="272" r:id="rId22"/>
+    <p:sldId id="273" r:id="rId23"/>
+    <p:sldId id="276" r:id="rId24"/>
+    <p:sldId id="274" r:id="rId25"/>
+    <p:sldId id="277" r:id="rId26"/>
+    <p:sldId id="278" r:id="rId27"/>
+    <p:sldId id="279" r:id="rId28"/>
+    <p:sldId id="283" r:id="rId29"/>
+    <p:sldId id="284" r:id="rId30"/>
+    <p:sldId id="285" r:id="rId31"/>
   </p:sldIdLst>
   <p:sldSz cx="9144000" cy="6858000" type="screen4x3"/>
   <p:notesSz cx="6858000" cy="9144000"/>
@@ -3171,15 +3175,13 @@
           <a:p>
             <a:r>
               <a:rPr lang="en-US" dirty="0" smtClean="0"/>
-              <a:t>July 15, 5:30 – 7:30 pm Intro to Databases &amp; SQL</a:t>
-            </a:r>
-          </a:p>
-          <a:p>
-            <a:r>
-              <a:rPr lang="en-US" dirty="0" smtClean="0"/>
-              <a:t>July 24, </a:t>
-            </a:r>
-            <a:endParaRPr lang="en-US" dirty="0"/>
+              <a:t>July 15, 5:30 – 7:30 pm Intro to Databases &amp; </a:t>
+            </a:r>
+            <a:r>
+              <a:rPr lang="en-US" dirty="0" smtClean="0"/>
+              <a:t>SQL</a:t>
+            </a:r>
+            <a:endParaRPr lang="en-US" dirty="0" smtClean="0"/>
           </a:p>
         </p:txBody>
       </p:sp>
@@ -3232,7 +3234,7 @@
         </p:nvSpPr>
         <p:spPr>
           <a:xfrm>
-            <a:off x="419100" y="0"/>
+            <a:off x="457200" y="0"/>
             <a:ext cx="8229600" cy="1143000"/>
           </a:xfrm>
         </p:spPr>
@@ -3242,7 +3244,7 @@
           <a:p>
             <a:r>
               <a:rPr lang="en-US" dirty="0" smtClean="0"/>
-              <a:t>Delta Style Printer (video)</a:t>
+              <a:t>Delta</a:t>
             </a:r>
             <a:endParaRPr lang="en-US" dirty="0"/>
           </a:p>
@@ -3250,24 +3252,28 @@
       </p:sp>
       <p:pic>
         <p:nvPicPr>
-          <p:cNvPr id="4" name="zQxa920YGaU"/>
+          <p:cNvPr id="7" name="Picture 6"/>
           <p:cNvPicPr>
-            <a:picLocks noRot="1" noChangeAspect="1"/>
+            <a:picLocks noChangeAspect="1"/>
           </p:cNvPicPr>
-          <p:nvPr>
-            <a:videoFile r:link="rId1"/>
-          </p:nvPr>
+          <p:nvPr/>
         </p:nvPicPr>
         <p:blipFill>
-          <a:blip r:embed="rId3"/>
+          <a:blip r:embed="rId2">
+            <a:extLst>
+              <a:ext uri="{28A0092B-C50C-407E-A947-70E740481C1C}">
+                <a14:useLocalDpi xmlns:a14="http://schemas.microsoft.com/office/drawing/2010/main" val="0"/>
+              </a:ext>
+            </a:extLst>
+          </a:blip>
           <a:stretch>
             <a:fillRect/>
           </a:stretch>
         </p:blipFill>
         <p:spPr>
           <a:xfrm>
-            <a:off x="1524000" y="1219200"/>
-            <a:ext cx="6019800" cy="3386138"/>
+            <a:off x="2057400" y="1047108"/>
+            <a:ext cx="4710731" cy="4648200"/>
           </a:xfrm>
           <a:prstGeom prst="rect">
             <a:avLst/>
@@ -3277,7 +3283,7 @@
     </p:spTree>
     <p:extLst>
       <p:ext uri="{BB962C8B-B14F-4D97-AF65-F5344CB8AC3E}">
-        <p14:creationId xmlns:p14="http://schemas.microsoft.com/office/powerpoint/2010/main" val="1380890633"/>
+        <p14:creationId xmlns:p14="http://schemas.microsoft.com/office/powerpoint/2010/main" val="838563812"/>
       </p:ext>
     </p:extLst>
   </p:cSld>
@@ -3323,7 +3329,7 @@
         </p:nvSpPr>
         <p:spPr>
           <a:xfrm>
-            <a:off x="457200" y="0"/>
+            <a:off x="419100" y="0"/>
             <a:ext cx="8229600" cy="1143000"/>
           </a:xfrm>
         </p:spPr>
@@ -3333,7 +3339,7 @@
           <a:p>
             <a:r>
               <a:rPr lang="en-US" dirty="0" smtClean="0"/>
-              <a:t>DLP</a:t>
+              <a:t>Delta Style Printer (video)</a:t>
             </a:r>
             <a:endParaRPr lang="en-US" dirty="0"/>
           </a:p>
@@ -3341,28 +3347,24 @@
       </p:sp>
       <p:pic>
         <p:nvPicPr>
-          <p:cNvPr id="8" name="Picture 7"/>
+          <p:cNvPr id="4" name="zQxa920YGaU"/>
           <p:cNvPicPr>
-            <a:picLocks noChangeAspect="1"/>
+            <a:picLocks noRot="1" noChangeAspect="1"/>
           </p:cNvPicPr>
-          <p:nvPr/>
+          <p:nvPr>
+            <a:videoFile r:link="rId1"/>
+          </p:nvPr>
         </p:nvPicPr>
         <p:blipFill>
-          <a:blip r:embed="rId2">
-            <a:extLst>
-              <a:ext uri="{28A0092B-C50C-407E-A947-70E740481C1C}">
-                <a14:useLocalDpi xmlns:a14="http://schemas.microsoft.com/office/drawing/2010/main" val="0"/>
-              </a:ext>
-            </a:extLst>
-          </a:blip>
+          <a:blip r:embed="rId3"/>
           <a:stretch>
             <a:fillRect/>
           </a:stretch>
         </p:blipFill>
         <p:spPr>
           <a:xfrm>
-            <a:off x="1524000" y="990600"/>
-            <a:ext cx="6248400" cy="3749040"/>
+            <a:off x="1524000" y="1219200"/>
+            <a:ext cx="6019800" cy="3386138"/>
           </a:xfrm>
           <a:prstGeom prst="rect">
             <a:avLst/>
@@ -3372,7 +3374,7 @@
     </p:spTree>
     <p:extLst>
       <p:ext uri="{BB962C8B-B14F-4D97-AF65-F5344CB8AC3E}">
-        <p14:creationId xmlns:p14="http://schemas.microsoft.com/office/powerpoint/2010/main" val="3843722854"/>
+        <p14:creationId xmlns:p14="http://schemas.microsoft.com/office/powerpoint/2010/main" val="1380890633"/>
       </p:ext>
     </p:extLst>
   </p:cSld>
@@ -3428,7 +3430,7 @@
           <a:p>
             <a:r>
               <a:rPr lang="en-US" dirty="0" smtClean="0"/>
-              <a:t>DLP Style Printer</a:t>
+              <a:t>DLP</a:t>
             </a:r>
             <a:endParaRPr lang="en-US" dirty="0"/>
           </a:p>
@@ -3436,25 +3438,28 @@
       </p:sp>
       <p:pic>
         <p:nvPicPr>
-          <p:cNvPr id="4" name="nxhUjPmxrP0"/>
+          <p:cNvPr id="8" name="Picture 7"/>
           <p:cNvPicPr>
-            <a:picLocks noGrp="1" noRot="1" noChangeAspect="1"/>
+            <a:picLocks noChangeAspect="1"/>
           </p:cNvPicPr>
-          <p:nvPr>
-            <p:ph idx="1"/>
-            <a:videoFile r:link="rId1"/>
-          </p:nvPr>
+          <p:nvPr/>
         </p:nvPicPr>
         <p:blipFill>
-          <a:blip r:embed="rId3"/>
+          <a:blip r:embed="rId2">
+            <a:extLst>
+              <a:ext uri="{28A0092B-C50C-407E-A947-70E740481C1C}">
+                <a14:useLocalDpi xmlns:a14="http://schemas.microsoft.com/office/drawing/2010/main" val="0"/>
+              </a:ext>
+            </a:extLst>
+          </a:blip>
           <a:stretch>
             <a:fillRect/>
           </a:stretch>
         </p:blipFill>
         <p:spPr>
           <a:xfrm>
-            <a:off x="1447800" y="1143000"/>
-            <a:ext cx="6477000" cy="3643313"/>
+            <a:off x="1524000" y="990600"/>
+            <a:ext cx="6248400" cy="3749040"/>
           </a:xfrm>
           <a:prstGeom prst="rect">
             <a:avLst/>
@@ -3464,7 +3469,7 @@
     </p:spTree>
     <p:extLst>
       <p:ext uri="{BB962C8B-B14F-4D97-AF65-F5344CB8AC3E}">
-        <p14:creationId xmlns:p14="http://schemas.microsoft.com/office/powerpoint/2010/main" val="3948974908"/>
+        <p14:creationId xmlns:p14="http://schemas.microsoft.com/office/powerpoint/2010/main" val="3843722854"/>
       </p:ext>
     </p:extLst>
   </p:cSld>
@@ -3520,56 +3525,43 @@
           <a:p>
             <a:r>
               <a:rPr lang="en-US" dirty="0" smtClean="0"/>
-              <a:t>Money, Money, Money</a:t>
+              <a:t>DLP Style Printer</a:t>
             </a:r>
             <a:endParaRPr lang="en-US" dirty="0"/>
           </a:p>
         </p:txBody>
       </p:sp>
-      <p:sp>
-        <p:nvSpPr>
-          <p:cNvPr id="3" name="Content Placeholder 2"/>
-          <p:cNvSpPr>
-            <a:spLocks noGrp="1"/>
-          </p:cNvSpPr>
+      <p:pic>
+        <p:nvPicPr>
+          <p:cNvPr id="4" name="nxhUjPmxrP0"/>
+          <p:cNvPicPr>
+            <a:picLocks noGrp="1" noRot="1" noChangeAspect="1"/>
+          </p:cNvPicPr>
           <p:nvPr>
             <p:ph idx="1"/>
-          </p:nvPr>
-        </p:nvSpPr>
-        <p:spPr>
-          <a:xfrm>
-            <a:off x="457200" y="1219200"/>
-            <a:ext cx="8229600" cy="4525963"/>
-          </a:xfrm>
-        </p:spPr>
-        <p:txBody>
-          <a:bodyPr/>
-          <a:lstStyle/>
-          <a:p>
-            <a:r>
-              <a:rPr lang="en-US" dirty="0" smtClean="0"/>
-              <a:t>Overall price range $500 - $2500+</a:t>
-            </a:r>
-          </a:p>
-          <a:p>
-            <a:r>
-              <a:rPr lang="en-US" dirty="0" smtClean="0"/>
-              <a:t>Why the difference?</a:t>
-            </a:r>
-          </a:p>
-          <a:p>
-            <a:r>
-              <a:rPr lang="en-US" dirty="0" smtClean="0"/>
-              <a:t>Technology (type) and build volume.</a:t>
-            </a:r>
-            <a:endParaRPr lang="en-US" dirty="0"/>
-          </a:p>
-        </p:txBody>
-      </p:sp>
+            <a:videoFile r:link="rId1"/>
+          </p:nvPr>
+        </p:nvPicPr>
+        <p:blipFill>
+          <a:blip r:embed="rId3"/>
+          <a:stretch>
+            <a:fillRect/>
+          </a:stretch>
+        </p:blipFill>
+        <p:spPr>
+          <a:xfrm>
+            <a:off x="1447800" y="1143000"/>
+            <a:ext cx="6477000" cy="3643313"/>
+          </a:xfrm>
+          <a:prstGeom prst="rect">
+            <a:avLst/>
+          </a:prstGeom>
+        </p:spPr>
+      </p:pic>
     </p:spTree>
     <p:extLst>
       <p:ext uri="{BB962C8B-B14F-4D97-AF65-F5344CB8AC3E}">
-        <p14:creationId xmlns:p14="http://schemas.microsoft.com/office/powerpoint/2010/main" val="2106186704"/>
+        <p14:creationId xmlns:p14="http://schemas.microsoft.com/office/powerpoint/2010/main" val="3948974908"/>
       </p:ext>
     </p:extLst>
   </p:cSld>
@@ -3625,7 +3617,7 @@
           <a:p>
             <a:r>
               <a:rPr lang="en-US" dirty="0" smtClean="0"/>
-              <a:t>Differences</a:t>
+              <a:t>Money, Money, Money</a:t>
             </a:r>
             <a:endParaRPr lang="en-US" dirty="0"/>
           </a:p>
@@ -3648,64 +3640,33 @@
           </a:xfrm>
         </p:spPr>
         <p:txBody>
-          <a:bodyPr>
-            <a:normAutofit/>
-          </a:bodyPr>
-          <a:lstStyle/>
-          <a:p>
-            <a:r>
-              <a:rPr lang="en-US" dirty="0" smtClean="0"/>
-              <a:t>Technology (material)</a:t>
-            </a:r>
-          </a:p>
-          <a:p>
-            <a:pPr lvl="1"/>
-            <a:r>
-              <a:rPr lang="en-US" dirty="0" smtClean="0"/>
-              <a:t>Filament</a:t>
-            </a:r>
-          </a:p>
-          <a:p>
-            <a:pPr lvl="2"/>
-            <a:r>
-              <a:rPr lang="en-US" dirty="0" smtClean="0"/>
-              <a:t>PLA ($500 kit)</a:t>
-            </a:r>
-          </a:p>
-          <a:p>
-            <a:pPr lvl="2"/>
-            <a:r>
-              <a:rPr lang="en-US" dirty="0" smtClean="0"/>
-              <a:t>ABS (heated bed) (+$100)</a:t>
-            </a:r>
-          </a:p>
-          <a:p>
-            <a:pPr lvl="2"/>
-            <a:r>
-              <a:rPr lang="en-US" dirty="0" smtClean="0"/>
-              <a:t>Assembled (+$150)</a:t>
-            </a:r>
-          </a:p>
-          <a:p>
-            <a:pPr lvl="2"/>
-            <a:r>
-              <a:rPr lang="en-US" dirty="0" smtClean="0"/>
-              <a:t>Dual Head (+$200)</a:t>
-            </a:r>
-          </a:p>
-          <a:p>
-            <a:pPr lvl="1"/>
-            <a:r>
-              <a:rPr lang="en-US" dirty="0" smtClean="0"/>
-              <a:t>Resin (DLP)</a:t>
-            </a:r>
+          <a:bodyPr/>
+          <a:lstStyle/>
+          <a:p>
+            <a:r>
+              <a:rPr lang="en-US" dirty="0" smtClean="0"/>
+              <a:t>Overall price range $500 - $2500+</a:t>
+            </a:r>
+          </a:p>
+          <a:p>
+            <a:r>
+              <a:rPr lang="en-US" dirty="0" smtClean="0"/>
+              <a:t>Why the difference?</a:t>
+            </a:r>
+          </a:p>
+          <a:p>
+            <a:r>
+              <a:rPr lang="en-US" dirty="0" smtClean="0"/>
+              <a:t>Technology (type) and build volume.</a:t>
+            </a:r>
+            <a:endParaRPr lang="en-US" dirty="0"/>
           </a:p>
         </p:txBody>
       </p:sp>
     </p:spTree>
     <p:extLst>
       <p:ext uri="{BB962C8B-B14F-4D97-AF65-F5344CB8AC3E}">
-        <p14:creationId xmlns:p14="http://schemas.microsoft.com/office/powerpoint/2010/main" val="3867764672"/>
+        <p14:creationId xmlns:p14="http://schemas.microsoft.com/office/powerpoint/2010/main" val="2106186704"/>
       </p:ext>
     </p:extLst>
   </p:cSld>
@@ -3791,37 +3752,57 @@
           <a:p>
             <a:r>
               <a:rPr lang="en-US" dirty="0" smtClean="0"/>
-              <a:t>Build Volume</a:t>
+              <a:t>Technology (material)</a:t>
             </a:r>
           </a:p>
           <a:p>
             <a:pPr lvl="1"/>
             <a:r>
               <a:rPr lang="en-US" dirty="0" smtClean="0"/>
-              <a:t>4” x 4” x 4” ($400)</a:t>
+              <a:t>Filament</a:t>
+            </a:r>
+          </a:p>
+          <a:p>
+            <a:pPr lvl="2"/>
+            <a:r>
+              <a:rPr lang="en-US" dirty="0" smtClean="0"/>
+              <a:t>PLA ($500 kit)</a:t>
+            </a:r>
+          </a:p>
+          <a:p>
+            <a:pPr lvl="2"/>
+            <a:r>
+              <a:rPr lang="en-US" dirty="0" smtClean="0"/>
+              <a:t>ABS (heated bed) (+$100)</a:t>
+            </a:r>
+          </a:p>
+          <a:p>
+            <a:pPr lvl="2"/>
+            <a:r>
+              <a:rPr lang="en-US" dirty="0" smtClean="0"/>
+              <a:t>Assembled (+$150)</a:t>
+            </a:r>
+          </a:p>
+          <a:p>
+            <a:pPr lvl="2"/>
+            <a:r>
+              <a:rPr lang="en-US" dirty="0" smtClean="0"/>
+              <a:t>Dual Head (+$200)</a:t>
             </a:r>
           </a:p>
           <a:p>
             <a:pPr lvl="1"/>
             <a:r>
               <a:rPr lang="en-US" dirty="0" smtClean="0"/>
-              <a:t>10” x 10” x 10” ($1000+)</a:t>
-            </a:r>
-          </a:p>
-          <a:p>
-            <a:pPr lvl="1"/>
-            <a:r>
-              <a:rPr lang="en-US" dirty="0" smtClean="0"/>
-              <a:t>7” x 15” x 7” DLP ($2500+)</a:t>
-            </a:r>
-            <a:endParaRPr lang="en-US" dirty="0"/>
+              <a:t>Resin (DLP)</a:t>
+            </a:r>
           </a:p>
         </p:txBody>
       </p:sp>
     </p:spTree>
     <p:extLst>
       <p:ext uri="{BB962C8B-B14F-4D97-AF65-F5344CB8AC3E}">
-        <p14:creationId xmlns:p14="http://schemas.microsoft.com/office/powerpoint/2010/main" val="1343839109"/>
+        <p14:creationId xmlns:p14="http://schemas.microsoft.com/office/powerpoint/2010/main" val="3867764672"/>
       </p:ext>
     </p:extLst>
   </p:cSld>
@@ -3877,7 +3858,7 @@
           <a:p>
             <a:r>
               <a:rPr lang="en-US" dirty="0" smtClean="0"/>
-              <a:t>Filament</a:t>
+              <a:t>Differences</a:t>
             </a:r>
             <a:endParaRPr lang="en-US" dirty="0"/>
           </a:p>
@@ -3907,34 +3888,28 @@
           <a:p>
             <a:r>
               <a:rPr lang="en-US" dirty="0" smtClean="0"/>
-              <a:t>Size 1.75mm (standard) &amp; 3.00mm (old)</a:t>
-            </a:r>
-          </a:p>
-          <a:p>
-            <a:r>
-              <a:rPr lang="en-US" dirty="0" smtClean="0"/>
-              <a:t>Material</a:t>
+              <a:t>Build Volume</a:t>
             </a:r>
           </a:p>
           <a:p>
             <a:pPr lvl="1"/>
             <a:r>
               <a:rPr lang="en-US" dirty="0" smtClean="0"/>
-              <a:t>PLA (Strong, stiff, fast print)</a:t>
+              <a:t>4” x 4” x 4” ($400)</a:t>
             </a:r>
           </a:p>
           <a:p>
             <a:pPr lvl="1"/>
             <a:r>
               <a:rPr lang="en-US" dirty="0" smtClean="0"/>
-              <a:t>ABS (Heated bed, higher temp, slight flex)</a:t>
+              <a:t>10” x 10” x 10” ($1000+)</a:t>
             </a:r>
           </a:p>
           <a:p>
             <a:pPr lvl="1"/>
             <a:r>
               <a:rPr lang="en-US" dirty="0" smtClean="0"/>
-              <a:t>Flex (rubber like)</a:t>
+              <a:t>7” x 15” x 7” DLP ($2500+)</a:t>
             </a:r>
             <a:endParaRPr lang="en-US" dirty="0"/>
           </a:p>
@@ -3943,7 +3918,7 @@
     </p:spTree>
     <p:extLst>
       <p:ext uri="{BB962C8B-B14F-4D97-AF65-F5344CB8AC3E}">
-        <p14:creationId xmlns:p14="http://schemas.microsoft.com/office/powerpoint/2010/main" val="3026335734"/>
+        <p14:creationId xmlns:p14="http://schemas.microsoft.com/office/powerpoint/2010/main" val="1343839109"/>
       </p:ext>
     </p:extLst>
   </p:cSld>
@@ -3999,7 +3974,7 @@
           <a:p>
             <a:r>
               <a:rPr lang="en-US" dirty="0" smtClean="0"/>
-              <a:t>Filament Exotics</a:t>
+              <a:t>Filament</a:t>
             </a:r>
             <a:endParaRPr lang="en-US" dirty="0"/>
           </a:p>
@@ -4029,6 +4004,12 @@
           <a:p>
             <a:r>
               <a:rPr lang="en-US" dirty="0" smtClean="0"/>
+              <a:t>Size 1.75mm (standard) &amp; 3.00mm (old)</a:t>
+            </a:r>
+          </a:p>
+          <a:p>
+            <a:r>
+              <a:rPr lang="en-US" dirty="0" smtClean="0"/>
               <a:t>Material</a:t>
             </a:r>
           </a:p>
@@ -4036,47 +4017,21 @@
             <a:pPr lvl="1"/>
             <a:r>
               <a:rPr lang="en-US" dirty="0" smtClean="0"/>
-              <a:t>Nylon (Very Strong, very high print temp)</a:t>
+              <a:t>PLA (Strong, stiff, fast print)</a:t>
             </a:r>
           </a:p>
           <a:p>
             <a:pPr lvl="1"/>
             <a:r>
               <a:rPr lang="en-US" dirty="0" smtClean="0"/>
-              <a:t>Wood</a:t>
+              <a:t>ABS (Heated bed, higher temp, slight flex)</a:t>
             </a:r>
           </a:p>
           <a:p>
             <a:pPr lvl="1"/>
             <a:r>
               <a:rPr lang="en-US" dirty="0" smtClean="0"/>
-              <a:t>Conductive</a:t>
-            </a:r>
-          </a:p>
-          <a:p>
-            <a:pPr lvl="1"/>
-            <a:r>
-              <a:rPr lang="en-US" dirty="0" err="1" smtClean="0"/>
-              <a:t>Metalic</a:t>
-            </a:r>
-            <a:r>
-              <a:rPr lang="en-US" dirty="0" smtClean="0"/>
-              <a:t> (bronze, iron, </a:t>
-            </a:r>
-            <a:r>
-              <a:rPr lang="en-US" dirty="0" err="1" smtClean="0"/>
-              <a:t>etc</a:t>
-            </a:r>
-            <a:r>
-              <a:rPr lang="en-US" dirty="0" smtClean="0"/>
-              <a:t>)</a:t>
-            </a:r>
-          </a:p>
-          <a:p>
-            <a:pPr lvl="1"/>
-            <a:r>
-              <a:rPr lang="en-US" dirty="0" smtClean="0"/>
-              <a:t>Ceramic</a:t>
+              <a:t>Flex (rubber like)</a:t>
             </a:r>
             <a:endParaRPr lang="en-US" dirty="0"/>
           </a:p>
@@ -4085,7 +4040,7 @@
     </p:spTree>
     <p:extLst>
       <p:ext uri="{BB962C8B-B14F-4D97-AF65-F5344CB8AC3E}">
-        <p14:creationId xmlns:p14="http://schemas.microsoft.com/office/powerpoint/2010/main" val="3618842773"/>
+        <p14:creationId xmlns:p14="http://schemas.microsoft.com/office/powerpoint/2010/main" val="3026335734"/>
       </p:ext>
     </p:extLst>
   </p:cSld>
@@ -4141,7 +4096,7 @@
           <a:p>
             <a:r>
               <a:rPr lang="en-US" dirty="0" smtClean="0"/>
-              <a:t>What to Print?</a:t>
+              <a:t>Filament Exotics</a:t>
             </a:r>
             <a:endParaRPr lang="en-US" dirty="0"/>
           </a:p>
@@ -4171,94 +4126,63 @@
           <a:p>
             <a:r>
               <a:rPr lang="en-US" dirty="0" smtClean="0"/>
-              <a:t>You need a 3D model (.</a:t>
-            </a:r>
+              <a:t>Material</a:t>
+            </a:r>
+          </a:p>
+          <a:p>
+            <a:pPr lvl="1"/>
+            <a:r>
+              <a:rPr lang="en-US" dirty="0" smtClean="0"/>
+              <a:t>Nylon (Very Strong, very high print temp)</a:t>
+            </a:r>
+          </a:p>
+          <a:p>
+            <a:pPr lvl="1"/>
+            <a:r>
+              <a:rPr lang="en-US" dirty="0" smtClean="0"/>
+              <a:t>Wood</a:t>
+            </a:r>
+          </a:p>
+          <a:p>
+            <a:pPr lvl="1"/>
+            <a:r>
+              <a:rPr lang="en-US" dirty="0" smtClean="0"/>
+              <a:t>Conductive</a:t>
+            </a:r>
+          </a:p>
+          <a:p>
+            <a:pPr lvl="1"/>
             <a:r>
               <a:rPr lang="en-US" dirty="0" err="1" smtClean="0"/>
-              <a:t>stl</a:t>
-            </a:r>
-            <a:r>
-              <a:rPr lang="en-US" dirty="0" smtClean="0"/>
-              <a:t> file)</a:t>
+              <a:t>Metalic</a:t>
+            </a:r>
+            <a:r>
+              <a:rPr lang="en-US" dirty="0" smtClean="0"/>
+              <a:t> (bronze, iron, </a:t>
+            </a:r>
+            <a:r>
+              <a:rPr lang="en-US" dirty="0" err="1" smtClean="0"/>
+              <a:t>etc</a:t>
+            </a:r>
+            <a:r>
+              <a:rPr lang="en-US" dirty="0" smtClean="0"/>
+              <a:t>)</a:t>
             </a:r>
           </a:p>
           <a:p>
             <a:pPr lvl="1"/>
             <a:r>
               <a:rPr lang="en-US" dirty="0" smtClean="0"/>
-              <a:t>Use an existing model </a:t>
-            </a:r>
-          </a:p>
-          <a:p>
-            <a:pPr lvl="2"/>
-            <a:r>
-              <a:rPr lang="en-US" dirty="0" smtClean="0">
-                <a:hlinkClick r:id="rId2"/>
-              </a:rPr>
-              <a:t>www.thingiverse.com</a:t>
-            </a:r>
-            <a:endParaRPr lang="en-US" dirty="0" smtClean="0"/>
-          </a:p>
-          <a:p>
-            <a:pPr lvl="1"/>
-            <a:r>
-              <a:rPr lang="en-US" dirty="0" smtClean="0"/>
-              <a:t>Make your own model</a:t>
-            </a:r>
-          </a:p>
-          <a:p>
-            <a:pPr lvl="2"/>
-            <a:r>
-              <a:rPr lang="en-US" dirty="0" err="1" smtClean="0"/>
-              <a:t>Tinkercad</a:t>
-            </a:r>
-            <a:r>
-              <a:rPr lang="en-US" dirty="0" smtClean="0"/>
-              <a:t> (web based </a:t>
-            </a:r>
-            <a:r>
-              <a:rPr lang="en-US" dirty="0" smtClean="0">
-                <a:hlinkClick r:id="rId3"/>
-              </a:rPr>
-              <a:t>www.tinkercad.com</a:t>
-            </a:r>
-            <a:r>
-              <a:rPr lang="en-US" dirty="0" smtClean="0"/>
-              <a:t> )</a:t>
-            </a:r>
-          </a:p>
-          <a:p>
-            <a:pPr lvl="2"/>
-            <a:r>
-              <a:rPr lang="en-US" dirty="0" err="1" smtClean="0"/>
-              <a:t>Meshmixer</a:t>
-            </a:r>
-            <a:endParaRPr lang="en-US" dirty="0" smtClean="0"/>
-          </a:p>
-          <a:p>
-            <a:pPr lvl="2"/>
-            <a:r>
-              <a:rPr lang="en-US" dirty="0" smtClean="0"/>
-              <a:t>Blender (open source)</a:t>
-            </a:r>
-          </a:p>
-          <a:p>
-            <a:pPr lvl="2"/>
-            <a:r>
-              <a:rPr lang="en-US" dirty="0" err="1" smtClean="0"/>
-              <a:t>Autocad</a:t>
-            </a:r>
-            <a:r>
-              <a:rPr lang="en-US" dirty="0" smtClean="0"/>
-              <a:t> 123D Design</a:t>
-            </a:r>
+              <a:t>Ceramic</a:t>
+            </a:r>
+            <a:endParaRPr lang="en-US" dirty="0"/>
           </a:p>
         </p:txBody>
       </p:sp>
     </p:spTree>
     <p:extLst>
       <p:ext uri="{BB962C8B-B14F-4D97-AF65-F5344CB8AC3E}">
-        <p14:creationId xmlns:p14="http://schemas.microsoft.com/office/powerpoint/2010/main" val="1551500598"/>
+        <p14:creationId xmlns:p14="http://schemas.microsoft.com/office/powerpoint/2010/main" val="3618842773"/>
       </p:ext>
     </p:extLst>
   </p:cSld>
@@ -4314,7 +4238,7 @@
           <a:p>
             <a:r>
               <a:rPr lang="en-US" dirty="0" smtClean="0"/>
-              <a:t>How to Print?</a:t>
+              <a:t>What to Print?</a:t>
             </a:r>
             <a:endParaRPr lang="en-US" dirty="0"/>
           </a:p>
@@ -4332,8 +4256,8 @@
         </p:nvSpPr>
         <p:spPr>
           <a:xfrm>
-            <a:off x="437909" y="914400"/>
-            <a:ext cx="8229600" cy="1219200"/>
+            <a:off x="457200" y="1219200"/>
+            <a:ext cx="8229600" cy="4525963"/>
           </a:xfrm>
         </p:spPr>
         <p:txBody>
@@ -4344,11 +4268,31 @@
           <a:p>
             <a:r>
               <a:rPr lang="en-US" dirty="0" smtClean="0"/>
-              <a:t>3D printers use </a:t>
+              <a:t>You need a 3D model (.</a:t>
             </a:r>
             <a:r>
               <a:rPr lang="en-US" dirty="0" err="1" smtClean="0"/>
-              <a:t>GCode</a:t>
+              <a:t>stl</a:t>
+            </a:r>
+            <a:r>
+              <a:rPr lang="en-US" dirty="0" smtClean="0"/>
+              <a:t> file)</a:t>
+            </a:r>
+          </a:p>
+          <a:p>
+            <a:pPr lvl="1"/>
+            <a:r>
+              <a:rPr lang="en-US" dirty="0" smtClean="0"/>
+              <a:t>Use an existing model </a:t>
+            </a:r>
+          </a:p>
+          <a:p>
+            <a:pPr lvl="2"/>
+            <a:r>
+              <a:rPr lang="en-US" dirty="0" smtClean="0">
+                <a:hlinkClick r:id="rId2"/>
+              </a:rPr>
+              <a:t>www.thingiverse.com</a:t>
             </a:r>
             <a:endParaRPr lang="en-US" dirty="0" smtClean="0"/>
           </a:p>
@@ -4356,137 +4300,62 @@
             <a:pPr lvl="1"/>
             <a:r>
               <a:rPr lang="en-US" dirty="0" smtClean="0"/>
-              <a:t>Set of instructions (movement, speed, temp, </a:t>
-            </a:r>
+              <a:t>Make your own model</a:t>
+            </a:r>
+          </a:p>
+          <a:p>
+            <a:pPr lvl="2"/>
             <a:r>
               <a:rPr lang="en-US" dirty="0" err="1" smtClean="0"/>
-              <a:t>etc</a:t>
-            </a:r>
-            <a:r>
-              <a:rPr lang="en-US" dirty="0" smtClean="0"/>
-              <a:t>)</a:t>
-            </a:r>
-          </a:p>
-        </p:txBody>
-      </p:sp>
-      <p:sp>
-        <p:nvSpPr>
-          <p:cNvPr id="4" name="TextBox 3"/>
-          <p:cNvSpPr txBox="1"/>
-          <p:nvPr/>
-        </p:nvSpPr>
-        <p:spPr>
-          <a:xfrm>
-            <a:off x="514109" y="2057400"/>
-            <a:ext cx="8153400" cy="3693319"/>
-          </a:xfrm>
-          <a:prstGeom prst="rect">
-            <a:avLst/>
-          </a:prstGeom>
-          <a:noFill/>
-        </p:spPr>
-        <p:txBody>
-          <a:bodyPr wrap="square" rtlCol="0">
-            <a:spAutoFit/>
-          </a:bodyPr>
-          <a:lstStyle/>
-          <a:p>
-            <a:r>
-              <a:rPr lang="en-US" dirty="0" smtClean="0"/>
-              <a:t>(**** </a:t>
-            </a:r>
+              <a:t>Tinkercad</a:t>
+            </a:r>
+            <a:r>
+              <a:rPr lang="en-US" dirty="0" smtClean="0"/>
+              <a:t> (web based </a:t>
+            </a:r>
+            <a:r>
+              <a:rPr lang="en-US" dirty="0" smtClean="0">
+                <a:hlinkClick r:id="rId3"/>
+              </a:rPr>
+              <a:t>www.tinkercad.com</a:t>
+            </a:r>
+            <a:r>
+              <a:rPr lang="en-US" dirty="0" smtClean="0"/>
+              <a:t> )</a:t>
+            </a:r>
+          </a:p>
+          <a:p>
+            <a:pPr lvl="2"/>
             <a:r>
               <a:rPr lang="en-US" dirty="0" err="1" smtClean="0"/>
-              <a:t>start.gcode</a:t>
-            </a:r>
-            <a:r>
-              <a:rPr lang="en-US" dirty="0" smtClean="0"/>
-              <a:t> for The Replicator, dual head ****)</a:t>
-            </a:r>
-          </a:p>
-          <a:p>
-            <a:r>
-              <a:rPr lang="en-US" dirty="0" smtClean="0"/>
-              <a:t>M103 (disable RPM)</a:t>
-            </a:r>
-          </a:p>
-          <a:p>
-            <a:r>
-              <a:rPr lang="en-US" dirty="0" smtClean="0"/>
-              <a:t>M73 P0 (enable build progress)</a:t>
-            </a:r>
-          </a:p>
-          <a:p>
-            <a:r>
-              <a:rPr lang="en-US" dirty="0" smtClean="0"/>
-              <a:t>G21 (set units to mm)</a:t>
-            </a:r>
-          </a:p>
-          <a:p>
-            <a:r>
-              <a:rPr lang="en-US" dirty="0" smtClean="0"/>
-              <a:t>G90 (set positioning to absolute)</a:t>
-            </a:r>
-          </a:p>
-          <a:p>
-            <a:r>
-              <a:rPr lang="en-US" dirty="0" smtClean="0"/>
-              <a:t>M109 S065 T0 (set HBP temperature)</a:t>
-            </a:r>
-          </a:p>
-          <a:p>
-            <a:r>
-              <a:rPr lang="en-US" dirty="0" smtClean="0"/>
-              <a:t>M104 S220 T0 (set extruder temperature) (temp updated by </a:t>
-            </a:r>
+              <a:t>Meshmixer</a:t>
+            </a:r>
+            <a:endParaRPr lang="en-US" dirty="0" smtClean="0"/>
+          </a:p>
+          <a:p>
+            <a:pPr lvl="2"/>
+            <a:r>
+              <a:rPr lang="en-US" dirty="0" smtClean="0"/>
+              <a:t>Blender (open source)</a:t>
+            </a:r>
+          </a:p>
+          <a:p>
+            <a:pPr lvl="2"/>
             <a:r>
               <a:rPr lang="en-US" dirty="0" err="1" smtClean="0"/>
-              <a:t>printOMatic</a:t>
-            </a:r>
-            <a:r>
-              <a:rPr lang="en-US" dirty="0" smtClean="0"/>
-              <a:t>)</a:t>
-            </a:r>
-          </a:p>
-          <a:p>
-            <a:r>
-              <a:rPr lang="en-US" dirty="0" smtClean="0"/>
-              <a:t>…</a:t>
-            </a:r>
-          </a:p>
-          <a:p>
-            <a:r>
-              <a:rPr lang="en-US" dirty="0" smtClean="0"/>
-              <a:t>G1 X-29.91 Y-29.91 Z0.1 F1080.0 E1.0</a:t>
-            </a:r>
-          </a:p>
-          <a:p>
-            <a:r>
-              <a:rPr lang="en-US" dirty="0" smtClean="0"/>
-              <a:t>G1 X-23.5 Y-35.17 Z0.1 F1080.0 E1.3</a:t>
-            </a:r>
-          </a:p>
-          <a:p>
-            <a:r>
-              <a:rPr lang="en-US" dirty="0" smtClean="0"/>
-              <a:t>G1 X-16.19 Y-39.08 Z0.1 F1080.0 E1.6</a:t>
-            </a:r>
-          </a:p>
-          <a:p>
-            <a:r>
-              <a:rPr lang="en-US" dirty="0" smtClean="0"/>
-              <a:t>G1 X-8.25 Y-41.49 Z0.1 F1080.0 E1.9</a:t>
-            </a:r>
-          </a:p>
-          <a:p>
-            <a:endParaRPr lang="en-US" dirty="0"/>
+              <a:t>Autocad</a:t>
+            </a:r>
+            <a:r>
+              <a:rPr lang="en-US" dirty="0" smtClean="0"/>
+              <a:t> 123D Design</a:t>
+            </a:r>
           </a:p>
         </p:txBody>
       </p:sp>
     </p:spTree>
     <p:extLst>
       <p:ext uri="{BB962C8B-B14F-4D97-AF65-F5344CB8AC3E}">
-        <p14:creationId xmlns:p14="http://schemas.microsoft.com/office/powerpoint/2010/main" val="2291998744"/>
+        <p14:creationId xmlns:p14="http://schemas.microsoft.com/office/powerpoint/2010/main" val="1551500598"/>
       </p:ext>
     </p:extLst>
   </p:cSld>
@@ -4655,7 +4524,7 @@
           <a:p>
             <a:r>
               <a:rPr lang="en-US" dirty="0" smtClean="0"/>
-              <a:t>Slicers</a:t>
+              <a:t>How to Print?</a:t>
             </a:r>
             <a:endParaRPr lang="en-US" dirty="0"/>
           </a:p>
@@ -4674,7 +4543,7 @@
         <p:spPr>
           <a:xfrm>
             <a:off x="437909" y="914400"/>
-            <a:ext cx="8229600" cy="4267200"/>
+            <a:ext cx="8229600" cy="1219200"/>
           </a:xfrm>
         </p:spPr>
         <p:txBody>
@@ -4685,7 +4554,7 @@
           <a:p>
             <a:r>
               <a:rPr lang="en-US" dirty="0" smtClean="0"/>
-              <a:t>Convert Models to </a:t>
+              <a:t>3D printers use </a:t>
             </a:r>
             <a:r>
               <a:rPr lang="en-US" dirty="0" err="1" smtClean="0"/>
@@ -4696,50 +4565,93 @@
           <a:p>
             <a:pPr lvl="1"/>
             <a:r>
+              <a:rPr lang="en-US" dirty="0" smtClean="0"/>
+              <a:t>Set of instructions (movement, speed, temp, </a:t>
+            </a:r>
+            <a:r>
               <a:rPr lang="en-US" dirty="0" err="1" smtClean="0"/>
-              <a:t>Skeinforge</a:t>
-            </a:r>
-            <a:r>
-              <a:rPr lang="en-US" dirty="0" smtClean="0"/>
-              <a:t> used in </a:t>
+              <a:t>etc</a:t>
+            </a:r>
+            <a:r>
+              <a:rPr lang="en-US" dirty="0" smtClean="0"/>
+              <a:t>)</a:t>
+            </a:r>
+          </a:p>
+        </p:txBody>
+      </p:sp>
+      <p:sp>
+        <p:nvSpPr>
+          <p:cNvPr id="4" name="TextBox 3"/>
+          <p:cNvSpPr txBox="1"/>
+          <p:nvPr/>
+        </p:nvSpPr>
+        <p:spPr>
+          <a:xfrm>
+            <a:off x="514109" y="2057400"/>
+            <a:ext cx="8153400" cy="3693319"/>
+          </a:xfrm>
+          <a:prstGeom prst="rect">
+            <a:avLst/>
+          </a:prstGeom>
+          <a:noFill/>
+        </p:spPr>
+        <p:txBody>
+          <a:bodyPr wrap="square" rtlCol="0">
+            <a:spAutoFit/>
+          </a:bodyPr>
+          <a:lstStyle/>
+          <a:p>
+            <a:r>
+              <a:rPr lang="en-US" dirty="0" smtClean="0"/>
+              <a:t>(**** </a:t>
             </a:r>
             <a:r>
               <a:rPr lang="en-US" dirty="0" err="1" smtClean="0"/>
-              <a:t>ReplicatorG</a:t>
-            </a:r>
-            <a:r>
-              <a:rPr lang="en-US" dirty="0" smtClean="0"/>
-              <a:t> (oldie but a goodie)</a:t>
-            </a:r>
-          </a:p>
-          <a:p>
-            <a:pPr lvl="1"/>
-            <a:r>
-              <a:rPr lang="en-US" dirty="0" smtClean="0"/>
-              <a:t>Slic3r </a:t>
-            </a:r>
-          </a:p>
-          <a:p>
-            <a:pPr lvl="1"/>
+              <a:t>start.gcode</a:t>
+            </a:r>
+            <a:r>
+              <a:rPr lang="en-US" dirty="0" smtClean="0"/>
+              <a:t> for The Replicator, dual head ****)</a:t>
+            </a:r>
+          </a:p>
+          <a:p>
+            <a:r>
+              <a:rPr lang="en-US" dirty="0" smtClean="0"/>
+              <a:t>M103 (disable RPM)</a:t>
+            </a:r>
+          </a:p>
+          <a:p>
+            <a:r>
+              <a:rPr lang="en-US" dirty="0" smtClean="0"/>
+              <a:t>M73 P0 (enable build progress)</a:t>
+            </a:r>
+          </a:p>
+          <a:p>
+            <a:r>
+              <a:rPr lang="en-US" dirty="0" smtClean="0"/>
+              <a:t>G21 (set units to mm)</a:t>
+            </a:r>
+          </a:p>
+          <a:p>
+            <a:r>
+              <a:rPr lang="en-US" dirty="0" smtClean="0"/>
+              <a:t>G90 (set positioning to absolute)</a:t>
+            </a:r>
+          </a:p>
+          <a:p>
+            <a:r>
+              <a:rPr lang="en-US" dirty="0" smtClean="0"/>
+              <a:t>M109 S065 T0 (set HBP temperature)</a:t>
+            </a:r>
+          </a:p>
+          <a:p>
+            <a:r>
+              <a:rPr lang="en-US" dirty="0" smtClean="0"/>
+              <a:t>M104 S220 T0 (set extruder temperature) (temp updated by </a:t>
+            </a:r>
             <a:r>
               <a:rPr lang="en-US" dirty="0" err="1" smtClean="0"/>
-              <a:t>KISSlicer</a:t>
-            </a:r>
-            <a:endParaRPr lang="en-US" dirty="0" smtClean="0"/>
-          </a:p>
-          <a:p>
-            <a:pPr lvl="1"/>
-            <a:r>
-              <a:rPr lang="en-US" dirty="0" err="1" smtClean="0"/>
-              <a:t>Makerware</a:t>
-            </a:r>
-            <a:r>
-              <a:rPr lang="en-US" dirty="0" smtClean="0"/>
-              <a:t> (</a:t>
-            </a:r>
-            <a:r>
-              <a:rPr lang="en-US" dirty="0" err="1" smtClean="0"/>
-              <a:t>Makerbot</a:t>
+              <a:t>printOMatic</a:t>
             </a:r>
             <a:r>
               <a:rPr lang="en-US" dirty="0" smtClean="0"/>
@@ -4747,18 +4659,44 @@
             </a:r>
           </a:p>
           <a:p>
-            <a:pPr lvl="1"/>
-            <a:r>
-              <a:rPr lang="en-US" dirty="0" smtClean="0"/>
-              <a:t>Simplify3D ($$$)</a:t>
-            </a:r>
+            <a:r>
+              <a:rPr lang="en-US" dirty="0" smtClean="0"/>
+              <a:t>…</a:t>
+            </a:r>
+          </a:p>
+          <a:p>
+            <a:r>
+              <a:rPr lang="en-US" dirty="0" smtClean="0"/>
+              <a:t>G1 X-29.91 Y-29.91 Z0.1 F1080.0 E1.0</a:t>
+            </a:r>
+          </a:p>
+          <a:p>
+            <a:r>
+              <a:rPr lang="en-US" dirty="0" smtClean="0"/>
+              <a:t>G1 X-23.5 Y-35.17 Z0.1 F1080.0 E1.3</a:t>
+            </a:r>
+          </a:p>
+          <a:p>
+            <a:r>
+              <a:rPr lang="en-US" dirty="0" smtClean="0"/>
+              <a:t>G1 X-16.19 Y-39.08 Z0.1 F1080.0 E1.6</a:t>
+            </a:r>
+          </a:p>
+          <a:p>
+            <a:r>
+              <a:rPr lang="en-US" dirty="0" smtClean="0"/>
+              <a:t>G1 X-8.25 Y-41.49 Z0.1 F1080.0 E1.9</a:t>
+            </a:r>
+          </a:p>
+          <a:p>
+            <a:endParaRPr lang="en-US" dirty="0"/>
           </a:p>
         </p:txBody>
       </p:sp>
     </p:spTree>
     <p:extLst>
       <p:ext uri="{BB962C8B-B14F-4D97-AF65-F5344CB8AC3E}">
-        <p14:creationId xmlns:p14="http://schemas.microsoft.com/office/powerpoint/2010/main" val="1490415496"/>
+        <p14:creationId xmlns:p14="http://schemas.microsoft.com/office/powerpoint/2010/main" val="2291998744"/>
       </p:ext>
     </p:extLst>
   </p:cSld>
@@ -4814,7 +4752,7 @@
           <a:p>
             <a:r>
               <a:rPr lang="en-US" dirty="0" smtClean="0"/>
-              <a:t>Terminology / Settings</a:t>
+              <a:t>Slicers</a:t>
             </a:r>
             <a:endParaRPr lang="en-US" dirty="0"/>
           </a:p>
@@ -4832,8 +4770,8 @@
         </p:nvSpPr>
         <p:spPr>
           <a:xfrm>
-            <a:off x="228600" y="914400"/>
-            <a:ext cx="8839200" cy="4267200"/>
+            <a:off x="437909" y="914400"/>
+            <a:ext cx="8229600" cy="4267200"/>
           </a:xfrm>
         </p:spPr>
         <p:txBody>
@@ -4844,56 +4782,80 @@
           <a:p>
             <a:r>
               <a:rPr lang="en-US" dirty="0" smtClean="0"/>
-              <a:t>Layer Height - 0.1, 0.2, 0.3 mm (fine, med, coarse)</a:t>
-            </a:r>
-          </a:p>
-          <a:p>
-            <a:r>
-              <a:rPr lang="en-US" dirty="0" smtClean="0"/>
-              <a:t>Shells - 1,2,…? (2 is common, 4 or more extreme)</a:t>
-            </a:r>
-          </a:p>
-          <a:p>
-            <a:r>
-              <a:rPr lang="en-US" dirty="0" smtClean="0"/>
-              <a:t>Infill -10% - 100% </a:t>
-            </a:r>
-            <a:r>
-              <a:rPr lang="en-US" dirty="0" smtClean="0"/>
-              <a:t>(10% - 20</a:t>
-            </a:r>
-            <a:r>
-              <a:rPr lang="en-US" dirty="0" smtClean="0"/>
-              <a:t>% is common)</a:t>
-            </a:r>
-          </a:p>
-          <a:p>
-            <a:r>
-              <a:rPr lang="en-US" dirty="0" smtClean="0"/>
-              <a:t>Support</a:t>
-            </a:r>
-          </a:p>
-          <a:p>
-            <a:r>
-              <a:rPr lang="en-US" dirty="0" smtClean="0"/>
-              <a:t>Skirt (brim)</a:t>
-            </a:r>
-          </a:p>
-          <a:p>
-            <a:r>
-              <a:rPr lang="en-US" dirty="0" smtClean="0"/>
-              <a:t>Raft</a:t>
-            </a:r>
-          </a:p>
-          <a:p>
+              <a:t>Convert Models to </a:t>
+            </a:r>
+            <a:r>
+              <a:rPr lang="en-US" dirty="0" err="1" smtClean="0"/>
+              <a:t>GCode</a:t>
+            </a:r>
             <a:endParaRPr lang="en-US" dirty="0" smtClean="0"/>
+          </a:p>
+          <a:p>
+            <a:pPr lvl="1"/>
+            <a:r>
+              <a:rPr lang="en-US" dirty="0" err="1" smtClean="0"/>
+              <a:t>Skeinforge</a:t>
+            </a:r>
+            <a:r>
+              <a:rPr lang="en-US" dirty="0" smtClean="0"/>
+              <a:t> used in </a:t>
+            </a:r>
+            <a:r>
+              <a:rPr lang="en-US" dirty="0" err="1" smtClean="0"/>
+              <a:t>ReplicatorG</a:t>
+            </a:r>
+            <a:r>
+              <a:rPr lang="en-US" dirty="0" smtClean="0"/>
+              <a:t> (oldie but a goodie)</a:t>
+            </a:r>
+          </a:p>
+          <a:p>
+            <a:pPr lvl="1"/>
+            <a:r>
+              <a:rPr lang="en-US" dirty="0" smtClean="0"/>
+              <a:t>Slic3r </a:t>
+            </a:r>
+          </a:p>
+          <a:p>
+            <a:pPr lvl="1"/>
+            <a:r>
+              <a:rPr lang="en-US" dirty="0" err="1" smtClean="0"/>
+              <a:t>KISSlicer</a:t>
+            </a:r>
+            <a:endParaRPr lang="en-US" dirty="0" smtClean="0"/>
+          </a:p>
+          <a:p>
+            <a:pPr lvl="1"/>
+            <a:r>
+              <a:rPr lang="en-US" dirty="0" err="1" smtClean="0"/>
+              <a:t>Makerware</a:t>
+            </a:r>
+            <a:r>
+              <a:rPr lang="en-US" dirty="0" smtClean="0"/>
+              <a:t> (</a:t>
+            </a:r>
+            <a:r>
+              <a:rPr lang="en-US" dirty="0" err="1" smtClean="0"/>
+              <a:t>Makerbot</a:t>
+            </a:r>
+            <a:r>
+              <a:rPr lang="en-US" dirty="0" smtClean="0"/>
+              <a:t>)</a:t>
+            </a:r>
+          </a:p>
+          <a:p>
+            <a:pPr lvl="1"/>
+            <a:r>
+              <a:rPr lang="en-US" dirty="0" smtClean="0"/>
+              <a:t>Simplify3D ($$$)</a:t>
+            </a:r>
           </a:p>
         </p:txBody>
       </p:sp>
     </p:spTree>
     <p:extLst>
       <p:ext uri="{BB962C8B-B14F-4D97-AF65-F5344CB8AC3E}">
-        <p14:creationId xmlns:p14="http://schemas.microsoft.com/office/powerpoint/2010/main" val="40754143"/>
+        <p14:creationId xmlns:p14="http://schemas.microsoft.com/office/powerpoint/2010/main" val="1490415496"/>
       </p:ext>
     </p:extLst>
   </p:cSld>
@@ -4949,7 +4911,7 @@
           <a:p>
             <a:r>
               <a:rPr lang="en-US" dirty="0" smtClean="0"/>
-              <a:t>Infill</a:t>
+              <a:t>Terminology / Settings</a:t>
             </a:r>
             <a:endParaRPr lang="en-US" dirty="0"/>
           </a:p>
@@ -4957,127 +4919,70 @@
       </p:sp>
       <p:sp>
         <p:nvSpPr>
-          <p:cNvPr id="11" name="TextBox 10"/>
-          <p:cNvSpPr txBox="1"/>
-          <p:nvPr/>
-        </p:nvSpPr>
-        <p:spPr>
-          <a:xfrm>
-            <a:off x="1905000" y="4803523"/>
-            <a:ext cx="1028700" cy="523220"/>
-          </a:xfrm>
-          <a:prstGeom prst="rect">
-            <a:avLst/>
-          </a:prstGeom>
-          <a:noFill/>
-        </p:spPr>
-        <p:txBody>
-          <a:bodyPr wrap="square" rtlCol="0">
-            <a:spAutoFit/>
+          <p:cNvPr id="3" name="Content Placeholder 2"/>
+          <p:cNvSpPr>
+            <a:spLocks noGrp="1"/>
+          </p:cNvSpPr>
+          <p:nvPr>
+            <p:ph idx="1"/>
+          </p:nvPr>
+        </p:nvSpPr>
+        <p:spPr>
+          <a:xfrm>
+            <a:off x="228600" y="914400"/>
+            <a:ext cx="8839200" cy="4267200"/>
+          </a:xfrm>
+        </p:spPr>
+        <p:txBody>
+          <a:bodyPr>
+            <a:normAutofit/>
           </a:bodyPr>
           <a:lstStyle/>
           <a:p>
             <a:r>
-              <a:rPr lang="en-US" sz="2800" dirty="0" smtClean="0"/>
-              <a:t>10%</a:t>
-            </a:r>
-            <a:endParaRPr lang="en-US" sz="2800" dirty="0"/>
-          </a:p>
-        </p:txBody>
-      </p:sp>
-      <p:sp>
-        <p:nvSpPr>
-          <p:cNvPr id="13" name="TextBox 12"/>
-          <p:cNvSpPr txBox="1"/>
-          <p:nvPr/>
-        </p:nvSpPr>
-        <p:spPr>
-          <a:xfrm>
-            <a:off x="6066064" y="4817332"/>
-            <a:ext cx="1447800" cy="523220"/>
-          </a:xfrm>
-          <a:prstGeom prst="rect">
-            <a:avLst/>
-          </a:prstGeom>
-          <a:noFill/>
-        </p:spPr>
-        <p:txBody>
-          <a:bodyPr wrap="square" rtlCol="0">
-            <a:spAutoFit/>
-          </a:bodyPr>
-          <a:lstStyle/>
-          <a:p>
-            <a:r>
-              <a:rPr lang="en-US" sz="2800" dirty="0" smtClean="0"/>
-              <a:t>40%</a:t>
-            </a:r>
-          </a:p>
-        </p:txBody>
-      </p:sp>
-      <p:pic>
-        <p:nvPicPr>
-          <p:cNvPr id="14" name="Picture 13"/>
-          <p:cNvPicPr>
-            <a:picLocks noChangeAspect="1"/>
-          </p:cNvPicPr>
-          <p:nvPr/>
-        </p:nvPicPr>
-        <p:blipFill>
-          <a:blip r:embed="rId2">
-            <a:extLst>
-              <a:ext uri="{28A0092B-C50C-407E-A947-70E740481C1C}">
-                <a14:useLocalDpi xmlns:a14="http://schemas.microsoft.com/office/drawing/2010/main" val="0"/>
-              </a:ext>
-            </a:extLst>
-          </a:blip>
-          <a:stretch>
-            <a:fillRect/>
-          </a:stretch>
-        </p:blipFill>
-        <p:spPr>
-          <a:xfrm>
-            <a:off x="457200" y="1143000"/>
-            <a:ext cx="4152900" cy="3451521"/>
-          </a:xfrm>
-          <a:prstGeom prst="rect">
-            <a:avLst/>
-          </a:prstGeom>
-        </p:spPr>
-      </p:pic>
-      <p:pic>
-        <p:nvPicPr>
-          <p:cNvPr id="15" name="Picture 14"/>
-          <p:cNvPicPr>
-            <a:picLocks noChangeAspect="1"/>
-          </p:cNvPicPr>
-          <p:nvPr/>
-        </p:nvPicPr>
-        <p:blipFill>
-          <a:blip r:embed="rId3">
-            <a:extLst>
-              <a:ext uri="{28A0092B-C50C-407E-A947-70E740481C1C}">
-                <a14:useLocalDpi xmlns:a14="http://schemas.microsoft.com/office/drawing/2010/main" val="0"/>
-              </a:ext>
-            </a:extLst>
-          </a:blip>
-          <a:stretch>
-            <a:fillRect/>
-          </a:stretch>
-        </p:blipFill>
-        <p:spPr>
-          <a:xfrm>
-            <a:off x="4800600" y="1143000"/>
-            <a:ext cx="3978729" cy="3470468"/>
-          </a:xfrm>
-          <a:prstGeom prst="rect">
-            <a:avLst/>
-          </a:prstGeom>
-        </p:spPr>
-      </p:pic>
+              <a:rPr lang="en-US" dirty="0" smtClean="0"/>
+              <a:t>Layer Height - 0.1, 0.2, 0.3 mm (fine, med, coarse)</a:t>
+            </a:r>
+          </a:p>
+          <a:p>
+            <a:r>
+              <a:rPr lang="en-US" dirty="0" smtClean="0"/>
+              <a:t>Shells - 1,2,…? (2 is common, 4 or more extreme)</a:t>
+            </a:r>
+          </a:p>
+          <a:p>
+            <a:r>
+              <a:rPr lang="en-US" dirty="0" smtClean="0"/>
+              <a:t>Infill -10% - 100% (10% - 20% is common)</a:t>
+            </a:r>
+          </a:p>
+          <a:p>
+            <a:r>
+              <a:rPr lang="en-US" dirty="0" smtClean="0"/>
+              <a:t>Support</a:t>
+            </a:r>
+          </a:p>
+          <a:p>
+            <a:r>
+              <a:rPr lang="en-US" dirty="0" smtClean="0"/>
+              <a:t>Skirt (brim)</a:t>
+            </a:r>
+          </a:p>
+          <a:p>
+            <a:r>
+              <a:rPr lang="en-US" dirty="0" smtClean="0"/>
+              <a:t>Raft</a:t>
+            </a:r>
+          </a:p>
+          <a:p>
+            <a:endParaRPr lang="en-US" dirty="0" smtClean="0"/>
+          </a:p>
+        </p:txBody>
+      </p:sp>
     </p:spTree>
     <p:extLst>
       <p:ext uri="{BB962C8B-B14F-4D97-AF65-F5344CB8AC3E}">
-        <p14:creationId xmlns:p14="http://schemas.microsoft.com/office/powerpoint/2010/main" val="3078402184"/>
+        <p14:creationId xmlns:p14="http://schemas.microsoft.com/office/powerpoint/2010/main" val="40754143"/>
       </p:ext>
     </p:extLst>
   </p:cSld>
@@ -5133,7 +5038,7 @@
           <a:p>
             <a:r>
               <a:rPr lang="en-US" dirty="0" smtClean="0"/>
-              <a:t>Support</a:t>
+              <a:t>Infill</a:t>
             </a:r>
             <a:endParaRPr lang="en-US" dirty="0"/>
           </a:p>
@@ -5141,52 +5046,87 @@
       </p:sp>
       <p:sp>
         <p:nvSpPr>
-          <p:cNvPr id="3" name="Content Placeholder 2"/>
-          <p:cNvSpPr>
-            <a:spLocks noGrp="1"/>
-          </p:cNvSpPr>
-          <p:nvPr>
-            <p:ph idx="1"/>
-          </p:nvPr>
-        </p:nvSpPr>
-        <p:spPr>
-          <a:xfrm>
-            <a:off x="228600" y="914400"/>
-            <a:ext cx="8839200" cy="4267200"/>
-          </a:xfrm>
-        </p:spPr>
-        <p:txBody>
-          <a:bodyPr>
-            <a:normAutofit/>
+          <p:cNvPr id="11" name="TextBox 10"/>
+          <p:cNvSpPr txBox="1"/>
+          <p:nvPr/>
+        </p:nvSpPr>
+        <p:spPr>
+          <a:xfrm>
+            <a:off x="1905000" y="4803523"/>
+            <a:ext cx="1028700" cy="523220"/>
+          </a:xfrm>
+          <a:prstGeom prst="rect">
+            <a:avLst/>
+          </a:prstGeom>
+          <a:noFill/>
+        </p:spPr>
+        <p:txBody>
+          <a:bodyPr wrap="square" rtlCol="0">
+            <a:spAutoFit/>
           </a:bodyPr>
           <a:lstStyle/>
           <a:p>
             <a:r>
-              <a:rPr lang="en-US" dirty="0" smtClean="0"/>
-              <a:t>Overhangs</a:t>
-            </a:r>
-          </a:p>
-          <a:p>
-            <a:endParaRPr lang="en-US" dirty="0" smtClean="0"/>
+              <a:rPr lang="en-US" sz="2800" dirty="0" smtClean="0"/>
+              <a:t>10%</a:t>
+            </a:r>
+            <a:endParaRPr lang="en-US" sz="2800" dirty="0"/>
+          </a:p>
+        </p:txBody>
+      </p:sp>
+      <p:sp>
+        <p:nvSpPr>
+          <p:cNvPr id="13" name="TextBox 12"/>
+          <p:cNvSpPr txBox="1"/>
+          <p:nvPr/>
+        </p:nvSpPr>
+        <p:spPr>
+          <a:xfrm>
+            <a:off x="6066064" y="4817332"/>
+            <a:ext cx="1447800" cy="523220"/>
+          </a:xfrm>
+          <a:prstGeom prst="rect">
+            <a:avLst/>
+          </a:prstGeom>
+          <a:noFill/>
+        </p:spPr>
+        <p:txBody>
+          <a:bodyPr wrap="square" rtlCol="0">
+            <a:spAutoFit/>
+          </a:bodyPr>
+          <a:lstStyle/>
+          <a:p>
+            <a:r>
+              <a:rPr lang="en-US" sz="2800" dirty="0" smtClean="0"/>
+              <a:t>40%</a:t>
+            </a:r>
           </a:p>
         </p:txBody>
       </p:sp>
       <p:pic>
         <p:nvPicPr>
-          <p:cNvPr id="4" name="Picture 3"/>
-          <p:cNvPicPr/>
+          <p:cNvPr id="14" name="Picture 13"/>
+          <p:cNvPicPr>
+            <a:picLocks noChangeAspect="1"/>
+          </p:cNvPicPr>
           <p:nvPr/>
         </p:nvPicPr>
         <p:blipFill>
-          <a:blip r:embed="rId2"/>
+          <a:blip r:embed="rId2">
+            <a:extLst>
+              <a:ext uri="{28A0092B-C50C-407E-A947-70E740481C1C}">
+                <a14:useLocalDpi xmlns:a14="http://schemas.microsoft.com/office/drawing/2010/main" val="0"/>
+              </a:ext>
+            </a:extLst>
+          </a:blip>
           <a:stretch>
             <a:fillRect/>
           </a:stretch>
         </p:blipFill>
         <p:spPr>
           <a:xfrm>
-            <a:off x="567644" y="1600200"/>
-            <a:ext cx="3318556" cy="3485079"/>
+            <a:off x="457200" y="1143000"/>
+            <a:ext cx="4152900" cy="3451521"/>
           </a:xfrm>
           <a:prstGeom prst="rect">
             <a:avLst/>
@@ -5195,20 +5135,28 @@
       </p:pic>
       <p:pic>
         <p:nvPicPr>
-          <p:cNvPr id="5" name="Picture 4"/>
-          <p:cNvPicPr/>
+          <p:cNvPr id="15" name="Picture 14"/>
+          <p:cNvPicPr>
+            <a:picLocks noChangeAspect="1"/>
+          </p:cNvPicPr>
           <p:nvPr/>
         </p:nvPicPr>
         <p:blipFill>
-          <a:blip r:embed="rId3"/>
+          <a:blip r:embed="rId3">
+            <a:extLst>
+              <a:ext uri="{28A0092B-C50C-407E-A947-70E740481C1C}">
+                <a14:useLocalDpi xmlns:a14="http://schemas.microsoft.com/office/drawing/2010/main" val="0"/>
+              </a:ext>
+            </a:extLst>
+          </a:blip>
           <a:stretch>
             <a:fillRect/>
           </a:stretch>
         </p:blipFill>
         <p:spPr>
           <a:xfrm>
-            <a:off x="4724400" y="1524000"/>
-            <a:ext cx="2971800" cy="3578047"/>
+            <a:off x="4800600" y="1143000"/>
+            <a:ext cx="3978729" cy="3470468"/>
           </a:xfrm>
           <a:prstGeom prst="rect">
             <a:avLst/>
@@ -5218,7 +5166,7 @@
     </p:spTree>
     <p:extLst>
       <p:ext uri="{BB962C8B-B14F-4D97-AF65-F5344CB8AC3E}">
-        <p14:creationId xmlns:p14="http://schemas.microsoft.com/office/powerpoint/2010/main" val="2809639533"/>
+        <p14:creationId xmlns:p14="http://schemas.microsoft.com/office/powerpoint/2010/main" val="3078402184"/>
       </p:ext>
     </p:extLst>
   </p:cSld>
@@ -5274,7 +5222,7 @@
           <a:p>
             <a:r>
               <a:rPr lang="en-US" dirty="0" smtClean="0"/>
-              <a:t>Skirt / Brim</a:t>
+              <a:t>Support</a:t>
             </a:r>
             <a:endParaRPr lang="en-US" dirty="0"/>
           </a:p>
@@ -5282,88 +5230,52 @@
       </p:sp>
       <p:sp>
         <p:nvSpPr>
-          <p:cNvPr id="11" name="TextBox 10"/>
-          <p:cNvSpPr txBox="1"/>
-          <p:nvPr/>
-        </p:nvSpPr>
-        <p:spPr>
-          <a:xfrm>
-            <a:off x="1897743" y="5094162"/>
-            <a:ext cx="1028700" cy="523220"/>
-          </a:xfrm>
-          <a:prstGeom prst="rect">
-            <a:avLst/>
-          </a:prstGeom>
-          <a:noFill/>
-        </p:spPr>
-        <p:txBody>
-          <a:bodyPr wrap="square" rtlCol="0">
-            <a:spAutoFit/>
+          <p:cNvPr id="3" name="Content Placeholder 2"/>
+          <p:cNvSpPr>
+            <a:spLocks noGrp="1"/>
+          </p:cNvSpPr>
+          <p:nvPr>
+            <p:ph idx="1"/>
+          </p:nvPr>
+        </p:nvSpPr>
+        <p:spPr>
+          <a:xfrm>
+            <a:off x="228600" y="914400"/>
+            <a:ext cx="8839200" cy="4267200"/>
+          </a:xfrm>
+        </p:spPr>
+        <p:txBody>
+          <a:bodyPr>
+            <a:normAutofit/>
           </a:bodyPr>
           <a:lstStyle/>
           <a:p>
             <a:r>
-              <a:rPr lang="en-US" sz="2800" dirty="0" smtClean="0"/>
-              <a:t>Top</a:t>
-            </a:r>
-            <a:endParaRPr lang="en-US" sz="2800" dirty="0"/>
-          </a:p>
-        </p:txBody>
-      </p:sp>
-      <p:sp>
-        <p:nvSpPr>
-          <p:cNvPr id="13" name="TextBox 12"/>
-          <p:cNvSpPr txBox="1"/>
-          <p:nvPr/>
-        </p:nvSpPr>
-        <p:spPr>
-          <a:xfrm>
-            <a:off x="5687805" y="5094162"/>
-            <a:ext cx="1447800" cy="523220"/>
-          </a:xfrm>
-          <a:prstGeom prst="rect">
-            <a:avLst/>
-          </a:prstGeom>
-          <a:noFill/>
-        </p:spPr>
-        <p:txBody>
-          <a:bodyPr wrap="square" rtlCol="0">
-            <a:spAutoFit/>
-          </a:bodyPr>
-          <a:lstStyle/>
-          <a:p>
-            <a:r>
-              <a:rPr lang="en-US" sz="2800" dirty="0" smtClean="0"/>
-              <a:t>Bottom</a:t>
-            </a:r>
-            <a:endParaRPr lang="en-US" sz="2800" dirty="0"/>
+              <a:rPr lang="en-US" dirty="0" smtClean="0"/>
+              <a:t>Overhangs</a:t>
+            </a:r>
+          </a:p>
+          <a:p>
+            <a:endParaRPr lang="en-US" dirty="0" smtClean="0"/>
           </a:p>
         </p:txBody>
       </p:sp>
       <p:pic>
         <p:nvPicPr>
-          <p:cNvPr id="3" name="Picture 2"/>
-          <p:cNvPicPr>
-            <a:picLocks noChangeAspect="1"/>
-          </p:cNvPicPr>
+          <p:cNvPr id="4" name="Picture 3"/>
+          <p:cNvPicPr/>
           <p:nvPr/>
         </p:nvPicPr>
         <p:blipFill>
-          <a:blip r:embed="rId2">
-            <a:extLst>
-              <a:ext uri="{28A0092B-C50C-407E-A947-70E740481C1C}">
-                <a14:useLocalDpi xmlns:a14="http://schemas.microsoft.com/office/drawing/2010/main" val="0"/>
-              </a:ext>
-            </a:extLst>
-          </a:blip>
+          <a:blip r:embed="rId2"/>
           <a:stretch>
             <a:fillRect/>
           </a:stretch>
         </p:blipFill>
         <p:spPr>
           <a:xfrm>
-            <a:off x="21771" y="1219200"/>
-            <a:ext cx="4286250" cy="3604194"/>
+            <a:off x="567644" y="1600200"/>
+            <a:ext cx="3318556" cy="3485079"/>
           </a:xfrm>
           <a:prstGeom prst="rect">
             <a:avLst/>
@@ -5372,28 +5284,20 @@
       </p:pic>
       <p:pic>
         <p:nvPicPr>
-          <p:cNvPr id="4" name="Picture 3"/>
-          <p:cNvPicPr>
-            <a:picLocks noChangeAspect="1"/>
-          </p:cNvPicPr>
+          <p:cNvPr id="5" name="Picture 4"/>
+          <p:cNvPicPr/>
           <p:nvPr/>
         </p:nvPicPr>
         <p:blipFill>
-          <a:blip r:embed="rId3">
-            <a:extLst>
-              <a:ext uri="{28A0092B-C50C-407E-A947-70E740481C1C}">
-                <a14:useLocalDpi xmlns:a14="http://schemas.microsoft.com/office/drawing/2010/main" val="0"/>
-              </a:ext>
-            </a:extLst>
-          </a:blip>
+          <a:blip r:embed="rId3"/>
           <a:stretch>
             <a:fillRect/>
           </a:stretch>
         </p:blipFill>
         <p:spPr>
           <a:xfrm>
-            <a:off x="4495800" y="1219200"/>
-            <a:ext cx="4510352" cy="3719286"/>
+            <a:off x="4724400" y="1524000"/>
+            <a:ext cx="2971800" cy="3578047"/>
           </a:xfrm>
           <a:prstGeom prst="rect">
             <a:avLst/>
@@ -5403,7 +5307,7 @@
     </p:spTree>
     <p:extLst>
       <p:ext uri="{BB962C8B-B14F-4D97-AF65-F5344CB8AC3E}">
-        <p14:creationId xmlns:p14="http://schemas.microsoft.com/office/powerpoint/2010/main" val="81158189"/>
+        <p14:creationId xmlns:p14="http://schemas.microsoft.com/office/powerpoint/2010/main" val="2809639533"/>
       </p:ext>
     </p:extLst>
   </p:cSld>
@@ -5459,6 +5363,191 @@
           <a:p>
             <a:r>
               <a:rPr lang="en-US" dirty="0" smtClean="0"/>
+              <a:t>Skirt / Brim</a:t>
+            </a:r>
+            <a:endParaRPr lang="en-US" dirty="0"/>
+          </a:p>
+        </p:txBody>
+      </p:sp>
+      <p:sp>
+        <p:nvSpPr>
+          <p:cNvPr id="11" name="TextBox 10"/>
+          <p:cNvSpPr txBox="1"/>
+          <p:nvPr/>
+        </p:nvSpPr>
+        <p:spPr>
+          <a:xfrm>
+            <a:off x="1897743" y="5094162"/>
+            <a:ext cx="1028700" cy="523220"/>
+          </a:xfrm>
+          <a:prstGeom prst="rect">
+            <a:avLst/>
+          </a:prstGeom>
+          <a:noFill/>
+        </p:spPr>
+        <p:txBody>
+          <a:bodyPr wrap="square" rtlCol="0">
+            <a:spAutoFit/>
+          </a:bodyPr>
+          <a:lstStyle/>
+          <a:p>
+            <a:r>
+              <a:rPr lang="en-US" sz="2800" dirty="0" smtClean="0"/>
+              <a:t>Top</a:t>
+            </a:r>
+            <a:endParaRPr lang="en-US" sz="2800" dirty="0"/>
+          </a:p>
+        </p:txBody>
+      </p:sp>
+      <p:sp>
+        <p:nvSpPr>
+          <p:cNvPr id="13" name="TextBox 12"/>
+          <p:cNvSpPr txBox="1"/>
+          <p:nvPr/>
+        </p:nvSpPr>
+        <p:spPr>
+          <a:xfrm>
+            <a:off x="5687805" y="5094162"/>
+            <a:ext cx="1447800" cy="523220"/>
+          </a:xfrm>
+          <a:prstGeom prst="rect">
+            <a:avLst/>
+          </a:prstGeom>
+          <a:noFill/>
+        </p:spPr>
+        <p:txBody>
+          <a:bodyPr wrap="square" rtlCol="0">
+            <a:spAutoFit/>
+          </a:bodyPr>
+          <a:lstStyle/>
+          <a:p>
+            <a:r>
+              <a:rPr lang="en-US" sz="2800" dirty="0" smtClean="0"/>
+              <a:t>Bottom</a:t>
+            </a:r>
+            <a:endParaRPr lang="en-US" sz="2800" dirty="0"/>
+          </a:p>
+        </p:txBody>
+      </p:sp>
+      <p:pic>
+        <p:nvPicPr>
+          <p:cNvPr id="3" name="Picture 2"/>
+          <p:cNvPicPr>
+            <a:picLocks noChangeAspect="1"/>
+          </p:cNvPicPr>
+          <p:nvPr/>
+        </p:nvPicPr>
+        <p:blipFill>
+          <a:blip r:embed="rId2">
+            <a:extLst>
+              <a:ext uri="{28A0092B-C50C-407E-A947-70E740481C1C}">
+                <a14:useLocalDpi xmlns:a14="http://schemas.microsoft.com/office/drawing/2010/main" val="0"/>
+              </a:ext>
+            </a:extLst>
+          </a:blip>
+          <a:stretch>
+            <a:fillRect/>
+          </a:stretch>
+        </p:blipFill>
+        <p:spPr>
+          <a:xfrm>
+            <a:off x="21771" y="1219200"/>
+            <a:ext cx="4286250" cy="3604194"/>
+          </a:xfrm>
+          <a:prstGeom prst="rect">
+            <a:avLst/>
+          </a:prstGeom>
+        </p:spPr>
+      </p:pic>
+      <p:pic>
+        <p:nvPicPr>
+          <p:cNvPr id="4" name="Picture 3"/>
+          <p:cNvPicPr>
+            <a:picLocks noChangeAspect="1"/>
+          </p:cNvPicPr>
+          <p:nvPr/>
+        </p:nvPicPr>
+        <p:blipFill>
+          <a:blip r:embed="rId3">
+            <a:extLst>
+              <a:ext uri="{28A0092B-C50C-407E-A947-70E740481C1C}">
+                <a14:useLocalDpi xmlns:a14="http://schemas.microsoft.com/office/drawing/2010/main" val="0"/>
+              </a:ext>
+            </a:extLst>
+          </a:blip>
+          <a:stretch>
+            <a:fillRect/>
+          </a:stretch>
+        </p:blipFill>
+        <p:spPr>
+          <a:xfrm>
+            <a:off x="4495800" y="1219200"/>
+            <a:ext cx="4510352" cy="3719286"/>
+          </a:xfrm>
+          <a:prstGeom prst="rect">
+            <a:avLst/>
+          </a:prstGeom>
+        </p:spPr>
+      </p:pic>
+    </p:spTree>
+    <p:extLst>
+      <p:ext uri="{BB962C8B-B14F-4D97-AF65-F5344CB8AC3E}">
+        <p14:creationId xmlns:p14="http://schemas.microsoft.com/office/powerpoint/2010/main" val="81158189"/>
+      </p:ext>
+    </p:extLst>
+  </p:cSld>
+  <p:clrMapOvr>
+    <a:masterClrMapping/>
+  </p:clrMapOvr>
+  <p:timing>
+    <p:tnLst>
+      <p:par>
+        <p:cTn id="1" dur="indefinite" restart="never" nodeType="tmRoot"/>
+      </p:par>
+    </p:tnLst>
+  </p:timing>
+</p:sld>
+</file>
+
+<file path=ppt/slides/slide26.xml><?xml version="1.0" encoding="utf-8"?>
+<p:sld xmlns:a="http://schemas.openxmlformats.org/drawingml/2006/main" xmlns:r="http://schemas.openxmlformats.org/officeDocument/2006/relationships" xmlns:p="http://schemas.openxmlformats.org/presentationml/2006/main">
+  <p:cSld>
+    <p:spTree>
+      <p:nvGrpSpPr>
+        <p:cNvPr id="1" name=""/>
+        <p:cNvGrpSpPr/>
+        <p:nvPr/>
+      </p:nvGrpSpPr>
+      <p:grpSpPr>
+        <a:xfrm>
+          <a:off x="0" y="0"/>
+          <a:ext cx="0" cy="0"/>
+          <a:chOff x="0" y="0"/>
+          <a:chExt cx="0" cy="0"/>
+        </a:xfrm>
+      </p:grpSpPr>
+      <p:sp>
+        <p:nvSpPr>
+          <p:cNvPr id="2" name="Title 1"/>
+          <p:cNvSpPr>
+            <a:spLocks noGrp="1"/>
+          </p:cNvSpPr>
+          <p:nvPr>
+            <p:ph type="title"/>
+          </p:nvPr>
+        </p:nvSpPr>
+        <p:spPr>
+          <a:xfrm>
+            <a:off x="457200" y="0"/>
+            <a:ext cx="8229600" cy="1143000"/>
+          </a:xfrm>
+        </p:spPr>
+        <p:txBody>
+          <a:bodyPr/>
+          <a:lstStyle/>
+          <a:p>
+            <a:r>
+              <a:rPr lang="en-US" dirty="0" smtClean="0"/>
               <a:t>Raft</a:t>
             </a:r>
             <a:endParaRPr lang="en-US" dirty="0"/>
@@ -5605,7 +5694,7 @@
 </p:sld>
 </file>
 
-<file path=ppt/slides/slide26.xml><?xml version="1.0" encoding="utf-8"?>
+<file path=ppt/slides/slide27.xml><?xml version="1.0" encoding="utf-8"?>
 <p:sld xmlns:a="http://schemas.openxmlformats.org/drawingml/2006/main" xmlns:r="http://schemas.openxmlformats.org/officeDocument/2006/relationships" xmlns:p="http://schemas.openxmlformats.org/presentationml/2006/main">
   <p:cSld>
     <p:spTree>
@@ -6754,6 +6843,256 @@
 </p:sld>
 </file>
 
+<file path=ppt/slides/slide28.xml><?xml version="1.0" encoding="utf-8"?>
+<p:sld xmlns:a="http://schemas.openxmlformats.org/drawingml/2006/main" xmlns:r="http://schemas.openxmlformats.org/officeDocument/2006/relationships" xmlns:p="http://schemas.openxmlformats.org/presentationml/2006/main">
+  <p:cSld>
+    <p:spTree>
+      <p:nvGrpSpPr>
+        <p:cNvPr id="1" name=""/>
+        <p:cNvGrpSpPr/>
+        <p:nvPr/>
+      </p:nvGrpSpPr>
+      <p:grpSpPr>
+        <a:xfrm>
+          <a:off x="0" y="0"/>
+          <a:ext cx="0" cy="0"/>
+          <a:chOff x="0" y="0"/>
+          <a:chExt cx="0" cy="0"/>
+        </a:xfrm>
+      </p:grpSpPr>
+      <p:sp>
+        <p:nvSpPr>
+          <p:cNvPr id="2" name="Title 1"/>
+          <p:cNvSpPr>
+            <a:spLocks noGrp="1"/>
+          </p:cNvSpPr>
+          <p:nvPr>
+            <p:ph type="title"/>
+          </p:nvPr>
+        </p:nvSpPr>
+        <p:spPr>
+          <a:xfrm>
+            <a:off x="457200" y="0"/>
+            <a:ext cx="8229600" cy="1143000"/>
+          </a:xfrm>
+        </p:spPr>
+        <p:txBody>
+          <a:bodyPr/>
+          <a:lstStyle/>
+          <a:p>
+            <a:r>
+              <a:rPr lang="en-US" dirty="0" smtClean="0"/>
+              <a:t>Bed Leveling is Important</a:t>
+            </a:r>
+            <a:endParaRPr lang="en-US" dirty="0"/>
+          </a:p>
+        </p:txBody>
+      </p:sp>
+      <p:sp>
+        <p:nvSpPr>
+          <p:cNvPr id="3" name="Content Placeholder 2"/>
+          <p:cNvSpPr>
+            <a:spLocks noGrp="1"/>
+          </p:cNvSpPr>
+          <p:nvPr>
+            <p:ph idx="1"/>
+          </p:nvPr>
+        </p:nvSpPr>
+        <p:spPr>
+          <a:xfrm>
+            <a:off x="228600" y="914400"/>
+            <a:ext cx="8839200" cy="4267200"/>
+          </a:xfrm>
+        </p:spPr>
+        <p:txBody>
+          <a:bodyPr>
+            <a:normAutofit/>
+          </a:bodyPr>
+          <a:lstStyle/>
+          <a:p>
+            <a:r>
+              <a:rPr lang="en-US" dirty="0" smtClean="0"/>
+              <a:t>Layer height (0.1, 0.2, 0.3mm)</a:t>
+            </a:r>
+          </a:p>
+          <a:p>
+            <a:pPr lvl="1"/>
+            <a:r>
+              <a:rPr lang="en-US" dirty="0" smtClean="0"/>
+              <a:t>1/64” </a:t>
+            </a:r>
+            <a:r>
+              <a:rPr lang="en-US" dirty="0"/>
+              <a:t>=  </a:t>
+            </a:r>
+            <a:r>
+              <a:rPr lang="en-US" dirty="0" smtClean="0"/>
+              <a:t>0.3969mm </a:t>
+            </a:r>
+          </a:p>
+          <a:p>
+            <a:pPr lvl="1"/>
+            <a:r>
+              <a:rPr lang="en-US" dirty="0" smtClean="0"/>
+              <a:t>Sheet of paper is ~ 0.05mm thick</a:t>
+            </a:r>
+            <a:endParaRPr lang="en-US" dirty="0" smtClean="0"/>
+          </a:p>
+        </p:txBody>
+      </p:sp>
+    </p:spTree>
+    <p:extLst>
+      <p:ext uri="{BB962C8B-B14F-4D97-AF65-F5344CB8AC3E}">
+        <p14:creationId xmlns:p14="http://schemas.microsoft.com/office/powerpoint/2010/main" val="755014158"/>
+      </p:ext>
+    </p:extLst>
+  </p:cSld>
+  <p:clrMapOvr>
+    <a:masterClrMapping/>
+  </p:clrMapOvr>
+  <p:timing>
+    <p:tnLst>
+      <p:par>
+        <p:cTn id="1" dur="indefinite" restart="never" nodeType="tmRoot"/>
+      </p:par>
+    </p:tnLst>
+  </p:timing>
+</p:sld>
+</file>
+
+<file path=ppt/slides/slide29.xml><?xml version="1.0" encoding="utf-8"?>
+<p:sld xmlns:a="http://schemas.openxmlformats.org/drawingml/2006/main" xmlns:r="http://schemas.openxmlformats.org/officeDocument/2006/relationships" xmlns:p="http://schemas.openxmlformats.org/presentationml/2006/main">
+  <p:cSld>
+    <p:spTree>
+      <p:nvGrpSpPr>
+        <p:cNvPr id="1" name=""/>
+        <p:cNvGrpSpPr/>
+        <p:nvPr/>
+      </p:nvGrpSpPr>
+      <p:grpSpPr>
+        <a:xfrm>
+          <a:off x="0" y="0"/>
+          <a:ext cx="0" cy="0"/>
+          <a:chOff x="0" y="0"/>
+          <a:chExt cx="0" cy="0"/>
+        </a:xfrm>
+      </p:grpSpPr>
+      <p:sp>
+        <p:nvSpPr>
+          <p:cNvPr id="2" name="Title 1"/>
+          <p:cNvSpPr>
+            <a:spLocks noGrp="1"/>
+          </p:cNvSpPr>
+          <p:nvPr>
+            <p:ph type="title"/>
+          </p:nvPr>
+        </p:nvSpPr>
+        <p:spPr>
+          <a:xfrm>
+            <a:off x="457200" y="0"/>
+            <a:ext cx="8229600" cy="1143000"/>
+          </a:xfrm>
+        </p:spPr>
+        <p:txBody>
+          <a:bodyPr/>
+          <a:lstStyle/>
+          <a:p>
+            <a:r>
+              <a:rPr lang="en-US" dirty="0" smtClean="0"/>
+              <a:t>Stick It</a:t>
+            </a:r>
+            <a:endParaRPr lang="en-US" dirty="0"/>
+          </a:p>
+        </p:txBody>
+      </p:sp>
+      <p:sp>
+        <p:nvSpPr>
+          <p:cNvPr id="3" name="Content Placeholder 2"/>
+          <p:cNvSpPr>
+            <a:spLocks noGrp="1"/>
+          </p:cNvSpPr>
+          <p:nvPr>
+            <p:ph idx="1"/>
+          </p:nvPr>
+        </p:nvSpPr>
+        <p:spPr>
+          <a:xfrm>
+            <a:off x="228600" y="914400"/>
+            <a:ext cx="8839200" cy="4267200"/>
+          </a:xfrm>
+        </p:spPr>
+        <p:txBody>
+          <a:bodyPr>
+            <a:normAutofit/>
+          </a:bodyPr>
+          <a:lstStyle/>
+          <a:p>
+            <a:r>
+              <a:rPr lang="en-US" dirty="0" smtClean="0"/>
+              <a:t>First layer is the most important layer</a:t>
+            </a:r>
+          </a:p>
+          <a:p>
+            <a:r>
+              <a:rPr lang="en-US" dirty="0" smtClean="0"/>
+              <a:t>Getting the first layer to adhere to the print bed</a:t>
+            </a:r>
+          </a:p>
+          <a:p>
+            <a:pPr lvl="1"/>
+            <a:r>
+              <a:rPr lang="en-US" dirty="0" smtClean="0"/>
+              <a:t>Painters tape (blue tape) – PLA only</a:t>
+            </a:r>
+          </a:p>
+          <a:p>
+            <a:pPr lvl="1"/>
+            <a:r>
+              <a:rPr lang="en-US" dirty="0" smtClean="0"/>
+              <a:t>Glass with hairspray</a:t>
+            </a:r>
+          </a:p>
+          <a:p>
+            <a:pPr lvl="1"/>
+            <a:r>
+              <a:rPr lang="en-US" dirty="0" err="1" smtClean="0"/>
+              <a:t>Kapton</a:t>
+            </a:r>
+            <a:r>
+              <a:rPr lang="en-US" dirty="0" smtClean="0"/>
+              <a:t> tape</a:t>
+            </a:r>
+          </a:p>
+          <a:p>
+            <a:pPr lvl="1"/>
+            <a:r>
+              <a:rPr lang="en-US" dirty="0" smtClean="0"/>
+              <a:t>ABS juice (ABS and acetone)</a:t>
+            </a:r>
+            <a:endParaRPr lang="en-US" dirty="0" smtClean="0"/>
+          </a:p>
+        </p:txBody>
+      </p:sp>
+    </p:spTree>
+    <p:extLst>
+      <p:ext uri="{BB962C8B-B14F-4D97-AF65-F5344CB8AC3E}">
+        <p14:creationId xmlns:p14="http://schemas.microsoft.com/office/powerpoint/2010/main" val="2998333791"/>
+      </p:ext>
+    </p:extLst>
+  </p:cSld>
+  <p:clrMapOvr>
+    <a:masterClrMapping/>
+  </p:clrMapOvr>
+  <p:timing>
+    <p:tnLst>
+      <p:par>
+        <p:cTn id="1" dur="indefinite" restart="never" nodeType="tmRoot"/>
+      </p:par>
+    </p:tnLst>
+  </p:timing>
+</p:sld>
+</file>
+
 <file path=ppt/slides/slide3.xml><?xml version="1.0" encoding="utf-8"?>
 <p:sld xmlns:a="http://schemas.openxmlformats.org/drawingml/2006/main" xmlns:r="http://schemas.openxmlformats.org/officeDocument/2006/relationships" xmlns:p="http://schemas.openxmlformats.org/presentationml/2006/main">
   <p:cSld>
@@ -6897,6 +7236,142 @@
     <p:extLst>
       <p:ext uri="{BB962C8B-B14F-4D97-AF65-F5344CB8AC3E}">
         <p14:creationId xmlns:p14="http://schemas.microsoft.com/office/powerpoint/2010/main" val="3634930489"/>
+      </p:ext>
+    </p:extLst>
+  </p:cSld>
+  <p:clrMapOvr>
+    <a:masterClrMapping/>
+  </p:clrMapOvr>
+  <p:timing>
+    <p:tnLst>
+      <p:par>
+        <p:cTn id="1" dur="indefinite" restart="never" nodeType="tmRoot"/>
+      </p:par>
+    </p:tnLst>
+  </p:timing>
+</p:sld>
+</file>
+
+<file path=ppt/slides/slide30.xml><?xml version="1.0" encoding="utf-8"?>
+<p:sld xmlns:a="http://schemas.openxmlformats.org/drawingml/2006/main" xmlns:r="http://schemas.openxmlformats.org/officeDocument/2006/relationships" xmlns:p="http://schemas.openxmlformats.org/presentationml/2006/main">
+  <p:cSld>
+    <p:spTree>
+      <p:nvGrpSpPr>
+        <p:cNvPr id="1" name=""/>
+        <p:cNvGrpSpPr/>
+        <p:nvPr/>
+      </p:nvGrpSpPr>
+      <p:grpSpPr>
+        <a:xfrm>
+          <a:off x="0" y="0"/>
+          <a:ext cx="0" cy="0"/>
+          <a:chOff x="0" y="0"/>
+          <a:chExt cx="0" cy="0"/>
+        </a:xfrm>
+      </p:grpSpPr>
+      <p:sp>
+        <p:nvSpPr>
+          <p:cNvPr id="2" name="Title 1"/>
+          <p:cNvSpPr>
+            <a:spLocks noGrp="1"/>
+          </p:cNvSpPr>
+          <p:nvPr>
+            <p:ph type="title"/>
+          </p:nvPr>
+        </p:nvSpPr>
+        <p:spPr>
+          <a:xfrm>
+            <a:off x="457200" y="0"/>
+            <a:ext cx="8229600" cy="1143000"/>
+          </a:xfrm>
+        </p:spPr>
+        <p:txBody>
+          <a:bodyPr/>
+          <a:lstStyle/>
+          <a:p>
+            <a:r>
+              <a:rPr lang="en-US" dirty="0" smtClean="0"/>
+              <a:t>How Many ‘x’ Can I Print?</a:t>
+            </a:r>
+            <a:endParaRPr lang="en-US" dirty="0"/>
+          </a:p>
+        </p:txBody>
+      </p:sp>
+      <p:sp>
+        <p:nvSpPr>
+          <p:cNvPr id="3" name="Content Placeholder 2"/>
+          <p:cNvSpPr>
+            <a:spLocks noGrp="1"/>
+          </p:cNvSpPr>
+          <p:nvPr>
+            <p:ph idx="1"/>
+          </p:nvPr>
+        </p:nvSpPr>
+        <p:spPr>
+          <a:xfrm>
+            <a:off x="228600" y="914400"/>
+            <a:ext cx="8839200" cy="4267200"/>
+          </a:xfrm>
+        </p:spPr>
+        <p:txBody>
+          <a:bodyPr>
+            <a:normAutofit/>
+          </a:bodyPr>
+          <a:lstStyle/>
+          <a:p>
+            <a:r>
+              <a:rPr lang="en-US" dirty="0" smtClean="0"/>
+              <a:t>Matter is neither created nor destroyed</a:t>
+            </a:r>
+          </a:p>
+          <a:p>
+            <a:r>
+              <a:rPr lang="en-US" dirty="0" smtClean="0"/>
+              <a:t>A standard spool of filament is 1kg (2.2 pounds)</a:t>
+            </a:r>
+          </a:p>
+          <a:p>
+            <a:r>
+              <a:rPr lang="en-US" dirty="0" smtClean="0"/>
+              <a:t>Ukulele weighs about </a:t>
+            </a:r>
+            <a:r>
+              <a:rPr lang="en-US" dirty="0"/>
+              <a:t>425g </a:t>
+            </a:r>
+            <a:r>
+              <a:rPr lang="en-US" dirty="0" smtClean="0"/>
+              <a:t>(</a:t>
+            </a:r>
+            <a:r>
+              <a:rPr lang="en-US" dirty="0"/>
+              <a:t>0.425kg</a:t>
+            </a:r>
+            <a:r>
+              <a:rPr lang="en-US" dirty="0" smtClean="0"/>
+              <a:t>) so it took just under half a spool of filament.</a:t>
+            </a:r>
+          </a:p>
+          <a:p>
+            <a:r>
+              <a:rPr lang="en-US" dirty="0" smtClean="0"/>
+              <a:t>A cookie cutter weighs &lt; 10g </a:t>
+            </a:r>
+          </a:p>
+          <a:p>
+            <a:pPr lvl="1"/>
+            <a:r>
+              <a:rPr lang="en-US" dirty="0" smtClean="0"/>
+              <a:t>1000g / 10 = 100 so you can print about 100 cookie cutters from a single 1kg (1000g) spool of filament.</a:t>
+            </a:r>
+            <a:endParaRPr lang="en-US" dirty="0" smtClean="0"/>
+          </a:p>
+        </p:txBody>
+      </p:sp>
+    </p:spTree>
+    <p:extLst>
+      <p:ext uri="{BB962C8B-B14F-4D97-AF65-F5344CB8AC3E}">
+        <p14:creationId xmlns:p14="http://schemas.microsoft.com/office/powerpoint/2010/main" val="920553704"/>
       </p:ext>
     </p:extLst>
   </p:cSld>
@@ -7079,7 +7554,7 @@
           <a:p>
             <a:r>
               <a:rPr lang="en-US" dirty="0" smtClean="0"/>
-              <a:t>Uses for 3D Printers</a:t>
+              <a:t>What is 3D Printing</a:t>
             </a:r>
             <a:endParaRPr lang="en-US" dirty="0"/>
           </a:p>
@@ -7097,43 +7572,53 @@
         </p:nvSpPr>
         <p:spPr>
           <a:xfrm>
-            <a:off x="457200" y="1066800"/>
-            <a:ext cx="8229600" cy="3810000"/>
-          </a:xfrm>
-        </p:spPr>
-        <p:txBody>
-          <a:bodyPr/>
-          <a:lstStyle/>
-          <a:p>
-            <a:r>
-              <a:rPr lang="en-US" dirty="0" smtClean="0"/>
-              <a:t>Prototyping</a:t>
-            </a:r>
-          </a:p>
-          <a:p>
-            <a:r>
-              <a:rPr lang="en-US" dirty="0" smtClean="0"/>
-              <a:t>Small lot manufacturing (cookie cutters)</a:t>
-            </a:r>
-          </a:p>
-          <a:p>
-            <a:r>
-              <a:rPr lang="en-US" dirty="0" smtClean="0"/>
-              <a:t>Specialized or hard to find items (car parts)</a:t>
-            </a:r>
-          </a:p>
-          <a:p>
-            <a:r>
-              <a:rPr lang="en-US" dirty="0" smtClean="0"/>
-              <a:t>Education (music, animals)</a:t>
-            </a:r>
-          </a:p>
-          <a:p>
-            <a:r>
-              <a:rPr lang="en-US" dirty="0" smtClean="0"/>
-              <a:t>To be determined!</a:t>
-            </a:r>
-            <a:endParaRPr lang="en-US" dirty="0"/>
+            <a:off x="228600" y="1066800"/>
+            <a:ext cx="8686800" cy="3810000"/>
+          </a:xfrm>
+        </p:spPr>
+        <p:txBody>
+          <a:bodyPr>
+            <a:normAutofit/>
+          </a:bodyPr>
+          <a:lstStyle/>
+          <a:p>
+            <a:r>
+              <a:rPr lang="en-US" dirty="0" smtClean="0"/>
+              <a:t>Additive Manufacturing (Legos)</a:t>
+            </a:r>
+          </a:p>
+          <a:p>
+            <a:pPr lvl="1"/>
+            <a:r>
+              <a:rPr lang="en-US" dirty="0" smtClean="0"/>
+              <a:t>Subtractive (carving, milling)</a:t>
+            </a:r>
+            <a:endParaRPr lang="en-US" dirty="0" smtClean="0"/>
+          </a:p>
+          <a:p>
+            <a:r>
+              <a:rPr lang="en-US" dirty="0" smtClean="0"/>
+              <a:t>Material is</a:t>
+            </a:r>
+            <a:r>
+              <a:rPr lang="en-US" dirty="0" smtClean="0"/>
+              <a:t> pushed through a nozzle (extruded)</a:t>
+            </a:r>
+          </a:p>
+          <a:p>
+            <a:pPr lvl="1"/>
+            <a:r>
+              <a:rPr lang="en-US" dirty="0" smtClean="0"/>
+              <a:t>Filament is heated to allow this to happen</a:t>
+            </a:r>
+          </a:p>
+          <a:p>
+            <a:pPr lvl="1"/>
+            <a:r>
+              <a:rPr lang="en-US" dirty="0" smtClean="0"/>
+              <a:t>Icing or pastry bag</a:t>
+            </a:r>
+            <a:endParaRPr lang="en-US" dirty="0" smtClean="0"/>
           </a:p>
         </p:txBody>
       </p:sp>
@@ -7196,7 +7681,7 @@
           <a:p>
             <a:r>
               <a:rPr lang="en-US" dirty="0" smtClean="0"/>
-              <a:t>My Favorite Thing</a:t>
+              <a:t>Uses for 3D Printers</a:t>
             </a:r>
             <a:endParaRPr lang="en-US" dirty="0"/>
           </a:p>
@@ -7214,8 +7699,8 @@
         </p:nvSpPr>
         <p:spPr>
           <a:xfrm>
-            <a:off x="457200" y="1600201"/>
-            <a:ext cx="8229600" cy="1600200"/>
+            <a:off x="457200" y="1066800"/>
+            <a:ext cx="8229600" cy="3810000"/>
           </a:xfrm>
         </p:spPr>
         <p:txBody>
@@ -7224,7 +7709,31 @@
           <a:p>
             <a:r>
               <a:rPr lang="en-US" dirty="0" smtClean="0"/>
-              <a:t>It was a Saturday morning….</a:t>
+              <a:t>Prototyping</a:t>
+            </a:r>
+          </a:p>
+          <a:p>
+            <a:r>
+              <a:rPr lang="en-US" dirty="0" smtClean="0"/>
+              <a:t>Small lot manufacturing (cookie cutters)</a:t>
+            </a:r>
+          </a:p>
+          <a:p>
+            <a:r>
+              <a:rPr lang="en-US" dirty="0" smtClean="0"/>
+              <a:t>Specialized or hard to find items (car parts)</a:t>
+            </a:r>
+          </a:p>
+          <a:p>
+            <a:r>
+              <a:rPr lang="en-US" dirty="0" smtClean="0"/>
+              <a:t>Education (music, animals)</a:t>
+            </a:r>
+          </a:p>
+          <a:p>
+            <a:r>
+              <a:rPr lang="en-US" dirty="0" smtClean="0"/>
+              <a:t>To be determined!</a:t>
             </a:r>
             <a:endParaRPr lang="en-US" dirty="0"/>
           </a:p>
@@ -7233,7 +7742,7 @@
     </p:spTree>
     <p:extLst>
       <p:ext uri="{BB962C8B-B14F-4D97-AF65-F5344CB8AC3E}">
-        <p14:creationId xmlns:p14="http://schemas.microsoft.com/office/powerpoint/2010/main" val="4239267716"/>
+        <p14:creationId xmlns:p14="http://schemas.microsoft.com/office/powerpoint/2010/main" val="3814718168"/>
       </p:ext>
     </p:extLst>
   </p:cSld>
@@ -7289,195 +7798,44 @@
           <a:p>
             <a:r>
               <a:rPr lang="en-US" dirty="0" smtClean="0"/>
-              <a:t>3D Pinter Types</a:t>
+              <a:t>My Favorite Thing</a:t>
             </a:r>
             <a:endParaRPr lang="en-US" dirty="0"/>
           </a:p>
         </p:txBody>
       </p:sp>
-      <p:pic>
-        <p:nvPicPr>
-          <p:cNvPr id="6" name="Content Placeholder 5"/>
-          <p:cNvPicPr>
-            <a:picLocks noGrp="1" noChangeAspect="1"/>
-          </p:cNvPicPr>
+      <p:sp>
+        <p:nvSpPr>
+          <p:cNvPr id="12" name="Content Placeholder 11"/>
+          <p:cNvSpPr>
+            <a:spLocks noGrp="1"/>
+          </p:cNvSpPr>
           <p:nvPr>
             <p:ph idx="1"/>
           </p:nvPr>
-        </p:nvPicPr>
-        <p:blipFill>
-          <a:blip r:embed="rId2">
-            <a:extLst>
-              <a:ext uri="{28A0092B-C50C-407E-A947-70E740481C1C}">
-                <a14:useLocalDpi xmlns:a14="http://schemas.microsoft.com/office/drawing/2010/main" val="0"/>
-              </a:ext>
-            </a:extLst>
-          </a:blip>
-          <a:stretch>
-            <a:fillRect/>
-          </a:stretch>
-        </p:blipFill>
-        <p:spPr>
-          <a:xfrm>
-            <a:off x="228600" y="1066800"/>
-            <a:ext cx="2949060" cy="2133600"/>
-          </a:xfrm>
-        </p:spPr>
-      </p:pic>
-      <p:pic>
-        <p:nvPicPr>
-          <p:cNvPr id="7" name="Picture 6"/>
-          <p:cNvPicPr>
-            <a:picLocks noChangeAspect="1"/>
-          </p:cNvPicPr>
-          <p:nvPr/>
-        </p:nvPicPr>
-        <p:blipFill>
-          <a:blip r:embed="rId3">
-            <a:extLst>
-              <a:ext uri="{28A0092B-C50C-407E-A947-70E740481C1C}">
-                <a14:useLocalDpi xmlns:a14="http://schemas.microsoft.com/office/drawing/2010/main" val="0"/>
-              </a:ext>
-            </a:extLst>
-          </a:blip>
-          <a:stretch>
-            <a:fillRect/>
-          </a:stretch>
-        </p:blipFill>
-        <p:spPr>
-          <a:xfrm>
-            <a:off x="3276600" y="1066800"/>
-            <a:ext cx="2316753" cy="2286000"/>
-          </a:xfrm>
-          <a:prstGeom prst="rect">
-            <a:avLst/>
-          </a:prstGeom>
-        </p:spPr>
-      </p:pic>
-      <p:pic>
-        <p:nvPicPr>
-          <p:cNvPr id="8" name="Picture 7"/>
-          <p:cNvPicPr>
-            <a:picLocks noChangeAspect="1"/>
-          </p:cNvPicPr>
-          <p:nvPr/>
-        </p:nvPicPr>
-        <p:blipFill>
-          <a:blip r:embed="rId4">
-            <a:extLst>
-              <a:ext uri="{28A0092B-C50C-407E-A947-70E740481C1C}">
-                <a14:useLocalDpi xmlns:a14="http://schemas.microsoft.com/office/drawing/2010/main" val="0"/>
-              </a:ext>
-            </a:extLst>
-          </a:blip>
-          <a:stretch>
-            <a:fillRect/>
-          </a:stretch>
-        </p:blipFill>
-        <p:spPr>
-          <a:xfrm>
-            <a:off x="5664200" y="1066800"/>
-            <a:ext cx="2794000" cy="1676400"/>
-          </a:xfrm>
-          <a:prstGeom prst="rect">
-            <a:avLst/>
-          </a:prstGeom>
-        </p:spPr>
-      </p:pic>
-      <p:sp>
-        <p:nvSpPr>
-          <p:cNvPr id="9" name="TextBox 8"/>
-          <p:cNvSpPr txBox="1"/>
-          <p:nvPr/>
-        </p:nvSpPr>
-        <p:spPr>
-          <a:xfrm>
-            <a:off x="457199" y="3657600"/>
-            <a:ext cx="1941429" cy="646331"/>
-          </a:xfrm>
-          <a:prstGeom prst="rect">
-            <a:avLst/>
-          </a:prstGeom>
-          <a:noFill/>
-        </p:spPr>
-        <p:txBody>
-          <a:bodyPr wrap="none" rtlCol="0">
-            <a:spAutoFit/>
-          </a:bodyPr>
-          <a:lstStyle/>
-          <a:p>
-            <a:r>
-              <a:rPr lang="en-US" sz="3600" dirty="0" smtClean="0"/>
-              <a:t>Cartesian</a:t>
-            </a:r>
-            <a:endParaRPr lang="en-US" sz="3600" dirty="0"/>
-          </a:p>
-        </p:txBody>
-      </p:sp>
-      <p:sp>
-        <p:nvSpPr>
-          <p:cNvPr id="10" name="TextBox 9"/>
-          <p:cNvSpPr txBox="1"/>
-          <p:nvPr/>
-        </p:nvSpPr>
-        <p:spPr>
-          <a:xfrm>
-            <a:off x="3900714" y="3657600"/>
-            <a:ext cx="1172885" cy="646331"/>
-          </a:xfrm>
-          <a:prstGeom prst="rect">
-            <a:avLst/>
-          </a:prstGeom>
-          <a:noFill/>
-        </p:spPr>
-        <p:txBody>
-          <a:bodyPr wrap="none" rtlCol="0">
-            <a:spAutoFit/>
-          </a:bodyPr>
-          <a:lstStyle/>
-          <a:p>
-            <a:r>
-              <a:rPr lang="en-US" sz="3600" dirty="0" smtClean="0"/>
-              <a:t>Delta</a:t>
-            </a:r>
-            <a:endParaRPr lang="en-US" sz="3600" dirty="0"/>
-          </a:p>
-        </p:txBody>
-      </p:sp>
-      <p:sp>
-        <p:nvSpPr>
-          <p:cNvPr id="11" name="TextBox 10"/>
-          <p:cNvSpPr txBox="1"/>
-          <p:nvPr/>
-        </p:nvSpPr>
-        <p:spPr>
-          <a:xfrm>
-            <a:off x="6400800" y="3643732"/>
-            <a:ext cx="901209" cy="646331"/>
-          </a:xfrm>
-          <a:prstGeom prst="rect">
-            <a:avLst/>
-          </a:prstGeom>
-          <a:noFill/>
-        </p:spPr>
-        <p:txBody>
-          <a:bodyPr wrap="none" rtlCol="0">
-            <a:spAutoFit/>
-          </a:bodyPr>
-          <a:lstStyle/>
-          <a:p>
-            <a:r>
-              <a:rPr lang="en-US" sz="3600" dirty="0" smtClean="0"/>
-              <a:t>DLP</a:t>
-            </a:r>
-            <a:endParaRPr lang="en-US" sz="3600" dirty="0"/>
+        </p:nvSpPr>
+        <p:spPr>
+          <a:xfrm>
+            <a:off x="457200" y="1600201"/>
+            <a:ext cx="8229600" cy="1600200"/>
+          </a:xfrm>
+        </p:spPr>
+        <p:txBody>
+          <a:bodyPr/>
+          <a:lstStyle/>
+          <a:p>
+            <a:r>
+              <a:rPr lang="en-US" dirty="0" smtClean="0"/>
+              <a:t>It was a Saturday morning….</a:t>
+            </a:r>
+            <a:endParaRPr lang="en-US" dirty="0"/>
           </a:p>
         </p:txBody>
       </p:sp>
     </p:spTree>
     <p:extLst>
       <p:ext uri="{BB962C8B-B14F-4D97-AF65-F5344CB8AC3E}">
-        <p14:creationId xmlns:p14="http://schemas.microsoft.com/office/powerpoint/2010/main" val="382462538"/>
+        <p14:creationId xmlns:p14="http://schemas.microsoft.com/office/powerpoint/2010/main" val="4239267716"/>
       </p:ext>
     </p:extLst>
   </p:cSld>
@@ -7533,7 +7891,7 @@
           <a:p>
             <a:r>
               <a:rPr lang="en-US" dirty="0" smtClean="0"/>
-              <a:t>Cartesian</a:t>
+              <a:t>3D Pinter Types</a:t>
             </a:r>
             <a:endParaRPr lang="en-US" dirty="0"/>
           </a:p>
@@ -7563,14 +7921,14 @@
         </p:blipFill>
         <p:spPr>
           <a:xfrm>
-            <a:off x="58580" y="990600"/>
-            <a:ext cx="3896972" cy="2819400"/>
+            <a:off x="228600" y="1066800"/>
+            <a:ext cx="2949060" cy="2133600"/>
           </a:xfrm>
         </p:spPr>
       </p:pic>
       <p:pic>
         <p:nvPicPr>
-          <p:cNvPr id="3" name="Picture 2"/>
+          <p:cNvPr id="7" name="Picture 6"/>
           <p:cNvPicPr>
             <a:picLocks noChangeAspect="1"/>
           </p:cNvPicPr>
@@ -7590,18 +7948,138 @@
         </p:blipFill>
         <p:spPr>
           <a:xfrm>
-            <a:off x="4114800" y="990600"/>
-            <a:ext cx="4800600" cy="3360420"/>
+            <a:off x="3276600" y="1066800"/>
+            <a:ext cx="2316753" cy="2286000"/>
           </a:xfrm>
           <a:prstGeom prst="rect">
             <a:avLst/>
           </a:prstGeom>
         </p:spPr>
       </p:pic>
+      <p:pic>
+        <p:nvPicPr>
+          <p:cNvPr id="8" name="Picture 7"/>
+          <p:cNvPicPr>
+            <a:picLocks noChangeAspect="1"/>
+          </p:cNvPicPr>
+          <p:nvPr/>
+        </p:nvPicPr>
+        <p:blipFill>
+          <a:blip r:embed="rId4">
+            <a:extLst>
+              <a:ext uri="{28A0092B-C50C-407E-A947-70E740481C1C}">
+                <a14:useLocalDpi xmlns:a14="http://schemas.microsoft.com/office/drawing/2010/main" val="0"/>
+              </a:ext>
+            </a:extLst>
+          </a:blip>
+          <a:stretch>
+            <a:fillRect/>
+          </a:stretch>
+        </p:blipFill>
+        <p:spPr>
+          <a:xfrm>
+            <a:off x="5664200" y="1066800"/>
+            <a:ext cx="2794000" cy="1676400"/>
+          </a:xfrm>
+          <a:prstGeom prst="rect">
+            <a:avLst/>
+          </a:prstGeom>
+        </p:spPr>
+      </p:pic>
+      <p:sp>
+        <p:nvSpPr>
+          <p:cNvPr id="9" name="TextBox 8"/>
+          <p:cNvSpPr txBox="1"/>
+          <p:nvPr/>
+        </p:nvSpPr>
+        <p:spPr>
+          <a:xfrm>
+            <a:off x="457199" y="3657600"/>
+            <a:ext cx="1941429" cy="646331"/>
+          </a:xfrm>
+          <a:prstGeom prst="rect">
+            <a:avLst/>
+          </a:prstGeom>
+          <a:noFill/>
+        </p:spPr>
+        <p:txBody>
+          <a:bodyPr wrap="none" rtlCol="0">
+            <a:spAutoFit/>
+          </a:bodyPr>
+          <a:lstStyle/>
+          <a:p>
+            <a:r>
+              <a:rPr lang="en-US" sz="3600" dirty="0" smtClean="0"/>
+              <a:t>Cartesian</a:t>
+            </a:r>
+            <a:endParaRPr lang="en-US" sz="3600" dirty="0"/>
+          </a:p>
+        </p:txBody>
+      </p:sp>
+      <p:sp>
+        <p:nvSpPr>
+          <p:cNvPr id="10" name="TextBox 9"/>
+          <p:cNvSpPr txBox="1"/>
+          <p:nvPr/>
+        </p:nvSpPr>
+        <p:spPr>
+          <a:xfrm>
+            <a:off x="3900714" y="3657600"/>
+            <a:ext cx="1172885" cy="646331"/>
+          </a:xfrm>
+          <a:prstGeom prst="rect">
+            <a:avLst/>
+          </a:prstGeom>
+          <a:noFill/>
+        </p:spPr>
+        <p:txBody>
+          <a:bodyPr wrap="none" rtlCol="0">
+            <a:spAutoFit/>
+          </a:bodyPr>
+          <a:lstStyle/>
+          <a:p>
+            <a:r>
+              <a:rPr lang="en-US" sz="3600" dirty="0" smtClean="0"/>
+              <a:t>Delta</a:t>
+            </a:r>
+            <a:endParaRPr lang="en-US" sz="3600" dirty="0"/>
+          </a:p>
+        </p:txBody>
+      </p:sp>
+      <p:sp>
+        <p:nvSpPr>
+          <p:cNvPr id="11" name="TextBox 10"/>
+          <p:cNvSpPr txBox="1"/>
+          <p:nvPr/>
+        </p:nvSpPr>
+        <p:spPr>
+          <a:xfrm>
+            <a:off x="6400800" y="3643732"/>
+            <a:ext cx="901209" cy="646331"/>
+          </a:xfrm>
+          <a:prstGeom prst="rect">
+            <a:avLst/>
+          </a:prstGeom>
+          <a:noFill/>
+        </p:spPr>
+        <p:txBody>
+          <a:bodyPr wrap="none" rtlCol="0">
+            <a:spAutoFit/>
+          </a:bodyPr>
+          <a:lstStyle/>
+          <a:p>
+            <a:r>
+              <a:rPr lang="en-US" sz="3600" dirty="0" smtClean="0"/>
+              <a:t>DLP</a:t>
+            </a:r>
+            <a:endParaRPr lang="en-US" sz="3600" dirty="0"/>
+          </a:p>
+        </p:txBody>
+      </p:sp>
     </p:spTree>
     <p:extLst>
       <p:ext uri="{BB962C8B-B14F-4D97-AF65-F5344CB8AC3E}">
-        <p14:creationId xmlns:p14="http://schemas.microsoft.com/office/powerpoint/2010/main" val="1874514647"/>
+        <p14:creationId xmlns:p14="http://schemas.microsoft.com/office/powerpoint/2010/main" val="382462538"/>
       </p:ext>
     </p:extLst>
   </p:cSld>
@@ -7657,7 +8135,7 @@
           <a:p>
             <a:r>
               <a:rPr lang="en-US" dirty="0" smtClean="0"/>
-              <a:t>Delta</a:t>
+              <a:t>Cartesian</a:t>
             </a:r>
             <a:endParaRPr lang="en-US" dirty="0"/>
           </a:p>
@@ -7665,11 +8143,13 @@
       </p:sp>
       <p:pic>
         <p:nvPicPr>
-          <p:cNvPr id="7" name="Picture 6"/>
+          <p:cNvPr id="6" name="Content Placeholder 5"/>
           <p:cNvPicPr>
-            <a:picLocks noChangeAspect="1"/>
+            <a:picLocks noGrp="1" noChangeAspect="1"/>
           </p:cNvPicPr>
-          <p:nvPr/>
+          <p:nvPr>
+            <p:ph idx="1"/>
+          </p:nvPr>
         </p:nvPicPr>
         <p:blipFill>
           <a:blip r:embed="rId2">
@@ -7685,8 +8165,35 @@
         </p:blipFill>
         <p:spPr>
           <a:xfrm>
-            <a:off x="2057400" y="1047108"/>
-            <a:ext cx="4710731" cy="4648200"/>
+            <a:off x="58580" y="990600"/>
+            <a:ext cx="3896972" cy="2819400"/>
+          </a:xfrm>
+        </p:spPr>
+      </p:pic>
+      <p:pic>
+        <p:nvPicPr>
+          <p:cNvPr id="3" name="Picture 2"/>
+          <p:cNvPicPr>
+            <a:picLocks noChangeAspect="1"/>
+          </p:cNvPicPr>
+          <p:nvPr/>
+        </p:nvPicPr>
+        <p:blipFill>
+          <a:blip r:embed="rId3">
+            <a:extLst>
+              <a:ext uri="{28A0092B-C50C-407E-A947-70E740481C1C}">
+                <a14:useLocalDpi xmlns:a14="http://schemas.microsoft.com/office/drawing/2010/main" val="0"/>
+              </a:ext>
+            </a:extLst>
+          </a:blip>
+          <a:stretch>
+            <a:fillRect/>
+          </a:stretch>
+        </p:blipFill>
+        <p:spPr>
+          <a:xfrm>
+            <a:off x="4114800" y="990600"/>
+            <a:ext cx="4800600" cy="3360420"/>
           </a:xfrm>
           <a:prstGeom prst="rect">
             <a:avLst/>
@@ -7696,7 +8203,7 @@
     </p:spTree>
     <p:extLst>
       <p:ext uri="{BB962C8B-B14F-4D97-AF65-F5344CB8AC3E}">
-        <p14:creationId xmlns:p14="http://schemas.microsoft.com/office/powerpoint/2010/main" val="838563812"/>
+        <p14:creationId xmlns:p14="http://schemas.microsoft.com/office/powerpoint/2010/main" val="1874514647"/>
       </p:ext>
     </p:extLst>
   </p:cSld>

--- a/Introduction to 3D Printing.pptx
+++ b/Introduction to 3D Printing.pptx
@@ -5,36 +5,36 @@
     <p:sldMasterId id="2147483648" r:id="rId1"/>
   </p:sldMasterIdLst>
   <p:sldIdLst>
-    <p:sldId id="280" r:id="rId2"/>
-    <p:sldId id="256" r:id="rId3"/>
-    <p:sldId id="258" r:id="rId4"/>
-    <p:sldId id="275" r:id="rId5"/>
-    <p:sldId id="281" r:id="rId6"/>
-    <p:sldId id="282" r:id="rId7"/>
-    <p:sldId id="259" r:id="rId8"/>
-    <p:sldId id="269" r:id="rId9"/>
-    <p:sldId id="261" r:id="rId10"/>
-    <p:sldId id="262" r:id="rId11"/>
-    <p:sldId id="257" r:id="rId12"/>
-    <p:sldId id="263" r:id="rId13"/>
-    <p:sldId id="260" r:id="rId14"/>
-    <p:sldId id="264" r:id="rId15"/>
-    <p:sldId id="265" r:id="rId16"/>
-    <p:sldId id="266" r:id="rId17"/>
-    <p:sldId id="267" r:id="rId18"/>
-    <p:sldId id="268" r:id="rId19"/>
-    <p:sldId id="270" r:id="rId20"/>
-    <p:sldId id="271" r:id="rId21"/>
-    <p:sldId id="272" r:id="rId22"/>
-    <p:sldId id="273" r:id="rId23"/>
-    <p:sldId id="276" r:id="rId24"/>
-    <p:sldId id="274" r:id="rId25"/>
-    <p:sldId id="277" r:id="rId26"/>
-    <p:sldId id="278" r:id="rId27"/>
-    <p:sldId id="279" r:id="rId28"/>
-    <p:sldId id="283" r:id="rId29"/>
-    <p:sldId id="284" r:id="rId30"/>
-    <p:sldId id="285" r:id="rId31"/>
+    <p:sldId id="256" r:id="rId2"/>
+    <p:sldId id="258" r:id="rId3"/>
+    <p:sldId id="275" r:id="rId4"/>
+    <p:sldId id="281" r:id="rId5"/>
+    <p:sldId id="282" r:id="rId6"/>
+    <p:sldId id="259" r:id="rId7"/>
+    <p:sldId id="269" r:id="rId8"/>
+    <p:sldId id="261" r:id="rId9"/>
+    <p:sldId id="262" r:id="rId10"/>
+    <p:sldId id="257" r:id="rId11"/>
+    <p:sldId id="263" r:id="rId12"/>
+    <p:sldId id="260" r:id="rId13"/>
+    <p:sldId id="264" r:id="rId14"/>
+    <p:sldId id="265" r:id="rId15"/>
+    <p:sldId id="266" r:id="rId16"/>
+    <p:sldId id="267" r:id="rId17"/>
+    <p:sldId id="268" r:id="rId18"/>
+    <p:sldId id="270" r:id="rId19"/>
+    <p:sldId id="271" r:id="rId20"/>
+    <p:sldId id="272" r:id="rId21"/>
+    <p:sldId id="273" r:id="rId22"/>
+    <p:sldId id="276" r:id="rId23"/>
+    <p:sldId id="274" r:id="rId24"/>
+    <p:sldId id="277" r:id="rId25"/>
+    <p:sldId id="278" r:id="rId26"/>
+    <p:sldId id="279" r:id="rId27"/>
+    <p:sldId id="283" r:id="rId28"/>
+    <p:sldId id="284" r:id="rId29"/>
+    <p:sldId id="285" r:id="rId30"/>
+    <p:sldId id="286" r:id="rId31"/>
   </p:sldIdLst>
   <p:sldSz cx="9144000" cy="6858000" type="screen4x3"/>
   <p:notesSz cx="6858000" cy="9144000"/>
@@ -317,7 +317,7 @@
           <a:p>
             <a:fld id="{03F24ECC-79A4-43A1-8C02-28912ED20E3E}" type="datetimeFigureOut">
               <a:rPr lang="en-US" smtClean="0"/>
-              <a:t>6/24/2015</a:t>
+              <a:t>6/25/2015</a:t>
             </a:fld>
             <a:endParaRPr lang="en-US"/>
           </a:p>
@@ -487,7 +487,7 @@
           <a:p>
             <a:fld id="{03F24ECC-79A4-43A1-8C02-28912ED20E3E}" type="datetimeFigureOut">
               <a:rPr lang="en-US" smtClean="0"/>
-              <a:t>6/24/2015</a:t>
+              <a:t>6/25/2015</a:t>
             </a:fld>
             <a:endParaRPr lang="en-US"/>
           </a:p>
@@ -667,7 +667,7 @@
           <a:p>
             <a:fld id="{03F24ECC-79A4-43A1-8C02-28912ED20E3E}" type="datetimeFigureOut">
               <a:rPr lang="en-US" smtClean="0"/>
-              <a:t>6/24/2015</a:t>
+              <a:t>6/25/2015</a:t>
             </a:fld>
             <a:endParaRPr lang="en-US"/>
           </a:p>
@@ -837,7 +837,7 @@
           <a:p>
             <a:fld id="{03F24ECC-79A4-43A1-8C02-28912ED20E3E}" type="datetimeFigureOut">
               <a:rPr lang="en-US" smtClean="0"/>
-              <a:t>6/24/2015</a:t>
+              <a:t>6/25/2015</a:t>
             </a:fld>
             <a:endParaRPr lang="en-US"/>
           </a:p>
@@ -1083,7 +1083,7 @@
           <a:p>
             <a:fld id="{03F24ECC-79A4-43A1-8C02-28912ED20E3E}" type="datetimeFigureOut">
               <a:rPr lang="en-US" smtClean="0"/>
-              <a:t>6/24/2015</a:t>
+              <a:t>6/25/2015</a:t>
             </a:fld>
             <a:endParaRPr lang="en-US"/>
           </a:p>
@@ -1371,7 +1371,7 @@
           <a:p>
             <a:fld id="{03F24ECC-79A4-43A1-8C02-28912ED20E3E}" type="datetimeFigureOut">
               <a:rPr lang="en-US" smtClean="0"/>
-              <a:t>6/24/2015</a:t>
+              <a:t>6/25/2015</a:t>
             </a:fld>
             <a:endParaRPr lang="en-US"/>
           </a:p>
@@ -1793,7 +1793,7 @@
           <a:p>
             <a:fld id="{03F24ECC-79A4-43A1-8C02-28912ED20E3E}" type="datetimeFigureOut">
               <a:rPr lang="en-US" smtClean="0"/>
-              <a:t>6/24/2015</a:t>
+              <a:t>6/25/2015</a:t>
             </a:fld>
             <a:endParaRPr lang="en-US"/>
           </a:p>
@@ -1911,7 +1911,7 @@
           <a:p>
             <a:fld id="{03F24ECC-79A4-43A1-8C02-28912ED20E3E}" type="datetimeFigureOut">
               <a:rPr lang="en-US" smtClean="0"/>
-              <a:t>6/24/2015</a:t>
+              <a:t>6/25/2015</a:t>
             </a:fld>
             <a:endParaRPr lang="en-US"/>
           </a:p>
@@ -2006,7 +2006,7 @@
           <a:p>
             <a:fld id="{03F24ECC-79A4-43A1-8C02-28912ED20E3E}" type="datetimeFigureOut">
               <a:rPr lang="en-US" smtClean="0"/>
-              <a:t>6/24/2015</a:t>
+              <a:t>6/25/2015</a:t>
             </a:fld>
             <a:endParaRPr lang="en-US"/>
           </a:p>
@@ -2283,7 +2283,7 @@
           <a:p>
             <a:fld id="{03F24ECC-79A4-43A1-8C02-28912ED20E3E}" type="datetimeFigureOut">
               <a:rPr lang="en-US" smtClean="0"/>
-              <a:t>6/24/2015</a:t>
+              <a:t>6/25/2015</a:t>
             </a:fld>
             <a:endParaRPr lang="en-US"/>
           </a:p>
@@ -2536,7 +2536,7 @@
           <a:p>
             <a:fld id="{03F24ECC-79A4-43A1-8C02-28912ED20E3E}" type="datetimeFigureOut">
               <a:rPr lang="en-US" smtClean="0"/>
-              <a:t>6/24/2015</a:t>
+              <a:t>6/25/2015</a:t>
             </a:fld>
             <a:endParaRPr lang="en-US"/>
           </a:p>
@@ -2749,7 +2749,7 @@
           <a:p>
             <a:fld id="{03F24ECC-79A4-43A1-8C02-28912ED20E3E}" type="datetimeFigureOut">
               <a:rPr lang="en-US" smtClean="0"/>
-              <a:t>6/24/2015</a:t>
+              <a:t>6/25/2015</a:t>
             </a:fld>
             <a:endParaRPr lang="en-US"/>
           </a:p>
@@ -3131,17 +3131,22 @@
             <a:spLocks noGrp="1"/>
           </p:cNvSpPr>
           <p:nvPr>
-            <p:ph type="title"/>
-          </p:nvPr>
-        </p:nvSpPr>
-        <p:spPr/>
+            <p:ph type="ctrTitle"/>
+          </p:nvPr>
+        </p:nvSpPr>
+        <p:spPr>
+          <a:xfrm>
+            <a:off x="533400" y="457200"/>
+            <a:ext cx="7772400" cy="1470025"/>
+          </a:xfrm>
+        </p:spPr>
         <p:txBody>
           <a:bodyPr/>
           <a:lstStyle/>
           <a:p>
             <a:r>
               <a:rPr lang="en-US" dirty="0" smtClean="0"/>
-              <a:t>Upcoming GDI Events at Trailhead</a:t>
+              <a:t>Introduction to 3D Printing</a:t>
             </a:r>
             <a:endParaRPr lang="en-US" dirty="0"/>
           </a:p>
@@ -3149,18 +3154,18 @@
       </p:sp>
       <p:sp>
         <p:nvSpPr>
-          <p:cNvPr id="3" name="Content Placeholder 2"/>
-          <p:cNvSpPr>
-            <a:spLocks noGrp="1"/>
-          </p:cNvSpPr>
-          <p:nvPr>
-            <p:ph idx="1"/>
-          </p:nvPr>
-        </p:nvSpPr>
-        <p:spPr>
-          <a:xfrm>
-            <a:off x="228600" y="1600200"/>
-            <a:ext cx="8763000" cy="4525963"/>
+          <p:cNvPr id="3" name="Subtitle 2"/>
+          <p:cNvSpPr>
+            <a:spLocks noGrp="1"/>
+          </p:cNvSpPr>
+          <p:nvPr>
+            <p:ph type="subTitle" idx="1"/>
+          </p:nvPr>
+        </p:nvSpPr>
+        <p:spPr>
+          <a:xfrm>
+            <a:off x="228600" y="2212975"/>
+            <a:ext cx="8458200" cy="1752600"/>
           </a:xfrm>
         </p:spPr>
         <p:txBody>
@@ -3169,26 +3174,36 @@
           <a:p>
             <a:r>
               <a:rPr lang="en-US" dirty="0" smtClean="0"/>
-              <a:t>July 12, 1:00 – 3:00 pm Code &amp; Coffee</a:t>
-            </a:r>
-          </a:p>
-          <a:p>
-            <a:r>
-              <a:rPr lang="en-US" dirty="0" smtClean="0"/>
-              <a:t>July 15, 5:30 – 7:30 pm Intro to Databases &amp; </a:t>
-            </a:r>
-            <a:r>
-              <a:rPr lang="en-US" dirty="0" smtClean="0"/>
-              <a:t>SQL</a:t>
-            </a:r>
-            <a:endParaRPr lang="en-US" dirty="0" smtClean="0"/>
+              <a:t>“</a:t>
+            </a:r>
+            <a:r>
+              <a:rPr lang="en-US" dirty="0"/>
+              <a:t> I want to say one word to you. Just one word</a:t>
+            </a:r>
+            <a:r>
+              <a:rPr lang="en-US" dirty="0" smtClean="0"/>
+              <a:t>.…</a:t>
+            </a:r>
+          </a:p>
+          <a:p>
+            <a:r>
+              <a:rPr lang="en-US" dirty="0" smtClean="0"/>
+              <a:t>Plastics”</a:t>
+            </a:r>
+          </a:p>
+          <a:p>
+            <a:r>
+              <a:rPr lang="en-US" dirty="0" smtClean="0"/>
+              <a:t>The Graduate - 1967</a:t>
+            </a:r>
+            <a:endParaRPr lang="en-US" dirty="0"/>
           </a:p>
         </p:txBody>
       </p:sp>
     </p:spTree>
     <p:extLst>
       <p:ext uri="{BB962C8B-B14F-4D97-AF65-F5344CB8AC3E}">
-        <p14:creationId xmlns:p14="http://schemas.microsoft.com/office/powerpoint/2010/main" val="2209440606"/>
+        <p14:creationId xmlns:p14="http://schemas.microsoft.com/office/powerpoint/2010/main" val="2666580265"/>
       </p:ext>
     </p:extLst>
   </p:cSld>
@@ -3234,7 +3249,7 @@
         </p:nvSpPr>
         <p:spPr>
           <a:xfrm>
-            <a:off x="457200" y="0"/>
+            <a:off x="419100" y="0"/>
             <a:ext cx="8229600" cy="1143000"/>
           </a:xfrm>
         </p:spPr>
@@ -3244,7 +3259,7 @@
           <a:p>
             <a:r>
               <a:rPr lang="en-US" dirty="0" smtClean="0"/>
-              <a:t>Delta</a:t>
+              <a:t>Delta Style Printer (video)</a:t>
             </a:r>
             <a:endParaRPr lang="en-US" dirty="0"/>
           </a:p>
@@ -3252,38 +3267,86 @@
       </p:sp>
       <p:pic>
         <p:nvPicPr>
-          <p:cNvPr id="7" name="Picture 6"/>
+          <p:cNvPr id="4" name="zQxa920YGaU"/>
           <p:cNvPicPr>
-            <a:picLocks noChangeAspect="1"/>
+            <a:picLocks noRot="1" noChangeAspect="1"/>
           </p:cNvPicPr>
-          <p:nvPr/>
+          <p:nvPr>
+            <a:videoFile r:link="rId1"/>
+          </p:nvPr>
         </p:nvPicPr>
         <p:blipFill>
-          <a:blip r:embed="rId2">
-            <a:extLst>
-              <a:ext uri="{28A0092B-C50C-407E-A947-70E740481C1C}">
-                <a14:useLocalDpi xmlns:a14="http://schemas.microsoft.com/office/drawing/2010/main" val="0"/>
-              </a:ext>
-            </a:extLst>
-          </a:blip>
+          <a:blip r:embed="rId3"/>
           <a:stretch>
             <a:fillRect/>
           </a:stretch>
         </p:blipFill>
         <p:spPr>
           <a:xfrm>
-            <a:off x="2057400" y="1047108"/>
-            <a:ext cx="4710731" cy="4648200"/>
+            <a:off x="1524000" y="1219200"/>
+            <a:ext cx="6019800" cy="3386138"/>
           </a:xfrm>
           <a:prstGeom prst="rect">
             <a:avLst/>
           </a:prstGeom>
         </p:spPr>
       </p:pic>
+      <p:sp>
+        <p:nvSpPr>
+          <p:cNvPr id="3" name="TextBox 2"/>
+          <p:cNvSpPr txBox="1"/>
+          <p:nvPr/>
+        </p:nvSpPr>
+        <p:spPr>
+          <a:xfrm>
+            <a:off x="762000" y="4953000"/>
+            <a:ext cx="7848600" cy="369332"/>
+          </a:xfrm>
+          <a:prstGeom prst="rect">
+            <a:avLst/>
+          </a:prstGeom>
+          <a:noFill/>
+        </p:spPr>
+        <p:txBody>
+          <a:bodyPr wrap="square" rtlCol="0">
+            <a:spAutoFit/>
+          </a:bodyPr>
+          <a:lstStyle/>
+          <a:p>
+            <a:r>
+              <a:rPr lang="en-US" dirty="0" smtClean="0"/>
+              <a:t>(</a:t>
+            </a:r>
+            <a:r>
+              <a:rPr lang="en-US" dirty="0" smtClean="0">
+                <a:hlinkClick r:id="rId4"/>
+              </a:rPr>
+              <a:t>https</a:t>
+            </a:r>
+            <a:r>
+              <a:rPr lang="en-US" dirty="0">
+                <a:hlinkClick r:id="rId4"/>
+              </a:rPr>
+              <a:t>://</a:t>
+            </a:r>
+            <a:r>
+              <a:rPr lang="en-US" dirty="0" smtClean="0">
+                <a:hlinkClick r:id="rId4"/>
+              </a:rPr>
+              <a:t>www.youtube.com/watch?feature=player_embedded&amp;v=zQxa920YGaU</a:t>
+            </a:r>
+            <a:r>
+              <a:rPr lang="en-US" dirty="0" smtClean="0"/>
+              <a:t> )</a:t>
+            </a:r>
+            <a:endParaRPr lang="en-US" dirty="0"/>
+          </a:p>
+        </p:txBody>
+      </p:sp>
     </p:spTree>
     <p:extLst>
       <p:ext uri="{BB962C8B-B14F-4D97-AF65-F5344CB8AC3E}">
-        <p14:creationId xmlns:p14="http://schemas.microsoft.com/office/powerpoint/2010/main" val="838563812"/>
+        <p14:creationId xmlns:p14="http://schemas.microsoft.com/office/powerpoint/2010/main" val="1380890633"/>
       </p:ext>
     </p:extLst>
   </p:cSld>
@@ -3329,7 +3392,7 @@
         </p:nvSpPr>
         <p:spPr>
           <a:xfrm>
-            <a:off x="419100" y="0"/>
+            <a:off x="457200" y="0"/>
             <a:ext cx="8229600" cy="1143000"/>
           </a:xfrm>
         </p:spPr>
@@ -3339,7 +3402,7 @@
           <a:p>
             <a:r>
               <a:rPr lang="en-US" dirty="0" smtClean="0"/>
-              <a:t>Delta Style Printer (video)</a:t>
+              <a:t>DLP</a:t>
             </a:r>
             <a:endParaRPr lang="en-US" dirty="0"/>
           </a:p>
@@ -3347,24 +3410,28 @@
       </p:sp>
       <p:pic>
         <p:nvPicPr>
-          <p:cNvPr id="4" name="zQxa920YGaU"/>
+          <p:cNvPr id="8" name="Picture 7"/>
           <p:cNvPicPr>
-            <a:picLocks noRot="1" noChangeAspect="1"/>
+            <a:picLocks noChangeAspect="1"/>
           </p:cNvPicPr>
-          <p:nvPr>
-            <a:videoFile r:link="rId1"/>
-          </p:nvPr>
+          <p:nvPr/>
         </p:nvPicPr>
         <p:blipFill>
-          <a:blip r:embed="rId3"/>
+          <a:blip r:embed="rId2">
+            <a:extLst>
+              <a:ext uri="{28A0092B-C50C-407E-A947-70E740481C1C}">
+                <a14:useLocalDpi xmlns:a14="http://schemas.microsoft.com/office/drawing/2010/main" val="0"/>
+              </a:ext>
+            </a:extLst>
+          </a:blip>
           <a:stretch>
             <a:fillRect/>
           </a:stretch>
         </p:blipFill>
         <p:spPr>
           <a:xfrm>
-            <a:off x="1524000" y="1219200"/>
-            <a:ext cx="6019800" cy="3386138"/>
+            <a:off x="1524000" y="990600"/>
+            <a:ext cx="6248400" cy="3749040"/>
           </a:xfrm>
           <a:prstGeom prst="rect">
             <a:avLst/>
@@ -3374,7 +3441,7 @@
     </p:spTree>
     <p:extLst>
       <p:ext uri="{BB962C8B-B14F-4D97-AF65-F5344CB8AC3E}">
-        <p14:creationId xmlns:p14="http://schemas.microsoft.com/office/powerpoint/2010/main" val="1380890633"/>
+        <p14:creationId xmlns:p14="http://schemas.microsoft.com/office/powerpoint/2010/main" val="3843722854"/>
       </p:ext>
     </p:extLst>
   </p:cSld>
@@ -3430,7 +3497,7 @@
           <a:p>
             <a:r>
               <a:rPr lang="en-US" dirty="0" smtClean="0"/>
-              <a:t>DLP</a:t>
+              <a:t>DLP Style Printer</a:t>
             </a:r>
             <a:endParaRPr lang="en-US" dirty="0"/>
           </a:p>
@@ -3438,38 +3505,81 @@
       </p:sp>
       <p:pic>
         <p:nvPicPr>
-          <p:cNvPr id="8" name="Picture 7"/>
+          <p:cNvPr id="4" name="nxhUjPmxrP0"/>
           <p:cNvPicPr>
-            <a:picLocks noChangeAspect="1"/>
+            <a:picLocks noGrp="1" noRot="1" noChangeAspect="1"/>
           </p:cNvPicPr>
-          <p:nvPr/>
+          <p:nvPr>
+            <p:ph idx="1"/>
+            <a:videoFile r:link="rId1"/>
+          </p:nvPr>
         </p:nvPicPr>
         <p:blipFill>
-          <a:blip r:embed="rId2">
-            <a:extLst>
-              <a:ext uri="{28A0092B-C50C-407E-A947-70E740481C1C}">
-                <a14:useLocalDpi xmlns:a14="http://schemas.microsoft.com/office/drawing/2010/main" val="0"/>
-              </a:ext>
-            </a:extLst>
-          </a:blip>
+          <a:blip r:embed="rId3"/>
           <a:stretch>
             <a:fillRect/>
           </a:stretch>
         </p:blipFill>
         <p:spPr>
           <a:xfrm>
-            <a:off x="1524000" y="990600"/>
-            <a:ext cx="6248400" cy="3749040"/>
+            <a:off x="1447800" y="1143000"/>
+            <a:ext cx="6477000" cy="3643313"/>
           </a:xfrm>
           <a:prstGeom prst="rect">
             <a:avLst/>
           </a:prstGeom>
         </p:spPr>
       </p:pic>
+      <p:sp>
+        <p:nvSpPr>
+          <p:cNvPr id="3" name="TextBox 2"/>
+          <p:cNvSpPr txBox="1"/>
+          <p:nvPr/>
+        </p:nvSpPr>
+        <p:spPr>
+          <a:xfrm>
+            <a:off x="566057" y="5149334"/>
+            <a:ext cx="7848600" cy="369332"/>
+          </a:xfrm>
+          <a:prstGeom prst="rect">
+            <a:avLst/>
+          </a:prstGeom>
+          <a:noFill/>
+        </p:spPr>
+        <p:txBody>
+          <a:bodyPr wrap="square" rtlCol="0">
+            <a:spAutoFit/>
+          </a:bodyPr>
+          <a:lstStyle/>
+          <a:p>
+            <a:r>
+              <a:rPr lang="en-US" dirty="0"/>
+              <a:t>(</a:t>
+            </a:r>
+            <a:r>
+              <a:rPr lang="en-US" dirty="0">
+                <a:hlinkClick r:id="rId4"/>
+              </a:rPr>
+              <a:t>https://</a:t>
+            </a:r>
+            <a:r>
+              <a:rPr lang="en-US" dirty="0" smtClean="0">
+                <a:hlinkClick r:id="rId4"/>
+              </a:rPr>
+              <a:t>www.youtube.com/watch?feature=player_embedded&amp;v=nxhUjPmxrP0</a:t>
+            </a:r>
+            <a:r>
+              <a:rPr lang="en-US" dirty="0" smtClean="0"/>
+              <a:t> )</a:t>
+            </a:r>
+            <a:endParaRPr lang="en-US" dirty="0"/>
+          </a:p>
+        </p:txBody>
+      </p:sp>
     </p:spTree>
     <p:extLst>
       <p:ext uri="{BB962C8B-B14F-4D97-AF65-F5344CB8AC3E}">
-        <p14:creationId xmlns:p14="http://schemas.microsoft.com/office/powerpoint/2010/main" val="3843722854"/>
+        <p14:creationId xmlns:p14="http://schemas.microsoft.com/office/powerpoint/2010/main" val="3948974908"/>
       </p:ext>
     </p:extLst>
   </p:cSld>
@@ -3525,43 +3635,56 @@
           <a:p>
             <a:r>
               <a:rPr lang="en-US" dirty="0" smtClean="0"/>
-              <a:t>DLP Style Printer</a:t>
+              <a:t>Money, Money, Money</a:t>
             </a:r>
             <a:endParaRPr lang="en-US" dirty="0"/>
           </a:p>
         </p:txBody>
       </p:sp>
-      <p:pic>
-        <p:nvPicPr>
-          <p:cNvPr id="4" name="nxhUjPmxrP0"/>
-          <p:cNvPicPr>
-            <a:picLocks noGrp="1" noRot="1" noChangeAspect="1"/>
-          </p:cNvPicPr>
+      <p:sp>
+        <p:nvSpPr>
+          <p:cNvPr id="3" name="Content Placeholder 2"/>
+          <p:cNvSpPr>
+            <a:spLocks noGrp="1"/>
+          </p:cNvSpPr>
           <p:nvPr>
             <p:ph idx="1"/>
-            <a:videoFile r:link="rId1"/>
-          </p:nvPr>
-        </p:nvPicPr>
-        <p:blipFill>
-          <a:blip r:embed="rId3"/>
-          <a:stretch>
-            <a:fillRect/>
-          </a:stretch>
-        </p:blipFill>
-        <p:spPr>
-          <a:xfrm>
-            <a:off x="1447800" y="1143000"/>
-            <a:ext cx="6477000" cy="3643313"/>
-          </a:xfrm>
-          <a:prstGeom prst="rect">
-            <a:avLst/>
-          </a:prstGeom>
-        </p:spPr>
-      </p:pic>
+          </p:nvPr>
+        </p:nvSpPr>
+        <p:spPr>
+          <a:xfrm>
+            <a:off x="457200" y="1219200"/>
+            <a:ext cx="8229600" cy="4525963"/>
+          </a:xfrm>
+        </p:spPr>
+        <p:txBody>
+          <a:bodyPr/>
+          <a:lstStyle/>
+          <a:p>
+            <a:r>
+              <a:rPr lang="en-US" dirty="0" smtClean="0"/>
+              <a:t>Overall price range $500 - $2500+</a:t>
+            </a:r>
+          </a:p>
+          <a:p>
+            <a:r>
+              <a:rPr lang="en-US" dirty="0" smtClean="0"/>
+              <a:t>Why the difference?</a:t>
+            </a:r>
+          </a:p>
+          <a:p>
+            <a:r>
+              <a:rPr lang="en-US" dirty="0" smtClean="0"/>
+              <a:t>Technology (type) and build volume.</a:t>
+            </a:r>
+            <a:endParaRPr lang="en-US" dirty="0"/>
+          </a:p>
+        </p:txBody>
+      </p:sp>
     </p:spTree>
     <p:extLst>
       <p:ext uri="{BB962C8B-B14F-4D97-AF65-F5344CB8AC3E}">
-        <p14:creationId xmlns:p14="http://schemas.microsoft.com/office/powerpoint/2010/main" val="3948974908"/>
+        <p14:creationId xmlns:p14="http://schemas.microsoft.com/office/powerpoint/2010/main" val="2106186704"/>
       </p:ext>
     </p:extLst>
   </p:cSld>
@@ -3617,7 +3740,7 @@
           <a:p>
             <a:r>
               <a:rPr lang="en-US" dirty="0" smtClean="0"/>
-              <a:t>Money, Money, Money</a:t>
+              <a:t>Differences</a:t>
             </a:r>
             <a:endParaRPr lang="en-US" dirty="0"/>
           </a:p>
@@ -3640,33 +3763,64 @@
           </a:xfrm>
         </p:spPr>
         <p:txBody>
-          <a:bodyPr/>
-          <a:lstStyle/>
-          <a:p>
-            <a:r>
-              <a:rPr lang="en-US" dirty="0" smtClean="0"/>
-              <a:t>Overall price range $500 - $2500+</a:t>
-            </a:r>
-          </a:p>
-          <a:p>
-            <a:r>
-              <a:rPr lang="en-US" dirty="0" smtClean="0"/>
-              <a:t>Why the difference?</a:t>
-            </a:r>
-          </a:p>
-          <a:p>
-            <a:r>
-              <a:rPr lang="en-US" dirty="0" smtClean="0"/>
-              <a:t>Technology (type) and build volume.</a:t>
-            </a:r>
-            <a:endParaRPr lang="en-US" dirty="0"/>
+          <a:bodyPr>
+            <a:normAutofit/>
+          </a:bodyPr>
+          <a:lstStyle/>
+          <a:p>
+            <a:r>
+              <a:rPr lang="en-US" dirty="0" smtClean="0"/>
+              <a:t>Technology (material)</a:t>
+            </a:r>
+          </a:p>
+          <a:p>
+            <a:pPr lvl="1"/>
+            <a:r>
+              <a:rPr lang="en-US" dirty="0" smtClean="0"/>
+              <a:t>Filament</a:t>
+            </a:r>
+          </a:p>
+          <a:p>
+            <a:pPr lvl="2"/>
+            <a:r>
+              <a:rPr lang="en-US" dirty="0" smtClean="0"/>
+              <a:t>PLA ($500 kit)</a:t>
+            </a:r>
+          </a:p>
+          <a:p>
+            <a:pPr lvl="2"/>
+            <a:r>
+              <a:rPr lang="en-US" dirty="0" smtClean="0"/>
+              <a:t>ABS (heated bed) (+$100)</a:t>
+            </a:r>
+          </a:p>
+          <a:p>
+            <a:pPr lvl="2"/>
+            <a:r>
+              <a:rPr lang="en-US" dirty="0" smtClean="0"/>
+              <a:t>Assembled (+$150)</a:t>
+            </a:r>
+          </a:p>
+          <a:p>
+            <a:pPr lvl="2"/>
+            <a:r>
+              <a:rPr lang="en-US" dirty="0" smtClean="0"/>
+              <a:t>Dual Head (+$200)</a:t>
+            </a:r>
+          </a:p>
+          <a:p>
+            <a:pPr lvl="1"/>
+            <a:r>
+              <a:rPr lang="en-US" dirty="0" smtClean="0"/>
+              <a:t>Resin (DLP)</a:t>
+            </a:r>
           </a:p>
         </p:txBody>
       </p:sp>
     </p:spTree>
     <p:extLst>
       <p:ext uri="{BB962C8B-B14F-4D97-AF65-F5344CB8AC3E}">
-        <p14:creationId xmlns:p14="http://schemas.microsoft.com/office/powerpoint/2010/main" val="2106186704"/>
+        <p14:creationId xmlns:p14="http://schemas.microsoft.com/office/powerpoint/2010/main" val="3867764672"/>
       </p:ext>
     </p:extLst>
   </p:cSld>
@@ -3752,57 +3906,37 @@
           <a:p>
             <a:r>
               <a:rPr lang="en-US" dirty="0" smtClean="0"/>
-              <a:t>Technology (material)</a:t>
+              <a:t>Build Volume</a:t>
             </a:r>
           </a:p>
           <a:p>
             <a:pPr lvl="1"/>
             <a:r>
               <a:rPr lang="en-US" dirty="0" smtClean="0"/>
-              <a:t>Filament</a:t>
-            </a:r>
-          </a:p>
-          <a:p>
-            <a:pPr lvl="2"/>
-            <a:r>
-              <a:rPr lang="en-US" dirty="0" smtClean="0"/>
-              <a:t>PLA ($500 kit)</a:t>
-            </a:r>
-          </a:p>
-          <a:p>
-            <a:pPr lvl="2"/>
-            <a:r>
-              <a:rPr lang="en-US" dirty="0" smtClean="0"/>
-              <a:t>ABS (heated bed) (+$100)</a:t>
-            </a:r>
-          </a:p>
-          <a:p>
-            <a:pPr lvl="2"/>
-            <a:r>
-              <a:rPr lang="en-US" dirty="0" smtClean="0"/>
-              <a:t>Assembled (+$150)</a:t>
-            </a:r>
-          </a:p>
-          <a:p>
-            <a:pPr lvl="2"/>
-            <a:r>
-              <a:rPr lang="en-US" dirty="0" smtClean="0"/>
-              <a:t>Dual Head (+$200)</a:t>
+              <a:t>4” x 4” x 4” ($400)</a:t>
             </a:r>
           </a:p>
           <a:p>
             <a:pPr lvl="1"/>
             <a:r>
               <a:rPr lang="en-US" dirty="0" smtClean="0"/>
-              <a:t>Resin (DLP)</a:t>
-            </a:r>
+              <a:t>10” x 10” x 10” ($1000+)</a:t>
+            </a:r>
+          </a:p>
+          <a:p>
+            <a:pPr lvl="1"/>
+            <a:r>
+              <a:rPr lang="en-US" dirty="0" smtClean="0"/>
+              <a:t>7” x 15” x 7” DLP ($2500+)</a:t>
+            </a:r>
+            <a:endParaRPr lang="en-US" dirty="0"/>
           </a:p>
         </p:txBody>
       </p:sp>
     </p:spTree>
     <p:extLst>
       <p:ext uri="{BB962C8B-B14F-4D97-AF65-F5344CB8AC3E}">
-        <p14:creationId xmlns:p14="http://schemas.microsoft.com/office/powerpoint/2010/main" val="3867764672"/>
+        <p14:creationId xmlns:p14="http://schemas.microsoft.com/office/powerpoint/2010/main" val="1343839109"/>
       </p:ext>
     </p:extLst>
   </p:cSld>
@@ -3858,7 +3992,7 @@
           <a:p>
             <a:r>
               <a:rPr lang="en-US" dirty="0" smtClean="0"/>
-              <a:t>Differences</a:t>
+              <a:t>Filament</a:t>
             </a:r>
             <a:endParaRPr lang="en-US" dirty="0"/>
           </a:p>
@@ -3888,28 +4022,34 @@
           <a:p>
             <a:r>
               <a:rPr lang="en-US" dirty="0" smtClean="0"/>
-              <a:t>Build Volume</a:t>
+              <a:t>Size 1.75mm (standard) &amp; 3.00mm (old)</a:t>
+            </a:r>
+          </a:p>
+          <a:p>
+            <a:r>
+              <a:rPr lang="en-US" dirty="0" smtClean="0"/>
+              <a:t>Material</a:t>
             </a:r>
           </a:p>
           <a:p>
             <a:pPr lvl="1"/>
             <a:r>
               <a:rPr lang="en-US" dirty="0" smtClean="0"/>
-              <a:t>4” x 4” x 4” ($400)</a:t>
+              <a:t>PLA (Strong, stiff, fast print)</a:t>
             </a:r>
           </a:p>
           <a:p>
             <a:pPr lvl="1"/>
             <a:r>
               <a:rPr lang="en-US" dirty="0" smtClean="0"/>
-              <a:t>10” x 10” x 10” ($1000+)</a:t>
+              <a:t>ABS (Heated bed, higher temp, slight flex)</a:t>
             </a:r>
           </a:p>
           <a:p>
             <a:pPr lvl="1"/>
             <a:r>
               <a:rPr lang="en-US" dirty="0" smtClean="0"/>
-              <a:t>7” x 15” x 7” DLP ($2500+)</a:t>
+              <a:t>Flex (rubber like)</a:t>
             </a:r>
             <a:endParaRPr lang="en-US" dirty="0"/>
           </a:p>
@@ -3918,7 +4058,7 @@
     </p:spTree>
     <p:extLst>
       <p:ext uri="{BB962C8B-B14F-4D97-AF65-F5344CB8AC3E}">
-        <p14:creationId xmlns:p14="http://schemas.microsoft.com/office/powerpoint/2010/main" val="1343839109"/>
+        <p14:creationId xmlns:p14="http://schemas.microsoft.com/office/powerpoint/2010/main" val="3026335734"/>
       </p:ext>
     </p:extLst>
   </p:cSld>
@@ -3974,7 +4114,7 @@
           <a:p>
             <a:r>
               <a:rPr lang="en-US" dirty="0" smtClean="0"/>
-              <a:t>Filament</a:t>
+              <a:t>Filament Exotics</a:t>
             </a:r>
             <a:endParaRPr lang="en-US" dirty="0"/>
           </a:p>
@@ -4004,12 +4144,6 @@
           <a:p>
             <a:r>
               <a:rPr lang="en-US" dirty="0" smtClean="0"/>
-              <a:t>Size 1.75mm (standard) &amp; 3.00mm (old)</a:t>
-            </a:r>
-          </a:p>
-          <a:p>
-            <a:r>
-              <a:rPr lang="en-US" dirty="0" smtClean="0"/>
               <a:t>Material</a:t>
             </a:r>
           </a:p>
@@ -4017,21 +4151,47 @@
             <a:pPr lvl="1"/>
             <a:r>
               <a:rPr lang="en-US" dirty="0" smtClean="0"/>
-              <a:t>PLA (Strong, stiff, fast print)</a:t>
+              <a:t>Nylon (Very Strong, very high print temp)</a:t>
             </a:r>
           </a:p>
           <a:p>
             <a:pPr lvl="1"/>
             <a:r>
               <a:rPr lang="en-US" dirty="0" smtClean="0"/>
-              <a:t>ABS (Heated bed, higher temp, slight flex)</a:t>
+              <a:t>Wood</a:t>
             </a:r>
           </a:p>
           <a:p>
             <a:pPr lvl="1"/>
             <a:r>
               <a:rPr lang="en-US" dirty="0" smtClean="0"/>
-              <a:t>Flex (rubber like)</a:t>
+              <a:t>Conductive</a:t>
+            </a:r>
+          </a:p>
+          <a:p>
+            <a:pPr lvl="1"/>
+            <a:r>
+              <a:rPr lang="en-US" dirty="0" err="1" smtClean="0"/>
+              <a:t>Metalic</a:t>
+            </a:r>
+            <a:r>
+              <a:rPr lang="en-US" dirty="0" smtClean="0"/>
+              <a:t> (bronze, iron, </a:t>
+            </a:r>
+            <a:r>
+              <a:rPr lang="en-US" dirty="0" err="1" smtClean="0"/>
+              <a:t>etc</a:t>
+            </a:r>
+            <a:r>
+              <a:rPr lang="en-US" dirty="0" smtClean="0"/>
+              <a:t>)</a:t>
+            </a:r>
+          </a:p>
+          <a:p>
+            <a:pPr lvl="1"/>
+            <a:r>
+              <a:rPr lang="en-US" dirty="0" smtClean="0"/>
+              <a:t>Ceramic</a:t>
             </a:r>
             <a:endParaRPr lang="en-US" dirty="0"/>
           </a:p>
@@ -4040,7 +4200,7 @@
     </p:spTree>
     <p:extLst>
       <p:ext uri="{BB962C8B-B14F-4D97-AF65-F5344CB8AC3E}">
-        <p14:creationId xmlns:p14="http://schemas.microsoft.com/office/powerpoint/2010/main" val="3026335734"/>
+        <p14:creationId xmlns:p14="http://schemas.microsoft.com/office/powerpoint/2010/main" val="3618842773"/>
       </p:ext>
     </p:extLst>
   </p:cSld>
@@ -4096,7 +4256,7 @@
           <a:p>
             <a:r>
               <a:rPr lang="en-US" dirty="0" smtClean="0"/>
-              <a:t>Filament Exotics</a:t>
+              <a:t>What to Print?</a:t>
             </a:r>
             <a:endParaRPr lang="en-US" dirty="0"/>
           </a:p>
@@ -4126,63 +4286,94 @@
           <a:p>
             <a:r>
               <a:rPr lang="en-US" dirty="0" smtClean="0"/>
-              <a:t>Material</a:t>
+              <a:t>You need a 3D model (.</a:t>
+            </a:r>
+            <a:r>
+              <a:rPr lang="en-US" dirty="0" err="1" smtClean="0"/>
+              <a:t>stl</a:t>
+            </a:r>
+            <a:r>
+              <a:rPr lang="en-US" dirty="0" smtClean="0"/>
+              <a:t> file)</a:t>
             </a:r>
           </a:p>
           <a:p>
             <a:pPr lvl="1"/>
             <a:r>
               <a:rPr lang="en-US" dirty="0" smtClean="0"/>
-              <a:t>Nylon (Very Strong, very high print temp)</a:t>
-            </a:r>
+              <a:t>Use an existing model </a:t>
+            </a:r>
+          </a:p>
+          <a:p>
+            <a:pPr lvl="2"/>
+            <a:r>
+              <a:rPr lang="en-US" dirty="0" smtClean="0">
+                <a:hlinkClick r:id="rId2"/>
+              </a:rPr>
+              <a:t>www.thingiverse.com</a:t>
+            </a:r>
+            <a:endParaRPr lang="en-US" dirty="0" smtClean="0"/>
           </a:p>
           <a:p>
             <a:pPr lvl="1"/>
             <a:r>
               <a:rPr lang="en-US" dirty="0" smtClean="0"/>
-              <a:t>Wood</a:t>
-            </a:r>
-          </a:p>
-          <a:p>
-            <a:pPr lvl="1"/>
-            <a:r>
-              <a:rPr lang="en-US" dirty="0" smtClean="0"/>
-              <a:t>Conductive</a:t>
-            </a:r>
-          </a:p>
-          <a:p>
-            <a:pPr lvl="1"/>
+              <a:t>Make your own model</a:t>
+            </a:r>
+          </a:p>
+          <a:p>
+            <a:pPr lvl="2"/>
             <a:r>
               <a:rPr lang="en-US" dirty="0" err="1" smtClean="0"/>
-              <a:t>Metalic</a:t>
-            </a:r>
-            <a:r>
-              <a:rPr lang="en-US" dirty="0" smtClean="0"/>
-              <a:t> (bronze, iron, </a:t>
-            </a:r>
+              <a:t>Tinkercad</a:t>
+            </a:r>
+            <a:r>
+              <a:rPr lang="en-US" dirty="0" smtClean="0"/>
+              <a:t> (web based </a:t>
+            </a:r>
+            <a:r>
+              <a:rPr lang="en-US" dirty="0" smtClean="0">
+                <a:hlinkClick r:id="rId3"/>
+              </a:rPr>
+              <a:t>www.tinkercad.com</a:t>
+            </a:r>
+            <a:r>
+              <a:rPr lang="en-US" dirty="0" smtClean="0"/>
+              <a:t> )</a:t>
+            </a:r>
+          </a:p>
+          <a:p>
+            <a:pPr lvl="2"/>
             <a:r>
               <a:rPr lang="en-US" dirty="0" err="1" smtClean="0"/>
-              <a:t>etc</a:t>
-            </a:r>
-            <a:r>
-              <a:rPr lang="en-US" dirty="0" smtClean="0"/>
-              <a:t>)</a:t>
-            </a:r>
-          </a:p>
-          <a:p>
-            <a:pPr lvl="1"/>
-            <a:r>
-              <a:rPr lang="en-US" dirty="0" smtClean="0"/>
-              <a:t>Ceramic</a:t>
-            </a:r>
-            <a:endParaRPr lang="en-US" dirty="0"/>
+              <a:t>Meshmixer</a:t>
+            </a:r>
+            <a:endParaRPr lang="en-US" dirty="0" smtClean="0"/>
+          </a:p>
+          <a:p>
+            <a:pPr lvl="2"/>
+            <a:r>
+              <a:rPr lang="en-US" dirty="0" smtClean="0"/>
+              <a:t>Blender (open source)</a:t>
+            </a:r>
+          </a:p>
+          <a:p>
+            <a:pPr lvl="2"/>
+            <a:r>
+              <a:rPr lang="en-US" dirty="0" err="1" smtClean="0"/>
+              <a:t>Autocad</a:t>
+            </a:r>
+            <a:r>
+              <a:rPr lang="en-US" dirty="0" smtClean="0"/>
+              <a:t> 123D Design</a:t>
+            </a:r>
           </a:p>
         </p:txBody>
       </p:sp>
     </p:spTree>
     <p:extLst>
       <p:ext uri="{BB962C8B-B14F-4D97-AF65-F5344CB8AC3E}">
-        <p14:creationId xmlns:p14="http://schemas.microsoft.com/office/powerpoint/2010/main" val="3618842773"/>
+        <p14:creationId xmlns:p14="http://schemas.microsoft.com/office/powerpoint/2010/main" val="1551500598"/>
       </p:ext>
     </p:extLst>
   </p:cSld>
@@ -4238,7 +4429,7 @@
           <a:p>
             <a:r>
               <a:rPr lang="en-US" dirty="0" smtClean="0"/>
-              <a:t>What to Print?</a:t>
+              <a:t>How to Print?</a:t>
             </a:r>
             <a:endParaRPr lang="en-US" dirty="0"/>
           </a:p>
@@ -4256,8 +4447,8 @@
         </p:nvSpPr>
         <p:spPr>
           <a:xfrm>
-            <a:off x="457200" y="1219200"/>
-            <a:ext cx="8229600" cy="4525963"/>
+            <a:off x="437909" y="914400"/>
+            <a:ext cx="8229600" cy="1219200"/>
           </a:xfrm>
         </p:spPr>
         <p:txBody>
@@ -4268,94 +4459,149 @@
           <a:p>
             <a:r>
               <a:rPr lang="en-US" dirty="0" smtClean="0"/>
-              <a:t>You need a 3D model (.</a:t>
+              <a:t>3D printers use </a:t>
             </a:r>
             <a:r>
               <a:rPr lang="en-US" dirty="0" err="1" smtClean="0"/>
-              <a:t>stl</a:t>
-            </a:r>
-            <a:r>
-              <a:rPr lang="en-US" dirty="0" smtClean="0"/>
-              <a:t> file)</a:t>
-            </a:r>
+              <a:t>GCode</a:t>
+            </a:r>
+            <a:endParaRPr lang="en-US" dirty="0" smtClean="0"/>
           </a:p>
           <a:p>
             <a:pPr lvl="1"/>
             <a:r>
               <a:rPr lang="en-US" dirty="0" smtClean="0"/>
-              <a:t>Use an existing model </a:t>
-            </a:r>
-          </a:p>
-          <a:p>
-            <a:pPr lvl="2"/>
-            <a:r>
-              <a:rPr lang="en-US" dirty="0" smtClean="0">
-                <a:hlinkClick r:id="rId2"/>
-              </a:rPr>
-              <a:t>www.thingiverse.com</a:t>
-            </a:r>
-            <a:endParaRPr lang="en-US" dirty="0" smtClean="0"/>
-          </a:p>
-          <a:p>
-            <a:pPr lvl="1"/>
-            <a:r>
-              <a:rPr lang="en-US" dirty="0" smtClean="0"/>
-              <a:t>Make your own model</a:t>
-            </a:r>
-          </a:p>
-          <a:p>
-            <a:pPr lvl="2"/>
+              <a:t>Set of instructions (movement, speed, temp, </a:t>
+            </a:r>
             <a:r>
               <a:rPr lang="en-US" dirty="0" err="1" smtClean="0"/>
-              <a:t>Tinkercad</a:t>
-            </a:r>
-            <a:r>
-              <a:rPr lang="en-US" dirty="0" smtClean="0"/>
-              <a:t> (web based </a:t>
-            </a:r>
-            <a:r>
-              <a:rPr lang="en-US" dirty="0" smtClean="0">
-                <a:hlinkClick r:id="rId3"/>
-              </a:rPr>
-              <a:t>www.tinkercad.com</a:t>
-            </a:r>
-            <a:r>
-              <a:rPr lang="en-US" dirty="0" smtClean="0"/>
-              <a:t> )</a:t>
-            </a:r>
-          </a:p>
-          <a:p>
-            <a:pPr lvl="2"/>
+              <a:t>etc</a:t>
+            </a:r>
+            <a:r>
+              <a:rPr lang="en-US" dirty="0" smtClean="0"/>
+              <a:t>)</a:t>
+            </a:r>
+          </a:p>
+        </p:txBody>
+      </p:sp>
+      <p:sp>
+        <p:nvSpPr>
+          <p:cNvPr id="4" name="TextBox 3"/>
+          <p:cNvSpPr txBox="1"/>
+          <p:nvPr/>
+        </p:nvSpPr>
+        <p:spPr>
+          <a:xfrm>
+            <a:off x="514109" y="2057400"/>
+            <a:ext cx="8153400" cy="3693319"/>
+          </a:xfrm>
+          <a:prstGeom prst="rect">
+            <a:avLst/>
+          </a:prstGeom>
+          <a:noFill/>
+        </p:spPr>
+        <p:txBody>
+          <a:bodyPr wrap="square" rtlCol="0">
+            <a:spAutoFit/>
+          </a:bodyPr>
+          <a:lstStyle/>
+          <a:p>
+            <a:r>
+              <a:rPr lang="en-US" dirty="0" smtClean="0"/>
+              <a:t>(**** </a:t>
+            </a:r>
             <a:r>
               <a:rPr lang="en-US" dirty="0" err="1" smtClean="0"/>
-              <a:t>Meshmixer</a:t>
-            </a:r>
-            <a:endParaRPr lang="en-US" dirty="0" smtClean="0"/>
-          </a:p>
-          <a:p>
-            <a:pPr lvl="2"/>
-            <a:r>
-              <a:rPr lang="en-US" dirty="0" smtClean="0"/>
-              <a:t>Blender (open source)</a:t>
-            </a:r>
-          </a:p>
-          <a:p>
-            <a:pPr lvl="2"/>
+              <a:t>start.gcode</a:t>
+            </a:r>
+            <a:r>
+              <a:rPr lang="en-US" dirty="0" smtClean="0"/>
+              <a:t> for The Replicator, dual head ****)</a:t>
+            </a:r>
+          </a:p>
+          <a:p>
+            <a:r>
+              <a:rPr lang="en-US" dirty="0" smtClean="0"/>
+              <a:t>M103 (disable RPM)</a:t>
+            </a:r>
+          </a:p>
+          <a:p>
+            <a:r>
+              <a:rPr lang="en-US" dirty="0" smtClean="0"/>
+              <a:t>M73 P0 (enable build progress)</a:t>
+            </a:r>
+          </a:p>
+          <a:p>
+            <a:r>
+              <a:rPr lang="en-US" dirty="0" smtClean="0"/>
+              <a:t>G21 (set units to mm)</a:t>
+            </a:r>
+          </a:p>
+          <a:p>
+            <a:r>
+              <a:rPr lang="en-US" dirty="0" smtClean="0"/>
+              <a:t>G90 (set positioning to absolute)</a:t>
+            </a:r>
+          </a:p>
+          <a:p>
+            <a:r>
+              <a:rPr lang="en-US" dirty="0" smtClean="0"/>
+              <a:t>M109 S065 T0 (set HBP temperature)</a:t>
+            </a:r>
+          </a:p>
+          <a:p>
+            <a:r>
+              <a:rPr lang="en-US" dirty="0" smtClean="0"/>
+              <a:t>M104 S220 T0 (set extruder temperature) (temp updated by </a:t>
+            </a:r>
             <a:r>
               <a:rPr lang="en-US" dirty="0" err="1" smtClean="0"/>
-              <a:t>Autocad</a:t>
-            </a:r>
-            <a:r>
-              <a:rPr lang="en-US" dirty="0" smtClean="0"/>
-              <a:t> 123D Design</a:t>
-            </a:r>
+              <a:t>printOMatic</a:t>
+            </a:r>
+            <a:r>
+              <a:rPr lang="en-US" dirty="0" smtClean="0"/>
+              <a:t>)</a:t>
+            </a:r>
+          </a:p>
+          <a:p>
+            <a:r>
+              <a:rPr lang="en-US" dirty="0" smtClean="0"/>
+              <a:t>…</a:t>
+            </a:r>
+          </a:p>
+          <a:p>
+            <a:r>
+              <a:rPr lang="en-US" dirty="0" smtClean="0"/>
+              <a:t>G1 X-29.91 Y-29.91 Z0.1 F1080.0 E1.0</a:t>
+            </a:r>
+          </a:p>
+          <a:p>
+            <a:r>
+              <a:rPr lang="en-US" dirty="0" smtClean="0"/>
+              <a:t>G1 X-23.5 Y-35.17 Z0.1 F1080.0 E1.3</a:t>
+            </a:r>
+          </a:p>
+          <a:p>
+            <a:r>
+              <a:rPr lang="en-US" dirty="0" smtClean="0"/>
+              <a:t>G1 X-16.19 Y-39.08 Z0.1 F1080.0 E1.6</a:t>
+            </a:r>
+          </a:p>
+          <a:p>
+            <a:r>
+              <a:rPr lang="en-US" dirty="0" smtClean="0"/>
+              <a:t>G1 X-8.25 Y-41.49 Z0.1 F1080.0 E1.9</a:t>
+            </a:r>
+          </a:p>
+          <a:p>
+            <a:endParaRPr lang="en-US" dirty="0"/>
           </a:p>
         </p:txBody>
       </p:sp>
     </p:spTree>
     <p:extLst>
       <p:ext uri="{BB962C8B-B14F-4D97-AF65-F5344CB8AC3E}">
-        <p14:creationId xmlns:p14="http://schemas.microsoft.com/office/powerpoint/2010/main" val="1551500598"/>
+        <p14:creationId xmlns:p14="http://schemas.microsoft.com/office/powerpoint/2010/main" val="2291998744"/>
       </p:ext>
     </p:extLst>
   </p:cSld>
@@ -4396,71 +4642,117 @@
             <a:spLocks noGrp="1"/>
           </p:cNvSpPr>
           <p:nvPr>
-            <p:ph type="ctrTitle"/>
-          </p:nvPr>
-        </p:nvSpPr>
-        <p:spPr>
-          <a:xfrm>
-            <a:off x="533400" y="457200"/>
-            <a:ext cx="7772400" cy="1470025"/>
-          </a:xfrm>
-        </p:spPr>
-        <p:txBody>
-          <a:bodyPr/>
-          <a:lstStyle/>
-          <a:p>
-            <a:r>
-              <a:rPr lang="en-US" dirty="0" smtClean="0"/>
-              <a:t>Introduction to 3D Printing</a:t>
-            </a:r>
-            <a:endParaRPr lang="en-US" dirty="0"/>
-          </a:p>
-        </p:txBody>
-      </p:sp>
-      <p:sp>
-        <p:nvSpPr>
-          <p:cNvPr id="3" name="Subtitle 2"/>
-          <p:cNvSpPr>
-            <a:spLocks noGrp="1"/>
-          </p:cNvSpPr>
-          <p:nvPr>
-            <p:ph type="subTitle" idx="1"/>
-          </p:nvPr>
-        </p:nvSpPr>
-        <p:spPr>
-          <a:xfrm>
-            <a:off x="228600" y="2212975"/>
-            <a:ext cx="8458200" cy="1752600"/>
-          </a:xfrm>
-        </p:spPr>
-        <p:txBody>
-          <a:bodyPr/>
-          <a:lstStyle/>
-          <a:p>
-            <a:r>
-              <a:rPr lang="en-US" dirty="0" smtClean="0"/>
-              <a:t>“</a:t>
+            <p:ph type="title"/>
+          </p:nvPr>
+        </p:nvSpPr>
+        <p:spPr>
+          <a:xfrm>
+            <a:off x="457200" y="0"/>
+            <a:ext cx="8229600" cy="762000"/>
+          </a:xfrm>
+        </p:spPr>
+        <p:txBody>
+          <a:bodyPr>
+            <a:normAutofit/>
+          </a:bodyPr>
+          <a:lstStyle/>
+          <a:p>
+            <a:r>
+              <a:rPr lang="en-US" b="1" cap="all" dirty="0">
+                <a:solidFill>
+                  <a:srgbClr val="C00000"/>
+                </a:solidFill>
+              </a:rPr>
+              <a:t>WELCOME</a:t>
+            </a:r>
+            <a:r>
+              <a:rPr lang="en-US" b="1" cap="all" dirty="0" smtClean="0">
+                <a:solidFill>
+                  <a:srgbClr val="C00000"/>
+                </a:solidFill>
+              </a:rPr>
+              <a:t>!</a:t>
+            </a:r>
+            <a:endParaRPr lang="en-US" dirty="0">
+              <a:solidFill>
+                <a:srgbClr val="C00000"/>
+              </a:solidFill>
+            </a:endParaRPr>
+          </a:p>
+        </p:txBody>
+      </p:sp>
+      <p:sp>
+        <p:nvSpPr>
+          <p:cNvPr id="3" name="Content Placeholder 2"/>
+          <p:cNvSpPr>
+            <a:spLocks noGrp="1"/>
+          </p:cNvSpPr>
+          <p:nvPr>
+            <p:ph idx="1"/>
+          </p:nvPr>
+        </p:nvSpPr>
+        <p:spPr>
+          <a:xfrm>
+            <a:off x="457200" y="762000"/>
+            <a:ext cx="8229600" cy="4525963"/>
+          </a:xfrm>
+        </p:spPr>
+        <p:txBody>
+          <a:bodyPr>
+            <a:normAutofit/>
+          </a:bodyPr>
+          <a:lstStyle/>
+          <a:p>
+            <a:pPr marL="0" indent="0" fontAlgn="base">
+              <a:buNone/>
+            </a:pPr>
+            <a:r>
+              <a:rPr lang="en-US" dirty="0" smtClean="0"/>
+              <a:t>Girl </a:t>
             </a:r>
             <a:r>
               <a:rPr lang="en-US" dirty="0"/>
-              <a:t> I want to say one word to you. Just one word</a:t>
-            </a:r>
-            <a:r>
-              <a:rPr lang="en-US" dirty="0" smtClean="0"/>
-              <a:t>.…</a:t>
-            </a:r>
-          </a:p>
-          <a:p>
-            <a:r>
-              <a:rPr lang="en-US" dirty="0" smtClean="0"/>
-              <a:t>Plastics”</a:t>
-            </a:r>
-          </a:p>
-          <a:p>
-            <a:r>
-              <a:rPr lang="en-US" dirty="0" smtClean="0"/>
-              <a:t>The Graduate - 1967</a:t>
-            </a:r>
+              <a:t>Develop It is here to provide affordable and accessible programs to learn software through mentorship and hands-on instruction.</a:t>
+            </a:r>
+          </a:p>
+          <a:p>
+            <a:pPr marL="0" indent="0" fontAlgn="base">
+              <a:buNone/>
+            </a:pPr>
+            <a:r>
+              <a:rPr lang="en-US" dirty="0"/>
+              <a:t>Some "rules"</a:t>
+            </a:r>
+          </a:p>
+          <a:p>
+            <a:pPr fontAlgn="base"/>
+            <a:r>
+              <a:rPr lang="en-US" dirty="0"/>
+              <a:t>We are here for you!</a:t>
+            </a:r>
+          </a:p>
+          <a:p>
+            <a:pPr fontAlgn="base"/>
+            <a:r>
+              <a:rPr lang="en-US" dirty="0"/>
+              <a:t>Every question is important</a:t>
+            </a:r>
+          </a:p>
+          <a:p>
+            <a:pPr fontAlgn="base"/>
+            <a:r>
+              <a:rPr lang="en-US" dirty="0"/>
+              <a:t>Help each other</a:t>
+            </a:r>
+          </a:p>
+          <a:p>
+            <a:pPr fontAlgn="base"/>
+            <a:r>
+              <a:rPr lang="en-US" dirty="0"/>
+              <a:t>Have fun</a:t>
+            </a:r>
+          </a:p>
+          <a:p>
             <a:endParaRPr lang="en-US" dirty="0"/>
           </a:p>
         </p:txBody>
@@ -4468,7 +4760,7 @@
     </p:spTree>
     <p:extLst>
       <p:ext uri="{BB962C8B-B14F-4D97-AF65-F5344CB8AC3E}">
-        <p14:creationId xmlns:p14="http://schemas.microsoft.com/office/powerpoint/2010/main" val="2666580265"/>
+        <p14:creationId xmlns:p14="http://schemas.microsoft.com/office/powerpoint/2010/main" val="3634930489"/>
       </p:ext>
     </p:extLst>
   </p:cSld>
@@ -4524,7 +4816,7 @@
           <a:p>
             <a:r>
               <a:rPr lang="en-US" dirty="0" smtClean="0"/>
-              <a:t>How to Print?</a:t>
+              <a:t>Slicers</a:t>
             </a:r>
             <a:endParaRPr lang="en-US" dirty="0"/>
           </a:p>
@@ -4543,7 +4835,7 @@
         <p:spPr>
           <a:xfrm>
             <a:off x="437909" y="914400"/>
-            <a:ext cx="8229600" cy="1219200"/>
+            <a:ext cx="8229600" cy="4267200"/>
           </a:xfrm>
         </p:spPr>
         <p:txBody>
@@ -4554,7 +4846,7 @@
           <a:p>
             <a:r>
               <a:rPr lang="en-US" dirty="0" smtClean="0"/>
-              <a:t>3D printers use </a:t>
+              <a:t>Convert Models to </a:t>
             </a:r>
             <a:r>
               <a:rPr lang="en-US" dirty="0" err="1" smtClean="0"/>
@@ -4565,138 +4857,69 @@
           <a:p>
             <a:pPr lvl="1"/>
             <a:r>
-              <a:rPr lang="en-US" dirty="0" smtClean="0"/>
-              <a:t>Set of instructions (movement, speed, temp, </a:t>
-            </a:r>
-            <a:r>
               <a:rPr lang="en-US" dirty="0" err="1" smtClean="0"/>
-              <a:t>etc</a:t>
+              <a:t>Skeinforge</a:t>
+            </a:r>
+            <a:r>
+              <a:rPr lang="en-US" dirty="0" smtClean="0"/>
+              <a:t> used in </a:t>
+            </a:r>
+            <a:r>
+              <a:rPr lang="en-US" dirty="0" err="1" smtClean="0"/>
+              <a:t>ReplicatorG</a:t>
+            </a:r>
+            <a:r>
+              <a:rPr lang="en-US" dirty="0" smtClean="0"/>
+              <a:t> (oldie but a goodie)</a:t>
+            </a:r>
+          </a:p>
+          <a:p>
+            <a:pPr lvl="1"/>
+            <a:r>
+              <a:rPr lang="en-US" dirty="0" smtClean="0"/>
+              <a:t>Slic3r </a:t>
+            </a:r>
+          </a:p>
+          <a:p>
+            <a:pPr lvl="1"/>
+            <a:r>
+              <a:rPr lang="en-US" dirty="0" err="1" smtClean="0"/>
+              <a:t>KISSlicer</a:t>
+            </a:r>
+            <a:endParaRPr lang="en-US" dirty="0" smtClean="0"/>
+          </a:p>
+          <a:p>
+            <a:pPr lvl="1"/>
+            <a:r>
+              <a:rPr lang="en-US" dirty="0" err="1" smtClean="0"/>
+              <a:t>Makerware</a:t>
+            </a:r>
+            <a:r>
+              <a:rPr lang="en-US" dirty="0" smtClean="0"/>
+              <a:t> (</a:t>
+            </a:r>
+            <a:r>
+              <a:rPr lang="en-US" dirty="0" err="1" smtClean="0"/>
+              <a:t>Makerbot</a:t>
             </a:r>
             <a:r>
               <a:rPr lang="en-US" dirty="0" smtClean="0"/>
               <a:t>)</a:t>
             </a:r>
           </a:p>
-        </p:txBody>
-      </p:sp>
-      <p:sp>
-        <p:nvSpPr>
-          <p:cNvPr id="4" name="TextBox 3"/>
-          <p:cNvSpPr txBox="1"/>
-          <p:nvPr/>
-        </p:nvSpPr>
-        <p:spPr>
-          <a:xfrm>
-            <a:off x="514109" y="2057400"/>
-            <a:ext cx="8153400" cy="3693319"/>
-          </a:xfrm>
-          <a:prstGeom prst="rect">
-            <a:avLst/>
-          </a:prstGeom>
-          <a:noFill/>
-        </p:spPr>
-        <p:txBody>
-          <a:bodyPr wrap="square" rtlCol="0">
-            <a:spAutoFit/>
-          </a:bodyPr>
-          <a:lstStyle/>
-          <a:p>
-            <a:r>
-              <a:rPr lang="en-US" dirty="0" smtClean="0"/>
-              <a:t>(**** </a:t>
-            </a:r>
-            <a:r>
-              <a:rPr lang="en-US" dirty="0" err="1" smtClean="0"/>
-              <a:t>start.gcode</a:t>
-            </a:r>
-            <a:r>
-              <a:rPr lang="en-US" dirty="0" smtClean="0"/>
-              <a:t> for The Replicator, dual head ****)</a:t>
-            </a:r>
-          </a:p>
-          <a:p>
-            <a:r>
-              <a:rPr lang="en-US" dirty="0" smtClean="0"/>
-              <a:t>M103 (disable RPM)</a:t>
-            </a:r>
-          </a:p>
-          <a:p>
-            <a:r>
-              <a:rPr lang="en-US" dirty="0" smtClean="0"/>
-              <a:t>M73 P0 (enable build progress)</a:t>
-            </a:r>
-          </a:p>
-          <a:p>
-            <a:r>
-              <a:rPr lang="en-US" dirty="0" smtClean="0"/>
-              <a:t>G21 (set units to mm)</a:t>
-            </a:r>
-          </a:p>
-          <a:p>
-            <a:r>
-              <a:rPr lang="en-US" dirty="0" smtClean="0"/>
-              <a:t>G90 (set positioning to absolute)</a:t>
-            </a:r>
-          </a:p>
-          <a:p>
-            <a:r>
-              <a:rPr lang="en-US" dirty="0" smtClean="0"/>
-              <a:t>M109 S065 T0 (set HBP temperature)</a:t>
-            </a:r>
-          </a:p>
-          <a:p>
-            <a:r>
-              <a:rPr lang="en-US" dirty="0" smtClean="0"/>
-              <a:t>M104 S220 T0 (set extruder temperature) (temp updated by </a:t>
-            </a:r>
-            <a:r>
-              <a:rPr lang="en-US" dirty="0" err="1" smtClean="0"/>
-              <a:t>printOMatic</a:t>
-            </a:r>
-            <a:r>
-              <a:rPr lang="en-US" dirty="0" smtClean="0"/>
-              <a:t>)</a:t>
-            </a:r>
-          </a:p>
-          <a:p>
-            <a:r>
-              <a:rPr lang="en-US" dirty="0" smtClean="0"/>
-              <a:t>…</a:t>
-            </a:r>
-          </a:p>
-          <a:p>
-            <a:r>
-              <a:rPr lang="en-US" dirty="0" smtClean="0"/>
-              <a:t>G1 X-29.91 Y-29.91 Z0.1 F1080.0 E1.0</a:t>
-            </a:r>
-          </a:p>
-          <a:p>
-            <a:r>
-              <a:rPr lang="en-US" dirty="0" smtClean="0"/>
-              <a:t>G1 X-23.5 Y-35.17 Z0.1 F1080.0 E1.3</a:t>
-            </a:r>
-          </a:p>
-          <a:p>
-            <a:r>
-              <a:rPr lang="en-US" dirty="0" smtClean="0"/>
-              <a:t>G1 X-16.19 Y-39.08 Z0.1 F1080.0 E1.6</a:t>
-            </a:r>
-          </a:p>
-          <a:p>
-            <a:r>
-              <a:rPr lang="en-US" dirty="0" smtClean="0"/>
-              <a:t>G1 X-8.25 Y-41.49 Z0.1 F1080.0 E1.9</a:t>
-            </a:r>
-          </a:p>
-          <a:p>
-            <a:endParaRPr lang="en-US" dirty="0"/>
+          <a:p>
+            <a:pPr lvl="1"/>
+            <a:r>
+              <a:rPr lang="en-US" dirty="0" smtClean="0"/>
+              <a:t>Simplify3D ($$$)</a:t>
+            </a:r>
           </a:p>
         </p:txBody>
       </p:sp>
     </p:spTree>
     <p:extLst>
       <p:ext uri="{BB962C8B-B14F-4D97-AF65-F5344CB8AC3E}">
-        <p14:creationId xmlns:p14="http://schemas.microsoft.com/office/powerpoint/2010/main" val="2291998744"/>
+        <p14:creationId xmlns:p14="http://schemas.microsoft.com/office/powerpoint/2010/main" val="1490415496"/>
       </p:ext>
     </p:extLst>
   </p:cSld>
@@ -4752,7 +4975,7 @@
           <a:p>
             <a:r>
               <a:rPr lang="en-US" dirty="0" smtClean="0"/>
-              <a:t>Slicers</a:t>
+              <a:t>Terminology / Settings</a:t>
             </a:r>
             <a:endParaRPr lang="en-US" dirty="0"/>
           </a:p>
@@ -4770,8 +4993,8 @@
         </p:nvSpPr>
         <p:spPr>
           <a:xfrm>
-            <a:off x="437909" y="914400"/>
-            <a:ext cx="8229600" cy="4267200"/>
+            <a:off x="228600" y="914400"/>
+            <a:ext cx="8839200" cy="4267200"/>
           </a:xfrm>
         </p:spPr>
         <p:txBody>
@@ -4782,80 +5005,48 @@
           <a:p>
             <a:r>
               <a:rPr lang="en-US" dirty="0" smtClean="0"/>
-              <a:t>Convert Models to </a:t>
-            </a:r>
-            <a:r>
-              <a:rPr lang="en-US" dirty="0" err="1" smtClean="0"/>
-              <a:t>GCode</a:t>
-            </a:r>
+              <a:t>Layer Height - 0.1, 0.2, 0.3 mm (fine, med, coarse)</a:t>
+            </a:r>
+          </a:p>
+          <a:p>
+            <a:r>
+              <a:rPr lang="en-US" dirty="0" smtClean="0"/>
+              <a:t>Shells - 1,2,…? (2 is common, 4 or more extreme)</a:t>
+            </a:r>
+          </a:p>
+          <a:p>
+            <a:r>
+              <a:rPr lang="en-US" dirty="0" smtClean="0"/>
+              <a:t>Infill -10% - 100% (10% - 20% is common)</a:t>
+            </a:r>
+          </a:p>
+          <a:p>
+            <a:r>
+              <a:rPr lang="en-US" dirty="0" smtClean="0"/>
+              <a:t>Support</a:t>
+            </a:r>
+          </a:p>
+          <a:p>
+            <a:r>
+              <a:rPr lang="en-US" dirty="0" smtClean="0"/>
+              <a:t>Skirt (brim)</a:t>
+            </a:r>
+          </a:p>
+          <a:p>
+            <a:r>
+              <a:rPr lang="en-US" dirty="0" smtClean="0"/>
+              <a:t>Raft</a:t>
+            </a:r>
+          </a:p>
+          <a:p>
             <a:endParaRPr lang="en-US" dirty="0" smtClean="0"/>
-          </a:p>
-          <a:p>
-            <a:pPr lvl="1"/>
-            <a:r>
-              <a:rPr lang="en-US" dirty="0" err="1" smtClean="0"/>
-              <a:t>Skeinforge</a:t>
-            </a:r>
-            <a:r>
-              <a:rPr lang="en-US" dirty="0" smtClean="0"/>
-              <a:t> used in </a:t>
-            </a:r>
-            <a:r>
-              <a:rPr lang="en-US" dirty="0" err="1" smtClean="0"/>
-              <a:t>ReplicatorG</a:t>
-            </a:r>
-            <a:r>
-              <a:rPr lang="en-US" dirty="0" smtClean="0"/>
-              <a:t> (oldie but a goodie)</a:t>
-            </a:r>
-          </a:p>
-          <a:p>
-            <a:pPr lvl="1"/>
-            <a:r>
-              <a:rPr lang="en-US" dirty="0" smtClean="0"/>
-              <a:t>Slic3r </a:t>
-            </a:r>
-          </a:p>
-          <a:p>
-            <a:pPr lvl="1"/>
-            <a:r>
-              <a:rPr lang="en-US" dirty="0" err="1" smtClean="0"/>
-              <a:t>KISSlicer</a:t>
-            </a:r>
-            <a:endParaRPr lang="en-US" dirty="0" smtClean="0"/>
-          </a:p>
-          <a:p>
-            <a:pPr lvl="1"/>
-            <a:r>
-              <a:rPr lang="en-US" dirty="0" err="1" smtClean="0"/>
-              <a:t>Makerware</a:t>
-            </a:r>
-            <a:r>
-              <a:rPr lang="en-US" dirty="0" smtClean="0"/>
-              <a:t> (</a:t>
-            </a:r>
-            <a:r>
-              <a:rPr lang="en-US" dirty="0" err="1" smtClean="0"/>
-              <a:t>Makerbot</a:t>
-            </a:r>
-            <a:r>
-              <a:rPr lang="en-US" dirty="0" smtClean="0"/>
-              <a:t>)</a:t>
-            </a:r>
-          </a:p>
-          <a:p>
-            <a:pPr lvl="1"/>
-            <a:r>
-              <a:rPr lang="en-US" dirty="0" smtClean="0"/>
-              <a:t>Simplify3D ($$$)</a:t>
-            </a:r>
           </a:p>
         </p:txBody>
       </p:sp>
     </p:spTree>
     <p:extLst>
       <p:ext uri="{BB962C8B-B14F-4D97-AF65-F5344CB8AC3E}">
-        <p14:creationId xmlns:p14="http://schemas.microsoft.com/office/powerpoint/2010/main" val="1490415496"/>
+        <p14:creationId xmlns:p14="http://schemas.microsoft.com/office/powerpoint/2010/main" val="40754143"/>
       </p:ext>
     </p:extLst>
   </p:cSld>
@@ -4911,7 +5102,7 @@
           <a:p>
             <a:r>
               <a:rPr lang="en-US" dirty="0" smtClean="0"/>
-              <a:t>Terminology / Settings</a:t>
+              <a:t>Infill</a:t>
             </a:r>
             <a:endParaRPr lang="en-US" dirty="0"/>
           </a:p>
@@ -4919,70 +5110,127 @@
       </p:sp>
       <p:sp>
         <p:nvSpPr>
-          <p:cNvPr id="3" name="Content Placeholder 2"/>
-          <p:cNvSpPr>
-            <a:spLocks noGrp="1"/>
-          </p:cNvSpPr>
-          <p:nvPr>
-            <p:ph idx="1"/>
-          </p:nvPr>
-        </p:nvSpPr>
-        <p:spPr>
-          <a:xfrm>
-            <a:off x="228600" y="914400"/>
-            <a:ext cx="8839200" cy="4267200"/>
-          </a:xfrm>
-        </p:spPr>
-        <p:txBody>
-          <a:bodyPr>
-            <a:normAutofit/>
+          <p:cNvPr id="11" name="TextBox 10"/>
+          <p:cNvSpPr txBox="1"/>
+          <p:nvPr/>
+        </p:nvSpPr>
+        <p:spPr>
+          <a:xfrm>
+            <a:off x="1905000" y="4803523"/>
+            <a:ext cx="1028700" cy="523220"/>
+          </a:xfrm>
+          <a:prstGeom prst="rect">
+            <a:avLst/>
+          </a:prstGeom>
+          <a:noFill/>
+        </p:spPr>
+        <p:txBody>
+          <a:bodyPr wrap="square" rtlCol="0">
+            <a:spAutoFit/>
           </a:bodyPr>
           <a:lstStyle/>
           <a:p>
             <a:r>
-              <a:rPr lang="en-US" dirty="0" smtClean="0"/>
-              <a:t>Layer Height - 0.1, 0.2, 0.3 mm (fine, med, coarse)</a:t>
-            </a:r>
-          </a:p>
-          <a:p>
-            <a:r>
-              <a:rPr lang="en-US" dirty="0" smtClean="0"/>
-              <a:t>Shells - 1,2,…? (2 is common, 4 or more extreme)</a:t>
-            </a:r>
-          </a:p>
-          <a:p>
-            <a:r>
-              <a:rPr lang="en-US" dirty="0" smtClean="0"/>
-              <a:t>Infill -10% - 100% (10% - 20% is common)</a:t>
-            </a:r>
-          </a:p>
-          <a:p>
-            <a:r>
-              <a:rPr lang="en-US" dirty="0" smtClean="0"/>
-              <a:t>Support</a:t>
-            </a:r>
-          </a:p>
-          <a:p>
-            <a:r>
-              <a:rPr lang="en-US" dirty="0" smtClean="0"/>
-              <a:t>Skirt (brim)</a:t>
-            </a:r>
-          </a:p>
-          <a:p>
-            <a:r>
-              <a:rPr lang="en-US" dirty="0" smtClean="0"/>
-              <a:t>Raft</a:t>
-            </a:r>
-          </a:p>
-          <a:p>
-            <a:endParaRPr lang="en-US" dirty="0" smtClean="0"/>
-          </a:p>
-        </p:txBody>
-      </p:sp>
+              <a:rPr lang="en-US" sz="2800" dirty="0" smtClean="0"/>
+              <a:t>10%</a:t>
+            </a:r>
+            <a:endParaRPr lang="en-US" sz="2800" dirty="0"/>
+          </a:p>
+        </p:txBody>
+      </p:sp>
+      <p:sp>
+        <p:nvSpPr>
+          <p:cNvPr id="13" name="TextBox 12"/>
+          <p:cNvSpPr txBox="1"/>
+          <p:nvPr/>
+        </p:nvSpPr>
+        <p:spPr>
+          <a:xfrm>
+            <a:off x="6066064" y="4817332"/>
+            <a:ext cx="1447800" cy="523220"/>
+          </a:xfrm>
+          <a:prstGeom prst="rect">
+            <a:avLst/>
+          </a:prstGeom>
+          <a:noFill/>
+        </p:spPr>
+        <p:txBody>
+          <a:bodyPr wrap="square" rtlCol="0">
+            <a:spAutoFit/>
+          </a:bodyPr>
+          <a:lstStyle/>
+          <a:p>
+            <a:r>
+              <a:rPr lang="en-US" sz="2800" dirty="0" smtClean="0"/>
+              <a:t>40%</a:t>
+            </a:r>
+          </a:p>
+        </p:txBody>
+      </p:sp>
+      <p:pic>
+        <p:nvPicPr>
+          <p:cNvPr id="14" name="Picture 13"/>
+          <p:cNvPicPr>
+            <a:picLocks noChangeAspect="1"/>
+          </p:cNvPicPr>
+          <p:nvPr/>
+        </p:nvPicPr>
+        <p:blipFill>
+          <a:blip r:embed="rId2">
+            <a:extLst>
+              <a:ext uri="{28A0092B-C50C-407E-A947-70E740481C1C}">
+                <a14:useLocalDpi xmlns:a14="http://schemas.microsoft.com/office/drawing/2010/main" val="0"/>
+              </a:ext>
+            </a:extLst>
+          </a:blip>
+          <a:stretch>
+            <a:fillRect/>
+          </a:stretch>
+        </p:blipFill>
+        <p:spPr>
+          <a:xfrm>
+            <a:off x="457200" y="1143000"/>
+            <a:ext cx="4152900" cy="3451521"/>
+          </a:xfrm>
+          <a:prstGeom prst="rect">
+            <a:avLst/>
+          </a:prstGeom>
+        </p:spPr>
+      </p:pic>
+      <p:pic>
+        <p:nvPicPr>
+          <p:cNvPr id="15" name="Picture 14"/>
+          <p:cNvPicPr>
+            <a:picLocks noChangeAspect="1"/>
+          </p:cNvPicPr>
+          <p:nvPr/>
+        </p:nvPicPr>
+        <p:blipFill>
+          <a:blip r:embed="rId3">
+            <a:extLst>
+              <a:ext uri="{28A0092B-C50C-407E-A947-70E740481C1C}">
+                <a14:useLocalDpi xmlns:a14="http://schemas.microsoft.com/office/drawing/2010/main" val="0"/>
+              </a:ext>
+            </a:extLst>
+          </a:blip>
+          <a:stretch>
+            <a:fillRect/>
+          </a:stretch>
+        </p:blipFill>
+        <p:spPr>
+          <a:xfrm>
+            <a:off x="4800600" y="1143000"/>
+            <a:ext cx="3978729" cy="3470468"/>
+          </a:xfrm>
+          <a:prstGeom prst="rect">
+            <a:avLst/>
+          </a:prstGeom>
+        </p:spPr>
+      </p:pic>
     </p:spTree>
     <p:extLst>
       <p:ext uri="{BB962C8B-B14F-4D97-AF65-F5344CB8AC3E}">
-        <p14:creationId xmlns:p14="http://schemas.microsoft.com/office/powerpoint/2010/main" val="40754143"/>
+        <p14:creationId xmlns:p14="http://schemas.microsoft.com/office/powerpoint/2010/main" val="3078402184"/>
       </p:ext>
     </p:extLst>
   </p:cSld>
@@ -5038,7 +5286,7 @@
           <a:p>
             <a:r>
               <a:rPr lang="en-US" dirty="0" smtClean="0"/>
-              <a:t>Infill</a:t>
+              <a:t>Support</a:t>
             </a:r>
             <a:endParaRPr lang="en-US" dirty="0"/>
           </a:p>
@@ -5046,87 +5294,52 @@
       </p:sp>
       <p:sp>
         <p:nvSpPr>
-          <p:cNvPr id="11" name="TextBox 10"/>
-          <p:cNvSpPr txBox="1"/>
-          <p:nvPr/>
-        </p:nvSpPr>
-        <p:spPr>
-          <a:xfrm>
-            <a:off x="1905000" y="4803523"/>
-            <a:ext cx="1028700" cy="523220"/>
-          </a:xfrm>
-          <a:prstGeom prst="rect">
-            <a:avLst/>
-          </a:prstGeom>
-          <a:noFill/>
-        </p:spPr>
-        <p:txBody>
-          <a:bodyPr wrap="square" rtlCol="0">
-            <a:spAutoFit/>
+          <p:cNvPr id="3" name="Content Placeholder 2"/>
+          <p:cNvSpPr>
+            <a:spLocks noGrp="1"/>
+          </p:cNvSpPr>
+          <p:nvPr>
+            <p:ph idx="1"/>
+          </p:nvPr>
+        </p:nvSpPr>
+        <p:spPr>
+          <a:xfrm>
+            <a:off x="228600" y="914400"/>
+            <a:ext cx="8839200" cy="4267200"/>
+          </a:xfrm>
+        </p:spPr>
+        <p:txBody>
+          <a:bodyPr>
+            <a:normAutofit/>
           </a:bodyPr>
           <a:lstStyle/>
           <a:p>
             <a:r>
-              <a:rPr lang="en-US" sz="2800" dirty="0" smtClean="0"/>
-              <a:t>10%</a:t>
-            </a:r>
-            <a:endParaRPr lang="en-US" sz="2800" dirty="0"/>
-          </a:p>
-        </p:txBody>
-      </p:sp>
-      <p:sp>
-        <p:nvSpPr>
-          <p:cNvPr id="13" name="TextBox 12"/>
-          <p:cNvSpPr txBox="1"/>
-          <p:nvPr/>
-        </p:nvSpPr>
-        <p:spPr>
-          <a:xfrm>
-            <a:off x="6066064" y="4817332"/>
-            <a:ext cx="1447800" cy="523220"/>
-          </a:xfrm>
-          <a:prstGeom prst="rect">
-            <a:avLst/>
-          </a:prstGeom>
-          <a:noFill/>
-        </p:spPr>
-        <p:txBody>
-          <a:bodyPr wrap="square" rtlCol="0">
-            <a:spAutoFit/>
-          </a:bodyPr>
-          <a:lstStyle/>
-          <a:p>
-            <a:r>
-              <a:rPr lang="en-US" sz="2800" dirty="0" smtClean="0"/>
-              <a:t>40%</a:t>
-            </a:r>
+              <a:rPr lang="en-US" dirty="0" smtClean="0"/>
+              <a:t>Overhangs</a:t>
+            </a:r>
+          </a:p>
+          <a:p>
+            <a:endParaRPr lang="en-US" dirty="0" smtClean="0"/>
           </a:p>
         </p:txBody>
       </p:sp>
       <p:pic>
         <p:nvPicPr>
-          <p:cNvPr id="14" name="Picture 13"/>
-          <p:cNvPicPr>
-            <a:picLocks noChangeAspect="1"/>
-          </p:cNvPicPr>
+          <p:cNvPr id="4" name="Picture 3"/>
+          <p:cNvPicPr/>
           <p:nvPr/>
         </p:nvPicPr>
         <p:blipFill>
-          <a:blip r:embed="rId2">
-            <a:extLst>
-              <a:ext uri="{28A0092B-C50C-407E-A947-70E740481C1C}">
-                <a14:useLocalDpi xmlns:a14="http://schemas.microsoft.com/office/drawing/2010/main" val="0"/>
-              </a:ext>
-            </a:extLst>
-          </a:blip>
+          <a:blip r:embed="rId2"/>
           <a:stretch>
             <a:fillRect/>
           </a:stretch>
         </p:blipFill>
         <p:spPr>
           <a:xfrm>
-            <a:off x="457200" y="1143000"/>
-            <a:ext cx="4152900" cy="3451521"/>
+            <a:off x="567644" y="1600200"/>
+            <a:ext cx="3318556" cy="3485079"/>
           </a:xfrm>
           <a:prstGeom prst="rect">
             <a:avLst/>
@@ -5135,28 +5348,20 @@
       </p:pic>
       <p:pic>
         <p:nvPicPr>
-          <p:cNvPr id="15" name="Picture 14"/>
-          <p:cNvPicPr>
-            <a:picLocks noChangeAspect="1"/>
-          </p:cNvPicPr>
+          <p:cNvPr id="5" name="Picture 4"/>
+          <p:cNvPicPr/>
           <p:nvPr/>
         </p:nvPicPr>
         <p:blipFill>
-          <a:blip r:embed="rId3">
-            <a:extLst>
-              <a:ext uri="{28A0092B-C50C-407E-A947-70E740481C1C}">
-                <a14:useLocalDpi xmlns:a14="http://schemas.microsoft.com/office/drawing/2010/main" val="0"/>
-              </a:ext>
-            </a:extLst>
-          </a:blip>
+          <a:blip r:embed="rId3"/>
           <a:stretch>
             <a:fillRect/>
           </a:stretch>
         </p:blipFill>
         <p:spPr>
           <a:xfrm>
-            <a:off x="4800600" y="1143000"/>
-            <a:ext cx="3978729" cy="3470468"/>
+            <a:off x="4724400" y="1524000"/>
+            <a:ext cx="2971800" cy="3578047"/>
           </a:xfrm>
           <a:prstGeom prst="rect">
             <a:avLst/>
@@ -5166,7 +5371,7 @@
     </p:spTree>
     <p:extLst>
       <p:ext uri="{BB962C8B-B14F-4D97-AF65-F5344CB8AC3E}">
-        <p14:creationId xmlns:p14="http://schemas.microsoft.com/office/powerpoint/2010/main" val="3078402184"/>
+        <p14:creationId xmlns:p14="http://schemas.microsoft.com/office/powerpoint/2010/main" val="2809639533"/>
       </p:ext>
     </p:extLst>
   </p:cSld>
@@ -5222,7 +5427,7 @@
           <a:p>
             <a:r>
               <a:rPr lang="en-US" dirty="0" smtClean="0"/>
-              <a:t>Support</a:t>
+              <a:t>Skirt / Brim</a:t>
             </a:r>
             <a:endParaRPr lang="en-US" dirty="0"/>
           </a:p>
@@ -5230,52 +5435,88 @@
       </p:sp>
       <p:sp>
         <p:nvSpPr>
-          <p:cNvPr id="3" name="Content Placeholder 2"/>
-          <p:cNvSpPr>
-            <a:spLocks noGrp="1"/>
-          </p:cNvSpPr>
-          <p:nvPr>
-            <p:ph idx="1"/>
-          </p:nvPr>
-        </p:nvSpPr>
-        <p:spPr>
-          <a:xfrm>
-            <a:off x="228600" y="914400"/>
-            <a:ext cx="8839200" cy="4267200"/>
-          </a:xfrm>
-        </p:spPr>
-        <p:txBody>
-          <a:bodyPr>
-            <a:normAutofit/>
+          <p:cNvPr id="11" name="TextBox 10"/>
+          <p:cNvSpPr txBox="1"/>
+          <p:nvPr/>
+        </p:nvSpPr>
+        <p:spPr>
+          <a:xfrm>
+            <a:off x="1897743" y="5094162"/>
+            <a:ext cx="1028700" cy="523220"/>
+          </a:xfrm>
+          <a:prstGeom prst="rect">
+            <a:avLst/>
+          </a:prstGeom>
+          <a:noFill/>
+        </p:spPr>
+        <p:txBody>
+          <a:bodyPr wrap="square" rtlCol="0">
+            <a:spAutoFit/>
           </a:bodyPr>
           <a:lstStyle/>
           <a:p>
             <a:r>
-              <a:rPr lang="en-US" dirty="0" smtClean="0"/>
-              <a:t>Overhangs</a:t>
-            </a:r>
-          </a:p>
-          <a:p>
-            <a:endParaRPr lang="en-US" dirty="0" smtClean="0"/>
+              <a:rPr lang="en-US" sz="2800" dirty="0" smtClean="0"/>
+              <a:t>Top</a:t>
+            </a:r>
+            <a:endParaRPr lang="en-US" sz="2800" dirty="0"/>
+          </a:p>
+        </p:txBody>
+      </p:sp>
+      <p:sp>
+        <p:nvSpPr>
+          <p:cNvPr id="13" name="TextBox 12"/>
+          <p:cNvSpPr txBox="1"/>
+          <p:nvPr/>
+        </p:nvSpPr>
+        <p:spPr>
+          <a:xfrm>
+            <a:off x="5687805" y="5094162"/>
+            <a:ext cx="1447800" cy="523220"/>
+          </a:xfrm>
+          <a:prstGeom prst="rect">
+            <a:avLst/>
+          </a:prstGeom>
+          <a:noFill/>
+        </p:spPr>
+        <p:txBody>
+          <a:bodyPr wrap="square" rtlCol="0">
+            <a:spAutoFit/>
+          </a:bodyPr>
+          <a:lstStyle/>
+          <a:p>
+            <a:r>
+              <a:rPr lang="en-US" sz="2800" dirty="0" smtClean="0"/>
+              <a:t>Bottom</a:t>
+            </a:r>
+            <a:endParaRPr lang="en-US" sz="2800" dirty="0"/>
           </a:p>
         </p:txBody>
       </p:sp>
       <p:pic>
         <p:nvPicPr>
-          <p:cNvPr id="4" name="Picture 3"/>
-          <p:cNvPicPr/>
+          <p:cNvPr id="3" name="Picture 2"/>
+          <p:cNvPicPr>
+            <a:picLocks noChangeAspect="1"/>
+          </p:cNvPicPr>
           <p:nvPr/>
         </p:nvPicPr>
         <p:blipFill>
-          <a:blip r:embed="rId2"/>
+          <a:blip r:embed="rId2">
+            <a:extLst>
+              <a:ext uri="{28A0092B-C50C-407E-A947-70E740481C1C}">
+                <a14:useLocalDpi xmlns:a14="http://schemas.microsoft.com/office/drawing/2010/main" val="0"/>
+              </a:ext>
+            </a:extLst>
+          </a:blip>
           <a:stretch>
             <a:fillRect/>
           </a:stretch>
         </p:blipFill>
         <p:spPr>
           <a:xfrm>
-            <a:off x="567644" y="1600200"/>
-            <a:ext cx="3318556" cy="3485079"/>
+            <a:off x="21771" y="1219200"/>
+            <a:ext cx="4286250" cy="3604194"/>
           </a:xfrm>
           <a:prstGeom prst="rect">
             <a:avLst/>
@@ -5284,20 +5525,28 @@
       </p:pic>
       <p:pic>
         <p:nvPicPr>
-          <p:cNvPr id="5" name="Picture 4"/>
-          <p:cNvPicPr/>
+          <p:cNvPr id="4" name="Picture 3"/>
+          <p:cNvPicPr>
+            <a:picLocks noChangeAspect="1"/>
+          </p:cNvPicPr>
           <p:nvPr/>
         </p:nvPicPr>
         <p:blipFill>
-          <a:blip r:embed="rId3"/>
+          <a:blip r:embed="rId3">
+            <a:extLst>
+              <a:ext uri="{28A0092B-C50C-407E-A947-70E740481C1C}">
+                <a14:useLocalDpi xmlns:a14="http://schemas.microsoft.com/office/drawing/2010/main" val="0"/>
+              </a:ext>
+            </a:extLst>
+          </a:blip>
           <a:stretch>
             <a:fillRect/>
           </a:stretch>
         </p:blipFill>
         <p:spPr>
           <a:xfrm>
-            <a:off x="4724400" y="1524000"/>
-            <a:ext cx="2971800" cy="3578047"/>
+            <a:off x="4495800" y="1219200"/>
+            <a:ext cx="4510352" cy="3719286"/>
           </a:xfrm>
           <a:prstGeom prst="rect">
             <a:avLst/>
@@ -5307,7 +5556,7 @@
     </p:spTree>
     <p:extLst>
       <p:ext uri="{BB962C8B-B14F-4D97-AF65-F5344CB8AC3E}">
-        <p14:creationId xmlns:p14="http://schemas.microsoft.com/office/powerpoint/2010/main" val="2809639533"/>
+        <p14:creationId xmlns:p14="http://schemas.microsoft.com/office/powerpoint/2010/main" val="81158189"/>
       </p:ext>
     </p:extLst>
   </p:cSld>
@@ -5363,191 +5612,6 @@
           <a:p>
             <a:r>
               <a:rPr lang="en-US" dirty="0" smtClean="0"/>
-              <a:t>Skirt / Brim</a:t>
-            </a:r>
-            <a:endParaRPr lang="en-US" dirty="0"/>
-          </a:p>
-        </p:txBody>
-      </p:sp>
-      <p:sp>
-        <p:nvSpPr>
-          <p:cNvPr id="11" name="TextBox 10"/>
-          <p:cNvSpPr txBox="1"/>
-          <p:nvPr/>
-        </p:nvSpPr>
-        <p:spPr>
-          <a:xfrm>
-            <a:off x="1897743" y="5094162"/>
-            <a:ext cx="1028700" cy="523220"/>
-          </a:xfrm>
-          <a:prstGeom prst="rect">
-            <a:avLst/>
-          </a:prstGeom>
-          <a:noFill/>
-        </p:spPr>
-        <p:txBody>
-          <a:bodyPr wrap="square" rtlCol="0">
-            <a:spAutoFit/>
-          </a:bodyPr>
-          <a:lstStyle/>
-          <a:p>
-            <a:r>
-              <a:rPr lang="en-US" sz="2800" dirty="0" smtClean="0"/>
-              <a:t>Top</a:t>
-            </a:r>
-            <a:endParaRPr lang="en-US" sz="2800" dirty="0"/>
-          </a:p>
-        </p:txBody>
-      </p:sp>
-      <p:sp>
-        <p:nvSpPr>
-          <p:cNvPr id="13" name="TextBox 12"/>
-          <p:cNvSpPr txBox="1"/>
-          <p:nvPr/>
-        </p:nvSpPr>
-        <p:spPr>
-          <a:xfrm>
-            <a:off x="5687805" y="5094162"/>
-            <a:ext cx="1447800" cy="523220"/>
-          </a:xfrm>
-          <a:prstGeom prst="rect">
-            <a:avLst/>
-          </a:prstGeom>
-          <a:noFill/>
-        </p:spPr>
-        <p:txBody>
-          <a:bodyPr wrap="square" rtlCol="0">
-            <a:spAutoFit/>
-          </a:bodyPr>
-          <a:lstStyle/>
-          <a:p>
-            <a:r>
-              <a:rPr lang="en-US" sz="2800" dirty="0" smtClean="0"/>
-              <a:t>Bottom</a:t>
-            </a:r>
-            <a:endParaRPr lang="en-US" sz="2800" dirty="0"/>
-          </a:p>
-        </p:txBody>
-      </p:sp>
-      <p:pic>
-        <p:nvPicPr>
-          <p:cNvPr id="3" name="Picture 2"/>
-          <p:cNvPicPr>
-            <a:picLocks noChangeAspect="1"/>
-          </p:cNvPicPr>
-          <p:nvPr/>
-        </p:nvPicPr>
-        <p:blipFill>
-          <a:blip r:embed="rId2">
-            <a:extLst>
-              <a:ext uri="{28A0092B-C50C-407E-A947-70E740481C1C}">
-                <a14:useLocalDpi xmlns:a14="http://schemas.microsoft.com/office/drawing/2010/main" val="0"/>
-              </a:ext>
-            </a:extLst>
-          </a:blip>
-          <a:stretch>
-            <a:fillRect/>
-          </a:stretch>
-        </p:blipFill>
-        <p:spPr>
-          <a:xfrm>
-            <a:off x="21771" y="1219200"/>
-            <a:ext cx="4286250" cy="3604194"/>
-          </a:xfrm>
-          <a:prstGeom prst="rect">
-            <a:avLst/>
-          </a:prstGeom>
-        </p:spPr>
-      </p:pic>
-      <p:pic>
-        <p:nvPicPr>
-          <p:cNvPr id="4" name="Picture 3"/>
-          <p:cNvPicPr>
-            <a:picLocks noChangeAspect="1"/>
-          </p:cNvPicPr>
-          <p:nvPr/>
-        </p:nvPicPr>
-        <p:blipFill>
-          <a:blip r:embed="rId3">
-            <a:extLst>
-              <a:ext uri="{28A0092B-C50C-407E-A947-70E740481C1C}">
-                <a14:useLocalDpi xmlns:a14="http://schemas.microsoft.com/office/drawing/2010/main" val="0"/>
-              </a:ext>
-            </a:extLst>
-          </a:blip>
-          <a:stretch>
-            <a:fillRect/>
-          </a:stretch>
-        </p:blipFill>
-        <p:spPr>
-          <a:xfrm>
-            <a:off x="4495800" y="1219200"/>
-            <a:ext cx="4510352" cy="3719286"/>
-          </a:xfrm>
-          <a:prstGeom prst="rect">
-            <a:avLst/>
-          </a:prstGeom>
-        </p:spPr>
-      </p:pic>
-    </p:spTree>
-    <p:extLst>
-      <p:ext uri="{BB962C8B-B14F-4D97-AF65-F5344CB8AC3E}">
-        <p14:creationId xmlns:p14="http://schemas.microsoft.com/office/powerpoint/2010/main" val="81158189"/>
-      </p:ext>
-    </p:extLst>
-  </p:cSld>
-  <p:clrMapOvr>
-    <a:masterClrMapping/>
-  </p:clrMapOvr>
-  <p:timing>
-    <p:tnLst>
-      <p:par>
-        <p:cTn id="1" dur="indefinite" restart="never" nodeType="tmRoot"/>
-      </p:par>
-    </p:tnLst>
-  </p:timing>
-</p:sld>
-</file>
-
-<file path=ppt/slides/slide26.xml><?xml version="1.0" encoding="utf-8"?>
-<p:sld xmlns:a="http://schemas.openxmlformats.org/drawingml/2006/main" xmlns:r="http://schemas.openxmlformats.org/officeDocument/2006/relationships" xmlns:p="http://schemas.openxmlformats.org/presentationml/2006/main">
-  <p:cSld>
-    <p:spTree>
-      <p:nvGrpSpPr>
-        <p:cNvPr id="1" name=""/>
-        <p:cNvGrpSpPr/>
-        <p:nvPr/>
-      </p:nvGrpSpPr>
-      <p:grpSpPr>
-        <a:xfrm>
-          <a:off x="0" y="0"/>
-          <a:ext cx="0" cy="0"/>
-          <a:chOff x="0" y="0"/>
-          <a:chExt cx="0" cy="0"/>
-        </a:xfrm>
-      </p:grpSpPr>
-      <p:sp>
-        <p:nvSpPr>
-          <p:cNvPr id="2" name="Title 1"/>
-          <p:cNvSpPr>
-            <a:spLocks noGrp="1"/>
-          </p:cNvSpPr>
-          <p:nvPr>
-            <p:ph type="title"/>
-          </p:nvPr>
-        </p:nvSpPr>
-        <p:spPr>
-          <a:xfrm>
-            <a:off x="457200" y="0"/>
-            <a:ext cx="8229600" cy="1143000"/>
-          </a:xfrm>
-        </p:spPr>
-        <p:txBody>
-          <a:bodyPr/>
-          <a:lstStyle/>
-          <a:p>
-            <a:r>
-              <a:rPr lang="en-US" dirty="0" smtClean="0"/>
               <a:t>Raft</a:t>
             </a:r>
             <a:endParaRPr lang="en-US" dirty="0"/>
@@ -5694,7 +5758,7 @@
 </p:sld>
 </file>
 
-<file path=ppt/slides/slide27.xml><?xml version="1.0" encoding="utf-8"?>
+<file path=ppt/slides/slide26.xml><?xml version="1.0" encoding="utf-8"?>
 <p:sld xmlns:a="http://schemas.openxmlformats.org/drawingml/2006/main" xmlns:r="http://schemas.openxmlformats.org/officeDocument/2006/relationships" xmlns:p="http://schemas.openxmlformats.org/presentationml/2006/main">
   <p:cSld>
     <p:spTree>
@@ -6843,6 +6907,122 @@
 </p:sld>
 </file>
 
+<file path=ppt/slides/slide27.xml><?xml version="1.0" encoding="utf-8"?>
+<p:sld xmlns:a="http://schemas.openxmlformats.org/drawingml/2006/main" xmlns:r="http://schemas.openxmlformats.org/officeDocument/2006/relationships" xmlns:p="http://schemas.openxmlformats.org/presentationml/2006/main">
+  <p:cSld>
+    <p:spTree>
+      <p:nvGrpSpPr>
+        <p:cNvPr id="1" name=""/>
+        <p:cNvGrpSpPr/>
+        <p:nvPr/>
+      </p:nvGrpSpPr>
+      <p:grpSpPr>
+        <a:xfrm>
+          <a:off x="0" y="0"/>
+          <a:ext cx="0" cy="0"/>
+          <a:chOff x="0" y="0"/>
+          <a:chExt cx="0" cy="0"/>
+        </a:xfrm>
+      </p:grpSpPr>
+      <p:sp>
+        <p:nvSpPr>
+          <p:cNvPr id="2" name="Title 1"/>
+          <p:cNvSpPr>
+            <a:spLocks noGrp="1"/>
+          </p:cNvSpPr>
+          <p:nvPr>
+            <p:ph type="title"/>
+          </p:nvPr>
+        </p:nvSpPr>
+        <p:spPr>
+          <a:xfrm>
+            <a:off x="457200" y="0"/>
+            <a:ext cx="8229600" cy="1143000"/>
+          </a:xfrm>
+        </p:spPr>
+        <p:txBody>
+          <a:bodyPr/>
+          <a:lstStyle/>
+          <a:p>
+            <a:r>
+              <a:rPr lang="en-US" dirty="0" smtClean="0"/>
+              <a:t>Bed Leveling is Important</a:t>
+            </a:r>
+            <a:endParaRPr lang="en-US" dirty="0"/>
+          </a:p>
+        </p:txBody>
+      </p:sp>
+      <p:sp>
+        <p:nvSpPr>
+          <p:cNvPr id="3" name="Content Placeholder 2"/>
+          <p:cNvSpPr>
+            <a:spLocks noGrp="1"/>
+          </p:cNvSpPr>
+          <p:nvPr>
+            <p:ph idx="1"/>
+          </p:nvPr>
+        </p:nvSpPr>
+        <p:spPr>
+          <a:xfrm>
+            <a:off x="228600" y="914400"/>
+            <a:ext cx="8839200" cy="4267200"/>
+          </a:xfrm>
+        </p:spPr>
+        <p:txBody>
+          <a:bodyPr>
+            <a:normAutofit/>
+          </a:bodyPr>
+          <a:lstStyle/>
+          <a:p>
+            <a:r>
+              <a:rPr lang="en-US" dirty="0" smtClean="0"/>
+              <a:t>Layer height (0.1, 0.2, 0.3mm)</a:t>
+            </a:r>
+          </a:p>
+          <a:p>
+            <a:pPr lvl="1"/>
+            <a:r>
+              <a:rPr lang="en-US" dirty="0" smtClean="0"/>
+              <a:t>1/64” </a:t>
+            </a:r>
+            <a:r>
+              <a:rPr lang="en-US" dirty="0"/>
+              <a:t>=  </a:t>
+            </a:r>
+            <a:r>
+              <a:rPr lang="en-US" dirty="0" smtClean="0"/>
+              <a:t>0.3969mm </a:t>
+            </a:r>
+          </a:p>
+          <a:p>
+            <a:pPr lvl="1"/>
+            <a:r>
+              <a:rPr lang="en-US" dirty="0" smtClean="0"/>
+              <a:t>Sheet of paper is ~ 0.05mm thick</a:t>
+            </a:r>
+          </a:p>
+        </p:txBody>
+      </p:sp>
+    </p:spTree>
+    <p:extLst>
+      <p:ext uri="{BB962C8B-B14F-4D97-AF65-F5344CB8AC3E}">
+        <p14:creationId xmlns:p14="http://schemas.microsoft.com/office/powerpoint/2010/main" val="755014158"/>
+      </p:ext>
+    </p:extLst>
+  </p:cSld>
+  <p:clrMapOvr>
+    <a:masterClrMapping/>
+  </p:clrMapOvr>
+  <p:timing>
+    <p:tnLst>
+      <p:par>
+        <p:cTn id="1" dur="indefinite" restart="never" nodeType="tmRoot"/>
+      </p:par>
+    </p:tnLst>
+  </p:timing>
+</p:sld>
+</file>
+
 <file path=ppt/slides/slide28.xml><?xml version="1.0" encoding="utf-8"?>
 <p:sld xmlns:a="http://schemas.openxmlformats.org/drawingml/2006/main" xmlns:r="http://schemas.openxmlformats.org/officeDocument/2006/relationships" xmlns:p="http://schemas.openxmlformats.org/presentationml/2006/main">
   <p:cSld>
@@ -6882,7 +7062,7 @@
           <a:p>
             <a:r>
               <a:rPr lang="en-US" dirty="0" smtClean="0"/>
-              <a:t>Bed Leveling is Important</a:t>
+              <a:t>Stick It</a:t>
             </a:r>
             <a:endParaRPr lang="en-US" dirty="0"/>
           </a:p>
@@ -6912,38 +7092,53 @@
           <a:p>
             <a:r>
               <a:rPr lang="en-US" dirty="0" smtClean="0"/>
-              <a:t>Layer height (0.1, 0.2, 0.3mm)</a:t>
+              <a:t>First layer is the most important layer</a:t>
+            </a:r>
+          </a:p>
+          <a:p>
+            <a:r>
+              <a:rPr lang="en-US" dirty="0" smtClean="0"/>
+              <a:t>Getting the first layer to adhere to the print bed</a:t>
             </a:r>
           </a:p>
           <a:p>
             <a:pPr lvl="1"/>
             <a:r>
               <a:rPr lang="en-US" dirty="0" smtClean="0"/>
-              <a:t>1/64” </a:t>
-            </a:r>
-            <a:r>
-              <a:rPr lang="en-US" dirty="0"/>
-              <a:t>=  </a:t>
-            </a:r>
-            <a:r>
-              <a:rPr lang="en-US" dirty="0" smtClean="0"/>
-              <a:t>0.3969mm </a:t>
+              <a:t>Painters tape (blue tape) – PLA only</a:t>
             </a:r>
           </a:p>
           <a:p>
             <a:pPr lvl="1"/>
             <a:r>
               <a:rPr lang="en-US" dirty="0" smtClean="0"/>
-              <a:t>Sheet of paper is ~ 0.05mm thick</a:t>
-            </a:r>
-            <a:endParaRPr lang="en-US" dirty="0" smtClean="0"/>
+              <a:t>Glass with hairspray</a:t>
+            </a:r>
+          </a:p>
+          <a:p>
+            <a:pPr lvl="1"/>
+            <a:r>
+              <a:rPr lang="en-US" dirty="0" err="1" smtClean="0"/>
+              <a:t>Kapton</a:t>
+            </a:r>
+            <a:r>
+              <a:rPr lang="en-US" dirty="0" smtClean="0"/>
+              <a:t> tape</a:t>
+            </a:r>
+          </a:p>
+          <a:p>
+            <a:pPr lvl="1"/>
+            <a:r>
+              <a:rPr lang="en-US" dirty="0" smtClean="0"/>
+              <a:t>ABS juice (ABS and acetone)</a:t>
+            </a:r>
           </a:p>
         </p:txBody>
       </p:sp>
     </p:spTree>
     <p:extLst>
       <p:ext uri="{BB962C8B-B14F-4D97-AF65-F5344CB8AC3E}">
-        <p14:creationId xmlns:p14="http://schemas.microsoft.com/office/powerpoint/2010/main" val="755014158"/>
+        <p14:creationId xmlns:p14="http://schemas.microsoft.com/office/powerpoint/2010/main" val="2998333791"/>
       </p:ext>
     </p:extLst>
   </p:cSld>
@@ -6999,7 +7194,7 @@
           <a:p>
             <a:r>
               <a:rPr lang="en-US" dirty="0" smtClean="0"/>
-              <a:t>Stick It</a:t>
+              <a:t>How Many ‘x’ Can I Print?</a:t>
             </a:r>
             <a:endParaRPr lang="en-US" dirty="0"/>
           </a:p>
@@ -7029,54 +7224,56 @@
           <a:p>
             <a:r>
               <a:rPr lang="en-US" dirty="0" smtClean="0"/>
-              <a:t>First layer is the most important layer</a:t>
-            </a:r>
-          </a:p>
-          <a:p>
-            <a:r>
-              <a:rPr lang="en-US" dirty="0" smtClean="0"/>
-              <a:t>Getting the first layer to adhere to the print bed</a:t>
+              <a:t>Matter is neither created nor destroyed</a:t>
+            </a:r>
+          </a:p>
+          <a:p>
+            <a:r>
+              <a:rPr lang="en-US" dirty="0" smtClean="0"/>
+              <a:t>A standard spool of filament is 1kg (2.2 pounds)</a:t>
+            </a:r>
+          </a:p>
+          <a:p>
+            <a:r>
+              <a:rPr lang="en-US" dirty="0" smtClean="0"/>
+              <a:t>Ukulele weighs about </a:t>
+            </a:r>
+            <a:r>
+              <a:rPr lang="en-US" dirty="0"/>
+              <a:t>425g </a:t>
+            </a:r>
+            <a:r>
+              <a:rPr lang="en-US" dirty="0" smtClean="0"/>
+              <a:t>(</a:t>
+            </a:r>
+            <a:r>
+              <a:rPr lang="en-US" dirty="0"/>
+              <a:t>0.425kg</a:t>
+            </a:r>
+            <a:r>
+              <a:rPr lang="en-US" dirty="0" smtClean="0"/>
+              <a:t>) so it took just under half a spool of filament.</a:t>
+            </a:r>
+          </a:p>
+          <a:p>
+            <a:r>
+              <a:rPr lang="en-US" dirty="0" smtClean="0"/>
+              <a:t>A cookie cutter weighs &lt; 10g </a:t>
             </a:r>
           </a:p>
           <a:p>
             <a:pPr lvl="1"/>
             <a:r>
               <a:rPr lang="en-US" dirty="0" smtClean="0"/>
-              <a:t>Painters tape (blue tape) – PLA only</a:t>
-            </a:r>
-          </a:p>
-          <a:p>
-            <a:pPr lvl="1"/>
-            <a:r>
-              <a:rPr lang="en-US" dirty="0" smtClean="0"/>
-              <a:t>Glass with hairspray</a:t>
-            </a:r>
-          </a:p>
-          <a:p>
-            <a:pPr lvl="1"/>
-            <a:r>
-              <a:rPr lang="en-US" dirty="0" err="1" smtClean="0"/>
-              <a:t>Kapton</a:t>
-            </a:r>
-            <a:r>
-              <a:rPr lang="en-US" dirty="0" smtClean="0"/>
-              <a:t> tape</a:t>
-            </a:r>
-          </a:p>
-          <a:p>
-            <a:pPr lvl="1"/>
-            <a:r>
-              <a:rPr lang="en-US" dirty="0" smtClean="0"/>
-              <a:t>ABS juice (ABS and acetone)</a:t>
-            </a:r>
-            <a:endParaRPr lang="en-US" dirty="0" smtClean="0"/>
+              <a:t>1000g / 10 = 100 so you can print about 100 cookie cutters from a single 1kg (1000g) spool of filament.</a:t>
+            </a:r>
           </a:p>
         </p:txBody>
       </p:sp>
     </p:spTree>
     <p:extLst>
       <p:ext uri="{BB962C8B-B14F-4D97-AF65-F5344CB8AC3E}">
-        <p14:creationId xmlns:p14="http://schemas.microsoft.com/office/powerpoint/2010/main" val="2998333791"/>
+        <p14:creationId xmlns:p14="http://schemas.microsoft.com/office/powerpoint/2010/main" val="920553704"/>
       </p:ext>
     </p:extLst>
   </p:cSld>
@@ -7123,119 +7320,87 @@
         <p:spPr>
           <a:xfrm>
             <a:off x="457200" y="0"/>
-            <a:ext cx="8229600" cy="762000"/>
-          </a:xfrm>
-        </p:spPr>
-        <p:txBody>
-          <a:bodyPr>
-            <a:normAutofit/>
-          </a:bodyPr>
-          <a:lstStyle/>
-          <a:p>
-            <a:r>
-              <a:rPr lang="en-US" b="1" cap="all" dirty="0">
+            <a:ext cx="8229600" cy="1143000"/>
+          </a:xfrm>
+        </p:spPr>
+        <p:txBody>
+          <a:bodyPr/>
+          <a:lstStyle/>
+          <a:p>
+            <a:r>
+              <a:rPr lang="en-US" dirty="0" smtClean="0">
                 <a:solidFill>
-                  <a:srgbClr val="C00000"/>
+                  <a:srgbClr val="7030A0"/>
                 </a:solidFill>
               </a:rPr>
-              <a:t>WELCOME</a:t>
-            </a:r>
-            <a:r>
-              <a:rPr lang="en-US" b="1" cap="all" dirty="0" smtClean="0">
+              <a:t>Introductions</a:t>
+            </a:r>
+            <a:endParaRPr lang="en-US" dirty="0">
+              <a:solidFill>
+                <a:srgbClr val="7030A0"/>
+              </a:solidFill>
+            </a:endParaRPr>
+          </a:p>
+        </p:txBody>
+      </p:sp>
+      <p:sp>
+        <p:nvSpPr>
+          <p:cNvPr id="3" name="Content Placeholder 2"/>
+          <p:cNvSpPr>
+            <a:spLocks noGrp="1"/>
+          </p:cNvSpPr>
+          <p:nvPr>
+            <p:ph idx="1"/>
+          </p:nvPr>
+        </p:nvSpPr>
+        <p:spPr>
+          <a:xfrm>
+            <a:off x="457200" y="1066800"/>
+            <a:ext cx="8229600" cy="4525963"/>
+          </a:xfrm>
+        </p:spPr>
+        <p:txBody>
+          <a:bodyPr/>
+          <a:lstStyle/>
+          <a:p>
+            <a:r>
+              <a:rPr lang="en-US" dirty="0" smtClean="0">
                 <a:solidFill>
-                  <a:srgbClr val="C00000"/>
+                  <a:srgbClr val="7030A0"/>
                 </a:solidFill>
               </a:rPr>
-              <a:t>!</a:t>
+              <a:t>Name</a:t>
+            </a:r>
+          </a:p>
+          <a:p>
+            <a:r>
+              <a:rPr lang="en-US" dirty="0" smtClean="0">
+                <a:solidFill>
+                  <a:srgbClr val="7030A0"/>
+                </a:solidFill>
+              </a:rPr>
+              <a:t>Favorite ice cream </a:t>
+            </a:r>
+            <a:r>
+              <a:rPr lang="en-US" smtClean="0">
+                <a:solidFill>
+                  <a:srgbClr val="7030A0"/>
+                </a:solidFill>
+              </a:rPr>
+              <a:t>or desert</a:t>
             </a:r>
             <a:endParaRPr lang="en-US" dirty="0">
               <a:solidFill>
-                <a:srgbClr val="C00000"/>
+                <a:srgbClr val="7030A0"/>
               </a:solidFill>
             </a:endParaRPr>
-          </a:p>
-        </p:txBody>
-      </p:sp>
-      <p:sp>
-        <p:nvSpPr>
-          <p:cNvPr id="3" name="Content Placeholder 2"/>
-          <p:cNvSpPr>
-            <a:spLocks noGrp="1"/>
-          </p:cNvSpPr>
-          <p:nvPr>
-            <p:ph idx="1"/>
-          </p:nvPr>
-        </p:nvSpPr>
-        <p:spPr>
-          <a:xfrm>
-            <a:off x="457200" y="762000"/>
-            <a:ext cx="8229600" cy="4525963"/>
-          </a:xfrm>
-        </p:spPr>
-        <p:txBody>
-          <a:bodyPr>
-            <a:normAutofit/>
-          </a:bodyPr>
-          <a:lstStyle/>
-          <a:p>
-            <a:pPr marL="0" indent="0" fontAlgn="base">
-              <a:buNone/>
-            </a:pPr>
-            <a:r>
-              <a:rPr lang="en-US" dirty="0" smtClean="0"/>
-              <a:t>Girl </a:t>
-            </a:r>
-            <a:r>
-              <a:rPr lang="en-US" dirty="0"/>
-              <a:t>Develop It is here to provide affordable and accessible programs to learn software through mentorship and hands-on instruction.</a:t>
-            </a:r>
-          </a:p>
-          <a:p>
-            <a:pPr marL="0" indent="0" fontAlgn="base">
-              <a:buNone/>
-            </a:pPr>
-            <a:r>
-              <a:rPr lang="en-US" dirty="0"/>
-              <a:t>Some "rules"</a:t>
-            </a:r>
-          </a:p>
-          <a:p>
-            <a:pPr fontAlgn="base"/>
-            <a:r>
-              <a:rPr lang="en-US" dirty="0"/>
-              <a:t>We are here for you!</a:t>
-            </a:r>
-          </a:p>
-          <a:p>
-            <a:pPr fontAlgn="base"/>
-            <a:r>
-              <a:rPr lang="en-US" dirty="0"/>
-              <a:t>Every question is important</a:t>
-            </a:r>
-          </a:p>
-          <a:p>
-            <a:pPr fontAlgn="base"/>
-            <a:r>
-              <a:rPr lang="en-US" dirty="0"/>
-              <a:t>Help each other</a:t>
-            </a:r>
-          </a:p>
-          <a:p>
-            <a:pPr fontAlgn="base"/>
-            <a:r>
-              <a:rPr lang="en-US" dirty="0"/>
-              <a:t>Have fun</a:t>
-            </a:r>
-          </a:p>
-          <a:p>
-            <a:endParaRPr lang="en-US" dirty="0"/>
           </a:p>
         </p:txBody>
       </p:sp>
     </p:spTree>
     <p:extLst>
       <p:ext uri="{BB962C8B-B14F-4D97-AF65-F5344CB8AC3E}">
-        <p14:creationId xmlns:p14="http://schemas.microsoft.com/office/powerpoint/2010/main" val="3634930489"/>
+        <p14:creationId xmlns:p14="http://schemas.microsoft.com/office/powerpoint/2010/main" val="2301760329"/>
       </p:ext>
     </p:extLst>
   </p:cSld>
@@ -7281,7 +7446,7 @@
         </p:nvSpPr>
         <p:spPr>
           <a:xfrm>
-            <a:off x="457200" y="0"/>
+            <a:off x="381000" y="1447800"/>
             <a:ext cx="8229600" cy="1143000"/>
           </a:xfrm>
         </p:spPr>
@@ -7291,87 +7456,16 @@
           <a:p>
             <a:r>
               <a:rPr lang="en-US" dirty="0" smtClean="0"/>
-              <a:t>How Many ‘x’ Can I Print?</a:t>
+              <a:t>Questions!</a:t>
             </a:r>
             <a:endParaRPr lang="en-US" dirty="0"/>
-          </a:p>
-        </p:txBody>
-      </p:sp>
-      <p:sp>
-        <p:nvSpPr>
-          <p:cNvPr id="3" name="Content Placeholder 2"/>
-          <p:cNvSpPr>
-            <a:spLocks noGrp="1"/>
-          </p:cNvSpPr>
-          <p:nvPr>
-            <p:ph idx="1"/>
-          </p:nvPr>
-        </p:nvSpPr>
-        <p:spPr>
-          <a:xfrm>
-            <a:off x="228600" y="914400"/>
-            <a:ext cx="8839200" cy="4267200"/>
-          </a:xfrm>
-        </p:spPr>
-        <p:txBody>
-          <a:bodyPr>
-            <a:normAutofit/>
-          </a:bodyPr>
-          <a:lstStyle/>
-          <a:p>
-            <a:r>
-              <a:rPr lang="en-US" dirty="0" smtClean="0"/>
-              <a:t>Matter is neither created nor destroyed</a:t>
-            </a:r>
-          </a:p>
-          <a:p>
-            <a:r>
-              <a:rPr lang="en-US" dirty="0" smtClean="0"/>
-              <a:t>A standard spool of filament is 1kg (2.2 pounds)</a:t>
-            </a:r>
-          </a:p>
-          <a:p>
-            <a:r>
-              <a:rPr lang="en-US" dirty="0" smtClean="0"/>
-              <a:t>Ukulele weighs about </a:t>
-            </a:r>
-            <a:r>
-              <a:rPr lang="en-US" dirty="0"/>
-              <a:t>425g </a:t>
-            </a:r>
-            <a:r>
-              <a:rPr lang="en-US" dirty="0" smtClean="0"/>
-              <a:t>(</a:t>
-            </a:r>
-            <a:r>
-              <a:rPr lang="en-US" dirty="0"/>
-              <a:t>0.425kg</a:t>
-            </a:r>
-            <a:r>
-              <a:rPr lang="en-US" dirty="0" smtClean="0"/>
-              <a:t>) so it took just under half a spool of filament.</a:t>
-            </a:r>
-          </a:p>
-          <a:p>
-            <a:r>
-              <a:rPr lang="en-US" dirty="0" smtClean="0"/>
-              <a:t>A cookie cutter weighs &lt; 10g </a:t>
-            </a:r>
-          </a:p>
-          <a:p>
-            <a:pPr lvl="1"/>
-            <a:r>
-              <a:rPr lang="en-US" dirty="0" smtClean="0"/>
-              <a:t>1000g / 10 = 100 so you can print about 100 cookie cutters from a single 1kg (1000g) spool of filament.</a:t>
-            </a:r>
-            <a:endParaRPr lang="en-US" dirty="0" smtClean="0"/>
           </a:p>
         </p:txBody>
       </p:sp>
     </p:spTree>
     <p:extLst>
       <p:ext uri="{BB962C8B-B14F-4D97-AF65-F5344CB8AC3E}">
-        <p14:creationId xmlns:p14="http://schemas.microsoft.com/office/powerpoint/2010/main" val="920553704"/>
+        <p14:creationId xmlns:p14="http://schemas.microsoft.com/office/powerpoint/2010/main" val="1954581026"/>
       </p:ext>
     </p:extLst>
   </p:cSld>
@@ -7426,24 +7520,16 @@
           <a:lstStyle/>
           <a:p>
             <a:r>
-              <a:rPr lang="en-US" dirty="0" smtClean="0">
-                <a:solidFill>
-                  <a:srgbClr val="7030A0"/>
-                </a:solidFill>
-              </a:rPr>
-              <a:t>Introductions</a:t>
-            </a:r>
-            <a:endParaRPr lang="en-US" dirty="0">
-              <a:solidFill>
-                <a:srgbClr val="7030A0"/>
-              </a:solidFill>
-            </a:endParaRPr>
-          </a:p>
-        </p:txBody>
-      </p:sp>
-      <p:sp>
-        <p:nvSpPr>
-          <p:cNvPr id="3" name="Content Placeholder 2"/>
+              <a:rPr lang="en-US" dirty="0" smtClean="0"/>
+              <a:t>What is 3D Printing</a:t>
+            </a:r>
+            <a:endParaRPr lang="en-US" dirty="0"/>
+          </a:p>
+        </p:txBody>
+      </p:sp>
+      <p:sp>
+        <p:nvSpPr>
+          <p:cNvPr id="12" name="Content Placeholder 11"/>
           <p:cNvSpPr>
             <a:spLocks noGrp="1"/>
           </p:cNvSpPr>
@@ -7453,52 +7539,54 @@
         </p:nvSpPr>
         <p:spPr>
           <a:xfrm>
-            <a:off x="457200" y="1066800"/>
-            <a:ext cx="8229600" cy="4525963"/>
-          </a:xfrm>
-        </p:spPr>
-        <p:txBody>
-          <a:bodyPr/>
-          <a:lstStyle/>
-          <a:p>
-            <a:r>
-              <a:rPr lang="en-US" dirty="0" smtClean="0">
-                <a:solidFill>
-                  <a:srgbClr val="7030A0"/>
-                </a:solidFill>
-              </a:rPr>
-              <a:t>Name</a:t>
-            </a:r>
-          </a:p>
-          <a:p>
-            <a:r>
-              <a:rPr lang="en-US" dirty="0" smtClean="0">
-                <a:solidFill>
-                  <a:srgbClr val="7030A0"/>
-                </a:solidFill>
-              </a:rPr>
-              <a:t>Favorite ice cream </a:t>
-            </a:r>
-            <a:r>
-              <a:rPr lang="en-US" smtClean="0">
-                <a:solidFill>
-                  <a:srgbClr val="7030A0"/>
-                </a:solidFill>
-              </a:rPr>
-              <a:t>or desert</a:t>
-            </a:r>
-            <a:endParaRPr lang="en-US" dirty="0">
-              <a:solidFill>
-                <a:srgbClr val="7030A0"/>
-              </a:solidFill>
-            </a:endParaRPr>
+            <a:off x="228600" y="1066800"/>
+            <a:ext cx="8686800" cy="3810000"/>
+          </a:xfrm>
+        </p:spPr>
+        <p:txBody>
+          <a:bodyPr>
+            <a:normAutofit/>
+          </a:bodyPr>
+          <a:lstStyle/>
+          <a:p>
+            <a:r>
+              <a:rPr lang="en-US" dirty="0" smtClean="0"/>
+              <a:t>Additive Manufacturing (Legos)</a:t>
+            </a:r>
+          </a:p>
+          <a:p>
+            <a:pPr lvl="1"/>
+            <a:r>
+              <a:rPr lang="en-US" dirty="0" smtClean="0"/>
+              <a:t>Subtractive (carving, milling)</a:t>
+            </a:r>
+          </a:p>
+          <a:p>
+            <a:r>
+              <a:rPr lang="en-US" dirty="0" smtClean="0"/>
+              <a:t>Material is pushed through a nozzle (extruded)</a:t>
+            </a:r>
+          </a:p>
+          <a:p>
+            <a:pPr lvl="1"/>
+            <a:r>
+              <a:rPr lang="en-US" dirty="0" smtClean="0"/>
+              <a:t>Filament is heated to allow this to happen</a:t>
+            </a:r>
+          </a:p>
+          <a:p>
+            <a:pPr lvl="1"/>
+            <a:r>
+              <a:rPr lang="en-US" dirty="0" smtClean="0"/>
+              <a:t>Icing or pastry bag</a:t>
+            </a:r>
           </a:p>
         </p:txBody>
       </p:sp>
     </p:spTree>
     <p:extLst>
       <p:ext uri="{BB962C8B-B14F-4D97-AF65-F5344CB8AC3E}">
-        <p14:creationId xmlns:p14="http://schemas.microsoft.com/office/powerpoint/2010/main" val="2301760329"/>
+        <p14:creationId xmlns:p14="http://schemas.microsoft.com/office/powerpoint/2010/main" val="1275583038"/>
       </p:ext>
     </p:extLst>
   </p:cSld>
@@ -7554,7 +7642,7 @@
           <a:p>
             <a:r>
               <a:rPr lang="en-US" dirty="0" smtClean="0"/>
-              <a:t>What is 3D Printing</a:t>
+              <a:t>Uses for 3D Printers</a:t>
             </a:r>
             <a:endParaRPr lang="en-US" dirty="0"/>
           </a:p>
@@ -7572,60 +7660,50 @@
         </p:nvSpPr>
         <p:spPr>
           <a:xfrm>
-            <a:off x="228600" y="1066800"/>
-            <a:ext cx="8686800" cy="3810000"/>
-          </a:xfrm>
-        </p:spPr>
-        <p:txBody>
-          <a:bodyPr>
-            <a:normAutofit/>
-          </a:bodyPr>
-          <a:lstStyle/>
-          <a:p>
-            <a:r>
-              <a:rPr lang="en-US" dirty="0" smtClean="0"/>
-              <a:t>Additive Manufacturing (Legos)</a:t>
-            </a:r>
-          </a:p>
-          <a:p>
-            <a:pPr lvl="1"/>
-            <a:r>
-              <a:rPr lang="en-US" dirty="0" smtClean="0"/>
-              <a:t>Subtractive (carving, milling)</a:t>
-            </a:r>
-            <a:endParaRPr lang="en-US" dirty="0" smtClean="0"/>
-          </a:p>
-          <a:p>
-            <a:r>
-              <a:rPr lang="en-US" dirty="0" smtClean="0"/>
-              <a:t>Material is</a:t>
-            </a:r>
-            <a:r>
-              <a:rPr lang="en-US" dirty="0" smtClean="0"/>
-              <a:t> pushed through a nozzle (extruded)</a:t>
-            </a:r>
-          </a:p>
-          <a:p>
-            <a:pPr lvl="1"/>
-            <a:r>
-              <a:rPr lang="en-US" dirty="0" smtClean="0"/>
-              <a:t>Filament is heated to allow this to happen</a:t>
-            </a:r>
-          </a:p>
-          <a:p>
-            <a:pPr lvl="1"/>
-            <a:r>
-              <a:rPr lang="en-US" dirty="0" smtClean="0"/>
-              <a:t>Icing or pastry bag</a:t>
-            </a:r>
-            <a:endParaRPr lang="en-US" dirty="0" smtClean="0"/>
+            <a:off x="457200" y="1066800"/>
+            <a:ext cx="8229600" cy="3810000"/>
+          </a:xfrm>
+        </p:spPr>
+        <p:txBody>
+          <a:bodyPr/>
+          <a:lstStyle/>
+          <a:p>
+            <a:r>
+              <a:rPr lang="en-US" dirty="0" smtClean="0"/>
+              <a:t>Prototyping</a:t>
+            </a:r>
+          </a:p>
+          <a:p>
+            <a:r>
+              <a:rPr lang="en-US" dirty="0" smtClean="0"/>
+              <a:t>Small lot manufacturing (cookie cutters)</a:t>
+            </a:r>
+          </a:p>
+          <a:p>
+            <a:r>
+              <a:rPr lang="en-US" dirty="0" smtClean="0"/>
+              <a:t>Specialized or hard to find items (car parts)</a:t>
+            </a:r>
+          </a:p>
+          <a:p>
+            <a:r>
+              <a:rPr lang="en-US" dirty="0" smtClean="0"/>
+              <a:t>Education (music, animals)</a:t>
+            </a:r>
+          </a:p>
+          <a:p>
+            <a:r>
+              <a:rPr lang="en-US" dirty="0" smtClean="0"/>
+              <a:t>To be determined!</a:t>
+            </a:r>
+            <a:endParaRPr lang="en-US" dirty="0"/>
           </a:p>
         </p:txBody>
       </p:sp>
     </p:spTree>
     <p:extLst>
       <p:ext uri="{BB962C8B-B14F-4D97-AF65-F5344CB8AC3E}">
-        <p14:creationId xmlns:p14="http://schemas.microsoft.com/office/powerpoint/2010/main" val="1275583038"/>
+        <p14:creationId xmlns:p14="http://schemas.microsoft.com/office/powerpoint/2010/main" val="3814718168"/>
       </p:ext>
     </p:extLst>
   </p:cSld>
@@ -7681,7 +7759,7 @@
           <a:p>
             <a:r>
               <a:rPr lang="en-US" dirty="0" smtClean="0"/>
-              <a:t>Uses for 3D Printers</a:t>
+              <a:t>My Favorite Thing</a:t>
             </a:r>
             <a:endParaRPr lang="en-US" dirty="0"/>
           </a:p>
@@ -7699,8 +7777,8 @@
         </p:nvSpPr>
         <p:spPr>
           <a:xfrm>
-            <a:off x="457200" y="1066800"/>
-            <a:ext cx="8229600" cy="3810000"/>
+            <a:off x="457200" y="1600201"/>
+            <a:ext cx="8229600" cy="1600200"/>
           </a:xfrm>
         </p:spPr>
         <p:txBody>
@@ -7709,31 +7787,7 @@
           <a:p>
             <a:r>
               <a:rPr lang="en-US" dirty="0" smtClean="0"/>
-              <a:t>Prototyping</a:t>
-            </a:r>
-          </a:p>
-          <a:p>
-            <a:r>
-              <a:rPr lang="en-US" dirty="0" smtClean="0"/>
-              <a:t>Small lot manufacturing (cookie cutters)</a:t>
-            </a:r>
-          </a:p>
-          <a:p>
-            <a:r>
-              <a:rPr lang="en-US" dirty="0" smtClean="0"/>
-              <a:t>Specialized or hard to find items (car parts)</a:t>
-            </a:r>
-          </a:p>
-          <a:p>
-            <a:r>
-              <a:rPr lang="en-US" dirty="0" smtClean="0"/>
-              <a:t>Education (music, animals)</a:t>
-            </a:r>
-          </a:p>
-          <a:p>
-            <a:r>
-              <a:rPr lang="en-US" dirty="0" smtClean="0"/>
-              <a:t>To be determined!</a:t>
+              <a:t>It was a Saturday morning….</a:t>
             </a:r>
             <a:endParaRPr lang="en-US" dirty="0"/>
           </a:p>
@@ -7742,7 +7796,7 @@
     </p:spTree>
     <p:extLst>
       <p:ext uri="{BB962C8B-B14F-4D97-AF65-F5344CB8AC3E}">
-        <p14:creationId xmlns:p14="http://schemas.microsoft.com/office/powerpoint/2010/main" val="3814718168"/>
+        <p14:creationId xmlns:p14="http://schemas.microsoft.com/office/powerpoint/2010/main" val="4239267716"/>
       </p:ext>
     </p:extLst>
   </p:cSld>
@@ -7798,44 +7852,195 @@
           <a:p>
             <a:r>
               <a:rPr lang="en-US" dirty="0" smtClean="0"/>
-              <a:t>My Favorite Thing</a:t>
+              <a:t>3D Pinter Types</a:t>
             </a:r>
             <a:endParaRPr lang="en-US" dirty="0"/>
           </a:p>
         </p:txBody>
       </p:sp>
-      <p:sp>
-        <p:nvSpPr>
-          <p:cNvPr id="12" name="Content Placeholder 11"/>
-          <p:cNvSpPr>
-            <a:spLocks noGrp="1"/>
-          </p:cNvSpPr>
+      <p:pic>
+        <p:nvPicPr>
+          <p:cNvPr id="6" name="Content Placeholder 5"/>
+          <p:cNvPicPr>
+            <a:picLocks noGrp="1" noChangeAspect="1"/>
+          </p:cNvPicPr>
           <p:nvPr>
             <p:ph idx="1"/>
           </p:nvPr>
-        </p:nvSpPr>
-        <p:spPr>
-          <a:xfrm>
-            <a:off x="457200" y="1600201"/>
-            <a:ext cx="8229600" cy="1600200"/>
-          </a:xfrm>
-        </p:spPr>
-        <p:txBody>
-          <a:bodyPr/>
-          <a:lstStyle/>
-          <a:p>
-            <a:r>
-              <a:rPr lang="en-US" dirty="0" smtClean="0"/>
-              <a:t>It was a Saturday morning….</a:t>
-            </a:r>
-            <a:endParaRPr lang="en-US" dirty="0"/>
+        </p:nvPicPr>
+        <p:blipFill>
+          <a:blip r:embed="rId2">
+            <a:extLst>
+              <a:ext uri="{28A0092B-C50C-407E-A947-70E740481C1C}">
+                <a14:useLocalDpi xmlns:a14="http://schemas.microsoft.com/office/drawing/2010/main" val="0"/>
+              </a:ext>
+            </a:extLst>
+          </a:blip>
+          <a:stretch>
+            <a:fillRect/>
+          </a:stretch>
+        </p:blipFill>
+        <p:spPr>
+          <a:xfrm>
+            <a:off x="228600" y="1066800"/>
+            <a:ext cx="2949060" cy="2133600"/>
+          </a:xfrm>
+        </p:spPr>
+      </p:pic>
+      <p:pic>
+        <p:nvPicPr>
+          <p:cNvPr id="7" name="Picture 6"/>
+          <p:cNvPicPr>
+            <a:picLocks noChangeAspect="1"/>
+          </p:cNvPicPr>
+          <p:nvPr/>
+        </p:nvPicPr>
+        <p:blipFill>
+          <a:blip r:embed="rId3">
+            <a:extLst>
+              <a:ext uri="{28A0092B-C50C-407E-A947-70E740481C1C}">
+                <a14:useLocalDpi xmlns:a14="http://schemas.microsoft.com/office/drawing/2010/main" val="0"/>
+              </a:ext>
+            </a:extLst>
+          </a:blip>
+          <a:stretch>
+            <a:fillRect/>
+          </a:stretch>
+        </p:blipFill>
+        <p:spPr>
+          <a:xfrm>
+            <a:off x="3276600" y="1066800"/>
+            <a:ext cx="2316753" cy="2286000"/>
+          </a:xfrm>
+          <a:prstGeom prst="rect">
+            <a:avLst/>
+          </a:prstGeom>
+        </p:spPr>
+      </p:pic>
+      <p:pic>
+        <p:nvPicPr>
+          <p:cNvPr id="8" name="Picture 7"/>
+          <p:cNvPicPr>
+            <a:picLocks noChangeAspect="1"/>
+          </p:cNvPicPr>
+          <p:nvPr/>
+        </p:nvPicPr>
+        <p:blipFill>
+          <a:blip r:embed="rId4">
+            <a:extLst>
+              <a:ext uri="{28A0092B-C50C-407E-A947-70E740481C1C}">
+                <a14:useLocalDpi xmlns:a14="http://schemas.microsoft.com/office/drawing/2010/main" val="0"/>
+              </a:ext>
+            </a:extLst>
+          </a:blip>
+          <a:stretch>
+            <a:fillRect/>
+          </a:stretch>
+        </p:blipFill>
+        <p:spPr>
+          <a:xfrm>
+            <a:off x="5664200" y="1066800"/>
+            <a:ext cx="2794000" cy="1676400"/>
+          </a:xfrm>
+          <a:prstGeom prst="rect">
+            <a:avLst/>
+          </a:prstGeom>
+        </p:spPr>
+      </p:pic>
+      <p:sp>
+        <p:nvSpPr>
+          <p:cNvPr id="9" name="TextBox 8"/>
+          <p:cNvSpPr txBox="1"/>
+          <p:nvPr/>
+        </p:nvSpPr>
+        <p:spPr>
+          <a:xfrm>
+            <a:off x="457199" y="3657600"/>
+            <a:ext cx="1941429" cy="646331"/>
+          </a:xfrm>
+          <a:prstGeom prst="rect">
+            <a:avLst/>
+          </a:prstGeom>
+          <a:noFill/>
+        </p:spPr>
+        <p:txBody>
+          <a:bodyPr wrap="none" rtlCol="0">
+            <a:spAutoFit/>
+          </a:bodyPr>
+          <a:lstStyle/>
+          <a:p>
+            <a:r>
+              <a:rPr lang="en-US" sz="3600" dirty="0" smtClean="0"/>
+              <a:t>Cartesian</a:t>
+            </a:r>
+            <a:endParaRPr lang="en-US" sz="3600" dirty="0"/>
+          </a:p>
+        </p:txBody>
+      </p:sp>
+      <p:sp>
+        <p:nvSpPr>
+          <p:cNvPr id="10" name="TextBox 9"/>
+          <p:cNvSpPr txBox="1"/>
+          <p:nvPr/>
+        </p:nvSpPr>
+        <p:spPr>
+          <a:xfrm>
+            <a:off x="3900714" y="3657600"/>
+            <a:ext cx="1172885" cy="646331"/>
+          </a:xfrm>
+          <a:prstGeom prst="rect">
+            <a:avLst/>
+          </a:prstGeom>
+          <a:noFill/>
+        </p:spPr>
+        <p:txBody>
+          <a:bodyPr wrap="none" rtlCol="0">
+            <a:spAutoFit/>
+          </a:bodyPr>
+          <a:lstStyle/>
+          <a:p>
+            <a:r>
+              <a:rPr lang="en-US" sz="3600" dirty="0" smtClean="0"/>
+              <a:t>Delta</a:t>
+            </a:r>
+            <a:endParaRPr lang="en-US" sz="3600" dirty="0"/>
+          </a:p>
+        </p:txBody>
+      </p:sp>
+      <p:sp>
+        <p:nvSpPr>
+          <p:cNvPr id="11" name="TextBox 10"/>
+          <p:cNvSpPr txBox="1"/>
+          <p:nvPr/>
+        </p:nvSpPr>
+        <p:spPr>
+          <a:xfrm>
+            <a:off x="6400800" y="3643732"/>
+            <a:ext cx="901209" cy="646331"/>
+          </a:xfrm>
+          <a:prstGeom prst="rect">
+            <a:avLst/>
+          </a:prstGeom>
+          <a:noFill/>
+        </p:spPr>
+        <p:txBody>
+          <a:bodyPr wrap="none" rtlCol="0">
+            <a:spAutoFit/>
+          </a:bodyPr>
+          <a:lstStyle/>
+          <a:p>
+            <a:r>
+              <a:rPr lang="en-US" sz="3600" dirty="0" smtClean="0"/>
+              <a:t>DLP</a:t>
+            </a:r>
+            <a:endParaRPr lang="en-US" sz="3600" dirty="0"/>
           </a:p>
         </p:txBody>
       </p:sp>
     </p:spTree>
     <p:extLst>
       <p:ext uri="{BB962C8B-B14F-4D97-AF65-F5344CB8AC3E}">
-        <p14:creationId xmlns:p14="http://schemas.microsoft.com/office/powerpoint/2010/main" val="4239267716"/>
+        <p14:creationId xmlns:p14="http://schemas.microsoft.com/office/powerpoint/2010/main" val="382462538"/>
       </p:ext>
     </p:extLst>
   </p:cSld>
@@ -7891,7 +8096,7 @@
           <a:p>
             <a:r>
               <a:rPr lang="en-US" dirty="0" smtClean="0"/>
-              <a:t>3D Pinter Types</a:t>
+              <a:t>Cartesian</a:t>
             </a:r>
             <a:endParaRPr lang="en-US" dirty="0"/>
           </a:p>
@@ -7921,14 +8126,14 @@
         </p:blipFill>
         <p:spPr>
           <a:xfrm>
-            <a:off x="228600" y="1066800"/>
-            <a:ext cx="2949060" cy="2133600"/>
+            <a:off x="58580" y="990600"/>
+            <a:ext cx="3896972" cy="2819400"/>
           </a:xfrm>
         </p:spPr>
       </p:pic>
       <p:pic>
         <p:nvPicPr>
-          <p:cNvPr id="7" name="Picture 6"/>
+          <p:cNvPr id="3" name="Picture 2"/>
           <p:cNvPicPr>
             <a:picLocks noChangeAspect="1"/>
           </p:cNvPicPr>
@@ -7948,138 +8153,18 @@
         </p:blipFill>
         <p:spPr>
           <a:xfrm>
-            <a:off x="3276600" y="1066800"/>
-            <a:ext cx="2316753" cy="2286000"/>
+            <a:off x="4114800" y="990600"/>
+            <a:ext cx="4800600" cy="3360420"/>
           </a:xfrm>
           <a:prstGeom prst="rect">
             <a:avLst/>
           </a:prstGeom>
         </p:spPr>
       </p:pic>
-      <p:pic>
-        <p:nvPicPr>
-          <p:cNvPr id="8" name="Picture 7"/>
-          <p:cNvPicPr>
-            <a:picLocks noChangeAspect="1"/>
-          </p:cNvPicPr>
-          <p:nvPr/>
-        </p:nvPicPr>
-        <p:blipFill>
-          <a:blip r:embed="rId4">
-            <a:extLst>
-              <a:ext uri="{28A0092B-C50C-407E-A947-70E740481C1C}">
-                <a14:useLocalDpi xmlns:a14="http://schemas.microsoft.com/office/drawing/2010/main" val="0"/>
-              </a:ext>
-            </a:extLst>
-          </a:blip>
-          <a:stretch>
-            <a:fillRect/>
-          </a:stretch>
-        </p:blipFill>
-        <p:spPr>
-          <a:xfrm>
-            <a:off x="5664200" y="1066800"/>
-            <a:ext cx="2794000" cy="1676400"/>
-          </a:xfrm>
-          <a:prstGeom prst="rect">
-            <a:avLst/>
-          </a:prstGeom>
-        </p:spPr>
-      </p:pic>
-      <p:sp>
-        <p:nvSpPr>
-          <p:cNvPr id="9" name="TextBox 8"/>
-          <p:cNvSpPr txBox="1"/>
-          <p:nvPr/>
-        </p:nvSpPr>
-        <p:spPr>
-          <a:xfrm>
-            <a:off x="457199" y="3657600"/>
-            <a:ext cx="1941429" cy="646331"/>
-          </a:xfrm>
-          <a:prstGeom prst="rect">
-            <a:avLst/>
-          </a:prstGeom>
-          <a:noFill/>
-        </p:spPr>
-        <p:txBody>
-          <a:bodyPr wrap="none" rtlCol="0">
-            <a:spAutoFit/>
-          </a:bodyPr>
-          <a:lstStyle/>
-          <a:p>
-            <a:r>
-              <a:rPr lang="en-US" sz="3600" dirty="0" smtClean="0"/>
-              <a:t>Cartesian</a:t>
-            </a:r>
-            <a:endParaRPr lang="en-US" sz="3600" dirty="0"/>
-          </a:p>
-        </p:txBody>
-      </p:sp>
-      <p:sp>
-        <p:nvSpPr>
-          <p:cNvPr id="10" name="TextBox 9"/>
-          <p:cNvSpPr txBox="1"/>
-          <p:nvPr/>
-        </p:nvSpPr>
-        <p:spPr>
-          <a:xfrm>
-            <a:off x="3900714" y="3657600"/>
-            <a:ext cx="1172885" cy="646331"/>
-          </a:xfrm>
-          <a:prstGeom prst="rect">
-            <a:avLst/>
-          </a:prstGeom>
-          <a:noFill/>
-        </p:spPr>
-        <p:txBody>
-          <a:bodyPr wrap="none" rtlCol="0">
-            <a:spAutoFit/>
-          </a:bodyPr>
-          <a:lstStyle/>
-          <a:p>
-            <a:r>
-              <a:rPr lang="en-US" sz="3600" dirty="0" smtClean="0"/>
-              <a:t>Delta</a:t>
-            </a:r>
-            <a:endParaRPr lang="en-US" sz="3600" dirty="0"/>
-          </a:p>
-        </p:txBody>
-      </p:sp>
-      <p:sp>
-        <p:nvSpPr>
-          <p:cNvPr id="11" name="TextBox 10"/>
-          <p:cNvSpPr txBox="1"/>
-          <p:nvPr/>
-        </p:nvSpPr>
-        <p:spPr>
-          <a:xfrm>
-            <a:off x="6400800" y="3643732"/>
-            <a:ext cx="901209" cy="646331"/>
-          </a:xfrm>
-          <a:prstGeom prst="rect">
-            <a:avLst/>
-          </a:prstGeom>
-          <a:noFill/>
-        </p:spPr>
-        <p:txBody>
-          <a:bodyPr wrap="none" rtlCol="0">
-            <a:spAutoFit/>
-          </a:bodyPr>
-          <a:lstStyle/>
-          <a:p>
-            <a:r>
-              <a:rPr lang="en-US" sz="3600" dirty="0" smtClean="0"/>
-              <a:t>DLP</a:t>
-            </a:r>
-            <a:endParaRPr lang="en-US" sz="3600" dirty="0"/>
-          </a:p>
-        </p:txBody>
-      </p:sp>
     </p:spTree>
     <p:extLst>
       <p:ext uri="{BB962C8B-B14F-4D97-AF65-F5344CB8AC3E}">
-        <p14:creationId xmlns:p14="http://schemas.microsoft.com/office/powerpoint/2010/main" val="382462538"/>
+        <p14:creationId xmlns:p14="http://schemas.microsoft.com/office/powerpoint/2010/main" val="1874514647"/>
       </p:ext>
     </p:extLst>
   </p:cSld>
@@ -8135,7 +8220,7 @@
           <a:p>
             <a:r>
               <a:rPr lang="en-US" dirty="0" smtClean="0"/>
-              <a:t>Cartesian</a:t>
+              <a:t>Delta</a:t>
             </a:r>
             <a:endParaRPr lang="en-US" dirty="0"/>
           </a:p>
@@ -8143,13 +8228,11 @@
       </p:sp>
       <p:pic>
         <p:nvPicPr>
-          <p:cNvPr id="6" name="Content Placeholder 5"/>
+          <p:cNvPr id="7" name="Picture 6"/>
           <p:cNvPicPr>
-            <a:picLocks noGrp="1" noChangeAspect="1"/>
+            <a:picLocks noChangeAspect="1"/>
           </p:cNvPicPr>
-          <p:nvPr>
-            <p:ph idx="1"/>
-          </p:nvPr>
+          <p:nvPr/>
         </p:nvPicPr>
         <p:blipFill>
           <a:blip r:embed="rId2">
@@ -8165,35 +8248,8 @@
         </p:blipFill>
         <p:spPr>
           <a:xfrm>
-            <a:off x="58580" y="990600"/>
-            <a:ext cx="3896972" cy="2819400"/>
-          </a:xfrm>
-        </p:spPr>
-      </p:pic>
-      <p:pic>
-        <p:nvPicPr>
-          <p:cNvPr id="3" name="Picture 2"/>
-          <p:cNvPicPr>
-            <a:picLocks noChangeAspect="1"/>
-          </p:cNvPicPr>
-          <p:nvPr/>
-        </p:nvPicPr>
-        <p:blipFill>
-          <a:blip r:embed="rId3">
-            <a:extLst>
-              <a:ext uri="{28A0092B-C50C-407E-A947-70E740481C1C}">
-                <a14:useLocalDpi xmlns:a14="http://schemas.microsoft.com/office/drawing/2010/main" val="0"/>
-              </a:ext>
-            </a:extLst>
-          </a:blip>
-          <a:stretch>
-            <a:fillRect/>
-          </a:stretch>
-        </p:blipFill>
-        <p:spPr>
-          <a:xfrm>
-            <a:off x="4114800" y="990600"/>
-            <a:ext cx="4800600" cy="3360420"/>
+            <a:off x="2057400" y="1047108"/>
+            <a:ext cx="4710731" cy="4648200"/>
           </a:xfrm>
           <a:prstGeom prst="rect">
             <a:avLst/>
@@ -8203,7 +8259,7 @@
     </p:spTree>
     <p:extLst>
       <p:ext uri="{BB962C8B-B14F-4D97-AF65-F5344CB8AC3E}">
-        <p14:creationId xmlns:p14="http://schemas.microsoft.com/office/powerpoint/2010/main" val="1874514647"/>
+        <p14:creationId xmlns:p14="http://schemas.microsoft.com/office/powerpoint/2010/main" val="838563812"/>
       </p:ext>
     </p:extLst>
   </p:cSld>

--- a/Introduction to 3D Printing.pptx
+++ b/Introduction to 3D Printing.pptx
@@ -5,36 +5,43 @@
     <p:sldMasterId id="2147483648" r:id="rId1"/>
   </p:sldMasterIdLst>
   <p:sldIdLst>
-    <p:sldId id="256" r:id="rId2"/>
-    <p:sldId id="258" r:id="rId3"/>
-    <p:sldId id="275" r:id="rId4"/>
-    <p:sldId id="281" r:id="rId5"/>
-    <p:sldId id="282" r:id="rId6"/>
-    <p:sldId id="259" r:id="rId7"/>
-    <p:sldId id="269" r:id="rId8"/>
-    <p:sldId id="261" r:id="rId9"/>
-    <p:sldId id="262" r:id="rId10"/>
-    <p:sldId id="257" r:id="rId11"/>
-    <p:sldId id="263" r:id="rId12"/>
-    <p:sldId id="260" r:id="rId13"/>
-    <p:sldId id="264" r:id="rId14"/>
-    <p:sldId id="265" r:id="rId15"/>
-    <p:sldId id="266" r:id="rId16"/>
-    <p:sldId id="267" r:id="rId17"/>
-    <p:sldId id="268" r:id="rId18"/>
-    <p:sldId id="270" r:id="rId19"/>
-    <p:sldId id="271" r:id="rId20"/>
-    <p:sldId id="272" r:id="rId21"/>
-    <p:sldId id="273" r:id="rId22"/>
-    <p:sldId id="276" r:id="rId23"/>
-    <p:sldId id="274" r:id="rId24"/>
-    <p:sldId id="277" r:id="rId25"/>
-    <p:sldId id="278" r:id="rId26"/>
-    <p:sldId id="279" r:id="rId27"/>
-    <p:sldId id="283" r:id="rId28"/>
-    <p:sldId id="284" r:id="rId29"/>
-    <p:sldId id="285" r:id="rId30"/>
-    <p:sldId id="286" r:id="rId31"/>
+    <p:sldId id="258" r:id="rId2"/>
+    <p:sldId id="287" r:id="rId3"/>
+    <p:sldId id="256" r:id="rId4"/>
+    <p:sldId id="275" r:id="rId5"/>
+    <p:sldId id="281" r:id="rId6"/>
+    <p:sldId id="282" r:id="rId7"/>
+    <p:sldId id="259" r:id="rId8"/>
+    <p:sldId id="269" r:id="rId9"/>
+    <p:sldId id="261" r:id="rId10"/>
+    <p:sldId id="262" r:id="rId11"/>
+    <p:sldId id="257" r:id="rId12"/>
+    <p:sldId id="263" r:id="rId13"/>
+    <p:sldId id="260" r:id="rId14"/>
+    <p:sldId id="264" r:id="rId15"/>
+    <p:sldId id="265" r:id="rId16"/>
+    <p:sldId id="266" r:id="rId17"/>
+    <p:sldId id="267" r:id="rId18"/>
+    <p:sldId id="268" r:id="rId19"/>
+    <p:sldId id="270" r:id="rId20"/>
+    <p:sldId id="271" r:id="rId21"/>
+    <p:sldId id="272" r:id="rId22"/>
+    <p:sldId id="290" r:id="rId23"/>
+    <p:sldId id="288" r:id="rId24"/>
+    <p:sldId id="283" r:id="rId25"/>
+    <p:sldId id="273" r:id="rId26"/>
+    <p:sldId id="289" r:id="rId27"/>
+    <p:sldId id="276" r:id="rId28"/>
+    <p:sldId id="291" r:id="rId29"/>
+    <p:sldId id="274" r:id="rId30"/>
+    <p:sldId id="292" r:id="rId31"/>
+    <p:sldId id="277" r:id="rId32"/>
+    <p:sldId id="278" r:id="rId33"/>
+    <p:sldId id="284" r:id="rId34"/>
+    <p:sldId id="279" r:id="rId35"/>
+    <p:sldId id="293" r:id="rId36"/>
+    <p:sldId id="285" r:id="rId37"/>
+    <p:sldId id="286" r:id="rId38"/>
   </p:sldIdLst>
   <p:sldSz cx="9144000" cy="6858000" type="screen4x3"/>
   <p:notesSz cx="6858000" cy="9144000"/>
@@ -317,7 +324,7 @@
           <a:p>
             <a:fld id="{03F24ECC-79A4-43A1-8C02-28912ED20E3E}" type="datetimeFigureOut">
               <a:rPr lang="en-US" smtClean="0"/>
-              <a:t>6/25/2015</a:t>
+              <a:t>10/13/2015</a:t>
             </a:fld>
             <a:endParaRPr lang="en-US"/>
           </a:p>
@@ -487,7 +494,7 @@
           <a:p>
             <a:fld id="{03F24ECC-79A4-43A1-8C02-28912ED20E3E}" type="datetimeFigureOut">
               <a:rPr lang="en-US" smtClean="0"/>
-              <a:t>6/25/2015</a:t>
+              <a:t>10/13/2015</a:t>
             </a:fld>
             <a:endParaRPr lang="en-US"/>
           </a:p>
@@ -667,7 +674,7 @@
           <a:p>
             <a:fld id="{03F24ECC-79A4-43A1-8C02-28912ED20E3E}" type="datetimeFigureOut">
               <a:rPr lang="en-US" smtClean="0"/>
-              <a:t>6/25/2015</a:t>
+              <a:t>10/13/2015</a:t>
             </a:fld>
             <a:endParaRPr lang="en-US"/>
           </a:p>
@@ -837,7 +844,7 @@
           <a:p>
             <a:fld id="{03F24ECC-79A4-43A1-8C02-28912ED20E3E}" type="datetimeFigureOut">
               <a:rPr lang="en-US" smtClean="0"/>
-              <a:t>6/25/2015</a:t>
+              <a:t>10/13/2015</a:t>
             </a:fld>
             <a:endParaRPr lang="en-US"/>
           </a:p>
@@ -1083,7 +1090,7 @@
           <a:p>
             <a:fld id="{03F24ECC-79A4-43A1-8C02-28912ED20E3E}" type="datetimeFigureOut">
               <a:rPr lang="en-US" smtClean="0"/>
-              <a:t>6/25/2015</a:t>
+              <a:t>10/13/2015</a:t>
             </a:fld>
             <a:endParaRPr lang="en-US"/>
           </a:p>
@@ -1371,7 +1378,7 @@
           <a:p>
             <a:fld id="{03F24ECC-79A4-43A1-8C02-28912ED20E3E}" type="datetimeFigureOut">
               <a:rPr lang="en-US" smtClean="0"/>
-              <a:t>6/25/2015</a:t>
+              <a:t>10/13/2015</a:t>
             </a:fld>
             <a:endParaRPr lang="en-US"/>
           </a:p>
@@ -1793,7 +1800,7 @@
           <a:p>
             <a:fld id="{03F24ECC-79A4-43A1-8C02-28912ED20E3E}" type="datetimeFigureOut">
               <a:rPr lang="en-US" smtClean="0"/>
-              <a:t>6/25/2015</a:t>
+              <a:t>10/13/2015</a:t>
             </a:fld>
             <a:endParaRPr lang="en-US"/>
           </a:p>
@@ -1911,7 +1918,7 @@
           <a:p>
             <a:fld id="{03F24ECC-79A4-43A1-8C02-28912ED20E3E}" type="datetimeFigureOut">
               <a:rPr lang="en-US" smtClean="0"/>
-              <a:t>6/25/2015</a:t>
+              <a:t>10/13/2015</a:t>
             </a:fld>
             <a:endParaRPr lang="en-US"/>
           </a:p>
@@ -2006,7 +2013,7 @@
           <a:p>
             <a:fld id="{03F24ECC-79A4-43A1-8C02-28912ED20E3E}" type="datetimeFigureOut">
               <a:rPr lang="en-US" smtClean="0"/>
-              <a:t>6/25/2015</a:t>
+              <a:t>10/13/2015</a:t>
             </a:fld>
             <a:endParaRPr lang="en-US"/>
           </a:p>
@@ -2283,7 +2290,7 @@
           <a:p>
             <a:fld id="{03F24ECC-79A4-43A1-8C02-28912ED20E3E}" type="datetimeFigureOut">
               <a:rPr lang="en-US" smtClean="0"/>
-              <a:t>6/25/2015</a:t>
+              <a:t>10/13/2015</a:t>
             </a:fld>
             <a:endParaRPr lang="en-US"/>
           </a:p>
@@ -2536,7 +2543,7 @@
           <a:p>
             <a:fld id="{03F24ECC-79A4-43A1-8C02-28912ED20E3E}" type="datetimeFigureOut">
               <a:rPr lang="en-US" smtClean="0"/>
-              <a:t>6/25/2015</a:t>
+              <a:t>10/13/2015</a:t>
             </a:fld>
             <a:endParaRPr lang="en-US"/>
           </a:p>
@@ -2749,7 +2756,7 @@
           <a:p>
             <a:fld id="{03F24ECC-79A4-43A1-8C02-28912ED20E3E}" type="datetimeFigureOut">
               <a:rPr lang="en-US" smtClean="0"/>
-              <a:t>6/25/2015</a:t>
+              <a:t>10/13/2015</a:t>
             </a:fld>
             <a:endParaRPr lang="en-US"/>
           </a:p>
@@ -3131,71 +3138,117 @@
             <a:spLocks noGrp="1"/>
           </p:cNvSpPr>
           <p:nvPr>
-            <p:ph type="ctrTitle"/>
-          </p:nvPr>
-        </p:nvSpPr>
-        <p:spPr>
-          <a:xfrm>
-            <a:off x="533400" y="457200"/>
-            <a:ext cx="7772400" cy="1470025"/>
-          </a:xfrm>
-        </p:spPr>
-        <p:txBody>
-          <a:bodyPr/>
-          <a:lstStyle/>
-          <a:p>
-            <a:r>
-              <a:rPr lang="en-US" dirty="0" smtClean="0"/>
-              <a:t>Introduction to 3D Printing</a:t>
-            </a:r>
-            <a:endParaRPr lang="en-US" dirty="0"/>
-          </a:p>
-        </p:txBody>
-      </p:sp>
-      <p:sp>
-        <p:nvSpPr>
-          <p:cNvPr id="3" name="Subtitle 2"/>
-          <p:cNvSpPr>
-            <a:spLocks noGrp="1"/>
-          </p:cNvSpPr>
-          <p:nvPr>
-            <p:ph type="subTitle" idx="1"/>
-          </p:nvPr>
-        </p:nvSpPr>
-        <p:spPr>
-          <a:xfrm>
-            <a:off x="228600" y="2212975"/>
-            <a:ext cx="8458200" cy="1752600"/>
-          </a:xfrm>
-        </p:spPr>
-        <p:txBody>
-          <a:bodyPr/>
-          <a:lstStyle/>
-          <a:p>
-            <a:r>
-              <a:rPr lang="en-US" dirty="0" smtClean="0"/>
-              <a:t>“</a:t>
+            <p:ph type="title"/>
+          </p:nvPr>
+        </p:nvSpPr>
+        <p:spPr>
+          <a:xfrm>
+            <a:off x="457200" y="0"/>
+            <a:ext cx="8229600" cy="762000"/>
+          </a:xfrm>
+        </p:spPr>
+        <p:txBody>
+          <a:bodyPr>
+            <a:normAutofit/>
+          </a:bodyPr>
+          <a:lstStyle/>
+          <a:p>
+            <a:r>
+              <a:rPr lang="en-US" b="1" cap="all" dirty="0">
+                <a:solidFill>
+                  <a:srgbClr val="C00000"/>
+                </a:solidFill>
+              </a:rPr>
+              <a:t>WELCOME</a:t>
+            </a:r>
+            <a:r>
+              <a:rPr lang="en-US" b="1" cap="all" dirty="0" smtClean="0">
+                <a:solidFill>
+                  <a:srgbClr val="C00000"/>
+                </a:solidFill>
+              </a:rPr>
+              <a:t>!</a:t>
+            </a:r>
+            <a:endParaRPr lang="en-US" dirty="0">
+              <a:solidFill>
+                <a:srgbClr val="C00000"/>
+              </a:solidFill>
+            </a:endParaRPr>
+          </a:p>
+        </p:txBody>
+      </p:sp>
+      <p:sp>
+        <p:nvSpPr>
+          <p:cNvPr id="3" name="Content Placeholder 2"/>
+          <p:cNvSpPr>
+            <a:spLocks noGrp="1"/>
+          </p:cNvSpPr>
+          <p:nvPr>
+            <p:ph idx="1"/>
+          </p:nvPr>
+        </p:nvSpPr>
+        <p:spPr>
+          <a:xfrm>
+            <a:off x="457200" y="762000"/>
+            <a:ext cx="8229600" cy="4525963"/>
+          </a:xfrm>
+        </p:spPr>
+        <p:txBody>
+          <a:bodyPr>
+            <a:normAutofit/>
+          </a:bodyPr>
+          <a:lstStyle/>
+          <a:p>
+            <a:pPr marL="0" indent="0" fontAlgn="base">
+              <a:buNone/>
+            </a:pPr>
+            <a:r>
+              <a:rPr lang="en-US" dirty="0" smtClean="0"/>
+              <a:t>Girl </a:t>
             </a:r>
             <a:r>
               <a:rPr lang="en-US" dirty="0"/>
-              <a:t> I want to say one word to you. Just one word</a:t>
-            </a:r>
-            <a:r>
-              <a:rPr lang="en-US" dirty="0" smtClean="0"/>
-              <a:t>.…</a:t>
-            </a:r>
-          </a:p>
-          <a:p>
-            <a:r>
-              <a:rPr lang="en-US" dirty="0" smtClean="0"/>
-              <a:t>Plastics”</a:t>
-            </a:r>
-          </a:p>
-          <a:p>
-            <a:r>
-              <a:rPr lang="en-US" dirty="0" smtClean="0"/>
-              <a:t>The Graduate - 1967</a:t>
-            </a:r>
+              <a:t>Develop It is here to provide affordable and accessible programs to learn software through mentorship and hands-on instruction.</a:t>
+            </a:r>
+          </a:p>
+          <a:p>
+            <a:pPr marL="0" indent="0" fontAlgn="base">
+              <a:buNone/>
+            </a:pPr>
+            <a:r>
+              <a:rPr lang="en-US" dirty="0"/>
+              <a:t>Some "rules"</a:t>
+            </a:r>
+          </a:p>
+          <a:p>
+            <a:pPr fontAlgn="base"/>
+            <a:r>
+              <a:rPr lang="en-US" dirty="0"/>
+              <a:t>We are here for you!</a:t>
+            </a:r>
+          </a:p>
+          <a:p>
+            <a:pPr fontAlgn="base"/>
+            <a:r>
+              <a:rPr lang="en-US" dirty="0"/>
+              <a:t>Every question is important</a:t>
+            </a:r>
+          </a:p>
+          <a:p>
+            <a:pPr fontAlgn="base"/>
+            <a:r>
+              <a:rPr lang="en-US" dirty="0"/>
+              <a:t>Help each other</a:t>
+            </a:r>
+          </a:p>
+          <a:p>
+            <a:pPr fontAlgn="base"/>
+            <a:r>
+              <a:rPr lang="en-US" dirty="0"/>
+              <a:t>Have fun</a:t>
+            </a:r>
+          </a:p>
+          <a:p>
             <a:endParaRPr lang="en-US" dirty="0"/>
           </a:p>
         </p:txBody>
@@ -3203,7 +3256,7 @@
     </p:spTree>
     <p:extLst>
       <p:ext uri="{BB962C8B-B14F-4D97-AF65-F5344CB8AC3E}">
-        <p14:creationId xmlns:p14="http://schemas.microsoft.com/office/powerpoint/2010/main" val="2666580265"/>
+        <p14:creationId xmlns:p14="http://schemas.microsoft.com/office/powerpoint/2010/main" val="3634930489"/>
       </p:ext>
     </p:extLst>
   </p:cSld>
@@ -3249,7 +3302,7 @@
         </p:nvSpPr>
         <p:spPr>
           <a:xfrm>
-            <a:off x="419100" y="0"/>
+            <a:off x="457200" y="0"/>
             <a:ext cx="8229600" cy="1143000"/>
           </a:xfrm>
         </p:spPr>
@@ -3259,7 +3312,7 @@
           <a:p>
             <a:r>
               <a:rPr lang="en-US" dirty="0" smtClean="0"/>
-              <a:t>Delta Style Printer (video)</a:t>
+              <a:t>Delta</a:t>
             </a:r>
             <a:endParaRPr lang="en-US" dirty="0"/>
           </a:p>
@@ -3267,86 +3320,38 @@
       </p:sp>
       <p:pic>
         <p:nvPicPr>
-          <p:cNvPr id="4" name="zQxa920YGaU"/>
+          <p:cNvPr id="7" name="Picture 6"/>
           <p:cNvPicPr>
-            <a:picLocks noRot="1" noChangeAspect="1"/>
+            <a:picLocks noChangeAspect="1"/>
           </p:cNvPicPr>
-          <p:nvPr>
-            <a:videoFile r:link="rId1"/>
-          </p:nvPr>
+          <p:nvPr/>
         </p:nvPicPr>
         <p:blipFill>
-          <a:blip r:embed="rId3"/>
+          <a:blip r:embed="rId2">
+            <a:extLst>
+              <a:ext uri="{28A0092B-C50C-407E-A947-70E740481C1C}">
+                <a14:useLocalDpi xmlns:a14="http://schemas.microsoft.com/office/drawing/2010/main" val="0"/>
+              </a:ext>
+            </a:extLst>
+          </a:blip>
           <a:stretch>
             <a:fillRect/>
           </a:stretch>
         </p:blipFill>
         <p:spPr>
           <a:xfrm>
-            <a:off x="1524000" y="1219200"/>
-            <a:ext cx="6019800" cy="3386138"/>
+            <a:off x="2057400" y="1047108"/>
+            <a:ext cx="4710731" cy="4648200"/>
           </a:xfrm>
           <a:prstGeom prst="rect">
             <a:avLst/>
           </a:prstGeom>
         </p:spPr>
       </p:pic>
-      <p:sp>
-        <p:nvSpPr>
-          <p:cNvPr id="3" name="TextBox 2"/>
-          <p:cNvSpPr txBox="1"/>
-          <p:nvPr/>
-        </p:nvSpPr>
-        <p:spPr>
-          <a:xfrm>
-            <a:off x="762000" y="4953000"/>
-            <a:ext cx="7848600" cy="369332"/>
-          </a:xfrm>
-          <a:prstGeom prst="rect">
-            <a:avLst/>
-          </a:prstGeom>
-          <a:noFill/>
-        </p:spPr>
-        <p:txBody>
-          <a:bodyPr wrap="square" rtlCol="0">
-            <a:spAutoFit/>
-          </a:bodyPr>
-          <a:lstStyle/>
-          <a:p>
-            <a:r>
-              <a:rPr lang="en-US" dirty="0" smtClean="0"/>
-              <a:t>(</a:t>
-            </a:r>
-            <a:r>
-              <a:rPr lang="en-US" dirty="0" smtClean="0">
-                <a:hlinkClick r:id="rId4"/>
-              </a:rPr>
-              <a:t>https</a:t>
-            </a:r>
-            <a:r>
-              <a:rPr lang="en-US" dirty="0">
-                <a:hlinkClick r:id="rId4"/>
-              </a:rPr>
-              <a:t>://</a:t>
-            </a:r>
-            <a:r>
-              <a:rPr lang="en-US" dirty="0" smtClean="0">
-                <a:hlinkClick r:id="rId4"/>
-              </a:rPr>
-              <a:t>www.youtube.com/watch?feature=player_embedded&amp;v=zQxa920YGaU</a:t>
-            </a:r>
-            <a:r>
-              <a:rPr lang="en-US" dirty="0" smtClean="0"/>
-              <a:t> )</a:t>
-            </a:r>
-            <a:endParaRPr lang="en-US" dirty="0"/>
-          </a:p>
-        </p:txBody>
-      </p:sp>
     </p:spTree>
     <p:extLst>
       <p:ext uri="{BB962C8B-B14F-4D97-AF65-F5344CB8AC3E}">
-        <p14:creationId xmlns:p14="http://schemas.microsoft.com/office/powerpoint/2010/main" val="1380890633"/>
+        <p14:creationId xmlns:p14="http://schemas.microsoft.com/office/powerpoint/2010/main" val="838563812"/>
       </p:ext>
     </p:extLst>
   </p:cSld>
@@ -3392,7 +3397,7 @@
         </p:nvSpPr>
         <p:spPr>
           <a:xfrm>
-            <a:off x="457200" y="0"/>
+            <a:off x="419100" y="0"/>
             <a:ext cx="8229600" cy="1143000"/>
           </a:xfrm>
         </p:spPr>
@@ -3402,7 +3407,7 @@
           <a:p>
             <a:r>
               <a:rPr lang="en-US" dirty="0" smtClean="0"/>
-              <a:t>DLP</a:t>
+              <a:t>Delta Style Printer (video)</a:t>
             </a:r>
             <a:endParaRPr lang="en-US" dirty="0"/>
           </a:p>
@@ -3410,38 +3415,86 @@
       </p:sp>
       <p:pic>
         <p:nvPicPr>
-          <p:cNvPr id="8" name="Picture 7"/>
+          <p:cNvPr id="4" name="zQxa920YGaU"/>
           <p:cNvPicPr>
-            <a:picLocks noChangeAspect="1"/>
+            <a:picLocks noRot="1" noChangeAspect="1"/>
           </p:cNvPicPr>
-          <p:nvPr/>
+          <p:nvPr>
+            <a:videoFile r:link="rId1"/>
+          </p:nvPr>
         </p:nvPicPr>
         <p:blipFill>
-          <a:blip r:embed="rId2">
-            <a:extLst>
-              <a:ext uri="{28A0092B-C50C-407E-A947-70E740481C1C}">
-                <a14:useLocalDpi xmlns:a14="http://schemas.microsoft.com/office/drawing/2010/main" val="0"/>
-              </a:ext>
-            </a:extLst>
-          </a:blip>
+          <a:blip r:embed="rId3"/>
           <a:stretch>
             <a:fillRect/>
           </a:stretch>
         </p:blipFill>
         <p:spPr>
           <a:xfrm>
-            <a:off x="1524000" y="990600"/>
-            <a:ext cx="6248400" cy="3749040"/>
+            <a:off x="1524000" y="1219200"/>
+            <a:ext cx="6019800" cy="3386138"/>
           </a:xfrm>
           <a:prstGeom prst="rect">
             <a:avLst/>
           </a:prstGeom>
         </p:spPr>
       </p:pic>
+      <p:sp>
+        <p:nvSpPr>
+          <p:cNvPr id="3" name="TextBox 2"/>
+          <p:cNvSpPr txBox="1"/>
+          <p:nvPr/>
+        </p:nvSpPr>
+        <p:spPr>
+          <a:xfrm>
+            <a:off x="762000" y="4953000"/>
+            <a:ext cx="7848600" cy="369332"/>
+          </a:xfrm>
+          <a:prstGeom prst="rect">
+            <a:avLst/>
+          </a:prstGeom>
+          <a:noFill/>
+        </p:spPr>
+        <p:txBody>
+          <a:bodyPr wrap="square" rtlCol="0">
+            <a:spAutoFit/>
+          </a:bodyPr>
+          <a:lstStyle/>
+          <a:p>
+            <a:r>
+              <a:rPr lang="en-US" dirty="0" smtClean="0"/>
+              <a:t>(</a:t>
+            </a:r>
+            <a:r>
+              <a:rPr lang="en-US" dirty="0" smtClean="0">
+                <a:hlinkClick r:id="rId4"/>
+              </a:rPr>
+              <a:t>https</a:t>
+            </a:r>
+            <a:r>
+              <a:rPr lang="en-US" dirty="0">
+                <a:hlinkClick r:id="rId4"/>
+              </a:rPr>
+              <a:t>://</a:t>
+            </a:r>
+            <a:r>
+              <a:rPr lang="en-US" dirty="0" smtClean="0">
+                <a:hlinkClick r:id="rId4"/>
+              </a:rPr>
+              <a:t>www.youtube.com/watch?feature=player_embedded&amp;v=zQxa920YGaU</a:t>
+            </a:r>
+            <a:r>
+              <a:rPr lang="en-US" dirty="0" smtClean="0"/>
+              <a:t> )</a:t>
+            </a:r>
+            <a:endParaRPr lang="en-US" dirty="0"/>
+          </a:p>
+        </p:txBody>
+      </p:sp>
     </p:spTree>
     <p:extLst>
       <p:ext uri="{BB962C8B-B14F-4D97-AF65-F5344CB8AC3E}">
-        <p14:creationId xmlns:p14="http://schemas.microsoft.com/office/powerpoint/2010/main" val="3843722854"/>
+        <p14:creationId xmlns:p14="http://schemas.microsoft.com/office/powerpoint/2010/main" val="1380890633"/>
       </p:ext>
     </p:extLst>
   </p:cSld>
@@ -3497,7 +3550,7 @@
           <a:p>
             <a:r>
               <a:rPr lang="en-US" dirty="0" smtClean="0"/>
-              <a:t>DLP Style Printer</a:t>
+              <a:t>DLP</a:t>
             </a:r>
             <a:endParaRPr lang="en-US" dirty="0"/>
           </a:p>
@@ -3505,81 +3558,38 @@
       </p:sp>
       <p:pic>
         <p:nvPicPr>
-          <p:cNvPr id="4" name="nxhUjPmxrP0"/>
+          <p:cNvPr id="8" name="Picture 7"/>
           <p:cNvPicPr>
-            <a:picLocks noGrp="1" noRot="1" noChangeAspect="1"/>
+            <a:picLocks noChangeAspect="1"/>
           </p:cNvPicPr>
-          <p:nvPr>
-            <p:ph idx="1"/>
-            <a:videoFile r:link="rId1"/>
-          </p:nvPr>
+          <p:nvPr/>
         </p:nvPicPr>
         <p:blipFill>
-          <a:blip r:embed="rId3"/>
+          <a:blip r:embed="rId2">
+            <a:extLst>
+              <a:ext uri="{28A0092B-C50C-407E-A947-70E740481C1C}">
+                <a14:useLocalDpi xmlns:a14="http://schemas.microsoft.com/office/drawing/2010/main" val="0"/>
+              </a:ext>
+            </a:extLst>
+          </a:blip>
           <a:stretch>
             <a:fillRect/>
           </a:stretch>
         </p:blipFill>
         <p:spPr>
           <a:xfrm>
-            <a:off x="1447800" y="1143000"/>
-            <a:ext cx="6477000" cy="3643313"/>
+            <a:off x="1524000" y="990600"/>
+            <a:ext cx="6248400" cy="3749040"/>
           </a:xfrm>
           <a:prstGeom prst="rect">
             <a:avLst/>
           </a:prstGeom>
         </p:spPr>
       </p:pic>
-      <p:sp>
-        <p:nvSpPr>
-          <p:cNvPr id="3" name="TextBox 2"/>
-          <p:cNvSpPr txBox="1"/>
-          <p:nvPr/>
-        </p:nvSpPr>
-        <p:spPr>
-          <a:xfrm>
-            <a:off x="566057" y="5149334"/>
-            <a:ext cx="7848600" cy="369332"/>
-          </a:xfrm>
-          <a:prstGeom prst="rect">
-            <a:avLst/>
-          </a:prstGeom>
-          <a:noFill/>
-        </p:spPr>
-        <p:txBody>
-          <a:bodyPr wrap="square" rtlCol="0">
-            <a:spAutoFit/>
-          </a:bodyPr>
-          <a:lstStyle/>
-          <a:p>
-            <a:r>
-              <a:rPr lang="en-US" dirty="0"/>
-              <a:t>(</a:t>
-            </a:r>
-            <a:r>
-              <a:rPr lang="en-US" dirty="0">
-                <a:hlinkClick r:id="rId4"/>
-              </a:rPr>
-              <a:t>https://</a:t>
-            </a:r>
-            <a:r>
-              <a:rPr lang="en-US" dirty="0" smtClean="0">
-                <a:hlinkClick r:id="rId4"/>
-              </a:rPr>
-              <a:t>www.youtube.com/watch?feature=player_embedded&amp;v=nxhUjPmxrP0</a:t>
-            </a:r>
-            <a:r>
-              <a:rPr lang="en-US" dirty="0" smtClean="0"/>
-              <a:t> )</a:t>
-            </a:r>
-            <a:endParaRPr lang="en-US" dirty="0"/>
-          </a:p>
-        </p:txBody>
-      </p:sp>
     </p:spTree>
     <p:extLst>
       <p:ext uri="{BB962C8B-B14F-4D97-AF65-F5344CB8AC3E}">
-        <p14:creationId xmlns:p14="http://schemas.microsoft.com/office/powerpoint/2010/main" val="3948974908"/>
+        <p14:creationId xmlns:p14="http://schemas.microsoft.com/office/powerpoint/2010/main" val="3843722854"/>
       </p:ext>
     </p:extLst>
   </p:cSld>
@@ -3635,47 +3645,80 @@
           <a:p>
             <a:r>
               <a:rPr lang="en-US" dirty="0" smtClean="0"/>
-              <a:t>Money, Money, Money</a:t>
+              <a:t>DLP Style Printer</a:t>
             </a:r>
             <a:endParaRPr lang="en-US" dirty="0"/>
           </a:p>
         </p:txBody>
       </p:sp>
-      <p:sp>
-        <p:nvSpPr>
-          <p:cNvPr id="3" name="Content Placeholder 2"/>
-          <p:cNvSpPr>
-            <a:spLocks noGrp="1"/>
-          </p:cNvSpPr>
+      <p:pic>
+        <p:nvPicPr>
+          <p:cNvPr id="4" name="nxhUjPmxrP0"/>
+          <p:cNvPicPr>
+            <a:picLocks noGrp="1" noRot="1" noChangeAspect="1"/>
+          </p:cNvPicPr>
           <p:nvPr>
             <p:ph idx="1"/>
-          </p:nvPr>
-        </p:nvSpPr>
-        <p:spPr>
-          <a:xfrm>
-            <a:off x="457200" y="1219200"/>
-            <a:ext cx="8229600" cy="4525963"/>
-          </a:xfrm>
-        </p:spPr>
-        <p:txBody>
-          <a:bodyPr/>
-          <a:lstStyle/>
-          <a:p>
-            <a:r>
-              <a:rPr lang="en-US" dirty="0" smtClean="0"/>
-              <a:t>Overall price range $500 - $2500+</a:t>
-            </a:r>
-          </a:p>
-          <a:p>
-            <a:r>
-              <a:rPr lang="en-US" dirty="0" smtClean="0"/>
-              <a:t>Why the difference?</a:t>
-            </a:r>
-          </a:p>
-          <a:p>
-            <a:r>
-              <a:rPr lang="en-US" dirty="0" smtClean="0"/>
-              <a:t>Technology (type) and build volume.</a:t>
+            <a:videoFile r:link="rId1"/>
+          </p:nvPr>
+        </p:nvPicPr>
+        <p:blipFill>
+          <a:blip r:embed="rId3"/>
+          <a:stretch>
+            <a:fillRect/>
+          </a:stretch>
+        </p:blipFill>
+        <p:spPr>
+          <a:xfrm>
+            <a:off x="1447800" y="1143000"/>
+            <a:ext cx="6477000" cy="3643313"/>
+          </a:xfrm>
+          <a:prstGeom prst="rect">
+            <a:avLst/>
+          </a:prstGeom>
+        </p:spPr>
+      </p:pic>
+      <p:sp>
+        <p:nvSpPr>
+          <p:cNvPr id="3" name="TextBox 2"/>
+          <p:cNvSpPr txBox="1"/>
+          <p:nvPr/>
+        </p:nvSpPr>
+        <p:spPr>
+          <a:xfrm>
+            <a:off x="566057" y="5149334"/>
+            <a:ext cx="7848600" cy="369332"/>
+          </a:xfrm>
+          <a:prstGeom prst="rect">
+            <a:avLst/>
+          </a:prstGeom>
+          <a:noFill/>
+        </p:spPr>
+        <p:txBody>
+          <a:bodyPr wrap="square" rtlCol="0">
+            <a:spAutoFit/>
+          </a:bodyPr>
+          <a:lstStyle/>
+          <a:p>
+            <a:r>
+              <a:rPr lang="en-US" dirty="0"/>
+              <a:t>(</a:t>
+            </a:r>
+            <a:r>
+              <a:rPr lang="en-US" dirty="0">
+                <a:hlinkClick r:id="rId4"/>
+              </a:rPr>
+              <a:t>https://</a:t>
+            </a:r>
+            <a:r>
+              <a:rPr lang="en-US" dirty="0" smtClean="0">
+                <a:hlinkClick r:id="rId4"/>
+              </a:rPr>
+              <a:t>www.youtube.com/watch?feature=player_embedded&amp;v=nxhUjPmxrP0</a:t>
+            </a:r>
+            <a:r>
+              <a:rPr lang="en-US" dirty="0" smtClean="0"/>
+              <a:t> )</a:t>
             </a:r>
             <a:endParaRPr lang="en-US" dirty="0"/>
           </a:p>
@@ -3684,7 +3727,7 @@
     </p:spTree>
     <p:extLst>
       <p:ext uri="{BB962C8B-B14F-4D97-AF65-F5344CB8AC3E}">
-        <p14:creationId xmlns:p14="http://schemas.microsoft.com/office/powerpoint/2010/main" val="2106186704"/>
+        <p14:creationId xmlns:p14="http://schemas.microsoft.com/office/powerpoint/2010/main" val="3948974908"/>
       </p:ext>
     </p:extLst>
   </p:cSld>
@@ -3740,7 +3783,7 @@
           <a:p>
             <a:r>
               <a:rPr lang="en-US" dirty="0" smtClean="0"/>
-              <a:t>Differences</a:t>
+              <a:t>Money, Money, Money</a:t>
             </a:r>
             <a:endParaRPr lang="en-US" dirty="0"/>
           </a:p>
@@ -3763,64 +3806,33 @@
           </a:xfrm>
         </p:spPr>
         <p:txBody>
-          <a:bodyPr>
-            <a:normAutofit/>
-          </a:bodyPr>
-          <a:lstStyle/>
-          <a:p>
-            <a:r>
-              <a:rPr lang="en-US" dirty="0" smtClean="0"/>
-              <a:t>Technology (material)</a:t>
-            </a:r>
-          </a:p>
-          <a:p>
-            <a:pPr lvl="1"/>
-            <a:r>
-              <a:rPr lang="en-US" dirty="0" smtClean="0"/>
-              <a:t>Filament</a:t>
-            </a:r>
-          </a:p>
-          <a:p>
-            <a:pPr lvl="2"/>
-            <a:r>
-              <a:rPr lang="en-US" dirty="0" smtClean="0"/>
-              <a:t>PLA ($500 kit)</a:t>
-            </a:r>
-          </a:p>
-          <a:p>
-            <a:pPr lvl="2"/>
-            <a:r>
-              <a:rPr lang="en-US" dirty="0" smtClean="0"/>
-              <a:t>ABS (heated bed) (+$100)</a:t>
-            </a:r>
-          </a:p>
-          <a:p>
-            <a:pPr lvl="2"/>
-            <a:r>
-              <a:rPr lang="en-US" dirty="0" smtClean="0"/>
-              <a:t>Assembled (+$150)</a:t>
-            </a:r>
-          </a:p>
-          <a:p>
-            <a:pPr lvl="2"/>
-            <a:r>
-              <a:rPr lang="en-US" dirty="0" smtClean="0"/>
-              <a:t>Dual Head (+$200)</a:t>
-            </a:r>
-          </a:p>
-          <a:p>
-            <a:pPr lvl="1"/>
-            <a:r>
-              <a:rPr lang="en-US" dirty="0" smtClean="0"/>
-              <a:t>Resin (DLP)</a:t>
-            </a:r>
+          <a:bodyPr/>
+          <a:lstStyle/>
+          <a:p>
+            <a:r>
+              <a:rPr lang="en-US" dirty="0" smtClean="0"/>
+              <a:t>Overall price range $500 - $2500+</a:t>
+            </a:r>
+          </a:p>
+          <a:p>
+            <a:r>
+              <a:rPr lang="en-US" dirty="0" smtClean="0"/>
+              <a:t>Why the difference?</a:t>
+            </a:r>
+          </a:p>
+          <a:p>
+            <a:r>
+              <a:rPr lang="en-US" dirty="0" smtClean="0"/>
+              <a:t>Technology (type) and build volume.</a:t>
+            </a:r>
+            <a:endParaRPr lang="en-US" dirty="0"/>
           </a:p>
         </p:txBody>
       </p:sp>
     </p:spTree>
     <p:extLst>
       <p:ext uri="{BB962C8B-B14F-4D97-AF65-F5344CB8AC3E}">
-        <p14:creationId xmlns:p14="http://schemas.microsoft.com/office/powerpoint/2010/main" val="3867764672"/>
+        <p14:creationId xmlns:p14="http://schemas.microsoft.com/office/powerpoint/2010/main" val="2106186704"/>
       </p:ext>
     </p:extLst>
   </p:cSld>
@@ -3906,37 +3918,57 @@
           <a:p>
             <a:r>
               <a:rPr lang="en-US" dirty="0" smtClean="0"/>
-              <a:t>Build Volume</a:t>
+              <a:t>Technology (material)</a:t>
             </a:r>
           </a:p>
           <a:p>
             <a:pPr lvl="1"/>
             <a:r>
               <a:rPr lang="en-US" dirty="0" smtClean="0"/>
-              <a:t>4” x 4” x 4” ($400)</a:t>
+              <a:t>Filament</a:t>
+            </a:r>
+          </a:p>
+          <a:p>
+            <a:pPr lvl="2"/>
+            <a:r>
+              <a:rPr lang="en-US" dirty="0" smtClean="0"/>
+              <a:t>PLA ($500 kit)</a:t>
+            </a:r>
+          </a:p>
+          <a:p>
+            <a:pPr lvl="2"/>
+            <a:r>
+              <a:rPr lang="en-US" dirty="0" smtClean="0"/>
+              <a:t>ABS (heated bed) (+$100)</a:t>
+            </a:r>
+          </a:p>
+          <a:p>
+            <a:pPr lvl="2"/>
+            <a:r>
+              <a:rPr lang="en-US" dirty="0" smtClean="0"/>
+              <a:t>Assembled (+$150)</a:t>
+            </a:r>
+          </a:p>
+          <a:p>
+            <a:pPr lvl="2"/>
+            <a:r>
+              <a:rPr lang="en-US" dirty="0" smtClean="0"/>
+              <a:t>Dual Head (+$200)</a:t>
             </a:r>
           </a:p>
           <a:p>
             <a:pPr lvl="1"/>
             <a:r>
               <a:rPr lang="en-US" dirty="0" smtClean="0"/>
-              <a:t>10” x 10” x 10” ($1000+)</a:t>
-            </a:r>
-          </a:p>
-          <a:p>
-            <a:pPr lvl="1"/>
-            <a:r>
-              <a:rPr lang="en-US" dirty="0" smtClean="0"/>
-              <a:t>7” x 15” x 7” DLP ($2500+)</a:t>
-            </a:r>
-            <a:endParaRPr lang="en-US" dirty="0"/>
+              <a:t>Resin (DLP)</a:t>
+            </a:r>
           </a:p>
         </p:txBody>
       </p:sp>
     </p:spTree>
     <p:extLst>
       <p:ext uri="{BB962C8B-B14F-4D97-AF65-F5344CB8AC3E}">
-        <p14:creationId xmlns:p14="http://schemas.microsoft.com/office/powerpoint/2010/main" val="1343839109"/>
+        <p14:creationId xmlns:p14="http://schemas.microsoft.com/office/powerpoint/2010/main" val="3867764672"/>
       </p:ext>
     </p:extLst>
   </p:cSld>
@@ -3992,7 +4024,7 @@
           <a:p>
             <a:r>
               <a:rPr lang="en-US" dirty="0" smtClean="0"/>
-              <a:t>Filament</a:t>
+              <a:t>Differences</a:t>
             </a:r>
             <a:endParaRPr lang="en-US" dirty="0"/>
           </a:p>
@@ -4022,34 +4054,28 @@
           <a:p>
             <a:r>
               <a:rPr lang="en-US" dirty="0" smtClean="0"/>
-              <a:t>Size 1.75mm (standard) &amp; 3.00mm (old)</a:t>
-            </a:r>
-          </a:p>
-          <a:p>
-            <a:r>
-              <a:rPr lang="en-US" dirty="0" smtClean="0"/>
-              <a:t>Material</a:t>
+              <a:t>Build Volume</a:t>
             </a:r>
           </a:p>
           <a:p>
             <a:pPr lvl="1"/>
             <a:r>
               <a:rPr lang="en-US" dirty="0" smtClean="0"/>
-              <a:t>PLA (Strong, stiff, fast print)</a:t>
+              <a:t>4” x 4” x 4” ($400)</a:t>
             </a:r>
           </a:p>
           <a:p>
             <a:pPr lvl="1"/>
             <a:r>
               <a:rPr lang="en-US" dirty="0" smtClean="0"/>
-              <a:t>ABS (Heated bed, higher temp, slight flex)</a:t>
+              <a:t>10” x 10” x 10” ($1000+)</a:t>
             </a:r>
           </a:p>
           <a:p>
             <a:pPr lvl="1"/>
             <a:r>
               <a:rPr lang="en-US" dirty="0" smtClean="0"/>
-              <a:t>Flex (rubber like)</a:t>
+              <a:t>7” x 15” x 7” DLP ($2500+)</a:t>
             </a:r>
             <a:endParaRPr lang="en-US" dirty="0"/>
           </a:p>
@@ -4058,7 +4084,7 @@
     </p:spTree>
     <p:extLst>
       <p:ext uri="{BB962C8B-B14F-4D97-AF65-F5344CB8AC3E}">
-        <p14:creationId xmlns:p14="http://schemas.microsoft.com/office/powerpoint/2010/main" val="3026335734"/>
+        <p14:creationId xmlns:p14="http://schemas.microsoft.com/office/powerpoint/2010/main" val="1343839109"/>
       </p:ext>
     </p:extLst>
   </p:cSld>
@@ -4114,7 +4140,7 @@
           <a:p>
             <a:r>
               <a:rPr lang="en-US" dirty="0" smtClean="0"/>
-              <a:t>Filament Exotics</a:t>
+              <a:t>Filament</a:t>
             </a:r>
             <a:endParaRPr lang="en-US" dirty="0"/>
           </a:p>
@@ -4144,6 +4170,12 @@
           <a:p>
             <a:r>
               <a:rPr lang="en-US" dirty="0" smtClean="0"/>
+              <a:t>Size 1.75mm (standard) &amp; 3.00mm (old)</a:t>
+            </a:r>
+          </a:p>
+          <a:p>
+            <a:r>
+              <a:rPr lang="en-US" dirty="0" smtClean="0"/>
               <a:t>Material</a:t>
             </a:r>
           </a:p>
@@ -4151,47 +4183,21 @@
             <a:pPr lvl="1"/>
             <a:r>
               <a:rPr lang="en-US" dirty="0" smtClean="0"/>
-              <a:t>Nylon (Very Strong, very high print temp)</a:t>
+              <a:t>PLA (Strong, stiff, fast print)</a:t>
             </a:r>
           </a:p>
           <a:p>
             <a:pPr lvl="1"/>
             <a:r>
               <a:rPr lang="en-US" dirty="0" smtClean="0"/>
-              <a:t>Wood</a:t>
+              <a:t>ABS (Heated bed, higher temp, slight flex)</a:t>
             </a:r>
           </a:p>
           <a:p>
             <a:pPr lvl="1"/>
             <a:r>
               <a:rPr lang="en-US" dirty="0" smtClean="0"/>
-              <a:t>Conductive</a:t>
-            </a:r>
-          </a:p>
-          <a:p>
-            <a:pPr lvl="1"/>
-            <a:r>
-              <a:rPr lang="en-US" dirty="0" err="1" smtClean="0"/>
-              <a:t>Metalic</a:t>
-            </a:r>
-            <a:r>
-              <a:rPr lang="en-US" dirty="0" smtClean="0"/>
-              <a:t> (bronze, iron, </a:t>
-            </a:r>
-            <a:r>
-              <a:rPr lang="en-US" dirty="0" err="1" smtClean="0"/>
-              <a:t>etc</a:t>
-            </a:r>
-            <a:r>
-              <a:rPr lang="en-US" dirty="0" smtClean="0"/>
-              <a:t>)</a:t>
-            </a:r>
-          </a:p>
-          <a:p>
-            <a:pPr lvl="1"/>
-            <a:r>
-              <a:rPr lang="en-US" dirty="0" smtClean="0"/>
-              <a:t>Ceramic</a:t>
+              <a:t>Flex (rubber like)</a:t>
             </a:r>
             <a:endParaRPr lang="en-US" dirty="0"/>
           </a:p>
@@ -4200,7 +4206,7 @@
     </p:spTree>
     <p:extLst>
       <p:ext uri="{BB962C8B-B14F-4D97-AF65-F5344CB8AC3E}">
-        <p14:creationId xmlns:p14="http://schemas.microsoft.com/office/powerpoint/2010/main" val="3618842773"/>
+        <p14:creationId xmlns:p14="http://schemas.microsoft.com/office/powerpoint/2010/main" val="3026335734"/>
       </p:ext>
     </p:extLst>
   </p:cSld>
@@ -4256,7 +4262,7 @@
           <a:p>
             <a:r>
               <a:rPr lang="en-US" dirty="0" smtClean="0"/>
-              <a:t>What to Print?</a:t>
+              <a:t>Filament Exotics</a:t>
             </a:r>
             <a:endParaRPr lang="en-US" dirty="0"/>
           </a:p>
@@ -4286,94 +4292,63 @@
           <a:p>
             <a:r>
               <a:rPr lang="en-US" dirty="0" smtClean="0"/>
-              <a:t>You need a 3D model (.</a:t>
+              <a:t>Material</a:t>
+            </a:r>
+          </a:p>
+          <a:p>
+            <a:pPr lvl="1"/>
+            <a:r>
+              <a:rPr lang="en-US" dirty="0" smtClean="0"/>
+              <a:t>Nylon (Very Strong, very high print temp)</a:t>
+            </a:r>
+          </a:p>
+          <a:p>
+            <a:pPr lvl="1"/>
+            <a:r>
+              <a:rPr lang="en-US" dirty="0" smtClean="0"/>
+              <a:t>Wood</a:t>
+            </a:r>
+          </a:p>
+          <a:p>
+            <a:pPr lvl="1"/>
+            <a:r>
+              <a:rPr lang="en-US" dirty="0" smtClean="0"/>
+              <a:t>Conductive</a:t>
+            </a:r>
+          </a:p>
+          <a:p>
+            <a:pPr lvl="1"/>
+            <a:r>
+              <a:rPr lang="en-US" dirty="0" smtClean="0"/>
+              <a:t>Metallic </a:t>
+            </a:r>
+            <a:r>
+              <a:rPr lang="en-US" dirty="0" smtClean="0"/>
+              <a:t>(bronze, iron, </a:t>
             </a:r>
             <a:r>
               <a:rPr lang="en-US" dirty="0" err="1" smtClean="0"/>
-              <a:t>stl</a:t>
-            </a:r>
-            <a:r>
-              <a:rPr lang="en-US" dirty="0" smtClean="0"/>
-              <a:t> file)</a:t>
+              <a:t>etc</a:t>
+            </a:r>
+            <a:r>
+              <a:rPr lang="en-US" dirty="0" smtClean="0"/>
+              <a:t>)</a:t>
             </a:r>
           </a:p>
           <a:p>
             <a:pPr lvl="1"/>
             <a:r>
               <a:rPr lang="en-US" dirty="0" smtClean="0"/>
-              <a:t>Use an existing model </a:t>
-            </a:r>
-          </a:p>
-          <a:p>
-            <a:pPr lvl="2"/>
-            <a:r>
-              <a:rPr lang="en-US" dirty="0" smtClean="0">
-                <a:hlinkClick r:id="rId2"/>
-              </a:rPr>
-              <a:t>www.thingiverse.com</a:t>
-            </a:r>
-            <a:endParaRPr lang="en-US" dirty="0" smtClean="0"/>
-          </a:p>
-          <a:p>
-            <a:pPr lvl="1"/>
-            <a:r>
-              <a:rPr lang="en-US" dirty="0" smtClean="0"/>
-              <a:t>Make your own model</a:t>
-            </a:r>
-          </a:p>
-          <a:p>
-            <a:pPr lvl="2"/>
-            <a:r>
-              <a:rPr lang="en-US" dirty="0" err="1" smtClean="0"/>
-              <a:t>Tinkercad</a:t>
-            </a:r>
-            <a:r>
-              <a:rPr lang="en-US" dirty="0" smtClean="0"/>
-              <a:t> (web based </a:t>
-            </a:r>
-            <a:r>
-              <a:rPr lang="en-US" dirty="0" smtClean="0">
-                <a:hlinkClick r:id="rId3"/>
-              </a:rPr>
-              <a:t>www.tinkercad.com</a:t>
-            </a:r>
-            <a:r>
-              <a:rPr lang="en-US" dirty="0" smtClean="0"/>
-              <a:t> )</a:t>
-            </a:r>
-          </a:p>
-          <a:p>
-            <a:pPr lvl="2"/>
-            <a:r>
-              <a:rPr lang="en-US" dirty="0" err="1" smtClean="0"/>
-              <a:t>Meshmixer</a:t>
-            </a:r>
-            <a:endParaRPr lang="en-US" dirty="0" smtClean="0"/>
-          </a:p>
-          <a:p>
-            <a:pPr lvl="2"/>
-            <a:r>
-              <a:rPr lang="en-US" dirty="0" smtClean="0"/>
-              <a:t>Blender (open source)</a:t>
-            </a:r>
-          </a:p>
-          <a:p>
-            <a:pPr lvl="2"/>
-            <a:r>
-              <a:rPr lang="en-US" dirty="0" err="1" smtClean="0"/>
-              <a:t>Autocad</a:t>
-            </a:r>
-            <a:r>
-              <a:rPr lang="en-US" dirty="0" smtClean="0"/>
-              <a:t> 123D Design</a:t>
-            </a:r>
+              <a:t>Ceramic</a:t>
+            </a:r>
+            <a:endParaRPr lang="en-US" dirty="0"/>
           </a:p>
         </p:txBody>
       </p:sp>
     </p:spTree>
     <p:extLst>
       <p:ext uri="{BB962C8B-B14F-4D97-AF65-F5344CB8AC3E}">
-        <p14:creationId xmlns:p14="http://schemas.microsoft.com/office/powerpoint/2010/main" val="1551500598"/>
+        <p14:creationId xmlns:p14="http://schemas.microsoft.com/office/powerpoint/2010/main" val="3618842773"/>
       </p:ext>
     </p:extLst>
   </p:cSld>
@@ -4429,7 +4404,7 @@
           <a:p>
             <a:r>
               <a:rPr lang="en-US" dirty="0" smtClean="0"/>
-              <a:t>How to Print?</a:t>
+              <a:t>What to Print?</a:t>
             </a:r>
             <a:endParaRPr lang="en-US" dirty="0"/>
           </a:p>
@@ -4447,8 +4422,8 @@
         </p:nvSpPr>
         <p:spPr>
           <a:xfrm>
-            <a:off x="437909" y="914400"/>
-            <a:ext cx="8229600" cy="1219200"/>
+            <a:off x="457200" y="1219200"/>
+            <a:ext cx="8229600" cy="4525963"/>
           </a:xfrm>
         </p:spPr>
         <p:txBody>
@@ -4459,11 +4434,31 @@
           <a:p>
             <a:r>
               <a:rPr lang="en-US" dirty="0" smtClean="0"/>
-              <a:t>3D printers use </a:t>
+              <a:t>You need a 3D model (.</a:t>
             </a:r>
             <a:r>
               <a:rPr lang="en-US" dirty="0" err="1" smtClean="0"/>
-              <a:t>GCode</a:t>
+              <a:t>stl</a:t>
+            </a:r>
+            <a:r>
+              <a:rPr lang="en-US" dirty="0" smtClean="0"/>
+              <a:t> file)</a:t>
+            </a:r>
+          </a:p>
+          <a:p>
+            <a:pPr lvl="1"/>
+            <a:r>
+              <a:rPr lang="en-US" dirty="0" smtClean="0"/>
+              <a:t>Use an existing model </a:t>
+            </a:r>
+          </a:p>
+          <a:p>
+            <a:pPr lvl="2"/>
+            <a:r>
+              <a:rPr lang="en-US" dirty="0" smtClean="0">
+                <a:hlinkClick r:id="rId2"/>
+              </a:rPr>
+              <a:t>www.thingiverse.com</a:t>
             </a:r>
             <a:endParaRPr lang="en-US" dirty="0" smtClean="0"/>
           </a:p>
@@ -4471,137 +4466,62 @@
             <a:pPr lvl="1"/>
             <a:r>
               <a:rPr lang="en-US" dirty="0" smtClean="0"/>
-              <a:t>Set of instructions (movement, speed, temp, </a:t>
-            </a:r>
+              <a:t>Make your own model</a:t>
+            </a:r>
+          </a:p>
+          <a:p>
+            <a:pPr lvl="2"/>
             <a:r>
               <a:rPr lang="en-US" dirty="0" err="1" smtClean="0"/>
-              <a:t>etc</a:t>
-            </a:r>
-            <a:r>
-              <a:rPr lang="en-US" dirty="0" smtClean="0"/>
-              <a:t>)</a:t>
-            </a:r>
-          </a:p>
-        </p:txBody>
-      </p:sp>
-      <p:sp>
-        <p:nvSpPr>
-          <p:cNvPr id="4" name="TextBox 3"/>
-          <p:cNvSpPr txBox="1"/>
-          <p:nvPr/>
-        </p:nvSpPr>
-        <p:spPr>
-          <a:xfrm>
-            <a:off x="514109" y="2057400"/>
-            <a:ext cx="8153400" cy="3693319"/>
-          </a:xfrm>
-          <a:prstGeom prst="rect">
-            <a:avLst/>
-          </a:prstGeom>
-          <a:noFill/>
-        </p:spPr>
-        <p:txBody>
-          <a:bodyPr wrap="square" rtlCol="0">
-            <a:spAutoFit/>
-          </a:bodyPr>
-          <a:lstStyle/>
-          <a:p>
-            <a:r>
-              <a:rPr lang="en-US" dirty="0" smtClean="0"/>
-              <a:t>(**** </a:t>
-            </a:r>
+              <a:t>Tinkercad</a:t>
+            </a:r>
+            <a:r>
+              <a:rPr lang="en-US" dirty="0" smtClean="0"/>
+              <a:t> (web based </a:t>
+            </a:r>
+            <a:r>
+              <a:rPr lang="en-US" dirty="0" smtClean="0">
+                <a:hlinkClick r:id="rId3"/>
+              </a:rPr>
+              <a:t>www.tinkercad.com</a:t>
+            </a:r>
+            <a:r>
+              <a:rPr lang="en-US" dirty="0" smtClean="0"/>
+              <a:t> )</a:t>
+            </a:r>
+          </a:p>
+          <a:p>
+            <a:pPr lvl="2"/>
             <a:r>
               <a:rPr lang="en-US" dirty="0" err="1" smtClean="0"/>
-              <a:t>start.gcode</a:t>
-            </a:r>
-            <a:r>
-              <a:rPr lang="en-US" dirty="0" smtClean="0"/>
-              <a:t> for The Replicator, dual head ****)</a:t>
-            </a:r>
-          </a:p>
-          <a:p>
-            <a:r>
-              <a:rPr lang="en-US" dirty="0" smtClean="0"/>
-              <a:t>M103 (disable RPM)</a:t>
-            </a:r>
-          </a:p>
-          <a:p>
-            <a:r>
-              <a:rPr lang="en-US" dirty="0" smtClean="0"/>
-              <a:t>M73 P0 (enable build progress)</a:t>
-            </a:r>
-          </a:p>
-          <a:p>
-            <a:r>
-              <a:rPr lang="en-US" dirty="0" smtClean="0"/>
-              <a:t>G21 (set units to mm)</a:t>
-            </a:r>
-          </a:p>
-          <a:p>
-            <a:r>
-              <a:rPr lang="en-US" dirty="0" smtClean="0"/>
-              <a:t>G90 (set positioning to absolute)</a:t>
-            </a:r>
-          </a:p>
-          <a:p>
-            <a:r>
-              <a:rPr lang="en-US" dirty="0" smtClean="0"/>
-              <a:t>M109 S065 T0 (set HBP temperature)</a:t>
-            </a:r>
-          </a:p>
-          <a:p>
-            <a:r>
-              <a:rPr lang="en-US" dirty="0" smtClean="0"/>
-              <a:t>M104 S220 T0 (set extruder temperature) (temp updated by </a:t>
-            </a:r>
+              <a:t>Meshmixer</a:t>
+            </a:r>
+            <a:endParaRPr lang="en-US" dirty="0" smtClean="0"/>
+          </a:p>
+          <a:p>
+            <a:pPr lvl="2"/>
+            <a:r>
+              <a:rPr lang="en-US" dirty="0" smtClean="0"/>
+              <a:t>Blender (open source)</a:t>
+            </a:r>
+          </a:p>
+          <a:p>
+            <a:pPr lvl="2"/>
             <a:r>
               <a:rPr lang="en-US" dirty="0" err="1" smtClean="0"/>
-              <a:t>printOMatic</a:t>
-            </a:r>
-            <a:r>
-              <a:rPr lang="en-US" dirty="0" smtClean="0"/>
-              <a:t>)</a:t>
-            </a:r>
-          </a:p>
-          <a:p>
-            <a:r>
-              <a:rPr lang="en-US" dirty="0" smtClean="0"/>
-              <a:t>…</a:t>
-            </a:r>
-          </a:p>
-          <a:p>
-            <a:r>
-              <a:rPr lang="en-US" dirty="0" smtClean="0"/>
-              <a:t>G1 X-29.91 Y-29.91 Z0.1 F1080.0 E1.0</a:t>
-            </a:r>
-          </a:p>
-          <a:p>
-            <a:r>
-              <a:rPr lang="en-US" dirty="0" smtClean="0"/>
-              <a:t>G1 X-23.5 Y-35.17 Z0.1 F1080.0 E1.3</a:t>
-            </a:r>
-          </a:p>
-          <a:p>
-            <a:r>
-              <a:rPr lang="en-US" dirty="0" smtClean="0"/>
-              <a:t>G1 X-16.19 Y-39.08 Z0.1 F1080.0 E1.6</a:t>
-            </a:r>
-          </a:p>
-          <a:p>
-            <a:r>
-              <a:rPr lang="en-US" dirty="0" smtClean="0"/>
-              <a:t>G1 X-8.25 Y-41.49 Z0.1 F1080.0 E1.9</a:t>
-            </a:r>
-          </a:p>
-          <a:p>
-            <a:endParaRPr lang="en-US" dirty="0"/>
+              <a:t>Autocad</a:t>
+            </a:r>
+            <a:r>
+              <a:rPr lang="en-US" dirty="0" smtClean="0"/>
+              <a:t> 123D Design</a:t>
+            </a:r>
           </a:p>
         </p:txBody>
       </p:sp>
     </p:spTree>
     <p:extLst>
       <p:ext uri="{BB962C8B-B14F-4D97-AF65-F5344CB8AC3E}">
-        <p14:creationId xmlns:p14="http://schemas.microsoft.com/office/powerpoint/2010/main" val="2291998744"/>
+        <p14:creationId xmlns:p14="http://schemas.microsoft.com/office/powerpoint/2010/main" val="1551500598"/>
       </p:ext>
     </p:extLst>
   </p:cSld>
@@ -4648,36 +4568,18 @@
         <p:spPr>
           <a:xfrm>
             <a:off x="457200" y="0"/>
-            <a:ext cx="8229600" cy="762000"/>
-          </a:xfrm>
-        </p:spPr>
-        <p:txBody>
-          <a:bodyPr>
-            <a:normAutofit/>
-          </a:bodyPr>
-          <a:lstStyle/>
-          <a:p>
-            <a:r>
-              <a:rPr lang="en-US" b="1" cap="all" dirty="0">
-                <a:solidFill>
-                  <a:srgbClr val="C00000"/>
-                </a:solidFill>
-              </a:rPr>
-              <a:t>WELCOME</a:t>
-            </a:r>
-            <a:r>
-              <a:rPr lang="en-US" b="1" cap="all" dirty="0" smtClean="0">
-                <a:solidFill>
-                  <a:srgbClr val="C00000"/>
-                </a:solidFill>
-              </a:rPr>
-              <a:t>!</a:t>
-            </a:r>
-            <a:endParaRPr lang="en-US" dirty="0">
-              <a:solidFill>
-                <a:srgbClr val="C00000"/>
-              </a:solidFill>
-            </a:endParaRPr>
+            <a:ext cx="8229600" cy="1143000"/>
+          </a:xfrm>
+        </p:spPr>
+        <p:txBody>
+          <a:bodyPr/>
+          <a:lstStyle/>
+          <a:p>
+            <a:r>
+              <a:rPr lang="en-US" dirty="0" smtClean="0"/>
+              <a:t>Upcoming Events</a:t>
+            </a:r>
+            <a:endParaRPr lang="en-US" dirty="0"/>
           </a:p>
         </p:txBody>
       </p:sp>
@@ -4693,66 +4595,74 @@
         </p:nvSpPr>
         <p:spPr>
           <a:xfrm>
-            <a:off x="457200" y="762000"/>
-            <a:ext cx="8229600" cy="4525963"/>
-          </a:xfrm>
-        </p:spPr>
-        <p:txBody>
-          <a:bodyPr>
-            <a:normAutofit/>
-          </a:bodyPr>
-          <a:lstStyle/>
-          <a:p>
-            <a:pPr marL="0" indent="0" fontAlgn="base">
-              <a:buNone/>
-            </a:pPr>
-            <a:r>
-              <a:rPr lang="en-US" dirty="0" smtClean="0"/>
-              <a:t>Girl </a:t>
-            </a:r>
-            <a:r>
-              <a:rPr lang="en-US" dirty="0"/>
-              <a:t>Develop It is here to provide affordable and accessible programs to learn software through mentorship and hands-on instruction.</a:t>
-            </a:r>
-          </a:p>
-          <a:p>
-            <a:pPr marL="0" indent="0" fontAlgn="base">
-              <a:buNone/>
-            </a:pPr>
-            <a:r>
-              <a:rPr lang="en-US" dirty="0"/>
-              <a:t>Some "rules"</a:t>
-            </a:r>
-          </a:p>
-          <a:p>
-            <a:pPr fontAlgn="base"/>
-            <a:r>
-              <a:rPr lang="en-US" dirty="0"/>
-              <a:t>We are here for you!</a:t>
-            </a:r>
-          </a:p>
-          <a:p>
-            <a:pPr fontAlgn="base"/>
-            <a:r>
-              <a:rPr lang="en-US" dirty="0"/>
-              <a:t>Every question is important</a:t>
-            </a:r>
-          </a:p>
-          <a:p>
-            <a:pPr fontAlgn="base"/>
-            <a:r>
-              <a:rPr lang="en-US" dirty="0"/>
-              <a:t>Help each other</a:t>
-            </a:r>
-          </a:p>
-          <a:p>
-            <a:pPr fontAlgn="base"/>
-            <a:r>
-              <a:rPr lang="en-US" dirty="0"/>
-              <a:t>Have fun</a:t>
-            </a:r>
-          </a:p>
-          <a:p>
+            <a:off x="152400" y="990600"/>
+            <a:ext cx="8991600" cy="4525963"/>
+          </a:xfrm>
+        </p:spPr>
+        <p:txBody>
+          <a:bodyPr/>
+          <a:lstStyle/>
+          <a:p>
+            <a:r>
+              <a:rPr lang="en-US" dirty="0" smtClean="0"/>
+              <a:t>Oct </a:t>
+            </a:r>
+            <a:r>
+              <a:rPr lang="en-US" dirty="0" smtClean="0"/>
+              <a:t>24 – Into to Arduino and Robotics Class</a:t>
+            </a:r>
+          </a:p>
+          <a:p>
+            <a:pPr lvl="1"/>
+            <a:r>
+              <a:rPr lang="en-US" dirty="0" smtClean="0"/>
+              <a:t>4hrs *$30.00</a:t>
+            </a:r>
+          </a:p>
+          <a:p>
+            <a:r>
+              <a:rPr lang="en-US" dirty="0" smtClean="0"/>
+              <a:t>Nov 1 – Code &amp; </a:t>
+            </a:r>
+            <a:r>
+              <a:rPr lang="en-US" dirty="0" smtClean="0"/>
+              <a:t>Coffee (free)</a:t>
+            </a:r>
+            <a:endParaRPr lang="en-US" dirty="0" smtClean="0"/>
+          </a:p>
+          <a:p>
+            <a:r>
+              <a:rPr lang="en-US" dirty="0" smtClean="0"/>
+              <a:t>2016</a:t>
+            </a:r>
+          </a:p>
+          <a:p>
+            <a:pPr lvl="1"/>
+            <a:r>
+              <a:rPr lang="en-US" dirty="0" smtClean="0"/>
+              <a:t>Introduction to HTML and CSS</a:t>
+            </a:r>
+          </a:p>
+          <a:p>
+            <a:pPr lvl="1"/>
+            <a:r>
+              <a:rPr lang="en-US" dirty="0" smtClean="0"/>
+              <a:t>Introduction to Programming with Python</a:t>
+            </a:r>
+          </a:p>
+          <a:p>
+            <a:pPr lvl="1"/>
+            <a:r>
+              <a:rPr lang="en-US" dirty="0" smtClean="0"/>
+              <a:t>Introduction to Databases and SQL (I &amp; II)</a:t>
+            </a:r>
+          </a:p>
+          <a:p>
+            <a:pPr lvl="1"/>
+            <a:r>
+              <a:rPr lang="en-US" dirty="0" smtClean="0"/>
+              <a:t>More!</a:t>
+            </a:r>
             <a:endParaRPr lang="en-US" dirty="0"/>
           </a:p>
         </p:txBody>
@@ -4760,7 +4670,7 @@
     </p:spTree>
     <p:extLst>
       <p:ext uri="{BB962C8B-B14F-4D97-AF65-F5344CB8AC3E}">
-        <p14:creationId xmlns:p14="http://schemas.microsoft.com/office/powerpoint/2010/main" val="3634930489"/>
+        <p14:creationId xmlns:p14="http://schemas.microsoft.com/office/powerpoint/2010/main" val="2425312264"/>
       </p:ext>
     </p:extLst>
   </p:cSld>
@@ -4816,7 +4726,7 @@
           <a:p>
             <a:r>
               <a:rPr lang="en-US" dirty="0" smtClean="0"/>
-              <a:t>Slicers</a:t>
+              <a:t>How to Print?</a:t>
             </a:r>
             <a:endParaRPr lang="en-US" dirty="0"/>
           </a:p>
@@ -4835,7 +4745,7 @@
         <p:spPr>
           <a:xfrm>
             <a:off x="437909" y="914400"/>
-            <a:ext cx="8229600" cy="4267200"/>
+            <a:ext cx="8229600" cy="1219200"/>
           </a:xfrm>
         </p:spPr>
         <p:txBody>
@@ -4846,7 +4756,7 @@
           <a:p>
             <a:r>
               <a:rPr lang="en-US" dirty="0" smtClean="0"/>
-              <a:t>Convert Models to </a:t>
+              <a:t>3D printers use </a:t>
             </a:r>
             <a:r>
               <a:rPr lang="en-US" dirty="0" err="1" smtClean="0"/>
@@ -4857,50 +4767,93 @@
           <a:p>
             <a:pPr lvl="1"/>
             <a:r>
+              <a:rPr lang="en-US" dirty="0" smtClean="0"/>
+              <a:t>Set of instructions (movement, speed, temp, </a:t>
+            </a:r>
+            <a:r>
               <a:rPr lang="en-US" dirty="0" err="1" smtClean="0"/>
-              <a:t>Skeinforge</a:t>
-            </a:r>
-            <a:r>
-              <a:rPr lang="en-US" dirty="0" smtClean="0"/>
-              <a:t> used in </a:t>
+              <a:t>etc</a:t>
+            </a:r>
+            <a:r>
+              <a:rPr lang="en-US" dirty="0" smtClean="0"/>
+              <a:t>)</a:t>
+            </a:r>
+          </a:p>
+        </p:txBody>
+      </p:sp>
+      <p:sp>
+        <p:nvSpPr>
+          <p:cNvPr id="4" name="TextBox 3"/>
+          <p:cNvSpPr txBox="1"/>
+          <p:nvPr/>
+        </p:nvSpPr>
+        <p:spPr>
+          <a:xfrm>
+            <a:off x="514109" y="2057400"/>
+            <a:ext cx="8153400" cy="3693319"/>
+          </a:xfrm>
+          <a:prstGeom prst="rect">
+            <a:avLst/>
+          </a:prstGeom>
+          <a:noFill/>
+        </p:spPr>
+        <p:txBody>
+          <a:bodyPr wrap="square" rtlCol="0">
+            <a:spAutoFit/>
+          </a:bodyPr>
+          <a:lstStyle/>
+          <a:p>
+            <a:r>
+              <a:rPr lang="en-US" dirty="0" smtClean="0"/>
+              <a:t>(**** </a:t>
             </a:r>
             <a:r>
               <a:rPr lang="en-US" dirty="0" err="1" smtClean="0"/>
-              <a:t>ReplicatorG</a:t>
-            </a:r>
-            <a:r>
-              <a:rPr lang="en-US" dirty="0" smtClean="0"/>
-              <a:t> (oldie but a goodie)</a:t>
-            </a:r>
-          </a:p>
-          <a:p>
-            <a:pPr lvl="1"/>
-            <a:r>
-              <a:rPr lang="en-US" dirty="0" smtClean="0"/>
-              <a:t>Slic3r </a:t>
-            </a:r>
-          </a:p>
-          <a:p>
-            <a:pPr lvl="1"/>
+              <a:t>start.gcode</a:t>
+            </a:r>
+            <a:r>
+              <a:rPr lang="en-US" dirty="0" smtClean="0"/>
+              <a:t> for The Replicator, dual head ****)</a:t>
+            </a:r>
+          </a:p>
+          <a:p>
+            <a:r>
+              <a:rPr lang="en-US" dirty="0" smtClean="0"/>
+              <a:t>M103 (disable RPM)</a:t>
+            </a:r>
+          </a:p>
+          <a:p>
+            <a:r>
+              <a:rPr lang="en-US" dirty="0" smtClean="0"/>
+              <a:t>M73 P0 (enable build progress)</a:t>
+            </a:r>
+          </a:p>
+          <a:p>
+            <a:r>
+              <a:rPr lang="en-US" dirty="0" smtClean="0"/>
+              <a:t>G21 (set units to mm)</a:t>
+            </a:r>
+          </a:p>
+          <a:p>
+            <a:r>
+              <a:rPr lang="en-US" dirty="0" smtClean="0"/>
+              <a:t>G90 (set positioning to absolute)</a:t>
+            </a:r>
+          </a:p>
+          <a:p>
+            <a:r>
+              <a:rPr lang="en-US" dirty="0" smtClean="0"/>
+              <a:t>M109 S065 T0 (set HBP temperature)</a:t>
+            </a:r>
+          </a:p>
+          <a:p>
+            <a:r>
+              <a:rPr lang="en-US" dirty="0" smtClean="0"/>
+              <a:t>M104 S220 T0 (set extruder temperature) (temp updated by </a:t>
+            </a:r>
             <a:r>
               <a:rPr lang="en-US" dirty="0" err="1" smtClean="0"/>
-              <a:t>KISSlicer</a:t>
-            </a:r>
-            <a:endParaRPr lang="en-US" dirty="0" smtClean="0"/>
-          </a:p>
-          <a:p>
-            <a:pPr lvl="1"/>
-            <a:r>
-              <a:rPr lang="en-US" dirty="0" err="1" smtClean="0"/>
-              <a:t>Makerware</a:t>
-            </a:r>
-            <a:r>
-              <a:rPr lang="en-US" dirty="0" smtClean="0"/>
-              <a:t> (</a:t>
-            </a:r>
-            <a:r>
-              <a:rPr lang="en-US" dirty="0" err="1" smtClean="0"/>
-              <a:t>Makerbot</a:t>
+              <a:t>printOMatic</a:t>
             </a:r>
             <a:r>
               <a:rPr lang="en-US" dirty="0" smtClean="0"/>
@@ -4908,18 +4861,44 @@
             </a:r>
           </a:p>
           <a:p>
-            <a:pPr lvl="1"/>
-            <a:r>
-              <a:rPr lang="en-US" dirty="0" smtClean="0"/>
-              <a:t>Simplify3D ($$$)</a:t>
-            </a:r>
+            <a:r>
+              <a:rPr lang="en-US" dirty="0" smtClean="0"/>
+              <a:t>…</a:t>
+            </a:r>
+          </a:p>
+          <a:p>
+            <a:r>
+              <a:rPr lang="en-US" dirty="0" smtClean="0"/>
+              <a:t>G1 X-29.91 Y-29.91 Z0.1 F1080.0 E1.0</a:t>
+            </a:r>
+          </a:p>
+          <a:p>
+            <a:r>
+              <a:rPr lang="en-US" dirty="0" smtClean="0"/>
+              <a:t>G1 X-23.5 Y-35.17 Z0.1 F1080.0 E1.3</a:t>
+            </a:r>
+          </a:p>
+          <a:p>
+            <a:r>
+              <a:rPr lang="en-US" dirty="0" smtClean="0"/>
+              <a:t>G1 X-16.19 Y-39.08 Z0.1 F1080.0 E1.6</a:t>
+            </a:r>
+          </a:p>
+          <a:p>
+            <a:r>
+              <a:rPr lang="en-US" dirty="0" smtClean="0"/>
+              <a:t>G1 X-8.25 Y-41.49 Z0.1 F1080.0 E1.9</a:t>
+            </a:r>
+          </a:p>
+          <a:p>
+            <a:endParaRPr lang="en-US" dirty="0"/>
           </a:p>
         </p:txBody>
       </p:sp>
     </p:spTree>
     <p:extLst>
       <p:ext uri="{BB962C8B-B14F-4D97-AF65-F5344CB8AC3E}">
-        <p14:creationId xmlns:p14="http://schemas.microsoft.com/office/powerpoint/2010/main" val="1490415496"/>
+        <p14:creationId xmlns:p14="http://schemas.microsoft.com/office/powerpoint/2010/main" val="2291998744"/>
       </p:ext>
     </p:extLst>
   </p:cSld>
@@ -4975,7 +4954,7 @@
           <a:p>
             <a:r>
               <a:rPr lang="en-US" dirty="0" smtClean="0"/>
-              <a:t>Terminology / Settings</a:t>
+              <a:t>Slicers</a:t>
             </a:r>
             <a:endParaRPr lang="en-US" dirty="0"/>
           </a:p>
@@ -4993,8 +4972,8 @@
         </p:nvSpPr>
         <p:spPr>
           <a:xfrm>
-            <a:off x="228600" y="914400"/>
-            <a:ext cx="8839200" cy="4267200"/>
+            <a:off x="437909" y="914400"/>
+            <a:ext cx="8229600" cy="4267200"/>
           </a:xfrm>
         </p:spPr>
         <p:txBody>
@@ -5005,48 +4984,104 @@
           <a:p>
             <a:r>
               <a:rPr lang="en-US" dirty="0" smtClean="0"/>
-              <a:t>Layer Height - 0.1, 0.2, 0.3 mm (fine, med, coarse)</a:t>
-            </a:r>
-          </a:p>
-          <a:p>
-            <a:r>
-              <a:rPr lang="en-US" dirty="0" smtClean="0"/>
-              <a:t>Shells - 1,2,…? (2 is common, 4 or more extreme)</a:t>
-            </a:r>
-          </a:p>
-          <a:p>
-            <a:r>
-              <a:rPr lang="en-US" dirty="0" smtClean="0"/>
-              <a:t>Infill -10% - 100% (10% - 20% is common)</a:t>
-            </a:r>
-          </a:p>
-          <a:p>
-            <a:r>
-              <a:rPr lang="en-US" dirty="0" smtClean="0"/>
-              <a:t>Support</a:t>
-            </a:r>
-          </a:p>
-          <a:p>
-            <a:r>
-              <a:rPr lang="en-US" dirty="0" smtClean="0"/>
-              <a:t>Skirt (brim)</a:t>
-            </a:r>
-          </a:p>
-          <a:p>
-            <a:r>
-              <a:rPr lang="en-US" dirty="0" smtClean="0"/>
-              <a:t>Raft</a:t>
-            </a:r>
-          </a:p>
-          <a:p>
+              <a:t>Convert Models to </a:t>
+            </a:r>
+            <a:r>
+              <a:rPr lang="en-US" dirty="0" err="1" smtClean="0"/>
+              <a:t>GCode</a:t>
+            </a:r>
             <a:endParaRPr lang="en-US" dirty="0" smtClean="0"/>
+          </a:p>
+          <a:p>
+            <a:pPr lvl="1"/>
+            <a:r>
+              <a:rPr lang="en-US" dirty="0" err="1" smtClean="0"/>
+              <a:t>Skeinforge</a:t>
+            </a:r>
+            <a:r>
+              <a:rPr lang="en-US" dirty="0" smtClean="0"/>
+              <a:t> used in </a:t>
+            </a:r>
+            <a:r>
+              <a:rPr lang="en-US" dirty="0" err="1" smtClean="0"/>
+              <a:t>ReplicatorG</a:t>
+            </a:r>
+            <a:r>
+              <a:rPr lang="en-US" dirty="0" smtClean="0"/>
+              <a:t> (oldie but a goodie</a:t>
+            </a:r>
+            <a:r>
+              <a:rPr lang="en-US" dirty="0" smtClean="0"/>
+              <a:t>)</a:t>
+            </a:r>
+          </a:p>
+          <a:p>
+            <a:pPr lvl="1"/>
+            <a:r>
+              <a:rPr lang="en-US" dirty="0" err="1" smtClean="0"/>
+              <a:t>Repetier</a:t>
+            </a:r>
+            <a:r>
+              <a:rPr lang="en-US" dirty="0" smtClean="0"/>
+              <a:t> (includes </a:t>
+            </a:r>
+            <a:r>
+              <a:rPr lang="en-US" dirty="0"/>
+              <a:t>Slic3r </a:t>
+            </a:r>
+            <a:r>
+              <a:rPr lang="en-US" dirty="0" smtClean="0"/>
+              <a:t>)</a:t>
+            </a:r>
+            <a:endParaRPr lang="en-US" dirty="0" smtClean="0"/>
+          </a:p>
+          <a:p>
+            <a:pPr lvl="1"/>
+            <a:r>
+              <a:rPr lang="en-US" dirty="0" smtClean="0"/>
+              <a:t>Slic3r </a:t>
+            </a:r>
+          </a:p>
+          <a:p>
+            <a:pPr lvl="1"/>
+            <a:r>
+              <a:rPr lang="en-US" dirty="0" err="1" smtClean="0"/>
+              <a:t>KISSlicer</a:t>
+            </a:r>
+            <a:endParaRPr lang="en-US" dirty="0" smtClean="0"/>
+          </a:p>
+          <a:p>
+            <a:pPr lvl="1"/>
+            <a:r>
+              <a:rPr lang="en-US" dirty="0" err="1" smtClean="0"/>
+              <a:t>Makerware</a:t>
+            </a:r>
+            <a:r>
+              <a:rPr lang="en-US" dirty="0" smtClean="0"/>
+              <a:t> (</a:t>
+            </a:r>
+            <a:r>
+              <a:rPr lang="en-US" dirty="0" err="1" smtClean="0"/>
+              <a:t>Makerbot</a:t>
+            </a:r>
+            <a:r>
+              <a:rPr lang="en-US" dirty="0" smtClean="0"/>
+              <a:t>)</a:t>
+            </a:r>
+          </a:p>
+          <a:p>
+            <a:pPr lvl="1"/>
+            <a:r>
+              <a:rPr lang="en-US" dirty="0" smtClean="0"/>
+              <a:t>Simplify3D ($$$)</a:t>
+            </a:r>
           </a:p>
         </p:txBody>
       </p:sp>
     </p:spTree>
     <p:extLst>
       <p:ext uri="{BB962C8B-B14F-4D97-AF65-F5344CB8AC3E}">
-        <p14:creationId xmlns:p14="http://schemas.microsoft.com/office/powerpoint/2010/main" val="40754143"/>
+        <p14:creationId xmlns:p14="http://schemas.microsoft.com/office/powerpoint/2010/main" val="1490415496"/>
       </p:ext>
     </p:extLst>
   </p:cSld>
@@ -5102,135 +5137,85 @@
           <a:p>
             <a:r>
               <a:rPr lang="en-US" dirty="0" smtClean="0"/>
+              <a:t>Terminology / Settings</a:t>
+            </a:r>
+            <a:endParaRPr lang="en-US" dirty="0"/>
+          </a:p>
+        </p:txBody>
+      </p:sp>
+      <p:sp>
+        <p:nvSpPr>
+          <p:cNvPr id="3" name="Content Placeholder 2"/>
+          <p:cNvSpPr>
+            <a:spLocks noGrp="1"/>
+          </p:cNvSpPr>
+          <p:nvPr>
+            <p:ph idx="1"/>
+          </p:nvPr>
+        </p:nvSpPr>
+        <p:spPr>
+          <a:xfrm>
+            <a:off x="2209800" y="914400"/>
+            <a:ext cx="4800600" cy="4267200"/>
+          </a:xfrm>
+        </p:spPr>
+        <p:txBody>
+          <a:bodyPr>
+            <a:normAutofit/>
+          </a:bodyPr>
+          <a:lstStyle/>
+          <a:p>
+            <a:r>
+              <a:rPr lang="en-US" dirty="0" smtClean="0"/>
+              <a:t>Layer </a:t>
+            </a:r>
+            <a:r>
+              <a:rPr lang="en-US" dirty="0" smtClean="0"/>
+              <a:t>Height</a:t>
+            </a:r>
+            <a:endParaRPr lang="en-US" dirty="0" smtClean="0"/>
+          </a:p>
+          <a:p>
+            <a:r>
+              <a:rPr lang="en-US" dirty="0" smtClean="0"/>
+              <a:t>Shells</a:t>
+            </a:r>
+            <a:endParaRPr lang="en-US" dirty="0" smtClean="0"/>
+          </a:p>
+          <a:p>
+            <a:r>
+              <a:rPr lang="en-US" dirty="0" smtClean="0"/>
               <a:t>Infill</a:t>
             </a:r>
-            <a:endParaRPr lang="en-US" dirty="0"/>
-          </a:p>
-        </p:txBody>
-      </p:sp>
-      <p:sp>
-        <p:nvSpPr>
-          <p:cNvPr id="11" name="TextBox 10"/>
-          <p:cNvSpPr txBox="1"/>
-          <p:nvPr/>
-        </p:nvSpPr>
-        <p:spPr>
-          <a:xfrm>
-            <a:off x="1905000" y="4803523"/>
-            <a:ext cx="1028700" cy="523220"/>
-          </a:xfrm>
-          <a:prstGeom prst="rect">
-            <a:avLst/>
-          </a:prstGeom>
-          <a:noFill/>
-        </p:spPr>
-        <p:txBody>
-          <a:bodyPr wrap="square" rtlCol="0">
-            <a:spAutoFit/>
-          </a:bodyPr>
-          <a:lstStyle/>
-          <a:p>
-            <a:r>
-              <a:rPr lang="en-US" sz="2800" dirty="0" smtClean="0"/>
-              <a:t>10%</a:t>
-            </a:r>
-            <a:endParaRPr lang="en-US" sz="2800" dirty="0"/>
-          </a:p>
-        </p:txBody>
-      </p:sp>
-      <p:sp>
-        <p:nvSpPr>
-          <p:cNvPr id="13" name="TextBox 12"/>
-          <p:cNvSpPr txBox="1"/>
-          <p:nvPr/>
-        </p:nvSpPr>
-        <p:spPr>
-          <a:xfrm>
-            <a:off x="6066064" y="4817332"/>
-            <a:ext cx="1447800" cy="523220"/>
-          </a:xfrm>
-          <a:prstGeom prst="rect">
-            <a:avLst/>
-          </a:prstGeom>
-          <a:noFill/>
-        </p:spPr>
-        <p:txBody>
-          <a:bodyPr wrap="square" rtlCol="0">
-            <a:spAutoFit/>
-          </a:bodyPr>
-          <a:lstStyle/>
-          <a:p>
-            <a:r>
-              <a:rPr lang="en-US" sz="2800" dirty="0" smtClean="0"/>
-              <a:t>40%</a:t>
-            </a:r>
-          </a:p>
-        </p:txBody>
-      </p:sp>
-      <p:pic>
-        <p:nvPicPr>
-          <p:cNvPr id="14" name="Picture 13"/>
-          <p:cNvPicPr>
-            <a:picLocks noChangeAspect="1"/>
-          </p:cNvPicPr>
-          <p:nvPr/>
-        </p:nvPicPr>
-        <p:blipFill>
-          <a:blip r:embed="rId2">
-            <a:extLst>
-              <a:ext uri="{28A0092B-C50C-407E-A947-70E740481C1C}">
-                <a14:useLocalDpi xmlns:a14="http://schemas.microsoft.com/office/drawing/2010/main" val="0"/>
-              </a:ext>
-            </a:extLst>
-          </a:blip>
-          <a:stretch>
-            <a:fillRect/>
-          </a:stretch>
-        </p:blipFill>
-        <p:spPr>
-          <a:xfrm>
-            <a:off x="457200" y="1143000"/>
-            <a:ext cx="4152900" cy="3451521"/>
-          </a:xfrm>
-          <a:prstGeom prst="rect">
-            <a:avLst/>
-          </a:prstGeom>
-        </p:spPr>
-      </p:pic>
-      <p:pic>
-        <p:nvPicPr>
-          <p:cNvPr id="15" name="Picture 14"/>
-          <p:cNvPicPr>
-            <a:picLocks noChangeAspect="1"/>
-          </p:cNvPicPr>
-          <p:nvPr/>
-        </p:nvPicPr>
-        <p:blipFill>
-          <a:blip r:embed="rId3">
-            <a:extLst>
-              <a:ext uri="{28A0092B-C50C-407E-A947-70E740481C1C}">
-                <a14:useLocalDpi xmlns:a14="http://schemas.microsoft.com/office/drawing/2010/main" val="0"/>
-              </a:ext>
-            </a:extLst>
-          </a:blip>
-          <a:stretch>
-            <a:fillRect/>
-          </a:stretch>
-        </p:blipFill>
-        <p:spPr>
-          <a:xfrm>
-            <a:off x="4800600" y="1143000"/>
-            <a:ext cx="3978729" cy="3470468"/>
-          </a:xfrm>
-          <a:prstGeom prst="rect">
-            <a:avLst/>
-          </a:prstGeom>
-        </p:spPr>
-      </p:pic>
+            <a:endParaRPr lang="en-US" dirty="0" smtClean="0"/>
+          </a:p>
+          <a:p>
+            <a:r>
+              <a:rPr lang="en-US" dirty="0" smtClean="0"/>
+              <a:t>Support</a:t>
+            </a:r>
+          </a:p>
+          <a:p>
+            <a:r>
+              <a:rPr lang="en-US" dirty="0" smtClean="0"/>
+              <a:t>Skirt (brim)</a:t>
+            </a:r>
+          </a:p>
+          <a:p>
+            <a:r>
+              <a:rPr lang="en-US" dirty="0" smtClean="0"/>
+              <a:t>Raft</a:t>
+            </a:r>
+          </a:p>
+          <a:p>
+            <a:endParaRPr lang="en-US" dirty="0" smtClean="0"/>
+          </a:p>
+        </p:txBody>
+      </p:sp>
     </p:spTree>
     <p:extLst>
       <p:ext uri="{BB962C8B-B14F-4D97-AF65-F5344CB8AC3E}">
-        <p14:creationId xmlns:p14="http://schemas.microsoft.com/office/powerpoint/2010/main" val="3078402184"/>
+        <p14:creationId xmlns:p14="http://schemas.microsoft.com/office/powerpoint/2010/main" val="2205588535"/>
       </p:ext>
     </p:extLst>
   </p:cSld>
@@ -5286,7 +5271,7 @@
           <a:p>
             <a:r>
               <a:rPr lang="en-US" dirty="0" smtClean="0"/>
-              <a:t>Support</a:t>
+              <a:t>Terminology / Settings</a:t>
             </a:r>
             <a:endParaRPr lang="en-US" dirty="0"/>
           </a:p>
@@ -5304,8 +5289,8 @@
         </p:nvSpPr>
         <p:spPr>
           <a:xfrm>
-            <a:off x="228600" y="914400"/>
-            <a:ext cx="8839200" cy="4267200"/>
+            <a:off x="2209800" y="990600"/>
+            <a:ext cx="5029200" cy="4267200"/>
           </a:xfrm>
         </p:spPr>
         <p:txBody>
@@ -5316,62 +5301,62 @@
           <a:p>
             <a:r>
               <a:rPr lang="en-US" dirty="0" smtClean="0"/>
-              <a:t>Overhangs</a:t>
-            </a:r>
-          </a:p>
-          <a:p>
+              <a:t>Layer Height </a:t>
+            </a:r>
             <a:endParaRPr lang="en-US" dirty="0" smtClean="0"/>
           </a:p>
-        </p:txBody>
-      </p:sp>
-      <p:pic>
-        <p:nvPicPr>
-          <p:cNvPr id="4" name="Picture 3"/>
-          <p:cNvPicPr/>
-          <p:nvPr/>
-        </p:nvPicPr>
-        <p:blipFill>
-          <a:blip r:embed="rId2"/>
-          <a:stretch>
-            <a:fillRect/>
-          </a:stretch>
-        </p:blipFill>
-        <p:spPr>
-          <a:xfrm>
-            <a:off x="567644" y="1600200"/>
-            <a:ext cx="3318556" cy="3485079"/>
-          </a:xfrm>
-          <a:prstGeom prst="rect">
-            <a:avLst/>
-          </a:prstGeom>
-        </p:spPr>
-      </p:pic>
-      <p:pic>
-        <p:nvPicPr>
-          <p:cNvPr id="5" name="Picture 4"/>
-          <p:cNvPicPr/>
-          <p:nvPr/>
-        </p:nvPicPr>
-        <p:blipFill>
-          <a:blip r:embed="rId3"/>
-          <a:stretch>
-            <a:fillRect/>
-          </a:stretch>
-        </p:blipFill>
-        <p:spPr>
-          <a:xfrm>
-            <a:off x="4724400" y="1524000"/>
-            <a:ext cx="2971800" cy="3578047"/>
-          </a:xfrm>
-          <a:prstGeom prst="rect">
-            <a:avLst/>
-          </a:prstGeom>
-        </p:spPr>
-      </p:pic>
+          <a:p>
+            <a:pPr lvl="1"/>
+            <a:r>
+              <a:rPr lang="en-US" dirty="0"/>
+              <a:t>0.1 mm, </a:t>
+            </a:r>
+            <a:r>
+              <a:rPr lang="en-US" dirty="0" smtClean="0"/>
+              <a:t>(fine)</a:t>
+            </a:r>
+            <a:endParaRPr lang="en-US" dirty="0" smtClean="0"/>
+          </a:p>
+          <a:p>
+            <a:pPr lvl="1"/>
+            <a:r>
+              <a:rPr lang="en-US" dirty="0"/>
+              <a:t>0.2 mm, </a:t>
+            </a:r>
+            <a:r>
+              <a:rPr lang="en-US" dirty="0" smtClean="0"/>
+              <a:t>(med)</a:t>
+            </a:r>
+            <a:endParaRPr lang="en-US" dirty="0" smtClean="0"/>
+          </a:p>
+          <a:p>
+            <a:pPr lvl="1"/>
+            <a:r>
+              <a:rPr lang="en-US" dirty="0" smtClean="0"/>
+              <a:t>0.3 </a:t>
+            </a:r>
+            <a:r>
+              <a:rPr lang="en-US" dirty="0" smtClean="0"/>
+              <a:t>mm </a:t>
+            </a:r>
+            <a:r>
+              <a:rPr lang="en-US" dirty="0" smtClean="0"/>
+              <a:t>(coarse</a:t>
+            </a:r>
+            <a:r>
+              <a:rPr lang="en-US" dirty="0" smtClean="0"/>
+              <a:t>)</a:t>
+            </a:r>
+          </a:p>
+          <a:p>
+            <a:endParaRPr lang="en-US" dirty="0" smtClean="0"/>
+          </a:p>
+        </p:txBody>
+      </p:sp>
     </p:spTree>
     <p:extLst>
       <p:ext uri="{BB962C8B-B14F-4D97-AF65-F5344CB8AC3E}">
-        <p14:creationId xmlns:p14="http://schemas.microsoft.com/office/powerpoint/2010/main" val="2809639533"/>
+        <p14:creationId xmlns:p14="http://schemas.microsoft.com/office/powerpoint/2010/main" val="3380582945"/>
       </p:ext>
     </p:extLst>
   </p:cSld>
@@ -5427,7 +5412,7 @@
           <a:p>
             <a:r>
               <a:rPr lang="en-US" dirty="0" smtClean="0"/>
-              <a:t>Skirt / Brim</a:t>
+              <a:t>Bed Leveling is Important</a:t>
             </a:r>
             <a:endParaRPr lang="en-US" dirty="0"/>
           </a:p>
@@ -5435,128 +5420,60 @@
       </p:sp>
       <p:sp>
         <p:nvSpPr>
-          <p:cNvPr id="11" name="TextBox 10"/>
-          <p:cNvSpPr txBox="1"/>
-          <p:nvPr/>
-        </p:nvSpPr>
-        <p:spPr>
-          <a:xfrm>
-            <a:off x="1897743" y="5094162"/>
-            <a:ext cx="1028700" cy="523220"/>
-          </a:xfrm>
-          <a:prstGeom prst="rect">
-            <a:avLst/>
-          </a:prstGeom>
-          <a:noFill/>
-        </p:spPr>
-        <p:txBody>
-          <a:bodyPr wrap="square" rtlCol="0">
-            <a:spAutoFit/>
+          <p:cNvPr id="3" name="Content Placeholder 2"/>
+          <p:cNvSpPr>
+            <a:spLocks noGrp="1"/>
+          </p:cNvSpPr>
+          <p:nvPr>
+            <p:ph idx="1"/>
+          </p:nvPr>
+        </p:nvSpPr>
+        <p:spPr>
+          <a:xfrm>
+            <a:off x="1676400" y="1066800"/>
+            <a:ext cx="6172200" cy="4267200"/>
+          </a:xfrm>
+        </p:spPr>
+        <p:txBody>
+          <a:bodyPr>
+            <a:normAutofit/>
           </a:bodyPr>
           <a:lstStyle/>
           <a:p>
             <a:r>
-              <a:rPr lang="en-US" sz="2800" dirty="0" smtClean="0"/>
-              <a:t>Top</a:t>
-            </a:r>
-            <a:endParaRPr lang="en-US" sz="2800" dirty="0"/>
-          </a:p>
-        </p:txBody>
-      </p:sp>
-      <p:sp>
-        <p:nvSpPr>
-          <p:cNvPr id="13" name="TextBox 12"/>
-          <p:cNvSpPr txBox="1"/>
-          <p:nvPr/>
-        </p:nvSpPr>
-        <p:spPr>
-          <a:xfrm>
-            <a:off x="5687805" y="5094162"/>
-            <a:ext cx="1447800" cy="523220"/>
-          </a:xfrm>
-          <a:prstGeom prst="rect">
-            <a:avLst/>
-          </a:prstGeom>
-          <a:noFill/>
-        </p:spPr>
-        <p:txBody>
-          <a:bodyPr wrap="square" rtlCol="0">
-            <a:spAutoFit/>
-          </a:bodyPr>
-          <a:lstStyle/>
-          <a:p>
-            <a:r>
-              <a:rPr lang="en-US" sz="2800" dirty="0" smtClean="0"/>
-              <a:t>Bottom</a:t>
-            </a:r>
-            <a:endParaRPr lang="en-US" sz="2800" dirty="0"/>
-          </a:p>
-        </p:txBody>
-      </p:sp>
-      <p:pic>
-        <p:nvPicPr>
-          <p:cNvPr id="3" name="Picture 2"/>
-          <p:cNvPicPr>
-            <a:picLocks noChangeAspect="1"/>
-          </p:cNvPicPr>
-          <p:nvPr/>
-        </p:nvPicPr>
-        <p:blipFill>
-          <a:blip r:embed="rId2">
-            <a:extLst>
-              <a:ext uri="{28A0092B-C50C-407E-A947-70E740481C1C}">
-                <a14:useLocalDpi xmlns:a14="http://schemas.microsoft.com/office/drawing/2010/main" val="0"/>
-              </a:ext>
-            </a:extLst>
-          </a:blip>
-          <a:stretch>
-            <a:fillRect/>
-          </a:stretch>
-        </p:blipFill>
-        <p:spPr>
-          <a:xfrm>
-            <a:off x="21771" y="1219200"/>
-            <a:ext cx="4286250" cy="3604194"/>
-          </a:xfrm>
-          <a:prstGeom prst="rect">
-            <a:avLst/>
-          </a:prstGeom>
-        </p:spPr>
-      </p:pic>
-      <p:pic>
-        <p:nvPicPr>
-          <p:cNvPr id="4" name="Picture 3"/>
-          <p:cNvPicPr>
-            <a:picLocks noChangeAspect="1"/>
-          </p:cNvPicPr>
-          <p:nvPr/>
-        </p:nvPicPr>
-        <p:blipFill>
-          <a:blip r:embed="rId3">
-            <a:extLst>
-              <a:ext uri="{28A0092B-C50C-407E-A947-70E740481C1C}">
-                <a14:useLocalDpi xmlns:a14="http://schemas.microsoft.com/office/drawing/2010/main" val="0"/>
-              </a:ext>
-            </a:extLst>
-          </a:blip>
-          <a:stretch>
-            <a:fillRect/>
-          </a:stretch>
-        </p:blipFill>
-        <p:spPr>
-          <a:xfrm>
-            <a:off x="4495800" y="1219200"/>
-            <a:ext cx="4510352" cy="3719286"/>
-          </a:xfrm>
-          <a:prstGeom prst="rect">
-            <a:avLst/>
-          </a:prstGeom>
-        </p:spPr>
-      </p:pic>
+              <a:rPr lang="en-US" dirty="0" smtClean="0"/>
+              <a:t>Layer height (0.1, 0.2, 0.3mm)</a:t>
+            </a:r>
+          </a:p>
+          <a:p>
+            <a:pPr lvl="1"/>
+            <a:r>
+              <a:rPr lang="en-US" dirty="0" smtClean="0"/>
+              <a:t>1/64” </a:t>
+            </a:r>
+            <a:r>
+              <a:rPr lang="en-US" dirty="0"/>
+              <a:t>~  </a:t>
+            </a:r>
+            <a:r>
+              <a:rPr lang="en-US" dirty="0" smtClean="0"/>
+              <a:t>0.4mm </a:t>
+            </a:r>
+            <a:endParaRPr lang="en-US" dirty="0" smtClean="0"/>
+          </a:p>
+          <a:p>
+            <a:pPr lvl="1"/>
+            <a:r>
+              <a:rPr lang="en-US" dirty="0" smtClean="0"/>
+              <a:t>Sheet of paper is ~ 0.05mm thick</a:t>
+            </a:r>
+          </a:p>
+        </p:txBody>
+      </p:sp>
     </p:spTree>
     <p:extLst>
       <p:ext uri="{BB962C8B-B14F-4D97-AF65-F5344CB8AC3E}">
-        <p14:creationId xmlns:p14="http://schemas.microsoft.com/office/powerpoint/2010/main" val="81158189"/>
+        <p14:creationId xmlns:p14="http://schemas.microsoft.com/office/powerpoint/2010/main" val="755014158"/>
       </p:ext>
     </p:extLst>
   </p:cSld>
@@ -5612,6 +5529,1096 @@
           <a:p>
             <a:r>
               <a:rPr lang="en-US" dirty="0" smtClean="0"/>
+              <a:t>Terminology / Settings</a:t>
+            </a:r>
+            <a:endParaRPr lang="en-US" dirty="0"/>
+          </a:p>
+        </p:txBody>
+      </p:sp>
+      <p:sp>
+        <p:nvSpPr>
+          <p:cNvPr id="3" name="Content Placeholder 2"/>
+          <p:cNvSpPr>
+            <a:spLocks noGrp="1"/>
+          </p:cNvSpPr>
+          <p:nvPr>
+            <p:ph idx="1"/>
+          </p:nvPr>
+        </p:nvSpPr>
+        <p:spPr>
+          <a:xfrm>
+            <a:off x="990600" y="914400"/>
+            <a:ext cx="7315200" cy="4267200"/>
+          </a:xfrm>
+        </p:spPr>
+        <p:txBody>
+          <a:bodyPr>
+            <a:normAutofit/>
+          </a:bodyPr>
+          <a:lstStyle/>
+          <a:p>
+            <a:r>
+              <a:rPr lang="en-US" dirty="0" smtClean="0"/>
+              <a:t>Shells – </a:t>
+            </a:r>
+          </a:p>
+          <a:p>
+            <a:pPr lvl="1"/>
+            <a:r>
+              <a:rPr lang="en-US" dirty="0" smtClean="0"/>
+              <a:t>How many layers around the outside</a:t>
+            </a:r>
+          </a:p>
+          <a:p>
+            <a:pPr lvl="1"/>
+            <a:r>
+              <a:rPr lang="en-US" dirty="0" smtClean="0"/>
+              <a:t>1,2</a:t>
+            </a:r>
+            <a:r>
+              <a:rPr lang="en-US" dirty="0" smtClean="0"/>
+              <a:t>,…? (2 is common, 4 or more extreme)</a:t>
+            </a:r>
+          </a:p>
+          <a:p>
+            <a:endParaRPr lang="en-US" dirty="0" smtClean="0"/>
+          </a:p>
+        </p:txBody>
+      </p:sp>
+    </p:spTree>
+    <p:extLst>
+      <p:ext uri="{BB962C8B-B14F-4D97-AF65-F5344CB8AC3E}">
+        <p14:creationId xmlns:p14="http://schemas.microsoft.com/office/powerpoint/2010/main" val="40754143"/>
+      </p:ext>
+    </p:extLst>
+  </p:cSld>
+  <p:clrMapOvr>
+    <a:masterClrMapping/>
+  </p:clrMapOvr>
+  <p:timing>
+    <p:tnLst>
+      <p:par>
+        <p:cTn id="1" dur="indefinite" restart="never" nodeType="tmRoot"/>
+      </p:par>
+    </p:tnLst>
+  </p:timing>
+</p:sld>
+</file>
+
+<file path=ppt/slides/slide26.xml><?xml version="1.0" encoding="utf-8"?>
+<p:sld xmlns:a="http://schemas.openxmlformats.org/drawingml/2006/main" xmlns:r="http://schemas.openxmlformats.org/officeDocument/2006/relationships" xmlns:p="http://schemas.openxmlformats.org/presentationml/2006/main">
+  <p:cSld>
+    <p:spTree>
+      <p:nvGrpSpPr>
+        <p:cNvPr id="1" name=""/>
+        <p:cNvGrpSpPr/>
+        <p:nvPr/>
+      </p:nvGrpSpPr>
+      <p:grpSpPr>
+        <a:xfrm>
+          <a:off x="0" y="0"/>
+          <a:ext cx="0" cy="0"/>
+          <a:chOff x="0" y="0"/>
+          <a:chExt cx="0" cy="0"/>
+        </a:xfrm>
+      </p:grpSpPr>
+      <p:sp>
+        <p:nvSpPr>
+          <p:cNvPr id="2" name="Title 1"/>
+          <p:cNvSpPr>
+            <a:spLocks noGrp="1"/>
+          </p:cNvSpPr>
+          <p:nvPr>
+            <p:ph type="title"/>
+          </p:nvPr>
+        </p:nvSpPr>
+        <p:spPr>
+          <a:xfrm>
+            <a:off x="457200" y="0"/>
+            <a:ext cx="8229600" cy="1143000"/>
+          </a:xfrm>
+        </p:spPr>
+        <p:txBody>
+          <a:bodyPr/>
+          <a:lstStyle/>
+          <a:p>
+            <a:r>
+              <a:rPr lang="en-US" dirty="0" smtClean="0"/>
+              <a:t>Terminology / Settings</a:t>
+            </a:r>
+            <a:endParaRPr lang="en-US" dirty="0"/>
+          </a:p>
+        </p:txBody>
+      </p:sp>
+      <p:sp>
+        <p:nvSpPr>
+          <p:cNvPr id="3" name="Content Placeholder 2"/>
+          <p:cNvSpPr>
+            <a:spLocks noGrp="1"/>
+          </p:cNvSpPr>
+          <p:nvPr>
+            <p:ph idx="1"/>
+          </p:nvPr>
+        </p:nvSpPr>
+        <p:spPr>
+          <a:xfrm>
+            <a:off x="2133600" y="914400"/>
+            <a:ext cx="4953000" cy="4267200"/>
+          </a:xfrm>
+        </p:spPr>
+        <p:txBody>
+          <a:bodyPr>
+            <a:normAutofit/>
+          </a:bodyPr>
+          <a:lstStyle/>
+          <a:p>
+            <a:r>
+              <a:rPr lang="en-US" dirty="0" smtClean="0"/>
+              <a:t>Infill –</a:t>
+            </a:r>
+          </a:p>
+          <a:p>
+            <a:pPr lvl="1"/>
+            <a:r>
+              <a:rPr lang="en-US" dirty="0" smtClean="0"/>
+              <a:t>10</a:t>
+            </a:r>
+            <a:r>
+              <a:rPr lang="en-US" dirty="0" smtClean="0"/>
+              <a:t>% - 100% </a:t>
+            </a:r>
+            <a:endParaRPr lang="en-US" dirty="0" smtClean="0"/>
+          </a:p>
+          <a:p>
+            <a:pPr lvl="1"/>
+            <a:r>
+              <a:rPr lang="en-US" dirty="0" smtClean="0"/>
+              <a:t>10</a:t>
+            </a:r>
+            <a:r>
+              <a:rPr lang="en-US" dirty="0" smtClean="0"/>
+              <a:t>% - 20% is </a:t>
+            </a:r>
+            <a:r>
+              <a:rPr lang="en-US" dirty="0" smtClean="0"/>
+              <a:t>common</a:t>
+            </a:r>
+            <a:endParaRPr lang="en-US" dirty="0" smtClean="0"/>
+          </a:p>
+          <a:p>
+            <a:endParaRPr lang="en-US" dirty="0" smtClean="0"/>
+          </a:p>
+        </p:txBody>
+      </p:sp>
+    </p:spTree>
+    <p:extLst>
+      <p:ext uri="{BB962C8B-B14F-4D97-AF65-F5344CB8AC3E}">
+        <p14:creationId xmlns:p14="http://schemas.microsoft.com/office/powerpoint/2010/main" val="2040739278"/>
+      </p:ext>
+    </p:extLst>
+  </p:cSld>
+  <p:clrMapOvr>
+    <a:masterClrMapping/>
+  </p:clrMapOvr>
+  <p:timing>
+    <p:tnLst>
+      <p:par>
+        <p:cTn id="1" dur="indefinite" restart="never" nodeType="tmRoot"/>
+      </p:par>
+    </p:tnLst>
+  </p:timing>
+</p:sld>
+</file>
+
+<file path=ppt/slides/slide27.xml><?xml version="1.0" encoding="utf-8"?>
+<p:sld xmlns:a="http://schemas.openxmlformats.org/drawingml/2006/main" xmlns:r="http://schemas.openxmlformats.org/officeDocument/2006/relationships" xmlns:p="http://schemas.openxmlformats.org/presentationml/2006/main">
+  <p:cSld>
+    <p:spTree>
+      <p:nvGrpSpPr>
+        <p:cNvPr id="1" name=""/>
+        <p:cNvGrpSpPr/>
+        <p:nvPr/>
+      </p:nvGrpSpPr>
+      <p:grpSpPr>
+        <a:xfrm>
+          <a:off x="0" y="0"/>
+          <a:ext cx="0" cy="0"/>
+          <a:chOff x="0" y="0"/>
+          <a:chExt cx="0" cy="0"/>
+        </a:xfrm>
+      </p:grpSpPr>
+      <p:sp>
+        <p:nvSpPr>
+          <p:cNvPr id="2" name="Title 1"/>
+          <p:cNvSpPr>
+            <a:spLocks noGrp="1"/>
+          </p:cNvSpPr>
+          <p:nvPr>
+            <p:ph type="title"/>
+          </p:nvPr>
+        </p:nvSpPr>
+        <p:spPr>
+          <a:xfrm>
+            <a:off x="457200" y="0"/>
+            <a:ext cx="8229600" cy="1143000"/>
+          </a:xfrm>
+        </p:spPr>
+        <p:txBody>
+          <a:bodyPr/>
+          <a:lstStyle/>
+          <a:p>
+            <a:r>
+              <a:rPr lang="en-US" dirty="0" smtClean="0"/>
+              <a:t>Infill</a:t>
+            </a:r>
+            <a:endParaRPr lang="en-US" dirty="0"/>
+          </a:p>
+        </p:txBody>
+      </p:sp>
+      <p:sp>
+        <p:nvSpPr>
+          <p:cNvPr id="11" name="TextBox 10"/>
+          <p:cNvSpPr txBox="1"/>
+          <p:nvPr/>
+        </p:nvSpPr>
+        <p:spPr>
+          <a:xfrm>
+            <a:off x="1905000" y="4803523"/>
+            <a:ext cx="1028700" cy="523220"/>
+          </a:xfrm>
+          <a:prstGeom prst="rect">
+            <a:avLst/>
+          </a:prstGeom>
+          <a:noFill/>
+        </p:spPr>
+        <p:txBody>
+          <a:bodyPr wrap="square" rtlCol="0">
+            <a:spAutoFit/>
+          </a:bodyPr>
+          <a:lstStyle/>
+          <a:p>
+            <a:r>
+              <a:rPr lang="en-US" sz="2800" dirty="0" smtClean="0"/>
+              <a:t>10%</a:t>
+            </a:r>
+            <a:endParaRPr lang="en-US" sz="2800" dirty="0"/>
+          </a:p>
+        </p:txBody>
+      </p:sp>
+      <p:sp>
+        <p:nvSpPr>
+          <p:cNvPr id="13" name="TextBox 12"/>
+          <p:cNvSpPr txBox="1"/>
+          <p:nvPr/>
+        </p:nvSpPr>
+        <p:spPr>
+          <a:xfrm>
+            <a:off x="6066064" y="4817332"/>
+            <a:ext cx="1447800" cy="523220"/>
+          </a:xfrm>
+          <a:prstGeom prst="rect">
+            <a:avLst/>
+          </a:prstGeom>
+          <a:noFill/>
+        </p:spPr>
+        <p:txBody>
+          <a:bodyPr wrap="square" rtlCol="0">
+            <a:spAutoFit/>
+          </a:bodyPr>
+          <a:lstStyle/>
+          <a:p>
+            <a:r>
+              <a:rPr lang="en-US" sz="2800" dirty="0" smtClean="0"/>
+              <a:t>40%</a:t>
+            </a:r>
+          </a:p>
+        </p:txBody>
+      </p:sp>
+      <p:pic>
+        <p:nvPicPr>
+          <p:cNvPr id="14" name="Picture 13"/>
+          <p:cNvPicPr>
+            <a:picLocks noChangeAspect="1"/>
+          </p:cNvPicPr>
+          <p:nvPr/>
+        </p:nvPicPr>
+        <p:blipFill>
+          <a:blip r:embed="rId2">
+            <a:extLst>
+              <a:ext uri="{28A0092B-C50C-407E-A947-70E740481C1C}">
+                <a14:useLocalDpi xmlns:a14="http://schemas.microsoft.com/office/drawing/2010/main" val="0"/>
+              </a:ext>
+            </a:extLst>
+          </a:blip>
+          <a:stretch>
+            <a:fillRect/>
+          </a:stretch>
+        </p:blipFill>
+        <p:spPr>
+          <a:xfrm>
+            <a:off x="457200" y="1143000"/>
+            <a:ext cx="4152900" cy="3451521"/>
+          </a:xfrm>
+          <a:prstGeom prst="rect">
+            <a:avLst/>
+          </a:prstGeom>
+        </p:spPr>
+      </p:pic>
+      <p:pic>
+        <p:nvPicPr>
+          <p:cNvPr id="15" name="Picture 14"/>
+          <p:cNvPicPr>
+            <a:picLocks noChangeAspect="1"/>
+          </p:cNvPicPr>
+          <p:nvPr/>
+        </p:nvPicPr>
+        <p:blipFill>
+          <a:blip r:embed="rId3">
+            <a:extLst>
+              <a:ext uri="{28A0092B-C50C-407E-A947-70E740481C1C}">
+                <a14:useLocalDpi xmlns:a14="http://schemas.microsoft.com/office/drawing/2010/main" val="0"/>
+              </a:ext>
+            </a:extLst>
+          </a:blip>
+          <a:stretch>
+            <a:fillRect/>
+          </a:stretch>
+        </p:blipFill>
+        <p:spPr>
+          <a:xfrm>
+            <a:off x="4800600" y="1143000"/>
+            <a:ext cx="3978729" cy="3470468"/>
+          </a:xfrm>
+          <a:prstGeom prst="rect">
+            <a:avLst/>
+          </a:prstGeom>
+        </p:spPr>
+      </p:pic>
+    </p:spTree>
+    <p:extLst>
+      <p:ext uri="{BB962C8B-B14F-4D97-AF65-F5344CB8AC3E}">
+        <p14:creationId xmlns:p14="http://schemas.microsoft.com/office/powerpoint/2010/main" val="3078402184"/>
+      </p:ext>
+    </p:extLst>
+  </p:cSld>
+  <p:clrMapOvr>
+    <a:masterClrMapping/>
+  </p:clrMapOvr>
+  <p:timing>
+    <p:tnLst>
+      <p:par>
+        <p:cTn id="1" dur="indefinite" restart="never" nodeType="tmRoot"/>
+      </p:par>
+    </p:tnLst>
+  </p:timing>
+</p:sld>
+</file>
+
+<file path=ppt/slides/slide28.xml><?xml version="1.0" encoding="utf-8"?>
+<p:sld xmlns:a="http://schemas.openxmlformats.org/drawingml/2006/main" xmlns:r="http://schemas.openxmlformats.org/officeDocument/2006/relationships" xmlns:p="http://schemas.openxmlformats.org/presentationml/2006/main">
+  <p:cSld>
+    <p:spTree>
+      <p:nvGrpSpPr>
+        <p:cNvPr id="1" name=""/>
+        <p:cNvGrpSpPr/>
+        <p:nvPr/>
+      </p:nvGrpSpPr>
+      <p:grpSpPr>
+        <a:xfrm>
+          <a:off x="0" y="0"/>
+          <a:ext cx="0" cy="0"/>
+          <a:chOff x="0" y="0"/>
+          <a:chExt cx="0" cy="0"/>
+        </a:xfrm>
+      </p:grpSpPr>
+      <p:sp>
+        <p:nvSpPr>
+          <p:cNvPr id="2" name="Title 1"/>
+          <p:cNvSpPr>
+            <a:spLocks noGrp="1"/>
+          </p:cNvSpPr>
+          <p:nvPr>
+            <p:ph type="title"/>
+          </p:nvPr>
+        </p:nvSpPr>
+        <p:spPr>
+          <a:xfrm>
+            <a:off x="457200" y="0"/>
+            <a:ext cx="8229600" cy="1143000"/>
+          </a:xfrm>
+        </p:spPr>
+        <p:txBody>
+          <a:bodyPr/>
+          <a:lstStyle/>
+          <a:p>
+            <a:r>
+              <a:rPr lang="en-US" dirty="0" smtClean="0"/>
+              <a:t>Terminology / Settings</a:t>
+            </a:r>
+            <a:endParaRPr lang="en-US" dirty="0"/>
+          </a:p>
+        </p:txBody>
+      </p:sp>
+      <p:sp>
+        <p:nvSpPr>
+          <p:cNvPr id="3" name="Content Placeholder 2"/>
+          <p:cNvSpPr>
+            <a:spLocks noGrp="1"/>
+          </p:cNvSpPr>
+          <p:nvPr>
+            <p:ph idx="1"/>
+          </p:nvPr>
+        </p:nvSpPr>
+        <p:spPr>
+          <a:xfrm>
+            <a:off x="1752600" y="914400"/>
+            <a:ext cx="5867400" cy="4267200"/>
+          </a:xfrm>
+        </p:spPr>
+        <p:txBody>
+          <a:bodyPr>
+            <a:normAutofit/>
+          </a:bodyPr>
+          <a:lstStyle/>
+          <a:p>
+            <a:r>
+              <a:rPr lang="en-US" dirty="0" smtClean="0"/>
+              <a:t>Support</a:t>
+            </a:r>
+            <a:endParaRPr lang="en-US" dirty="0" smtClean="0"/>
+          </a:p>
+          <a:p>
+            <a:pPr lvl="1"/>
+            <a:r>
+              <a:rPr lang="en-US" dirty="0" smtClean="0"/>
+              <a:t>Printed material that is not part of the finished model</a:t>
+            </a:r>
+          </a:p>
+          <a:p>
+            <a:pPr lvl="1"/>
+            <a:r>
+              <a:rPr lang="en-US" dirty="0" smtClean="0"/>
+              <a:t>scaffolding</a:t>
+            </a:r>
+            <a:endParaRPr lang="en-US" dirty="0" smtClean="0"/>
+          </a:p>
+        </p:txBody>
+      </p:sp>
+    </p:spTree>
+    <p:extLst>
+      <p:ext uri="{BB962C8B-B14F-4D97-AF65-F5344CB8AC3E}">
+        <p14:creationId xmlns:p14="http://schemas.microsoft.com/office/powerpoint/2010/main" val="2386436646"/>
+      </p:ext>
+    </p:extLst>
+  </p:cSld>
+  <p:clrMapOvr>
+    <a:masterClrMapping/>
+  </p:clrMapOvr>
+  <p:timing>
+    <p:tnLst>
+      <p:par>
+        <p:cTn id="1" dur="indefinite" restart="never" nodeType="tmRoot"/>
+      </p:par>
+    </p:tnLst>
+  </p:timing>
+</p:sld>
+</file>
+
+<file path=ppt/slides/slide29.xml><?xml version="1.0" encoding="utf-8"?>
+<p:sld xmlns:a="http://schemas.openxmlformats.org/drawingml/2006/main" xmlns:r="http://schemas.openxmlformats.org/officeDocument/2006/relationships" xmlns:p="http://schemas.openxmlformats.org/presentationml/2006/main">
+  <p:cSld>
+    <p:spTree>
+      <p:nvGrpSpPr>
+        <p:cNvPr id="1" name=""/>
+        <p:cNvGrpSpPr/>
+        <p:nvPr/>
+      </p:nvGrpSpPr>
+      <p:grpSpPr>
+        <a:xfrm>
+          <a:off x="0" y="0"/>
+          <a:ext cx="0" cy="0"/>
+          <a:chOff x="0" y="0"/>
+          <a:chExt cx="0" cy="0"/>
+        </a:xfrm>
+      </p:grpSpPr>
+      <p:sp>
+        <p:nvSpPr>
+          <p:cNvPr id="2" name="Title 1"/>
+          <p:cNvSpPr>
+            <a:spLocks noGrp="1"/>
+          </p:cNvSpPr>
+          <p:nvPr>
+            <p:ph type="title"/>
+          </p:nvPr>
+        </p:nvSpPr>
+        <p:spPr>
+          <a:xfrm>
+            <a:off x="457200" y="0"/>
+            <a:ext cx="8229600" cy="1143000"/>
+          </a:xfrm>
+        </p:spPr>
+        <p:txBody>
+          <a:bodyPr/>
+          <a:lstStyle/>
+          <a:p>
+            <a:r>
+              <a:rPr lang="en-US" dirty="0" smtClean="0"/>
+              <a:t>Support</a:t>
+            </a:r>
+            <a:endParaRPr lang="en-US" dirty="0"/>
+          </a:p>
+        </p:txBody>
+      </p:sp>
+      <p:sp>
+        <p:nvSpPr>
+          <p:cNvPr id="3" name="Content Placeholder 2"/>
+          <p:cNvSpPr>
+            <a:spLocks noGrp="1"/>
+          </p:cNvSpPr>
+          <p:nvPr>
+            <p:ph idx="1"/>
+          </p:nvPr>
+        </p:nvSpPr>
+        <p:spPr>
+          <a:xfrm>
+            <a:off x="228600" y="914400"/>
+            <a:ext cx="8839200" cy="4267200"/>
+          </a:xfrm>
+        </p:spPr>
+        <p:txBody>
+          <a:bodyPr>
+            <a:normAutofit/>
+          </a:bodyPr>
+          <a:lstStyle/>
+          <a:p>
+            <a:r>
+              <a:rPr lang="en-US" dirty="0" smtClean="0"/>
+              <a:t>Overhangs</a:t>
+            </a:r>
+          </a:p>
+          <a:p>
+            <a:endParaRPr lang="en-US" dirty="0" smtClean="0"/>
+          </a:p>
+        </p:txBody>
+      </p:sp>
+      <p:pic>
+        <p:nvPicPr>
+          <p:cNvPr id="4" name="Picture 3"/>
+          <p:cNvPicPr/>
+          <p:nvPr/>
+        </p:nvPicPr>
+        <p:blipFill>
+          <a:blip r:embed="rId2"/>
+          <a:stretch>
+            <a:fillRect/>
+          </a:stretch>
+        </p:blipFill>
+        <p:spPr>
+          <a:xfrm>
+            <a:off x="567644" y="1600200"/>
+            <a:ext cx="3318556" cy="3485079"/>
+          </a:xfrm>
+          <a:prstGeom prst="rect">
+            <a:avLst/>
+          </a:prstGeom>
+        </p:spPr>
+      </p:pic>
+      <p:pic>
+        <p:nvPicPr>
+          <p:cNvPr id="5" name="Picture 4"/>
+          <p:cNvPicPr/>
+          <p:nvPr/>
+        </p:nvPicPr>
+        <p:blipFill>
+          <a:blip r:embed="rId3"/>
+          <a:stretch>
+            <a:fillRect/>
+          </a:stretch>
+        </p:blipFill>
+        <p:spPr>
+          <a:xfrm>
+            <a:off x="4724400" y="1524000"/>
+            <a:ext cx="2971800" cy="3578047"/>
+          </a:xfrm>
+          <a:prstGeom prst="rect">
+            <a:avLst/>
+          </a:prstGeom>
+        </p:spPr>
+      </p:pic>
+    </p:spTree>
+    <p:extLst>
+      <p:ext uri="{BB962C8B-B14F-4D97-AF65-F5344CB8AC3E}">
+        <p14:creationId xmlns:p14="http://schemas.microsoft.com/office/powerpoint/2010/main" val="2809639533"/>
+      </p:ext>
+    </p:extLst>
+  </p:cSld>
+  <p:clrMapOvr>
+    <a:masterClrMapping/>
+  </p:clrMapOvr>
+  <p:timing>
+    <p:tnLst>
+      <p:par>
+        <p:cTn id="1" dur="indefinite" restart="never" nodeType="tmRoot"/>
+      </p:par>
+    </p:tnLst>
+  </p:timing>
+</p:sld>
+</file>
+
+<file path=ppt/slides/slide3.xml><?xml version="1.0" encoding="utf-8"?>
+<p:sld xmlns:a="http://schemas.openxmlformats.org/drawingml/2006/main" xmlns:r="http://schemas.openxmlformats.org/officeDocument/2006/relationships" xmlns:p="http://schemas.openxmlformats.org/presentationml/2006/main">
+  <p:cSld>
+    <p:spTree>
+      <p:nvGrpSpPr>
+        <p:cNvPr id="1" name=""/>
+        <p:cNvGrpSpPr/>
+        <p:nvPr/>
+      </p:nvGrpSpPr>
+      <p:grpSpPr>
+        <a:xfrm>
+          <a:off x="0" y="0"/>
+          <a:ext cx="0" cy="0"/>
+          <a:chOff x="0" y="0"/>
+          <a:chExt cx="0" cy="0"/>
+        </a:xfrm>
+      </p:grpSpPr>
+      <p:sp>
+        <p:nvSpPr>
+          <p:cNvPr id="2" name="Title 1"/>
+          <p:cNvSpPr>
+            <a:spLocks noGrp="1"/>
+          </p:cNvSpPr>
+          <p:nvPr>
+            <p:ph type="ctrTitle"/>
+          </p:nvPr>
+        </p:nvSpPr>
+        <p:spPr>
+          <a:xfrm>
+            <a:off x="533400" y="457200"/>
+            <a:ext cx="7772400" cy="1470025"/>
+          </a:xfrm>
+        </p:spPr>
+        <p:txBody>
+          <a:bodyPr/>
+          <a:lstStyle/>
+          <a:p>
+            <a:r>
+              <a:rPr lang="en-US" dirty="0" smtClean="0"/>
+              <a:t>Introduction to 3D Printing</a:t>
+            </a:r>
+            <a:endParaRPr lang="en-US" dirty="0"/>
+          </a:p>
+        </p:txBody>
+      </p:sp>
+      <p:sp>
+        <p:nvSpPr>
+          <p:cNvPr id="3" name="Subtitle 2"/>
+          <p:cNvSpPr>
+            <a:spLocks noGrp="1"/>
+          </p:cNvSpPr>
+          <p:nvPr>
+            <p:ph type="subTitle" idx="1"/>
+          </p:nvPr>
+        </p:nvSpPr>
+        <p:spPr>
+          <a:xfrm>
+            <a:off x="228600" y="2212975"/>
+            <a:ext cx="8458200" cy="1752600"/>
+          </a:xfrm>
+        </p:spPr>
+        <p:txBody>
+          <a:bodyPr/>
+          <a:lstStyle/>
+          <a:p>
+            <a:r>
+              <a:rPr lang="en-US" dirty="0" smtClean="0"/>
+              <a:t>“</a:t>
+            </a:r>
+            <a:r>
+              <a:rPr lang="en-US" dirty="0"/>
+              <a:t> I want to say one word to you. Just one word</a:t>
+            </a:r>
+            <a:r>
+              <a:rPr lang="en-US" dirty="0" smtClean="0"/>
+              <a:t>.…</a:t>
+            </a:r>
+          </a:p>
+          <a:p>
+            <a:r>
+              <a:rPr lang="en-US" dirty="0" smtClean="0"/>
+              <a:t>Plastics”</a:t>
+            </a:r>
+          </a:p>
+          <a:p>
+            <a:r>
+              <a:rPr lang="en-US" dirty="0" smtClean="0"/>
+              <a:t>The Graduate - 1967</a:t>
+            </a:r>
+            <a:endParaRPr lang="en-US" dirty="0"/>
+          </a:p>
+        </p:txBody>
+      </p:sp>
+    </p:spTree>
+    <p:extLst>
+      <p:ext uri="{BB962C8B-B14F-4D97-AF65-F5344CB8AC3E}">
+        <p14:creationId xmlns:p14="http://schemas.microsoft.com/office/powerpoint/2010/main" val="2666580265"/>
+      </p:ext>
+    </p:extLst>
+  </p:cSld>
+  <p:clrMapOvr>
+    <a:masterClrMapping/>
+  </p:clrMapOvr>
+  <p:timing>
+    <p:tnLst>
+      <p:par>
+        <p:cTn id="1" dur="indefinite" restart="never" nodeType="tmRoot"/>
+      </p:par>
+    </p:tnLst>
+  </p:timing>
+</p:sld>
+</file>
+
+<file path=ppt/slides/slide30.xml><?xml version="1.0" encoding="utf-8"?>
+<p:sld xmlns:a="http://schemas.openxmlformats.org/drawingml/2006/main" xmlns:r="http://schemas.openxmlformats.org/officeDocument/2006/relationships" xmlns:p="http://schemas.openxmlformats.org/presentationml/2006/main">
+  <p:cSld>
+    <p:spTree>
+      <p:nvGrpSpPr>
+        <p:cNvPr id="1" name=""/>
+        <p:cNvGrpSpPr/>
+        <p:nvPr/>
+      </p:nvGrpSpPr>
+      <p:grpSpPr>
+        <a:xfrm>
+          <a:off x="0" y="0"/>
+          <a:ext cx="0" cy="0"/>
+          <a:chOff x="0" y="0"/>
+          <a:chExt cx="0" cy="0"/>
+        </a:xfrm>
+      </p:grpSpPr>
+      <p:sp>
+        <p:nvSpPr>
+          <p:cNvPr id="2" name="Title 1"/>
+          <p:cNvSpPr>
+            <a:spLocks noGrp="1"/>
+          </p:cNvSpPr>
+          <p:nvPr>
+            <p:ph type="title"/>
+          </p:nvPr>
+        </p:nvSpPr>
+        <p:spPr>
+          <a:xfrm>
+            <a:off x="457200" y="0"/>
+            <a:ext cx="8229600" cy="1143000"/>
+          </a:xfrm>
+        </p:spPr>
+        <p:txBody>
+          <a:bodyPr/>
+          <a:lstStyle/>
+          <a:p>
+            <a:r>
+              <a:rPr lang="en-US" dirty="0" smtClean="0"/>
+              <a:t>Terminology / Settings</a:t>
+            </a:r>
+            <a:endParaRPr lang="en-US" dirty="0"/>
+          </a:p>
+        </p:txBody>
+      </p:sp>
+      <p:sp>
+        <p:nvSpPr>
+          <p:cNvPr id="3" name="Content Placeholder 2"/>
+          <p:cNvSpPr>
+            <a:spLocks noGrp="1"/>
+          </p:cNvSpPr>
+          <p:nvPr>
+            <p:ph idx="1"/>
+          </p:nvPr>
+        </p:nvSpPr>
+        <p:spPr>
+          <a:xfrm>
+            <a:off x="1295400" y="914400"/>
+            <a:ext cx="7086600" cy="4267200"/>
+          </a:xfrm>
+        </p:spPr>
+        <p:txBody>
+          <a:bodyPr>
+            <a:normAutofit/>
+          </a:bodyPr>
+          <a:lstStyle/>
+          <a:p>
+            <a:r>
+              <a:rPr lang="en-US" dirty="0" smtClean="0"/>
+              <a:t>Skirt </a:t>
+            </a:r>
+            <a:r>
+              <a:rPr lang="en-US" dirty="0" smtClean="0"/>
+              <a:t>(brim)</a:t>
+            </a:r>
+          </a:p>
+          <a:p>
+            <a:r>
+              <a:rPr lang="en-US" dirty="0" smtClean="0"/>
+              <a:t>Raft</a:t>
+            </a:r>
+          </a:p>
+          <a:p>
+            <a:pPr marL="0" indent="0">
+              <a:buNone/>
+            </a:pPr>
+            <a:r>
+              <a:rPr lang="en-US" dirty="0" smtClean="0"/>
+              <a:t>These are both used to help the model stick to the build platform and reduce warping</a:t>
+            </a:r>
+            <a:endParaRPr lang="en-US" dirty="0" smtClean="0"/>
+          </a:p>
+          <a:p>
+            <a:endParaRPr lang="en-US" dirty="0" smtClean="0"/>
+          </a:p>
+        </p:txBody>
+      </p:sp>
+    </p:spTree>
+    <p:extLst>
+      <p:ext uri="{BB962C8B-B14F-4D97-AF65-F5344CB8AC3E}">
+        <p14:creationId xmlns:p14="http://schemas.microsoft.com/office/powerpoint/2010/main" val="3663513500"/>
+      </p:ext>
+    </p:extLst>
+  </p:cSld>
+  <p:clrMapOvr>
+    <a:masterClrMapping/>
+  </p:clrMapOvr>
+  <p:timing>
+    <p:tnLst>
+      <p:par>
+        <p:cTn id="1" dur="indefinite" restart="never" nodeType="tmRoot"/>
+      </p:par>
+    </p:tnLst>
+  </p:timing>
+</p:sld>
+</file>
+
+<file path=ppt/slides/slide31.xml><?xml version="1.0" encoding="utf-8"?>
+<p:sld xmlns:a="http://schemas.openxmlformats.org/drawingml/2006/main" xmlns:r="http://schemas.openxmlformats.org/officeDocument/2006/relationships" xmlns:p="http://schemas.openxmlformats.org/presentationml/2006/main">
+  <p:cSld>
+    <p:spTree>
+      <p:nvGrpSpPr>
+        <p:cNvPr id="1" name=""/>
+        <p:cNvGrpSpPr/>
+        <p:nvPr/>
+      </p:nvGrpSpPr>
+      <p:grpSpPr>
+        <a:xfrm>
+          <a:off x="0" y="0"/>
+          <a:ext cx="0" cy="0"/>
+          <a:chOff x="0" y="0"/>
+          <a:chExt cx="0" cy="0"/>
+        </a:xfrm>
+      </p:grpSpPr>
+      <p:sp>
+        <p:nvSpPr>
+          <p:cNvPr id="2" name="Title 1"/>
+          <p:cNvSpPr>
+            <a:spLocks noGrp="1"/>
+          </p:cNvSpPr>
+          <p:nvPr>
+            <p:ph type="title"/>
+          </p:nvPr>
+        </p:nvSpPr>
+        <p:spPr>
+          <a:xfrm>
+            <a:off x="457200" y="0"/>
+            <a:ext cx="8229600" cy="1143000"/>
+          </a:xfrm>
+        </p:spPr>
+        <p:txBody>
+          <a:bodyPr/>
+          <a:lstStyle/>
+          <a:p>
+            <a:r>
+              <a:rPr lang="en-US" dirty="0" smtClean="0"/>
+              <a:t>Skirt / Brim</a:t>
+            </a:r>
+            <a:endParaRPr lang="en-US" dirty="0"/>
+          </a:p>
+        </p:txBody>
+      </p:sp>
+      <p:sp>
+        <p:nvSpPr>
+          <p:cNvPr id="11" name="TextBox 10"/>
+          <p:cNvSpPr txBox="1"/>
+          <p:nvPr/>
+        </p:nvSpPr>
+        <p:spPr>
+          <a:xfrm>
+            <a:off x="1897743" y="5094162"/>
+            <a:ext cx="1028700" cy="523220"/>
+          </a:xfrm>
+          <a:prstGeom prst="rect">
+            <a:avLst/>
+          </a:prstGeom>
+          <a:noFill/>
+        </p:spPr>
+        <p:txBody>
+          <a:bodyPr wrap="square" rtlCol="0">
+            <a:spAutoFit/>
+          </a:bodyPr>
+          <a:lstStyle/>
+          <a:p>
+            <a:r>
+              <a:rPr lang="en-US" sz="2800" dirty="0" smtClean="0"/>
+              <a:t>Top</a:t>
+            </a:r>
+            <a:endParaRPr lang="en-US" sz="2800" dirty="0"/>
+          </a:p>
+        </p:txBody>
+      </p:sp>
+      <p:sp>
+        <p:nvSpPr>
+          <p:cNvPr id="13" name="TextBox 12"/>
+          <p:cNvSpPr txBox="1"/>
+          <p:nvPr/>
+        </p:nvSpPr>
+        <p:spPr>
+          <a:xfrm>
+            <a:off x="5687805" y="5094162"/>
+            <a:ext cx="1447800" cy="523220"/>
+          </a:xfrm>
+          <a:prstGeom prst="rect">
+            <a:avLst/>
+          </a:prstGeom>
+          <a:noFill/>
+        </p:spPr>
+        <p:txBody>
+          <a:bodyPr wrap="square" rtlCol="0">
+            <a:spAutoFit/>
+          </a:bodyPr>
+          <a:lstStyle/>
+          <a:p>
+            <a:r>
+              <a:rPr lang="en-US" sz="2800" dirty="0" smtClean="0"/>
+              <a:t>Bottom</a:t>
+            </a:r>
+            <a:endParaRPr lang="en-US" sz="2800" dirty="0"/>
+          </a:p>
+        </p:txBody>
+      </p:sp>
+      <p:pic>
+        <p:nvPicPr>
+          <p:cNvPr id="3" name="Picture 2"/>
+          <p:cNvPicPr>
+            <a:picLocks noChangeAspect="1"/>
+          </p:cNvPicPr>
+          <p:nvPr/>
+        </p:nvPicPr>
+        <p:blipFill>
+          <a:blip r:embed="rId2">
+            <a:extLst>
+              <a:ext uri="{28A0092B-C50C-407E-A947-70E740481C1C}">
+                <a14:useLocalDpi xmlns:a14="http://schemas.microsoft.com/office/drawing/2010/main" val="0"/>
+              </a:ext>
+            </a:extLst>
+          </a:blip>
+          <a:stretch>
+            <a:fillRect/>
+          </a:stretch>
+        </p:blipFill>
+        <p:spPr>
+          <a:xfrm>
+            <a:off x="21771" y="1219200"/>
+            <a:ext cx="4286250" cy="3604194"/>
+          </a:xfrm>
+          <a:prstGeom prst="rect">
+            <a:avLst/>
+          </a:prstGeom>
+        </p:spPr>
+      </p:pic>
+      <p:pic>
+        <p:nvPicPr>
+          <p:cNvPr id="4" name="Picture 3"/>
+          <p:cNvPicPr>
+            <a:picLocks noChangeAspect="1"/>
+          </p:cNvPicPr>
+          <p:nvPr/>
+        </p:nvPicPr>
+        <p:blipFill>
+          <a:blip r:embed="rId3">
+            <a:extLst>
+              <a:ext uri="{28A0092B-C50C-407E-A947-70E740481C1C}">
+                <a14:useLocalDpi xmlns:a14="http://schemas.microsoft.com/office/drawing/2010/main" val="0"/>
+              </a:ext>
+            </a:extLst>
+          </a:blip>
+          <a:stretch>
+            <a:fillRect/>
+          </a:stretch>
+        </p:blipFill>
+        <p:spPr>
+          <a:xfrm>
+            <a:off x="4495800" y="1219200"/>
+            <a:ext cx="4510352" cy="3719286"/>
+          </a:xfrm>
+          <a:prstGeom prst="rect">
+            <a:avLst/>
+          </a:prstGeom>
+        </p:spPr>
+      </p:pic>
+    </p:spTree>
+    <p:extLst>
+      <p:ext uri="{BB962C8B-B14F-4D97-AF65-F5344CB8AC3E}">
+        <p14:creationId xmlns:p14="http://schemas.microsoft.com/office/powerpoint/2010/main" val="81158189"/>
+      </p:ext>
+    </p:extLst>
+  </p:cSld>
+  <p:clrMapOvr>
+    <a:masterClrMapping/>
+  </p:clrMapOvr>
+  <p:timing>
+    <p:tnLst>
+      <p:par>
+        <p:cTn id="1" dur="indefinite" restart="never" nodeType="tmRoot"/>
+      </p:par>
+    </p:tnLst>
+  </p:timing>
+</p:sld>
+</file>
+
+<file path=ppt/slides/slide32.xml><?xml version="1.0" encoding="utf-8"?>
+<p:sld xmlns:a="http://schemas.openxmlformats.org/drawingml/2006/main" xmlns:r="http://schemas.openxmlformats.org/officeDocument/2006/relationships" xmlns:p="http://schemas.openxmlformats.org/presentationml/2006/main">
+  <p:cSld>
+    <p:spTree>
+      <p:nvGrpSpPr>
+        <p:cNvPr id="1" name=""/>
+        <p:cNvGrpSpPr/>
+        <p:nvPr/>
+      </p:nvGrpSpPr>
+      <p:grpSpPr>
+        <a:xfrm>
+          <a:off x="0" y="0"/>
+          <a:ext cx="0" cy="0"/>
+          <a:chOff x="0" y="0"/>
+          <a:chExt cx="0" cy="0"/>
+        </a:xfrm>
+      </p:grpSpPr>
+      <p:sp>
+        <p:nvSpPr>
+          <p:cNvPr id="2" name="Title 1"/>
+          <p:cNvSpPr>
+            <a:spLocks noGrp="1"/>
+          </p:cNvSpPr>
+          <p:nvPr>
+            <p:ph type="title"/>
+          </p:nvPr>
+        </p:nvSpPr>
+        <p:spPr>
+          <a:xfrm>
+            <a:off x="457200" y="0"/>
+            <a:ext cx="8229600" cy="1143000"/>
+          </a:xfrm>
+        </p:spPr>
+        <p:txBody>
+          <a:bodyPr/>
+          <a:lstStyle/>
+          <a:p>
+            <a:r>
+              <a:rPr lang="en-US" dirty="0" smtClean="0"/>
               <a:t>Raft</a:t>
             </a:r>
             <a:endParaRPr lang="en-US" dirty="0"/>
@@ -5758,7 +6765,139 @@
 </p:sld>
 </file>
 
-<file path=ppt/slides/slide26.xml><?xml version="1.0" encoding="utf-8"?>
+<file path=ppt/slides/slide33.xml><?xml version="1.0" encoding="utf-8"?>
+<p:sld xmlns:a="http://schemas.openxmlformats.org/drawingml/2006/main" xmlns:r="http://schemas.openxmlformats.org/officeDocument/2006/relationships" xmlns:p="http://schemas.openxmlformats.org/presentationml/2006/main">
+  <p:cSld>
+    <p:spTree>
+      <p:nvGrpSpPr>
+        <p:cNvPr id="1" name=""/>
+        <p:cNvGrpSpPr/>
+        <p:nvPr/>
+      </p:nvGrpSpPr>
+      <p:grpSpPr>
+        <a:xfrm>
+          <a:off x="0" y="0"/>
+          <a:ext cx="0" cy="0"/>
+          <a:chOff x="0" y="0"/>
+          <a:chExt cx="0" cy="0"/>
+        </a:xfrm>
+      </p:grpSpPr>
+      <p:sp>
+        <p:nvSpPr>
+          <p:cNvPr id="2" name="Title 1"/>
+          <p:cNvSpPr>
+            <a:spLocks noGrp="1"/>
+          </p:cNvSpPr>
+          <p:nvPr>
+            <p:ph type="title"/>
+          </p:nvPr>
+        </p:nvSpPr>
+        <p:spPr>
+          <a:xfrm>
+            <a:off x="457200" y="0"/>
+            <a:ext cx="8229600" cy="1143000"/>
+          </a:xfrm>
+        </p:spPr>
+        <p:txBody>
+          <a:bodyPr/>
+          <a:lstStyle/>
+          <a:p>
+            <a:r>
+              <a:rPr lang="en-US" dirty="0" smtClean="0"/>
+              <a:t>Stick It</a:t>
+            </a:r>
+            <a:endParaRPr lang="en-US" dirty="0"/>
+          </a:p>
+        </p:txBody>
+      </p:sp>
+      <p:sp>
+        <p:nvSpPr>
+          <p:cNvPr id="3" name="Content Placeholder 2"/>
+          <p:cNvSpPr>
+            <a:spLocks noGrp="1"/>
+          </p:cNvSpPr>
+          <p:nvPr>
+            <p:ph idx="1"/>
+          </p:nvPr>
+        </p:nvSpPr>
+        <p:spPr>
+          <a:xfrm>
+            <a:off x="228600" y="914400"/>
+            <a:ext cx="8839200" cy="4267200"/>
+          </a:xfrm>
+        </p:spPr>
+        <p:txBody>
+          <a:bodyPr>
+            <a:normAutofit/>
+          </a:bodyPr>
+          <a:lstStyle/>
+          <a:p>
+            <a:r>
+              <a:rPr lang="en-US" dirty="0" smtClean="0"/>
+              <a:t>First layer is the most important layer</a:t>
+            </a:r>
+          </a:p>
+          <a:p>
+            <a:r>
+              <a:rPr lang="en-US" dirty="0" smtClean="0"/>
+              <a:t>Getting the first layer to adhere to the print bed</a:t>
+            </a:r>
+          </a:p>
+          <a:p>
+            <a:pPr lvl="1"/>
+            <a:r>
+              <a:rPr lang="en-US" dirty="0" smtClean="0"/>
+              <a:t>Painters tape (blue tape) – PLA only</a:t>
+            </a:r>
+          </a:p>
+          <a:p>
+            <a:pPr lvl="1"/>
+            <a:r>
+              <a:rPr lang="en-US" dirty="0" smtClean="0"/>
+              <a:t>Glass with hairspray</a:t>
+            </a:r>
+          </a:p>
+          <a:p>
+            <a:pPr lvl="1"/>
+            <a:r>
+              <a:rPr lang="en-US" dirty="0" err="1" smtClean="0"/>
+              <a:t>Kapton</a:t>
+            </a:r>
+            <a:r>
+              <a:rPr lang="en-US" dirty="0" smtClean="0"/>
+              <a:t> tape</a:t>
+            </a:r>
+          </a:p>
+          <a:p>
+            <a:pPr lvl="1"/>
+            <a:r>
+              <a:rPr lang="en-US" dirty="0" smtClean="0"/>
+              <a:t>ABS juice (ABS and acetone)</a:t>
+            </a:r>
+          </a:p>
+        </p:txBody>
+      </p:sp>
+    </p:spTree>
+    <p:extLst>
+      <p:ext uri="{BB962C8B-B14F-4D97-AF65-F5344CB8AC3E}">
+        <p14:creationId xmlns:p14="http://schemas.microsoft.com/office/powerpoint/2010/main" val="2998333791"/>
+      </p:ext>
+    </p:extLst>
+  </p:cSld>
+  <p:clrMapOvr>
+    <a:masterClrMapping/>
+  </p:clrMapOvr>
+  <p:timing>
+    <p:tnLst>
+      <p:par>
+        <p:cTn id="1" dur="indefinite" restart="never" nodeType="tmRoot"/>
+      </p:par>
+    </p:tnLst>
+  </p:timing>
+</p:sld>
+</file>
+
+<file path=ppt/slides/slide34.xml><?xml version="1.0" encoding="utf-8"?>
 <p:sld xmlns:a="http://schemas.openxmlformats.org/drawingml/2006/main" xmlns:r="http://schemas.openxmlformats.org/officeDocument/2006/relationships" xmlns:p="http://schemas.openxmlformats.org/presentationml/2006/main">
   <p:cSld>
     <p:spTree>
@@ -6907,7 +8046,7 @@
 </p:sld>
 </file>
 
-<file path=ppt/slides/slide27.xml><?xml version="1.0" encoding="utf-8"?>
+<file path=ppt/slides/slide35.xml><?xml version="1.0" encoding="utf-8"?>
 <p:sld xmlns:a="http://schemas.openxmlformats.org/drawingml/2006/main" xmlns:r="http://schemas.openxmlformats.org/officeDocument/2006/relationships" xmlns:p="http://schemas.openxmlformats.org/presentationml/2006/main">
   <p:cSld>
     <p:spTree>
@@ -6946,67 +8085,225 @@
           <a:p>
             <a:r>
               <a:rPr lang="en-US" dirty="0" smtClean="0"/>
-              <a:t>Bed Leveling is Important</a:t>
+              <a:t>Common Tools</a:t>
             </a:r>
             <a:endParaRPr lang="en-US" dirty="0"/>
           </a:p>
         </p:txBody>
       </p:sp>
-      <p:sp>
-        <p:nvSpPr>
-          <p:cNvPr id="3" name="Content Placeholder 2"/>
-          <p:cNvSpPr>
-            <a:spLocks noGrp="1"/>
-          </p:cNvSpPr>
+      <p:pic>
+        <p:nvPicPr>
+          <p:cNvPr id="4" name="Content Placeholder 3"/>
+          <p:cNvPicPr>
+            <a:picLocks noGrp="1" noChangeAspect="1"/>
+          </p:cNvPicPr>
           <p:nvPr>
             <p:ph idx="1"/>
           </p:nvPr>
-        </p:nvSpPr>
-        <p:spPr>
-          <a:xfrm>
-            <a:off x="228600" y="914400"/>
-            <a:ext cx="8839200" cy="4267200"/>
-          </a:xfrm>
-        </p:spPr>
-        <p:txBody>
-          <a:bodyPr>
-            <a:normAutofit/>
-          </a:bodyPr>
-          <a:lstStyle/>
-          <a:p>
-            <a:r>
-              <a:rPr lang="en-US" dirty="0" smtClean="0"/>
-              <a:t>Layer height (0.1, 0.2, 0.3mm)</a:t>
-            </a:r>
-          </a:p>
-          <a:p>
-            <a:pPr lvl="1"/>
-            <a:r>
-              <a:rPr lang="en-US" dirty="0" smtClean="0"/>
-              <a:t>1/64” </a:t>
-            </a:r>
-            <a:r>
-              <a:rPr lang="en-US" dirty="0"/>
-              <a:t>=  </a:t>
-            </a:r>
-            <a:r>
-              <a:rPr lang="en-US" dirty="0" smtClean="0"/>
-              <a:t>0.3969mm </a:t>
-            </a:r>
-          </a:p>
-          <a:p>
-            <a:pPr lvl="1"/>
-            <a:r>
-              <a:rPr lang="en-US" dirty="0" smtClean="0"/>
-              <a:t>Sheet of paper is ~ 0.05mm thick</a:t>
-            </a:r>
-          </a:p>
-        </p:txBody>
-      </p:sp>
+        </p:nvPicPr>
+        <p:blipFill>
+          <a:blip r:embed="rId2">
+            <a:extLst>
+              <a:ext uri="{28A0092B-C50C-407E-A947-70E740481C1C}">
+                <a14:useLocalDpi xmlns:a14="http://schemas.microsoft.com/office/drawing/2010/main" val="0"/>
+              </a:ext>
+            </a:extLst>
+          </a:blip>
+          <a:stretch>
+            <a:fillRect/>
+          </a:stretch>
+        </p:blipFill>
+        <p:spPr>
+          <a:xfrm>
+            <a:off x="551543" y="1431893"/>
+            <a:ext cx="2451163" cy="2451163"/>
+          </a:xfrm>
+        </p:spPr>
+      </p:pic>
+      <p:pic>
+        <p:nvPicPr>
+          <p:cNvPr id="5" name="Picture 4"/>
+          <p:cNvPicPr>
+            <a:picLocks noChangeAspect="1"/>
+          </p:cNvPicPr>
+          <p:nvPr/>
+        </p:nvPicPr>
+        <p:blipFill>
+          <a:blip r:embed="rId3">
+            <a:extLst>
+              <a:ext uri="{28A0092B-C50C-407E-A947-70E740481C1C}">
+                <a14:useLocalDpi xmlns:a14="http://schemas.microsoft.com/office/drawing/2010/main" val="0"/>
+              </a:ext>
+            </a:extLst>
+          </a:blip>
+          <a:stretch>
+            <a:fillRect/>
+          </a:stretch>
+        </p:blipFill>
+        <p:spPr>
+          <a:xfrm>
+            <a:off x="5695529" y="2057437"/>
+            <a:ext cx="1448753" cy="1448753"/>
+          </a:xfrm>
+          <a:prstGeom prst="rect">
+            <a:avLst/>
+          </a:prstGeom>
+        </p:spPr>
+      </p:pic>
+      <p:pic>
+        <p:nvPicPr>
+          <p:cNvPr id="6" name="Picture 5"/>
+          <p:cNvPicPr>
+            <a:picLocks noChangeAspect="1"/>
+          </p:cNvPicPr>
+          <p:nvPr/>
+        </p:nvPicPr>
+        <p:blipFill>
+          <a:blip r:embed="rId4">
+            <a:extLst>
+              <a:ext uri="{28A0092B-C50C-407E-A947-70E740481C1C}">
+                <a14:useLocalDpi xmlns:a14="http://schemas.microsoft.com/office/drawing/2010/main" val="0"/>
+              </a:ext>
+            </a:extLst>
+          </a:blip>
+          <a:stretch>
+            <a:fillRect/>
+          </a:stretch>
+        </p:blipFill>
+        <p:spPr>
+          <a:xfrm>
+            <a:off x="6021552" y="2383650"/>
+            <a:ext cx="772668" cy="1210513"/>
+          </a:xfrm>
+          <a:prstGeom prst="rect">
+            <a:avLst/>
+          </a:prstGeom>
+        </p:spPr>
+      </p:pic>
+      <p:pic>
+        <p:nvPicPr>
+          <p:cNvPr id="7" name="Picture 6"/>
+          <p:cNvPicPr>
+            <a:picLocks noChangeAspect="1"/>
+          </p:cNvPicPr>
+          <p:nvPr/>
+        </p:nvPicPr>
+        <p:blipFill>
+          <a:blip r:embed="rId5">
+            <a:extLst>
+              <a:ext uri="{28A0092B-C50C-407E-A947-70E740481C1C}">
+                <a14:useLocalDpi xmlns:a14="http://schemas.microsoft.com/office/drawing/2010/main" val="0"/>
+              </a:ext>
+            </a:extLst>
+          </a:blip>
+          <a:stretch>
+            <a:fillRect/>
+          </a:stretch>
+        </p:blipFill>
+        <p:spPr>
+          <a:xfrm>
+            <a:off x="5534520" y="1047750"/>
+            <a:ext cx="3219450" cy="3219450"/>
+          </a:xfrm>
+          <a:prstGeom prst="rect">
+            <a:avLst/>
+          </a:prstGeom>
+        </p:spPr>
+      </p:pic>
+      <p:pic>
+        <p:nvPicPr>
+          <p:cNvPr id="8" name="Picture 7"/>
+          <p:cNvPicPr>
+            <a:picLocks noChangeAspect="1"/>
+          </p:cNvPicPr>
+          <p:nvPr/>
+        </p:nvPicPr>
+        <p:blipFill>
+          <a:blip r:embed="rId3">
+            <a:extLst>
+              <a:ext uri="{28A0092B-C50C-407E-A947-70E740481C1C}">
+                <a14:useLocalDpi xmlns:a14="http://schemas.microsoft.com/office/drawing/2010/main" val="0"/>
+              </a:ext>
+            </a:extLst>
+          </a:blip>
+          <a:stretch>
+            <a:fillRect/>
+          </a:stretch>
+        </p:blipFill>
+        <p:spPr>
+          <a:xfrm rot="11243728">
+            <a:off x="559499" y="3939014"/>
+            <a:ext cx="2143125" cy="2143125"/>
+          </a:xfrm>
+          <a:prstGeom prst="rect">
+            <a:avLst/>
+          </a:prstGeom>
+        </p:spPr>
+      </p:pic>
+      <p:pic>
+        <p:nvPicPr>
+          <p:cNvPr id="9" name="Picture 8"/>
+          <p:cNvPicPr>
+            <a:picLocks noChangeAspect="1"/>
+          </p:cNvPicPr>
+          <p:nvPr/>
+        </p:nvPicPr>
+        <p:blipFill>
+          <a:blip r:embed="rId4">
+            <a:extLst>
+              <a:ext uri="{28A0092B-C50C-407E-A947-70E740481C1C}">
+                <a14:useLocalDpi xmlns:a14="http://schemas.microsoft.com/office/drawing/2010/main" val="0"/>
+              </a:ext>
+            </a:extLst>
+          </a:blip>
+          <a:stretch>
+            <a:fillRect/>
+          </a:stretch>
+        </p:blipFill>
+        <p:spPr>
+          <a:xfrm>
+            <a:off x="3414486" y="1035957"/>
+            <a:ext cx="1905000" cy="2984500"/>
+          </a:xfrm>
+          <a:prstGeom prst="rect">
+            <a:avLst/>
+          </a:prstGeom>
+        </p:spPr>
+      </p:pic>
+      <p:pic>
+        <p:nvPicPr>
+          <p:cNvPr id="10" name="Picture 9"/>
+          <p:cNvPicPr>
+            <a:picLocks noChangeAspect="1"/>
+          </p:cNvPicPr>
+          <p:nvPr/>
+        </p:nvPicPr>
+        <p:blipFill>
+          <a:blip r:embed="rId6" cstate="print">
+            <a:extLst>
+              <a:ext uri="{28A0092B-C50C-407E-A947-70E740481C1C}">
+                <a14:useLocalDpi xmlns:a14="http://schemas.microsoft.com/office/drawing/2010/main" val="0"/>
+              </a:ext>
+            </a:extLst>
+          </a:blip>
+          <a:stretch>
+            <a:fillRect/>
+          </a:stretch>
+        </p:blipFill>
+        <p:spPr>
+          <a:xfrm>
+            <a:off x="2831639" y="4020457"/>
+            <a:ext cx="4114800" cy="2351314"/>
+          </a:xfrm>
+          <a:prstGeom prst="rect">
+            <a:avLst/>
+          </a:prstGeom>
+        </p:spPr>
+      </p:pic>
     </p:spTree>
     <p:extLst>
       <p:ext uri="{BB962C8B-B14F-4D97-AF65-F5344CB8AC3E}">
-        <p14:creationId xmlns:p14="http://schemas.microsoft.com/office/powerpoint/2010/main" val="755014158"/>
+        <p14:creationId xmlns:p14="http://schemas.microsoft.com/office/powerpoint/2010/main" val="1361724888"/>
       </p:ext>
     </p:extLst>
   </p:cSld>
@@ -7023,139 +8320,7 @@
 </p:sld>
 </file>
 
-<file path=ppt/slides/slide28.xml><?xml version="1.0" encoding="utf-8"?>
-<p:sld xmlns:a="http://schemas.openxmlformats.org/drawingml/2006/main" xmlns:r="http://schemas.openxmlformats.org/officeDocument/2006/relationships" xmlns:p="http://schemas.openxmlformats.org/presentationml/2006/main">
-  <p:cSld>
-    <p:spTree>
-      <p:nvGrpSpPr>
-        <p:cNvPr id="1" name=""/>
-        <p:cNvGrpSpPr/>
-        <p:nvPr/>
-      </p:nvGrpSpPr>
-      <p:grpSpPr>
-        <a:xfrm>
-          <a:off x="0" y="0"/>
-          <a:ext cx="0" cy="0"/>
-          <a:chOff x="0" y="0"/>
-          <a:chExt cx="0" cy="0"/>
-        </a:xfrm>
-      </p:grpSpPr>
-      <p:sp>
-        <p:nvSpPr>
-          <p:cNvPr id="2" name="Title 1"/>
-          <p:cNvSpPr>
-            <a:spLocks noGrp="1"/>
-          </p:cNvSpPr>
-          <p:nvPr>
-            <p:ph type="title"/>
-          </p:nvPr>
-        </p:nvSpPr>
-        <p:spPr>
-          <a:xfrm>
-            <a:off x="457200" y="0"/>
-            <a:ext cx="8229600" cy="1143000"/>
-          </a:xfrm>
-        </p:spPr>
-        <p:txBody>
-          <a:bodyPr/>
-          <a:lstStyle/>
-          <a:p>
-            <a:r>
-              <a:rPr lang="en-US" dirty="0" smtClean="0"/>
-              <a:t>Stick It</a:t>
-            </a:r>
-            <a:endParaRPr lang="en-US" dirty="0"/>
-          </a:p>
-        </p:txBody>
-      </p:sp>
-      <p:sp>
-        <p:nvSpPr>
-          <p:cNvPr id="3" name="Content Placeholder 2"/>
-          <p:cNvSpPr>
-            <a:spLocks noGrp="1"/>
-          </p:cNvSpPr>
-          <p:nvPr>
-            <p:ph idx="1"/>
-          </p:nvPr>
-        </p:nvSpPr>
-        <p:spPr>
-          <a:xfrm>
-            <a:off x="228600" y="914400"/>
-            <a:ext cx="8839200" cy="4267200"/>
-          </a:xfrm>
-        </p:spPr>
-        <p:txBody>
-          <a:bodyPr>
-            <a:normAutofit/>
-          </a:bodyPr>
-          <a:lstStyle/>
-          <a:p>
-            <a:r>
-              <a:rPr lang="en-US" dirty="0" smtClean="0"/>
-              <a:t>First layer is the most important layer</a:t>
-            </a:r>
-          </a:p>
-          <a:p>
-            <a:r>
-              <a:rPr lang="en-US" dirty="0" smtClean="0"/>
-              <a:t>Getting the first layer to adhere to the print bed</a:t>
-            </a:r>
-          </a:p>
-          <a:p>
-            <a:pPr lvl="1"/>
-            <a:r>
-              <a:rPr lang="en-US" dirty="0" smtClean="0"/>
-              <a:t>Painters tape (blue tape) – PLA only</a:t>
-            </a:r>
-          </a:p>
-          <a:p>
-            <a:pPr lvl="1"/>
-            <a:r>
-              <a:rPr lang="en-US" dirty="0" smtClean="0"/>
-              <a:t>Glass with hairspray</a:t>
-            </a:r>
-          </a:p>
-          <a:p>
-            <a:pPr lvl="1"/>
-            <a:r>
-              <a:rPr lang="en-US" dirty="0" err="1" smtClean="0"/>
-              <a:t>Kapton</a:t>
-            </a:r>
-            <a:r>
-              <a:rPr lang="en-US" dirty="0" smtClean="0"/>
-              <a:t> tape</a:t>
-            </a:r>
-          </a:p>
-          <a:p>
-            <a:pPr lvl="1"/>
-            <a:r>
-              <a:rPr lang="en-US" dirty="0" smtClean="0"/>
-              <a:t>ABS juice (ABS and acetone)</a:t>
-            </a:r>
-          </a:p>
-        </p:txBody>
-      </p:sp>
-    </p:spTree>
-    <p:extLst>
-      <p:ext uri="{BB962C8B-B14F-4D97-AF65-F5344CB8AC3E}">
-        <p14:creationId xmlns:p14="http://schemas.microsoft.com/office/powerpoint/2010/main" val="2998333791"/>
-      </p:ext>
-    </p:extLst>
-  </p:cSld>
-  <p:clrMapOvr>
-    <a:masterClrMapping/>
-  </p:clrMapOvr>
-  <p:timing>
-    <p:tnLst>
-      <p:par>
-        <p:cTn id="1" dur="indefinite" restart="never" nodeType="tmRoot"/>
-      </p:par>
-    </p:tnLst>
-  </p:timing>
-</p:sld>
-</file>
-
-<file path=ppt/slides/slide29.xml><?xml version="1.0" encoding="utf-8"?>
+<file path=ppt/slides/slide36.xml><?xml version="1.0" encoding="utf-8"?>
 <p:sld xmlns:a="http://schemas.openxmlformats.org/drawingml/2006/main" xmlns:r="http://schemas.openxmlformats.org/officeDocument/2006/relationships" xmlns:p="http://schemas.openxmlformats.org/presentationml/2006/main">
   <p:cSld>
     <p:spTree>
@@ -7290,134 +8455,7 @@
 </p:sld>
 </file>
 
-<file path=ppt/slides/slide3.xml><?xml version="1.0" encoding="utf-8"?>
-<p:sld xmlns:a="http://schemas.openxmlformats.org/drawingml/2006/main" xmlns:r="http://schemas.openxmlformats.org/officeDocument/2006/relationships" xmlns:p="http://schemas.openxmlformats.org/presentationml/2006/main">
-  <p:cSld>
-    <p:spTree>
-      <p:nvGrpSpPr>
-        <p:cNvPr id="1" name=""/>
-        <p:cNvGrpSpPr/>
-        <p:nvPr/>
-      </p:nvGrpSpPr>
-      <p:grpSpPr>
-        <a:xfrm>
-          <a:off x="0" y="0"/>
-          <a:ext cx="0" cy="0"/>
-          <a:chOff x="0" y="0"/>
-          <a:chExt cx="0" cy="0"/>
-        </a:xfrm>
-      </p:grpSpPr>
-      <p:sp>
-        <p:nvSpPr>
-          <p:cNvPr id="2" name="Title 1"/>
-          <p:cNvSpPr>
-            <a:spLocks noGrp="1"/>
-          </p:cNvSpPr>
-          <p:nvPr>
-            <p:ph type="title"/>
-          </p:nvPr>
-        </p:nvSpPr>
-        <p:spPr>
-          <a:xfrm>
-            <a:off x="457200" y="0"/>
-            <a:ext cx="8229600" cy="1143000"/>
-          </a:xfrm>
-        </p:spPr>
-        <p:txBody>
-          <a:bodyPr/>
-          <a:lstStyle/>
-          <a:p>
-            <a:r>
-              <a:rPr lang="en-US" dirty="0" smtClean="0">
-                <a:solidFill>
-                  <a:srgbClr val="7030A0"/>
-                </a:solidFill>
-              </a:rPr>
-              <a:t>Introductions</a:t>
-            </a:r>
-            <a:endParaRPr lang="en-US" dirty="0">
-              <a:solidFill>
-                <a:srgbClr val="7030A0"/>
-              </a:solidFill>
-            </a:endParaRPr>
-          </a:p>
-        </p:txBody>
-      </p:sp>
-      <p:sp>
-        <p:nvSpPr>
-          <p:cNvPr id="3" name="Content Placeholder 2"/>
-          <p:cNvSpPr>
-            <a:spLocks noGrp="1"/>
-          </p:cNvSpPr>
-          <p:nvPr>
-            <p:ph idx="1"/>
-          </p:nvPr>
-        </p:nvSpPr>
-        <p:spPr>
-          <a:xfrm>
-            <a:off x="457200" y="1066800"/>
-            <a:ext cx="8229600" cy="4525963"/>
-          </a:xfrm>
-        </p:spPr>
-        <p:txBody>
-          <a:bodyPr/>
-          <a:lstStyle/>
-          <a:p>
-            <a:r>
-              <a:rPr lang="en-US" dirty="0" smtClean="0">
-                <a:solidFill>
-                  <a:srgbClr val="7030A0"/>
-                </a:solidFill>
-              </a:rPr>
-              <a:t>Name</a:t>
-            </a:r>
-          </a:p>
-          <a:p>
-            <a:r>
-              <a:rPr lang="en-US" dirty="0" smtClean="0">
-                <a:solidFill>
-                  <a:srgbClr val="7030A0"/>
-                </a:solidFill>
-              </a:rPr>
-              <a:t>Favorite ice cream </a:t>
-            </a:r>
-            <a:r>
-              <a:rPr lang="en-US" smtClean="0">
-                <a:solidFill>
-                  <a:srgbClr val="7030A0"/>
-                </a:solidFill>
-              </a:rPr>
-              <a:t>or desert</a:t>
-            </a:r>
-            <a:endParaRPr lang="en-US" dirty="0">
-              <a:solidFill>
-                <a:srgbClr val="7030A0"/>
-              </a:solidFill>
-            </a:endParaRPr>
-          </a:p>
-        </p:txBody>
-      </p:sp>
-    </p:spTree>
-    <p:extLst>
-      <p:ext uri="{BB962C8B-B14F-4D97-AF65-F5344CB8AC3E}">
-        <p14:creationId xmlns:p14="http://schemas.microsoft.com/office/powerpoint/2010/main" val="2301760329"/>
-      </p:ext>
-    </p:extLst>
-  </p:cSld>
-  <p:clrMapOvr>
-    <a:masterClrMapping/>
-  </p:clrMapOvr>
-  <p:timing>
-    <p:tnLst>
-      <p:par>
-        <p:cTn id="1" dur="indefinite" restart="never" nodeType="tmRoot"/>
-      </p:par>
-    </p:tnLst>
-  </p:timing>
-</p:sld>
-</file>
-
-<file path=ppt/slides/slide30.xml><?xml version="1.0" encoding="utf-8"?>
+<file path=ppt/slides/slide37.xml><?xml version="1.0" encoding="utf-8"?>
 <p:sld xmlns:a="http://schemas.openxmlformats.org/drawingml/2006/main" xmlns:r="http://schemas.openxmlformats.org/officeDocument/2006/relationships" xmlns:p="http://schemas.openxmlformats.org/presentationml/2006/main">
   <p:cSld>
     <p:spTree>
@@ -7520,16 +8558,24 @@
           <a:lstStyle/>
           <a:p>
             <a:r>
-              <a:rPr lang="en-US" dirty="0" smtClean="0"/>
-              <a:t>What is 3D Printing</a:t>
-            </a:r>
-            <a:endParaRPr lang="en-US" dirty="0"/>
-          </a:p>
-        </p:txBody>
-      </p:sp>
-      <p:sp>
-        <p:nvSpPr>
-          <p:cNvPr id="12" name="Content Placeholder 11"/>
+              <a:rPr lang="en-US" dirty="0" smtClean="0">
+                <a:solidFill>
+                  <a:srgbClr val="7030A0"/>
+                </a:solidFill>
+              </a:rPr>
+              <a:t>Introductions</a:t>
+            </a:r>
+            <a:endParaRPr lang="en-US" dirty="0">
+              <a:solidFill>
+                <a:srgbClr val="7030A0"/>
+              </a:solidFill>
+            </a:endParaRPr>
+          </a:p>
+        </p:txBody>
+      </p:sp>
+      <p:sp>
+        <p:nvSpPr>
+          <p:cNvPr id="3" name="Content Placeholder 2"/>
           <p:cNvSpPr>
             <a:spLocks noGrp="1"/>
           </p:cNvSpPr>
@@ -7539,54 +8585,52 @@
         </p:nvSpPr>
         <p:spPr>
           <a:xfrm>
-            <a:off x="228600" y="1066800"/>
-            <a:ext cx="8686800" cy="3810000"/>
-          </a:xfrm>
-        </p:spPr>
-        <p:txBody>
-          <a:bodyPr>
-            <a:normAutofit/>
-          </a:bodyPr>
-          <a:lstStyle/>
-          <a:p>
-            <a:r>
-              <a:rPr lang="en-US" dirty="0" smtClean="0"/>
-              <a:t>Additive Manufacturing (Legos)</a:t>
-            </a:r>
-          </a:p>
-          <a:p>
-            <a:pPr lvl="1"/>
-            <a:r>
-              <a:rPr lang="en-US" dirty="0" smtClean="0"/>
-              <a:t>Subtractive (carving, milling)</a:t>
-            </a:r>
-          </a:p>
-          <a:p>
-            <a:r>
-              <a:rPr lang="en-US" dirty="0" smtClean="0"/>
-              <a:t>Material is pushed through a nozzle (extruded)</a:t>
-            </a:r>
-          </a:p>
-          <a:p>
-            <a:pPr lvl="1"/>
-            <a:r>
-              <a:rPr lang="en-US" dirty="0" smtClean="0"/>
-              <a:t>Filament is heated to allow this to happen</a:t>
-            </a:r>
-          </a:p>
-          <a:p>
-            <a:pPr lvl="1"/>
-            <a:r>
-              <a:rPr lang="en-US" dirty="0" smtClean="0"/>
-              <a:t>Icing or pastry bag</a:t>
-            </a:r>
+            <a:off x="457200" y="1066800"/>
+            <a:ext cx="8229600" cy="4525963"/>
+          </a:xfrm>
+        </p:spPr>
+        <p:txBody>
+          <a:bodyPr/>
+          <a:lstStyle/>
+          <a:p>
+            <a:r>
+              <a:rPr lang="en-US" dirty="0" smtClean="0">
+                <a:solidFill>
+                  <a:srgbClr val="7030A0"/>
+                </a:solidFill>
+              </a:rPr>
+              <a:t>Name</a:t>
+            </a:r>
+          </a:p>
+          <a:p>
+            <a:r>
+              <a:rPr lang="en-US" dirty="0" smtClean="0">
+                <a:solidFill>
+                  <a:srgbClr val="7030A0"/>
+                </a:solidFill>
+              </a:rPr>
+              <a:t>Favorite ice cream </a:t>
+            </a:r>
+            <a:r>
+              <a:rPr lang="en-US" smtClean="0">
+                <a:solidFill>
+                  <a:srgbClr val="7030A0"/>
+                </a:solidFill>
+              </a:rPr>
+              <a:t>or desert</a:t>
+            </a:r>
+            <a:endParaRPr lang="en-US" dirty="0">
+              <a:solidFill>
+                <a:srgbClr val="7030A0"/>
+              </a:solidFill>
+            </a:endParaRPr>
           </a:p>
         </p:txBody>
       </p:sp>
     </p:spTree>
     <p:extLst>
       <p:ext uri="{BB962C8B-B14F-4D97-AF65-F5344CB8AC3E}">
-        <p14:creationId xmlns:p14="http://schemas.microsoft.com/office/powerpoint/2010/main" val="1275583038"/>
+        <p14:creationId xmlns:p14="http://schemas.microsoft.com/office/powerpoint/2010/main" val="2301760329"/>
       </p:ext>
     </p:extLst>
   </p:cSld>
@@ -7642,7 +8686,7 @@
           <a:p>
             <a:r>
               <a:rPr lang="en-US" dirty="0" smtClean="0"/>
-              <a:t>Uses for 3D Printers</a:t>
+              <a:t>What is 3D Printing</a:t>
             </a:r>
             <a:endParaRPr lang="en-US" dirty="0"/>
           </a:p>
@@ -7660,50 +8704,54 @@
         </p:nvSpPr>
         <p:spPr>
           <a:xfrm>
-            <a:off x="457200" y="1066800"/>
-            <a:ext cx="8229600" cy="3810000"/>
-          </a:xfrm>
-        </p:spPr>
-        <p:txBody>
-          <a:bodyPr/>
-          <a:lstStyle/>
-          <a:p>
-            <a:r>
-              <a:rPr lang="en-US" dirty="0" smtClean="0"/>
-              <a:t>Prototyping</a:t>
-            </a:r>
-          </a:p>
-          <a:p>
-            <a:r>
-              <a:rPr lang="en-US" dirty="0" smtClean="0"/>
-              <a:t>Small lot manufacturing (cookie cutters)</a:t>
-            </a:r>
-          </a:p>
-          <a:p>
-            <a:r>
-              <a:rPr lang="en-US" dirty="0" smtClean="0"/>
-              <a:t>Specialized or hard to find items (car parts)</a:t>
-            </a:r>
-          </a:p>
-          <a:p>
-            <a:r>
-              <a:rPr lang="en-US" dirty="0" smtClean="0"/>
-              <a:t>Education (music, animals)</a:t>
-            </a:r>
-          </a:p>
-          <a:p>
-            <a:r>
-              <a:rPr lang="en-US" dirty="0" smtClean="0"/>
-              <a:t>To be determined!</a:t>
-            </a:r>
-            <a:endParaRPr lang="en-US" dirty="0"/>
+            <a:off x="228600" y="1066800"/>
+            <a:ext cx="8686800" cy="3810000"/>
+          </a:xfrm>
+        </p:spPr>
+        <p:txBody>
+          <a:bodyPr>
+            <a:normAutofit/>
+          </a:bodyPr>
+          <a:lstStyle/>
+          <a:p>
+            <a:r>
+              <a:rPr lang="en-US" dirty="0" smtClean="0"/>
+              <a:t>Additive Manufacturing (Legos)</a:t>
+            </a:r>
+          </a:p>
+          <a:p>
+            <a:pPr lvl="1"/>
+            <a:r>
+              <a:rPr lang="en-US" dirty="0" smtClean="0"/>
+              <a:t>Subtractive (carving, milling)</a:t>
+            </a:r>
+          </a:p>
+          <a:p>
+            <a:r>
+              <a:rPr lang="en-US" dirty="0" smtClean="0"/>
+              <a:t>Material is pushed through a nozzle (extruded)</a:t>
+            </a:r>
+          </a:p>
+          <a:p>
+            <a:pPr lvl="1"/>
+            <a:r>
+              <a:rPr lang="en-US" dirty="0" smtClean="0"/>
+              <a:t>Filament is heated to allow this to happen</a:t>
+            </a:r>
+          </a:p>
+          <a:p>
+            <a:pPr lvl="1"/>
+            <a:r>
+              <a:rPr lang="en-US" dirty="0" smtClean="0"/>
+              <a:t>Icing or pastry bag</a:t>
+            </a:r>
           </a:p>
         </p:txBody>
       </p:sp>
     </p:spTree>
     <p:extLst>
       <p:ext uri="{BB962C8B-B14F-4D97-AF65-F5344CB8AC3E}">
-        <p14:creationId xmlns:p14="http://schemas.microsoft.com/office/powerpoint/2010/main" val="3814718168"/>
+        <p14:creationId xmlns:p14="http://schemas.microsoft.com/office/powerpoint/2010/main" val="1275583038"/>
       </p:ext>
     </p:extLst>
   </p:cSld>
@@ -7759,7 +8807,7 @@
           <a:p>
             <a:r>
               <a:rPr lang="en-US" dirty="0" smtClean="0"/>
-              <a:t>My Favorite Thing</a:t>
+              <a:t>Uses for 3D Printers</a:t>
             </a:r>
             <a:endParaRPr lang="en-US" dirty="0"/>
           </a:p>
@@ -7777,8 +8825,8 @@
         </p:nvSpPr>
         <p:spPr>
           <a:xfrm>
-            <a:off x="457200" y="1600201"/>
-            <a:ext cx="8229600" cy="1600200"/>
+            <a:off x="457200" y="1066800"/>
+            <a:ext cx="8229600" cy="3810000"/>
           </a:xfrm>
         </p:spPr>
         <p:txBody>
@@ -7787,7 +8835,31 @@
           <a:p>
             <a:r>
               <a:rPr lang="en-US" dirty="0" smtClean="0"/>
-              <a:t>It was a Saturday morning….</a:t>
+              <a:t>Prototyping</a:t>
+            </a:r>
+          </a:p>
+          <a:p>
+            <a:r>
+              <a:rPr lang="en-US" dirty="0" smtClean="0"/>
+              <a:t>Small lot manufacturing (cookie cutters)</a:t>
+            </a:r>
+          </a:p>
+          <a:p>
+            <a:r>
+              <a:rPr lang="en-US" dirty="0" smtClean="0"/>
+              <a:t>Specialized or hard to find items (car parts)</a:t>
+            </a:r>
+          </a:p>
+          <a:p>
+            <a:r>
+              <a:rPr lang="en-US" dirty="0" smtClean="0"/>
+              <a:t>Education (music, animals)</a:t>
+            </a:r>
+          </a:p>
+          <a:p>
+            <a:r>
+              <a:rPr lang="en-US" dirty="0" smtClean="0"/>
+              <a:t>To be determined!</a:t>
             </a:r>
             <a:endParaRPr lang="en-US" dirty="0"/>
           </a:p>
@@ -7796,7 +8868,7 @@
     </p:spTree>
     <p:extLst>
       <p:ext uri="{BB962C8B-B14F-4D97-AF65-F5344CB8AC3E}">
-        <p14:creationId xmlns:p14="http://schemas.microsoft.com/office/powerpoint/2010/main" val="4239267716"/>
+        <p14:creationId xmlns:p14="http://schemas.microsoft.com/office/powerpoint/2010/main" val="3814718168"/>
       </p:ext>
     </p:extLst>
   </p:cSld>
@@ -7852,195 +8924,44 @@
           <a:p>
             <a:r>
               <a:rPr lang="en-US" dirty="0" smtClean="0"/>
-              <a:t>3D Pinter Types</a:t>
+              <a:t>My Favorite Thing</a:t>
             </a:r>
             <a:endParaRPr lang="en-US" dirty="0"/>
           </a:p>
         </p:txBody>
       </p:sp>
-      <p:pic>
-        <p:nvPicPr>
-          <p:cNvPr id="6" name="Content Placeholder 5"/>
-          <p:cNvPicPr>
-            <a:picLocks noGrp="1" noChangeAspect="1"/>
-          </p:cNvPicPr>
+      <p:sp>
+        <p:nvSpPr>
+          <p:cNvPr id="12" name="Content Placeholder 11"/>
+          <p:cNvSpPr>
+            <a:spLocks noGrp="1"/>
+          </p:cNvSpPr>
           <p:nvPr>
             <p:ph idx="1"/>
           </p:nvPr>
-        </p:nvPicPr>
-        <p:blipFill>
-          <a:blip r:embed="rId2">
-            <a:extLst>
-              <a:ext uri="{28A0092B-C50C-407E-A947-70E740481C1C}">
-                <a14:useLocalDpi xmlns:a14="http://schemas.microsoft.com/office/drawing/2010/main" val="0"/>
-              </a:ext>
-            </a:extLst>
-          </a:blip>
-          <a:stretch>
-            <a:fillRect/>
-          </a:stretch>
-        </p:blipFill>
-        <p:spPr>
-          <a:xfrm>
-            <a:off x="228600" y="1066800"/>
-            <a:ext cx="2949060" cy="2133600"/>
-          </a:xfrm>
-        </p:spPr>
-      </p:pic>
-      <p:pic>
-        <p:nvPicPr>
-          <p:cNvPr id="7" name="Picture 6"/>
-          <p:cNvPicPr>
-            <a:picLocks noChangeAspect="1"/>
-          </p:cNvPicPr>
-          <p:nvPr/>
-        </p:nvPicPr>
-        <p:blipFill>
-          <a:blip r:embed="rId3">
-            <a:extLst>
-              <a:ext uri="{28A0092B-C50C-407E-A947-70E740481C1C}">
-                <a14:useLocalDpi xmlns:a14="http://schemas.microsoft.com/office/drawing/2010/main" val="0"/>
-              </a:ext>
-            </a:extLst>
-          </a:blip>
-          <a:stretch>
-            <a:fillRect/>
-          </a:stretch>
-        </p:blipFill>
-        <p:spPr>
-          <a:xfrm>
-            <a:off x="3276600" y="1066800"/>
-            <a:ext cx="2316753" cy="2286000"/>
-          </a:xfrm>
-          <a:prstGeom prst="rect">
-            <a:avLst/>
-          </a:prstGeom>
-        </p:spPr>
-      </p:pic>
-      <p:pic>
-        <p:nvPicPr>
-          <p:cNvPr id="8" name="Picture 7"/>
-          <p:cNvPicPr>
-            <a:picLocks noChangeAspect="1"/>
-          </p:cNvPicPr>
-          <p:nvPr/>
-        </p:nvPicPr>
-        <p:blipFill>
-          <a:blip r:embed="rId4">
-            <a:extLst>
-              <a:ext uri="{28A0092B-C50C-407E-A947-70E740481C1C}">
-                <a14:useLocalDpi xmlns:a14="http://schemas.microsoft.com/office/drawing/2010/main" val="0"/>
-              </a:ext>
-            </a:extLst>
-          </a:blip>
-          <a:stretch>
-            <a:fillRect/>
-          </a:stretch>
-        </p:blipFill>
-        <p:spPr>
-          <a:xfrm>
-            <a:off x="5664200" y="1066800"/>
-            <a:ext cx="2794000" cy="1676400"/>
-          </a:xfrm>
-          <a:prstGeom prst="rect">
-            <a:avLst/>
-          </a:prstGeom>
-        </p:spPr>
-      </p:pic>
-      <p:sp>
-        <p:nvSpPr>
-          <p:cNvPr id="9" name="TextBox 8"/>
-          <p:cNvSpPr txBox="1"/>
-          <p:nvPr/>
-        </p:nvSpPr>
-        <p:spPr>
-          <a:xfrm>
-            <a:off x="457199" y="3657600"/>
-            <a:ext cx="1941429" cy="646331"/>
-          </a:xfrm>
-          <a:prstGeom prst="rect">
-            <a:avLst/>
-          </a:prstGeom>
-          <a:noFill/>
-        </p:spPr>
-        <p:txBody>
-          <a:bodyPr wrap="none" rtlCol="0">
-            <a:spAutoFit/>
-          </a:bodyPr>
-          <a:lstStyle/>
-          <a:p>
-            <a:r>
-              <a:rPr lang="en-US" sz="3600" dirty="0" smtClean="0"/>
-              <a:t>Cartesian</a:t>
-            </a:r>
-            <a:endParaRPr lang="en-US" sz="3600" dirty="0"/>
-          </a:p>
-        </p:txBody>
-      </p:sp>
-      <p:sp>
-        <p:nvSpPr>
-          <p:cNvPr id="10" name="TextBox 9"/>
-          <p:cNvSpPr txBox="1"/>
-          <p:nvPr/>
-        </p:nvSpPr>
-        <p:spPr>
-          <a:xfrm>
-            <a:off x="3900714" y="3657600"/>
-            <a:ext cx="1172885" cy="646331"/>
-          </a:xfrm>
-          <a:prstGeom prst="rect">
-            <a:avLst/>
-          </a:prstGeom>
-          <a:noFill/>
-        </p:spPr>
-        <p:txBody>
-          <a:bodyPr wrap="none" rtlCol="0">
-            <a:spAutoFit/>
-          </a:bodyPr>
-          <a:lstStyle/>
-          <a:p>
-            <a:r>
-              <a:rPr lang="en-US" sz="3600" dirty="0" smtClean="0"/>
-              <a:t>Delta</a:t>
-            </a:r>
-            <a:endParaRPr lang="en-US" sz="3600" dirty="0"/>
-          </a:p>
-        </p:txBody>
-      </p:sp>
-      <p:sp>
-        <p:nvSpPr>
-          <p:cNvPr id="11" name="TextBox 10"/>
-          <p:cNvSpPr txBox="1"/>
-          <p:nvPr/>
-        </p:nvSpPr>
-        <p:spPr>
-          <a:xfrm>
-            <a:off x="6400800" y="3643732"/>
-            <a:ext cx="901209" cy="646331"/>
-          </a:xfrm>
-          <a:prstGeom prst="rect">
-            <a:avLst/>
-          </a:prstGeom>
-          <a:noFill/>
-        </p:spPr>
-        <p:txBody>
-          <a:bodyPr wrap="none" rtlCol="0">
-            <a:spAutoFit/>
-          </a:bodyPr>
-          <a:lstStyle/>
-          <a:p>
-            <a:r>
-              <a:rPr lang="en-US" sz="3600" dirty="0" smtClean="0"/>
-              <a:t>DLP</a:t>
-            </a:r>
-            <a:endParaRPr lang="en-US" sz="3600" dirty="0"/>
+        </p:nvSpPr>
+        <p:spPr>
+          <a:xfrm>
+            <a:off x="457200" y="1600201"/>
+            <a:ext cx="8229600" cy="1600200"/>
+          </a:xfrm>
+        </p:spPr>
+        <p:txBody>
+          <a:bodyPr/>
+          <a:lstStyle/>
+          <a:p>
+            <a:r>
+              <a:rPr lang="en-US" dirty="0" smtClean="0"/>
+              <a:t>It was a Saturday morning….</a:t>
+            </a:r>
+            <a:endParaRPr lang="en-US" dirty="0"/>
           </a:p>
         </p:txBody>
       </p:sp>
     </p:spTree>
     <p:extLst>
       <p:ext uri="{BB962C8B-B14F-4D97-AF65-F5344CB8AC3E}">
-        <p14:creationId xmlns:p14="http://schemas.microsoft.com/office/powerpoint/2010/main" val="382462538"/>
+        <p14:creationId xmlns:p14="http://schemas.microsoft.com/office/powerpoint/2010/main" val="4239267716"/>
       </p:ext>
     </p:extLst>
   </p:cSld>
@@ -8096,7 +9017,7 @@
           <a:p>
             <a:r>
               <a:rPr lang="en-US" dirty="0" smtClean="0"/>
-              <a:t>Cartesian</a:t>
+              <a:t>3D Pinter Types</a:t>
             </a:r>
             <a:endParaRPr lang="en-US" dirty="0"/>
           </a:p>
@@ -8126,14 +9047,14 @@
         </p:blipFill>
         <p:spPr>
           <a:xfrm>
-            <a:off x="58580" y="990600"/>
-            <a:ext cx="3896972" cy="2819400"/>
+            <a:off x="228600" y="1066800"/>
+            <a:ext cx="2949060" cy="2133600"/>
           </a:xfrm>
         </p:spPr>
       </p:pic>
       <p:pic>
         <p:nvPicPr>
-          <p:cNvPr id="3" name="Picture 2"/>
+          <p:cNvPr id="7" name="Picture 6"/>
           <p:cNvPicPr>
             <a:picLocks noChangeAspect="1"/>
           </p:cNvPicPr>
@@ -8153,18 +9074,138 @@
         </p:blipFill>
         <p:spPr>
           <a:xfrm>
-            <a:off x="4114800" y="990600"/>
-            <a:ext cx="4800600" cy="3360420"/>
+            <a:off x="3276600" y="1066800"/>
+            <a:ext cx="2316753" cy="2286000"/>
           </a:xfrm>
           <a:prstGeom prst="rect">
             <a:avLst/>
           </a:prstGeom>
         </p:spPr>
       </p:pic>
+      <p:pic>
+        <p:nvPicPr>
+          <p:cNvPr id="8" name="Picture 7"/>
+          <p:cNvPicPr>
+            <a:picLocks noChangeAspect="1"/>
+          </p:cNvPicPr>
+          <p:nvPr/>
+        </p:nvPicPr>
+        <p:blipFill>
+          <a:blip r:embed="rId4">
+            <a:extLst>
+              <a:ext uri="{28A0092B-C50C-407E-A947-70E740481C1C}">
+                <a14:useLocalDpi xmlns:a14="http://schemas.microsoft.com/office/drawing/2010/main" val="0"/>
+              </a:ext>
+            </a:extLst>
+          </a:blip>
+          <a:stretch>
+            <a:fillRect/>
+          </a:stretch>
+        </p:blipFill>
+        <p:spPr>
+          <a:xfrm>
+            <a:off x="5664200" y="1066800"/>
+            <a:ext cx="2794000" cy="1676400"/>
+          </a:xfrm>
+          <a:prstGeom prst="rect">
+            <a:avLst/>
+          </a:prstGeom>
+        </p:spPr>
+      </p:pic>
+      <p:sp>
+        <p:nvSpPr>
+          <p:cNvPr id="9" name="TextBox 8"/>
+          <p:cNvSpPr txBox="1"/>
+          <p:nvPr/>
+        </p:nvSpPr>
+        <p:spPr>
+          <a:xfrm>
+            <a:off x="457199" y="3657600"/>
+            <a:ext cx="1941429" cy="646331"/>
+          </a:xfrm>
+          <a:prstGeom prst="rect">
+            <a:avLst/>
+          </a:prstGeom>
+          <a:noFill/>
+        </p:spPr>
+        <p:txBody>
+          <a:bodyPr wrap="none" rtlCol="0">
+            <a:spAutoFit/>
+          </a:bodyPr>
+          <a:lstStyle/>
+          <a:p>
+            <a:r>
+              <a:rPr lang="en-US" sz="3600" dirty="0" smtClean="0"/>
+              <a:t>Cartesian</a:t>
+            </a:r>
+            <a:endParaRPr lang="en-US" sz="3600" dirty="0"/>
+          </a:p>
+        </p:txBody>
+      </p:sp>
+      <p:sp>
+        <p:nvSpPr>
+          <p:cNvPr id="10" name="TextBox 9"/>
+          <p:cNvSpPr txBox="1"/>
+          <p:nvPr/>
+        </p:nvSpPr>
+        <p:spPr>
+          <a:xfrm>
+            <a:off x="3900714" y="3657600"/>
+            <a:ext cx="1172885" cy="646331"/>
+          </a:xfrm>
+          <a:prstGeom prst="rect">
+            <a:avLst/>
+          </a:prstGeom>
+          <a:noFill/>
+        </p:spPr>
+        <p:txBody>
+          <a:bodyPr wrap="none" rtlCol="0">
+            <a:spAutoFit/>
+          </a:bodyPr>
+          <a:lstStyle/>
+          <a:p>
+            <a:r>
+              <a:rPr lang="en-US" sz="3600" dirty="0" smtClean="0"/>
+              <a:t>Delta</a:t>
+            </a:r>
+            <a:endParaRPr lang="en-US" sz="3600" dirty="0"/>
+          </a:p>
+        </p:txBody>
+      </p:sp>
+      <p:sp>
+        <p:nvSpPr>
+          <p:cNvPr id="11" name="TextBox 10"/>
+          <p:cNvSpPr txBox="1"/>
+          <p:nvPr/>
+        </p:nvSpPr>
+        <p:spPr>
+          <a:xfrm>
+            <a:off x="6400800" y="3643732"/>
+            <a:ext cx="901209" cy="646331"/>
+          </a:xfrm>
+          <a:prstGeom prst="rect">
+            <a:avLst/>
+          </a:prstGeom>
+          <a:noFill/>
+        </p:spPr>
+        <p:txBody>
+          <a:bodyPr wrap="none" rtlCol="0">
+            <a:spAutoFit/>
+          </a:bodyPr>
+          <a:lstStyle/>
+          <a:p>
+            <a:r>
+              <a:rPr lang="en-US" sz="3600" dirty="0" smtClean="0"/>
+              <a:t>DLP</a:t>
+            </a:r>
+            <a:endParaRPr lang="en-US" sz="3600" dirty="0"/>
+          </a:p>
+        </p:txBody>
+      </p:sp>
     </p:spTree>
     <p:extLst>
       <p:ext uri="{BB962C8B-B14F-4D97-AF65-F5344CB8AC3E}">
-        <p14:creationId xmlns:p14="http://schemas.microsoft.com/office/powerpoint/2010/main" val="1874514647"/>
+        <p14:creationId xmlns:p14="http://schemas.microsoft.com/office/powerpoint/2010/main" val="382462538"/>
       </p:ext>
     </p:extLst>
   </p:cSld>
@@ -8220,7 +9261,7 @@
           <a:p>
             <a:r>
               <a:rPr lang="en-US" dirty="0" smtClean="0"/>
-              <a:t>Delta</a:t>
+              <a:t>Cartesian</a:t>
             </a:r>
             <a:endParaRPr lang="en-US" dirty="0"/>
           </a:p>
@@ -8228,11 +9269,13 @@
       </p:sp>
       <p:pic>
         <p:nvPicPr>
-          <p:cNvPr id="7" name="Picture 6"/>
+          <p:cNvPr id="6" name="Content Placeholder 5"/>
           <p:cNvPicPr>
-            <a:picLocks noChangeAspect="1"/>
+            <a:picLocks noGrp="1" noChangeAspect="1"/>
           </p:cNvPicPr>
-          <p:nvPr/>
+          <p:nvPr>
+            <p:ph idx="1"/>
+          </p:nvPr>
         </p:nvPicPr>
         <p:blipFill>
           <a:blip r:embed="rId2">
@@ -8248,8 +9291,35 @@
         </p:blipFill>
         <p:spPr>
           <a:xfrm>
-            <a:off x="2057400" y="1047108"/>
-            <a:ext cx="4710731" cy="4648200"/>
+            <a:off x="58580" y="990600"/>
+            <a:ext cx="3896972" cy="2819400"/>
+          </a:xfrm>
+        </p:spPr>
+      </p:pic>
+      <p:pic>
+        <p:nvPicPr>
+          <p:cNvPr id="3" name="Picture 2"/>
+          <p:cNvPicPr>
+            <a:picLocks noChangeAspect="1"/>
+          </p:cNvPicPr>
+          <p:nvPr/>
+        </p:nvPicPr>
+        <p:blipFill>
+          <a:blip r:embed="rId3">
+            <a:extLst>
+              <a:ext uri="{28A0092B-C50C-407E-A947-70E740481C1C}">
+                <a14:useLocalDpi xmlns:a14="http://schemas.microsoft.com/office/drawing/2010/main" val="0"/>
+              </a:ext>
+            </a:extLst>
+          </a:blip>
+          <a:stretch>
+            <a:fillRect/>
+          </a:stretch>
+        </p:blipFill>
+        <p:spPr>
+          <a:xfrm>
+            <a:off x="4114800" y="990600"/>
+            <a:ext cx="4800600" cy="3360420"/>
           </a:xfrm>
           <a:prstGeom prst="rect">
             <a:avLst/>
@@ -8259,7 +9329,7 @@
     </p:spTree>
     <p:extLst>
       <p:ext uri="{BB962C8B-B14F-4D97-AF65-F5344CB8AC3E}">
-        <p14:creationId xmlns:p14="http://schemas.microsoft.com/office/powerpoint/2010/main" val="838563812"/>
+        <p14:creationId xmlns:p14="http://schemas.microsoft.com/office/powerpoint/2010/main" val="1874514647"/>
       </p:ext>
     </p:extLst>
   </p:cSld>

--- a/Introduction to 3D Printing.pptx
+++ b/Introduction to 3D Printing.pptx
@@ -41,7 +41,7 @@
     <p:sldId id="279" r:id="rId35"/>
     <p:sldId id="293" r:id="rId36"/>
     <p:sldId id="285" r:id="rId37"/>
-    <p:sldId id="286" r:id="rId38"/>
+    <p:sldId id="294" r:id="rId38"/>
   </p:sldIdLst>
   <p:sldSz cx="9144000" cy="6858000" type="screen4x3"/>
   <p:notesSz cx="6858000" cy="9144000"/>
@@ -4320,11 +4320,7 @@
             <a:pPr lvl="1"/>
             <a:r>
               <a:rPr lang="en-US" dirty="0" smtClean="0"/>
-              <a:t>Metallic </a:t>
-            </a:r>
-            <a:r>
-              <a:rPr lang="en-US" dirty="0" smtClean="0"/>
-              <a:t>(bronze, iron, </a:t>
+              <a:t>Metallic (bronze, iron, </a:t>
             </a:r>
             <a:r>
               <a:rPr lang="en-US" dirty="0" err="1" smtClean="0"/>
@@ -4605,11 +4601,7 @@
           <a:p>
             <a:r>
               <a:rPr lang="en-US" dirty="0" smtClean="0"/>
-              <a:t>Oct </a:t>
-            </a:r>
-            <a:r>
-              <a:rPr lang="en-US" dirty="0" smtClean="0"/>
-              <a:t>24 – Into to Arduino and Robotics Class</a:t>
+              <a:t>Oct 24 – Into to Arduino and Robotics Class</a:t>
             </a:r>
           </a:p>
           <a:p>
@@ -4622,13 +4614,8 @@
           <a:p>
             <a:r>
               <a:rPr lang="en-US" dirty="0" smtClean="0"/>
-              <a:t>Nov 1 – Code &amp; </a:t>
-            </a:r>
-            <a:r>
-              <a:rPr lang="en-US" dirty="0" smtClean="0"/>
-              <a:t>Coffee (free)</a:t>
-            </a:r>
-            <a:endParaRPr lang="en-US" dirty="0" smtClean="0"/>
+              <a:t>Nov 1 – Code &amp; Coffee (free)</a:t>
+            </a:r>
           </a:p>
           <a:p>
             <a:r>
@@ -5008,11 +4995,7 @@
             </a:r>
             <a:r>
               <a:rPr lang="en-US" dirty="0" smtClean="0"/>
-              <a:t> (oldie but a goodie</a:t>
-            </a:r>
-            <a:r>
-              <a:rPr lang="en-US" dirty="0" smtClean="0"/>
-              <a:t>)</a:t>
+              <a:t> (oldie but a goodie)</a:t>
             </a:r>
           </a:p>
           <a:p>
@@ -5033,7 +5016,6 @@
               <a:rPr lang="en-US" dirty="0" smtClean="0"/>
               <a:t>)</a:t>
             </a:r>
-            <a:endParaRPr lang="en-US" dirty="0" smtClean="0"/>
           </a:p>
           <a:p>
             <a:pPr lvl="1"/>
@@ -5167,27 +5149,20 @@
           <a:p>
             <a:r>
               <a:rPr lang="en-US" dirty="0" smtClean="0"/>
-              <a:t>Layer </a:t>
-            </a:r>
-            <a:r>
-              <a:rPr lang="en-US" dirty="0" smtClean="0"/>
-              <a:t>Height</a:t>
-            </a:r>
-            <a:endParaRPr lang="en-US" dirty="0" smtClean="0"/>
+              <a:t>Layer Height</a:t>
+            </a:r>
           </a:p>
           <a:p>
             <a:r>
               <a:rPr lang="en-US" dirty="0" smtClean="0"/>
               <a:t>Shells</a:t>
             </a:r>
-            <a:endParaRPr lang="en-US" dirty="0" smtClean="0"/>
           </a:p>
           <a:p>
             <a:r>
               <a:rPr lang="en-US" dirty="0" smtClean="0"/>
               <a:t>Infill</a:t>
             </a:r>
-            <a:endParaRPr lang="en-US" dirty="0" smtClean="0"/>
           </a:p>
           <a:p>
             <a:r>
@@ -5303,7 +5278,6 @@
               <a:rPr lang="en-US" dirty="0" smtClean="0"/>
               <a:t>Layer Height </a:t>
             </a:r>
-            <a:endParaRPr lang="en-US" dirty="0" smtClean="0"/>
           </a:p>
           <a:p>
             <a:pPr lvl="1"/>
@@ -5315,7 +5289,6 @@
               <a:rPr lang="en-US" dirty="0" smtClean="0"/>
               <a:t>(fine)</a:t>
             </a:r>
-            <a:endParaRPr lang="en-US" dirty="0" smtClean="0"/>
           </a:p>
           <a:p>
             <a:pPr lvl="1"/>
@@ -5327,25 +5300,12 @@
               <a:rPr lang="en-US" dirty="0" smtClean="0"/>
               <a:t>(med)</a:t>
             </a:r>
-            <a:endParaRPr lang="en-US" dirty="0" smtClean="0"/>
           </a:p>
           <a:p>
             <a:pPr lvl="1"/>
             <a:r>
               <a:rPr lang="en-US" dirty="0" smtClean="0"/>
-              <a:t>0.3 </a:t>
-            </a:r>
-            <a:r>
-              <a:rPr lang="en-US" dirty="0" smtClean="0"/>
-              <a:t>mm </a:t>
-            </a:r>
-            <a:r>
-              <a:rPr lang="en-US" dirty="0" smtClean="0"/>
-              <a:t>(coarse</a:t>
-            </a:r>
-            <a:r>
-              <a:rPr lang="en-US" dirty="0" smtClean="0"/>
-              <a:t>)</a:t>
+              <a:t>0.3 mm (coarse)</a:t>
             </a:r>
           </a:p>
           <a:p>
@@ -5459,7 +5419,6 @@
               <a:rPr lang="en-US" dirty="0" smtClean="0"/>
               <a:t>0.4mm </a:t>
             </a:r>
-            <a:endParaRPr lang="en-US" dirty="0" smtClean="0"/>
           </a:p>
           <a:p>
             <a:pPr lvl="1"/>
@@ -5573,11 +5532,7 @@
             <a:pPr lvl="1"/>
             <a:r>
               <a:rPr lang="en-US" dirty="0" smtClean="0"/>
-              <a:t>1,2</a:t>
-            </a:r>
-            <a:r>
-              <a:rPr lang="en-US" dirty="0" smtClean="0"/>
-              <a:t>,…? (2 is common, 4 or more extreme)</a:t>
+              <a:t>1,2,…? (2 is common, 4 or more extreme)</a:t>
             </a:r>
           </a:p>
           <a:p>
@@ -5681,29 +5636,15 @@
             <a:pPr lvl="1"/>
             <a:r>
               <a:rPr lang="en-US" dirty="0" smtClean="0"/>
-              <a:t>10</a:t>
-            </a:r>
-            <a:r>
-              <a:rPr lang="en-US" dirty="0" smtClean="0"/>
-              <a:t>% - 100% </a:t>
-            </a:r>
-            <a:endParaRPr lang="en-US" dirty="0" smtClean="0"/>
+              <a:t>10% - 100% </a:t>
+            </a:r>
           </a:p>
           <a:p>
             <a:pPr lvl="1"/>
             <a:r>
               <a:rPr lang="en-US" dirty="0" smtClean="0"/>
-              <a:t>10</a:t>
-            </a:r>
-            <a:r>
-              <a:rPr lang="en-US" dirty="0" smtClean="0"/>
-              <a:t>% - 20% is </a:t>
-            </a:r>
-            <a:r>
-              <a:rPr lang="en-US" dirty="0" smtClean="0"/>
-              <a:t>common</a:t>
-            </a:r>
-            <a:endParaRPr lang="en-US" dirty="0" smtClean="0"/>
+              <a:t>10% - 20% is common</a:t>
+            </a:r>
           </a:p>
           <a:p>
             <a:endParaRPr lang="en-US" dirty="0" smtClean="0"/>
@@ -5985,7 +5926,6 @@
               <a:rPr lang="en-US" dirty="0" smtClean="0"/>
               <a:t>Support</a:t>
             </a:r>
-            <a:endParaRPr lang="en-US" dirty="0" smtClean="0"/>
           </a:p>
           <a:p>
             <a:pPr lvl="1"/>
@@ -6000,7 +5940,6 @@
               <a:rPr lang="en-US" dirty="0" smtClean="0"/>
               <a:t>scaffolding</a:t>
             </a:r>
-            <a:endParaRPr lang="en-US" dirty="0" smtClean="0"/>
           </a:p>
         </p:txBody>
       </p:sp>
@@ -6347,11 +6286,7 @@
           <a:p>
             <a:r>
               <a:rPr lang="en-US" dirty="0" smtClean="0"/>
-              <a:t>Skirt </a:t>
-            </a:r>
-            <a:r>
-              <a:rPr lang="en-US" dirty="0" smtClean="0"/>
-              <a:t>(brim)</a:t>
+              <a:t>Skirt (brim)</a:t>
             </a:r>
           </a:p>
           <a:p>
@@ -6368,7 +6303,6 @@
               <a:rPr lang="en-US" dirty="0" smtClean="0"/>
               <a:t>These are both used to help the model stick to the build platform and reduce warping</a:t>
             </a:r>
-            <a:endParaRPr lang="en-US" dirty="0" smtClean="0"/>
           </a:p>
           <a:p>
             <a:endParaRPr lang="en-US" dirty="0" smtClean="0"/>
@@ -8484,17 +8418,207 @@
         </p:nvSpPr>
         <p:spPr>
           <a:xfrm>
-            <a:off x="381000" y="1447800"/>
-            <a:ext cx="8229600" cy="1143000"/>
-          </a:xfrm>
-        </p:spPr>
-        <p:txBody>
-          <a:bodyPr/>
-          <a:lstStyle/>
-          <a:p>
-            <a:r>
-              <a:rPr lang="en-US" dirty="0" smtClean="0"/>
-              <a:t>Questions!</a:t>
+            <a:off x="381000" y="3629"/>
+            <a:ext cx="8229600" cy="762000"/>
+          </a:xfrm>
+        </p:spPr>
+        <p:txBody>
+          <a:bodyPr>
+            <a:normAutofit/>
+          </a:bodyPr>
+          <a:lstStyle/>
+          <a:p>
+            <a:r>
+              <a:rPr lang="en-US" dirty="0" smtClean="0"/>
+              <a:t>Questions! </a:t>
+            </a:r>
+            <a:r>
+              <a:rPr lang="en-US" sz="3200" dirty="0" smtClean="0"/>
+              <a:t>(</a:t>
+            </a:r>
+            <a:r>
+              <a:rPr lang="en-US" sz="3200" dirty="0" smtClean="0"/>
+              <a:t>3D </a:t>
+            </a:r>
+            <a:r>
+              <a:rPr lang="en-US" sz="3200" dirty="0"/>
+              <a:t>Printing </a:t>
+            </a:r>
+            <a:r>
+              <a:rPr lang="en-US" sz="3200" dirty="0" smtClean="0"/>
+              <a:t>Resources)</a:t>
+            </a:r>
+            <a:endParaRPr lang="en-US" sz="3200" dirty="0"/>
+          </a:p>
+        </p:txBody>
+      </p:sp>
+      <p:sp>
+        <p:nvSpPr>
+          <p:cNvPr id="3" name="Content Placeholder 2"/>
+          <p:cNvSpPr>
+            <a:spLocks noGrp="1"/>
+          </p:cNvSpPr>
+          <p:nvPr>
+            <p:ph idx="1"/>
+          </p:nvPr>
+        </p:nvSpPr>
+        <p:spPr>
+          <a:xfrm>
+            <a:off x="1371600" y="762000"/>
+            <a:ext cx="7315200" cy="5943600"/>
+          </a:xfrm>
+        </p:spPr>
+        <p:txBody>
+          <a:bodyPr>
+            <a:normAutofit lnSpcReduction="10000"/>
+          </a:bodyPr>
+          <a:lstStyle/>
+          <a:p>
+            <a:r>
+              <a:rPr lang="en-US" b="1" dirty="0" smtClean="0"/>
+              <a:t>Models</a:t>
+            </a:r>
+            <a:endParaRPr lang="en-US" b="1" dirty="0"/>
+          </a:p>
+          <a:p>
+            <a:pPr lvl="1"/>
+            <a:r>
+              <a:rPr lang="en-US" u="sng" dirty="0">
+                <a:hlinkClick r:id="rId2"/>
+              </a:rPr>
+              <a:t>www.thingiverse.com</a:t>
+            </a:r>
+            <a:endParaRPr lang="en-US" dirty="0"/>
+          </a:p>
+          <a:p>
+            <a:r>
+              <a:rPr lang="en-US" b="1" dirty="0"/>
+              <a:t>Modeling Software</a:t>
+            </a:r>
+          </a:p>
+          <a:p>
+            <a:pPr lvl="1"/>
+            <a:r>
+              <a:rPr lang="en-US" u="sng" dirty="0">
+                <a:hlinkClick r:id="rId3"/>
+              </a:rPr>
+              <a:t>www.tinkercad.com</a:t>
+            </a:r>
+            <a:endParaRPr lang="en-US" dirty="0"/>
+          </a:p>
+          <a:p>
+            <a:pPr lvl="1"/>
+            <a:r>
+              <a:rPr lang="en-US" u="sng" dirty="0">
+                <a:hlinkClick r:id="rId4"/>
+              </a:rPr>
+              <a:t>www.meshmixer.com</a:t>
+            </a:r>
+            <a:endParaRPr lang="en-US" dirty="0"/>
+          </a:p>
+          <a:p>
+            <a:pPr lvl="1"/>
+            <a:r>
+              <a:rPr lang="en-US" u="sng" dirty="0">
+                <a:hlinkClick r:id="rId5"/>
+              </a:rPr>
+              <a:t>www.123dapp.com</a:t>
+            </a:r>
+            <a:endParaRPr lang="en-US" dirty="0"/>
+          </a:p>
+          <a:p>
+            <a:pPr lvl="1"/>
+            <a:r>
+              <a:rPr lang="en-US" u="sng" dirty="0">
+                <a:hlinkClick r:id="rId6"/>
+              </a:rPr>
+              <a:t>www.blender.org</a:t>
+            </a:r>
+            <a:r>
+              <a:rPr lang="en-US" dirty="0"/>
+              <a:t> (open source)</a:t>
+            </a:r>
+          </a:p>
+          <a:p>
+            <a:r>
+              <a:rPr lang="en-US" b="1" dirty="0"/>
+              <a:t>3D Slicing / Printing software</a:t>
+            </a:r>
+          </a:p>
+          <a:p>
+            <a:pPr lvl="1"/>
+            <a:r>
+              <a:rPr lang="en-US" u="sng" dirty="0">
+                <a:hlinkClick r:id="rId7"/>
+              </a:rPr>
+              <a:t>www.replicat.org</a:t>
+            </a:r>
+            <a:r>
+              <a:rPr lang="en-US" dirty="0"/>
+              <a:t> (</a:t>
+            </a:r>
+            <a:r>
+              <a:rPr lang="en-US" dirty="0" err="1"/>
+              <a:t>ReplicatorG</a:t>
+            </a:r>
+            <a:r>
+              <a:rPr lang="en-US" dirty="0"/>
+              <a:t> )</a:t>
+            </a:r>
+          </a:p>
+          <a:p>
+            <a:pPr lvl="1"/>
+            <a:r>
+              <a:rPr lang="en-US" u="sng" dirty="0">
+                <a:hlinkClick r:id="rId8"/>
+              </a:rPr>
+              <a:t>www.repetier.com</a:t>
+            </a:r>
+            <a:r>
+              <a:rPr lang="en-US" dirty="0"/>
+              <a:t> (</a:t>
+            </a:r>
+            <a:r>
+              <a:rPr lang="en-US" dirty="0" err="1"/>
+              <a:t>Repetier</a:t>
+            </a:r>
+            <a:r>
+              <a:rPr lang="en-US" dirty="0"/>
+              <a:t>)</a:t>
+            </a:r>
+          </a:p>
+          <a:p>
+            <a:pPr lvl="1"/>
+            <a:r>
+              <a:rPr lang="en-US" u="sng" dirty="0">
+                <a:hlinkClick r:id="rId9"/>
+              </a:rPr>
+              <a:t>www.slic3r.org</a:t>
+            </a:r>
+            <a:r>
+              <a:rPr lang="en-US" dirty="0"/>
+              <a:t> (open source)</a:t>
+            </a:r>
+          </a:p>
+          <a:p>
+            <a:pPr lvl="1"/>
+            <a:r>
+              <a:rPr lang="en-US" u="sng" dirty="0">
+                <a:hlinkClick r:id="rId10"/>
+              </a:rPr>
+              <a:t>www.kisslicer.com</a:t>
+            </a:r>
+            <a:r>
+              <a:rPr lang="en-US" dirty="0"/>
+              <a:t> (single </a:t>
+            </a:r>
+            <a:r>
+              <a:rPr lang="en-US" dirty="0" err="1"/>
+              <a:t>printhead</a:t>
+            </a:r>
+            <a:r>
+              <a:rPr lang="en-US" dirty="0"/>
+              <a:t> free)</a:t>
             </a:r>
             <a:endParaRPr lang="en-US" dirty="0"/>
           </a:p>
@@ -8503,7 +8627,7 @@
     </p:spTree>
     <p:extLst>
       <p:ext uri="{BB962C8B-B14F-4D97-AF65-F5344CB8AC3E}">
-        <p14:creationId xmlns:p14="http://schemas.microsoft.com/office/powerpoint/2010/main" val="1954581026"/>
+        <p14:creationId xmlns:p14="http://schemas.microsoft.com/office/powerpoint/2010/main" val="622393022"/>
       </p:ext>
     </p:extLst>
   </p:cSld>

--- a/Introduction to 3D Printing.pptx
+++ b/Introduction to 3D Printing.pptx
@@ -324,7 +324,7 @@
           <a:p>
             <a:fld id="{03F24ECC-79A4-43A1-8C02-28912ED20E3E}" type="datetimeFigureOut">
               <a:rPr lang="en-US" smtClean="0"/>
-              <a:t>10/13/2015</a:t>
+              <a:t>10/14/2015</a:t>
             </a:fld>
             <a:endParaRPr lang="en-US"/>
           </a:p>
@@ -494,7 +494,7 @@
           <a:p>
             <a:fld id="{03F24ECC-79A4-43A1-8C02-28912ED20E3E}" type="datetimeFigureOut">
               <a:rPr lang="en-US" smtClean="0"/>
-              <a:t>10/13/2015</a:t>
+              <a:t>10/14/2015</a:t>
             </a:fld>
             <a:endParaRPr lang="en-US"/>
           </a:p>
@@ -674,7 +674,7 @@
           <a:p>
             <a:fld id="{03F24ECC-79A4-43A1-8C02-28912ED20E3E}" type="datetimeFigureOut">
               <a:rPr lang="en-US" smtClean="0"/>
-              <a:t>10/13/2015</a:t>
+              <a:t>10/14/2015</a:t>
             </a:fld>
             <a:endParaRPr lang="en-US"/>
           </a:p>
@@ -844,7 +844,7 @@
           <a:p>
             <a:fld id="{03F24ECC-79A4-43A1-8C02-28912ED20E3E}" type="datetimeFigureOut">
               <a:rPr lang="en-US" smtClean="0"/>
-              <a:t>10/13/2015</a:t>
+              <a:t>10/14/2015</a:t>
             </a:fld>
             <a:endParaRPr lang="en-US"/>
           </a:p>
@@ -1090,7 +1090,7 @@
           <a:p>
             <a:fld id="{03F24ECC-79A4-43A1-8C02-28912ED20E3E}" type="datetimeFigureOut">
               <a:rPr lang="en-US" smtClean="0"/>
-              <a:t>10/13/2015</a:t>
+              <a:t>10/14/2015</a:t>
             </a:fld>
             <a:endParaRPr lang="en-US"/>
           </a:p>
@@ -1378,7 +1378,7 @@
           <a:p>
             <a:fld id="{03F24ECC-79A4-43A1-8C02-28912ED20E3E}" type="datetimeFigureOut">
               <a:rPr lang="en-US" smtClean="0"/>
-              <a:t>10/13/2015</a:t>
+              <a:t>10/14/2015</a:t>
             </a:fld>
             <a:endParaRPr lang="en-US"/>
           </a:p>
@@ -1800,7 +1800,7 @@
           <a:p>
             <a:fld id="{03F24ECC-79A4-43A1-8C02-28912ED20E3E}" type="datetimeFigureOut">
               <a:rPr lang="en-US" smtClean="0"/>
-              <a:t>10/13/2015</a:t>
+              <a:t>10/14/2015</a:t>
             </a:fld>
             <a:endParaRPr lang="en-US"/>
           </a:p>
@@ -1918,7 +1918,7 @@
           <a:p>
             <a:fld id="{03F24ECC-79A4-43A1-8C02-28912ED20E3E}" type="datetimeFigureOut">
               <a:rPr lang="en-US" smtClean="0"/>
-              <a:t>10/13/2015</a:t>
+              <a:t>10/14/2015</a:t>
             </a:fld>
             <a:endParaRPr lang="en-US"/>
           </a:p>
@@ -2013,7 +2013,7 @@
           <a:p>
             <a:fld id="{03F24ECC-79A4-43A1-8C02-28912ED20E3E}" type="datetimeFigureOut">
               <a:rPr lang="en-US" smtClean="0"/>
-              <a:t>10/13/2015</a:t>
+              <a:t>10/14/2015</a:t>
             </a:fld>
             <a:endParaRPr lang="en-US"/>
           </a:p>
@@ -2290,7 +2290,7 @@
           <a:p>
             <a:fld id="{03F24ECC-79A4-43A1-8C02-28912ED20E3E}" type="datetimeFigureOut">
               <a:rPr lang="en-US" smtClean="0"/>
-              <a:t>10/13/2015</a:t>
+              <a:t>10/14/2015</a:t>
             </a:fld>
             <a:endParaRPr lang="en-US"/>
           </a:p>
@@ -2543,7 +2543,7 @@
           <a:p>
             <a:fld id="{03F24ECC-79A4-43A1-8C02-28912ED20E3E}" type="datetimeFigureOut">
               <a:rPr lang="en-US" smtClean="0"/>
-              <a:t>10/13/2015</a:t>
+              <a:t>10/14/2015</a:t>
             </a:fld>
             <a:endParaRPr lang="en-US"/>
           </a:p>
@@ -2756,7 +2756,7 @@
           <a:p>
             <a:fld id="{03F24ECC-79A4-43A1-8C02-28912ED20E3E}" type="datetimeFigureOut">
               <a:rPr lang="en-US" smtClean="0"/>
-              <a:t>10/13/2015</a:t>
+              <a:t>10/14/2015</a:t>
             </a:fld>
             <a:endParaRPr lang="en-US"/>
           </a:p>
@@ -8434,11 +8434,7 @@
             </a:r>
             <a:r>
               <a:rPr lang="en-US" sz="3200" dirty="0" smtClean="0"/>
-              <a:t>(</a:t>
-            </a:r>
-            <a:r>
-              <a:rPr lang="en-US" sz="3200" dirty="0" smtClean="0"/>
-              <a:t>3D </a:t>
+              <a:t>(3D </a:t>
             </a:r>
             <a:r>
               <a:rPr lang="en-US" sz="3200" dirty="0"/>
@@ -8620,7 +8616,6 @@
               <a:rPr lang="en-US" dirty="0"/>
               <a:t> free)</a:t>
             </a:r>
-            <a:endParaRPr lang="en-US" dirty="0"/>
           </a:p>
         </p:txBody>
       </p:sp>
@@ -8867,8 +8862,20 @@
             <a:pPr lvl="1"/>
             <a:r>
               <a:rPr lang="en-US" dirty="0" smtClean="0"/>
-              <a:t>Icing or pastry bag</a:t>
-            </a:r>
+              <a:t>Icing or pastry </a:t>
+            </a:r>
+            <a:r>
+              <a:rPr lang="en-US" dirty="0" smtClean="0"/>
+              <a:t>bag</a:t>
+            </a:r>
+          </a:p>
+          <a:p>
+            <a:pPr lvl="1"/>
+            <a:r>
+              <a:rPr lang="en-US" dirty="0" smtClean="0"/>
+              <a:t>Hot Glue gun</a:t>
+            </a:r>
+            <a:endParaRPr lang="en-US" dirty="0" smtClean="0"/>
           </a:p>
         </p:txBody>
       </p:sp>

--- a/Introduction to 3D Printing.pptx
+++ b/Introduction to 3D Printing.pptx
@@ -5,9 +5,9 @@
     <p:sldMasterId id="2147483648" r:id="rId1"/>
   </p:sldMasterIdLst>
   <p:sldIdLst>
-    <p:sldId id="258" r:id="rId2"/>
-    <p:sldId id="287" r:id="rId3"/>
-    <p:sldId id="256" r:id="rId4"/>
+    <p:sldId id="256" r:id="rId2"/>
+    <p:sldId id="258" r:id="rId3"/>
+    <p:sldId id="287" r:id="rId4"/>
     <p:sldId id="275" r:id="rId5"/>
     <p:sldId id="281" r:id="rId6"/>
     <p:sldId id="282" r:id="rId7"/>
@@ -19,29 +19,30 @@
     <p:sldId id="263" r:id="rId13"/>
     <p:sldId id="260" r:id="rId14"/>
     <p:sldId id="264" r:id="rId15"/>
-    <p:sldId id="265" r:id="rId16"/>
-    <p:sldId id="266" r:id="rId17"/>
-    <p:sldId id="267" r:id="rId18"/>
-    <p:sldId id="268" r:id="rId19"/>
-    <p:sldId id="270" r:id="rId20"/>
-    <p:sldId id="271" r:id="rId21"/>
-    <p:sldId id="272" r:id="rId22"/>
-    <p:sldId id="290" r:id="rId23"/>
-    <p:sldId id="288" r:id="rId24"/>
-    <p:sldId id="283" r:id="rId25"/>
-    <p:sldId id="273" r:id="rId26"/>
-    <p:sldId id="289" r:id="rId27"/>
-    <p:sldId id="276" r:id="rId28"/>
-    <p:sldId id="291" r:id="rId29"/>
-    <p:sldId id="274" r:id="rId30"/>
-    <p:sldId id="292" r:id="rId31"/>
-    <p:sldId id="277" r:id="rId32"/>
-    <p:sldId id="278" r:id="rId33"/>
-    <p:sldId id="284" r:id="rId34"/>
-    <p:sldId id="279" r:id="rId35"/>
-    <p:sldId id="293" r:id="rId36"/>
-    <p:sldId id="285" r:id="rId37"/>
-    <p:sldId id="294" r:id="rId38"/>
+    <p:sldId id="295" r:id="rId16"/>
+    <p:sldId id="265" r:id="rId17"/>
+    <p:sldId id="266" r:id="rId18"/>
+    <p:sldId id="267" r:id="rId19"/>
+    <p:sldId id="268" r:id="rId20"/>
+    <p:sldId id="270" r:id="rId21"/>
+    <p:sldId id="271" r:id="rId22"/>
+    <p:sldId id="272" r:id="rId23"/>
+    <p:sldId id="290" r:id="rId24"/>
+    <p:sldId id="288" r:id="rId25"/>
+    <p:sldId id="283" r:id="rId26"/>
+    <p:sldId id="273" r:id="rId27"/>
+    <p:sldId id="289" r:id="rId28"/>
+    <p:sldId id="276" r:id="rId29"/>
+    <p:sldId id="291" r:id="rId30"/>
+    <p:sldId id="274" r:id="rId31"/>
+    <p:sldId id="292" r:id="rId32"/>
+    <p:sldId id="277" r:id="rId33"/>
+    <p:sldId id="278" r:id="rId34"/>
+    <p:sldId id="284" r:id="rId35"/>
+    <p:sldId id="279" r:id="rId36"/>
+    <p:sldId id="293" r:id="rId37"/>
+    <p:sldId id="285" r:id="rId38"/>
+    <p:sldId id="294" r:id="rId39"/>
   </p:sldIdLst>
   <p:sldSz cx="9144000" cy="6858000" type="screen4x3"/>
   <p:notesSz cx="6858000" cy="9144000"/>
@@ -324,7 +325,7 @@
           <a:p>
             <a:fld id="{03F24ECC-79A4-43A1-8C02-28912ED20E3E}" type="datetimeFigureOut">
               <a:rPr lang="en-US" smtClean="0"/>
-              <a:t>10/14/2015</a:t>
+              <a:t>11/10/2016</a:t>
             </a:fld>
             <a:endParaRPr lang="en-US"/>
           </a:p>
@@ -494,7 +495,7 @@
           <a:p>
             <a:fld id="{03F24ECC-79A4-43A1-8C02-28912ED20E3E}" type="datetimeFigureOut">
               <a:rPr lang="en-US" smtClean="0"/>
-              <a:t>10/14/2015</a:t>
+              <a:t>11/10/2016</a:t>
             </a:fld>
             <a:endParaRPr lang="en-US"/>
           </a:p>
@@ -674,7 +675,7 @@
           <a:p>
             <a:fld id="{03F24ECC-79A4-43A1-8C02-28912ED20E3E}" type="datetimeFigureOut">
               <a:rPr lang="en-US" smtClean="0"/>
-              <a:t>10/14/2015</a:t>
+              <a:t>11/10/2016</a:t>
             </a:fld>
             <a:endParaRPr lang="en-US"/>
           </a:p>
@@ -844,7 +845,7 @@
           <a:p>
             <a:fld id="{03F24ECC-79A4-43A1-8C02-28912ED20E3E}" type="datetimeFigureOut">
               <a:rPr lang="en-US" smtClean="0"/>
-              <a:t>10/14/2015</a:t>
+              <a:t>11/10/2016</a:t>
             </a:fld>
             <a:endParaRPr lang="en-US"/>
           </a:p>
@@ -1090,7 +1091,7 @@
           <a:p>
             <a:fld id="{03F24ECC-79A4-43A1-8C02-28912ED20E3E}" type="datetimeFigureOut">
               <a:rPr lang="en-US" smtClean="0"/>
-              <a:t>10/14/2015</a:t>
+              <a:t>11/10/2016</a:t>
             </a:fld>
             <a:endParaRPr lang="en-US"/>
           </a:p>
@@ -1378,7 +1379,7 @@
           <a:p>
             <a:fld id="{03F24ECC-79A4-43A1-8C02-28912ED20E3E}" type="datetimeFigureOut">
               <a:rPr lang="en-US" smtClean="0"/>
-              <a:t>10/14/2015</a:t>
+              <a:t>11/10/2016</a:t>
             </a:fld>
             <a:endParaRPr lang="en-US"/>
           </a:p>
@@ -1800,7 +1801,7 @@
           <a:p>
             <a:fld id="{03F24ECC-79A4-43A1-8C02-28912ED20E3E}" type="datetimeFigureOut">
               <a:rPr lang="en-US" smtClean="0"/>
-              <a:t>10/14/2015</a:t>
+              <a:t>11/10/2016</a:t>
             </a:fld>
             <a:endParaRPr lang="en-US"/>
           </a:p>
@@ -1918,7 +1919,7 @@
           <a:p>
             <a:fld id="{03F24ECC-79A4-43A1-8C02-28912ED20E3E}" type="datetimeFigureOut">
               <a:rPr lang="en-US" smtClean="0"/>
-              <a:t>10/14/2015</a:t>
+              <a:t>11/10/2016</a:t>
             </a:fld>
             <a:endParaRPr lang="en-US"/>
           </a:p>
@@ -2013,7 +2014,7 @@
           <a:p>
             <a:fld id="{03F24ECC-79A4-43A1-8C02-28912ED20E3E}" type="datetimeFigureOut">
               <a:rPr lang="en-US" smtClean="0"/>
-              <a:t>10/14/2015</a:t>
+              <a:t>11/10/2016</a:t>
             </a:fld>
             <a:endParaRPr lang="en-US"/>
           </a:p>
@@ -2290,7 +2291,7 @@
           <a:p>
             <a:fld id="{03F24ECC-79A4-43A1-8C02-28912ED20E3E}" type="datetimeFigureOut">
               <a:rPr lang="en-US" smtClean="0"/>
-              <a:t>10/14/2015</a:t>
+              <a:t>11/10/2016</a:t>
             </a:fld>
             <a:endParaRPr lang="en-US"/>
           </a:p>
@@ -2543,7 +2544,7 @@
           <a:p>
             <a:fld id="{03F24ECC-79A4-43A1-8C02-28912ED20E3E}" type="datetimeFigureOut">
               <a:rPr lang="en-US" smtClean="0"/>
-              <a:t>10/14/2015</a:t>
+              <a:t>11/10/2016</a:t>
             </a:fld>
             <a:endParaRPr lang="en-US"/>
           </a:p>
@@ -2756,7 +2757,7 @@
           <a:p>
             <a:fld id="{03F24ECC-79A4-43A1-8C02-28912ED20E3E}" type="datetimeFigureOut">
               <a:rPr lang="en-US" smtClean="0"/>
-              <a:t>10/14/2015</a:t>
+              <a:t>11/10/2016</a:t>
             </a:fld>
             <a:endParaRPr lang="en-US"/>
           </a:p>
@@ -3138,117 +3139,71 @@
             <a:spLocks noGrp="1"/>
           </p:cNvSpPr>
           <p:nvPr>
-            <p:ph type="title"/>
-          </p:nvPr>
-        </p:nvSpPr>
-        <p:spPr>
-          <a:xfrm>
-            <a:off x="457200" y="0"/>
-            <a:ext cx="8229600" cy="762000"/>
-          </a:xfrm>
-        </p:spPr>
-        <p:txBody>
-          <a:bodyPr>
-            <a:normAutofit/>
-          </a:bodyPr>
-          <a:lstStyle/>
-          <a:p>
-            <a:r>
-              <a:rPr lang="en-US" b="1" cap="all" dirty="0">
-                <a:solidFill>
-                  <a:srgbClr val="C00000"/>
-                </a:solidFill>
-              </a:rPr>
-              <a:t>WELCOME</a:t>
-            </a:r>
-            <a:r>
-              <a:rPr lang="en-US" b="1" cap="all" dirty="0" smtClean="0">
-                <a:solidFill>
-                  <a:srgbClr val="C00000"/>
-                </a:solidFill>
-              </a:rPr>
-              <a:t>!</a:t>
-            </a:r>
-            <a:endParaRPr lang="en-US" dirty="0">
-              <a:solidFill>
-                <a:srgbClr val="C00000"/>
-              </a:solidFill>
-            </a:endParaRPr>
-          </a:p>
-        </p:txBody>
-      </p:sp>
-      <p:sp>
-        <p:nvSpPr>
-          <p:cNvPr id="3" name="Content Placeholder 2"/>
-          <p:cNvSpPr>
-            <a:spLocks noGrp="1"/>
-          </p:cNvSpPr>
-          <p:nvPr>
-            <p:ph idx="1"/>
-          </p:nvPr>
-        </p:nvSpPr>
-        <p:spPr>
-          <a:xfrm>
-            <a:off x="457200" y="762000"/>
-            <a:ext cx="8229600" cy="4525963"/>
-          </a:xfrm>
-        </p:spPr>
-        <p:txBody>
-          <a:bodyPr>
-            <a:normAutofit/>
-          </a:bodyPr>
-          <a:lstStyle/>
-          <a:p>
-            <a:pPr marL="0" indent="0" fontAlgn="base">
-              <a:buNone/>
-            </a:pPr>
-            <a:r>
-              <a:rPr lang="en-US" dirty="0" smtClean="0"/>
-              <a:t>Girl </a:t>
+            <p:ph type="ctrTitle"/>
+          </p:nvPr>
+        </p:nvSpPr>
+        <p:spPr>
+          <a:xfrm>
+            <a:off x="533400" y="457200"/>
+            <a:ext cx="7772400" cy="1470025"/>
+          </a:xfrm>
+        </p:spPr>
+        <p:txBody>
+          <a:bodyPr/>
+          <a:lstStyle/>
+          <a:p>
+            <a:r>
+              <a:rPr lang="en-US" dirty="0" smtClean="0"/>
+              <a:t>Introduction to 3D Printing</a:t>
+            </a:r>
+            <a:endParaRPr lang="en-US" dirty="0"/>
+          </a:p>
+        </p:txBody>
+      </p:sp>
+      <p:sp>
+        <p:nvSpPr>
+          <p:cNvPr id="3" name="Subtitle 2"/>
+          <p:cNvSpPr>
+            <a:spLocks noGrp="1"/>
+          </p:cNvSpPr>
+          <p:nvPr>
+            <p:ph type="subTitle" idx="1"/>
+          </p:nvPr>
+        </p:nvSpPr>
+        <p:spPr>
+          <a:xfrm>
+            <a:off x="228600" y="2212975"/>
+            <a:ext cx="8458200" cy="1752600"/>
+          </a:xfrm>
+        </p:spPr>
+        <p:txBody>
+          <a:bodyPr/>
+          <a:lstStyle/>
+          <a:p>
+            <a:r>
+              <a:rPr lang="en-US" dirty="0" smtClean="0"/>
+              <a:t>“</a:t>
             </a:r>
             <a:r>
               <a:rPr lang="en-US" dirty="0"/>
-              <a:t>Develop It is here to provide affordable and accessible programs to learn software through mentorship and hands-on instruction.</a:t>
-            </a:r>
-          </a:p>
-          <a:p>
-            <a:pPr marL="0" indent="0" fontAlgn="base">
-              <a:buNone/>
-            </a:pPr>
-            <a:r>
-              <a:rPr lang="en-US" dirty="0"/>
-              <a:t>Some "rules"</a:t>
-            </a:r>
-          </a:p>
-          <a:p>
-            <a:pPr fontAlgn="base"/>
-            <a:r>
-              <a:rPr lang="en-US" dirty="0"/>
-              <a:t>We are here for you!</a:t>
-            </a:r>
-          </a:p>
-          <a:p>
-            <a:pPr fontAlgn="base"/>
-            <a:r>
-              <a:rPr lang="en-US" dirty="0"/>
-              <a:t>Every question is important</a:t>
-            </a:r>
-          </a:p>
-          <a:p>
-            <a:pPr fontAlgn="base"/>
-            <a:r>
-              <a:rPr lang="en-US" dirty="0"/>
-              <a:t>Help each other</a:t>
-            </a:r>
-          </a:p>
-          <a:p>
-            <a:pPr fontAlgn="base"/>
-            <a:r>
-              <a:rPr lang="en-US" dirty="0"/>
-              <a:t>Have fun</a:t>
-            </a:r>
-          </a:p>
-          <a:p>
+              <a:t> I want to say one word to you. Just one word</a:t>
+            </a:r>
+            <a:r>
+              <a:rPr lang="en-US" dirty="0" smtClean="0"/>
+              <a:t>.…</a:t>
+            </a:r>
+          </a:p>
+          <a:p>
+            <a:r>
+              <a:rPr lang="en-US" dirty="0" smtClean="0"/>
+              <a:t>Plastics”</a:t>
+            </a:r>
+          </a:p>
+          <a:p>
+            <a:r>
+              <a:rPr lang="en-US" dirty="0" smtClean="0"/>
+              <a:t>The Graduate - 1967</a:t>
+            </a:r>
             <a:endParaRPr lang="en-US" dirty="0"/>
           </a:p>
         </p:txBody>
@@ -3256,7 +3211,7 @@
     </p:spTree>
     <p:extLst>
       <p:ext uri="{BB962C8B-B14F-4D97-AF65-F5344CB8AC3E}">
-        <p14:creationId xmlns:p14="http://schemas.microsoft.com/office/powerpoint/2010/main" val="3634930489"/>
+        <p14:creationId xmlns:p14="http://schemas.microsoft.com/office/powerpoint/2010/main" val="2666580265"/>
       </p:ext>
     </p:extLst>
   </p:cSld>
@@ -3888,7 +3843,7 @@
           <a:p>
             <a:r>
               <a:rPr lang="en-US" dirty="0" smtClean="0"/>
-              <a:t>Differences</a:t>
+              <a:t>Money, Money, Money</a:t>
             </a:r>
             <a:endParaRPr lang="en-US" dirty="0"/>
           </a:p>
@@ -3917,58 +3872,47 @@
           <a:lstStyle/>
           <a:p>
             <a:r>
-              <a:rPr lang="en-US" dirty="0" smtClean="0"/>
-              <a:t>Technology (material)</a:t>
+              <a:rPr lang="en-US" dirty="0"/>
+              <a:t>FREE!</a:t>
+            </a:r>
+          </a:p>
+          <a:p>
+            <a:r>
+              <a:rPr lang="en-US" dirty="0"/>
+              <a:t>Boise Public Library</a:t>
             </a:r>
           </a:p>
           <a:p>
             <a:pPr lvl="1"/>
             <a:r>
-              <a:rPr lang="en-US" dirty="0" smtClean="0"/>
-              <a:t>Filament</a:t>
-            </a:r>
-          </a:p>
-          <a:p>
-            <a:pPr lvl="2"/>
-            <a:r>
-              <a:rPr lang="en-US" dirty="0" smtClean="0"/>
-              <a:t>PLA ($500 kit)</a:t>
-            </a:r>
-          </a:p>
-          <a:p>
-            <a:pPr lvl="2"/>
-            <a:r>
-              <a:rPr lang="en-US" dirty="0" smtClean="0"/>
-              <a:t>ABS (heated bed) (+$100)</a:t>
-            </a:r>
-          </a:p>
-          <a:p>
-            <a:pPr lvl="2"/>
-            <a:r>
-              <a:rPr lang="en-US" dirty="0" smtClean="0"/>
-              <a:t>Assembled (+$150)</a:t>
-            </a:r>
-          </a:p>
-          <a:p>
-            <a:pPr lvl="2"/>
-            <a:r>
-              <a:rPr lang="en-US" dirty="0" smtClean="0"/>
-              <a:t>Dual Head (+$200)</a:t>
+              <a:rPr lang="en-US" dirty="0"/>
+              <a:t>Online sign-up 2 hour slots</a:t>
+            </a:r>
+          </a:p>
+          <a:p>
+            <a:r>
+              <a:rPr lang="en-US" dirty="0"/>
+              <a:t>Meridian Library District (Unbound)</a:t>
             </a:r>
           </a:p>
           <a:p>
             <a:pPr lvl="1"/>
             <a:r>
-              <a:rPr lang="en-US" dirty="0" smtClean="0"/>
-              <a:t>Resin (DLP)</a:t>
-            </a:r>
+              <a:rPr lang="en-US" dirty="0"/>
+              <a:t>Send them your </a:t>
+            </a:r>
+            <a:r>
+              <a:rPr lang="en-US" dirty="0" smtClean="0"/>
+              <a:t>model</a:t>
+            </a:r>
+            <a:endParaRPr lang="en-US" dirty="0"/>
           </a:p>
         </p:txBody>
       </p:sp>
     </p:spTree>
     <p:extLst>
       <p:ext uri="{BB962C8B-B14F-4D97-AF65-F5344CB8AC3E}">
-        <p14:creationId xmlns:p14="http://schemas.microsoft.com/office/powerpoint/2010/main" val="3867764672"/>
+        <p14:creationId xmlns:p14="http://schemas.microsoft.com/office/powerpoint/2010/main" val="3302199313"/>
       </p:ext>
     </p:extLst>
   </p:cSld>
@@ -4054,37 +3998,57 @@
           <a:p>
             <a:r>
               <a:rPr lang="en-US" dirty="0" smtClean="0"/>
-              <a:t>Build Volume</a:t>
+              <a:t>Technology (material)</a:t>
             </a:r>
           </a:p>
           <a:p>
             <a:pPr lvl="1"/>
             <a:r>
               <a:rPr lang="en-US" dirty="0" smtClean="0"/>
-              <a:t>4” x 4” x 4” ($400)</a:t>
+              <a:t>Filament</a:t>
+            </a:r>
+          </a:p>
+          <a:p>
+            <a:pPr lvl="2"/>
+            <a:r>
+              <a:rPr lang="en-US" dirty="0" smtClean="0"/>
+              <a:t>PLA ($500 kit)</a:t>
+            </a:r>
+          </a:p>
+          <a:p>
+            <a:pPr lvl="2"/>
+            <a:r>
+              <a:rPr lang="en-US" dirty="0" smtClean="0"/>
+              <a:t>ABS (heated bed) (+$100)</a:t>
+            </a:r>
+          </a:p>
+          <a:p>
+            <a:pPr lvl="2"/>
+            <a:r>
+              <a:rPr lang="en-US" dirty="0" smtClean="0"/>
+              <a:t>Assembled (+$150)</a:t>
+            </a:r>
+          </a:p>
+          <a:p>
+            <a:pPr lvl="2"/>
+            <a:r>
+              <a:rPr lang="en-US" dirty="0" smtClean="0"/>
+              <a:t>Dual Head (+$200)</a:t>
             </a:r>
           </a:p>
           <a:p>
             <a:pPr lvl="1"/>
             <a:r>
               <a:rPr lang="en-US" dirty="0" smtClean="0"/>
-              <a:t>10” x 10” x 10” ($1000+)</a:t>
-            </a:r>
-          </a:p>
-          <a:p>
-            <a:pPr lvl="1"/>
-            <a:r>
-              <a:rPr lang="en-US" dirty="0" smtClean="0"/>
-              <a:t>7” x 15” x 7” DLP ($2500+)</a:t>
-            </a:r>
-            <a:endParaRPr lang="en-US" dirty="0"/>
+              <a:t>Resin (DLP)</a:t>
+            </a:r>
           </a:p>
         </p:txBody>
       </p:sp>
     </p:spTree>
     <p:extLst>
       <p:ext uri="{BB962C8B-B14F-4D97-AF65-F5344CB8AC3E}">
-        <p14:creationId xmlns:p14="http://schemas.microsoft.com/office/powerpoint/2010/main" val="1343839109"/>
+        <p14:creationId xmlns:p14="http://schemas.microsoft.com/office/powerpoint/2010/main" val="3867764672"/>
       </p:ext>
     </p:extLst>
   </p:cSld>
@@ -4140,7 +4104,7 @@
           <a:p>
             <a:r>
               <a:rPr lang="en-US" dirty="0" smtClean="0"/>
-              <a:t>Filament</a:t>
+              <a:t>Differences</a:t>
             </a:r>
             <a:endParaRPr lang="en-US" dirty="0"/>
           </a:p>
@@ -4170,34 +4134,28 @@
           <a:p>
             <a:r>
               <a:rPr lang="en-US" dirty="0" smtClean="0"/>
-              <a:t>Size 1.75mm (standard) &amp; 3.00mm (old)</a:t>
-            </a:r>
-          </a:p>
-          <a:p>
-            <a:r>
-              <a:rPr lang="en-US" dirty="0" smtClean="0"/>
-              <a:t>Material</a:t>
+              <a:t>Build Volume</a:t>
             </a:r>
           </a:p>
           <a:p>
             <a:pPr lvl="1"/>
             <a:r>
               <a:rPr lang="en-US" dirty="0" smtClean="0"/>
-              <a:t>PLA (Strong, stiff, fast print)</a:t>
+              <a:t>4” x 4” x 4” ($400)</a:t>
             </a:r>
           </a:p>
           <a:p>
             <a:pPr lvl="1"/>
             <a:r>
               <a:rPr lang="en-US" dirty="0" smtClean="0"/>
-              <a:t>ABS (Heated bed, higher temp, slight flex)</a:t>
+              <a:t>10” x 10” x 10” ($1000+)</a:t>
             </a:r>
           </a:p>
           <a:p>
             <a:pPr lvl="1"/>
             <a:r>
               <a:rPr lang="en-US" dirty="0" smtClean="0"/>
-              <a:t>Flex (rubber like)</a:t>
+              <a:t>7” x 15” x 7” DLP ($2500+)</a:t>
             </a:r>
             <a:endParaRPr lang="en-US" dirty="0"/>
           </a:p>
@@ -4206,7 +4164,7 @@
     </p:spTree>
     <p:extLst>
       <p:ext uri="{BB962C8B-B14F-4D97-AF65-F5344CB8AC3E}">
-        <p14:creationId xmlns:p14="http://schemas.microsoft.com/office/powerpoint/2010/main" val="3026335734"/>
+        <p14:creationId xmlns:p14="http://schemas.microsoft.com/office/powerpoint/2010/main" val="1343839109"/>
       </p:ext>
     </p:extLst>
   </p:cSld>
@@ -4262,7 +4220,7 @@
           <a:p>
             <a:r>
               <a:rPr lang="en-US" dirty="0" smtClean="0"/>
-              <a:t>Filament Exotics</a:t>
+              <a:t>Filament</a:t>
             </a:r>
             <a:endParaRPr lang="en-US" dirty="0"/>
           </a:p>
@@ -4292,6 +4250,12 @@
           <a:p>
             <a:r>
               <a:rPr lang="en-US" dirty="0" smtClean="0"/>
+              <a:t>Size 1.75mm (standard) &amp; 3.00mm (old)</a:t>
+            </a:r>
+          </a:p>
+          <a:p>
+            <a:r>
+              <a:rPr lang="en-US" dirty="0" smtClean="0"/>
               <a:t>Material</a:t>
             </a:r>
           </a:p>
@@ -4299,43 +4263,21 @@
             <a:pPr lvl="1"/>
             <a:r>
               <a:rPr lang="en-US" dirty="0" smtClean="0"/>
-              <a:t>Nylon (Very Strong, very high print temp)</a:t>
+              <a:t>PLA (Strong, stiff, fast print)</a:t>
             </a:r>
           </a:p>
           <a:p>
             <a:pPr lvl="1"/>
             <a:r>
               <a:rPr lang="en-US" dirty="0" smtClean="0"/>
-              <a:t>Wood</a:t>
+              <a:t>ABS (Heated bed, higher temp, slight flex)</a:t>
             </a:r>
           </a:p>
           <a:p>
             <a:pPr lvl="1"/>
             <a:r>
               <a:rPr lang="en-US" dirty="0" smtClean="0"/>
-              <a:t>Conductive</a:t>
-            </a:r>
-          </a:p>
-          <a:p>
-            <a:pPr lvl="1"/>
-            <a:r>
-              <a:rPr lang="en-US" dirty="0" smtClean="0"/>
-              <a:t>Metallic (bronze, iron, </a:t>
-            </a:r>
-            <a:r>
-              <a:rPr lang="en-US" dirty="0" err="1" smtClean="0"/>
-              <a:t>etc</a:t>
-            </a:r>
-            <a:r>
-              <a:rPr lang="en-US" dirty="0" smtClean="0"/>
-              <a:t>)</a:t>
-            </a:r>
-          </a:p>
-          <a:p>
-            <a:pPr lvl="1"/>
-            <a:r>
-              <a:rPr lang="en-US" dirty="0" smtClean="0"/>
-              <a:t>Ceramic</a:t>
+              <a:t>Flex (rubber like)</a:t>
             </a:r>
             <a:endParaRPr lang="en-US" dirty="0"/>
           </a:p>
@@ -4344,7 +4286,7 @@
     </p:spTree>
     <p:extLst>
       <p:ext uri="{BB962C8B-B14F-4D97-AF65-F5344CB8AC3E}">
-        <p14:creationId xmlns:p14="http://schemas.microsoft.com/office/powerpoint/2010/main" val="3618842773"/>
+        <p14:creationId xmlns:p14="http://schemas.microsoft.com/office/powerpoint/2010/main" val="3026335734"/>
       </p:ext>
     </p:extLst>
   </p:cSld>
@@ -4400,7 +4342,7 @@
           <a:p>
             <a:r>
               <a:rPr lang="en-US" dirty="0" smtClean="0"/>
-              <a:t>What to Print?</a:t>
+              <a:t>Filament Exotics</a:t>
             </a:r>
             <a:endParaRPr lang="en-US" dirty="0"/>
           </a:p>
@@ -4430,94 +4372,59 @@
           <a:p>
             <a:r>
               <a:rPr lang="en-US" dirty="0" smtClean="0"/>
-              <a:t>You need a 3D model (.</a:t>
+              <a:t>Material</a:t>
+            </a:r>
+          </a:p>
+          <a:p>
+            <a:pPr lvl="1"/>
+            <a:r>
+              <a:rPr lang="en-US" dirty="0" smtClean="0"/>
+              <a:t>Nylon (Very Strong, very high print temp)</a:t>
+            </a:r>
+          </a:p>
+          <a:p>
+            <a:pPr lvl="1"/>
+            <a:r>
+              <a:rPr lang="en-US" dirty="0" smtClean="0"/>
+              <a:t>Wood</a:t>
+            </a:r>
+          </a:p>
+          <a:p>
+            <a:pPr lvl="1"/>
+            <a:r>
+              <a:rPr lang="en-US" dirty="0" smtClean="0"/>
+              <a:t>Conductive</a:t>
+            </a:r>
+          </a:p>
+          <a:p>
+            <a:pPr lvl="1"/>
+            <a:r>
+              <a:rPr lang="en-US" dirty="0" smtClean="0"/>
+              <a:t>Metallic (bronze, iron, </a:t>
             </a:r>
             <a:r>
               <a:rPr lang="en-US" dirty="0" err="1" smtClean="0"/>
-              <a:t>stl</a:t>
-            </a:r>
-            <a:r>
-              <a:rPr lang="en-US" dirty="0" smtClean="0"/>
-              <a:t> file)</a:t>
+              <a:t>etc</a:t>
+            </a:r>
+            <a:r>
+              <a:rPr lang="en-US" dirty="0" smtClean="0"/>
+              <a:t>)</a:t>
             </a:r>
           </a:p>
           <a:p>
             <a:pPr lvl="1"/>
             <a:r>
               <a:rPr lang="en-US" dirty="0" smtClean="0"/>
-              <a:t>Use an existing model </a:t>
-            </a:r>
-          </a:p>
-          <a:p>
-            <a:pPr lvl="2"/>
-            <a:r>
-              <a:rPr lang="en-US" dirty="0" smtClean="0">
-                <a:hlinkClick r:id="rId2"/>
-              </a:rPr>
-              <a:t>www.thingiverse.com</a:t>
-            </a:r>
-            <a:endParaRPr lang="en-US" dirty="0" smtClean="0"/>
-          </a:p>
-          <a:p>
-            <a:pPr lvl="1"/>
-            <a:r>
-              <a:rPr lang="en-US" dirty="0" smtClean="0"/>
-              <a:t>Make your own model</a:t>
-            </a:r>
-          </a:p>
-          <a:p>
-            <a:pPr lvl="2"/>
-            <a:r>
-              <a:rPr lang="en-US" dirty="0" err="1" smtClean="0"/>
-              <a:t>Tinkercad</a:t>
-            </a:r>
-            <a:r>
-              <a:rPr lang="en-US" dirty="0" smtClean="0"/>
-              <a:t> (web based </a:t>
-            </a:r>
-            <a:r>
-              <a:rPr lang="en-US" dirty="0" smtClean="0">
-                <a:hlinkClick r:id="rId3"/>
-              </a:rPr>
-              <a:t>www.tinkercad.com</a:t>
-            </a:r>
-            <a:r>
-              <a:rPr lang="en-US" dirty="0" smtClean="0"/>
-              <a:t> )</a:t>
-            </a:r>
-          </a:p>
-          <a:p>
-            <a:pPr lvl="2"/>
-            <a:r>
-              <a:rPr lang="en-US" dirty="0" err="1" smtClean="0"/>
-              <a:t>Meshmixer</a:t>
-            </a:r>
-            <a:endParaRPr lang="en-US" dirty="0" smtClean="0"/>
-          </a:p>
-          <a:p>
-            <a:pPr lvl="2"/>
-            <a:r>
-              <a:rPr lang="en-US" dirty="0" smtClean="0"/>
-              <a:t>Blender (open source)</a:t>
-            </a:r>
-          </a:p>
-          <a:p>
-            <a:pPr lvl="2"/>
-            <a:r>
-              <a:rPr lang="en-US" dirty="0" err="1" smtClean="0"/>
-              <a:t>Autocad</a:t>
-            </a:r>
-            <a:r>
-              <a:rPr lang="en-US" dirty="0" smtClean="0"/>
-              <a:t> 123D Design</a:t>
-            </a:r>
+              <a:t>Ceramic</a:t>
+            </a:r>
+            <a:endParaRPr lang="en-US" dirty="0"/>
           </a:p>
         </p:txBody>
       </p:sp>
     </p:spTree>
     <p:extLst>
       <p:ext uri="{BB962C8B-B14F-4D97-AF65-F5344CB8AC3E}">
-        <p14:creationId xmlns:p14="http://schemas.microsoft.com/office/powerpoint/2010/main" val="1551500598"/>
+        <p14:creationId xmlns:p14="http://schemas.microsoft.com/office/powerpoint/2010/main" val="3618842773"/>
       </p:ext>
     </p:extLst>
   </p:cSld>
@@ -4564,18 +4471,36 @@
         <p:spPr>
           <a:xfrm>
             <a:off x="457200" y="0"/>
-            <a:ext cx="8229600" cy="1143000"/>
-          </a:xfrm>
-        </p:spPr>
-        <p:txBody>
-          <a:bodyPr/>
-          <a:lstStyle/>
-          <a:p>
-            <a:r>
-              <a:rPr lang="en-US" dirty="0" smtClean="0"/>
-              <a:t>Upcoming Events</a:t>
-            </a:r>
-            <a:endParaRPr lang="en-US" dirty="0"/>
+            <a:ext cx="8229600" cy="762000"/>
+          </a:xfrm>
+        </p:spPr>
+        <p:txBody>
+          <a:bodyPr>
+            <a:normAutofit/>
+          </a:bodyPr>
+          <a:lstStyle/>
+          <a:p>
+            <a:r>
+              <a:rPr lang="en-US" b="1" cap="all" dirty="0">
+                <a:solidFill>
+                  <a:srgbClr val="C00000"/>
+                </a:solidFill>
+              </a:rPr>
+              <a:t>WELCOME</a:t>
+            </a:r>
+            <a:r>
+              <a:rPr lang="en-US" b="1" cap="all" dirty="0" smtClean="0">
+                <a:solidFill>
+                  <a:srgbClr val="C00000"/>
+                </a:solidFill>
+              </a:rPr>
+              <a:t>!</a:t>
+            </a:r>
+            <a:endParaRPr lang="en-US" dirty="0">
+              <a:solidFill>
+                <a:srgbClr val="C00000"/>
+              </a:solidFill>
+            </a:endParaRPr>
           </a:p>
         </p:txBody>
       </p:sp>
@@ -4591,65 +4516,66 @@
         </p:nvSpPr>
         <p:spPr>
           <a:xfrm>
-            <a:off x="152400" y="990600"/>
-            <a:ext cx="8991600" cy="4525963"/>
-          </a:xfrm>
-        </p:spPr>
-        <p:txBody>
-          <a:bodyPr/>
-          <a:lstStyle/>
-          <a:p>
-            <a:r>
-              <a:rPr lang="en-US" dirty="0" smtClean="0"/>
-              <a:t>Oct 24 – Into to Arduino and Robotics Class</a:t>
-            </a:r>
-          </a:p>
-          <a:p>
-            <a:pPr lvl="1"/>
-            <a:r>
-              <a:rPr lang="en-US" dirty="0" smtClean="0"/>
-              <a:t>4hrs *$30.00</a:t>
-            </a:r>
-          </a:p>
-          <a:p>
-            <a:r>
-              <a:rPr lang="en-US" dirty="0" smtClean="0"/>
-              <a:t>Nov 1 – Code &amp; Coffee (free)</a:t>
-            </a:r>
-          </a:p>
-          <a:p>
-            <a:r>
-              <a:rPr lang="en-US" dirty="0" smtClean="0"/>
-              <a:t>2016</a:t>
-            </a:r>
-          </a:p>
-          <a:p>
-            <a:pPr lvl="1"/>
-            <a:r>
-              <a:rPr lang="en-US" dirty="0" smtClean="0"/>
-              <a:t>Introduction to HTML and CSS</a:t>
-            </a:r>
-          </a:p>
-          <a:p>
-            <a:pPr lvl="1"/>
-            <a:r>
-              <a:rPr lang="en-US" dirty="0" smtClean="0"/>
-              <a:t>Introduction to Programming with Python</a:t>
-            </a:r>
-          </a:p>
-          <a:p>
-            <a:pPr lvl="1"/>
-            <a:r>
-              <a:rPr lang="en-US" dirty="0" smtClean="0"/>
-              <a:t>Introduction to Databases and SQL (I &amp; II)</a:t>
-            </a:r>
-          </a:p>
-          <a:p>
-            <a:pPr lvl="1"/>
-            <a:r>
-              <a:rPr lang="en-US" dirty="0" smtClean="0"/>
-              <a:t>More!</a:t>
-            </a:r>
+            <a:off x="457200" y="762000"/>
+            <a:ext cx="8229600" cy="4525963"/>
+          </a:xfrm>
+        </p:spPr>
+        <p:txBody>
+          <a:bodyPr>
+            <a:normAutofit/>
+          </a:bodyPr>
+          <a:lstStyle/>
+          <a:p>
+            <a:pPr marL="0" indent="0" fontAlgn="base">
+              <a:buNone/>
+            </a:pPr>
+            <a:r>
+              <a:rPr lang="en-US" dirty="0" smtClean="0"/>
+              <a:t>Girl </a:t>
+            </a:r>
+            <a:r>
+              <a:rPr lang="en-US" dirty="0"/>
+              <a:t>Develop It is here to provide affordable and accessible programs to learn software through mentorship and hands-on instruction.</a:t>
+            </a:r>
+          </a:p>
+          <a:p>
+            <a:pPr marL="0" indent="0" fontAlgn="base">
+              <a:buNone/>
+            </a:pPr>
+            <a:r>
+              <a:rPr lang="en-US" dirty="0"/>
+              <a:t>Some "rules"</a:t>
+            </a:r>
+          </a:p>
+          <a:p>
+            <a:pPr fontAlgn="base"/>
+            <a:r>
+              <a:rPr lang="en-US" dirty="0"/>
+              <a:t>We are here for you!</a:t>
+            </a:r>
+          </a:p>
+          <a:p>
+            <a:pPr fontAlgn="base"/>
+            <a:r>
+              <a:rPr lang="en-US" dirty="0"/>
+              <a:t>Every question is important</a:t>
+            </a:r>
+          </a:p>
+          <a:p>
+            <a:pPr fontAlgn="base"/>
+            <a:r>
+              <a:rPr lang="en-US" dirty="0"/>
+              <a:t>Help each other</a:t>
+            </a:r>
+          </a:p>
+          <a:p>
+            <a:pPr fontAlgn="base"/>
+            <a:r>
+              <a:rPr lang="en-US" dirty="0"/>
+              <a:t>Have fun</a:t>
+            </a:r>
+          </a:p>
+          <a:p>
             <a:endParaRPr lang="en-US" dirty="0"/>
           </a:p>
         </p:txBody>
@@ -4657,7 +4583,7 @@
     </p:spTree>
     <p:extLst>
       <p:ext uri="{BB962C8B-B14F-4D97-AF65-F5344CB8AC3E}">
-        <p14:creationId xmlns:p14="http://schemas.microsoft.com/office/powerpoint/2010/main" val="2425312264"/>
+        <p14:creationId xmlns:p14="http://schemas.microsoft.com/office/powerpoint/2010/main" val="3634930489"/>
       </p:ext>
     </p:extLst>
   </p:cSld>
@@ -4713,7 +4639,7 @@
           <a:p>
             <a:r>
               <a:rPr lang="en-US" dirty="0" smtClean="0"/>
-              <a:t>How to Print?</a:t>
+              <a:t>What to Print?</a:t>
             </a:r>
             <a:endParaRPr lang="en-US" dirty="0"/>
           </a:p>
@@ -4731,23 +4657,43 @@
         </p:nvSpPr>
         <p:spPr>
           <a:xfrm>
-            <a:off x="437909" y="914400"/>
-            <a:ext cx="8229600" cy="1219200"/>
+            <a:off x="457200" y="1219200"/>
+            <a:ext cx="8229600" cy="4525963"/>
           </a:xfrm>
         </p:spPr>
         <p:txBody>
           <a:bodyPr>
-            <a:normAutofit/>
+            <a:normAutofit lnSpcReduction="10000"/>
           </a:bodyPr>
           <a:lstStyle/>
           <a:p>
             <a:r>
               <a:rPr lang="en-US" dirty="0" smtClean="0"/>
-              <a:t>3D printers use </a:t>
+              <a:t>You need a 3D model (.</a:t>
             </a:r>
             <a:r>
               <a:rPr lang="en-US" dirty="0" err="1" smtClean="0"/>
-              <a:t>GCode</a:t>
+              <a:t>stl</a:t>
+            </a:r>
+            <a:r>
+              <a:rPr lang="en-US" dirty="0" smtClean="0"/>
+              <a:t> file)</a:t>
+            </a:r>
+          </a:p>
+          <a:p>
+            <a:pPr lvl="1"/>
+            <a:r>
+              <a:rPr lang="en-US" dirty="0" smtClean="0"/>
+              <a:t>Use an existing model </a:t>
+            </a:r>
+          </a:p>
+          <a:p>
+            <a:pPr lvl="2"/>
+            <a:r>
+              <a:rPr lang="en-US" dirty="0" smtClean="0">
+                <a:hlinkClick r:id="rId2"/>
+              </a:rPr>
+              <a:t>www.thingiverse.com</a:t>
             </a:r>
             <a:endParaRPr lang="en-US" dirty="0" smtClean="0"/>
           </a:p>
@@ -4755,137 +4701,74 @@
             <a:pPr lvl="1"/>
             <a:r>
               <a:rPr lang="en-US" dirty="0" smtClean="0"/>
-              <a:t>Set of instructions (movement, speed, temp, </a:t>
-            </a:r>
-            <a:r>
-              <a:rPr lang="en-US" dirty="0" err="1" smtClean="0"/>
-              <a:t>etc</a:t>
-            </a:r>
-            <a:r>
-              <a:rPr lang="en-US" dirty="0" smtClean="0"/>
-              <a:t>)</a:t>
-            </a:r>
-          </a:p>
-        </p:txBody>
-      </p:sp>
-      <p:sp>
-        <p:nvSpPr>
-          <p:cNvPr id="4" name="TextBox 3"/>
-          <p:cNvSpPr txBox="1"/>
-          <p:nvPr/>
-        </p:nvSpPr>
-        <p:spPr>
-          <a:xfrm>
-            <a:off x="514109" y="2057400"/>
-            <a:ext cx="8153400" cy="3693319"/>
-          </a:xfrm>
-          <a:prstGeom prst="rect">
-            <a:avLst/>
-          </a:prstGeom>
-          <a:noFill/>
-        </p:spPr>
-        <p:txBody>
-          <a:bodyPr wrap="square" rtlCol="0">
-            <a:spAutoFit/>
-          </a:bodyPr>
-          <a:lstStyle/>
-          <a:p>
-            <a:r>
-              <a:rPr lang="en-US" dirty="0" smtClean="0"/>
-              <a:t>(**** </a:t>
-            </a:r>
-            <a:r>
-              <a:rPr lang="en-US" dirty="0" err="1" smtClean="0"/>
-              <a:t>start.gcode</a:t>
-            </a:r>
-            <a:r>
-              <a:rPr lang="en-US" dirty="0" smtClean="0"/>
-              <a:t> for The Replicator, dual head ****)</a:t>
-            </a:r>
-          </a:p>
-          <a:p>
-            <a:r>
-              <a:rPr lang="en-US" dirty="0" smtClean="0"/>
-              <a:t>M103 (disable RPM)</a:t>
-            </a:r>
-          </a:p>
-          <a:p>
-            <a:r>
-              <a:rPr lang="en-US" dirty="0" smtClean="0"/>
-              <a:t>M73 P0 (enable build progress)</a:t>
-            </a:r>
-          </a:p>
-          <a:p>
-            <a:r>
-              <a:rPr lang="en-US" dirty="0" smtClean="0"/>
-              <a:t>G21 (set units to mm)</a:t>
-            </a:r>
-          </a:p>
-          <a:p>
-            <a:r>
-              <a:rPr lang="en-US" dirty="0" smtClean="0"/>
-              <a:t>G90 (set positioning to absolute)</a:t>
-            </a:r>
-          </a:p>
-          <a:p>
-            <a:r>
-              <a:rPr lang="en-US" dirty="0" smtClean="0"/>
-              <a:t>M109 S065 T0 (set HBP temperature)</a:t>
-            </a:r>
-          </a:p>
-          <a:p>
-            <a:r>
-              <a:rPr lang="en-US" dirty="0" smtClean="0"/>
-              <a:t>M104 S220 T0 (set extruder temperature) (temp updated by </a:t>
-            </a:r>
-            <a:r>
-              <a:rPr lang="en-US" dirty="0" err="1" smtClean="0"/>
-              <a:t>printOMatic</a:t>
-            </a:r>
-            <a:r>
-              <a:rPr lang="en-US" dirty="0" smtClean="0"/>
-              <a:t>)</a:t>
-            </a:r>
-          </a:p>
-          <a:p>
-            <a:r>
-              <a:rPr lang="en-US" dirty="0" smtClean="0"/>
-              <a:t>…</a:t>
-            </a:r>
-          </a:p>
-          <a:p>
-            <a:r>
-              <a:rPr lang="en-US" dirty="0" smtClean="0"/>
-              <a:t>G1 X-29.91 Y-29.91 Z0.1 F1080.0 E1.0</a:t>
-            </a:r>
-          </a:p>
-          <a:p>
-            <a:r>
-              <a:rPr lang="en-US" dirty="0" smtClean="0"/>
-              <a:t>G1 X-23.5 Y-35.17 Z0.1 F1080.0 E1.3</a:t>
-            </a:r>
-          </a:p>
-          <a:p>
-            <a:r>
-              <a:rPr lang="en-US" dirty="0" smtClean="0"/>
-              <a:t>G1 X-16.19 Y-39.08 Z0.1 F1080.0 E1.6</a:t>
-            </a:r>
-          </a:p>
-          <a:p>
-            <a:r>
-              <a:rPr lang="en-US" dirty="0" smtClean="0"/>
-              <a:t>G1 X-8.25 Y-41.49 Z0.1 F1080.0 E1.9</a:t>
-            </a:r>
-          </a:p>
-          <a:p>
+              <a:t>Make your own model</a:t>
+            </a:r>
+          </a:p>
+          <a:p>
+            <a:pPr lvl="2"/>
+            <a:r>
+              <a:rPr lang="en-US" dirty="0" err="1"/>
+              <a:t>Tinkercad</a:t>
+            </a:r>
+            <a:r>
+              <a:rPr lang="en-US" dirty="0"/>
+              <a:t> (web based)</a:t>
+            </a:r>
+          </a:p>
+          <a:p>
+            <a:pPr lvl="2"/>
+            <a:r>
+              <a:rPr lang="en-US" dirty="0" err="1"/>
+              <a:t>OnShape</a:t>
+            </a:r>
+            <a:r>
+              <a:rPr lang="en-US" dirty="0"/>
+              <a:t> (web based)</a:t>
+            </a:r>
+          </a:p>
+          <a:p>
+            <a:pPr lvl="2"/>
+            <a:r>
+              <a:rPr lang="en-US" dirty="0" err="1"/>
+              <a:t>Meshmixer</a:t>
+            </a:r>
             <a:endParaRPr lang="en-US" dirty="0"/>
+          </a:p>
+          <a:p>
+            <a:pPr lvl="2"/>
+            <a:r>
+              <a:rPr lang="en-US" dirty="0"/>
+              <a:t>Blender (open source)</a:t>
+            </a:r>
+          </a:p>
+          <a:p>
+            <a:pPr lvl="2"/>
+            <a:r>
+              <a:rPr lang="en-US" dirty="0" err="1"/>
+              <a:t>Autocad</a:t>
+            </a:r>
+            <a:r>
+              <a:rPr lang="en-US" dirty="0"/>
+              <a:t> 123D Design</a:t>
+            </a:r>
+          </a:p>
+          <a:p>
+            <a:pPr lvl="2"/>
+            <a:r>
+              <a:rPr lang="en-US" dirty="0" err="1"/>
+              <a:t>openSCAD</a:t>
+            </a:r>
+            <a:r>
+              <a:rPr lang="en-US" dirty="0"/>
+              <a:t> (open source; code based)</a:t>
+            </a:r>
           </a:p>
         </p:txBody>
       </p:sp>
     </p:spTree>
     <p:extLst>
       <p:ext uri="{BB962C8B-B14F-4D97-AF65-F5344CB8AC3E}">
-        <p14:creationId xmlns:p14="http://schemas.microsoft.com/office/powerpoint/2010/main" val="2291998744"/>
+        <p14:creationId xmlns:p14="http://schemas.microsoft.com/office/powerpoint/2010/main" val="1551500598"/>
       </p:ext>
     </p:extLst>
   </p:cSld>
@@ -4941,7 +4824,7 @@
           <a:p>
             <a:r>
               <a:rPr lang="en-US" dirty="0" smtClean="0"/>
-              <a:t>Slicers</a:t>
+              <a:t>How to Print?</a:t>
             </a:r>
             <a:endParaRPr lang="en-US" dirty="0"/>
           </a:p>
@@ -4960,7 +4843,7 @@
         <p:spPr>
           <a:xfrm>
             <a:off x="437909" y="914400"/>
-            <a:ext cx="8229600" cy="4267200"/>
+            <a:ext cx="8229600" cy="1219200"/>
           </a:xfrm>
         </p:spPr>
         <p:txBody>
@@ -4971,7 +4854,7 @@
           <a:p>
             <a:r>
               <a:rPr lang="en-US" dirty="0" smtClean="0"/>
-              <a:t>Convert Models to </a:t>
+              <a:t>3D printers use </a:t>
             </a:r>
             <a:r>
               <a:rPr lang="en-US" dirty="0" err="1" smtClean="0"/>
@@ -4982,35 +4865,93 @@
           <a:p>
             <a:pPr lvl="1"/>
             <a:r>
+              <a:rPr lang="en-US" dirty="0" smtClean="0"/>
+              <a:t>Set of instructions (movement, speed, temp, </a:t>
+            </a:r>
+            <a:r>
               <a:rPr lang="en-US" dirty="0" err="1" smtClean="0"/>
-              <a:t>Skeinforge</a:t>
-            </a:r>
-            <a:r>
-              <a:rPr lang="en-US" dirty="0" smtClean="0"/>
-              <a:t> used in </a:t>
+              <a:t>etc</a:t>
+            </a:r>
+            <a:r>
+              <a:rPr lang="en-US" dirty="0" smtClean="0"/>
+              <a:t>)</a:t>
+            </a:r>
+          </a:p>
+        </p:txBody>
+      </p:sp>
+      <p:sp>
+        <p:nvSpPr>
+          <p:cNvPr id="4" name="TextBox 3"/>
+          <p:cNvSpPr txBox="1"/>
+          <p:nvPr/>
+        </p:nvSpPr>
+        <p:spPr>
+          <a:xfrm>
+            <a:off x="514109" y="2057400"/>
+            <a:ext cx="8153400" cy="3693319"/>
+          </a:xfrm>
+          <a:prstGeom prst="rect">
+            <a:avLst/>
+          </a:prstGeom>
+          <a:noFill/>
+        </p:spPr>
+        <p:txBody>
+          <a:bodyPr wrap="square" rtlCol="0">
+            <a:spAutoFit/>
+          </a:bodyPr>
+          <a:lstStyle/>
+          <a:p>
+            <a:r>
+              <a:rPr lang="en-US" dirty="0" smtClean="0"/>
+              <a:t>(**** </a:t>
             </a:r>
             <a:r>
               <a:rPr lang="en-US" dirty="0" err="1" smtClean="0"/>
-              <a:t>ReplicatorG</a:t>
-            </a:r>
-            <a:r>
-              <a:rPr lang="en-US" dirty="0" smtClean="0"/>
-              <a:t> (oldie but a goodie)</a:t>
-            </a:r>
-          </a:p>
-          <a:p>
-            <a:pPr lvl="1"/>
+              <a:t>start.gcode</a:t>
+            </a:r>
+            <a:r>
+              <a:rPr lang="en-US" dirty="0" smtClean="0"/>
+              <a:t> for The Replicator, dual head ****)</a:t>
+            </a:r>
+          </a:p>
+          <a:p>
+            <a:r>
+              <a:rPr lang="en-US" dirty="0" smtClean="0"/>
+              <a:t>M103 (disable RPM)</a:t>
+            </a:r>
+          </a:p>
+          <a:p>
+            <a:r>
+              <a:rPr lang="en-US" dirty="0" smtClean="0"/>
+              <a:t>M73 P0 (enable build progress)</a:t>
+            </a:r>
+          </a:p>
+          <a:p>
+            <a:r>
+              <a:rPr lang="en-US" dirty="0" smtClean="0"/>
+              <a:t>G21 (set units to mm)</a:t>
+            </a:r>
+          </a:p>
+          <a:p>
+            <a:r>
+              <a:rPr lang="en-US" dirty="0" smtClean="0"/>
+              <a:t>G90 (set positioning to absolute)</a:t>
+            </a:r>
+          </a:p>
+          <a:p>
+            <a:r>
+              <a:rPr lang="en-US" dirty="0" smtClean="0"/>
+              <a:t>M109 S065 T0 (set HBP temperature)</a:t>
+            </a:r>
+          </a:p>
+          <a:p>
+            <a:r>
+              <a:rPr lang="en-US" dirty="0" smtClean="0"/>
+              <a:t>M104 S220 T0 (set extruder temperature) (temp updated by </a:t>
+            </a:r>
             <a:r>
               <a:rPr lang="en-US" dirty="0" err="1" smtClean="0"/>
-              <a:t>Repetier</a:t>
-            </a:r>
-            <a:r>
-              <a:rPr lang="en-US" dirty="0" smtClean="0"/>
-              <a:t> (includes </a:t>
-            </a:r>
-            <a:r>
-              <a:rPr lang="en-US" dirty="0"/>
-              <a:t>Slic3r </a:t>
+              <a:t>printOMatic</a:t>
             </a:r>
             <a:r>
               <a:rPr lang="en-US" dirty="0" smtClean="0"/>
@@ -5018,52 +4959,44 @@
             </a:r>
           </a:p>
           <a:p>
-            <a:pPr lvl="1"/>
-            <a:r>
-              <a:rPr lang="en-US" dirty="0" smtClean="0"/>
-              <a:t>Slic3r </a:t>
-            </a:r>
-          </a:p>
-          <a:p>
-            <a:pPr lvl="1"/>
-            <a:r>
-              <a:rPr lang="en-US" dirty="0" err="1" smtClean="0"/>
-              <a:t>KISSlicer</a:t>
-            </a:r>
-            <a:endParaRPr lang="en-US" dirty="0" smtClean="0"/>
-          </a:p>
-          <a:p>
-            <a:pPr lvl="1"/>
-            <a:r>
-              <a:rPr lang="en-US" dirty="0" err="1" smtClean="0"/>
-              <a:t>Makerware</a:t>
-            </a:r>
-            <a:r>
-              <a:rPr lang="en-US" dirty="0" smtClean="0"/>
-              <a:t> (</a:t>
-            </a:r>
-            <a:r>
-              <a:rPr lang="en-US" dirty="0" err="1" smtClean="0"/>
-              <a:t>Makerbot</a:t>
-            </a:r>
-            <a:r>
-              <a:rPr lang="en-US" dirty="0" smtClean="0"/>
-              <a:t>)</a:t>
-            </a:r>
-          </a:p>
-          <a:p>
-            <a:pPr lvl="1"/>
-            <a:r>
-              <a:rPr lang="en-US" dirty="0" smtClean="0"/>
-              <a:t>Simplify3D ($$$)</a:t>
-            </a:r>
+            <a:r>
+              <a:rPr lang="en-US" dirty="0" smtClean="0"/>
+              <a:t>…</a:t>
+            </a:r>
+          </a:p>
+          <a:p>
+            <a:r>
+              <a:rPr lang="en-US" dirty="0" smtClean="0"/>
+              <a:t>G1 X-29.91 Y-29.91 Z0.1 F1080.0 E1.0</a:t>
+            </a:r>
+          </a:p>
+          <a:p>
+            <a:r>
+              <a:rPr lang="en-US" dirty="0" smtClean="0"/>
+              <a:t>G1 X-23.5 Y-35.17 Z0.1 F1080.0 E1.3</a:t>
+            </a:r>
+          </a:p>
+          <a:p>
+            <a:r>
+              <a:rPr lang="en-US" dirty="0" smtClean="0"/>
+              <a:t>G1 X-16.19 Y-39.08 Z0.1 F1080.0 E1.6</a:t>
+            </a:r>
+          </a:p>
+          <a:p>
+            <a:r>
+              <a:rPr lang="en-US" dirty="0" smtClean="0"/>
+              <a:t>G1 X-8.25 Y-41.49 Z0.1 F1080.0 E1.9</a:t>
+            </a:r>
+          </a:p>
+          <a:p>
+            <a:endParaRPr lang="en-US" dirty="0"/>
           </a:p>
         </p:txBody>
       </p:sp>
     </p:spTree>
     <p:extLst>
       <p:ext uri="{BB962C8B-B14F-4D97-AF65-F5344CB8AC3E}">
-        <p14:creationId xmlns:p14="http://schemas.microsoft.com/office/powerpoint/2010/main" val="1490415496"/>
+        <p14:creationId xmlns:p14="http://schemas.microsoft.com/office/powerpoint/2010/main" val="2291998744"/>
       </p:ext>
     </p:extLst>
   </p:cSld>
@@ -5119,7 +5052,7 @@
           <a:p>
             <a:r>
               <a:rPr lang="en-US" dirty="0" smtClean="0"/>
-              <a:t>Terminology / Settings</a:t>
+              <a:t>Slicers</a:t>
             </a:r>
             <a:endParaRPr lang="en-US" dirty="0"/>
           </a:p>
@@ -5137,8 +5070,8 @@
         </p:nvSpPr>
         <p:spPr>
           <a:xfrm>
-            <a:off x="2209800" y="914400"/>
-            <a:ext cx="4800600" cy="4267200"/>
+            <a:off x="437909" y="914400"/>
+            <a:ext cx="8229600" cy="4267200"/>
           </a:xfrm>
         </p:spPr>
         <p:txBody>
@@ -5149,48 +5082,115 @@
           <a:p>
             <a:r>
               <a:rPr lang="en-US" dirty="0" smtClean="0"/>
-              <a:t>Layer Height</a:t>
-            </a:r>
-          </a:p>
-          <a:p>
-            <a:r>
-              <a:rPr lang="en-US" dirty="0" smtClean="0"/>
-              <a:t>Shells</a:t>
-            </a:r>
-          </a:p>
-          <a:p>
-            <a:r>
-              <a:rPr lang="en-US" dirty="0" smtClean="0"/>
-              <a:t>Infill</a:t>
-            </a:r>
-          </a:p>
-          <a:p>
-            <a:r>
-              <a:rPr lang="en-US" dirty="0" smtClean="0"/>
-              <a:t>Support</a:t>
-            </a:r>
-          </a:p>
-          <a:p>
-            <a:r>
-              <a:rPr lang="en-US" dirty="0" smtClean="0"/>
-              <a:t>Skirt (brim)</a:t>
-            </a:r>
-          </a:p>
-          <a:p>
-            <a:r>
-              <a:rPr lang="en-US" dirty="0" smtClean="0"/>
-              <a:t>Raft</a:t>
-            </a:r>
-          </a:p>
-          <a:p>
+              <a:t>Convert Models to </a:t>
+            </a:r>
+            <a:r>
+              <a:rPr lang="en-US" dirty="0" err="1" smtClean="0"/>
+              <a:t>GCode</a:t>
+            </a:r>
             <a:endParaRPr lang="en-US" dirty="0" smtClean="0"/>
+          </a:p>
+          <a:p>
+            <a:pPr lvl="1"/>
+            <a:r>
+              <a:rPr lang="en-US" dirty="0" err="1"/>
+              <a:t>Cura</a:t>
+            </a:r>
+            <a:r>
+              <a:rPr lang="en-US" dirty="0"/>
+              <a:t> (</a:t>
+            </a:r>
+            <a:r>
+              <a:rPr lang="en-US" dirty="0" err="1"/>
+              <a:t>Ulitmaker</a:t>
+            </a:r>
+            <a:r>
+              <a:rPr lang="en-US" dirty="0"/>
+              <a:t>)</a:t>
+            </a:r>
+          </a:p>
+          <a:p>
+            <a:pPr lvl="1"/>
+            <a:r>
+              <a:rPr lang="en-US" dirty="0" err="1" smtClean="0"/>
+              <a:t>Repetier</a:t>
+            </a:r>
+            <a:r>
+              <a:rPr lang="en-US" dirty="0" smtClean="0"/>
+              <a:t> </a:t>
+            </a:r>
+            <a:r>
+              <a:rPr lang="en-US" dirty="0" smtClean="0"/>
+              <a:t>(includes </a:t>
+            </a:r>
+            <a:r>
+              <a:rPr lang="en-US" dirty="0"/>
+              <a:t>Slic3r </a:t>
+            </a:r>
+            <a:r>
+              <a:rPr lang="en-US" dirty="0" smtClean="0"/>
+              <a:t>)</a:t>
+            </a:r>
+          </a:p>
+          <a:p>
+            <a:pPr lvl="1"/>
+            <a:r>
+              <a:rPr lang="en-US" dirty="0" err="1"/>
+              <a:t>Skeinforge</a:t>
+            </a:r>
+            <a:r>
+              <a:rPr lang="en-US" dirty="0"/>
+              <a:t> used in </a:t>
+            </a:r>
+            <a:r>
+              <a:rPr lang="en-US" dirty="0" err="1"/>
+              <a:t>ReplicatorG</a:t>
+            </a:r>
+            <a:r>
+              <a:rPr lang="en-US" dirty="0"/>
+              <a:t> (oldie but a goodie)</a:t>
+            </a:r>
+          </a:p>
+          <a:p>
+            <a:pPr lvl="1"/>
+            <a:r>
+              <a:rPr lang="en-US" dirty="0" err="1" smtClean="0"/>
+              <a:t>KISSlicer</a:t>
+            </a:r>
+            <a:endParaRPr lang="en-US" dirty="0" smtClean="0"/>
+          </a:p>
+          <a:p>
+            <a:pPr lvl="1"/>
+            <a:r>
+              <a:rPr lang="en-US" dirty="0" err="1" smtClean="0"/>
+              <a:t>Makerware</a:t>
+            </a:r>
+            <a:r>
+              <a:rPr lang="en-US" dirty="0" smtClean="0"/>
+              <a:t> (</a:t>
+            </a:r>
+            <a:r>
+              <a:rPr lang="en-US" dirty="0" err="1" smtClean="0"/>
+              <a:t>Makerbot</a:t>
+            </a:r>
+            <a:r>
+              <a:rPr lang="en-US" dirty="0" smtClean="0"/>
+              <a:t>)</a:t>
+            </a:r>
+          </a:p>
+          <a:p>
+            <a:pPr lvl="1"/>
+            <a:r>
+              <a:rPr lang="en-US" dirty="0" smtClean="0"/>
+              <a:t>Simplify3D ($$$)</a:t>
+            </a:r>
           </a:p>
         </p:txBody>
       </p:sp>
     </p:spTree>
     <p:extLst>
       <p:ext uri="{BB962C8B-B14F-4D97-AF65-F5344CB8AC3E}">
-        <p14:creationId xmlns:p14="http://schemas.microsoft.com/office/powerpoint/2010/main" val="2205588535"/>
+        <p14:creationId xmlns:p14="http://schemas.microsoft.com/office/powerpoint/2010/main" val="1490415496"/>
       </p:ext>
     </p:extLst>
   </p:cSld>
@@ -5264,8 +5264,8 @@
         </p:nvSpPr>
         <p:spPr>
           <a:xfrm>
-            <a:off x="2209800" y="990600"/>
-            <a:ext cx="5029200" cy="4267200"/>
+            <a:off x="2209800" y="914400"/>
+            <a:ext cx="4800600" cy="4267200"/>
           </a:xfrm>
         </p:spPr>
         <p:txBody>
@@ -5276,36 +5276,37 @@
           <a:p>
             <a:r>
               <a:rPr lang="en-US" dirty="0" smtClean="0"/>
-              <a:t>Layer Height </a:t>
-            </a:r>
-          </a:p>
-          <a:p>
-            <a:pPr lvl="1"/>
-            <a:r>
-              <a:rPr lang="en-US" dirty="0"/>
-              <a:t>0.1 mm, </a:t>
-            </a:r>
-            <a:r>
-              <a:rPr lang="en-US" dirty="0" smtClean="0"/>
-              <a:t>(fine)</a:t>
-            </a:r>
-          </a:p>
-          <a:p>
-            <a:pPr lvl="1"/>
-            <a:r>
-              <a:rPr lang="en-US" dirty="0"/>
-              <a:t>0.2 mm, </a:t>
-            </a:r>
-            <a:r>
-              <a:rPr lang="en-US" dirty="0" smtClean="0"/>
-              <a:t>(med)</a:t>
-            </a:r>
-          </a:p>
-          <a:p>
-            <a:pPr lvl="1"/>
-            <a:r>
-              <a:rPr lang="en-US" dirty="0" smtClean="0"/>
-              <a:t>0.3 mm (coarse)</a:t>
+              <a:t>Layer Height</a:t>
+            </a:r>
+          </a:p>
+          <a:p>
+            <a:r>
+              <a:rPr lang="en-US" dirty="0" smtClean="0"/>
+              <a:t>Shells</a:t>
+            </a:r>
+          </a:p>
+          <a:p>
+            <a:r>
+              <a:rPr lang="en-US" dirty="0" smtClean="0"/>
+              <a:t>Infill</a:t>
+            </a:r>
+          </a:p>
+          <a:p>
+            <a:r>
+              <a:rPr lang="en-US" dirty="0" smtClean="0"/>
+              <a:t>Support</a:t>
+            </a:r>
+          </a:p>
+          <a:p>
+            <a:r>
+              <a:rPr lang="en-US" dirty="0" smtClean="0"/>
+              <a:t>Skirt (brim)</a:t>
+            </a:r>
+          </a:p>
+          <a:p>
+            <a:r>
+              <a:rPr lang="en-US" dirty="0" smtClean="0"/>
+              <a:t>Raft</a:t>
             </a:r>
           </a:p>
           <a:p>
@@ -5316,7 +5317,7 @@
     </p:spTree>
     <p:extLst>
       <p:ext uri="{BB962C8B-B14F-4D97-AF65-F5344CB8AC3E}">
-        <p14:creationId xmlns:p14="http://schemas.microsoft.com/office/powerpoint/2010/main" val="3380582945"/>
+        <p14:creationId xmlns:p14="http://schemas.microsoft.com/office/powerpoint/2010/main" val="2205588535"/>
       </p:ext>
     </p:extLst>
   </p:cSld>
@@ -5372,7 +5373,7 @@
           <a:p>
             <a:r>
               <a:rPr lang="en-US" dirty="0" smtClean="0"/>
-              <a:t>Bed Leveling is Important</a:t>
+              <a:t>Terminology / Settings</a:t>
             </a:r>
             <a:endParaRPr lang="en-US" dirty="0"/>
           </a:p>
@@ -5390,8 +5391,8 @@
         </p:nvSpPr>
         <p:spPr>
           <a:xfrm>
-            <a:off x="1676400" y="1066800"/>
-            <a:ext cx="6172200" cy="4267200"/>
+            <a:off x="2209800" y="990600"/>
+            <a:ext cx="5029200" cy="4267200"/>
           </a:xfrm>
         </p:spPr>
         <p:txBody>
@@ -5402,37 +5403,47 @@
           <a:p>
             <a:r>
               <a:rPr lang="en-US" dirty="0" smtClean="0"/>
-              <a:t>Layer height (0.1, 0.2, 0.3mm)</a:t>
+              <a:t>Layer Height </a:t>
             </a:r>
           </a:p>
           <a:p>
             <a:pPr lvl="1"/>
             <a:r>
-              <a:rPr lang="en-US" dirty="0" smtClean="0"/>
-              <a:t>1/64” </a:t>
-            </a:r>
-            <a:r>
               <a:rPr lang="en-US" dirty="0"/>
-              <a:t>~  </a:t>
-            </a:r>
-            <a:r>
-              <a:rPr lang="en-US" dirty="0" smtClean="0"/>
-              <a:t>0.4mm </a:t>
+              <a:t>0.1 mm, </a:t>
+            </a:r>
+            <a:r>
+              <a:rPr lang="en-US" dirty="0" smtClean="0"/>
+              <a:t>(fine)</a:t>
             </a:r>
           </a:p>
           <a:p>
             <a:pPr lvl="1"/>
             <a:r>
-              <a:rPr lang="en-US" dirty="0" smtClean="0"/>
-              <a:t>Sheet of paper is ~ 0.05mm thick</a:t>
-            </a:r>
+              <a:rPr lang="en-US" dirty="0"/>
+              <a:t>0.2 mm, </a:t>
+            </a:r>
+            <a:r>
+              <a:rPr lang="en-US" dirty="0" smtClean="0"/>
+              <a:t>(med)</a:t>
+            </a:r>
+          </a:p>
+          <a:p>
+            <a:pPr lvl="1"/>
+            <a:r>
+              <a:rPr lang="en-US" dirty="0" smtClean="0"/>
+              <a:t>0.3 mm (coarse)</a:t>
+            </a:r>
+          </a:p>
+          <a:p>
+            <a:endParaRPr lang="en-US" dirty="0" smtClean="0"/>
           </a:p>
         </p:txBody>
       </p:sp>
     </p:spTree>
     <p:extLst>
       <p:ext uri="{BB962C8B-B14F-4D97-AF65-F5344CB8AC3E}">
-        <p14:creationId xmlns:p14="http://schemas.microsoft.com/office/powerpoint/2010/main" val="755014158"/>
+        <p14:creationId xmlns:p14="http://schemas.microsoft.com/office/powerpoint/2010/main" val="3380582945"/>
       </p:ext>
     </p:extLst>
   </p:cSld>
@@ -5488,7 +5499,7 @@
           <a:p>
             <a:r>
               <a:rPr lang="en-US" dirty="0" smtClean="0"/>
-              <a:t>Terminology / Settings</a:t>
+              <a:t>Bed Leveling is Important</a:t>
             </a:r>
             <a:endParaRPr lang="en-US" dirty="0"/>
           </a:p>
@@ -5506,8 +5517,8 @@
         </p:nvSpPr>
         <p:spPr>
           <a:xfrm>
-            <a:off x="990600" y="914400"/>
-            <a:ext cx="7315200" cy="4267200"/>
+            <a:off x="1676400" y="1066800"/>
+            <a:ext cx="6172200" cy="4267200"/>
           </a:xfrm>
         </p:spPr>
         <p:txBody>
@@ -5518,32 +5529,37 @@
           <a:p>
             <a:r>
               <a:rPr lang="en-US" dirty="0" smtClean="0"/>
-              <a:t>Shells – </a:t>
+              <a:t>Layer height (0.1, 0.2, 0.3mm)</a:t>
             </a:r>
           </a:p>
           <a:p>
             <a:pPr lvl="1"/>
             <a:r>
               <a:rPr lang="en-US" dirty="0" smtClean="0"/>
-              <a:t>How many layers around the outside</a:t>
+              <a:t>1/64” </a:t>
+            </a:r>
+            <a:r>
+              <a:rPr lang="en-US" dirty="0"/>
+              <a:t>~  </a:t>
+            </a:r>
+            <a:r>
+              <a:rPr lang="en-US" dirty="0" smtClean="0"/>
+              <a:t>0.4mm </a:t>
             </a:r>
           </a:p>
           <a:p>
             <a:pPr lvl="1"/>
             <a:r>
               <a:rPr lang="en-US" dirty="0" smtClean="0"/>
-              <a:t>1,2,…? (2 is common, 4 or more extreme)</a:t>
-            </a:r>
-          </a:p>
-          <a:p>
-            <a:endParaRPr lang="en-US" dirty="0" smtClean="0"/>
+              <a:t>Sheet of paper is ~ 0.05mm thick</a:t>
+            </a:r>
           </a:p>
         </p:txBody>
       </p:sp>
     </p:spTree>
     <p:extLst>
       <p:ext uri="{BB962C8B-B14F-4D97-AF65-F5344CB8AC3E}">
-        <p14:creationId xmlns:p14="http://schemas.microsoft.com/office/powerpoint/2010/main" val="40754143"/>
+        <p14:creationId xmlns:p14="http://schemas.microsoft.com/office/powerpoint/2010/main" val="755014158"/>
       </p:ext>
     </p:extLst>
   </p:cSld>
@@ -5617,8 +5633,8 @@
         </p:nvSpPr>
         <p:spPr>
           <a:xfrm>
-            <a:off x="2133600" y="914400"/>
-            <a:ext cx="4953000" cy="4267200"/>
+            <a:off x="990600" y="914400"/>
+            <a:ext cx="7315200" cy="4267200"/>
           </a:xfrm>
         </p:spPr>
         <p:txBody>
@@ -5629,21 +5645,21 @@
           <a:p>
             <a:r>
               <a:rPr lang="en-US" dirty="0" smtClean="0"/>
-              <a:t>Infill –</a:t>
+              <a:t>Shells – </a:t>
             </a:r>
           </a:p>
           <a:p>
             <a:pPr lvl="1"/>
             <a:r>
               <a:rPr lang="en-US" dirty="0" smtClean="0"/>
-              <a:t>10% - 100% </a:t>
+              <a:t>How many layers around the outside</a:t>
             </a:r>
           </a:p>
           <a:p>
             <a:pPr lvl="1"/>
             <a:r>
               <a:rPr lang="en-US" dirty="0" smtClean="0"/>
-              <a:t>10% - 20% is common</a:t>
+              <a:t>1,2,…? (2 is common, 4 or more extreme)</a:t>
             </a:r>
           </a:p>
           <a:p>
@@ -5654,7 +5670,7 @@
     </p:spTree>
     <p:extLst>
       <p:ext uri="{BB962C8B-B14F-4D97-AF65-F5344CB8AC3E}">
-        <p14:creationId xmlns:p14="http://schemas.microsoft.com/office/powerpoint/2010/main" val="2040739278"/>
+        <p14:creationId xmlns:p14="http://schemas.microsoft.com/office/powerpoint/2010/main" val="40754143"/>
       </p:ext>
     </p:extLst>
   </p:cSld>
@@ -5710,7 +5726,7 @@
           <a:p>
             <a:r>
               <a:rPr lang="en-US" dirty="0" smtClean="0"/>
-              <a:t>Infill</a:t>
+              <a:t>Terminology / Settings</a:t>
             </a:r>
             <a:endParaRPr lang="en-US" dirty="0"/>
           </a:p>
@@ -5718,127 +5734,54 @@
       </p:sp>
       <p:sp>
         <p:nvSpPr>
-          <p:cNvPr id="11" name="TextBox 10"/>
-          <p:cNvSpPr txBox="1"/>
-          <p:nvPr/>
-        </p:nvSpPr>
-        <p:spPr>
-          <a:xfrm>
-            <a:off x="1905000" y="4803523"/>
-            <a:ext cx="1028700" cy="523220"/>
-          </a:xfrm>
-          <a:prstGeom prst="rect">
-            <a:avLst/>
-          </a:prstGeom>
-          <a:noFill/>
-        </p:spPr>
-        <p:txBody>
-          <a:bodyPr wrap="square" rtlCol="0">
-            <a:spAutoFit/>
+          <p:cNvPr id="3" name="Content Placeholder 2"/>
+          <p:cNvSpPr>
+            <a:spLocks noGrp="1"/>
+          </p:cNvSpPr>
+          <p:nvPr>
+            <p:ph idx="1"/>
+          </p:nvPr>
+        </p:nvSpPr>
+        <p:spPr>
+          <a:xfrm>
+            <a:off x="2133600" y="914400"/>
+            <a:ext cx="4953000" cy="4267200"/>
+          </a:xfrm>
+        </p:spPr>
+        <p:txBody>
+          <a:bodyPr>
+            <a:normAutofit/>
           </a:bodyPr>
           <a:lstStyle/>
           <a:p>
             <a:r>
-              <a:rPr lang="en-US" sz="2800" dirty="0" smtClean="0"/>
-              <a:t>10%</a:t>
-            </a:r>
-            <a:endParaRPr lang="en-US" sz="2800" dirty="0"/>
-          </a:p>
-        </p:txBody>
-      </p:sp>
-      <p:sp>
-        <p:nvSpPr>
-          <p:cNvPr id="13" name="TextBox 12"/>
-          <p:cNvSpPr txBox="1"/>
-          <p:nvPr/>
-        </p:nvSpPr>
-        <p:spPr>
-          <a:xfrm>
-            <a:off x="6066064" y="4817332"/>
-            <a:ext cx="1447800" cy="523220"/>
-          </a:xfrm>
-          <a:prstGeom prst="rect">
-            <a:avLst/>
-          </a:prstGeom>
-          <a:noFill/>
-        </p:spPr>
-        <p:txBody>
-          <a:bodyPr wrap="square" rtlCol="0">
-            <a:spAutoFit/>
-          </a:bodyPr>
-          <a:lstStyle/>
-          <a:p>
-            <a:r>
-              <a:rPr lang="en-US" sz="2800" dirty="0" smtClean="0"/>
-              <a:t>40%</a:t>
-            </a:r>
-          </a:p>
-        </p:txBody>
-      </p:sp>
-      <p:pic>
-        <p:nvPicPr>
-          <p:cNvPr id="14" name="Picture 13"/>
-          <p:cNvPicPr>
-            <a:picLocks noChangeAspect="1"/>
-          </p:cNvPicPr>
-          <p:nvPr/>
-        </p:nvPicPr>
-        <p:blipFill>
-          <a:blip r:embed="rId2">
-            <a:extLst>
-              <a:ext uri="{28A0092B-C50C-407E-A947-70E740481C1C}">
-                <a14:useLocalDpi xmlns:a14="http://schemas.microsoft.com/office/drawing/2010/main" val="0"/>
-              </a:ext>
-            </a:extLst>
-          </a:blip>
-          <a:stretch>
-            <a:fillRect/>
-          </a:stretch>
-        </p:blipFill>
-        <p:spPr>
-          <a:xfrm>
-            <a:off x="457200" y="1143000"/>
-            <a:ext cx="4152900" cy="3451521"/>
-          </a:xfrm>
-          <a:prstGeom prst="rect">
-            <a:avLst/>
-          </a:prstGeom>
-        </p:spPr>
-      </p:pic>
-      <p:pic>
-        <p:nvPicPr>
-          <p:cNvPr id="15" name="Picture 14"/>
-          <p:cNvPicPr>
-            <a:picLocks noChangeAspect="1"/>
-          </p:cNvPicPr>
-          <p:nvPr/>
-        </p:nvPicPr>
-        <p:blipFill>
-          <a:blip r:embed="rId3">
-            <a:extLst>
-              <a:ext uri="{28A0092B-C50C-407E-A947-70E740481C1C}">
-                <a14:useLocalDpi xmlns:a14="http://schemas.microsoft.com/office/drawing/2010/main" val="0"/>
-              </a:ext>
-            </a:extLst>
-          </a:blip>
-          <a:stretch>
-            <a:fillRect/>
-          </a:stretch>
-        </p:blipFill>
-        <p:spPr>
-          <a:xfrm>
-            <a:off x="4800600" y="1143000"/>
-            <a:ext cx="3978729" cy="3470468"/>
-          </a:xfrm>
-          <a:prstGeom prst="rect">
-            <a:avLst/>
-          </a:prstGeom>
-        </p:spPr>
-      </p:pic>
+              <a:rPr lang="en-US" dirty="0" smtClean="0"/>
+              <a:t>Infill –</a:t>
+            </a:r>
+          </a:p>
+          <a:p>
+            <a:pPr lvl="1"/>
+            <a:r>
+              <a:rPr lang="en-US" dirty="0" smtClean="0"/>
+              <a:t>10% - 100% </a:t>
+            </a:r>
+          </a:p>
+          <a:p>
+            <a:pPr lvl="1"/>
+            <a:r>
+              <a:rPr lang="en-US" dirty="0" smtClean="0"/>
+              <a:t>10% - 20% is common</a:t>
+            </a:r>
+          </a:p>
+          <a:p>
+            <a:endParaRPr lang="en-US" dirty="0" smtClean="0"/>
+          </a:p>
+        </p:txBody>
+      </p:sp>
     </p:spTree>
     <p:extLst>
       <p:ext uri="{BB962C8B-B14F-4D97-AF65-F5344CB8AC3E}">
-        <p14:creationId xmlns:p14="http://schemas.microsoft.com/office/powerpoint/2010/main" val="3078402184"/>
+        <p14:creationId xmlns:p14="http://schemas.microsoft.com/office/powerpoint/2010/main" val="2040739278"/>
       </p:ext>
     </p:extLst>
   </p:cSld>
@@ -5894,7 +5837,7 @@
           <a:p>
             <a:r>
               <a:rPr lang="en-US" dirty="0" smtClean="0"/>
-              <a:t>Terminology / Settings</a:t>
+              <a:t>Infill</a:t>
             </a:r>
             <a:endParaRPr lang="en-US" dirty="0"/>
           </a:p>
@@ -5902,51 +5845,127 @@
       </p:sp>
       <p:sp>
         <p:nvSpPr>
-          <p:cNvPr id="3" name="Content Placeholder 2"/>
-          <p:cNvSpPr>
-            <a:spLocks noGrp="1"/>
-          </p:cNvSpPr>
-          <p:nvPr>
-            <p:ph idx="1"/>
-          </p:nvPr>
-        </p:nvSpPr>
-        <p:spPr>
-          <a:xfrm>
-            <a:off x="1752600" y="914400"/>
-            <a:ext cx="5867400" cy="4267200"/>
-          </a:xfrm>
-        </p:spPr>
-        <p:txBody>
-          <a:bodyPr>
-            <a:normAutofit/>
+          <p:cNvPr id="11" name="TextBox 10"/>
+          <p:cNvSpPr txBox="1"/>
+          <p:nvPr/>
+        </p:nvSpPr>
+        <p:spPr>
+          <a:xfrm>
+            <a:off x="1905000" y="4803523"/>
+            <a:ext cx="1028700" cy="523220"/>
+          </a:xfrm>
+          <a:prstGeom prst="rect">
+            <a:avLst/>
+          </a:prstGeom>
+          <a:noFill/>
+        </p:spPr>
+        <p:txBody>
+          <a:bodyPr wrap="square" rtlCol="0">
+            <a:spAutoFit/>
           </a:bodyPr>
           <a:lstStyle/>
           <a:p>
             <a:r>
-              <a:rPr lang="en-US" dirty="0" smtClean="0"/>
-              <a:t>Support</a:t>
-            </a:r>
-          </a:p>
-          <a:p>
-            <a:pPr lvl="1"/>
-            <a:r>
-              <a:rPr lang="en-US" dirty="0" smtClean="0"/>
-              <a:t>Printed material that is not part of the finished model</a:t>
-            </a:r>
-          </a:p>
-          <a:p>
-            <a:pPr lvl="1"/>
-            <a:r>
-              <a:rPr lang="en-US" dirty="0" smtClean="0"/>
-              <a:t>scaffolding</a:t>
-            </a:r>
-          </a:p>
-        </p:txBody>
-      </p:sp>
+              <a:rPr lang="en-US" sz="2800" dirty="0" smtClean="0"/>
+              <a:t>10%</a:t>
+            </a:r>
+            <a:endParaRPr lang="en-US" sz="2800" dirty="0"/>
+          </a:p>
+        </p:txBody>
+      </p:sp>
+      <p:sp>
+        <p:nvSpPr>
+          <p:cNvPr id="13" name="TextBox 12"/>
+          <p:cNvSpPr txBox="1"/>
+          <p:nvPr/>
+        </p:nvSpPr>
+        <p:spPr>
+          <a:xfrm>
+            <a:off x="6066064" y="4817332"/>
+            <a:ext cx="1447800" cy="523220"/>
+          </a:xfrm>
+          <a:prstGeom prst="rect">
+            <a:avLst/>
+          </a:prstGeom>
+          <a:noFill/>
+        </p:spPr>
+        <p:txBody>
+          <a:bodyPr wrap="square" rtlCol="0">
+            <a:spAutoFit/>
+          </a:bodyPr>
+          <a:lstStyle/>
+          <a:p>
+            <a:r>
+              <a:rPr lang="en-US" sz="2800" dirty="0" smtClean="0"/>
+              <a:t>40%</a:t>
+            </a:r>
+          </a:p>
+        </p:txBody>
+      </p:sp>
+      <p:pic>
+        <p:nvPicPr>
+          <p:cNvPr id="14" name="Picture 13"/>
+          <p:cNvPicPr>
+            <a:picLocks noChangeAspect="1"/>
+          </p:cNvPicPr>
+          <p:nvPr/>
+        </p:nvPicPr>
+        <p:blipFill>
+          <a:blip r:embed="rId2">
+            <a:extLst>
+              <a:ext uri="{28A0092B-C50C-407E-A947-70E740481C1C}">
+                <a14:useLocalDpi xmlns:a14="http://schemas.microsoft.com/office/drawing/2010/main" val="0"/>
+              </a:ext>
+            </a:extLst>
+          </a:blip>
+          <a:stretch>
+            <a:fillRect/>
+          </a:stretch>
+        </p:blipFill>
+        <p:spPr>
+          <a:xfrm>
+            <a:off x="457200" y="1143000"/>
+            <a:ext cx="4152900" cy="3451521"/>
+          </a:xfrm>
+          <a:prstGeom prst="rect">
+            <a:avLst/>
+          </a:prstGeom>
+        </p:spPr>
+      </p:pic>
+      <p:pic>
+        <p:nvPicPr>
+          <p:cNvPr id="15" name="Picture 14"/>
+          <p:cNvPicPr>
+            <a:picLocks noChangeAspect="1"/>
+          </p:cNvPicPr>
+          <p:nvPr/>
+        </p:nvPicPr>
+        <p:blipFill>
+          <a:blip r:embed="rId3">
+            <a:extLst>
+              <a:ext uri="{28A0092B-C50C-407E-A947-70E740481C1C}">
+                <a14:useLocalDpi xmlns:a14="http://schemas.microsoft.com/office/drawing/2010/main" val="0"/>
+              </a:ext>
+            </a:extLst>
+          </a:blip>
+          <a:stretch>
+            <a:fillRect/>
+          </a:stretch>
+        </p:blipFill>
+        <p:spPr>
+          <a:xfrm>
+            <a:off x="4800600" y="1143000"/>
+            <a:ext cx="3978729" cy="3470468"/>
+          </a:xfrm>
+          <a:prstGeom prst="rect">
+            <a:avLst/>
+          </a:prstGeom>
+        </p:spPr>
+      </p:pic>
     </p:spTree>
     <p:extLst>
       <p:ext uri="{BB962C8B-B14F-4D97-AF65-F5344CB8AC3E}">
-        <p14:creationId xmlns:p14="http://schemas.microsoft.com/office/powerpoint/2010/main" val="2386436646"/>
+        <p14:creationId xmlns:p14="http://schemas.microsoft.com/office/powerpoint/2010/main" val="3078402184"/>
       </p:ext>
     </p:extLst>
   </p:cSld>
@@ -6002,7 +6021,7 @@
           <a:p>
             <a:r>
               <a:rPr lang="en-US" dirty="0" smtClean="0"/>
-              <a:t>Support</a:t>
+              <a:t>Terminology / Settings</a:t>
             </a:r>
             <a:endParaRPr lang="en-US" dirty="0"/>
           </a:p>
@@ -6020,8 +6039,8 @@
         </p:nvSpPr>
         <p:spPr>
           <a:xfrm>
-            <a:off x="228600" y="914400"/>
-            <a:ext cx="8839200" cy="4267200"/>
+            <a:off x="1752600" y="914400"/>
+            <a:ext cx="5867400" cy="4267200"/>
           </a:xfrm>
         </p:spPr>
         <p:txBody>
@@ -6032,62 +6051,29 @@
           <a:p>
             <a:r>
               <a:rPr lang="en-US" dirty="0" smtClean="0"/>
-              <a:t>Overhangs</a:t>
-            </a:r>
-          </a:p>
-          <a:p>
-            <a:endParaRPr lang="en-US" dirty="0" smtClean="0"/>
-          </a:p>
-        </p:txBody>
-      </p:sp>
-      <p:pic>
-        <p:nvPicPr>
-          <p:cNvPr id="4" name="Picture 3"/>
-          <p:cNvPicPr/>
-          <p:nvPr/>
-        </p:nvPicPr>
-        <p:blipFill>
-          <a:blip r:embed="rId2"/>
-          <a:stretch>
-            <a:fillRect/>
-          </a:stretch>
-        </p:blipFill>
-        <p:spPr>
-          <a:xfrm>
-            <a:off x="567644" y="1600200"/>
-            <a:ext cx="3318556" cy="3485079"/>
-          </a:xfrm>
-          <a:prstGeom prst="rect">
-            <a:avLst/>
-          </a:prstGeom>
-        </p:spPr>
-      </p:pic>
-      <p:pic>
-        <p:nvPicPr>
-          <p:cNvPr id="5" name="Picture 4"/>
-          <p:cNvPicPr/>
-          <p:nvPr/>
-        </p:nvPicPr>
-        <p:blipFill>
-          <a:blip r:embed="rId3"/>
-          <a:stretch>
-            <a:fillRect/>
-          </a:stretch>
-        </p:blipFill>
-        <p:spPr>
-          <a:xfrm>
-            <a:off x="4724400" y="1524000"/>
-            <a:ext cx="2971800" cy="3578047"/>
-          </a:xfrm>
-          <a:prstGeom prst="rect">
-            <a:avLst/>
-          </a:prstGeom>
-        </p:spPr>
-      </p:pic>
+              <a:t>Support</a:t>
+            </a:r>
+          </a:p>
+          <a:p>
+            <a:pPr lvl="1"/>
+            <a:r>
+              <a:rPr lang="en-US" dirty="0" smtClean="0"/>
+              <a:t>Printed material that is not part of the finished model</a:t>
+            </a:r>
+          </a:p>
+          <a:p>
+            <a:pPr lvl="1"/>
+            <a:r>
+              <a:rPr lang="en-US" dirty="0" smtClean="0"/>
+              <a:t>scaffolding</a:t>
+            </a:r>
+          </a:p>
+        </p:txBody>
+      </p:sp>
     </p:spTree>
     <p:extLst>
       <p:ext uri="{BB962C8B-B14F-4D97-AF65-F5344CB8AC3E}">
-        <p14:creationId xmlns:p14="http://schemas.microsoft.com/office/powerpoint/2010/main" val="2809639533"/>
+        <p14:creationId xmlns:p14="http://schemas.microsoft.com/office/powerpoint/2010/main" val="2386436646"/>
       </p:ext>
     </p:extLst>
   </p:cSld>
@@ -6128,13 +6114,13 @@
             <a:spLocks noGrp="1"/>
           </p:cNvSpPr>
           <p:nvPr>
-            <p:ph type="ctrTitle"/>
-          </p:nvPr>
-        </p:nvSpPr>
-        <p:spPr>
-          <a:xfrm>
-            <a:off x="533400" y="457200"/>
-            <a:ext cx="7772400" cy="1470025"/>
+            <p:ph type="title"/>
+          </p:nvPr>
+        </p:nvSpPr>
+        <p:spPr>
+          <a:xfrm>
+            <a:off x="457200" y="0"/>
+            <a:ext cx="8229600" cy="1143000"/>
           </a:xfrm>
         </p:spPr>
         <p:txBody>
@@ -6143,7 +6129,7 @@
           <a:p>
             <a:r>
               <a:rPr lang="en-US" dirty="0" smtClean="0"/>
-              <a:t>Introduction to 3D Printing</a:t>
+              <a:t>Upcoming Events</a:t>
             </a:r>
             <a:endParaRPr lang="en-US" dirty="0"/>
           </a:p>
@@ -6151,18 +6137,18 @@
       </p:sp>
       <p:sp>
         <p:nvSpPr>
-          <p:cNvPr id="3" name="Subtitle 2"/>
-          <p:cNvSpPr>
-            <a:spLocks noGrp="1"/>
-          </p:cNvSpPr>
-          <p:nvPr>
-            <p:ph type="subTitle" idx="1"/>
-          </p:nvPr>
-        </p:nvSpPr>
-        <p:spPr>
-          <a:xfrm>
-            <a:off x="228600" y="2212975"/>
-            <a:ext cx="8458200" cy="1752600"/>
+          <p:cNvPr id="3" name="Content Placeholder 2"/>
+          <p:cNvSpPr>
+            <a:spLocks noGrp="1"/>
+          </p:cNvSpPr>
+          <p:nvPr>
+            <p:ph idx="1"/>
+          </p:nvPr>
+        </p:nvSpPr>
+        <p:spPr>
+          <a:xfrm>
+            <a:off x="152400" y="990600"/>
+            <a:ext cx="8991600" cy="4525963"/>
           </a:xfrm>
         </p:spPr>
         <p:txBody>
@@ -6171,27 +6157,36 @@
           <a:p>
             <a:r>
               <a:rPr lang="en-US" dirty="0" smtClean="0"/>
-              <a:t>“</a:t>
-            </a:r>
-            <a:r>
-              <a:rPr lang="en-US" dirty="0"/>
-              <a:t> I want to say one word to you. Just one word</a:t>
-            </a:r>
-            <a:r>
-              <a:rPr lang="en-US" dirty="0" smtClean="0"/>
-              <a:t>.…</a:t>
-            </a:r>
-          </a:p>
-          <a:p>
-            <a:r>
-              <a:rPr lang="en-US" dirty="0" smtClean="0"/>
-              <a:t>Plastics”</a:t>
-            </a:r>
-          </a:p>
-          <a:p>
-            <a:r>
-              <a:rPr lang="en-US" dirty="0" smtClean="0"/>
-              <a:t>The Graduate - 1967</a:t>
+              <a:t>Nov 13 </a:t>
+            </a:r>
+            <a:r>
+              <a:rPr lang="en-US" dirty="0" smtClean="0"/>
+              <a:t>– Code &amp; Coffee (free)</a:t>
+            </a:r>
+          </a:p>
+          <a:p>
+            <a:r>
+              <a:rPr lang="en-US" dirty="0" smtClean="0"/>
+              <a:t>2017</a:t>
+            </a:r>
+            <a:endParaRPr lang="en-US" dirty="0" smtClean="0"/>
+          </a:p>
+          <a:p>
+            <a:pPr lvl="1"/>
+            <a:r>
+              <a:rPr lang="en-US" dirty="0" smtClean="0"/>
+              <a:t>Beginning of the year party!</a:t>
+            </a:r>
+          </a:p>
+          <a:p>
+            <a:pPr lvl="1"/>
+            <a:r>
+              <a:rPr lang="en-US" dirty="0" smtClean="0"/>
+              <a:t>More</a:t>
+            </a:r>
+            <a:r>
+              <a:rPr lang="en-US" dirty="0" smtClean="0"/>
+              <a:t>!</a:t>
             </a:r>
             <a:endParaRPr lang="en-US" dirty="0"/>
           </a:p>
@@ -6200,7 +6195,7 @@
     </p:spTree>
     <p:extLst>
       <p:ext uri="{BB962C8B-B14F-4D97-AF65-F5344CB8AC3E}">
-        <p14:creationId xmlns:p14="http://schemas.microsoft.com/office/powerpoint/2010/main" val="2666580265"/>
+        <p14:creationId xmlns:p14="http://schemas.microsoft.com/office/powerpoint/2010/main" val="2425312264"/>
       </p:ext>
     </p:extLst>
   </p:cSld>
@@ -6256,7 +6251,7 @@
           <a:p>
             <a:r>
               <a:rPr lang="en-US" dirty="0" smtClean="0"/>
-              <a:t>Terminology / Settings</a:t>
+              <a:t>Support</a:t>
             </a:r>
             <a:endParaRPr lang="en-US" dirty="0"/>
           </a:p>
@@ -6274,8 +6269,8 @@
         </p:nvSpPr>
         <p:spPr>
           <a:xfrm>
-            <a:off x="1295400" y="914400"/>
-            <a:ext cx="7086600" cy="4267200"/>
+            <a:off x="228600" y="914400"/>
+            <a:ext cx="8839200" cy="4267200"/>
           </a:xfrm>
         </p:spPr>
         <p:txBody>
@@ -6286,22 +6281,7 @@
           <a:p>
             <a:r>
               <a:rPr lang="en-US" dirty="0" smtClean="0"/>
-              <a:t>Skirt (brim)</a:t>
-            </a:r>
-          </a:p>
-          <a:p>
-            <a:r>
-              <a:rPr lang="en-US" dirty="0" smtClean="0"/>
-              <a:t>Raft</a:t>
-            </a:r>
-          </a:p>
-          <a:p>
-            <a:pPr marL="0" indent="0">
-              <a:buNone/>
-            </a:pPr>
-            <a:r>
-              <a:rPr lang="en-US" dirty="0" smtClean="0"/>
-              <a:t>These are both used to help the model stick to the build platform and reduce warping</a:t>
+              <a:t>Overhangs</a:t>
             </a:r>
           </a:p>
           <a:p>
@@ -6309,10 +6289,54 @@
           </a:p>
         </p:txBody>
       </p:sp>
+      <p:pic>
+        <p:nvPicPr>
+          <p:cNvPr id="4" name="Picture 3"/>
+          <p:cNvPicPr/>
+          <p:nvPr/>
+        </p:nvPicPr>
+        <p:blipFill>
+          <a:blip r:embed="rId2"/>
+          <a:stretch>
+            <a:fillRect/>
+          </a:stretch>
+        </p:blipFill>
+        <p:spPr>
+          <a:xfrm>
+            <a:off x="567644" y="1600200"/>
+            <a:ext cx="3318556" cy="3485079"/>
+          </a:xfrm>
+          <a:prstGeom prst="rect">
+            <a:avLst/>
+          </a:prstGeom>
+        </p:spPr>
+      </p:pic>
+      <p:pic>
+        <p:nvPicPr>
+          <p:cNvPr id="5" name="Picture 4"/>
+          <p:cNvPicPr/>
+          <p:nvPr/>
+        </p:nvPicPr>
+        <p:blipFill>
+          <a:blip r:embed="rId3"/>
+          <a:stretch>
+            <a:fillRect/>
+          </a:stretch>
+        </p:blipFill>
+        <p:spPr>
+          <a:xfrm>
+            <a:off x="4724400" y="1524000"/>
+            <a:ext cx="2971800" cy="3578047"/>
+          </a:xfrm>
+          <a:prstGeom prst="rect">
+            <a:avLst/>
+          </a:prstGeom>
+        </p:spPr>
+      </p:pic>
     </p:spTree>
     <p:extLst>
       <p:ext uri="{BB962C8B-B14F-4D97-AF65-F5344CB8AC3E}">
-        <p14:creationId xmlns:p14="http://schemas.microsoft.com/office/powerpoint/2010/main" val="3663513500"/>
+        <p14:creationId xmlns:p14="http://schemas.microsoft.com/office/powerpoint/2010/main" val="2809639533"/>
       </p:ext>
     </p:extLst>
   </p:cSld>
@@ -6368,7 +6392,7 @@
           <a:p>
             <a:r>
               <a:rPr lang="en-US" dirty="0" smtClean="0"/>
-              <a:t>Skirt / Brim</a:t>
+              <a:t>Terminology / Settings</a:t>
             </a:r>
             <a:endParaRPr lang="en-US" dirty="0"/>
           </a:p>
@@ -6376,128 +6400,55 @@
       </p:sp>
       <p:sp>
         <p:nvSpPr>
-          <p:cNvPr id="11" name="TextBox 10"/>
-          <p:cNvSpPr txBox="1"/>
-          <p:nvPr/>
-        </p:nvSpPr>
-        <p:spPr>
-          <a:xfrm>
-            <a:off x="1897743" y="5094162"/>
-            <a:ext cx="1028700" cy="523220"/>
-          </a:xfrm>
-          <a:prstGeom prst="rect">
-            <a:avLst/>
-          </a:prstGeom>
-          <a:noFill/>
-        </p:spPr>
-        <p:txBody>
-          <a:bodyPr wrap="square" rtlCol="0">
-            <a:spAutoFit/>
+          <p:cNvPr id="3" name="Content Placeholder 2"/>
+          <p:cNvSpPr>
+            <a:spLocks noGrp="1"/>
+          </p:cNvSpPr>
+          <p:nvPr>
+            <p:ph idx="1"/>
+          </p:nvPr>
+        </p:nvSpPr>
+        <p:spPr>
+          <a:xfrm>
+            <a:off x="1295400" y="914400"/>
+            <a:ext cx="7086600" cy="4267200"/>
+          </a:xfrm>
+        </p:spPr>
+        <p:txBody>
+          <a:bodyPr>
+            <a:normAutofit/>
           </a:bodyPr>
           <a:lstStyle/>
           <a:p>
             <a:r>
-              <a:rPr lang="en-US" sz="2800" dirty="0" smtClean="0"/>
-              <a:t>Top</a:t>
-            </a:r>
-            <a:endParaRPr lang="en-US" sz="2800" dirty="0"/>
-          </a:p>
-        </p:txBody>
-      </p:sp>
-      <p:sp>
-        <p:nvSpPr>
-          <p:cNvPr id="13" name="TextBox 12"/>
-          <p:cNvSpPr txBox="1"/>
-          <p:nvPr/>
-        </p:nvSpPr>
-        <p:spPr>
-          <a:xfrm>
-            <a:off x="5687805" y="5094162"/>
-            <a:ext cx="1447800" cy="523220"/>
-          </a:xfrm>
-          <a:prstGeom prst="rect">
-            <a:avLst/>
-          </a:prstGeom>
-          <a:noFill/>
-        </p:spPr>
-        <p:txBody>
-          <a:bodyPr wrap="square" rtlCol="0">
-            <a:spAutoFit/>
-          </a:bodyPr>
-          <a:lstStyle/>
-          <a:p>
-            <a:r>
-              <a:rPr lang="en-US" sz="2800" dirty="0" smtClean="0"/>
-              <a:t>Bottom</a:t>
-            </a:r>
-            <a:endParaRPr lang="en-US" sz="2800" dirty="0"/>
-          </a:p>
-        </p:txBody>
-      </p:sp>
-      <p:pic>
-        <p:nvPicPr>
-          <p:cNvPr id="3" name="Picture 2"/>
-          <p:cNvPicPr>
-            <a:picLocks noChangeAspect="1"/>
-          </p:cNvPicPr>
-          <p:nvPr/>
-        </p:nvPicPr>
-        <p:blipFill>
-          <a:blip r:embed="rId2">
-            <a:extLst>
-              <a:ext uri="{28A0092B-C50C-407E-A947-70E740481C1C}">
-                <a14:useLocalDpi xmlns:a14="http://schemas.microsoft.com/office/drawing/2010/main" val="0"/>
-              </a:ext>
-            </a:extLst>
-          </a:blip>
-          <a:stretch>
-            <a:fillRect/>
-          </a:stretch>
-        </p:blipFill>
-        <p:spPr>
-          <a:xfrm>
-            <a:off x="21771" y="1219200"/>
-            <a:ext cx="4286250" cy="3604194"/>
-          </a:xfrm>
-          <a:prstGeom prst="rect">
-            <a:avLst/>
-          </a:prstGeom>
-        </p:spPr>
-      </p:pic>
-      <p:pic>
-        <p:nvPicPr>
-          <p:cNvPr id="4" name="Picture 3"/>
-          <p:cNvPicPr>
-            <a:picLocks noChangeAspect="1"/>
-          </p:cNvPicPr>
-          <p:nvPr/>
-        </p:nvPicPr>
-        <p:blipFill>
-          <a:blip r:embed="rId3">
-            <a:extLst>
-              <a:ext uri="{28A0092B-C50C-407E-A947-70E740481C1C}">
-                <a14:useLocalDpi xmlns:a14="http://schemas.microsoft.com/office/drawing/2010/main" val="0"/>
-              </a:ext>
-            </a:extLst>
-          </a:blip>
-          <a:stretch>
-            <a:fillRect/>
-          </a:stretch>
-        </p:blipFill>
-        <p:spPr>
-          <a:xfrm>
-            <a:off x="4495800" y="1219200"/>
-            <a:ext cx="4510352" cy="3719286"/>
-          </a:xfrm>
-          <a:prstGeom prst="rect">
-            <a:avLst/>
-          </a:prstGeom>
-        </p:spPr>
-      </p:pic>
+              <a:rPr lang="en-US" dirty="0" smtClean="0"/>
+              <a:t>Skirt (brim)</a:t>
+            </a:r>
+          </a:p>
+          <a:p>
+            <a:r>
+              <a:rPr lang="en-US" dirty="0" smtClean="0"/>
+              <a:t>Raft</a:t>
+            </a:r>
+          </a:p>
+          <a:p>
+            <a:pPr marL="0" indent="0">
+              <a:buNone/>
+            </a:pPr>
+            <a:r>
+              <a:rPr lang="en-US" dirty="0" smtClean="0"/>
+              <a:t>These are both used to help the model stick to the build platform and reduce warping</a:t>
+            </a:r>
+          </a:p>
+          <a:p>
+            <a:endParaRPr lang="en-US" dirty="0" smtClean="0"/>
+          </a:p>
+        </p:txBody>
+      </p:sp>
     </p:spTree>
     <p:extLst>
       <p:ext uri="{BB962C8B-B14F-4D97-AF65-F5344CB8AC3E}">
-        <p14:creationId xmlns:p14="http://schemas.microsoft.com/office/powerpoint/2010/main" val="81158189"/>
+        <p14:creationId xmlns:p14="http://schemas.microsoft.com/office/powerpoint/2010/main" val="3663513500"/>
       </p:ext>
     </p:extLst>
   </p:cSld>
@@ -6553,15 +6504,75 @@
           <a:p>
             <a:r>
               <a:rPr lang="en-US" dirty="0" smtClean="0"/>
-              <a:t>Raft</a:t>
+              <a:t>Skirt / Brim</a:t>
             </a:r>
             <a:endParaRPr lang="en-US" dirty="0"/>
+          </a:p>
+        </p:txBody>
+      </p:sp>
+      <p:sp>
+        <p:nvSpPr>
+          <p:cNvPr id="11" name="TextBox 10"/>
+          <p:cNvSpPr txBox="1"/>
+          <p:nvPr/>
+        </p:nvSpPr>
+        <p:spPr>
+          <a:xfrm>
+            <a:off x="1897743" y="5094162"/>
+            <a:ext cx="1028700" cy="523220"/>
+          </a:xfrm>
+          <a:prstGeom prst="rect">
+            <a:avLst/>
+          </a:prstGeom>
+          <a:noFill/>
+        </p:spPr>
+        <p:txBody>
+          <a:bodyPr wrap="square" rtlCol="0">
+            <a:spAutoFit/>
+          </a:bodyPr>
+          <a:lstStyle/>
+          <a:p>
+            <a:r>
+              <a:rPr lang="en-US" sz="2800" dirty="0" smtClean="0"/>
+              <a:t>Top</a:t>
+            </a:r>
+            <a:endParaRPr lang="en-US" sz="2800" dirty="0"/>
+          </a:p>
+        </p:txBody>
+      </p:sp>
+      <p:sp>
+        <p:nvSpPr>
+          <p:cNvPr id="13" name="TextBox 12"/>
+          <p:cNvSpPr txBox="1"/>
+          <p:nvPr/>
+        </p:nvSpPr>
+        <p:spPr>
+          <a:xfrm>
+            <a:off x="5687805" y="5094162"/>
+            <a:ext cx="1447800" cy="523220"/>
+          </a:xfrm>
+          <a:prstGeom prst="rect">
+            <a:avLst/>
+          </a:prstGeom>
+          <a:noFill/>
+        </p:spPr>
+        <p:txBody>
+          <a:bodyPr wrap="square" rtlCol="0">
+            <a:spAutoFit/>
+          </a:bodyPr>
+          <a:lstStyle/>
+          <a:p>
+            <a:r>
+              <a:rPr lang="en-US" sz="2800" dirty="0" smtClean="0"/>
+              <a:t>Bottom</a:t>
+            </a:r>
+            <a:endParaRPr lang="en-US" sz="2800" dirty="0"/>
           </a:p>
         </p:txBody>
       </p:sp>
       <p:pic>
         <p:nvPicPr>
-          <p:cNvPr id="9" name="Picture 8"/>
+          <p:cNvPr id="3" name="Picture 2"/>
           <p:cNvPicPr>
             <a:picLocks noChangeAspect="1"/>
           </p:cNvPicPr>
@@ -6581,8 +6592,8 @@
         </p:blipFill>
         <p:spPr>
           <a:xfrm>
-            <a:off x="228600" y="1371600"/>
-            <a:ext cx="4590197" cy="3661229"/>
+            <a:off x="21771" y="1219200"/>
+            <a:ext cx="4286250" cy="3604194"/>
           </a:xfrm>
           <a:prstGeom prst="rect">
             <a:avLst/>
@@ -6591,7 +6602,7 @@
       </p:pic>
       <p:pic>
         <p:nvPicPr>
-          <p:cNvPr id="10" name="Picture 9"/>
+          <p:cNvPr id="4" name="Picture 3"/>
           <p:cNvPicPr>
             <a:picLocks noChangeAspect="1"/>
           </p:cNvPicPr>
@@ -6611,78 +6622,18 @@
         </p:blipFill>
         <p:spPr>
           <a:xfrm>
-            <a:off x="4953000" y="1479593"/>
-            <a:ext cx="4070557" cy="3445242"/>
+            <a:off x="4495800" y="1219200"/>
+            <a:ext cx="4510352" cy="3719286"/>
           </a:xfrm>
           <a:prstGeom prst="rect">
             <a:avLst/>
           </a:prstGeom>
         </p:spPr>
       </p:pic>
-      <p:sp>
-        <p:nvSpPr>
-          <p:cNvPr id="11" name="TextBox 10"/>
-          <p:cNvSpPr txBox="1"/>
-          <p:nvPr/>
-        </p:nvSpPr>
-        <p:spPr>
-          <a:xfrm>
-            <a:off x="1905000" y="5326743"/>
-            <a:ext cx="1028700" cy="523220"/>
-          </a:xfrm>
-          <a:prstGeom prst="rect">
-            <a:avLst/>
-          </a:prstGeom>
-          <a:noFill/>
-        </p:spPr>
-        <p:txBody>
-          <a:bodyPr wrap="square" rtlCol="0">
-            <a:spAutoFit/>
-          </a:bodyPr>
-          <a:lstStyle/>
-          <a:p>
-            <a:r>
-              <a:rPr lang="en-US" sz="2800" dirty="0" smtClean="0"/>
-              <a:t>Top</a:t>
-            </a:r>
-            <a:endParaRPr lang="en-US" sz="2800" dirty="0"/>
-          </a:p>
-        </p:txBody>
-      </p:sp>
-      <p:sp>
-        <p:nvSpPr>
-          <p:cNvPr id="13" name="TextBox 12"/>
-          <p:cNvSpPr txBox="1"/>
-          <p:nvPr/>
-        </p:nvSpPr>
-        <p:spPr>
-          <a:xfrm>
-            <a:off x="5715000" y="5471886"/>
-            <a:ext cx="1447800" cy="523220"/>
-          </a:xfrm>
-          <a:prstGeom prst="rect">
-            <a:avLst/>
-          </a:prstGeom>
-          <a:noFill/>
-        </p:spPr>
-        <p:txBody>
-          <a:bodyPr wrap="square" rtlCol="0">
-            <a:spAutoFit/>
-          </a:bodyPr>
-          <a:lstStyle/>
-          <a:p>
-            <a:r>
-              <a:rPr lang="en-US" sz="2800" dirty="0" smtClean="0"/>
-              <a:t>Bottom</a:t>
-            </a:r>
-            <a:endParaRPr lang="en-US" sz="2800" dirty="0"/>
-          </a:p>
-        </p:txBody>
-      </p:sp>
     </p:spTree>
     <p:extLst>
       <p:ext uri="{BB962C8B-B14F-4D97-AF65-F5344CB8AC3E}">
-        <p14:creationId xmlns:p14="http://schemas.microsoft.com/office/powerpoint/2010/main" val="1167614816"/>
+        <p14:creationId xmlns:p14="http://schemas.microsoft.com/office/powerpoint/2010/main" val="81158189"/>
       </p:ext>
     </p:extLst>
   </p:cSld>
@@ -6738,6 +6689,191 @@
           <a:p>
             <a:r>
               <a:rPr lang="en-US" dirty="0" smtClean="0"/>
+              <a:t>Raft</a:t>
+            </a:r>
+            <a:endParaRPr lang="en-US" dirty="0"/>
+          </a:p>
+        </p:txBody>
+      </p:sp>
+      <p:pic>
+        <p:nvPicPr>
+          <p:cNvPr id="9" name="Picture 8"/>
+          <p:cNvPicPr>
+            <a:picLocks noChangeAspect="1"/>
+          </p:cNvPicPr>
+          <p:nvPr/>
+        </p:nvPicPr>
+        <p:blipFill>
+          <a:blip r:embed="rId2">
+            <a:extLst>
+              <a:ext uri="{28A0092B-C50C-407E-A947-70E740481C1C}">
+                <a14:useLocalDpi xmlns:a14="http://schemas.microsoft.com/office/drawing/2010/main" val="0"/>
+              </a:ext>
+            </a:extLst>
+          </a:blip>
+          <a:stretch>
+            <a:fillRect/>
+          </a:stretch>
+        </p:blipFill>
+        <p:spPr>
+          <a:xfrm>
+            <a:off x="228600" y="1371600"/>
+            <a:ext cx="4590197" cy="3661229"/>
+          </a:xfrm>
+          <a:prstGeom prst="rect">
+            <a:avLst/>
+          </a:prstGeom>
+        </p:spPr>
+      </p:pic>
+      <p:pic>
+        <p:nvPicPr>
+          <p:cNvPr id="10" name="Picture 9"/>
+          <p:cNvPicPr>
+            <a:picLocks noChangeAspect="1"/>
+          </p:cNvPicPr>
+          <p:nvPr/>
+        </p:nvPicPr>
+        <p:blipFill>
+          <a:blip r:embed="rId3">
+            <a:extLst>
+              <a:ext uri="{28A0092B-C50C-407E-A947-70E740481C1C}">
+                <a14:useLocalDpi xmlns:a14="http://schemas.microsoft.com/office/drawing/2010/main" val="0"/>
+              </a:ext>
+            </a:extLst>
+          </a:blip>
+          <a:stretch>
+            <a:fillRect/>
+          </a:stretch>
+        </p:blipFill>
+        <p:spPr>
+          <a:xfrm>
+            <a:off x="4953000" y="1479593"/>
+            <a:ext cx="4070557" cy="3445242"/>
+          </a:xfrm>
+          <a:prstGeom prst="rect">
+            <a:avLst/>
+          </a:prstGeom>
+        </p:spPr>
+      </p:pic>
+      <p:sp>
+        <p:nvSpPr>
+          <p:cNvPr id="11" name="TextBox 10"/>
+          <p:cNvSpPr txBox="1"/>
+          <p:nvPr/>
+        </p:nvSpPr>
+        <p:spPr>
+          <a:xfrm>
+            <a:off x="1905000" y="5326743"/>
+            <a:ext cx="1028700" cy="523220"/>
+          </a:xfrm>
+          <a:prstGeom prst="rect">
+            <a:avLst/>
+          </a:prstGeom>
+          <a:noFill/>
+        </p:spPr>
+        <p:txBody>
+          <a:bodyPr wrap="square" rtlCol="0">
+            <a:spAutoFit/>
+          </a:bodyPr>
+          <a:lstStyle/>
+          <a:p>
+            <a:r>
+              <a:rPr lang="en-US" sz="2800" dirty="0" smtClean="0"/>
+              <a:t>Top</a:t>
+            </a:r>
+            <a:endParaRPr lang="en-US" sz="2800" dirty="0"/>
+          </a:p>
+        </p:txBody>
+      </p:sp>
+      <p:sp>
+        <p:nvSpPr>
+          <p:cNvPr id="13" name="TextBox 12"/>
+          <p:cNvSpPr txBox="1"/>
+          <p:nvPr/>
+        </p:nvSpPr>
+        <p:spPr>
+          <a:xfrm>
+            <a:off x="5715000" y="5471886"/>
+            <a:ext cx="1447800" cy="523220"/>
+          </a:xfrm>
+          <a:prstGeom prst="rect">
+            <a:avLst/>
+          </a:prstGeom>
+          <a:noFill/>
+        </p:spPr>
+        <p:txBody>
+          <a:bodyPr wrap="square" rtlCol="0">
+            <a:spAutoFit/>
+          </a:bodyPr>
+          <a:lstStyle/>
+          <a:p>
+            <a:r>
+              <a:rPr lang="en-US" sz="2800" dirty="0" smtClean="0"/>
+              <a:t>Bottom</a:t>
+            </a:r>
+            <a:endParaRPr lang="en-US" sz="2800" dirty="0"/>
+          </a:p>
+        </p:txBody>
+      </p:sp>
+    </p:spTree>
+    <p:extLst>
+      <p:ext uri="{BB962C8B-B14F-4D97-AF65-F5344CB8AC3E}">
+        <p14:creationId xmlns:p14="http://schemas.microsoft.com/office/powerpoint/2010/main" val="1167614816"/>
+      </p:ext>
+    </p:extLst>
+  </p:cSld>
+  <p:clrMapOvr>
+    <a:masterClrMapping/>
+  </p:clrMapOvr>
+  <p:timing>
+    <p:tnLst>
+      <p:par>
+        <p:cTn id="1" dur="indefinite" restart="never" nodeType="tmRoot"/>
+      </p:par>
+    </p:tnLst>
+  </p:timing>
+</p:sld>
+</file>
+
+<file path=ppt/slides/slide34.xml><?xml version="1.0" encoding="utf-8"?>
+<p:sld xmlns:a="http://schemas.openxmlformats.org/drawingml/2006/main" xmlns:r="http://schemas.openxmlformats.org/officeDocument/2006/relationships" xmlns:p="http://schemas.openxmlformats.org/presentationml/2006/main">
+  <p:cSld>
+    <p:spTree>
+      <p:nvGrpSpPr>
+        <p:cNvPr id="1" name=""/>
+        <p:cNvGrpSpPr/>
+        <p:nvPr/>
+      </p:nvGrpSpPr>
+      <p:grpSpPr>
+        <a:xfrm>
+          <a:off x="0" y="0"/>
+          <a:ext cx="0" cy="0"/>
+          <a:chOff x="0" y="0"/>
+          <a:chExt cx="0" cy="0"/>
+        </a:xfrm>
+      </p:grpSpPr>
+      <p:sp>
+        <p:nvSpPr>
+          <p:cNvPr id="2" name="Title 1"/>
+          <p:cNvSpPr>
+            <a:spLocks noGrp="1"/>
+          </p:cNvSpPr>
+          <p:nvPr>
+            <p:ph type="title"/>
+          </p:nvPr>
+        </p:nvSpPr>
+        <p:spPr>
+          <a:xfrm>
+            <a:off x="457200" y="0"/>
+            <a:ext cx="8229600" cy="1143000"/>
+          </a:xfrm>
+        </p:spPr>
+        <p:txBody>
+          <a:bodyPr/>
+          <a:lstStyle/>
+          <a:p>
+            <a:r>
+              <a:rPr lang="en-US" dirty="0" smtClean="0"/>
               <a:t>Stick It</a:t>
             </a:r>
             <a:endParaRPr lang="en-US" dirty="0"/>
@@ -6831,7 +6967,7 @@
 </p:sld>
 </file>
 
-<file path=ppt/slides/slide34.xml><?xml version="1.0" encoding="utf-8"?>
+<file path=ppt/slides/slide35.xml><?xml version="1.0" encoding="utf-8"?>
 <p:sld xmlns:a="http://schemas.openxmlformats.org/drawingml/2006/main" xmlns:r="http://schemas.openxmlformats.org/officeDocument/2006/relationships" xmlns:p="http://schemas.openxmlformats.org/presentationml/2006/main">
   <p:cSld>
     <p:spTree>
@@ -7980,7 +8116,7 @@
 </p:sld>
 </file>
 
-<file path=ppt/slides/slide35.xml><?xml version="1.0" encoding="utf-8"?>
+<file path=ppt/slides/slide36.xml><?xml version="1.0" encoding="utf-8"?>
 <p:sld xmlns:a="http://schemas.openxmlformats.org/drawingml/2006/main" xmlns:r="http://schemas.openxmlformats.org/officeDocument/2006/relationships" xmlns:p="http://schemas.openxmlformats.org/presentationml/2006/main">
   <p:cSld>
     <p:spTree>
@@ -8238,141 +8374,6 @@
     <p:extLst>
       <p:ext uri="{BB962C8B-B14F-4D97-AF65-F5344CB8AC3E}">
         <p14:creationId xmlns:p14="http://schemas.microsoft.com/office/powerpoint/2010/main" val="1361724888"/>
-      </p:ext>
-    </p:extLst>
-  </p:cSld>
-  <p:clrMapOvr>
-    <a:masterClrMapping/>
-  </p:clrMapOvr>
-  <p:timing>
-    <p:tnLst>
-      <p:par>
-        <p:cTn id="1" dur="indefinite" restart="never" nodeType="tmRoot"/>
-      </p:par>
-    </p:tnLst>
-  </p:timing>
-</p:sld>
-</file>
-
-<file path=ppt/slides/slide36.xml><?xml version="1.0" encoding="utf-8"?>
-<p:sld xmlns:a="http://schemas.openxmlformats.org/drawingml/2006/main" xmlns:r="http://schemas.openxmlformats.org/officeDocument/2006/relationships" xmlns:p="http://schemas.openxmlformats.org/presentationml/2006/main">
-  <p:cSld>
-    <p:spTree>
-      <p:nvGrpSpPr>
-        <p:cNvPr id="1" name=""/>
-        <p:cNvGrpSpPr/>
-        <p:nvPr/>
-      </p:nvGrpSpPr>
-      <p:grpSpPr>
-        <a:xfrm>
-          <a:off x="0" y="0"/>
-          <a:ext cx="0" cy="0"/>
-          <a:chOff x="0" y="0"/>
-          <a:chExt cx="0" cy="0"/>
-        </a:xfrm>
-      </p:grpSpPr>
-      <p:sp>
-        <p:nvSpPr>
-          <p:cNvPr id="2" name="Title 1"/>
-          <p:cNvSpPr>
-            <a:spLocks noGrp="1"/>
-          </p:cNvSpPr>
-          <p:nvPr>
-            <p:ph type="title"/>
-          </p:nvPr>
-        </p:nvSpPr>
-        <p:spPr>
-          <a:xfrm>
-            <a:off x="457200" y="0"/>
-            <a:ext cx="8229600" cy="1143000"/>
-          </a:xfrm>
-        </p:spPr>
-        <p:txBody>
-          <a:bodyPr/>
-          <a:lstStyle/>
-          <a:p>
-            <a:r>
-              <a:rPr lang="en-US" dirty="0" smtClean="0"/>
-              <a:t>How Many ‘x’ Can I Print?</a:t>
-            </a:r>
-            <a:endParaRPr lang="en-US" dirty="0"/>
-          </a:p>
-        </p:txBody>
-      </p:sp>
-      <p:sp>
-        <p:nvSpPr>
-          <p:cNvPr id="3" name="Content Placeholder 2"/>
-          <p:cNvSpPr>
-            <a:spLocks noGrp="1"/>
-          </p:cNvSpPr>
-          <p:nvPr>
-            <p:ph idx="1"/>
-          </p:nvPr>
-        </p:nvSpPr>
-        <p:spPr>
-          <a:xfrm>
-            <a:off x="228600" y="914400"/>
-            <a:ext cx="8839200" cy="4267200"/>
-          </a:xfrm>
-        </p:spPr>
-        <p:txBody>
-          <a:bodyPr>
-            <a:normAutofit/>
-          </a:bodyPr>
-          <a:lstStyle/>
-          <a:p>
-            <a:r>
-              <a:rPr lang="en-US" dirty="0" smtClean="0"/>
-              <a:t>Matter is neither created nor destroyed</a:t>
-            </a:r>
-          </a:p>
-          <a:p>
-            <a:r>
-              <a:rPr lang="en-US" dirty="0" smtClean="0"/>
-              <a:t>A standard spool of filament is 1kg (2.2 pounds)</a:t>
-            </a:r>
-          </a:p>
-          <a:p>
-            <a:r>
-              <a:rPr lang="en-US" dirty="0" smtClean="0"/>
-              <a:t>Ukulele weighs about </a:t>
-            </a:r>
-            <a:r>
-              <a:rPr lang="en-US" dirty="0"/>
-              <a:t>425g </a:t>
-            </a:r>
-            <a:r>
-              <a:rPr lang="en-US" dirty="0" smtClean="0"/>
-              <a:t>(</a:t>
-            </a:r>
-            <a:r>
-              <a:rPr lang="en-US" dirty="0"/>
-              <a:t>0.425kg</a:t>
-            </a:r>
-            <a:r>
-              <a:rPr lang="en-US" dirty="0" smtClean="0"/>
-              <a:t>) so it took just under half a spool of filament.</a:t>
-            </a:r>
-          </a:p>
-          <a:p>
-            <a:r>
-              <a:rPr lang="en-US" dirty="0" smtClean="0"/>
-              <a:t>A cookie cutter weighs &lt; 10g </a:t>
-            </a:r>
-          </a:p>
-          <a:p>
-            <a:pPr lvl="1"/>
-            <a:r>
-              <a:rPr lang="en-US" dirty="0" smtClean="0"/>
-              <a:t>1000g / 10 = 100 so you can print about 100 cookie cutters from a single 1kg (1000g) spool of filament.</a:t>
-            </a:r>
-          </a:p>
-        </p:txBody>
-      </p:sp>
-    </p:spTree>
-    <p:extLst>
-      <p:ext uri="{BB962C8B-B14F-4D97-AF65-F5344CB8AC3E}">
-        <p14:creationId xmlns:p14="http://schemas.microsoft.com/office/powerpoint/2010/main" val="920553704"/>
       </p:ext>
     </p:extLst>
   </p:cSld>
@@ -8418,8 +8419,36 @@
         </p:nvSpPr>
         <p:spPr>
           <a:xfrm>
-            <a:off x="381000" y="3629"/>
-            <a:ext cx="8229600" cy="762000"/>
+            <a:off x="457200" y="0"/>
+            <a:ext cx="8229600" cy="1143000"/>
+          </a:xfrm>
+        </p:spPr>
+        <p:txBody>
+          <a:bodyPr/>
+          <a:lstStyle/>
+          <a:p>
+            <a:r>
+              <a:rPr lang="en-US" dirty="0" smtClean="0"/>
+              <a:t>How Many ‘x’ Can I Print?</a:t>
+            </a:r>
+            <a:endParaRPr lang="en-US" dirty="0"/>
+          </a:p>
+        </p:txBody>
+      </p:sp>
+      <p:sp>
+        <p:nvSpPr>
+          <p:cNvPr id="3" name="Content Placeholder 2"/>
+          <p:cNvSpPr>
+            <a:spLocks noGrp="1"/>
+          </p:cNvSpPr>
+          <p:nvPr>
+            <p:ph idx="1"/>
+          </p:nvPr>
+        </p:nvSpPr>
+        <p:spPr>
+          <a:xfrm>
+            <a:off x="228600" y="914400"/>
+            <a:ext cx="8839200" cy="4267200"/>
           </a:xfrm>
         </p:spPr>
         <p:txBody>
@@ -8430,192 +8459,120 @@
           <a:p>
             <a:r>
               <a:rPr lang="en-US" dirty="0" smtClean="0"/>
-              <a:t>Questions! </a:t>
-            </a:r>
-            <a:r>
-              <a:rPr lang="en-US" sz="3200" dirty="0" smtClean="0"/>
-              <a:t>(3D </a:t>
-            </a:r>
-            <a:r>
-              <a:rPr lang="en-US" sz="3200" dirty="0"/>
-              <a:t>Printing </a:t>
-            </a:r>
-            <a:r>
-              <a:rPr lang="en-US" sz="3200" dirty="0" smtClean="0"/>
-              <a:t>Resources)</a:t>
+              <a:t>Matter is neither created nor destroyed</a:t>
+            </a:r>
+          </a:p>
+          <a:p>
+            <a:r>
+              <a:rPr lang="en-US" dirty="0" smtClean="0"/>
+              <a:t>A standard spool of filament is 1kg (2.2 pounds)</a:t>
+            </a:r>
+          </a:p>
+          <a:p>
+            <a:r>
+              <a:rPr lang="en-US" dirty="0" smtClean="0"/>
+              <a:t>Ukulele weighs about </a:t>
+            </a:r>
+            <a:r>
+              <a:rPr lang="en-US" dirty="0"/>
+              <a:t>425g </a:t>
+            </a:r>
+            <a:r>
+              <a:rPr lang="en-US" dirty="0" smtClean="0"/>
+              <a:t>(</a:t>
+            </a:r>
+            <a:r>
+              <a:rPr lang="en-US" dirty="0"/>
+              <a:t>0.425kg</a:t>
+            </a:r>
+            <a:r>
+              <a:rPr lang="en-US" dirty="0" smtClean="0"/>
+              <a:t>) so it took just under half a spool of filament.</a:t>
+            </a:r>
+          </a:p>
+          <a:p>
+            <a:r>
+              <a:rPr lang="en-US" dirty="0" smtClean="0"/>
+              <a:t>A cookie cutter weighs &lt; 10g </a:t>
+            </a:r>
+          </a:p>
+          <a:p>
+            <a:pPr lvl="1"/>
+            <a:r>
+              <a:rPr lang="en-US" dirty="0" smtClean="0"/>
+              <a:t>1000g / 10 = 100 so you can print about 100 cookie cutters from a single 1kg (1000g) spool of filament.</a:t>
+            </a:r>
+          </a:p>
+        </p:txBody>
+      </p:sp>
+    </p:spTree>
+    <p:extLst>
+      <p:ext uri="{BB962C8B-B14F-4D97-AF65-F5344CB8AC3E}">
+        <p14:creationId xmlns:p14="http://schemas.microsoft.com/office/powerpoint/2010/main" val="920553704"/>
+      </p:ext>
+    </p:extLst>
+  </p:cSld>
+  <p:clrMapOvr>
+    <a:masterClrMapping/>
+  </p:clrMapOvr>
+  <p:timing>
+    <p:tnLst>
+      <p:par>
+        <p:cTn id="1" dur="indefinite" restart="never" nodeType="tmRoot"/>
+      </p:par>
+    </p:tnLst>
+  </p:timing>
+</p:sld>
+</file>
+
+<file path=ppt/slides/slide38.xml><?xml version="1.0" encoding="utf-8"?>
+<p:sld xmlns:a="http://schemas.openxmlformats.org/drawingml/2006/main" xmlns:r="http://schemas.openxmlformats.org/officeDocument/2006/relationships" xmlns:p="http://schemas.openxmlformats.org/presentationml/2006/main">
+  <p:cSld>
+    <p:spTree>
+      <p:nvGrpSpPr>
+        <p:cNvPr id="1" name=""/>
+        <p:cNvGrpSpPr/>
+        <p:nvPr/>
+      </p:nvGrpSpPr>
+      <p:grpSpPr>
+        <a:xfrm>
+          <a:off x="0" y="0"/>
+          <a:ext cx="0" cy="0"/>
+          <a:chOff x="0" y="0"/>
+          <a:chExt cx="0" cy="0"/>
+        </a:xfrm>
+      </p:grpSpPr>
+      <p:sp>
+        <p:nvSpPr>
+          <p:cNvPr id="2" name="Title 1"/>
+          <p:cNvSpPr>
+            <a:spLocks noGrp="1"/>
+          </p:cNvSpPr>
+          <p:nvPr>
+            <p:ph type="title"/>
+          </p:nvPr>
+        </p:nvSpPr>
+        <p:spPr>
+          <a:xfrm>
+            <a:off x="381000" y="3628"/>
+            <a:ext cx="8229600" cy="986971"/>
+          </a:xfrm>
+        </p:spPr>
+        <p:txBody>
+          <a:bodyPr>
+            <a:normAutofit/>
+          </a:bodyPr>
+          <a:lstStyle/>
+          <a:p>
+            <a:r>
+              <a:rPr lang="en-US" dirty="0" smtClean="0"/>
+              <a:t>Questions</a:t>
+            </a:r>
+            <a:r>
+              <a:rPr lang="en-US" dirty="0" smtClean="0"/>
+              <a:t>!</a:t>
             </a:r>
             <a:endParaRPr lang="en-US" sz="3200" dirty="0"/>
-          </a:p>
-        </p:txBody>
-      </p:sp>
-      <p:sp>
-        <p:nvSpPr>
-          <p:cNvPr id="3" name="Content Placeholder 2"/>
-          <p:cNvSpPr>
-            <a:spLocks noGrp="1"/>
-          </p:cNvSpPr>
-          <p:nvPr>
-            <p:ph idx="1"/>
-          </p:nvPr>
-        </p:nvSpPr>
-        <p:spPr>
-          <a:xfrm>
-            <a:off x="1371600" y="762000"/>
-            <a:ext cx="7315200" cy="5943600"/>
-          </a:xfrm>
-        </p:spPr>
-        <p:txBody>
-          <a:bodyPr>
-            <a:normAutofit lnSpcReduction="10000"/>
-          </a:bodyPr>
-          <a:lstStyle/>
-          <a:p>
-            <a:r>
-              <a:rPr lang="en-US" b="1" dirty="0" smtClean="0"/>
-              <a:t>Models</a:t>
-            </a:r>
-            <a:endParaRPr lang="en-US" b="1" dirty="0"/>
-          </a:p>
-          <a:p>
-            <a:pPr lvl="1"/>
-            <a:r>
-              <a:rPr lang="en-US" u="sng" dirty="0">
-                <a:hlinkClick r:id="rId2"/>
-              </a:rPr>
-              <a:t>www.thingiverse.com</a:t>
-            </a:r>
-            <a:endParaRPr lang="en-US" dirty="0"/>
-          </a:p>
-          <a:p>
-            <a:r>
-              <a:rPr lang="en-US" b="1" dirty="0"/>
-              <a:t>Modeling Software</a:t>
-            </a:r>
-          </a:p>
-          <a:p>
-            <a:pPr lvl="1"/>
-            <a:r>
-              <a:rPr lang="en-US" u="sng" dirty="0">
-                <a:hlinkClick r:id="rId3"/>
-              </a:rPr>
-              <a:t>www.tinkercad.com</a:t>
-            </a:r>
-            <a:endParaRPr lang="en-US" dirty="0"/>
-          </a:p>
-          <a:p>
-            <a:pPr lvl="1"/>
-            <a:r>
-              <a:rPr lang="en-US" u="sng" dirty="0">
-                <a:hlinkClick r:id="rId4"/>
-              </a:rPr>
-              <a:t>www.meshmixer.com</a:t>
-            </a:r>
-            <a:endParaRPr lang="en-US" dirty="0"/>
-          </a:p>
-          <a:p>
-            <a:pPr lvl="1"/>
-            <a:r>
-              <a:rPr lang="en-US" u="sng" dirty="0">
-                <a:hlinkClick r:id="rId5"/>
-              </a:rPr>
-              <a:t>www.123dapp.com</a:t>
-            </a:r>
-            <a:endParaRPr lang="en-US" dirty="0"/>
-          </a:p>
-          <a:p>
-            <a:pPr lvl="1"/>
-            <a:r>
-              <a:rPr lang="en-US" u="sng" dirty="0">
-                <a:hlinkClick r:id="rId6"/>
-              </a:rPr>
-              <a:t>www.blender.org</a:t>
-            </a:r>
-            <a:r>
-              <a:rPr lang="en-US" dirty="0"/>
-              <a:t> (open source)</a:t>
-            </a:r>
-          </a:p>
-          <a:p>
-            <a:r>
-              <a:rPr lang="en-US" b="1" dirty="0"/>
-              <a:t>3D Slicing / Printing software</a:t>
-            </a:r>
-          </a:p>
-          <a:p>
-            <a:pPr lvl="1"/>
-            <a:r>
-              <a:rPr lang="en-US" u="sng" dirty="0">
-                <a:hlinkClick r:id="rId7"/>
-              </a:rPr>
-              <a:t>www.replicat.org</a:t>
-            </a:r>
-            <a:r>
-              <a:rPr lang="en-US" dirty="0"/>
-              <a:t> (</a:t>
-            </a:r>
-            <a:r>
-              <a:rPr lang="en-US" dirty="0" err="1"/>
-              <a:t>ReplicatorG</a:t>
-            </a:r>
-            <a:r>
-              <a:rPr lang="en-US" dirty="0"/>
-              <a:t> )</a:t>
-            </a:r>
-          </a:p>
-          <a:p>
-            <a:pPr lvl="1"/>
-            <a:r>
-              <a:rPr lang="en-US" u="sng" dirty="0">
-                <a:hlinkClick r:id="rId8"/>
-              </a:rPr>
-              <a:t>www.repetier.com</a:t>
-            </a:r>
-            <a:r>
-              <a:rPr lang="en-US" dirty="0"/>
-              <a:t> (</a:t>
-            </a:r>
-            <a:r>
-              <a:rPr lang="en-US" dirty="0" err="1"/>
-              <a:t>Repetier</a:t>
-            </a:r>
-            <a:r>
-              <a:rPr lang="en-US" dirty="0"/>
-              <a:t>)</a:t>
-            </a:r>
-          </a:p>
-          <a:p>
-            <a:pPr lvl="1"/>
-            <a:r>
-              <a:rPr lang="en-US" u="sng" dirty="0">
-                <a:hlinkClick r:id="rId9"/>
-              </a:rPr>
-              <a:t>www.slic3r.org</a:t>
-            </a:r>
-            <a:r>
-              <a:rPr lang="en-US" dirty="0"/>
-              <a:t> (open source)</a:t>
-            </a:r>
-          </a:p>
-          <a:p>
-            <a:pPr lvl="1"/>
-            <a:r>
-              <a:rPr lang="en-US" u="sng" dirty="0">
-                <a:hlinkClick r:id="rId10"/>
-              </a:rPr>
-              <a:t>www.kisslicer.com</a:t>
-            </a:r>
-            <a:r>
-              <a:rPr lang="en-US" dirty="0"/>
-              <a:t> (single </a:t>
-            </a:r>
-            <a:r>
-              <a:rPr lang="en-US" dirty="0" err="1"/>
-              <a:t>printhead</a:t>
-            </a:r>
-            <a:r>
-              <a:rPr lang="en-US" dirty="0"/>
-              <a:t> free)</a:t>
-            </a:r>
           </a:p>
         </p:txBody>
       </p:sp>
@@ -8862,11 +8819,7 @@
             <a:pPr lvl="1"/>
             <a:r>
               <a:rPr lang="en-US" dirty="0" smtClean="0"/>
-              <a:t>Icing or pastry </a:t>
-            </a:r>
-            <a:r>
-              <a:rPr lang="en-US" dirty="0" smtClean="0"/>
-              <a:t>bag</a:t>
+              <a:t>Icing or pastry bag</a:t>
             </a:r>
           </a:p>
           <a:p>
@@ -8875,7 +8828,6 @@
               <a:rPr lang="en-US" dirty="0" smtClean="0"/>
               <a:t>Hot Glue gun</a:t>
             </a:r>
-            <a:endParaRPr lang="en-US" dirty="0" smtClean="0"/>
           </a:p>
         </p:txBody>
       </p:sp>
